--- a/2025-06-30 CAH.pptx
+++ b/2025-06-30 CAH.pptx
@@ -5,7 +5,7 @@
     <p:sldMasterId id="2147483738" r:id="rId1"/>
   </p:sldMasterIdLst>
   <p:notesMasterIdLst>
-    <p:notesMasterId r:id="rId9"/>
+    <p:notesMasterId r:id="rId10"/>
   </p:notesMasterIdLst>
   <p:sldIdLst>
     <p:sldId id="256" r:id="rId2"/>
@@ -15,6 +15,7 @@
     <p:sldId id="261" r:id="rId6"/>
     <p:sldId id="259" r:id="rId7"/>
     <p:sldId id="262" r:id="rId8"/>
+    <p:sldId id="263" r:id="rId9"/>
   </p:sldIdLst>
   <p:sldSz cx="12192000" cy="6858000"/>
   <p:notesSz cx="6858000" cy="9144000"/>
@@ -803,6 +804,277 @@
     <p:extLst>
       <p:ext uri="{BB962C8B-B14F-4D97-AF65-F5344CB8AC3E}">
         <p14:creationId xmlns:p14="http://schemas.microsoft.com/office/powerpoint/2010/main" val="2429561332"/>
+      </p:ext>
+    </p:extLst>
+  </p:cSld>
+  <p:clrMapOvr>
+    <a:masterClrMapping/>
+  </p:clrMapOvr>
+</p:notes>
+</file>
+
+<file path=ppt/notesSlides/notesSlide4.xml><?xml version="1.0" encoding="utf-8"?>
+<p:notes xmlns:a="http://schemas.openxmlformats.org/drawingml/2006/main" xmlns:r="http://schemas.openxmlformats.org/officeDocument/2006/relationships" xmlns:p="http://schemas.openxmlformats.org/presentationml/2006/main">
+  <p:cSld>
+    <p:spTree>
+      <p:nvGrpSpPr>
+        <p:cNvPr id="1" name=""/>
+        <p:cNvGrpSpPr/>
+        <p:nvPr/>
+      </p:nvGrpSpPr>
+      <p:grpSpPr>
+        <a:xfrm>
+          <a:off x="0" y="0"/>
+          <a:ext cx="0" cy="0"/>
+          <a:chOff x="0" y="0"/>
+          <a:chExt cx="0" cy="0"/>
+        </a:xfrm>
+      </p:grpSpPr>
+      <p:sp>
+        <p:nvSpPr>
+          <p:cNvPr id="2" name="Slide Image Placeholder 1"/>
+          <p:cNvSpPr>
+            <a:spLocks noGrp="1" noRot="1" noChangeAspect="1"/>
+          </p:cNvSpPr>
+          <p:nvPr>
+            <p:ph type="sldImg"/>
+          </p:nvPr>
+        </p:nvSpPr>
+        <p:spPr/>
+      </p:sp>
+      <p:sp>
+        <p:nvSpPr>
+          <p:cNvPr id="3" name="Notes Placeholder 2"/>
+          <p:cNvSpPr>
+            <a:spLocks noGrp="1"/>
+          </p:cNvSpPr>
+          <p:nvPr>
+            <p:ph type="body" idx="1"/>
+          </p:nvPr>
+        </p:nvSpPr>
+        <p:spPr/>
+        <p:txBody>
+          <a:bodyPr/>
+          <a:lstStyle/>
+          <a:p>
+            <a:pPr marL="171450" indent="-171450">
+              <a:buFont typeface="Arial" panose="020B0604020202020204" pitchFamily="34" charset="0"/>
+              <a:buChar char="•"/>
+            </a:pPr>
+            <a:r>
+              <a:rPr lang="en-US" dirty="0"/>
+              <a:t>Save task files to local repository (i.e., the relevant folder created in My Documents folder).</a:t>
+            </a:r>
+          </a:p>
+          <a:p>
+            <a:pPr marL="171450" indent="-171450">
+              <a:buFont typeface="Arial" panose="020B0604020202020204" pitchFamily="34" charset="0"/>
+              <a:buChar char="•"/>
+            </a:pPr>
+            <a:r>
+              <a:rPr lang="en-US" dirty="0"/>
+              <a:t>In the Git window, select changes to Commit (or save).</a:t>
+            </a:r>
+          </a:p>
+          <a:p>
+            <a:pPr marL="171450" indent="-171450">
+              <a:buFont typeface="Arial" panose="020B0604020202020204" pitchFamily="34" charset="0"/>
+              <a:buChar char="•"/>
+            </a:pPr>
+            <a:r>
+              <a:rPr lang="en-US" dirty="0"/>
+              <a:t>Describe changes, Commit changes, and Push changes to GitHub.</a:t>
+            </a:r>
+          </a:p>
+          <a:p>
+            <a:pPr marL="171450" indent="-171450">
+              <a:buFont typeface="Arial" panose="020B0604020202020204" pitchFamily="34" charset="0"/>
+              <a:buChar char="•"/>
+            </a:pPr>
+            <a:endParaRPr lang="en-US" dirty="0"/>
+          </a:p>
+          <a:p>
+            <a:pPr marL="171450" indent="-171450">
+              <a:buFont typeface="Arial" panose="020B0604020202020204" pitchFamily="34" charset="0"/>
+              <a:buChar char="•"/>
+            </a:pPr>
+            <a:endParaRPr lang="en-US" dirty="0"/>
+          </a:p>
+        </p:txBody>
+      </p:sp>
+      <p:sp>
+        <p:nvSpPr>
+          <p:cNvPr id="4" name="Slide Number Placeholder 3"/>
+          <p:cNvSpPr>
+            <a:spLocks noGrp="1"/>
+          </p:cNvSpPr>
+          <p:nvPr>
+            <p:ph type="sldNum" sz="quarter" idx="5"/>
+          </p:nvPr>
+        </p:nvSpPr>
+        <p:spPr/>
+        <p:txBody>
+          <a:bodyPr/>
+          <a:lstStyle/>
+          <a:p>
+            <a:fld id="{B7B3E9D7-7C42-42C9-B073-01B263BBC5B6}" type="slidenum">
+              <a:rPr lang="en-US" smtClean="0"/>
+              <a:t>7</a:t>
+            </a:fld>
+            <a:endParaRPr lang="en-US"/>
+          </a:p>
+        </p:txBody>
+      </p:sp>
+    </p:spTree>
+    <p:extLst>
+      <p:ext uri="{BB962C8B-B14F-4D97-AF65-F5344CB8AC3E}">
+        <p14:creationId xmlns:p14="http://schemas.microsoft.com/office/powerpoint/2010/main" val="2591061018"/>
+      </p:ext>
+    </p:extLst>
+  </p:cSld>
+  <p:clrMapOvr>
+    <a:masterClrMapping/>
+  </p:clrMapOvr>
+</p:notes>
+</file>
+
+<file path=ppt/notesSlides/notesSlide5.xml><?xml version="1.0" encoding="utf-8"?>
+<p:notes xmlns:a="http://schemas.openxmlformats.org/drawingml/2006/main" xmlns:r="http://schemas.openxmlformats.org/officeDocument/2006/relationships" xmlns:p="http://schemas.openxmlformats.org/presentationml/2006/main">
+  <p:cSld>
+    <p:spTree>
+      <p:nvGrpSpPr>
+        <p:cNvPr id="1" name=""/>
+        <p:cNvGrpSpPr/>
+        <p:nvPr/>
+      </p:nvGrpSpPr>
+      <p:grpSpPr>
+        <a:xfrm>
+          <a:off x="0" y="0"/>
+          <a:ext cx="0" cy="0"/>
+          <a:chOff x="0" y="0"/>
+          <a:chExt cx="0" cy="0"/>
+        </a:xfrm>
+      </p:grpSpPr>
+      <p:sp>
+        <p:nvSpPr>
+          <p:cNvPr id="2" name="Slide Image Placeholder 1"/>
+          <p:cNvSpPr>
+            <a:spLocks noGrp="1" noRot="1" noChangeAspect="1"/>
+          </p:cNvSpPr>
+          <p:nvPr>
+            <p:ph type="sldImg"/>
+          </p:nvPr>
+        </p:nvSpPr>
+        <p:spPr/>
+      </p:sp>
+      <p:sp>
+        <p:nvSpPr>
+          <p:cNvPr id="3" name="Notes Placeholder 2"/>
+          <p:cNvSpPr>
+            <a:spLocks noGrp="1"/>
+          </p:cNvSpPr>
+          <p:nvPr>
+            <p:ph type="body" idx="1"/>
+          </p:nvPr>
+        </p:nvSpPr>
+        <p:spPr/>
+        <p:txBody>
+          <a:bodyPr/>
+          <a:lstStyle/>
+          <a:p>
+            <a:pPr marL="171450" indent="-171450">
+              <a:buFont typeface="Arial" panose="020B0604020202020204" pitchFamily="34" charset="0"/>
+              <a:buChar char="•"/>
+            </a:pPr>
+            <a:r>
+              <a:rPr lang="en-US" dirty="0" err="1"/>
+              <a:t>PowerBI</a:t>
+            </a:r>
+            <a:r>
+              <a:rPr lang="en-US" dirty="0"/>
+              <a:t>: Get data from other sources</a:t>
+            </a:r>
+          </a:p>
+          <a:p>
+            <a:pPr marL="628650" lvl="1" indent="-171450">
+              <a:buFont typeface="Arial" panose="020B0604020202020204" pitchFamily="34" charset="0"/>
+              <a:buChar char="•"/>
+            </a:pPr>
+            <a:r>
+              <a:rPr lang="en-US" dirty="0"/>
+              <a:t>GitHub: </a:t>
+            </a:r>
+          </a:p>
+          <a:p>
+            <a:pPr marL="1085850" lvl="2" indent="-171450">
+              <a:buFont typeface="Arial" panose="020B0604020202020204" pitchFamily="34" charset="0"/>
+              <a:buChar char="•"/>
+            </a:pPr>
+            <a:r>
+              <a:rPr lang="en-US" dirty="0"/>
+              <a:t>Enter username for Owner and Repository Name.</a:t>
+            </a:r>
+          </a:p>
+          <a:p>
+            <a:pPr marL="1085850" lvl="2" indent="-171450">
+              <a:buFont typeface="Arial" panose="020B0604020202020204" pitchFamily="34" charset="0"/>
+              <a:buChar char="•"/>
+            </a:pPr>
+            <a:r>
+              <a:rPr lang="en-US" dirty="0"/>
+              <a:t>Sign in.</a:t>
+            </a:r>
+          </a:p>
+          <a:p>
+            <a:pPr marL="1085850" lvl="2" indent="-171450">
+              <a:buFont typeface="Arial" panose="020B0604020202020204" pitchFamily="34" charset="0"/>
+              <a:buChar char="•"/>
+            </a:pPr>
+            <a:r>
+              <a:rPr lang="en-US" dirty="0"/>
+              <a:t>Authorize.</a:t>
+            </a:r>
+          </a:p>
+          <a:p>
+            <a:pPr marL="1085850" lvl="2" indent="-171450">
+              <a:buFont typeface="Arial" panose="020B0604020202020204" pitchFamily="34" charset="0"/>
+              <a:buChar char="•"/>
+            </a:pPr>
+            <a:r>
+              <a:rPr lang="en-US"/>
+              <a:t>Connect.</a:t>
+            </a:r>
+            <a:endParaRPr lang="en-US" dirty="0"/>
+          </a:p>
+        </p:txBody>
+      </p:sp>
+      <p:sp>
+        <p:nvSpPr>
+          <p:cNvPr id="4" name="Slide Number Placeholder 3"/>
+          <p:cNvSpPr>
+            <a:spLocks noGrp="1"/>
+          </p:cNvSpPr>
+          <p:nvPr>
+            <p:ph type="sldNum" sz="quarter" idx="5"/>
+          </p:nvPr>
+        </p:nvSpPr>
+        <p:spPr/>
+        <p:txBody>
+          <a:bodyPr/>
+          <a:lstStyle/>
+          <a:p>
+            <a:fld id="{B7B3E9D7-7C42-42C9-B073-01B263BBC5B6}" type="slidenum">
+              <a:rPr lang="en-US" smtClean="0"/>
+              <a:t>8</a:t>
+            </a:fld>
+            <a:endParaRPr lang="en-US"/>
+          </a:p>
+        </p:txBody>
+      </p:sp>
+    </p:spTree>
+    <p:extLst>
+      <p:ext uri="{BB962C8B-B14F-4D97-AF65-F5344CB8AC3E}">
+        <p14:creationId xmlns:p14="http://schemas.microsoft.com/office/powerpoint/2010/main" val="1377252040"/>
       </p:ext>
     </p:extLst>
   </p:cSld>
@@ -8069,10 +8341,846 @@
           <a:chExt cx="0" cy="0"/>
         </a:xfrm>
       </p:grpSpPr>
+      <p:grpSp>
+        <p:nvGrpSpPr>
+          <p:cNvPr id="14" name="Group 13">
+            <a:extLst>
+              <a:ext uri="{FF2B5EF4-FFF2-40B4-BE49-F238E27FC236}">
+                <a16:creationId xmlns:a16="http://schemas.microsoft.com/office/drawing/2014/main" id="{B1604F3F-ECCD-504B-DA6C-EA134CA06F61}"/>
+              </a:ext>
+            </a:extLst>
+          </p:cNvPr>
+          <p:cNvGrpSpPr/>
+          <p:nvPr/>
+        </p:nvGrpSpPr>
+        <p:grpSpPr>
+          <a:xfrm>
+            <a:off x="381000" y="0"/>
+            <a:ext cx="11430000" cy="6858000"/>
+            <a:chOff x="381000" y="0"/>
+            <a:chExt cx="11430000" cy="6858000"/>
+          </a:xfrm>
+        </p:grpSpPr>
+        <p:grpSp>
+          <p:nvGrpSpPr>
+            <p:cNvPr id="6" name="Group 5">
+              <a:extLst>
+                <a:ext uri="{FF2B5EF4-FFF2-40B4-BE49-F238E27FC236}">
+                  <a16:creationId xmlns:a16="http://schemas.microsoft.com/office/drawing/2014/main" id="{26091ABF-D024-801B-DF60-FFF7C4B1B5A5}"/>
+                </a:ext>
+              </a:extLst>
+            </p:cNvPr>
+            <p:cNvGrpSpPr/>
+            <p:nvPr/>
+          </p:nvGrpSpPr>
+          <p:grpSpPr>
+            <a:xfrm>
+              <a:off x="381000" y="0"/>
+              <a:ext cx="11430000" cy="6858000"/>
+              <a:chOff x="381000" y="0"/>
+              <a:chExt cx="11430000" cy="6858000"/>
+            </a:xfrm>
+          </p:grpSpPr>
+          <p:pic>
+            <p:nvPicPr>
+              <p:cNvPr id="3" name="Picture 2">
+                <a:extLst>
+                  <a:ext uri="{FF2B5EF4-FFF2-40B4-BE49-F238E27FC236}">
+                    <a16:creationId xmlns:a16="http://schemas.microsoft.com/office/drawing/2014/main" id="{CAD1155F-81D4-1062-6436-4CE748FACE77}"/>
+                  </a:ext>
+                </a:extLst>
+              </p:cNvPr>
+              <p:cNvPicPr>
+                <a:picLocks noChangeAspect="1"/>
+              </p:cNvPicPr>
+              <p:nvPr/>
+            </p:nvPicPr>
+            <p:blipFill>
+              <a:blip r:embed="rId3"/>
+              <a:stretch>
+                <a:fillRect/>
+              </a:stretch>
+            </p:blipFill>
+            <p:spPr>
+              <a:xfrm>
+                <a:off x="381000" y="0"/>
+                <a:ext cx="11430000" cy="6858000"/>
+              </a:xfrm>
+              <a:prstGeom prst="rect">
+                <a:avLst/>
+              </a:prstGeom>
+              <a:ln>
+                <a:solidFill>
+                  <a:schemeClr val="tx1"/>
+                </a:solidFill>
+              </a:ln>
+            </p:spPr>
+          </p:pic>
+          <p:sp>
+            <p:nvSpPr>
+              <p:cNvPr id="4" name="Rectangle: Rounded Corners 3">
+                <a:extLst>
+                  <a:ext uri="{FF2B5EF4-FFF2-40B4-BE49-F238E27FC236}">
+                    <a16:creationId xmlns:a16="http://schemas.microsoft.com/office/drawing/2014/main" id="{17898F10-7E2A-4ED1-7B98-CFED0BAD7E29}"/>
+                  </a:ext>
+                </a:extLst>
+              </p:cNvPr>
+              <p:cNvSpPr/>
+              <p:nvPr/>
+            </p:nvSpPr>
+            <p:spPr>
+              <a:xfrm>
+                <a:off x="8107528" y="841639"/>
+                <a:ext cx="228600" cy="914400"/>
+              </a:xfrm>
+              <a:prstGeom prst="roundRect">
+                <a:avLst>
+                  <a:gd name="adj" fmla="val 9370"/>
+                </a:avLst>
+              </a:prstGeom>
+              <a:noFill/>
+              <a:ln w="38100">
+                <a:solidFill>
+                  <a:srgbClr val="FFC000"/>
+                </a:solidFill>
+              </a:ln>
+            </p:spPr>
+            <p:style>
+              <a:lnRef idx="2">
+                <a:schemeClr val="accent1">
+                  <a:shade val="15000"/>
+                </a:schemeClr>
+              </a:lnRef>
+              <a:fillRef idx="1">
+                <a:schemeClr val="accent1"/>
+              </a:fillRef>
+              <a:effectRef idx="0">
+                <a:schemeClr val="accent1"/>
+              </a:effectRef>
+              <a:fontRef idx="minor">
+                <a:schemeClr val="lt1"/>
+              </a:fontRef>
+            </p:style>
+            <p:txBody>
+              <a:bodyPr rtlCol="0" anchor="ctr"/>
+              <a:lstStyle/>
+              <a:p>
+                <a:pPr algn="ctr"/>
+                <a:endParaRPr lang="en-US"/>
+              </a:p>
+            </p:txBody>
+          </p:sp>
+          <p:sp>
+            <p:nvSpPr>
+              <p:cNvPr id="5" name="Rectangle: Rounded Corners 4">
+                <a:extLst>
+                  <a:ext uri="{FF2B5EF4-FFF2-40B4-BE49-F238E27FC236}">
+                    <a16:creationId xmlns:a16="http://schemas.microsoft.com/office/drawing/2014/main" id="{27179A49-DD3F-233E-C840-581F1696771A}"/>
+                  </a:ext>
+                </a:extLst>
+              </p:cNvPr>
+              <p:cNvSpPr/>
+              <p:nvPr/>
+            </p:nvSpPr>
+            <p:spPr>
+              <a:xfrm>
+                <a:off x="8411951" y="592607"/>
+                <a:ext cx="455824" cy="182880"/>
+              </a:xfrm>
+              <a:prstGeom prst="roundRect">
+                <a:avLst>
+                  <a:gd name="adj" fmla="val 9370"/>
+                </a:avLst>
+              </a:prstGeom>
+              <a:noFill/>
+              <a:ln w="38100">
+                <a:solidFill>
+                  <a:srgbClr val="FFC000"/>
+                </a:solidFill>
+              </a:ln>
+            </p:spPr>
+            <p:style>
+              <a:lnRef idx="2">
+                <a:schemeClr val="accent1">
+                  <a:shade val="15000"/>
+                </a:schemeClr>
+              </a:lnRef>
+              <a:fillRef idx="1">
+                <a:schemeClr val="accent1"/>
+              </a:fillRef>
+              <a:effectRef idx="0">
+                <a:schemeClr val="accent1"/>
+              </a:effectRef>
+              <a:fontRef idx="minor">
+                <a:schemeClr val="lt1"/>
+              </a:fontRef>
+            </p:style>
+            <p:txBody>
+              <a:bodyPr rtlCol="0" anchor="ctr"/>
+              <a:lstStyle/>
+              <a:p>
+                <a:pPr algn="ctr"/>
+                <a:endParaRPr lang="en-US"/>
+              </a:p>
+            </p:txBody>
+          </p:sp>
+        </p:grpSp>
+        <p:sp>
+          <p:nvSpPr>
+            <p:cNvPr id="13" name="Rectangle: Rounded Corners 12">
+              <a:extLst>
+                <a:ext uri="{FF2B5EF4-FFF2-40B4-BE49-F238E27FC236}">
+                  <a16:creationId xmlns:a16="http://schemas.microsoft.com/office/drawing/2014/main" id="{752DECC6-BA0F-24FE-AD76-2BA37BCC6E1F}"/>
+                </a:ext>
+              </a:extLst>
+            </p:cNvPr>
+            <p:cNvSpPr/>
+            <p:nvPr/>
+          </p:nvSpPr>
+          <p:spPr>
+            <a:xfrm>
+              <a:off x="9402551" y="482117"/>
+              <a:ext cx="228600" cy="137160"/>
+            </a:xfrm>
+            <a:prstGeom prst="roundRect">
+              <a:avLst>
+                <a:gd name="adj" fmla="val 9370"/>
+              </a:avLst>
+            </a:prstGeom>
+            <a:noFill/>
+            <a:ln w="38100">
+              <a:solidFill>
+                <a:srgbClr val="FFC000"/>
+              </a:solidFill>
+            </a:ln>
+          </p:spPr>
+          <p:style>
+            <a:lnRef idx="2">
+              <a:schemeClr val="accent1">
+                <a:shade val="15000"/>
+              </a:schemeClr>
+            </a:lnRef>
+            <a:fillRef idx="1">
+              <a:schemeClr val="accent1"/>
+            </a:fillRef>
+            <a:effectRef idx="0">
+              <a:schemeClr val="accent1"/>
+            </a:effectRef>
+            <a:fontRef idx="minor">
+              <a:schemeClr val="lt1"/>
+            </a:fontRef>
+          </p:style>
+          <p:txBody>
+            <a:bodyPr rtlCol="0" anchor="ctr"/>
+            <a:lstStyle/>
+            <a:p>
+              <a:pPr algn="ctr"/>
+              <a:endParaRPr lang="en-US"/>
+            </a:p>
+          </p:txBody>
+        </p:sp>
+      </p:grpSp>
+      <p:grpSp>
+        <p:nvGrpSpPr>
+          <p:cNvPr id="12" name="Group 11">
+            <a:extLst>
+              <a:ext uri="{FF2B5EF4-FFF2-40B4-BE49-F238E27FC236}">
+                <a16:creationId xmlns:a16="http://schemas.microsoft.com/office/drawing/2014/main" id="{078C30C6-75A8-C4F6-9E77-F0C0FADFDD43}"/>
+              </a:ext>
+            </a:extLst>
+          </p:cNvPr>
+          <p:cNvGrpSpPr/>
+          <p:nvPr/>
+        </p:nvGrpSpPr>
+        <p:grpSpPr>
+          <a:xfrm>
+            <a:off x="1430957" y="841639"/>
+            <a:ext cx="6403398" cy="6858000"/>
+            <a:chOff x="1430957" y="209550"/>
+            <a:chExt cx="6403398" cy="6858000"/>
+          </a:xfrm>
+        </p:grpSpPr>
+        <p:pic>
+          <p:nvPicPr>
+            <p:cNvPr id="8" name="Picture 7" descr="A screenshot of a computer&#10;&#10;AI-generated content may be incorrect.">
+              <a:extLst>
+                <a:ext uri="{FF2B5EF4-FFF2-40B4-BE49-F238E27FC236}">
+                  <a16:creationId xmlns:a16="http://schemas.microsoft.com/office/drawing/2014/main" id="{15A75C0E-B7C1-5E17-7BF9-449A3AE20DE2}"/>
+                </a:ext>
+              </a:extLst>
+            </p:cNvPr>
+            <p:cNvPicPr>
+              <a:picLocks noChangeAspect="1"/>
+            </p:cNvPicPr>
+            <p:nvPr/>
+          </p:nvPicPr>
+          <p:blipFill>
+            <a:blip r:embed="rId4">
+              <a:extLst>
+                <a:ext uri="{28A0092B-C50C-407E-A947-70E740481C1C}">
+                  <a14:useLocalDpi xmlns:a14="http://schemas.microsoft.com/office/drawing/2010/main" val="0"/>
+                </a:ext>
+              </a:extLst>
+            </a:blip>
+            <a:stretch>
+              <a:fillRect/>
+            </a:stretch>
+          </p:blipFill>
+          <p:spPr>
+            <a:xfrm>
+              <a:off x="1430957" y="209550"/>
+              <a:ext cx="6403398" cy="6858000"/>
+            </a:xfrm>
+            <a:prstGeom prst="rect">
+              <a:avLst/>
+            </a:prstGeom>
+          </p:spPr>
+        </p:pic>
+        <p:sp>
+          <p:nvSpPr>
+            <p:cNvPr id="9" name="Rectangle: Rounded Corners 8">
+              <a:extLst>
+                <a:ext uri="{FF2B5EF4-FFF2-40B4-BE49-F238E27FC236}">
+                  <a16:creationId xmlns:a16="http://schemas.microsoft.com/office/drawing/2014/main" id="{B5B731DC-AAA7-68E4-93F6-146D897D3624}"/>
+                </a:ext>
+              </a:extLst>
+            </p:cNvPr>
+            <p:cNvSpPr/>
+            <p:nvPr/>
+          </p:nvSpPr>
+          <p:spPr>
+            <a:xfrm>
+              <a:off x="5249650" y="704850"/>
+              <a:ext cx="2560320" cy="954186"/>
+            </a:xfrm>
+            <a:prstGeom prst="roundRect">
+              <a:avLst>
+                <a:gd name="adj" fmla="val 9370"/>
+              </a:avLst>
+            </a:prstGeom>
+            <a:noFill/>
+            <a:ln w="38100">
+              <a:solidFill>
+                <a:srgbClr val="FFC000"/>
+              </a:solidFill>
+            </a:ln>
+          </p:spPr>
+          <p:style>
+            <a:lnRef idx="2">
+              <a:schemeClr val="accent1">
+                <a:shade val="15000"/>
+              </a:schemeClr>
+            </a:lnRef>
+            <a:fillRef idx="1">
+              <a:schemeClr val="accent1"/>
+            </a:fillRef>
+            <a:effectRef idx="0">
+              <a:schemeClr val="accent1"/>
+            </a:effectRef>
+            <a:fontRef idx="minor">
+              <a:schemeClr val="lt1"/>
+            </a:fontRef>
+          </p:style>
+          <p:txBody>
+            <a:bodyPr rtlCol="0" anchor="ctr"/>
+            <a:lstStyle/>
+            <a:p>
+              <a:pPr algn="ctr"/>
+              <a:endParaRPr lang="en-US"/>
+            </a:p>
+          </p:txBody>
+        </p:sp>
+        <p:sp>
+          <p:nvSpPr>
+            <p:cNvPr id="10" name="Rectangle: Rounded Corners 9">
+              <a:extLst>
+                <a:ext uri="{FF2B5EF4-FFF2-40B4-BE49-F238E27FC236}">
+                  <a16:creationId xmlns:a16="http://schemas.microsoft.com/office/drawing/2014/main" id="{84334FAB-0928-6510-4AC4-1F7AAADEADDD}"/>
+                </a:ext>
+              </a:extLst>
+            </p:cNvPr>
+            <p:cNvSpPr/>
+            <p:nvPr/>
+          </p:nvSpPr>
+          <p:spPr>
+            <a:xfrm>
+              <a:off x="7296149" y="1727462"/>
+              <a:ext cx="504295" cy="137160"/>
+            </a:xfrm>
+            <a:prstGeom prst="roundRect">
+              <a:avLst>
+                <a:gd name="adj" fmla="val 9370"/>
+              </a:avLst>
+            </a:prstGeom>
+            <a:noFill/>
+            <a:ln w="38100">
+              <a:solidFill>
+                <a:srgbClr val="FFC000"/>
+              </a:solidFill>
+            </a:ln>
+          </p:spPr>
+          <p:style>
+            <a:lnRef idx="2">
+              <a:schemeClr val="accent1">
+                <a:shade val="15000"/>
+              </a:schemeClr>
+            </a:lnRef>
+            <a:fillRef idx="1">
+              <a:schemeClr val="accent1"/>
+            </a:fillRef>
+            <a:effectRef idx="0">
+              <a:schemeClr val="accent1"/>
+            </a:effectRef>
+            <a:fontRef idx="minor">
+              <a:schemeClr val="lt1"/>
+            </a:fontRef>
+          </p:style>
+          <p:txBody>
+            <a:bodyPr rtlCol="0" anchor="ctr"/>
+            <a:lstStyle/>
+            <a:p>
+              <a:pPr algn="ctr"/>
+              <a:endParaRPr lang="en-US"/>
+            </a:p>
+          </p:txBody>
+        </p:sp>
+        <p:sp>
+          <p:nvSpPr>
+            <p:cNvPr id="11" name="Rectangle: Rounded Corners 10">
+              <a:extLst>
+                <a:ext uri="{FF2B5EF4-FFF2-40B4-BE49-F238E27FC236}">
+                  <a16:creationId xmlns:a16="http://schemas.microsoft.com/office/drawing/2014/main" id="{9C9AD86D-3305-5C77-1262-EB1967562D56}"/>
+                </a:ext>
+              </a:extLst>
+            </p:cNvPr>
+            <p:cNvSpPr/>
+            <p:nvPr/>
+          </p:nvSpPr>
+          <p:spPr>
+            <a:xfrm>
+              <a:off x="7447597" y="424519"/>
+              <a:ext cx="365760" cy="182880"/>
+            </a:xfrm>
+            <a:prstGeom prst="roundRect">
+              <a:avLst>
+                <a:gd name="adj" fmla="val 9370"/>
+              </a:avLst>
+            </a:prstGeom>
+            <a:noFill/>
+            <a:ln w="38100">
+              <a:solidFill>
+                <a:srgbClr val="FFC000"/>
+              </a:solidFill>
+            </a:ln>
+          </p:spPr>
+          <p:style>
+            <a:lnRef idx="2">
+              <a:schemeClr val="accent1">
+                <a:shade val="15000"/>
+              </a:schemeClr>
+            </a:lnRef>
+            <a:fillRef idx="1">
+              <a:schemeClr val="accent1"/>
+            </a:fillRef>
+            <a:effectRef idx="0">
+              <a:schemeClr val="accent1"/>
+            </a:effectRef>
+            <a:fontRef idx="minor">
+              <a:schemeClr val="lt1"/>
+            </a:fontRef>
+          </p:style>
+          <p:txBody>
+            <a:bodyPr rtlCol="0" anchor="ctr"/>
+            <a:lstStyle/>
+            <a:p>
+              <a:pPr algn="ctr"/>
+              <a:endParaRPr lang="en-US"/>
+            </a:p>
+          </p:txBody>
+        </p:sp>
+      </p:grpSp>
     </p:spTree>
     <p:extLst>
       <p:ext uri="{BB962C8B-B14F-4D97-AF65-F5344CB8AC3E}">
         <p14:creationId xmlns:p14="http://schemas.microsoft.com/office/powerpoint/2010/main" val="680315991"/>
+      </p:ext>
+    </p:extLst>
+  </p:cSld>
+  <p:clrMapOvr>
+    <a:masterClrMapping/>
+  </p:clrMapOvr>
+</p:sld>
+</file>
+
+<file path=ppt/slides/slide8.xml><?xml version="1.0" encoding="utf-8"?>
+<p:sld xmlns:a="http://schemas.openxmlformats.org/drawingml/2006/main" xmlns:r="http://schemas.openxmlformats.org/officeDocument/2006/relationships" xmlns:p="http://schemas.openxmlformats.org/presentationml/2006/main">
+  <p:cSld>
+    <p:spTree>
+      <p:nvGrpSpPr>
+        <p:cNvPr id="1" name=""/>
+        <p:cNvGrpSpPr/>
+        <p:nvPr/>
+      </p:nvGrpSpPr>
+      <p:grpSpPr>
+        <a:xfrm>
+          <a:off x="0" y="0"/>
+          <a:ext cx="0" cy="0"/>
+          <a:chOff x="0" y="0"/>
+          <a:chExt cx="0" cy="0"/>
+        </a:xfrm>
+      </p:grpSpPr>
+      <p:pic>
+        <p:nvPicPr>
+          <p:cNvPr id="3" name="Picture 2">
+            <a:extLst>
+              <a:ext uri="{FF2B5EF4-FFF2-40B4-BE49-F238E27FC236}">
+                <a16:creationId xmlns:a16="http://schemas.microsoft.com/office/drawing/2014/main" id="{5BE50E12-A6A3-3A84-CD82-0B6545999E3F}"/>
+              </a:ext>
+            </a:extLst>
+          </p:cNvPr>
+          <p:cNvPicPr>
+            <a:picLocks noChangeAspect="1"/>
+          </p:cNvPicPr>
+          <p:nvPr/>
+        </p:nvPicPr>
+        <p:blipFill>
+          <a:blip r:embed="rId3"/>
+          <a:stretch>
+            <a:fillRect/>
+          </a:stretch>
+        </p:blipFill>
+        <p:spPr>
+          <a:xfrm>
+            <a:off x="0" y="23673"/>
+            <a:ext cx="12192000" cy="6810654"/>
+          </a:xfrm>
+          <a:prstGeom prst="rect">
+            <a:avLst/>
+          </a:prstGeom>
+        </p:spPr>
+      </p:pic>
+      <p:sp>
+        <p:nvSpPr>
+          <p:cNvPr id="8" name="Rectangle: Rounded Corners 7">
+            <a:extLst>
+              <a:ext uri="{FF2B5EF4-FFF2-40B4-BE49-F238E27FC236}">
+                <a16:creationId xmlns:a16="http://schemas.microsoft.com/office/drawing/2014/main" id="{DB1EE21F-F0E4-77EB-F9BC-D0D67A0CCF89}"/>
+              </a:ext>
+            </a:extLst>
+          </p:cNvPr>
+          <p:cNvSpPr/>
+          <p:nvPr/>
+        </p:nvSpPr>
+        <p:spPr>
+          <a:xfrm>
+            <a:off x="7174078" y="1226011"/>
+            <a:ext cx="931697" cy="926639"/>
+          </a:xfrm>
+          <a:prstGeom prst="roundRect">
+            <a:avLst>
+              <a:gd name="adj" fmla="val 9370"/>
+            </a:avLst>
+          </a:prstGeom>
+          <a:noFill/>
+          <a:ln w="38100">
+            <a:solidFill>
+              <a:srgbClr val="FFC000"/>
+            </a:solidFill>
+          </a:ln>
+        </p:spPr>
+        <p:style>
+          <a:lnRef idx="2">
+            <a:schemeClr val="accent1">
+              <a:shade val="15000"/>
+            </a:schemeClr>
+          </a:lnRef>
+          <a:fillRef idx="1">
+            <a:schemeClr val="accent1"/>
+          </a:fillRef>
+          <a:effectRef idx="0">
+            <a:schemeClr val="accent1"/>
+          </a:effectRef>
+          <a:fontRef idx="minor">
+            <a:schemeClr val="lt1"/>
+          </a:fontRef>
+        </p:style>
+        <p:txBody>
+          <a:bodyPr rtlCol="0" anchor="ctr"/>
+          <a:lstStyle/>
+          <a:p>
+            <a:pPr algn="ctr"/>
+            <a:endParaRPr lang="en-US"/>
+          </a:p>
+        </p:txBody>
+      </p:sp>
+      <p:grpSp>
+        <p:nvGrpSpPr>
+          <p:cNvPr id="10" name="Group 9">
+            <a:extLst>
+              <a:ext uri="{FF2B5EF4-FFF2-40B4-BE49-F238E27FC236}">
+                <a16:creationId xmlns:a16="http://schemas.microsoft.com/office/drawing/2014/main" id="{DACE6CDD-449C-79CC-1C54-129B74AD7AD9}"/>
+              </a:ext>
+            </a:extLst>
+          </p:cNvPr>
+          <p:cNvGrpSpPr/>
+          <p:nvPr/>
+        </p:nvGrpSpPr>
+        <p:grpSpPr>
+          <a:xfrm>
+            <a:off x="4609658" y="2402370"/>
+            <a:ext cx="6496957" cy="6306430"/>
+            <a:chOff x="4219133" y="2402370"/>
+            <a:chExt cx="6496957" cy="6306430"/>
+          </a:xfrm>
+        </p:grpSpPr>
+        <p:pic>
+          <p:nvPicPr>
+            <p:cNvPr id="5" name="Picture 4">
+              <a:extLst>
+                <a:ext uri="{FF2B5EF4-FFF2-40B4-BE49-F238E27FC236}">
+                  <a16:creationId xmlns:a16="http://schemas.microsoft.com/office/drawing/2014/main" id="{89917392-2F52-5E30-A1B5-B269B20F3F56}"/>
+                </a:ext>
+              </a:extLst>
+            </p:cNvPr>
+            <p:cNvPicPr>
+              <a:picLocks noChangeAspect="1"/>
+            </p:cNvPicPr>
+            <p:nvPr/>
+          </p:nvPicPr>
+          <p:blipFill>
+            <a:blip r:embed="rId4"/>
+            <a:stretch>
+              <a:fillRect/>
+            </a:stretch>
+          </p:blipFill>
+          <p:spPr>
+            <a:xfrm>
+              <a:off x="4219133" y="2402370"/>
+              <a:ext cx="6496957" cy="6306430"/>
+            </a:xfrm>
+            <a:prstGeom prst="rect">
+              <a:avLst/>
+            </a:prstGeom>
+          </p:spPr>
+        </p:pic>
+        <p:sp>
+          <p:nvSpPr>
+            <p:cNvPr id="9" name="Rectangle: Rounded Corners 8">
+              <a:extLst>
+                <a:ext uri="{FF2B5EF4-FFF2-40B4-BE49-F238E27FC236}">
+                  <a16:creationId xmlns:a16="http://schemas.microsoft.com/office/drawing/2014/main" id="{7046E04E-C1AB-BD1D-8B79-D0DC8E2EE822}"/>
+                </a:ext>
+              </a:extLst>
+            </p:cNvPr>
+            <p:cNvSpPr/>
+            <p:nvPr/>
+          </p:nvSpPr>
+          <p:spPr>
+            <a:xfrm>
+              <a:off x="6364453" y="3597963"/>
+              <a:ext cx="3874922" cy="231088"/>
+            </a:xfrm>
+            <a:prstGeom prst="roundRect">
+              <a:avLst>
+                <a:gd name="adj" fmla="val 9370"/>
+              </a:avLst>
+            </a:prstGeom>
+            <a:noFill/>
+            <a:ln w="38100">
+              <a:solidFill>
+                <a:srgbClr val="FFC000"/>
+              </a:solidFill>
+            </a:ln>
+          </p:spPr>
+          <p:style>
+            <a:lnRef idx="2">
+              <a:schemeClr val="accent1">
+                <a:shade val="15000"/>
+              </a:schemeClr>
+            </a:lnRef>
+            <a:fillRef idx="1">
+              <a:schemeClr val="accent1"/>
+            </a:fillRef>
+            <a:effectRef idx="0">
+              <a:schemeClr val="accent1"/>
+            </a:effectRef>
+            <a:fontRef idx="minor">
+              <a:schemeClr val="lt1"/>
+            </a:fontRef>
+          </p:style>
+          <p:txBody>
+            <a:bodyPr rtlCol="0" anchor="ctr"/>
+            <a:lstStyle/>
+            <a:p>
+              <a:pPr algn="ctr"/>
+              <a:endParaRPr lang="en-US"/>
+            </a:p>
+          </p:txBody>
+        </p:sp>
+      </p:grpSp>
+      <p:grpSp>
+        <p:nvGrpSpPr>
+          <p:cNvPr id="13" name="Group 12">
+            <a:extLst>
+              <a:ext uri="{FF2B5EF4-FFF2-40B4-BE49-F238E27FC236}">
+                <a16:creationId xmlns:a16="http://schemas.microsoft.com/office/drawing/2014/main" id="{DF14C7BC-F790-8858-2B20-C18E955B15E5}"/>
+              </a:ext>
+            </a:extLst>
+          </p:cNvPr>
+          <p:cNvGrpSpPr/>
+          <p:nvPr/>
+        </p:nvGrpSpPr>
+        <p:grpSpPr>
+          <a:xfrm>
+            <a:off x="5348697" y="4402899"/>
+            <a:ext cx="6687483" cy="2305372"/>
+            <a:chOff x="5314496" y="4313506"/>
+            <a:chExt cx="6687483" cy="2305372"/>
+          </a:xfrm>
+        </p:grpSpPr>
+        <p:pic>
+          <p:nvPicPr>
+            <p:cNvPr id="7" name="Picture 6">
+              <a:extLst>
+                <a:ext uri="{FF2B5EF4-FFF2-40B4-BE49-F238E27FC236}">
+                  <a16:creationId xmlns:a16="http://schemas.microsoft.com/office/drawing/2014/main" id="{7F201D97-7538-6388-414D-A19BDA82FCEA}"/>
+                </a:ext>
+              </a:extLst>
+            </p:cNvPr>
+            <p:cNvPicPr>
+              <a:picLocks noChangeAspect="1"/>
+            </p:cNvPicPr>
+            <p:nvPr/>
+          </p:nvPicPr>
+          <p:blipFill>
+            <a:blip r:embed="rId5"/>
+            <a:stretch>
+              <a:fillRect/>
+            </a:stretch>
+          </p:blipFill>
+          <p:spPr>
+            <a:xfrm>
+              <a:off x="5314496" y="4313506"/>
+              <a:ext cx="6687483" cy="2305372"/>
+            </a:xfrm>
+            <a:prstGeom prst="rect">
+              <a:avLst/>
+            </a:prstGeom>
+          </p:spPr>
+        </p:pic>
+        <p:sp>
+          <p:nvSpPr>
+            <p:cNvPr id="11" name="Rectangle: Rounded Corners 10">
+              <a:extLst>
+                <a:ext uri="{FF2B5EF4-FFF2-40B4-BE49-F238E27FC236}">
+                  <a16:creationId xmlns:a16="http://schemas.microsoft.com/office/drawing/2014/main" id="{0BEA05E1-E351-EDBF-ECC4-0AF3A7A0A6BE}"/>
+                </a:ext>
+              </a:extLst>
+            </p:cNvPr>
+            <p:cNvSpPr/>
+            <p:nvPr/>
+          </p:nvSpPr>
+          <p:spPr>
+            <a:xfrm>
+              <a:off x="5629275" y="5076772"/>
+              <a:ext cx="3809999" cy="247703"/>
+            </a:xfrm>
+            <a:prstGeom prst="roundRect">
+              <a:avLst>
+                <a:gd name="adj" fmla="val 9370"/>
+              </a:avLst>
+            </a:prstGeom>
+            <a:noFill/>
+            <a:ln w="38100">
+              <a:solidFill>
+                <a:srgbClr val="FFC000"/>
+              </a:solidFill>
+            </a:ln>
+          </p:spPr>
+          <p:style>
+            <a:lnRef idx="2">
+              <a:schemeClr val="accent1">
+                <a:shade val="15000"/>
+              </a:schemeClr>
+            </a:lnRef>
+            <a:fillRef idx="1">
+              <a:schemeClr val="accent1"/>
+            </a:fillRef>
+            <a:effectRef idx="0">
+              <a:schemeClr val="accent1"/>
+            </a:effectRef>
+            <a:fontRef idx="minor">
+              <a:schemeClr val="lt1"/>
+            </a:fontRef>
+          </p:style>
+          <p:txBody>
+            <a:bodyPr rtlCol="0" anchor="ctr"/>
+            <a:lstStyle/>
+            <a:p>
+              <a:pPr algn="ctr"/>
+              <a:endParaRPr lang="en-US"/>
+            </a:p>
+          </p:txBody>
+        </p:sp>
+        <p:sp>
+          <p:nvSpPr>
+            <p:cNvPr id="12" name="Rectangle: Rounded Corners 11">
+              <a:extLst>
+                <a:ext uri="{FF2B5EF4-FFF2-40B4-BE49-F238E27FC236}">
+                  <a16:creationId xmlns:a16="http://schemas.microsoft.com/office/drawing/2014/main" id="{3A399F6A-A4A7-DD62-8CF7-04CC4868BD9C}"/>
+                </a:ext>
+              </a:extLst>
+            </p:cNvPr>
+            <p:cNvSpPr/>
+            <p:nvPr/>
+          </p:nvSpPr>
+          <p:spPr>
+            <a:xfrm>
+              <a:off x="5629274" y="5555145"/>
+              <a:ext cx="3809999" cy="247703"/>
+            </a:xfrm>
+            <a:prstGeom prst="roundRect">
+              <a:avLst>
+                <a:gd name="adj" fmla="val 9370"/>
+              </a:avLst>
+            </a:prstGeom>
+            <a:noFill/>
+            <a:ln w="38100">
+              <a:solidFill>
+                <a:srgbClr val="FFC000"/>
+              </a:solidFill>
+            </a:ln>
+          </p:spPr>
+          <p:style>
+            <a:lnRef idx="2">
+              <a:schemeClr val="accent1">
+                <a:shade val="15000"/>
+              </a:schemeClr>
+            </a:lnRef>
+            <a:fillRef idx="1">
+              <a:schemeClr val="accent1"/>
+            </a:fillRef>
+            <a:effectRef idx="0">
+              <a:schemeClr val="accent1"/>
+            </a:effectRef>
+            <a:fontRef idx="minor">
+              <a:schemeClr val="lt1"/>
+            </a:fontRef>
+          </p:style>
+          <p:txBody>
+            <a:bodyPr rtlCol="0" anchor="ctr"/>
+            <a:lstStyle/>
+            <a:p>
+              <a:pPr algn="ctr"/>
+              <a:endParaRPr lang="en-US"/>
+            </a:p>
+          </p:txBody>
+        </p:sp>
+      </p:grpSp>
+    </p:spTree>
+    <p:extLst>
+      <p:ext uri="{BB962C8B-B14F-4D97-AF65-F5344CB8AC3E}">
+        <p14:creationId xmlns:p14="http://schemas.microsoft.com/office/powerpoint/2010/main" val="758911715"/>
       </p:ext>
     </p:extLst>
   </p:cSld>

--- a/2025-06-30 CAH.pptx
+++ b/2025-06-30 CAH.pptx
@@ -5,17 +5,26 @@
     <p:sldMasterId id="2147483738" r:id="rId1"/>
   </p:sldMasterIdLst>
   <p:notesMasterIdLst>
-    <p:notesMasterId r:id="rId10"/>
+    <p:notesMasterId r:id="rId19"/>
   </p:notesMasterIdLst>
   <p:sldIdLst>
     <p:sldId id="256" r:id="rId2"/>
-    <p:sldId id="260" r:id="rId3"/>
-    <p:sldId id="258" r:id="rId4"/>
-    <p:sldId id="257" r:id="rId5"/>
-    <p:sldId id="261" r:id="rId6"/>
-    <p:sldId id="259" r:id="rId7"/>
-    <p:sldId id="262" r:id="rId8"/>
-    <p:sldId id="263" r:id="rId9"/>
+    <p:sldId id="265" r:id="rId3"/>
+    <p:sldId id="260" r:id="rId4"/>
+    <p:sldId id="258" r:id="rId5"/>
+    <p:sldId id="257" r:id="rId6"/>
+    <p:sldId id="261" r:id="rId7"/>
+    <p:sldId id="259" r:id="rId8"/>
+    <p:sldId id="262" r:id="rId9"/>
+    <p:sldId id="264" r:id="rId10"/>
+    <p:sldId id="263" r:id="rId11"/>
+    <p:sldId id="266" r:id="rId12"/>
+    <p:sldId id="267" r:id="rId13"/>
+    <p:sldId id="269" r:id="rId14"/>
+    <p:sldId id="268" r:id="rId15"/>
+    <p:sldId id="270" r:id="rId16"/>
+    <p:sldId id="274" r:id="rId17"/>
+    <p:sldId id="271" r:id="rId18"/>
   </p:sldIdLst>
   <p:sldSz cx="12192000" cy="6858000"/>
   <p:notesSz cx="6858000" cy="9144000"/>
@@ -115,6 +124,3059 @@
     </a:lvl9pPr>
   </p:defaultTextStyle>
 </p:presentation>
+</file>
+
+<file path=ppt/diagrams/colors1.xml><?xml version="1.0" encoding="utf-8"?>
+<dgm:colorsDef xmlns:dgm="http://schemas.openxmlformats.org/drawingml/2006/diagram" xmlns:a="http://schemas.openxmlformats.org/drawingml/2006/main" uniqueId="urn:microsoft.com/office/officeart/2005/8/colors/accent1_2">
+  <dgm:title val=""/>
+  <dgm:desc val=""/>
+  <dgm:catLst>
+    <dgm:cat type="accent1" pri="11200"/>
+  </dgm:catLst>
+  <dgm:styleLbl name="node0">
+    <dgm:fillClrLst meth="repeat">
+      <a:schemeClr val="accent1"/>
+    </dgm:fillClrLst>
+    <dgm:linClrLst meth="repeat">
+      <a:schemeClr val="lt1"/>
+    </dgm:linClrLst>
+    <dgm:effectClrLst/>
+    <dgm:txLinClrLst/>
+    <dgm:txFillClrLst/>
+    <dgm:txEffectClrLst/>
+  </dgm:styleLbl>
+  <dgm:styleLbl name="alignNode1">
+    <dgm:fillClrLst meth="repeat">
+      <a:schemeClr val="accent1"/>
+    </dgm:fillClrLst>
+    <dgm:linClrLst meth="repeat">
+      <a:schemeClr val="accent1"/>
+    </dgm:linClrLst>
+    <dgm:effectClrLst/>
+    <dgm:txLinClrLst/>
+    <dgm:txFillClrLst/>
+    <dgm:txEffectClrLst/>
+  </dgm:styleLbl>
+  <dgm:styleLbl name="node1">
+    <dgm:fillClrLst meth="repeat">
+      <a:schemeClr val="accent1"/>
+    </dgm:fillClrLst>
+    <dgm:linClrLst meth="repeat">
+      <a:schemeClr val="lt1"/>
+    </dgm:linClrLst>
+    <dgm:effectClrLst/>
+    <dgm:txLinClrLst/>
+    <dgm:txFillClrLst/>
+    <dgm:txEffectClrLst/>
+  </dgm:styleLbl>
+  <dgm:styleLbl name="lnNode1">
+    <dgm:fillClrLst meth="repeat">
+      <a:schemeClr val="accent1"/>
+    </dgm:fillClrLst>
+    <dgm:linClrLst meth="repeat">
+      <a:schemeClr val="lt1"/>
+    </dgm:linClrLst>
+    <dgm:effectClrLst/>
+    <dgm:txLinClrLst/>
+    <dgm:txFillClrLst/>
+    <dgm:txEffectClrLst/>
+  </dgm:styleLbl>
+  <dgm:styleLbl name="vennNode1">
+    <dgm:fillClrLst meth="repeat">
+      <a:schemeClr val="accent1">
+        <a:alpha val="50000"/>
+      </a:schemeClr>
+    </dgm:fillClrLst>
+    <dgm:linClrLst meth="repeat">
+      <a:schemeClr val="lt1"/>
+    </dgm:linClrLst>
+    <dgm:effectClrLst/>
+    <dgm:txLinClrLst/>
+    <dgm:txFillClrLst/>
+    <dgm:txEffectClrLst/>
+  </dgm:styleLbl>
+  <dgm:styleLbl name="node2">
+    <dgm:fillClrLst meth="repeat">
+      <a:schemeClr val="accent1"/>
+    </dgm:fillClrLst>
+    <dgm:linClrLst meth="repeat">
+      <a:schemeClr val="lt1"/>
+    </dgm:linClrLst>
+    <dgm:effectClrLst/>
+    <dgm:txLinClrLst/>
+    <dgm:txFillClrLst/>
+    <dgm:txEffectClrLst/>
+  </dgm:styleLbl>
+  <dgm:styleLbl name="node3">
+    <dgm:fillClrLst meth="repeat">
+      <a:schemeClr val="accent1"/>
+    </dgm:fillClrLst>
+    <dgm:linClrLst meth="repeat">
+      <a:schemeClr val="lt1"/>
+    </dgm:linClrLst>
+    <dgm:effectClrLst/>
+    <dgm:txLinClrLst/>
+    <dgm:txFillClrLst/>
+    <dgm:txEffectClrLst/>
+  </dgm:styleLbl>
+  <dgm:styleLbl name="node4">
+    <dgm:fillClrLst meth="repeat">
+      <a:schemeClr val="accent1"/>
+    </dgm:fillClrLst>
+    <dgm:linClrLst meth="repeat">
+      <a:schemeClr val="lt1"/>
+    </dgm:linClrLst>
+    <dgm:effectClrLst/>
+    <dgm:txLinClrLst/>
+    <dgm:txFillClrLst/>
+    <dgm:txEffectClrLst/>
+  </dgm:styleLbl>
+  <dgm:styleLbl name="fgImgPlace1">
+    <dgm:fillClrLst meth="repeat">
+      <a:schemeClr val="accent1">
+        <a:tint val="50000"/>
+      </a:schemeClr>
+    </dgm:fillClrLst>
+    <dgm:linClrLst meth="repeat">
+      <a:schemeClr val="lt1"/>
+    </dgm:linClrLst>
+    <dgm:effectClrLst/>
+    <dgm:txLinClrLst/>
+    <dgm:txFillClrLst meth="repeat">
+      <a:schemeClr val="lt1"/>
+    </dgm:txFillClrLst>
+    <dgm:txEffectClrLst/>
+  </dgm:styleLbl>
+  <dgm:styleLbl name="alignImgPlace1">
+    <dgm:fillClrLst meth="repeat">
+      <a:schemeClr val="accent1">
+        <a:tint val="50000"/>
+      </a:schemeClr>
+    </dgm:fillClrLst>
+    <dgm:linClrLst meth="repeat">
+      <a:schemeClr val="lt1"/>
+    </dgm:linClrLst>
+    <dgm:effectClrLst/>
+    <dgm:txLinClrLst/>
+    <dgm:txFillClrLst meth="repeat">
+      <a:schemeClr val="lt1"/>
+    </dgm:txFillClrLst>
+    <dgm:txEffectClrLst/>
+  </dgm:styleLbl>
+  <dgm:styleLbl name="bgImgPlace1">
+    <dgm:fillClrLst meth="repeat">
+      <a:schemeClr val="accent1">
+        <a:tint val="50000"/>
+      </a:schemeClr>
+    </dgm:fillClrLst>
+    <dgm:linClrLst meth="repeat">
+      <a:schemeClr val="lt1"/>
+    </dgm:linClrLst>
+    <dgm:effectClrLst/>
+    <dgm:txLinClrLst/>
+    <dgm:txFillClrLst meth="repeat">
+      <a:schemeClr val="lt1"/>
+    </dgm:txFillClrLst>
+    <dgm:txEffectClrLst/>
+  </dgm:styleLbl>
+  <dgm:styleLbl name="sibTrans2D1">
+    <dgm:fillClrLst meth="repeat">
+      <a:schemeClr val="accent1">
+        <a:tint val="60000"/>
+      </a:schemeClr>
+    </dgm:fillClrLst>
+    <dgm:linClrLst meth="repeat">
+      <a:schemeClr val="accent1">
+        <a:tint val="60000"/>
+      </a:schemeClr>
+    </dgm:linClrLst>
+    <dgm:effectClrLst/>
+    <dgm:txLinClrLst/>
+    <dgm:txFillClrLst/>
+    <dgm:txEffectClrLst/>
+  </dgm:styleLbl>
+  <dgm:styleLbl name="fgSibTrans2D1">
+    <dgm:fillClrLst meth="repeat">
+      <a:schemeClr val="accent1">
+        <a:tint val="60000"/>
+      </a:schemeClr>
+    </dgm:fillClrLst>
+    <dgm:linClrLst meth="repeat">
+      <a:schemeClr val="accent1">
+        <a:tint val="60000"/>
+      </a:schemeClr>
+    </dgm:linClrLst>
+    <dgm:effectClrLst/>
+    <dgm:txLinClrLst/>
+    <dgm:txFillClrLst/>
+    <dgm:txEffectClrLst/>
+  </dgm:styleLbl>
+  <dgm:styleLbl name="bgSibTrans2D1">
+    <dgm:fillClrLst meth="repeat">
+      <a:schemeClr val="accent1">
+        <a:tint val="60000"/>
+      </a:schemeClr>
+    </dgm:fillClrLst>
+    <dgm:linClrLst meth="repeat">
+      <a:schemeClr val="accent1">
+        <a:tint val="60000"/>
+      </a:schemeClr>
+    </dgm:linClrLst>
+    <dgm:effectClrLst/>
+    <dgm:txLinClrLst/>
+    <dgm:txFillClrLst/>
+    <dgm:txEffectClrLst/>
+  </dgm:styleLbl>
+  <dgm:styleLbl name="sibTrans1D1">
+    <dgm:fillClrLst meth="repeat">
+      <a:schemeClr val="accent1"/>
+    </dgm:fillClrLst>
+    <dgm:linClrLst meth="repeat">
+      <a:schemeClr val="accent1"/>
+    </dgm:linClrLst>
+    <dgm:effectClrLst/>
+    <dgm:txLinClrLst/>
+    <dgm:txFillClrLst meth="repeat">
+      <a:schemeClr val="tx1"/>
+    </dgm:txFillClrLst>
+    <dgm:txEffectClrLst/>
+  </dgm:styleLbl>
+  <dgm:styleLbl name="callout">
+    <dgm:fillClrLst meth="repeat">
+      <a:schemeClr val="accent1"/>
+    </dgm:fillClrLst>
+    <dgm:linClrLst meth="repeat">
+      <a:schemeClr val="accent1">
+        <a:tint val="50000"/>
+      </a:schemeClr>
+    </dgm:linClrLst>
+    <dgm:effectClrLst/>
+    <dgm:txLinClrLst/>
+    <dgm:txFillClrLst meth="repeat">
+      <a:schemeClr val="tx1"/>
+    </dgm:txFillClrLst>
+    <dgm:txEffectClrLst/>
+  </dgm:styleLbl>
+  <dgm:styleLbl name="asst0">
+    <dgm:fillClrLst meth="repeat">
+      <a:schemeClr val="accent1"/>
+    </dgm:fillClrLst>
+    <dgm:linClrLst meth="repeat">
+      <a:schemeClr val="lt1"/>
+    </dgm:linClrLst>
+    <dgm:effectClrLst/>
+    <dgm:txLinClrLst/>
+    <dgm:txFillClrLst/>
+    <dgm:txEffectClrLst/>
+  </dgm:styleLbl>
+  <dgm:styleLbl name="asst1">
+    <dgm:fillClrLst meth="repeat">
+      <a:schemeClr val="accent1"/>
+    </dgm:fillClrLst>
+    <dgm:linClrLst meth="repeat">
+      <a:schemeClr val="lt1"/>
+    </dgm:linClrLst>
+    <dgm:effectClrLst/>
+    <dgm:txLinClrLst/>
+    <dgm:txFillClrLst/>
+    <dgm:txEffectClrLst/>
+  </dgm:styleLbl>
+  <dgm:styleLbl name="asst2">
+    <dgm:fillClrLst meth="repeat">
+      <a:schemeClr val="accent1"/>
+    </dgm:fillClrLst>
+    <dgm:linClrLst meth="repeat">
+      <a:schemeClr val="lt1"/>
+    </dgm:linClrLst>
+    <dgm:effectClrLst/>
+    <dgm:txLinClrLst/>
+    <dgm:txFillClrLst/>
+    <dgm:txEffectClrLst/>
+  </dgm:styleLbl>
+  <dgm:styleLbl name="asst3">
+    <dgm:fillClrLst meth="repeat">
+      <a:schemeClr val="accent1"/>
+    </dgm:fillClrLst>
+    <dgm:linClrLst meth="repeat">
+      <a:schemeClr val="lt1"/>
+    </dgm:linClrLst>
+    <dgm:effectClrLst/>
+    <dgm:txLinClrLst/>
+    <dgm:txFillClrLst/>
+    <dgm:txEffectClrLst/>
+  </dgm:styleLbl>
+  <dgm:styleLbl name="asst4">
+    <dgm:fillClrLst meth="repeat">
+      <a:schemeClr val="accent1"/>
+    </dgm:fillClrLst>
+    <dgm:linClrLst meth="repeat">
+      <a:schemeClr val="lt1"/>
+    </dgm:linClrLst>
+    <dgm:effectClrLst/>
+    <dgm:txLinClrLst/>
+    <dgm:txFillClrLst/>
+    <dgm:txEffectClrLst/>
+  </dgm:styleLbl>
+  <dgm:styleLbl name="parChTrans2D1">
+    <dgm:fillClrLst meth="repeat">
+      <a:schemeClr val="accent1">
+        <a:tint val="60000"/>
+      </a:schemeClr>
+    </dgm:fillClrLst>
+    <dgm:linClrLst meth="repeat">
+      <a:schemeClr val="accent1">
+        <a:tint val="60000"/>
+      </a:schemeClr>
+    </dgm:linClrLst>
+    <dgm:effectClrLst/>
+    <dgm:txLinClrLst/>
+    <dgm:txFillClrLst meth="repeat">
+      <a:schemeClr val="lt1"/>
+    </dgm:txFillClrLst>
+    <dgm:txEffectClrLst/>
+  </dgm:styleLbl>
+  <dgm:styleLbl name="parChTrans2D2">
+    <dgm:fillClrLst meth="repeat">
+      <a:schemeClr val="accent1"/>
+    </dgm:fillClrLst>
+    <dgm:linClrLst meth="repeat">
+      <a:schemeClr val="accent1"/>
+    </dgm:linClrLst>
+    <dgm:effectClrLst/>
+    <dgm:txLinClrLst/>
+    <dgm:txFillClrLst meth="repeat">
+      <a:schemeClr val="lt1"/>
+    </dgm:txFillClrLst>
+    <dgm:txEffectClrLst/>
+  </dgm:styleLbl>
+  <dgm:styleLbl name="parChTrans2D3">
+    <dgm:fillClrLst meth="repeat">
+      <a:schemeClr val="accent1"/>
+    </dgm:fillClrLst>
+    <dgm:linClrLst meth="repeat">
+      <a:schemeClr val="accent1"/>
+    </dgm:linClrLst>
+    <dgm:effectClrLst/>
+    <dgm:txLinClrLst/>
+    <dgm:txFillClrLst meth="repeat">
+      <a:schemeClr val="lt1"/>
+    </dgm:txFillClrLst>
+    <dgm:txEffectClrLst/>
+  </dgm:styleLbl>
+  <dgm:styleLbl name="parChTrans2D4">
+    <dgm:fillClrLst meth="repeat">
+      <a:schemeClr val="accent1"/>
+    </dgm:fillClrLst>
+    <dgm:linClrLst meth="repeat">
+      <a:schemeClr val="accent1"/>
+    </dgm:linClrLst>
+    <dgm:effectClrLst/>
+    <dgm:txLinClrLst/>
+    <dgm:txFillClrLst meth="repeat">
+      <a:schemeClr val="lt1"/>
+    </dgm:txFillClrLst>
+    <dgm:txEffectClrLst/>
+  </dgm:styleLbl>
+  <dgm:styleLbl name="parChTrans1D1">
+    <dgm:fillClrLst meth="repeat">
+      <a:schemeClr val="accent1"/>
+    </dgm:fillClrLst>
+    <dgm:linClrLst meth="repeat">
+      <a:schemeClr val="accent1">
+        <a:shade val="60000"/>
+      </a:schemeClr>
+    </dgm:linClrLst>
+    <dgm:effectClrLst/>
+    <dgm:txLinClrLst/>
+    <dgm:txFillClrLst meth="repeat">
+      <a:schemeClr val="tx1"/>
+    </dgm:txFillClrLst>
+    <dgm:txEffectClrLst/>
+  </dgm:styleLbl>
+  <dgm:styleLbl name="parChTrans1D2">
+    <dgm:fillClrLst meth="repeat">
+      <a:schemeClr val="accent1"/>
+    </dgm:fillClrLst>
+    <dgm:linClrLst meth="repeat">
+      <a:schemeClr val="accent1">
+        <a:shade val="60000"/>
+      </a:schemeClr>
+    </dgm:linClrLst>
+    <dgm:effectClrLst/>
+    <dgm:txLinClrLst/>
+    <dgm:txFillClrLst meth="repeat">
+      <a:schemeClr val="tx1"/>
+    </dgm:txFillClrLst>
+    <dgm:txEffectClrLst/>
+  </dgm:styleLbl>
+  <dgm:styleLbl name="parChTrans1D3">
+    <dgm:fillClrLst meth="repeat">
+      <a:schemeClr val="accent1"/>
+    </dgm:fillClrLst>
+    <dgm:linClrLst meth="repeat">
+      <a:schemeClr val="accent1">
+        <a:shade val="80000"/>
+      </a:schemeClr>
+    </dgm:linClrLst>
+    <dgm:effectClrLst/>
+    <dgm:txLinClrLst/>
+    <dgm:txFillClrLst meth="repeat">
+      <a:schemeClr val="tx1"/>
+    </dgm:txFillClrLst>
+    <dgm:txEffectClrLst/>
+  </dgm:styleLbl>
+  <dgm:styleLbl name="parChTrans1D4">
+    <dgm:fillClrLst meth="repeat">
+      <a:schemeClr val="accent1"/>
+    </dgm:fillClrLst>
+    <dgm:linClrLst meth="repeat">
+      <a:schemeClr val="accent1">
+        <a:shade val="80000"/>
+      </a:schemeClr>
+    </dgm:linClrLst>
+    <dgm:effectClrLst/>
+    <dgm:txLinClrLst/>
+    <dgm:txFillClrLst meth="repeat">
+      <a:schemeClr val="tx1"/>
+    </dgm:txFillClrLst>
+    <dgm:txEffectClrLst/>
+  </dgm:styleLbl>
+  <dgm:styleLbl name="fgAcc1">
+    <dgm:fillClrLst meth="repeat">
+      <a:schemeClr val="lt1">
+        <a:alpha val="90000"/>
+      </a:schemeClr>
+    </dgm:fillClrLst>
+    <dgm:linClrLst meth="repeat">
+      <a:schemeClr val="accent1"/>
+    </dgm:linClrLst>
+    <dgm:effectClrLst/>
+    <dgm:txLinClrLst/>
+    <dgm:txFillClrLst meth="repeat">
+      <a:schemeClr val="dk1"/>
+    </dgm:txFillClrLst>
+    <dgm:txEffectClrLst/>
+  </dgm:styleLbl>
+  <dgm:styleLbl name="conFgAcc1">
+    <dgm:fillClrLst meth="repeat">
+      <a:schemeClr val="lt1">
+        <a:alpha val="90000"/>
+      </a:schemeClr>
+    </dgm:fillClrLst>
+    <dgm:linClrLst meth="repeat">
+      <a:schemeClr val="accent1"/>
+    </dgm:linClrLst>
+    <dgm:effectClrLst/>
+    <dgm:txLinClrLst/>
+    <dgm:txFillClrLst meth="repeat">
+      <a:schemeClr val="dk1"/>
+    </dgm:txFillClrLst>
+    <dgm:txEffectClrLst/>
+  </dgm:styleLbl>
+  <dgm:styleLbl name="alignAcc1">
+    <dgm:fillClrLst meth="repeat">
+      <a:schemeClr val="lt1">
+        <a:alpha val="90000"/>
+      </a:schemeClr>
+    </dgm:fillClrLst>
+    <dgm:linClrLst meth="repeat">
+      <a:schemeClr val="accent1"/>
+    </dgm:linClrLst>
+    <dgm:effectClrLst/>
+    <dgm:txLinClrLst/>
+    <dgm:txFillClrLst meth="repeat">
+      <a:schemeClr val="dk1"/>
+    </dgm:txFillClrLst>
+    <dgm:txEffectClrLst/>
+  </dgm:styleLbl>
+  <dgm:styleLbl name="trAlignAcc1">
+    <dgm:fillClrLst meth="repeat">
+      <a:schemeClr val="lt1">
+        <a:alpha val="40000"/>
+      </a:schemeClr>
+    </dgm:fillClrLst>
+    <dgm:linClrLst meth="repeat">
+      <a:schemeClr val="accent1"/>
+    </dgm:linClrLst>
+    <dgm:effectClrLst/>
+    <dgm:txLinClrLst/>
+    <dgm:txFillClrLst meth="repeat">
+      <a:schemeClr val="dk1"/>
+    </dgm:txFillClrLst>
+    <dgm:txEffectClrLst/>
+  </dgm:styleLbl>
+  <dgm:styleLbl name="bgAcc1">
+    <dgm:fillClrLst meth="repeat">
+      <a:schemeClr val="lt1">
+        <a:alpha val="90000"/>
+      </a:schemeClr>
+    </dgm:fillClrLst>
+    <dgm:linClrLst meth="repeat">
+      <a:schemeClr val="accent1"/>
+    </dgm:linClrLst>
+    <dgm:effectClrLst/>
+    <dgm:txLinClrLst/>
+    <dgm:txFillClrLst meth="repeat">
+      <a:schemeClr val="dk1"/>
+    </dgm:txFillClrLst>
+    <dgm:txEffectClrLst/>
+  </dgm:styleLbl>
+  <dgm:styleLbl name="solidFgAcc1">
+    <dgm:fillClrLst meth="repeat">
+      <a:schemeClr val="lt1"/>
+    </dgm:fillClrLst>
+    <dgm:linClrLst meth="repeat">
+      <a:schemeClr val="accent1"/>
+    </dgm:linClrLst>
+    <dgm:effectClrLst/>
+    <dgm:txLinClrLst/>
+    <dgm:txFillClrLst meth="repeat">
+      <a:schemeClr val="dk1"/>
+    </dgm:txFillClrLst>
+    <dgm:txEffectClrLst/>
+  </dgm:styleLbl>
+  <dgm:styleLbl name="solidAlignAcc1">
+    <dgm:fillClrLst meth="repeat">
+      <a:schemeClr val="lt1"/>
+    </dgm:fillClrLst>
+    <dgm:linClrLst meth="repeat">
+      <a:schemeClr val="accent1"/>
+    </dgm:linClrLst>
+    <dgm:effectClrLst/>
+    <dgm:txLinClrLst/>
+    <dgm:txFillClrLst meth="repeat">
+      <a:schemeClr val="dk1"/>
+    </dgm:txFillClrLst>
+    <dgm:txEffectClrLst/>
+  </dgm:styleLbl>
+  <dgm:styleLbl name="solidBgAcc1">
+    <dgm:fillClrLst meth="repeat">
+      <a:schemeClr val="lt1"/>
+    </dgm:fillClrLst>
+    <dgm:linClrLst meth="repeat">
+      <a:schemeClr val="accent1"/>
+    </dgm:linClrLst>
+    <dgm:effectClrLst/>
+    <dgm:txLinClrLst/>
+    <dgm:txFillClrLst meth="repeat">
+      <a:schemeClr val="dk1"/>
+    </dgm:txFillClrLst>
+    <dgm:txEffectClrLst/>
+  </dgm:styleLbl>
+  <dgm:styleLbl name="fgAccFollowNode1">
+    <dgm:fillClrLst meth="repeat">
+      <a:schemeClr val="accent1">
+        <a:alpha val="90000"/>
+        <a:tint val="40000"/>
+      </a:schemeClr>
+    </dgm:fillClrLst>
+    <dgm:linClrLst meth="repeat">
+      <a:schemeClr val="accent1">
+        <a:alpha val="90000"/>
+        <a:tint val="40000"/>
+      </a:schemeClr>
+    </dgm:linClrLst>
+    <dgm:effectClrLst/>
+    <dgm:txLinClrLst/>
+    <dgm:txFillClrLst meth="repeat">
+      <a:schemeClr val="dk1"/>
+    </dgm:txFillClrLst>
+    <dgm:txEffectClrLst/>
+  </dgm:styleLbl>
+  <dgm:styleLbl name="alignAccFollowNode1">
+    <dgm:fillClrLst meth="repeat">
+      <a:schemeClr val="accent1">
+        <a:alpha val="90000"/>
+        <a:tint val="40000"/>
+      </a:schemeClr>
+    </dgm:fillClrLst>
+    <dgm:linClrLst meth="repeat">
+      <a:schemeClr val="accent1">
+        <a:alpha val="90000"/>
+        <a:tint val="40000"/>
+      </a:schemeClr>
+    </dgm:linClrLst>
+    <dgm:effectClrLst/>
+    <dgm:txLinClrLst/>
+    <dgm:txFillClrLst meth="repeat">
+      <a:schemeClr val="dk1"/>
+    </dgm:txFillClrLst>
+    <dgm:txEffectClrLst/>
+  </dgm:styleLbl>
+  <dgm:styleLbl name="bgAccFollowNode1">
+    <dgm:fillClrLst meth="repeat">
+      <a:schemeClr val="accent1">
+        <a:alpha val="90000"/>
+        <a:tint val="40000"/>
+      </a:schemeClr>
+    </dgm:fillClrLst>
+    <dgm:linClrLst meth="repeat">
+      <a:schemeClr val="accent1">
+        <a:alpha val="90000"/>
+        <a:tint val="40000"/>
+      </a:schemeClr>
+    </dgm:linClrLst>
+    <dgm:effectClrLst/>
+    <dgm:txLinClrLst/>
+    <dgm:txFillClrLst meth="repeat">
+      <a:schemeClr val="dk1"/>
+    </dgm:txFillClrLst>
+    <dgm:txEffectClrLst/>
+  </dgm:styleLbl>
+  <dgm:styleLbl name="fgAcc0">
+    <dgm:fillClrLst meth="repeat">
+      <a:schemeClr val="lt1">
+        <a:alpha val="90000"/>
+      </a:schemeClr>
+    </dgm:fillClrLst>
+    <dgm:linClrLst meth="repeat">
+      <a:schemeClr val="accent1"/>
+    </dgm:linClrLst>
+    <dgm:effectClrLst/>
+    <dgm:txLinClrLst/>
+    <dgm:txFillClrLst meth="repeat">
+      <a:schemeClr val="dk1"/>
+    </dgm:txFillClrLst>
+    <dgm:txEffectClrLst/>
+  </dgm:styleLbl>
+  <dgm:styleLbl name="fgAcc2">
+    <dgm:fillClrLst meth="repeat">
+      <a:schemeClr val="lt1">
+        <a:alpha val="90000"/>
+      </a:schemeClr>
+    </dgm:fillClrLst>
+    <dgm:linClrLst meth="repeat">
+      <a:schemeClr val="accent1"/>
+    </dgm:linClrLst>
+    <dgm:effectClrLst/>
+    <dgm:txLinClrLst/>
+    <dgm:txFillClrLst meth="repeat">
+      <a:schemeClr val="dk1"/>
+    </dgm:txFillClrLst>
+    <dgm:txEffectClrLst/>
+  </dgm:styleLbl>
+  <dgm:styleLbl name="fgAcc3">
+    <dgm:fillClrLst meth="repeat">
+      <a:schemeClr val="lt1">
+        <a:alpha val="90000"/>
+      </a:schemeClr>
+    </dgm:fillClrLst>
+    <dgm:linClrLst meth="repeat">
+      <a:schemeClr val="accent1"/>
+    </dgm:linClrLst>
+    <dgm:effectClrLst/>
+    <dgm:txLinClrLst/>
+    <dgm:txFillClrLst meth="repeat">
+      <a:schemeClr val="dk1"/>
+    </dgm:txFillClrLst>
+    <dgm:txEffectClrLst/>
+  </dgm:styleLbl>
+  <dgm:styleLbl name="fgAcc4">
+    <dgm:fillClrLst meth="repeat">
+      <a:schemeClr val="lt1">
+        <a:alpha val="90000"/>
+      </a:schemeClr>
+    </dgm:fillClrLst>
+    <dgm:linClrLst meth="repeat">
+      <a:schemeClr val="accent1"/>
+    </dgm:linClrLst>
+    <dgm:effectClrLst/>
+    <dgm:txLinClrLst/>
+    <dgm:txFillClrLst meth="repeat">
+      <a:schemeClr val="dk1"/>
+    </dgm:txFillClrLst>
+    <dgm:txEffectClrLst/>
+  </dgm:styleLbl>
+  <dgm:styleLbl name="bgShp">
+    <dgm:fillClrLst meth="repeat">
+      <a:schemeClr val="accent1">
+        <a:tint val="40000"/>
+      </a:schemeClr>
+    </dgm:fillClrLst>
+    <dgm:linClrLst meth="repeat">
+      <a:schemeClr val="accent1"/>
+    </dgm:linClrLst>
+    <dgm:effectClrLst/>
+    <dgm:txLinClrLst/>
+    <dgm:txFillClrLst meth="repeat">
+      <a:schemeClr val="dk1"/>
+    </dgm:txFillClrLst>
+    <dgm:txEffectClrLst/>
+  </dgm:styleLbl>
+  <dgm:styleLbl name="dkBgShp">
+    <dgm:fillClrLst meth="repeat">
+      <a:schemeClr val="accent1">
+        <a:shade val="80000"/>
+      </a:schemeClr>
+    </dgm:fillClrLst>
+    <dgm:linClrLst meth="repeat">
+      <a:schemeClr val="accent1"/>
+    </dgm:linClrLst>
+    <dgm:effectClrLst/>
+    <dgm:txLinClrLst/>
+    <dgm:txFillClrLst meth="repeat">
+      <a:schemeClr val="lt1"/>
+    </dgm:txFillClrLst>
+    <dgm:txEffectClrLst/>
+  </dgm:styleLbl>
+  <dgm:styleLbl name="trBgShp">
+    <dgm:fillClrLst meth="repeat">
+      <a:schemeClr val="accent1">
+        <a:tint val="50000"/>
+        <a:alpha val="40000"/>
+      </a:schemeClr>
+    </dgm:fillClrLst>
+    <dgm:linClrLst meth="repeat">
+      <a:schemeClr val="accent1"/>
+    </dgm:linClrLst>
+    <dgm:effectClrLst/>
+    <dgm:txLinClrLst/>
+    <dgm:txFillClrLst meth="repeat">
+      <a:schemeClr val="lt1"/>
+    </dgm:txFillClrLst>
+    <dgm:txEffectClrLst/>
+  </dgm:styleLbl>
+  <dgm:styleLbl name="fgShp">
+    <dgm:fillClrLst meth="repeat">
+      <a:schemeClr val="accent1">
+        <a:tint val="60000"/>
+      </a:schemeClr>
+    </dgm:fillClrLst>
+    <dgm:linClrLst meth="repeat">
+      <a:schemeClr val="lt1"/>
+    </dgm:linClrLst>
+    <dgm:effectClrLst/>
+    <dgm:txLinClrLst/>
+    <dgm:txFillClrLst meth="repeat">
+      <a:schemeClr val="dk1"/>
+    </dgm:txFillClrLst>
+    <dgm:txEffectClrLst/>
+  </dgm:styleLbl>
+  <dgm:styleLbl name="revTx">
+    <dgm:fillClrLst meth="repeat">
+      <a:schemeClr val="lt1">
+        <a:alpha val="0"/>
+      </a:schemeClr>
+    </dgm:fillClrLst>
+    <dgm:linClrLst meth="repeat">
+      <a:schemeClr val="dk1">
+        <a:alpha val="0"/>
+      </a:schemeClr>
+    </dgm:linClrLst>
+    <dgm:effectClrLst/>
+    <dgm:txLinClrLst/>
+    <dgm:txFillClrLst meth="repeat">
+      <a:schemeClr val="tx1"/>
+    </dgm:txFillClrLst>
+    <dgm:txEffectClrLst/>
+  </dgm:styleLbl>
+</dgm:colorsDef>
+</file>
+
+<file path=ppt/diagrams/data1.xml><?xml version="1.0" encoding="utf-8"?>
+<dgm:dataModel xmlns:dgm="http://schemas.openxmlformats.org/drawingml/2006/diagram" xmlns:a="http://schemas.openxmlformats.org/drawingml/2006/main">
+  <dgm:ptLst>
+    <dgm:pt modelId="{FEEE0D71-5194-4AC9-B3E2-92AF06080B82}" type="doc">
+      <dgm:prSet loTypeId="urn:microsoft.com/office/officeart/2005/8/layout/venn1" loCatId="relationship" qsTypeId="urn:microsoft.com/office/officeart/2005/8/quickstyle/simple1" qsCatId="simple" csTypeId="urn:microsoft.com/office/officeart/2005/8/colors/accent1_2" csCatId="accent1" phldr="1"/>
+      <dgm:spPr/>
+    </dgm:pt>
+    <dgm:pt modelId="{46DEC5F4-4E85-4E9E-8FE3-5FAC6FF6E8CD}">
+      <dgm:prSet phldrT="[Text]" custT="1"/>
+      <dgm:spPr>
+        <a:solidFill>
+          <a:schemeClr val="tx2">
+            <a:lumMod val="25000"/>
+            <a:lumOff val="75000"/>
+            <a:alpha val="50000"/>
+          </a:schemeClr>
+        </a:solidFill>
+      </dgm:spPr>
+      <dgm:t>
+        <a:bodyPr/>
+        <a:lstStyle/>
+        <a:p>
+          <a:r>
+            <a:rPr lang="en-US" sz="1800" u="sng" dirty="0"/>
+            <a:t>(most of) DATA SET A </a:t>
+          </a:r>
+          <a:br>
+            <a:rPr lang="en-US" sz="1800" dirty="0"/>
+          </a:br>
+          <a:r>
+            <a:rPr lang="en-US" sz="1800" dirty="0"/>
+            <a:t>IDs 1000-1456</a:t>
+          </a:r>
+          <a:br>
+            <a:rPr lang="en-US" sz="1800" dirty="0"/>
+          </a:br>
+          <a:r>
+            <a:rPr lang="en-US" sz="1800" dirty="0"/>
+            <a:t> (n=457 of 457) Demographics only</a:t>
+          </a:r>
+        </a:p>
+      </dgm:t>
+    </dgm:pt>
+    <dgm:pt modelId="{4C14C7D0-B820-4B4B-B554-6B3AF319EDEB}" type="parTrans" cxnId="{02A20837-EDC6-43B3-9EB0-4E52EA9ACF86}">
+      <dgm:prSet/>
+      <dgm:spPr/>
+      <dgm:t>
+        <a:bodyPr/>
+        <a:lstStyle/>
+        <a:p>
+          <a:endParaRPr lang="en-US"/>
+        </a:p>
+      </dgm:t>
+    </dgm:pt>
+    <dgm:pt modelId="{6F1AAFEB-0B04-453F-ADEC-E456485E5E28}" type="sibTrans" cxnId="{02A20837-EDC6-43B3-9EB0-4E52EA9ACF86}">
+      <dgm:prSet/>
+      <dgm:spPr/>
+      <dgm:t>
+        <a:bodyPr/>
+        <a:lstStyle/>
+        <a:p>
+          <a:endParaRPr lang="en-US"/>
+        </a:p>
+      </dgm:t>
+    </dgm:pt>
+    <dgm:pt modelId="{0A6AA1E7-D1E5-4ABF-9938-606683431256}">
+      <dgm:prSet phldrT="[Text]" custT="1"/>
+      <dgm:spPr>
+        <a:solidFill>
+          <a:srgbClr val="7030A0">
+            <a:alpha val="10196"/>
+          </a:srgbClr>
+        </a:solidFill>
+      </dgm:spPr>
+      <dgm:t>
+        <a:bodyPr/>
+        <a:lstStyle/>
+        <a:p>
+          <a:r>
+            <a:rPr lang="en-US" sz="1800" u="sng" dirty="0"/>
+            <a:t>(most of) DATA SET B  </a:t>
+          </a:r>
+          <a:br>
+            <a:rPr lang="en-US" sz="1800" dirty="0"/>
+          </a:br>
+          <a:r>
+            <a:rPr lang="en-US" sz="1800" dirty="0"/>
+            <a:t>IDs 2001-2381</a:t>
+          </a:r>
+          <a:br>
+            <a:rPr lang="en-US" sz="1800" dirty="0"/>
+          </a:br>
+          <a:r>
+            <a:rPr lang="en-US" sz="1800" dirty="0"/>
+            <a:t> (n=381 of 381)</a:t>
+          </a:r>
+          <a:br>
+            <a:rPr lang="en-US" sz="1800" dirty="0"/>
+          </a:br>
+          <a:r>
+            <a:rPr lang="en-US" sz="1800" dirty="0"/>
+            <a:t>Outcomes only </a:t>
+          </a:r>
+          <a:br>
+            <a:rPr lang="en-US" sz="1400" dirty="0"/>
+          </a:br>
+          <a:endParaRPr lang="en-US" sz="1400" dirty="0"/>
+        </a:p>
+      </dgm:t>
+    </dgm:pt>
+    <dgm:pt modelId="{C4A6A49E-BC8B-4125-9B3D-65ED40DB1C08}" type="parTrans" cxnId="{47608619-5A4B-4514-B1FA-896E7B3145A9}">
+      <dgm:prSet/>
+      <dgm:spPr/>
+      <dgm:t>
+        <a:bodyPr/>
+        <a:lstStyle/>
+        <a:p>
+          <a:endParaRPr lang="en-US"/>
+        </a:p>
+      </dgm:t>
+    </dgm:pt>
+    <dgm:pt modelId="{FEB0EFB9-E538-4D3E-BC31-A223B8BAEAC7}" type="sibTrans" cxnId="{47608619-5A4B-4514-B1FA-896E7B3145A9}">
+      <dgm:prSet/>
+      <dgm:spPr/>
+      <dgm:t>
+        <a:bodyPr/>
+        <a:lstStyle/>
+        <a:p>
+          <a:endParaRPr lang="en-US"/>
+        </a:p>
+      </dgm:t>
+    </dgm:pt>
+    <dgm:pt modelId="{4AE863A9-2D58-43A3-8FF9-2D34C6882257}" type="pres">
+      <dgm:prSet presAssocID="{FEEE0D71-5194-4AC9-B3E2-92AF06080B82}" presName="compositeShape" presStyleCnt="0">
+        <dgm:presLayoutVars>
+          <dgm:chMax val="7"/>
+          <dgm:dir/>
+          <dgm:resizeHandles val="exact"/>
+        </dgm:presLayoutVars>
+      </dgm:prSet>
+      <dgm:spPr/>
+    </dgm:pt>
+    <dgm:pt modelId="{262E48F3-E5B1-476C-B579-C30B3CB72939}" type="pres">
+      <dgm:prSet presAssocID="{46DEC5F4-4E85-4E9E-8FE3-5FAC6FF6E8CD}" presName="circ1" presStyleLbl="vennNode1" presStyleIdx="0" presStyleCnt="2"/>
+      <dgm:spPr/>
+    </dgm:pt>
+    <dgm:pt modelId="{04556F5F-5A4C-4784-8C51-234E9259FA53}" type="pres">
+      <dgm:prSet presAssocID="{46DEC5F4-4E85-4E9E-8FE3-5FAC6FF6E8CD}" presName="circ1Tx" presStyleLbl="revTx" presStyleIdx="0" presStyleCnt="0">
+        <dgm:presLayoutVars>
+          <dgm:chMax val="0"/>
+          <dgm:chPref val="0"/>
+          <dgm:bulletEnabled val="1"/>
+        </dgm:presLayoutVars>
+      </dgm:prSet>
+      <dgm:spPr/>
+    </dgm:pt>
+    <dgm:pt modelId="{536127DA-B19D-42E8-9ACF-0B26D62FE10A}" type="pres">
+      <dgm:prSet presAssocID="{0A6AA1E7-D1E5-4ABF-9938-606683431256}" presName="circ2" presStyleLbl="vennNode1" presStyleIdx="1" presStyleCnt="2"/>
+      <dgm:spPr/>
+    </dgm:pt>
+    <dgm:pt modelId="{6D01F4E9-A943-49CD-B399-3C8957D0B4FD}" type="pres">
+      <dgm:prSet presAssocID="{0A6AA1E7-D1E5-4ABF-9938-606683431256}" presName="circ2Tx" presStyleLbl="revTx" presStyleIdx="0" presStyleCnt="0">
+        <dgm:presLayoutVars>
+          <dgm:chMax val="0"/>
+          <dgm:chPref val="0"/>
+          <dgm:bulletEnabled val="1"/>
+        </dgm:presLayoutVars>
+      </dgm:prSet>
+      <dgm:spPr/>
+    </dgm:pt>
+  </dgm:ptLst>
+  <dgm:cxnLst>
+    <dgm:cxn modelId="{47608619-5A4B-4514-B1FA-896E7B3145A9}" srcId="{FEEE0D71-5194-4AC9-B3E2-92AF06080B82}" destId="{0A6AA1E7-D1E5-4ABF-9938-606683431256}" srcOrd="1" destOrd="0" parTransId="{C4A6A49E-BC8B-4125-9B3D-65ED40DB1C08}" sibTransId="{FEB0EFB9-E538-4D3E-BC31-A223B8BAEAC7}"/>
+    <dgm:cxn modelId="{D8413C22-FF8D-4B19-8BA6-4D8521ECADEF}" type="presOf" srcId="{0A6AA1E7-D1E5-4ABF-9938-606683431256}" destId="{536127DA-B19D-42E8-9ACF-0B26D62FE10A}" srcOrd="0" destOrd="0" presId="urn:microsoft.com/office/officeart/2005/8/layout/venn1"/>
+    <dgm:cxn modelId="{02A20837-EDC6-43B3-9EB0-4E52EA9ACF86}" srcId="{FEEE0D71-5194-4AC9-B3E2-92AF06080B82}" destId="{46DEC5F4-4E85-4E9E-8FE3-5FAC6FF6E8CD}" srcOrd="0" destOrd="0" parTransId="{4C14C7D0-B820-4B4B-B554-6B3AF319EDEB}" sibTransId="{6F1AAFEB-0B04-453F-ADEC-E456485E5E28}"/>
+    <dgm:cxn modelId="{FD666680-CD87-424A-B5E5-666637E7FDEF}" type="presOf" srcId="{0A6AA1E7-D1E5-4ABF-9938-606683431256}" destId="{6D01F4E9-A943-49CD-B399-3C8957D0B4FD}" srcOrd="1" destOrd="0" presId="urn:microsoft.com/office/officeart/2005/8/layout/venn1"/>
+    <dgm:cxn modelId="{6486BD80-484E-459E-8D47-F86CB37650CA}" type="presOf" srcId="{46DEC5F4-4E85-4E9E-8FE3-5FAC6FF6E8CD}" destId="{262E48F3-E5B1-476C-B579-C30B3CB72939}" srcOrd="0" destOrd="0" presId="urn:microsoft.com/office/officeart/2005/8/layout/venn1"/>
+    <dgm:cxn modelId="{8FC913CA-8C67-4875-8322-F70BCB18D8B3}" type="presOf" srcId="{FEEE0D71-5194-4AC9-B3E2-92AF06080B82}" destId="{4AE863A9-2D58-43A3-8FF9-2D34C6882257}" srcOrd="0" destOrd="0" presId="urn:microsoft.com/office/officeart/2005/8/layout/venn1"/>
+    <dgm:cxn modelId="{F345A0CC-9C18-4081-BCA2-6CEAF77DB478}" type="presOf" srcId="{46DEC5F4-4E85-4E9E-8FE3-5FAC6FF6E8CD}" destId="{04556F5F-5A4C-4784-8C51-234E9259FA53}" srcOrd="1" destOrd="0" presId="urn:microsoft.com/office/officeart/2005/8/layout/venn1"/>
+    <dgm:cxn modelId="{646A62F1-5B45-4724-A9A3-F47E373F2147}" type="presParOf" srcId="{4AE863A9-2D58-43A3-8FF9-2D34C6882257}" destId="{262E48F3-E5B1-476C-B579-C30B3CB72939}" srcOrd="0" destOrd="0" presId="urn:microsoft.com/office/officeart/2005/8/layout/venn1"/>
+    <dgm:cxn modelId="{E3459B46-2EE9-4C84-AF2C-9D592859C39E}" type="presParOf" srcId="{4AE863A9-2D58-43A3-8FF9-2D34C6882257}" destId="{04556F5F-5A4C-4784-8C51-234E9259FA53}" srcOrd="1" destOrd="0" presId="urn:microsoft.com/office/officeart/2005/8/layout/venn1"/>
+    <dgm:cxn modelId="{C556C991-FB07-4C3A-ADBD-17383708707E}" type="presParOf" srcId="{4AE863A9-2D58-43A3-8FF9-2D34C6882257}" destId="{536127DA-B19D-42E8-9ACF-0B26D62FE10A}" srcOrd="2" destOrd="0" presId="urn:microsoft.com/office/officeart/2005/8/layout/venn1"/>
+    <dgm:cxn modelId="{21E25A2D-B887-48B8-B3FB-CE14BD5D4B3F}" type="presParOf" srcId="{4AE863A9-2D58-43A3-8FF9-2D34C6882257}" destId="{6D01F4E9-A943-49CD-B399-3C8957D0B4FD}" srcOrd="3" destOrd="0" presId="urn:microsoft.com/office/officeart/2005/8/layout/venn1"/>
+  </dgm:cxnLst>
+  <dgm:bg/>
+  <dgm:whole/>
+  <dgm:extLst>
+    <a:ext uri="http://schemas.microsoft.com/office/drawing/2008/diagram">
+      <dsp:dataModelExt xmlns:dsp="http://schemas.microsoft.com/office/drawing/2008/diagram" relId="rId7" minVer="http://schemas.openxmlformats.org/drawingml/2006/diagram"/>
+    </a:ext>
+  </dgm:extLst>
+</dgm:dataModel>
+</file>
+
+<file path=ppt/diagrams/drawing1.xml><?xml version="1.0" encoding="utf-8"?>
+<dsp:drawing xmlns:dgm="http://schemas.openxmlformats.org/drawingml/2006/diagram" xmlns:dsp="http://schemas.microsoft.com/office/drawing/2008/diagram" xmlns:a="http://schemas.openxmlformats.org/drawingml/2006/main">
+  <dsp:spTree>
+    <dsp:nvGrpSpPr>
+      <dsp:cNvPr id="0" name=""/>
+      <dsp:cNvGrpSpPr/>
+    </dsp:nvGrpSpPr>
+    <dsp:grpSpPr/>
+    <dsp:sp modelId="{262E48F3-E5B1-476C-B579-C30B3CB72939}">
+      <dsp:nvSpPr>
+        <dsp:cNvPr id="0" name=""/>
+        <dsp:cNvSpPr/>
+      </dsp:nvSpPr>
+      <dsp:spPr>
+        <a:xfrm>
+          <a:off x="621087" y="10944"/>
+          <a:ext cx="4001709" cy="4001709"/>
+        </a:xfrm>
+        <a:prstGeom prst="ellipse">
+          <a:avLst/>
+        </a:prstGeom>
+        <a:solidFill>
+          <a:schemeClr val="tx2">
+            <a:lumMod val="25000"/>
+            <a:lumOff val="75000"/>
+            <a:alpha val="50000"/>
+          </a:schemeClr>
+        </a:solidFill>
+        <a:ln w="12700" cap="flat" cmpd="sng" algn="ctr">
+          <a:solidFill>
+            <a:schemeClr val="lt1">
+              <a:hueOff val="0"/>
+              <a:satOff val="0"/>
+              <a:lumOff val="0"/>
+              <a:alphaOff val="0"/>
+            </a:schemeClr>
+          </a:solidFill>
+          <a:prstDash val="solid"/>
+          <a:miter lim="800000"/>
+        </a:ln>
+        <a:effectLst/>
+      </dsp:spPr>
+      <dsp:style>
+        <a:lnRef idx="2">
+          <a:scrgbClr r="0" g="0" b="0"/>
+        </a:lnRef>
+        <a:fillRef idx="1">
+          <a:scrgbClr r="0" g="0" b="0"/>
+        </a:fillRef>
+        <a:effectRef idx="0">
+          <a:scrgbClr r="0" g="0" b="0"/>
+        </a:effectRef>
+        <a:fontRef idx="minor">
+          <a:schemeClr val="tx1"/>
+        </a:fontRef>
+      </dsp:style>
+      <dsp:txBody>
+        <a:bodyPr spcFirstLastPara="0" vert="horz" wrap="square" lIns="0" tIns="0" rIns="0" bIns="0" numCol="1" spcCol="1270" anchor="ctr" anchorCtr="0">
+          <a:noAutofit/>
+        </a:bodyPr>
+        <a:lstStyle/>
+        <a:p>
+          <a:pPr marL="0" lvl="0" indent="0" algn="ctr" defTabSz="800100">
+            <a:lnSpc>
+              <a:spcPct val="90000"/>
+            </a:lnSpc>
+            <a:spcBef>
+              <a:spcPct val="0"/>
+            </a:spcBef>
+            <a:spcAft>
+              <a:spcPct val="35000"/>
+            </a:spcAft>
+            <a:buNone/>
+          </a:pPr>
+          <a:r>
+            <a:rPr lang="en-US" sz="1800" u="sng" kern="1200" dirty="0"/>
+            <a:t>(most of) DATA SET A </a:t>
+          </a:r>
+          <a:br>
+            <a:rPr lang="en-US" sz="1800" kern="1200" dirty="0"/>
+          </a:br>
+          <a:r>
+            <a:rPr lang="en-US" sz="1800" kern="1200" dirty="0"/>
+            <a:t>IDs 1000-1456</a:t>
+          </a:r>
+          <a:br>
+            <a:rPr lang="en-US" sz="1800" kern="1200" dirty="0"/>
+          </a:br>
+          <a:r>
+            <a:rPr lang="en-US" sz="1800" kern="1200" dirty="0"/>
+            <a:t> (n=457 of 457) Demographics only</a:t>
+          </a:r>
+        </a:p>
+      </dsp:txBody>
+      <dsp:txXfrm>
+        <a:off x="1179884" y="482831"/>
+        <a:ext cx="2307292" cy="3057934"/>
+      </dsp:txXfrm>
+    </dsp:sp>
+    <dsp:sp modelId="{536127DA-B19D-42E8-9ACF-0B26D62FE10A}">
+      <dsp:nvSpPr>
+        <dsp:cNvPr id="0" name=""/>
+        <dsp:cNvSpPr/>
+      </dsp:nvSpPr>
+      <dsp:spPr>
+        <a:xfrm>
+          <a:off x="3505202" y="10944"/>
+          <a:ext cx="4001709" cy="4001709"/>
+        </a:xfrm>
+        <a:prstGeom prst="ellipse">
+          <a:avLst/>
+        </a:prstGeom>
+        <a:solidFill>
+          <a:srgbClr val="7030A0">
+            <a:alpha val="10196"/>
+          </a:srgbClr>
+        </a:solidFill>
+        <a:ln w="12700" cap="flat" cmpd="sng" algn="ctr">
+          <a:solidFill>
+            <a:schemeClr val="lt1">
+              <a:hueOff val="0"/>
+              <a:satOff val="0"/>
+              <a:lumOff val="0"/>
+              <a:alphaOff val="0"/>
+            </a:schemeClr>
+          </a:solidFill>
+          <a:prstDash val="solid"/>
+          <a:miter lim="800000"/>
+        </a:ln>
+        <a:effectLst/>
+      </dsp:spPr>
+      <dsp:style>
+        <a:lnRef idx="2">
+          <a:scrgbClr r="0" g="0" b="0"/>
+        </a:lnRef>
+        <a:fillRef idx="1">
+          <a:scrgbClr r="0" g="0" b="0"/>
+        </a:fillRef>
+        <a:effectRef idx="0">
+          <a:scrgbClr r="0" g="0" b="0"/>
+        </a:effectRef>
+        <a:fontRef idx="minor">
+          <a:schemeClr val="tx1"/>
+        </a:fontRef>
+      </dsp:style>
+      <dsp:txBody>
+        <a:bodyPr spcFirstLastPara="0" vert="horz" wrap="square" lIns="0" tIns="0" rIns="0" bIns="0" numCol="1" spcCol="1270" anchor="ctr" anchorCtr="0">
+          <a:noAutofit/>
+        </a:bodyPr>
+        <a:lstStyle/>
+        <a:p>
+          <a:pPr marL="0" lvl="0" indent="0" algn="ctr" defTabSz="800100">
+            <a:lnSpc>
+              <a:spcPct val="90000"/>
+            </a:lnSpc>
+            <a:spcBef>
+              <a:spcPct val="0"/>
+            </a:spcBef>
+            <a:spcAft>
+              <a:spcPct val="35000"/>
+            </a:spcAft>
+            <a:buNone/>
+          </a:pPr>
+          <a:r>
+            <a:rPr lang="en-US" sz="1800" u="sng" kern="1200" dirty="0"/>
+            <a:t>(most of) DATA SET B  </a:t>
+          </a:r>
+          <a:br>
+            <a:rPr lang="en-US" sz="1800" kern="1200" dirty="0"/>
+          </a:br>
+          <a:r>
+            <a:rPr lang="en-US" sz="1800" kern="1200" dirty="0"/>
+            <a:t>IDs 2001-2381</a:t>
+          </a:r>
+          <a:br>
+            <a:rPr lang="en-US" sz="1800" kern="1200" dirty="0"/>
+          </a:br>
+          <a:r>
+            <a:rPr lang="en-US" sz="1800" kern="1200" dirty="0"/>
+            <a:t> (n=381 of 381)</a:t>
+          </a:r>
+          <a:br>
+            <a:rPr lang="en-US" sz="1800" kern="1200" dirty="0"/>
+          </a:br>
+          <a:r>
+            <a:rPr lang="en-US" sz="1800" kern="1200" dirty="0"/>
+            <a:t>Outcomes only </a:t>
+          </a:r>
+          <a:br>
+            <a:rPr lang="en-US" sz="1400" kern="1200" dirty="0"/>
+          </a:br>
+          <a:endParaRPr lang="en-US" sz="1400" kern="1200" dirty="0"/>
+        </a:p>
+      </dsp:txBody>
+      <dsp:txXfrm>
+        <a:off x="4640823" y="482831"/>
+        <a:ext cx="2307292" cy="3057934"/>
+      </dsp:txXfrm>
+    </dsp:sp>
+  </dsp:spTree>
+</dsp:drawing>
+</file>
+
+<file path=ppt/diagrams/layout1.xml><?xml version="1.0" encoding="utf-8"?>
+<dgm:layoutDef xmlns:dgm="http://schemas.openxmlformats.org/drawingml/2006/diagram" xmlns:a="http://schemas.openxmlformats.org/drawingml/2006/main" uniqueId="urn:microsoft.com/office/officeart/2005/8/layout/venn1">
+  <dgm:title val=""/>
+  <dgm:desc val=""/>
+  <dgm:catLst>
+    <dgm:cat type="relationship" pri="28000"/>
+    <dgm:cat type="convert" pri="19000"/>
+  </dgm:catLst>
+  <dgm:sampData useDef="1">
+    <dgm:dataModel>
+      <dgm:ptLst/>
+      <dgm:bg/>
+      <dgm:whole/>
+    </dgm:dataModel>
+  </dgm:sampData>
+  <dgm:styleData useDef="1">
+    <dgm:dataModel>
+      <dgm:ptLst/>
+      <dgm:bg/>
+      <dgm:whole/>
+    </dgm:dataModel>
+  </dgm:styleData>
+  <dgm:clrData>
+    <dgm:dataModel>
+      <dgm:ptLst>
+        <dgm:pt modelId="0" type="doc"/>
+        <dgm:pt modelId="1"/>
+        <dgm:pt modelId="2"/>
+        <dgm:pt modelId="3"/>
+        <dgm:pt modelId="4"/>
+      </dgm:ptLst>
+      <dgm:cxnLst>
+        <dgm:cxn modelId="7" srcId="0" destId="1" srcOrd="0" destOrd="0"/>
+        <dgm:cxn modelId="8" srcId="0" destId="2" srcOrd="1" destOrd="0"/>
+        <dgm:cxn modelId="9" srcId="0" destId="3" srcOrd="2" destOrd="0"/>
+        <dgm:cxn modelId="10" srcId="0" destId="4" srcOrd="3" destOrd="0"/>
+      </dgm:cxnLst>
+      <dgm:bg/>
+      <dgm:whole/>
+    </dgm:dataModel>
+  </dgm:clrData>
+  <dgm:layoutNode name="compositeShape">
+    <dgm:varLst>
+      <dgm:chMax val="7"/>
+      <dgm:dir/>
+      <dgm:resizeHandles val="exact"/>
+    </dgm:varLst>
+    <dgm:choose name="Name0">
+      <dgm:if name="Name1" axis="ch" ptType="node" func="cnt" op="equ" val="1">
+        <dgm:alg type="composite">
+          <dgm:param type="ar" val="1"/>
+        </dgm:alg>
+      </dgm:if>
+      <dgm:if name="Name2" axis="ch" ptType="node" func="cnt" op="equ" val="2">
+        <dgm:alg type="composite">
+          <dgm:param type="ar" val="1.792"/>
+        </dgm:alg>
+      </dgm:if>
+      <dgm:if name="Name3" axis="ch" ptType="node" func="cnt" op="equ" val="3">
+        <dgm:alg type="composite">
+          <dgm:param type="ar" val="1"/>
+        </dgm:alg>
+      </dgm:if>
+      <dgm:if name="Name4" axis="ch" ptType="node" func="cnt" op="equ" val="4">
+        <dgm:alg type="composite">
+          <dgm:param type="ar" val="1"/>
+        </dgm:alg>
+      </dgm:if>
+      <dgm:if name="Name5" axis="ch" ptType="node" func="cnt" op="equ" val="5">
+        <dgm:alg type="composite">
+          <dgm:param type="ar" val="1.4"/>
+        </dgm:alg>
+      </dgm:if>
+      <dgm:if name="Name6" axis="ch" ptType="node" func="cnt" op="equ" val="6">
+        <dgm:alg type="composite">
+          <dgm:param type="ar" val="1.285"/>
+        </dgm:alg>
+      </dgm:if>
+      <dgm:if name="Name7" axis="ch" ptType="node" func="cnt" op="equ" val="7">
+        <dgm:alg type="composite">
+          <dgm:param type="ar" val="1.359"/>
+        </dgm:alg>
+      </dgm:if>
+      <dgm:else name="Name8">
+        <dgm:alg type="composite">
+          <dgm:param type="ar" val="1.359"/>
+        </dgm:alg>
+      </dgm:else>
+    </dgm:choose>
+    <dgm:shape xmlns:r="http://schemas.openxmlformats.org/officeDocument/2006/relationships" r:blip="">
+      <dgm:adjLst/>
+    </dgm:shape>
+    <dgm:presOf/>
+    <dgm:choose name="Name9">
+      <dgm:if name="Name10" axis="ch" ptType="node" func="cnt" op="equ" val="1">
+        <dgm:constrLst>
+          <dgm:constr type="ctrX" for="ch" forName="circ1TxSh" refType="w" fact="0.5"/>
+          <dgm:constr type="ctrY" for="ch" forName="circ1TxSh" refType="h" fact="0.5"/>
+          <dgm:constr type="w" for="ch" forName="circ1TxSh" refType="w"/>
+          <dgm:constr type="h" for="ch" forName="circ1TxSh" refType="h"/>
+          <dgm:constr type="primFontSz" for="ch" ptType="node" op="equ"/>
+        </dgm:constrLst>
+      </dgm:if>
+      <dgm:if name="Name11" axis="ch" ptType="node" func="cnt" op="equ" val="2">
+        <dgm:constrLst>
+          <dgm:constr type="ctrX" for="ch" forName="circ1" refType="w" fact="0.3"/>
+          <dgm:constr type="ctrY" for="ch" forName="circ1" refType="h" fact="0.5"/>
+          <dgm:constr type="w" for="ch" forName="circ1" refType="w" fact="0.555"/>
+          <dgm:constr type="h" for="ch" forName="circ1" refType="h" fact="0.99456"/>
+          <dgm:constr type="l" for="ch" forName="circ1Tx" refType="w" fact="0.1"/>
+          <dgm:constr type="t" for="ch" forName="circ1Tx" refType="h" fact="0.12"/>
+          <dgm:constr type="w" for="ch" forName="circ1Tx" refType="w" fact="0.32"/>
+          <dgm:constr type="h" for="ch" forName="circ1Tx" refType="h" fact="0.76"/>
+          <dgm:constr type="ctrX" for="ch" forName="circ2" refType="w" fact="0.7"/>
+          <dgm:constr type="ctrY" for="ch" forName="circ2" refType="h" fact="0.5"/>
+          <dgm:constr type="w" for="ch" forName="circ2" refType="w" fact="0.555"/>
+          <dgm:constr type="h" for="ch" forName="circ2" refType="h" fact="0.99456"/>
+          <dgm:constr type="l" for="ch" forName="circ2Tx" refType="w" fact="0.58"/>
+          <dgm:constr type="t" for="ch" forName="circ2Tx" refType="h" fact="0.12"/>
+          <dgm:constr type="w" for="ch" forName="circ2Tx" refType="w" fact="0.32"/>
+          <dgm:constr type="h" for="ch" forName="circ2Tx" refType="h" fact="0.76"/>
+          <dgm:constr type="primFontSz" for="ch" ptType="node" op="equ"/>
+        </dgm:constrLst>
+      </dgm:if>
+      <dgm:if name="Name12" axis="ch" ptType="node" func="cnt" op="equ" val="3">
+        <dgm:constrLst>
+          <dgm:constr type="ctrX" for="ch" forName="circ1" refType="w" fact="0.5"/>
+          <dgm:constr type="ctrY" for="ch" forName="circ1" refType="w" fact="0.25"/>
+          <dgm:constr type="w" for="ch" forName="circ1" refType="w" fact="0.6"/>
+          <dgm:constr type="h" for="ch" forName="circ1" refType="h" fact="0.6"/>
+          <dgm:constr type="l" for="ch" forName="circ1Tx" refType="w" fact="0.28"/>
+          <dgm:constr type="t" for="ch" forName="circ1Tx" refType="h" fact="0.055"/>
+          <dgm:constr type="w" for="ch" forName="circ1Tx" refType="w" fact="0.44"/>
+          <dgm:constr type="h" for="ch" forName="circ1Tx" refType="h" fact="0.27"/>
+          <dgm:constr type="ctrX" for="ch" forName="circ2" refType="w" fact="0.7165"/>
+          <dgm:constr type="ctrY" for="ch" forName="circ2" refType="w" fact="0.625"/>
+          <dgm:constr type="w" for="ch" forName="circ2" refType="w" fact="0.6"/>
+          <dgm:constr type="h" for="ch" forName="circ2" refType="h" fact="0.6"/>
+          <dgm:constr type="l" for="ch" forName="circ2Tx" refType="w" fact="0.6"/>
+          <dgm:constr type="t" for="ch" forName="circ2Tx" refType="h" fact="0.48"/>
+          <dgm:constr type="w" for="ch" forName="circ2Tx" refType="w" fact="0.36"/>
+          <dgm:constr type="h" for="ch" forName="circ2Tx" refType="h" fact="0.33"/>
+          <dgm:constr type="ctrX" for="ch" forName="circ3" refType="w" fact="0.2835"/>
+          <dgm:constr type="ctrY" for="ch" forName="circ3" refType="w" fact="0.625"/>
+          <dgm:constr type="w" for="ch" forName="circ3" refType="w" fact="0.6"/>
+          <dgm:constr type="h" for="ch" forName="circ3" refType="h" fact="0.6"/>
+          <dgm:constr type="l" for="ch" forName="circ3Tx" refType="w" fact="0.04"/>
+          <dgm:constr type="t" for="ch" forName="circ3Tx" refType="h" fact="0.48"/>
+          <dgm:constr type="w" for="ch" forName="circ3Tx" refType="w" fact="0.36"/>
+          <dgm:constr type="h" for="ch" forName="circ3Tx" refType="h" fact="0.33"/>
+          <dgm:constr type="primFontSz" for="ch" ptType="node" op="equ"/>
+        </dgm:constrLst>
+      </dgm:if>
+      <dgm:if name="Name13" axis="ch" ptType="node" func="cnt" op="equ" val="4">
+        <dgm:constrLst>
+          <dgm:constr type="ctrX" for="ch" forName="circ1" refType="w" fact="0.5"/>
+          <dgm:constr type="ctrY" for="ch" forName="circ1" refType="w" fact="0.27"/>
+          <dgm:constr type="w" for="ch" forName="circ1" refType="w" fact="0.52"/>
+          <dgm:constr type="h" for="ch" forName="circ1" refType="h" fact="0.52"/>
+          <dgm:constr type="l" for="ch" forName="circ1Tx" refType="w" fact="0.3"/>
+          <dgm:constr type="t" for="ch" forName="circ1Tx" refType="h" fact="0.08"/>
+          <dgm:constr type="w" for="ch" forName="circ1Tx" refType="w" fact="0.4"/>
+          <dgm:constr type="h" for="ch" forName="circ1Tx" refType="h" fact="0.165"/>
+          <dgm:constr type="ctrX" for="ch" forName="circ2" refType="w" fact="0.73"/>
+          <dgm:constr type="ctrY" for="ch" forName="circ2" refType="w" fact="0.5"/>
+          <dgm:constr type="w" for="ch" forName="circ2" refType="w" fact="0.52"/>
+          <dgm:constr type="h" for="ch" forName="circ2" refType="h" fact="0.52"/>
+          <dgm:constr type="r" for="ch" forName="circ2Tx" refType="w" fact="0.95"/>
+          <dgm:constr type="t" for="ch" forName="circ2Tx" refType="h" fact="0.3"/>
+          <dgm:constr type="w" for="ch" forName="circ2Tx" refType="w" fact="0.2"/>
+          <dgm:constr type="h" for="ch" forName="circ2Tx" refType="h" fact="0.4"/>
+          <dgm:constr type="ctrX" for="ch" forName="circ3" refType="w" fact="0.5"/>
+          <dgm:constr type="ctrY" for="ch" forName="circ3" refType="w" fact="0.73"/>
+          <dgm:constr type="w" for="ch" forName="circ3" refType="w" fact="0.52"/>
+          <dgm:constr type="h" for="ch" forName="circ3" refType="h" fact="0.52"/>
+          <dgm:constr type="l" for="ch" forName="circ3Tx" refType="w" fact="0.3"/>
+          <dgm:constr type="b" for="ch" forName="circ3Tx" refType="h" fact="0.92"/>
+          <dgm:constr type="w" for="ch" forName="circ3Tx" refType="w" fact="0.4"/>
+          <dgm:constr type="h" for="ch" forName="circ3Tx" refType="h" fact="0.165"/>
+          <dgm:constr type="ctrX" for="ch" forName="circ4" refType="w" fact="0.27"/>
+          <dgm:constr type="ctrY" for="ch" forName="circ4" refType="h" fact="0.5"/>
+          <dgm:constr type="w" for="ch" forName="circ4" refType="w" fact="0.52"/>
+          <dgm:constr type="h" for="ch" forName="circ4" refType="h" fact="0.52"/>
+          <dgm:constr type="l" for="ch" forName="circ4Tx" refType="w" fact="0.05"/>
+          <dgm:constr type="t" for="ch" forName="circ4Tx" refType="h" fact="0.3"/>
+          <dgm:constr type="w" for="ch" forName="circ4Tx" refType="w" fact="0.2"/>
+          <dgm:constr type="h" for="ch" forName="circ4Tx" refType="h" fact="0.4"/>
+          <dgm:constr type="primFontSz" for="ch" ptType="node" op="equ"/>
+        </dgm:constrLst>
+      </dgm:if>
+      <dgm:if name="Name14" axis="ch" ptType="node" func="cnt" op="equ" val="5">
+        <dgm:constrLst>
+          <dgm:constr type="ctrX" for="ch" forName="circ1" refType="w" fact="0.5"/>
+          <dgm:constr type="ctrY" for="ch" forName="circ1" refType="h" fact="0.46"/>
+          <dgm:constr type="w" for="ch" forName="circ1" refType="w" fact="0.25"/>
+          <dgm:constr type="h" for="ch" forName="circ1" refType="h" fact="0.35"/>
+          <dgm:constr type="l" for="ch" forName="circ1Tx" refType="w" fact="0.355"/>
+          <dgm:constr type="t" for="ch" forName="circ1Tx"/>
+          <dgm:constr type="w" for="ch" forName="circ1Tx" refType="w" fact="0.29"/>
+          <dgm:constr type="h" for="ch" forName="circ1Tx" refType="h" fact="0.235"/>
+          <dgm:constr type="ctrX" for="ch" forName="circ2" refType="w" fact="0.5951"/>
+          <dgm:constr type="ctrY" for="ch" forName="circ2" refType="h" fact="0.5567"/>
+          <dgm:constr type="w" for="ch" forName="circ2" refType="w" fact="0.25"/>
+          <dgm:constr type="h" for="ch" forName="circ2" refType="h" fact="0.35"/>
+          <dgm:constr type="l" for="ch" forName="circ2Tx" refType="w" fact="0.74"/>
+          <dgm:constr type="t" for="ch" forName="circ2Tx" refType="h" fact="0.31"/>
+          <dgm:constr type="w" for="ch" forName="circ2Tx" refType="w" fact="0.26"/>
+          <dgm:constr type="h" for="ch" forName="circ2Tx" refType="h" fact="0.255"/>
+          <dgm:constr type="ctrX" for="ch" forName="circ3" refType="w" fact="0.5588"/>
+          <dgm:constr type="ctrY" for="ch" forName="circ3" refType="h" fact="0.7133"/>
+          <dgm:constr type="w" for="ch" forName="circ3" refType="w" fact="0.25"/>
+          <dgm:constr type="h" for="ch" forName="circ3" refType="h" fact="0.35"/>
+          <dgm:constr type="l" for="ch" forName="circ3Tx" refType="w" fact="0.7"/>
+          <dgm:constr type="t" for="ch" forName="circ3Tx" refType="h" fact="0.745"/>
+          <dgm:constr type="w" for="ch" forName="circ3Tx" refType="w" fact="0.26"/>
+          <dgm:constr type="h" for="ch" forName="circ3Tx" refType="h" fact="0.255"/>
+          <dgm:constr type="ctrX" for="ch" forName="circ4" refType="w" fact="0.4412"/>
+          <dgm:constr type="ctrY" for="ch" forName="circ4" refType="h" fact="0.7133"/>
+          <dgm:constr type="w" for="ch" forName="circ4" refType="w" fact="0.25"/>
+          <dgm:constr type="h" for="ch" forName="circ4" refType="h" fact="0.35"/>
+          <dgm:constr type="l" for="ch" forName="circ4Tx" refType="w" fact="0.04"/>
+          <dgm:constr type="t" for="ch" forName="circ4Tx" refType="h" fact="0.745"/>
+          <dgm:constr type="w" for="ch" forName="circ4Tx" refType="w" fact="0.26"/>
+          <dgm:constr type="h" for="ch" forName="circ4Tx" refType="h" fact="0.255"/>
+          <dgm:constr type="ctrX" for="ch" forName="circ5" refType="w" fact="0.4049"/>
+          <dgm:constr type="ctrY" for="ch" forName="circ5" refType="h" fact="0.5567"/>
+          <dgm:constr type="w" for="ch" forName="circ5" refType="w" fact="0.25"/>
+          <dgm:constr type="h" for="ch" forName="circ5" refType="h" fact="0.35"/>
+          <dgm:constr type="l" for="ch" forName="circ5Tx"/>
+          <dgm:constr type="t" for="ch" forName="circ5Tx" refType="h" fact="0.31"/>
+          <dgm:constr type="w" for="ch" forName="circ5Tx" refType="w" fact="0.26"/>
+          <dgm:constr type="h" for="ch" forName="circ5Tx" refType="h" fact="0.255"/>
+          <dgm:constr type="primFontSz" for="ch" ptType="node" op="equ"/>
+        </dgm:constrLst>
+      </dgm:if>
+      <dgm:if name="Name15" axis="ch" ptType="node" func="cnt" op="equ" val="6">
+        <dgm:constrLst>
+          <dgm:constr type="ctrX" for="ch" forName="circ1" refType="w" fact="0.5"/>
+          <dgm:constr type="ctrY" for="ch" forName="circ1" refType="h" fact="0.3844"/>
+          <dgm:constr type="w" for="ch" forName="circ1" refType="w" fact="0.24"/>
+          <dgm:constr type="h" for="ch" forName="circ1" refType="h" fact="0.3084"/>
+          <dgm:constr type="l" for="ch" forName="circ1Tx" refType="w" fact="0.35"/>
+          <dgm:constr type="t" for="ch" forName="circ1Tx"/>
+          <dgm:constr type="w" for="ch" forName="circ1Tx" refType="w" fact="0.3"/>
+          <dgm:constr type="h" for="ch" forName="circ1Tx" refType="h" fact="0.21"/>
+          <dgm:constr type="ctrX" for="ch" forName="circ2" refType="w" fact="0.5779"/>
+          <dgm:constr type="ctrY" for="ch" forName="circ2" refType="h" fact="0.4422"/>
+          <dgm:constr type="w" for="ch" forName="circ2" refType="w" fact="0.24"/>
+          <dgm:constr type="h" for="ch" forName="circ2" refType="h" fact="0.3084"/>
+          <dgm:constr type="l" for="ch" forName="circ2Tx" refType="w" fact="0.7157"/>
+          <dgm:constr type="t" for="ch" forName="circ2Tx" refType="h" fact="0.2"/>
+          <dgm:constr type="w" for="ch" forName="circ2Tx" refType="w" fact="0.2843"/>
+          <dgm:constr type="h" for="ch" forName="circ2Tx" refType="h" fact="0.23"/>
+          <dgm:constr type="ctrX" for="ch" forName="circ3" refType="w" fact="0.5779"/>
+          <dgm:constr type="ctrY" for="ch" forName="circ3" refType="h" fact="0.5578"/>
+          <dgm:constr type="w" for="ch" forName="circ3" refType="w" fact="0.24"/>
+          <dgm:constr type="h" for="ch" forName="circ3" refType="h" fact="0.3084"/>
+          <dgm:constr type="l" for="ch" forName="circ3Tx" refType="w" fact="0.7157"/>
+          <dgm:constr type="t" for="ch" forName="circ3Tx" refType="h" fact="0.543"/>
+          <dgm:constr type="w" for="ch" forName="circ3Tx" refType="w" fact="0.2843"/>
+          <dgm:constr type="h" for="ch" forName="circ3Tx" refType="h" fact="0.257"/>
+          <dgm:constr type="ctrX" for="ch" forName="circ4" refType="w" fact="0.5"/>
+          <dgm:constr type="ctrY" for="ch" forName="circ4" refType="h" fact="0.6157"/>
+          <dgm:constr type="w" for="ch" forName="circ4" refType="w" fact="0.24"/>
+          <dgm:constr type="h" for="ch" forName="circ4" refType="h" fact="0.3084"/>
+          <dgm:constr type="l" for="ch" forName="circ4Tx" refType="w" fact="0.35"/>
+          <dgm:constr type="t" for="ch" forName="circ4Tx" refType="h" fact="0.79"/>
+          <dgm:constr type="w" for="ch" forName="circ4Tx" refType="w" fact="0.3"/>
+          <dgm:constr type="h" for="ch" forName="circ4Tx" refType="h" fact="0.21"/>
+          <dgm:constr type="ctrX" for="ch" forName="circ5" refType="w" fact="0.4221"/>
+          <dgm:constr type="ctrY" for="ch" forName="circ5" refType="h" fact="0.5578"/>
+          <dgm:constr type="w" for="ch" forName="circ5" refType="w" fact="0.24"/>
+          <dgm:constr type="h" for="ch" forName="circ5" refType="h" fact="0.3084"/>
+          <dgm:constr type="l" for="ch" forName="circ5Tx" refType="w" fact="0"/>
+          <dgm:constr type="t" for="ch" forName="circ5Tx" refType="h" fact="0.543"/>
+          <dgm:constr type="w" for="ch" forName="circ5Tx" refType="w" fact="0.2843"/>
+          <dgm:constr type="h" for="ch" forName="circ5Tx" refType="h" fact="0.257"/>
+          <dgm:constr type="ctrX" for="ch" forName="circ6" refType="w" fact="0.4221"/>
+          <dgm:constr type="ctrY" for="ch" forName="circ6" refType="h" fact="0.4422"/>
+          <dgm:constr type="w" for="ch" forName="circ6" refType="w" fact="0.24"/>
+          <dgm:constr type="h" for="ch" forName="circ6" refType="h" fact="0.3084"/>
+          <dgm:constr type="l" for="ch" forName="circ6Tx" refType="w" fact="0"/>
+          <dgm:constr type="t" for="ch" forName="circ6Tx" refType="h" fact="0.2"/>
+          <dgm:constr type="w" for="ch" forName="circ6Tx" refType="w" fact="0.2843"/>
+          <dgm:constr type="h" for="ch" forName="circ6Tx" refType="h" fact="0.257"/>
+          <dgm:constr type="primFontSz" for="ch" ptType="node" op="equ"/>
+        </dgm:constrLst>
+      </dgm:if>
+      <dgm:else name="Name16">
+        <dgm:constrLst>
+          <dgm:constr type="ctrX" for="ch" forName="circ1" refType="w" fact="0.5"/>
+          <dgm:constr type="ctrY" for="ch" forName="circ1" refType="h" fact="0.4177"/>
+          <dgm:constr type="w" for="ch" forName="circ1" refType="w" fact="0.24"/>
+          <dgm:constr type="h" for="ch" forName="circ1" refType="h" fact="0.3262"/>
+          <dgm:constr type="l" for="ch" forName="circ1Tx" refType="w" fact="0.3625"/>
+          <dgm:constr type="t" for="ch" forName="circ1Tx"/>
+          <dgm:constr type="w" for="ch" forName="circ1Tx" refType="w" fact="0.275"/>
+          <dgm:constr type="h" for="ch" forName="circ1Tx" refType="h" fact="0.2"/>
+          <dgm:constr type="ctrX" for="ch" forName="circ2" refType="w" fact="0.5704"/>
+          <dgm:constr type="ctrY" for="ch" forName="circ2" refType="h" fact="0.4637"/>
+          <dgm:constr type="w" for="ch" forName="circ2" refType="w" fact="0.24"/>
+          <dgm:constr type="h" for="ch" forName="circ2" refType="h" fact="0.3262"/>
+          <dgm:constr type="l" for="ch" forName="circ2Tx" refType="w" fact="0.72"/>
+          <dgm:constr type="t" for="ch" forName="circ2Tx" refType="h" fact="0.19"/>
+          <dgm:constr type="w" for="ch" forName="circ2Tx" refType="w" fact="0.26"/>
+          <dgm:constr type="h" for="ch" forName="circ2Tx" refType="h" fact="0.22"/>
+          <dgm:constr type="ctrX" for="ch" forName="circ3" refType="w" fact="0.5877"/>
+          <dgm:constr type="ctrY" for="ch" forName="circ3" refType="h" fact="0.5672"/>
+          <dgm:constr type="w" for="ch" forName="circ3" refType="w" fact="0.24"/>
+          <dgm:constr type="h" for="ch" forName="circ3" refType="h" fact="0.3262"/>
+          <dgm:constr type="l" for="ch" forName="circ3Tx" refType="w" fact="0.745"/>
+          <dgm:constr type="t" for="ch" forName="circ3Tx" refType="h" fact="0.47"/>
+          <dgm:constr type="w" for="ch" forName="circ3Tx" refType="w" fact="0.255"/>
+          <dgm:constr type="h" for="ch" forName="circ3Tx" refType="h" fact="0.235"/>
+          <dgm:constr type="ctrX" for="ch" forName="circ4" refType="w" fact="0.539"/>
+          <dgm:constr type="ctrY" for="ch" forName="circ4" refType="h" fact="0.6502"/>
+          <dgm:constr type="w" for="ch" forName="circ4" refType="w" fact="0.24"/>
+          <dgm:constr type="h" for="ch" forName="circ4" refType="h" fact="0.3262"/>
+          <dgm:constr type="l" for="ch" forName="circ4Tx" refType="w" fact="0.635"/>
+          <dgm:constr type="t" for="ch" forName="circ4Tx" refType="h" fact="0.785"/>
+          <dgm:constr type="w" for="ch" forName="circ4Tx" refType="w" fact="0.275"/>
+          <dgm:constr type="h" for="ch" forName="circ4Tx" refType="h" fact="0.215"/>
+          <dgm:constr type="ctrX" for="ch" forName="circ5" refType="w" fact="0.461"/>
+          <dgm:constr type="ctrY" for="ch" forName="circ5" refType="h" fact="0.6502"/>
+          <dgm:constr type="w" for="ch" forName="circ5" refType="w" fact="0.24"/>
+          <dgm:constr type="h" for="ch" forName="circ5" refType="h" fact="0.3262"/>
+          <dgm:constr type="l" for="ch" forName="circ5Tx" refType="w" fact="0.09"/>
+          <dgm:constr type="t" for="ch" forName="circ5Tx" refType="h" fact="0.785"/>
+          <dgm:constr type="w" for="ch" forName="circ5Tx" refType="w" fact="0.275"/>
+          <dgm:constr type="h" for="ch" forName="circ5Tx" refType="h" fact="0.215"/>
+          <dgm:constr type="ctrX" for="ch" forName="circ6" refType="w" fact="0.4123"/>
+          <dgm:constr type="ctrY" for="ch" forName="circ6" refType="h" fact="0.5672"/>
+          <dgm:constr type="w" for="ch" forName="circ6" refType="w" fact="0.24"/>
+          <dgm:constr type="h" for="ch" forName="circ6" refType="h" fact="0.3262"/>
+          <dgm:constr type="l" for="ch" forName="circ6Tx"/>
+          <dgm:constr type="t" for="ch" forName="circ6Tx" refType="h" fact="0.47"/>
+          <dgm:constr type="w" for="ch" forName="circ6Tx" refType="w" fact="0.255"/>
+          <dgm:constr type="h" for="ch" forName="circ6Tx" refType="h" fact="0.235"/>
+          <dgm:constr type="ctrX" for="ch" forName="circ7" refType="w" fact="0.4296"/>
+          <dgm:constr type="ctrY" for="ch" forName="circ7" refType="h" fact="0.4637"/>
+          <dgm:constr type="w" for="ch" forName="circ7" refType="w" fact="0.24"/>
+          <dgm:constr type="h" for="ch" forName="circ7" refType="h" fact="0.3262"/>
+          <dgm:constr type="l" for="ch" forName="circ7Tx" refType="w" fact="0.02"/>
+          <dgm:constr type="t" for="ch" forName="circ7Tx" refType="h" fact="0.19"/>
+          <dgm:constr type="w" for="ch" forName="circ7Tx" refType="w" fact="0.26"/>
+          <dgm:constr type="h" for="ch" forName="circ7Tx" refType="h" fact="0.22"/>
+          <dgm:constr type="primFontSz" for="ch" ptType="node" op="equ"/>
+        </dgm:constrLst>
+      </dgm:else>
+    </dgm:choose>
+    <dgm:ruleLst/>
+    <dgm:forEach name="Name17" axis="ch" ptType="node" cnt="1">
+      <dgm:choose name="Name18">
+        <dgm:if name="Name19" axis="root ch" ptType="all node" func="cnt" op="equ" val="1">
+          <dgm:layoutNode name="circ1TxSh" styleLbl="vennNode1">
+            <dgm:alg type="tx">
+              <dgm:param type="txAnchorHorzCh" val="ctr"/>
+              <dgm:param type="txAnchorVertCh" val="mid"/>
+            </dgm:alg>
+            <dgm:shape xmlns:r="http://schemas.openxmlformats.org/officeDocument/2006/relationships" type="ellipse" r:blip="">
+              <dgm:adjLst/>
+            </dgm:shape>
+            <dgm:choose name="Name20">
+              <dgm:if name="Name21" func="var" arg="dir" op="equ" val="norm">
+                <dgm:choose name="Name22">
+                  <dgm:if name="Name23" axis="root ch" ptType="all node" func="cnt" op="lte" val="4">
+                    <dgm:presOf axis="desOrSelf" ptType="node"/>
+                  </dgm:if>
+                  <dgm:else name="Name24">
+                    <dgm:presOf/>
+                  </dgm:else>
+                </dgm:choose>
+              </dgm:if>
+              <dgm:else name="Name25">
+                <dgm:choose name="Name26">
+                  <dgm:if name="Name27" axis="root ch" ptType="all node" func="cnt" op="equ" val="2">
+                    <dgm:presOf axis="root ch desOrSelf" ptType="all node node" st="1 2 1" cnt="1 1 0"/>
+                  </dgm:if>
+                  <dgm:else name="Name28">
+                    <dgm:presOf axis="desOrSelf" ptType="node"/>
+                  </dgm:else>
+                </dgm:choose>
+              </dgm:else>
+            </dgm:choose>
+            <dgm:constrLst>
+              <dgm:constr type="tMarg"/>
+              <dgm:constr type="bMarg"/>
+              <dgm:constr type="lMarg"/>
+              <dgm:constr type="rMarg"/>
+              <dgm:constr type="primFontSz" val="65"/>
+            </dgm:constrLst>
+            <dgm:ruleLst>
+              <dgm:rule type="primFontSz" val="5" fact="NaN" max="NaN"/>
+            </dgm:ruleLst>
+          </dgm:layoutNode>
+        </dgm:if>
+        <dgm:else name="Name29">
+          <dgm:layoutNode name="circ1" styleLbl="vennNode1">
+            <dgm:alg type="sp"/>
+            <dgm:shape xmlns:r="http://schemas.openxmlformats.org/officeDocument/2006/relationships" type="ellipse" r:blip="">
+              <dgm:adjLst/>
+            </dgm:shape>
+            <dgm:choose name="Name30">
+              <dgm:if name="Name31" func="var" arg="dir" op="equ" val="norm">
+                <dgm:choose name="Name32">
+                  <dgm:if name="Name33" axis="root ch" ptType="all node" func="cnt" op="lte" val="4">
+                    <dgm:presOf axis="desOrSelf" ptType="node"/>
+                  </dgm:if>
+                  <dgm:else name="Name34">
+                    <dgm:presOf/>
+                  </dgm:else>
+                </dgm:choose>
+              </dgm:if>
+              <dgm:else name="Name35">
+                <dgm:choose name="Name36">
+                  <dgm:if name="Name37" axis="root ch" ptType="all node" func="cnt" op="equ" val="2">
+                    <dgm:presOf axis="root ch desOrSelf" ptType="all node node" st="1 2 1" cnt="1 1 0"/>
+                  </dgm:if>
+                  <dgm:else name="Name38">
+                    <dgm:choose name="Name39">
+                      <dgm:if name="Name40" axis="root ch" ptType="all node" func="cnt" op="lte" val="4">
+                        <dgm:presOf axis="desOrSelf" ptType="node"/>
+                      </dgm:if>
+                      <dgm:else name="Name41">
+                        <dgm:presOf/>
+                      </dgm:else>
+                    </dgm:choose>
+                  </dgm:else>
+                </dgm:choose>
+              </dgm:else>
+            </dgm:choose>
+            <dgm:constrLst/>
+            <dgm:ruleLst/>
+          </dgm:layoutNode>
+          <dgm:layoutNode name="circ1Tx" styleLbl="revTx">
+            <dgm:varLst>
+              <dgm:chMax val="0"/>
+              <dgm:chPref val="0"/>
+              <dgm:bulletEnabled val="1"/>
+            </dgm:varLst>
+            <dgm:alg type="tx">
+              <dgm:param type="txAnchorHorzCh" val="ctr"/>
+              <dgm:param type="txAnchorVertCh" val="mid"/>
+            </dgm:alg>
+            <dgm:shape xmlns:r="http://schemas.openxmlformats.org/officeDocument/2006/relationships" type="rect" r:blip="" hideGeom="1">
+              <dgm:adjLst/>
+            </dgm:shape>
+            <dgm:choose name="Name42">
+              <dgm:if name="Name43" func="var" arg="dir" op="equ" val="norm">
+                <dgm:presOf axis="desOrSelf" ptType="node"/>
+              </dgm:if>
+              <dgm:else name="Name44">
+                <dgm:choose name="Name45">
+                  <dgm:if name="Name46" axis="root ch" ptType="all node" func="cnt" op="equ" val="2">
+                    <dgm:presOf axis="root ch desOrSelf" ptType="all node node" st="1 2 1" cnt="1 1 0"/>
+                  </dgm:if>
+                  <dgm:else name="Name47">
+                    <dgm:presOf axis="desOrSelf" ptType="node"/>
+                  </dgm:else>
+                </dgm:choose>
+              </dgm:else>
+            </dgm:choose>
+            <dgm:constrLst>
+              <dgm:constr type="tMarg"/>
+              <dgm:constr type="bMarg"/>
+              <dgm:constr type="lMarg"/>
+              <dgm:constr type="rMarg"/>
+              <dgm:constr type="primFontSz" val="65"/>
+            </dgm:constrLst>
+            <dgm:ruleLst>
+              <dgm:rule type="primFontSz" val="5" fact="NaN" max="NaN"/>
+            </dgm:ruleLst>
+          </dgm:layoutNode>
+        </dgm:else>
+      </dgm:choose>
+    </dgm:forEach>
+    <dgm:forEach name="Name48" axis="ch" ptType="node" st="2" cnt="1">
+      <dgm:layoutNode name="circ2" styleLbl="vennNode1">
+        <dgm:alg type="sp"/>
+        <dgm:shape xmlns:r="http://schemas.openxmlformats.org/officeDocument/2006/relationships" type="ellipse" r:blip="">
+          <dgm:adjLst/>
+        </dgm:shape>
+        <dgm:choose name="Name49">
+          <dgm:if name="Name50" func="var" arg="dir" op="equ" val="norm">
+            <dgm:choose name="Name51">
+              <dgm:if name="Name52" axis="root ch" ptType="all node" func="cnt" op="lte" val="4">
+                <dgm:presOf axis="desOrSelf" ptType="node"/>
+              </dgm:if>
+              <dgm:else name="Name53">
+                <dgm:presOf/>
+              </dgm:else>
+            </dgm:choose>
+          </dgm:if>
+          <dgm:else name="Name54">
+            <dgm:choose name="Name55">
+              <dgm:if name="Name56" axis="root ch" ptType="all node" func="cnt" op="equ" val="2">
+                <dgm:presOf axis="root ch desOrSelf" ptType="all node node" st="1 1 1" cnt="1 1 0"/>
+              </dgm:if>
+              <dgm:if name="Name57" axis="root ch" ptType="all node" func="cnt" op="equ" val="3">
+                <dgm:presOf axis="root ch desOrSelf" ptType="all node node" st="1 3 1" cnt="1 1 0"/>
+              </dgm:if>
+              <dgm:if name="Name58" axis="root ch" ptType="all node" func="cnt" op="equ" val="4">
+                <dgm:presOf axis="root ch desOrSelf" ptType="all node node" st="1 4 1" cnt="1 1 0"/>
+              </dgm:if>
+              <dgm:else name="Name59">
+                <dgm:presOf/>
+              </dgm:else>
+            </dgm:choose>
+          </dgm:else>
+        </dgm:choose>
+        <dgm:constrLst/>
+        <dgm:ruleLst/>
+      </dgm:layoutNode>
+      <dgm:layoutNode name="circ2Tx" styleLbl="revTx">
+        <dgm:varLst>
+          <dgm:chMax val="0"/>
+          <dgm:chPref val="0"/>
+          <dgm:bulletEnabled val="1"/>
+        </dgm:varLst>
+        <dgm:alg type="tx">
+          <dgm:param type="txAnchorHorzCh" val="ctr"/>
+          <dgm:param type="txAnchorVertCh" val="mid"/>
+        </dgm:alg>
+        <dgm:shape xmlns:r="http://schemas.openxmlformats.org/officeDocument/2006/relationships" type="rect" r:blip="" hideGeom="1">
+          <dgm:adjLst/>
+        </dgm:shape>
+        <dgm:choose name="Name60">
+          <dgm:if name="Name61" func="var" arg="dir" op="equ" val="norm">
+            <dgm:presOf axis="desOrSelf" ptType="node"/>
+          </dgm:if>
+          <dgm:else name="Name62">
+            <dgm:choose name="Name63">
+              <dgm:if name="Name64" axis="root ch" ptType="all node" func="cnt" op="equ" val="2">
+                <dgm:presOf axis="root ch desOrSelf" ptType="all node node" st="1 1 1" cnt="1 1 0"/>
+              </dgm:if>
+              <dgm:if name="Name65" axis="root ch" ptType="all node" func="cnt" op="equ" val="3">
+                <dgm:presOf axis="root ch desOrSelf" ptType="all node node" st="1 3 1" cnt="1 1 0"/>
+              </dgm:if>
+              <dgm:if name="Name66" axis="root ch" ptType="all node" func="cnt" op="equ" val="4">
+                <dgm:presOf axis="root ch desOrSelf" ptType="all node node" st="1 4 1" cnt="1 1 0"/>
+              </dgm:if>
+              <dgm:if name="Name67" axis="root ch" ptType="all node" func="cnt" op="equ" val="5">
+                <dgm:presOf axis="root ch desOrSelf" ptType="all node node" st="1 5 1" cnt="1 1 0"/>
+              </dgm:if>
+              <dgm:if name="Name68" axis="root ch" ptType="all node" func="cnt" op="equ" val="6">
+                <dgm:presOf axis="root ch desOrSelf" ptType="all node node" st="1 6 1" cnt="1 1 0"/>
+              </dgm:if>
+              <dgm:else name="Name69">
+                <dgm:presOf axis="root ch desOrSelf" ptType="all node node" st="1 7 1" cnt="1 1 0"/>
+              </dgm:else>
+            </dgm:choose>
+          </dgm:else>
+        </dgm:choose>
+        <dgm:constrLst>
+          <dgm:constr type="tMarg"/>
+          <dgm:constr type="bMarg"/>
+          <dgm:constr type="lMarg"/>
+          <dgm:constr type="rMarg"/>
+          <dgm:constr type="primFontSz" val="65"/>
+        </dgm:constrLst>
+        <dgm:ruleLst>
+          <dgm:rule type="primFontSz" val="5" fact="NaN" max="NaN"/>
+        </dgm:ruleLst>
+      </dgm:layoutNode>
+    </dgm:forEach>
+    <dgm:forEach name="Name70" axis="ch" ptType="node" st="3" cnt="1">
+      <dgm:layoutNode name="circ3" styleLbl="vennNode1">
+        <dgm:alg type="sp"/>
+        <dgm:shape xmlns:r="http://schemas.openxmlformats.org/officeDocument/2006/relationships" type="ellipse" r:blip="">
+          <dgm:adjLst/>
+        </dgm:shape>
+        <dgm:choose name="Name71">
+          <dgm:if name="Name72" func="var" arg="dir" op="equ" val="norm">
+            <dgm:choose name="Name73">
+              <dgm:if name="Name74" axis="root ch" ptType="all node" func="cnt" op="lte" val="4">
+                <dgm:presOf axis="desOrSelf" ptType="node"/>
+              </dgm:if>
+              <dgm:else name="Name75">
+                <dgm:presOf/>
+              </dgm:else>
+            </dgm:choose>
+          </dgm:if>
+          <dgm:else name="Name76">
+            <dgm:choose name="Name77">
+              <dgm:if name="Name78" axis="root ch" ptType="all node" func="cnt" op="equ" val="3">
+                <dgm:presOf axis="root ch desOrSelf" ptType="all node node" st="1 2 1" cnt="1 1 0"/>
+              </dgm:if>
+              <dgm:if name="Name79" axis="root ch" ptType="all node" func="cnt" op="equ" val="4">
+                <dgm:presOf axis="root ch desOrSelf" ptType="all node node" st="1 3 1" cnt="1 1 0"/>
+              </dgm:if>
+              <dgm:else name="Name80">
+                <dgm:presOf/>
+              </dgm:else>
+            </dgm:choose>
+          </dgm:else>
+        </dgm:choose>
+        <dgm:constrLst/>
+        <dgm:ruleLst/>
+      </dgm:layoutNode>
+      <dgm:layoutNode name="circ3Tx" styleLbl="revTx">
+        <dgm:varLst>
+          <dgm:chMax val="0"/>
+          <dgm:chPref val="0"/>
+          <dgm:bulletEnabled val="1"/>
+        </dgm:varLst>
+        <dgm:alg type="tx">
+          <dgm:param type="txAnchorHorzCh" val="ctr"/>
+          <dgm:param type="txAnchorVertCh" val="mid"/>
+        </dgm:alg>
+        <dgm:shape xmlns:r="http://schemas.openxmlformats.org/officeDocument/2006/relationships" type="rect" r:blip="" hideGeom="1">
+          <dgm:adjLst/>
+        </dgm:shape>
+        <dgm:choose name="Name81">
+          <dgm:if name="Name82" func="var" arg="dir" op="equ" val="norm">
+            <dgm:presOf axis="desOrSelf" ptType="node"/>
+          </dgm:if>
+          <dgm:else name="Name83">
+            <dgm:choose name="Name84">
+              <dgm:if name="Name85" axis="root ch" ptType="all node" func="cnt" op="equ" val="3">
+                <dgm:presOf axis="root ch desOrSelf" ptType="all node node" st="1 2 1" cnt="1 1 0"/>
+              </dgm:if>
+              <dgm:if name="Name86" axis="root ch" ptType="all node" func="cnt" op="equ" val="4">
+                <dgm:presOf axis="root ch desOrSelf" ptType="all node node" st="1 3 1" cnt="1 1 0"/>
+              </dgm:if>
+              <dgm:if name="Name87" axis="root ch" ptType="all node" func="cnt" op="equ" val="5">
+                <dgm:presOf axis="root ch desOrSelf" ptType="all node node" st="1 4 1" cnt="1 1 0"/>
+              </dgm:if>
+              <dgm:if name="Name88" axis="root ch" ptType="all node" func="cnt" op="equ" val="6">
+                <dgm:presOf axis="root ch desOrSelf" ptType="all node node" st="1 5 1" cnt="1 1 0"/>
+              </dgm:if>
+              <dgm:else name="Name89">
+                <dgm:presOf axis="root ch desOrSelf" ptType="all node node" st="1 6 1" cnt="1 1 0"/>
+              </dgm:else>
+            </dgm:choose>
+          </dgm:else>
+        </dgm:choose>
+        <dgm:constrLst>
+          <dgm:constr type="tMarg"/>
+          <dgm:constr type="bMarg"/>
+          <dgm:constr type="lMarg"/>
+          <dgm:constr type="rMarg"/>
+          <dgm:constr type="primFontSz" val="65"/>
+        </dgm:constrLst>
+        <dgm:ruleLst>
+          <dgm:rule type="primFontSz" val="5" fact="NaN" max="NaN"/>
+        </dgm:ruleLst>
+      </dgm:layoutNode>
+    </dgm:forEach>
+    <dgm:forEach name="Name90" axis="ch" ptType="node" st="4" cnt="1">
+      <dgm:layoutNode name="circ4" styleLbl="vennNode1">
+        <dgm:alg type="sp"/>
+        <dgm:shape xmlns:r="http://schemas.openxmlformats.org/officeDocument/2006/relationships" type="ellipse" r:blip="">
+          <dgm:adjLst/>
+        </dgm:shape>
+        <dgm:choose name="Name91">
+          <dgm:if name="Name92" func="var" arg="dir" op="equ" val="norm">
+            <dgm:choose name="Name93">
+              <dgm:if name="Name94" axis="root ch" ptType="all node" func="cnt" op="lte" val="4">
+                <dgm:presOf axis="desOrSelf" ptType="node"/>
+              </dgm:if>
+              <dgm:else name="Name95">
+                <dgm:presOf/>
+              </dgm:else>
+            </dgm:choose>
+          </dgm:if>
+          <dgm:else name="Name96">
+            <dgm:choose name="Name97">
+              <dgm:if name="Name98" axis="root ch" ptType="all node" func="cnt" op="equ" val="4">
+                <dgm:presOf axis="root ch desOrSelf" ptType="all node node" st="1 2 1" cnt="1 1 0"/>
+              </dgm:if>
+              <dgm:else name="Name99">
+                <dgm:presOf/>
+              </dgm:else>
+            </dgm:choose>
+          </dgm:else>
+        </dgm:choose>
+        <dgm:constrLst/>
+        <dgm:ruleLst/>
+      </dgm:layoutNode>
+      <dgm:layoutNode name="circ4Tx" styleLbl="revTx">
+        <dgm:varLst>
+          <dgm:chMax val="0"/>
+          <dgm:chPref val="0"/>
+          <dgm:bulletEnabled val="1"/>
+        </dgm:varLst>
+        <dgm:alg type="tx">
+          <dgm:param type="txAnchorHorzCh" val="ctr"/>
+          <dgm:param type="txAnchorVertCh" val="mid"/>
+        </dgm:alg>
+        <dgm:shape xmlns:r="http://schemas.openxmlformats.org/officeDocument/2006/relationships" type="rect" r:blip="" hideGeom="1">
+          <dgm:adjLst/>
+        </dgm:shape>
+        <dgm:choose name="Name100">
+          <dgm:if name="Name101" func="var" arg="dir" op="equ" val="norm">
+            <dgm:presOf axis="desOrSelf" ptType="node"/>
+          </dgm:if>
+          <dgm:else name="Name102">
+            <dgm:choose name="Name103">
+              <dgm:if name="Name104" axis="root ch" ptType="all node" func="cnt" op="equ" val="4">
+                <dgm:presOf axis="root ch desOrSelf" ptType="all node node" st="1 2 1" cnt="1 1 0"/>
+              </dgm:if>
+              <dgm:if name="Name105" axis="root ch" ptType="all node" func="cnt" op="equ" val="5">
+                <dgm:presOf axis="root ch desOrSelf" ptType="all node node" st="1 3 1" cnt="1 1 0"/>
+              </dgm:if>
+              <dgm:if name="Name106" axis="root ch" ptType="all node" func="cnt" op="equ" val="6">
+                <dgm:presOf axis="root ch desOrSelf" ptType="all node node" st="1 4 1" cnt="1 1 0"/>
+              </dgm:if>
+              <dgm:else name="Name107">
+                <dgm:presOf axis="root ch desOrSelf" ptType="all node node" st="1 5 1" cnt="1 1 0"/>
+              </dgm:else>
+            </dgm:choose>
+          </dgm:else>
+        </dgm:choose>
+        <dgm:constrLst>
+          <dgm:constr type="tMarg"/>
+          <dgm:constr type="bMarg"/>
+          <dgm:constr type="lMarg"/>
+          <dgm:constr type="rMarg"/>
+          <dgm:constr type="primFontSz" val="65"/>
+        </dgm:constrLst>
+        <dgm:ruleLst>
+          <dgm:rule type="primFontSz" val="5" fact="NaN" max="NaN"/>
+        </dgm:ruleLst>
+      </dgm:layoutNode>
+    </dgm:forEach>
+    <dgm:forEach name="Name108" axis="ch" ptType="node" st="5" cnt="1">
+      <dgm:layoutNode name="circ5" styleLbl="vennNode1">
+        <dgm:alg type="sp"/>
+        <dgm:shape xmlns:r="http://schemas.openxmlformats.org/officeDocument/2006/relationships" type="ellipse" r:blip="">
+          <dgm:adjLst/>
+        </dgm:shape>
+        <dgm:presOf/>
+        <dgm:constrLst/>
+        <dgm:ruleLst/>
+      </dgm:layoutNode>
+      <dgm:layoutNode name="circ5Tx" styleLbl="revTx">
+        <dgm:varLst>
+          <dgm:chMax val="0"/>
+          <dgm:chPref val="0"/>
+          <dgm:bulletEnabled val="1"/>
+        </dgm:varLst>
+        <dgm:alg type="tx">
+          <dgm:param type="txAnchorHorzCh" val="ctr"/>
+          <dgm:param type="txAnchorVertCh" val="mid"/>
+        </dgm:alg>
+        <dgm:shape xmlns:r="http://schemas.openxmlformats.org/officeDocument/2006/relationships" type="rect" r:blip="" hideGeom="1">
+          <dgm:adjLst/>
+        </dgm:shape>
+        <dgm:choose name="Name109">
+          <dgm:if name="Name110" func="var" arg="dir" op="equ" val="norm">
+            <dgm:presOf axis="desOrSelf" ptType="node"/>
+          </dgm:if>
+          <dgm:else name="Name111">
+            <dgm:choose name="Name112">
+              <dgm:if name="Name113" axis="root ch" ptType="all node" func="cnt" op="equ" val="5">
+                <dgm:presOf axis="root ch desOrSelf" ptType="all node node" st="1 2 1" cnt="1 1 0"/>
+              </dgm:if>
+              <dgm:if name="Name114" axis="root ch" ptType="all node" func="cnt" op="equ" val="6">
+                <dgm:presOf axis="root ch desOrSelf" ptType="all node node" st="1 3 1" cnt="1 1 0"/>
+              </dgm:if>
+              <dgm:else name="Name115">
+                <dgm:presOf axis="root ch desOrSelf" ptType="all node node" st="1 4 1" cnt="1 1 0"/>
+              </dgm:else>
+            </dgm:choose>
+          </dgm:else>
+        </dgm:choose>
+        <dgm:constrLst>
+          <dgm:constr type="tMarg"/>
+          <dgm:constr type="bMarg"/>
+          <dgm:constr type="lMarg"/>
+          <dgm:constr type="rMarg"/>
+          <dgm:constr type="primFontSz" val="65"/>
+        </dgm:constrLst>
+        <dgm:ruleLst>
+          <dgm:rule type="primFontSz" val="5" fact="NaN" max="NaN"/>
+        </dgm:ruleLst>
+      </dgm:layoutNode>
+    </dgm:forEach>
+    <dgm:forEach name="Name116" axis="ch" ptType="node" st="6" cnt="1">
+      <dgm:layoutNode name="circ6" styleLbl="vennNode1">
+        <dgm:alg type="sp"/>
+        <dgm:shape xmlns:r="http://schemas.openxmlformats.org/officeDocument/2006/relationships" type="ellipse" r:blip="">
+          <dgm:adjLst/>
+        </dgm:shape>
+        <dgm:presOf/>
+        <dgm:constrLst/>
+        <dgm:ruleLst/>
+      </dgm:layoutNode>
+      <dgm:layoutNode name="circ6Tx" styleLbl="revTx">
+        <dgm:varLst>
+          <dgm:chMax val="0"/>
+          <dgm:chPref val="0"/>
+          <dgm:bulletEnabled val="1"/>
+        </dgm:varLst>
+        <dgm:alg type="tx">
+          <dgm:param type="txAnchorHorzCh" val="ctr"/>
+          <dgm:param type="txAnchorVertCh" val="mid"/>
+        </dgm:alg>
+        <dgm:shape xmlns:r="http://schemas.openxmlformats.org/officeDocument/2006/relationships" type="rect" r:blip="" hideGeom="1">
+          <dgm:adjLst/>
+        </dgm:shape>
+        <dgm:choose name="Name117">
+          <dgm:if name="Name118" func="var" arg="dir" op="equ" val="norm">
+            <dgm:presOf axis="desOrSelf" ptType="node"/>
+          </dgm:if>
+          <dgm:else name="Name119">
+            <dgm:choose name="Name120">
+              <dgm:if name="Name121" axis="root ch" ptType="all node" func="cnt" op="equ" val="6">
+                <dgm:presOf axis="root ch desOrSelf" ptType="all node node" st="1 2 1" cnt="1 1 0"/>
+              </dgm:if>
+              <dgm:else name="Name122">
+                <dgm:presOf axis="root ch desOrSelf" ptType="all node node" st="1 3 1" cnt="1 1 0"/>
+              </dgm:else>
+            </dgm:choose>
+          </dgm:else>
+        </dgm:choose>
+        <dgm:constrLst>
+          <dgm:constr type="tMarg"/>
+          <dgm:constr type="bMarg"/>
+          <dgm:constr type="lMarg"/>
+          <dgm:constr type="rMarg"/>
+          <dgm:constr type="primFontSz" val="65"/>
+        </dgm:constrLst>
+        <dgm:ruleLst>
+          <dgm:rule type="primFontSz" val="5" fact="NaN" max="NaN"/>
+        </dgm:ruleLst>
+      </dgm:layoutNode>
+    </dgm:forEach>
+    <dgm:forEach name="Name123" axis="ch" ptType="node" st="7" cnt="1">
+      <dgm:layoutNode name="circ7" styleLbl="vennNode1">
+        <dgm:alg type="sp"/>
+        <dgm:shape xmlns:r="http://schemas.openxmlformats.org/officeDocument/2006/relationships" type="ellipse" r:blip="">
+          <dgm:adjLst/>
+        </dgm:shape>
+        <dgm:presOf/>
+        <dgm:constrLst/>
+        <dgm:ruleLst/>
+      </dgm:layoutNode>
+      <dgm:layoutNode name="circ7Tx" styleLbl="revTx">
+        <dgm:varLst>
+          <dgm:chMax val="0"/>
+          <dgm:chPref val="0"/>
+          <dgm:bulletEnabled val="1"/>
+        </dgm:varLst>
+        <dgm:alg type="tx">
+          <dgm:param type="txAnchorHorzCh" val="ctr"/>
+          <dgm:param type="txAnchorVertCh" val="mid"/>
+        </dgm:alg>
+        <dgm:shape xmlns:r="http://schemas.openxmlformats.org/officeDocument/2006/relationships" type="rect" r:blip="" hideGeom="1">
+          <dgm:adjLst/>
+        </dgm:shape>
+        <dgm:choose name="Name124">
+          <dgm:if name="Name125" func="var" arg="dir" op="equ" val="norm">
+            <dgm:presOf axis="desOrSelf" ptType="node"/>
+          </dgm:if>
+          <dgm:else name="Name126">
+            <dgm:presOf axis="root ch desOrSelf" ptType="all node node" st="1 2 1" cnt="1 1 0"/>
+          </dgm:else>
+        </dgm:choose>
+        <dgm:constrLst>
+          <dgm:constr type="tMarg"/>
+          <dgm:constr type="bMarg"/>
+          <dgm:constr type="lMarg"/>
+          <dgm:constr type="rMarg"/>
+          <dgm:constr type="primFontSz" val="65"/>
+        </dgm:constrLst>
+        <dgm:ruleLst>
+          <dgm:rule type="primFontSz" val="5" fact="NaN" max="NaN"/>
+        </dgm:ruleLst>
+      </dgm:layoutNode>
+    </dgm:forEach>
+  </dgm:layoutNode>
+</dgm:layoutDef>
+</file>
+
+<file path=ppt/diagrams/quickStyle1.xml><?xml version="1.0" encoding="utf-8"?>
+<dgm:styleDef xmlns:dgm="http://schemas.openxmlformats.org/drawingml/2006/diagram" xmlns:a="http://schemas.openxmlformats.org/drawingml/2006/main" uniqueId="urn:microsoft.com/office/officeart/2005/8/quickstyle/simple1">
+  <dgm:title val=""/>
+  <dgm:desc val=""/>
+  <dgm:catLst>
+    <dgm:cat type="simple" pri="10100"/>
+  </dgm:catLst>
+  <dgm:scene3d>
+    <a:camera prst="orthographicFront"/>
+    <a:lightRig rig="threePt" dir="t"/>
+  </dgm:scene3d>
+  <dgm:styleLbl name="node0">
+    <dgm:scene3d>
+      <a:camera prst="orthographicFront"/>
+      <a:lightRig rig="threePt" dir="t"/>
+    </dgm:scene3d>
+    <dgm:sp3d/>
+    <dgm:txPr/>
+    <dgm:style>
+      <a:lnRef idx="2">
+        <a:scrgbClr r="0" g="0" b="0"/>
+      </a:lnRef>
+      <a:fillRef idx="1">
+        <a:scrgbClr r="0" g="0" b="0"/>
+      </a:fillRef>
+      <a:effectRef idx="0">
+        <a:scrgbClr r="0" g="0" b="0"/>
+      </a:effectRef>
+      <a:fontRef idx="minor">
+        <a:schemeClr val="lt1"/>
+      </a:fontRef>
+    </dgm:style>
+  </dgm:styleLbl>
+  <dgm:styleLbl name="lnNode1">
+    <dgm:scene3d>
+      <a:camera prst="orthographicFront"/>
+      <a:lightRig rig="threePt" dir="t"/>
+    </dgm:scene3d>
+    <dgm:sp3d/>
+    <dgm:txPr/>
+    <dgm:style>
+      <a:lnRef idx="2">
+        <a:scrgbClr r="0" g="0" b="0"/>
+      </a:lnRef>
+      <a:fillRef idx="1">
+        <a:scrgbClr r="0" g="0" b="0"/>
+      </a:fillRef>
+      <a:effectRef idx="0">
+        <a:scrgbClr r="0" g="0" b="0"/>
+      </a:effectRef>
+      <a:fontRef idx="minor">
+        <a:schemeClr val="lt1"/>
+      </a:fontRef>
+    </dgm:style>
+  </dgm:styleLbl>
+  <dgm:styleLbl name="vennNode1">
+    <dgm:scene3d>
+      <a:camera prst="orthographicFront"/>
+      <a:lightRig rig="threePt" dir="t"/>
+    </dgm:scene3d>
+    <dgm:sp3d/>
+    <dgm:txPr/>
+    <dgm:style>
+      <a:lnRef idx="2">
+        <a:scrgbClr r="0" g="0" b="0"/>
+      </a:lnRef>
+      <a:fillRef idx="1">
+        <a:scrgbClr r="0" g="0" b="0"/>
+      </a:fillRef>
+      <a:effectRef idx="0">
+        <a:scrgbClr r="0" g="0" b="0"/>
+      </a:effectRef>
+      <a:fontRef idx="minor">
+        <a:schemeClr val="tx1"/>
+      </a:fontRef>
+    </dgm:style>
+  </dgm:styleLbl>
+  <dgm:styleLbl name="alignNode1">
+    <dgm:scene3d>
+      <a:camera prst="orthographicFront"/>
+      <a:lightRig rig="threePt" dir="t"/>
+    </dgm:scene3d>
+    <dgm:sp3d/>
+    <dgm:txPr/>
+    <dgm:style>
+      <a:lnRef idx="2">
+        <a:scrgbClr r="0" g="0" b="0"/>
+      </a:lnRef>
+      <a:fillRef idx="1">
+        <a:scrgbClr r="0" g="0" b="0"/>
+      </a:fillRef>
+      <a:effectRef idx="0">
+        <a:scrgbClr r="0" g="0" b="0"/>
+      </a:effectRef>
+      <a:fontRef idx="minor">
+        <a:schemeClr val="lt1"/>
+      </a:fontRef>
+    </dgm:style>
+  </dgm:styleLbl>
+  <dgm:styleLbl name="node1">
+    <dgm:scene3d>
+      <a:camera prst="orthographicFront"/>
+      <a:lightRig rig="threePt" dir="t"/>
+    </dgm:scene3d>
+    <dgm:sp3d/>
+    <dgm:txPr/>
+    <dgm:style>
+      <a:lnRef idx="2">
+        <a:scrgbClr r="0" g="0" b="0"/>
+      </a:lnRef>
+      <a:fillRef idx="1">
+        <a:scrgbClr r="0" g="0" b="0"/>
+      </a:fillRef>
+      <a:effectRef idx="0">
+        <a:scrgbClr r="0" g="0" b="0"/>
+      </a:effectRef>
+      <a:fontRef idx="minor">
+        <a:schemeClr val="lt1"/>
+      </a:fontRef>
+    </dgm:style>
+  </dgm:styleLbl>
+  <dgm:styleLbl name="node2">
+    <dgm:scene3d>
+      <a:camera prst="orthographicFront"/>
+      <a:lightRig rig="threePt" dir="t"/>
+    </dgm:scene3d>
+    <dgm:sp3d/>
+    <dgm:txPr/>
+    <dgm:style>
+      <a:lnRef idx="2">
+        <a:scrgbClr r="0" g="0" b="0"/>
+      </a:lnRef>
+      <a:fillRef idx="1">
+        <a:scrgbClr r="0" g="0" b="0"/>
+      </a:fillRef>
+      <a:effectRef idx="0">
+        <a:scrgbClr r="0" g="0" b="0"/>
+      </a:effectRef>
+      <a:fontRef idx="minor">
+        <a:schemeClr val="lt1"/>
+      </a:fontRef>
+    </dgm:style>
+  </dgm:styleLbl>
+  <dgm:styleLbl name="node3">
+    <dgm:scene3d>
+      <a:camera prst="orthographicFront"/>
+      <a:lightRig rig="threePt" dir="t"/>
+    </dgm:scene3d>
+    <dgm:sp3d/>
+    <dgm:txPr/>
+    <dgm:style>
+      <a:lnRef idx="2">
+        <a:scrgbClr r="0" g="0" b="0"/>
+      </a:lnRef>
+      <a:fillRef idx="1">
+        <a:scrgbClr r="0" g="0" b="0"/>
+      </a:fillRef>
+      <a:effectRef idx="0">
+        <a:scrgbClr r="0" g="0" b="0"/>
+      </a:effectRef>
+      <a:fontRef idx="minor">
+        <a:schemeClr val="lt1"/>
+      </a:fontRef>
+    </dgm:style>
+  </dgm:styleLbl>
+  <dgm:styleLbl name="node4">
+    <dgm:scene3d>
+      <a:camera prst="orthographicFront"/>
+      <a:lightRig rig="threePt" dir="t"/>
+    </dgm:scene3d>
+    <dgm:sp3d/>
+    <dgm:txPr/>
+    <dgm:style>
+      <a:lnRef idx="2">
+        <a:scrgbClr r="0" g="0" b="0"/>
+      </a:lnRef>
+      <a:fillRef idx="1">
+        <a:scrgbClr r="0" g="0" b="0"/>
+      </a:fillRef>
+      <a:effectRef idx="0">
+        <a:scrgbClr r="0" g="0" b="0"/>
+      </a:effectRef>
+      <a:fontRef idx="minor">
+        <a:schemeClr val="lt1"/>
+      </a:fontRef>
+    </dgm:style>
+  </dgm:styleLbl>
+  <dgm:styleLbl name="fgImgPlace1">
+    <dgm:scene3d>
+      <a:camera prst="orthographicFront"/>
+      <a:lightRig rig="threePt" dir="t"/>
+    </dgm:scene3d>
+    <dgm:sp3d/>
+    <dgm:txPr/>
+    <dgm:style>
+      <a:lnRef idx="2">
+        <a:scrgbClr r="0" g="0" b="0"/>
+      </a:lnRef>
+      <a:fillRef idx="1">
+        <a:scrgbClr r="0" g="0" b="0"/>
+      </a:fillRef>
+      <a:effectRef idx="0">
+        <a:scrgbClr r="0" g="0" b="0"/>
+      </a:effectRef>
+      <a:fontRef idx="minor"/>
+    </dgm:style>
+  </dgm:styleLbl>
+  <dgm:styleLbl name="alignImgPlace1">
+    <dgm:scene3d>
+      <a:camera prst="orthographicFront"/>
+      <a:lightRig rig="threePt" dir="t"/>
+    </dgm:scene3d>
+    <dgm:sp3d/>
+    <dgm:txPr/>
+    <dgm:style>
+      <a:lnRef idx="2">
+        <a:scrgbClr r="0" g="0" b="0"/>
+      </a:lnRef>
+      <a:fillRef idx="1">
+        <a:scrgbClr r="0" g="0" b="0"/>
+      </a:fillRef>
+      <a:effectRef idx="0">
+        <a:scrgbClr r="0" g="0" b="0"/>
+      </a:effectRef>
+      <a:fontRef idx="minor"/>
+    </dgm:style>
+  </dgm:styleLbl>
+  <dgm:styleLbl name="bgImgPlace1">
+    <dgm:scene3d>
+      <a:camera prst="orthographicFront"/>
+      <a:lightRig rig="threePt" dir="t"/>
+    </dgm:scene3d>
+    <dgm:sp3d/>
+    <dgm:txPr/>
+    <dgm:style>
+      <a:lnRef idx="2">
+        <a:scrgbClr r="0" g="0" b="0"/>
+      </a:lnRef>
+      <a:fillRef idx="1">
+        <a:scrgbClr r="0" g="0" b="0"/>
+      </a:fillRef>
+      <a:effectRef idx="0">
+        <a:scrgbClr r="0" g="0" b="0"/>
+      </a:effectRef>
+      <a:fontRef idx="minor"/>
+    </dgm:style>
+  </dgm:styleLbl>
+  <dgm:styleLbl name="sibTrans2D1">
+    <dgm:scene3d>
+      <a:camera prst="orthographicFront"/>
+      <a:lightRig rig="threePt" dir="t"/>
+    </dgm:scene3d>
+    <dgm:sp3d/>
+    <dgm:txPr/>
+    <dgm:style>
+      <a:lnRef idx="0">
+        <a:scrgbClr r="0" g="0" b="0"/>
+      </a:lnRef>
+      <a:fillRef idx="1">
+        <a:scrgbClr r="0" g="0" b="0"/>
+      </a:fillRef>
+      <a:effectRef idx="0">
+        <a:scrgbClr r="0" g="0" b="0"/>
+      </a:effectRef>
+      <a:fontRef idx="minor">
+        <a:schemeClr val="lt1"/>
+      </a:fontRef>
+    </dgm:style>
+  </dgm:styleLbl>
+  <dgm:styleLbl name="fgSibTrans2D1">
+    <dgm:scene3d>
+      <a:camera prst="orthographicFront"/>
+      <a:lightRig rig="threePt" dir="t"/>
+    </dgm:scene3d>
+    <dgm:sp3d/>
+    <dgm:txPr/>
+    <dgm:style>
+      <a:lnRef idx="0">
+        <a:scrgbClr r="0" g="0" b="0"/>
+      </a:lnRef>
+      <a:fillRef idx="1">
+        <a:scrgbClr r="0" g="0" b="0"/>
+      </a:fillRef>
+      <a:effectRef idx="0">
+        <a:scrgbClr r="0" g="0" b="0"/>
+      </a:effectRef>
+      <a:fontRef idx="minor">
+        <a:schemeClr val="lt1"/>
+      </a:fontRef>
+    </dgm:style>
+  </dgm:styleLbl>
+  <dgm:styleLbl name="bgSibTrans2D1">
+    <dgm:scene3d>
+      <a:camera prst="orthographicFront"/>
+      <a:lightRig rig="threePt" dir="t"/>
+    </dgm:scene3d>
+    <dgm:sp3d/>
+    <dgm:txPr/>
+    <dgm:style>
+      <a:lnRef idx="0">
+        <a:scrgbClr r="0" g="0" b="0"/>
+      </a:lnRef>
+      <a:fillRef idx="1">
+        <a:scrgbClr r="0" g="0" b="0"/>
+      </a:fillRef>
+      <a:effectRef idx="0">
+        <a:scrgbClr r="0" g="0" b="0"/>
+      </a:effectRef>
+      <a:fontRef idx="minor">
+        <a:schemeClr val="lt1"/>
+      </a:fontRef>
+    </dgm:style>
+  </dgm:styleLbl>
+  <dgm:styleLbl name="sibTrans1D1">
+    <dgm:scene3d>
+      <a:camera prst="orthographicFront"/>
+      <a:lightRig rig="threePt" dir="t"/>
+    </dgm:scene3d>
+    <dgm:sp3d/>
+    <dgm:txPr/>
+    <dgm:style>
+      <a:lnRef idx="1">
+        <a:scrgbClr r="0" g="0" b="0"/>
+      </a:lnRef>
+      <a:fillRef idx="0">
+        <a:scrgbClr r="0" g="0" b="0"/>
+      </a:fillRef>
+      <a:effectRef idx="0">
+        <a:scrgbClr r="0" g="0" b="0"/>
+      </a:effectRef>
+      <a:fontRef idx="minor"/>
+    </dgm:style>
+  </dgm:styleLbl>
+  <dgm:styleLbl name="callout">
+    <dgm:scene3d>
+      <a:camera prst="orthographicFront"/>
+      <a:lightRig rig="threePt" dir="t"/>
+    </dgm:scene3d>
+    <dgm:sp3d/>
+    <dgm:txPr/>
+    <dgm:style>
+      <a:lnRef idx="2">
+        <a:scrgbClr r="0" g="0" b="0"/>
+      </a:lnRef>
+      <a:fillRef idx="1">
+        <a:scrgbClr r="0" g="0" b="0"/>
+      </a:fillRef>
+      <a:effectRef idx="0">
+        <a:scrgbClr r="0" g="0" b="0"/>
+      </a:effectRef>
+      <a:fontRef idx="minor"/>
+    </dgm:style>
+  </dgm:styleLbl>
+  <dgm:styleLbl name="asst0">
+    <dgm:scene3d>
+      <a:camera prst="orthographicFront"/>
+      <a:lightRig rig="threePt" dir="t"/>
+    </dgm:scene3d>
+    <dgm:sp3d/>
+    <dgm:txPr/>
+    <dgm:style>
+      <a:lnRef idx="2">
+        <a:scrgbClr r="0" g="0" b="0"/>
+      </a:lnRef>
+      <a:fillRef idx="1">
+        <a:scrgbClr r="0" g="0" b="0"/>
+      </a:fillRef>
+      <a:effectRef idx="0">
+        <a:scrgbClr r="0" g="0" b="0"/>
+      </a:effectRef>
+      <a:fontRef idx="minor">
+        <a:schemeClr val="lt1"/>
+      </a:fontRef>
+    </dgm:style>
+  </dgm:styleLbl>
+  <dgm:styleLbl name="asst1">
+    <dgm:scene3d>
+      <a:camera prst="orthographicFront"/>
+      <a:lightRig rig="threePt" dir="t"/>
+    </dgm:scene3d>
+    <dgm:sp3d/>
+    <dgm:txPr/>
+    <dgm:style>
+      <a:lnRef idx="2">
+        <a:scrgbClr r="0" g="0" b="0"/>
+      </a:lnRef>
+      <a:fillRef idx="1">
+        <a:scrgbClr r="0" g="0" b="0"/>
+      </a:fillRef>
+      <a:effectRef idx="0">
+        <a:scrgbClr r="0" g="0" b="0"/>
+      </a:effectRef>
+      <a:fontRef idx="minor">
+        <a:schemeClr val="lt1"/>
+      </a:fontRef>
+    </dgm:style>
+  </dgm:styleLbl>
+  <dgm:styleLbl name="asst2">
+    <dgm:scene3d>
+      <a:camera prst="orthographicFront"/>
+      <a:lightRig rig="threePt" dir="t"/>
+    </dgm:scene3d>
+    <dgm:sp3d/>
+    <dgm:txPr/>
+    <dgm:style>
+      <a:lnRef idx="2">
+        <a:scrgbClr r="0" g="0" b="0"/>
+      </a:lnRef>
+      <a:fillRef idx="1">
+        <a:scrgbClr r="0" g="0" b="0"/>
+      </a:fillRef>
+      <a:effectRef idx="0">
+        <a:scrgbClr r="0" g="0" b="0"/>
+      </a:effectRef>
+      <a:fontRef idx="minor">
+        <a:schemeClr val="lt1"/>
+      </a:fontRef>
+    </dgm:style>
+  </dgm:styleLbl>
+  <dgm:styleLbl name="asst3">
+    <dgm:scene3d>
+      <a:camera prst="orthographicFront"/>
+      <a:lightRig rig="threePt" dir="t"/>
+    </dgm:scene3d>
+    <dgm:sp3d/>
+    <dgm:txPr/>
+    <dgm:style>
+      <a:lnRef idx="2">
+        <a:scrgbClr r="0" g="0" b="0"/>
+      </a:lnRef>
+      <a:fillRef idx="1">
+        <a:scrgbClr r="0" g="0" b="0"/>
+      </a:fillRef>
+      <a:effectRef idx="0">
+        <a:scrgbClr r="0" g="0" b="0"/>
+      </a:effectRef>
+      <a:fontRef idx="minor">
+        <a:schemeClr val="lt1"/>
+      </a:fontRef>
+    </dgm:style>
+  </dgm:styleLbl>
+  <dgm:styleLbl name="asst4">
+    <dgm:scene3d>
+      <a:camera prst="orthographicFront"/>
+      <a:lightRig rig="threePt" dir="t"/>
+    </dgm:scene3d>
+    <dgm:sp3d/>
+    <dgm:txPr/>
+    <dgm:style>
+      <a:lnRef idx="2">
+        <a:scrgbClr r="0" g="0" b="0"/>
+      </a:lnRef>
+      <a:fillRef idx="1">
+        <a:scrgbClr r="0" g="0" b="0"/>
+      </a:fillRef>
+      <a:effectRef idx="0">
+        <a:scrgbClr r="0" g="0" b="0"/>
+      </a:effectRef>
+      <a:fontRef idx="minor">
+        <a:schemeClr val="lt1"/>
+      </a:fontRef>
+    </dgm:style>
+  </dgm:styleLbl>
+  <dgm:styleLbl name="parChTrans2D1">
+    <dgm:scene3d>
+      <a:camera prst="orthographicFront"/>
+      <a:lightRig rig="threePt" dir="t"/>
+    </dgm:scene3d>
+    <dgm:sp3d/>
+    <dgm:txPr/>
+    <dgm:style>
+      <a:lnRef idx="2">
+        <a:scrgbClr r="0" g="0" b="0"/>
+      </a:lnRef>
+      <a:fillRef idx="1">
+        <a:scrgbClr r="0" g="0" b="0"/>
+      </a:fillRef>
+      <a:effectRef idx="0">
+        <a:scrgbClr r="0" g="0" b="0"/>
+      </a:effectRef>
+      <a:fontRef idx="minor">
+        <a:schemeClr val="lt1"/>
+      </a:fontRef>
+    </dgm:style>
+  </dgm:styleLbl>
+  <dgm:styleLbl name="parChTrans2D2">
+    <dgm:scene3d>
+      <a:camera prst="orthographicFront"/>
+      <a:lightRig rig="threePt" dir="t"/>
+    </dgm:scene3d>
+    <dgm:sp3d/>
+    <dgm:txPr/>
+    <dgm:style>
+      <a:lnRef idx="2">
+        <a:scrgbClr r="0" g="0" b="0"/>
+      </a:lnRef>
+      <a:fillRef idx="1">
+        <a:scrgbClr r="0" g="0" b="0"/>
+      </a:fillRef>
+      <a:effectRef idx="0">
+        <a:scrgbClr r="0" g="0" b="0"/>
+      </a:effectRef>
+      <a:fontRef idx="minor">
+        <a:schemeClr val="lt1"/>
+      </a:fontRef>
+    </dgm:style>
+  </dgm:styleLbl>
+  <dgm:styleLbl name="parChTrans2D3">
+    <dgm:scene3d>
+      <a:camera prst="orthographicFront"/>
+      <a:lightRig rig="threePt" dir="t"/>
+    </dgm:scene3d>
+    <dgm:sp3d/>
+    <dgm:txPr/>
+    <dgm:style>
+      <a:lnRef idx="2">
+        <a:scrgbClr r="0" g="0" b="0"/>
+      </a:lnRef>
+      <a:fillRef idx="1">
+        <a:scrgbClr r="0" g="0" b="0"/>
+      </a:fillRef>
+      <a:effectRef idx="0">
+        <a:scrgbClr r="0" g="0" b="0"/>
+      </a:effectRef>
+      <a:fontRef idx="minor">
+        <a:schemeClr val="lt1"/>
+      </a:fontRef>
+    </dgm:style>
+  </dgm:styleLbl>
+  <dgm:styleLbl name="parChTrans2D4">
+    <dgm:scene3d>
+      <a:camera prst="orthographicFront"/>
+      <a:lightRig rig="threePt" dir="t"/>
+    </dgm:scene3d>
+    <dgm:sp3d/>
+    <dgm:txPr/>
+    <dgm:style>
+      <a:lnRef idx="2">
+        <a:scrgbClr r="0" g="0" b="0"/>
+      </a:lnRef>
+      <a:fillRef idx="1">
+        <a:scrgbClr r="0" g="0" b="0"/>
+      </a:fillRef>
+      <a:effectRef idx="0">
+        <a:scrgbClr r="0" g="0" b="0"/>
+      </a:effectRef>
+      <a:fontRef idx="minor">
+        <a:schemeClr val="lt1"/>
+      </a:fontRef>
+    </dgm:style>
+  </dgm:styleLbl>
+  <dgm:styleLbl name="parChTrans1D1">
+    <dgm:scene3d>
+      <a:camera prst="orthographicFront"/>
+      <a:lightRig rig="threePt" dir="t"/>
+    </dgm:scene3d>
+    <dgm:sp3d/>
+    <dgm:txPr/>
+    <dgm:style>
+      <a:lnRef idx="2">
+        <a:scrgbClr r="0" g="0" b="0"/>
+      </a:lnRef>
+      <a:fillRef idx="0">
+        <a:scrgbClr r="0" g="0" b="0"/>
+      </a:fillRef>
+      <a:effectRef idx="0">
+        <a:scrgbClr r="0" g="0" b="0"/>
+      </a:effectRef>
+      <a:fontRef idx="minor"/>
+    </dgm:style>
+  </dgm:styleLbl>
+  <dgm:styleLbl name="parChTrans1D2">
+    <dgm:scene3d>
+      <a:camera prst="orthographicFront"/>
+      <a:lightRig rig="threePt" dir="t"/>
+    </dgm:scene3d>
+    <dgm:sp3d/>
+    <dgm:txPr/>
+    <dgm:style>
+      <a:lnRef idx="2">
+        <a:scrgbClr r="0" g="0" b="0"/>
+      </a:lnRef>
+      <a:fillRef idx="0">
+        <a:scrgbClr r="0" g="0" b="0"/>
+      </a:fillRef>
+      <a:effectRef idx="0">
+        <a:scrgbClr r="0" g="0" b="0"/>
+      </a:effectRef>
+      <a:fontRef idx="minor"/>
+    </dgm:style>
+  </dgm:styleLbl>
+  <dgm:styleLbl name="parChTrans1D3">
+    <dgm:scene3d>
+      <a:camera prst="orthographicFront"/>
+      <a:lightRig rig="threePt" dir="t"/>
+    </dgm:scene3d>
+    <dgm:sp3d/>
+    <dgm:txPr/>
+    <dgm:style>
+      <a:lnRef idx="2">
+        <a:scrgbClr r="0" g="0" b="0"/>
+      </a:lnRef>
+      <a:fillRef idx="0">
+        <a:scrgbClr r="0" g="0" b="0"/>
+      </a:fillRef>
+      <a:effectRef idx="0">
+        <a:scrgbClr r="0" g="0" b="0"/>
+      </a:effectRef>
+      <a:fontRef idx="minor"/>
+    </dgm:style>
+  </dgm:styleLbl>
+  <dgm:styleLbl name="parChTrans1D4">
+    <dgm:scene3d>
+      <a:camera prst="orthographicFront"/>
+      <a:lightRig rig="threePt" dir="t"/>
+    </dgm:scene3d>
+    <dgm:sp3d/>
+    <dgm:txPr/>
+    <dgm:style>
+      <a:lnRef idx="2">
+        <a:scrgbClr r="0" g="0" b="0"/>
+      </a:lnRef>
+      <a:fillRef idx="0">
+        <a:scrgbClr r="0" g="0" b="0"/>
+      </a:fillRef>
+      <a:effectRef idx="0">
+        <a:scrgbClr r="0" g="0" b="0"/>
+      </a:effectRef>
+      <a:fontRef idx="minor"/>
+    </dgm:style>
+  </dgm:styleLbl>
+  <dgm:styleLbl name="fgAcc1">
+    <dgm:scene3d>
+      <a:camera prst="orthographicFront"/>
+      <a:lightRig rig="threePt" dir="t"/>
+    </dgm:scene3d>
+    <dgm:sp3d/>
+    <dgm:txPr/>
+    <dgm:style>
+      <a:lnRef idx="2">
+        <a:scrgbClr r="0" g="0" b="0"/>
+      </a:lnRef>
+      <a:fillRef idx="1">
+        <a:scrgbClr r="0" g="0" b="0"/>
+      </a:fillRef>
+      <a:effectRef idx="0">
+        <a:scrgbClr r="0" g="0" b="0"/>
+      </a:effectRef>
+      <a:fontRef idx="minor"/>
+    </dgm:style>
+  </dgm:styleLbl>
+  <dgm:styleLbl name="conFgAcc1">
+    <dgm:scene3d>
+      <a:camera prst="orthographicFront"/>
+      <a:lightRig rig="threePt" dir="t"/>
+    </dgm:scene3d>
+    <dgm:sp3d/>
+    <dgm:txPr/>
+    <dgm:style>
+      <a:lnRef idx="2">
+        <a:scrgbClr r="0" g="0" b="0"/>
+      </a:lnRef>
+      <a:fillRef idx="1">
+        <a:scrgbClr r="0" g="0" b="0"/>
+      </a:fillRef>
+      <a:effectRef idx="0">
+        <a:scrgbClr r="0" g="0" b="0"/>
+      </a:effectRef>
+      <a:fontRef idx="minor"/>
+    </dgm:style>
+  </dgm:styleLbl>
+  <dgm:styleLbl name="alignAcc1">
+    <dgm:scene3d>
+      <a:camera prst="orthographicFront"/>
+      <a:lightRig rig="threePt" dir="t"/>
+    </dgm:scene3d>
+    <dgm:sp3d/>
+    <dgm:txPr/>
+    <dgm:style>
+      <a:lnRef idx="2">
+        <a:scrgbClr r="0" g="0" b="0"/>
+      </a:lnRef>
+      <a:fillRef idx="1">
+        <a:scrgbClr r="0" g="0" b="0"/>
+      </a:fillRef>
+      <a:effectRef idx="0">
+        <a:scrgbClr r="0" g="0" b="0"/>
+      </a:effectRef>
+      <a:fontRef idx="minor"/>
+    </dgm:style>
+  </dgm:styleLbl>
+  <dgm:styleLbl name="trAlignAcc1">
+    <dgm:scene3d>
+      <a:camera prst="orthographicFront"/>
+      <a:lightRig rig="threePt" dir="t"/>
+    </dgm:scene3d>
+    <dgm:sp3d/>
+    <dgm:txPr/>
+    <dgm:style>
+      <a:lnRef idx="1">
+        <a:scrgbClr r="0" g="0" b="0"/>
+      </a:lnRef>
+      <a:fillRef idx="1">
+        <a:scrgbClr r="0" g="0" b="0"/>
+      </a:fillRef>
+      <a:effectRef idx="0">
+        <a:scrgbClr r="0" g="0" b="0"/>
+      </a:effectRef>
+      <a:fontRef idx="minor"/>
+    </dgm:style>
+  </dgm:styleLbl>
+  <dgm:styleLbl name="bgAcc1">
+    <dgm:scene3d>
+      <a:camera prst="orthographicFront"/>
+      <a:lightRig rig="threePt" dir="t"/>
+    </dgm:scene3d>
+    <dgm:sp3d/>
+    <dgm:txPr/>
+    <dgm:style>
+      <a:lnRef idx="2">
+        <a:scrgbClr r="0" g="0" b="0"/>
+      </a:lnRef>
+      <a:fillRef idx="1">
+        <a:scrgbClr r="0" g="0" b="0"/>
+      </a:fillRef>
+      <a:effectRef idx="0">
+        <a:scrgbClr r="0" g="0" b="0"/>
+      </a:effectRef>
+      <a:fontRef idx="minor"/>
+    </dgm:style>
+  </dgm:styleLbl>
+  <dgm:styleLbl name="solidFgAcc1">
+    <dgm:scene3d>
+      <a:camera prst="orthographicFront"/>
+      <a:lightRig rig="threePt" dir="t"/>
+    </dgm:scene3d>
+    <dgm:sp3d/>
+    <dgm:txPr/>
+    <dgm:style>
+      <a:lnRef idx="2">
+        <a:scrgbClr r="0" g="0" b="0"/>
+      </a:lnRef>
+      <a:fillRef idx="1">
+        <a:scrgbClr r="0" g="0" b="0"/>
+      </a:fillRef>
+      <a:effectRef idx="0">
+        <a:scrgbClr r="0" g="0" b="0"/>
+      </a:effectRef>
+      <a:fontRef idx="minor"/>
+    </dgm:style>
+  </dgm:styleLbl>
+  <dgm:styleLbl name="solidAlignAcc1">
+    <dgm:scene3d>
+      <a:camera prst="orthographicFront"/>
+      <a:lightRig rig="threePt" dir="t"/>
+    </dgm:scene3d>
+    <dgm:sp3d/>
+    <dgm:txPr/>
+    <dgm:style>
+      <a:lnRef idx="2">
+        <a:scrgbClr r="0" g="0" b="0"/>
+      </a:lnRef>
+      <a:fillRef idx="1">
+        <a:scrgbClr r="0" g="0" b="0"/>
+      </a:fillRef>
+      <a:effectRef idx="0">
+        <a:scrgbClr r="0" g="0" b="0"/>
+      </a:effectRef>
+      <a:fontRef idx="minor"/>
+    </dgm:style>
+  </dgm:styleLbl>
+  <dgm:styleLbl name="solidBgAcc1">
+    <dgm:scene3d>
+      <a:camera prst="orthographicFront"/>
+      <a:lightRig rig="threePt" dir="t"/>
+    </dgm:scene3d>
+    <dgm:sp3d/>
+    <dgm:txPr/>
+    <dgm:style>
+      <a:lnRef idx="2">
+        <a:scrgbClr r="0" g="0" b="0"/>
+      </a:lnRef>
+      <a:fillRef idx="1">
+        <a:scrgbClr r="0" g="0" b="0"/>
+      </a:fillRef>
+      <a:effectRef idx="0">
+        <a:scrgbClr r="0" g="0" b="0"/>
+      </a:effectRef>
+      <a:fontRef idx="minor"/>
+    </dgm:style>
+  </dgm:styleLbl>
+  <dgm:styleLbl name="fgAccFollowNode1">
+    <dgm:scene3d>
+      <a:camera prst="orthographicFront"/>
+      <a:lightRig rig="threePt" dir="t"/>
+    </dgm:scene3d>
+    <dgm:sp3d/>
+    <dgm:txPr/>
+    <dgm:style>
+      <a:lnRef idx="2">
+        <a:scrgbClr r="0" g="0" b="0"/>
+      </a:lnRef>
+      <a:fillRef idx="1">
+        <a:scrgbClr r="0" g="0" b="0"/>
+      </a:fillRef>
+      <a:effectRef idx="0">
+        <a:scrgbClr r="0" g="0" b="0"/>
+      </a:effectRef>
+      <a:fontRef idx="minor"/>
+    </dgm:style>
+  </dgm:styleLbl>
+  <dgm:styleLbl name="alignAccFollowNode1">
+    <dgm:scene3d>
+      <a:camera prst="orthographicFront"/>
+      <a:lightRig rig="threePt" dir="t"/>
+    </dgm:scene3d>
+    <dgm:sp3d/>
+    <dgm:txPr/>
+    <dgm:style>
+      <a:lnRef idx="2">
+        <a:scrgbClr r="0" g="0" b="0"/>
+      </a:lnRef>
+      <a:fillRef idx="1">
+        <a:scrgbClr r="0" g="0" b="0"/>
+      </a:fillRef>
+      <a:effectRef idx="0">
+        <a:scrgbClr r="0" g="0" b="0"/>
+      </a:effectRef>
+      <a:fontRef idx="minor"/>
+    </dgm:style>
+  </dgm:styleLbl>
+  <dgm:styleLbl name="bgAccFollowNode1">
+    <dgm:scene3d>
+      <a:camera prst="orthographicFront"/>
+      <a:lightRig rig="threePt" dir="t"/>
+    </dgm:scene3d>
+    <dgm:sp3d/>
+    <dgm:txPr/>
+    <dgm:style>
+      <a:lnRef idx="2">
+        <a:scrgbClr r="0" g="0" b="0"/>
+      </a:lnRef>
+      <a:fillRef idx="1">
+        <a:scrgbClr r="0" g="0" b="0"/>
+      </a:fillRef>
+      <a:effectRef idx="0">
+        <a:scrgbClr r="0" g="0" b="0"/>
+      </a:effectRef>
+      <a:fontRef idx="minor"/>
+    </dgm:style>
+  </dgm:styleLbl>
+  <dgm:styleLbl name="fgAcc0">
+    <dgm:scene3d>
+      <a:camera prst="orthographicFront"/>
+      <a:lightRig rig="threePt" dir="t"/>
+    </dgm:scene3d>
+    <dgm:sp3d/>
+    <dgm:txPr/>
+    <dgm:style>
+      <a:lnRef idx="2">
+        <a:scrgbClr r="0" g="0" b="0"/>
+      </a:lnRef>
+      <a:fillRef idx="1">
+        <a:scrgbClr r="0" g="0" b="0"/>
+      </a:fillRef>
+      <a:effectRef idx="0">
+        <a:scrgbClr r="0" g="0" b="0"/>
+      </a:effectRef>
+      <a:fontRef idx="minor"/>
+    </dgm:style>
+  </dgm:styleLbl>
+  <dgm:styleLbl name="fgAcc2">
+    <dgm:scene3d>
+      <a:camera prst="orthographicFront"/>
+      <a:lightRig rig="threePt" dir="t"/>
+    </dgm:scene3d>
+    <dgm:sp3d/>
+    <dgm:txPr/>
+    <dgm:style>
+      <a:lnRef idx="2">
+        <a:scrgbClr r="0" g="0" b="0"/>
+      </a:lnRef>
+      <a:fillRef idx="1">
+        <a:scrgbClr r="0" g="0" b="0"/>
+      </a:fillRef>
+      <a:effectRef idx="0">
+        <a:scrgbClr r="0" g="0" b="0"/>
+      </a:effectRef>
+      <a:fontRef idx="minor"/>
+    </dgm:style>
+  </dgm:styleLbl>
+  <dgm:styleLbl name="fgAcc3">
+    <dgm:scene3d>
+      <a:camera prst="orthographicFront"/>
+      <a:lightRig rig="threePt" dir="t"/>
+    </dgm:scene3d>
+    <dgm:sp3d/>
+    <dgm:txPr/>
+    <dgm:style>
+      <a:lnRef idx="2">
+        <a:scrgbClr r="0" g="0" b="0"/>
+      </a:lnRef>
+      <a:fillRef idx="1">
+        <a:scrgbClr r="0" g="0" b="0"/>
+      </a:fillRef>
+      <a:effectRef idx="0">
+        <a:scrgbClr r="0" g="0" b="0"/>
+      </a:effectRef>
+      <a:fontRef idx="minor"/>
+    </dgm:style>
+  </dgm:styleLbl>
+  <dgm:styleLbl name="fgAcc4">
+    <dgm:scene3d>
+      <a:camera prst="orthographicFront"/>
+      <a:lightRig rig="threePt" dir="t"/>
+    </dgm:scene3d>
+    <dgm:sp3d/>
+    <dgm:txPr/>
+    <dgm:style>
+      <a:lnRef idx="2">
+        <a:scrgbClr r="0" g="0" b="0"/>
+      </a:lnRef>
+      <a:fillRef idx="1">
+        <a:scrgbClr r="0" g="0" b="0"/>
+      </a:fillRef>
+      <a:effectRef idx="0">
+        <a:scrgbClr r="0" g="0" b="0"/>
+      </a:effectRef>
+      <a:fontRef idx="minor"/>
+    </dgm:style>
+  </dgm:styleLbl>
+  <dgm:styleLbl name="bgShp">
+    <dgm:scene3d>
+      <a:camera prst="orthographicFront"/>
+      <a:lightRig rig="threePt" dir="t"/>
+    </dgm:scene3d>
+    <dgm:sp3d/>
+    <dgm:txPr/>
+    <dgm:style>
+      <a:lnRef idx="0">
+        <a:scrgbClr r="0" g="0" b="0"/>
+      </a:lnRef>
+      <a:fillRef idx="1">
+        <a:scrgbClr r="0" g="0" b="0"/>
+      </a:fillRef>
+      <a:effectRef idx="0">
+        <a:scrgbClr r="0" g="0" b="0"/>
+      </a:effectRef>
+      <a:fontRef idx="minor"/>
+    </dgm:style>
+  </dgm:styleLbl>
+  <dgm:styleLbl name="dkBgShp">
+    <dgm:scene3d>
+      <a:camera prst="orthographicFront"/>
+      <a:lightRig rig="threePt" dir="t"/>
+    </dgm:scene3d>
+    <dgm:sp3d/>
+    <dgm:txPr/>
+    <dgm:style>
+      <a:lnRef idx="0">
+        <a:scrgbClr r="0" g="0" b="0"/>
+      </a:lnRef>
+      <a:fillRef idx="1">
+        <a:scrgbClr r="0" g="0" b="0"/>
+      </a:fillRef>
+      <a:effectRef idx="0">
+        <a:scrgbClr r="0" g="0" b="0"/>
+      </a:effectRef>
+      <a:fontRef idx="minor"/>
+    </dgm:style>
+  </dgm:styleLbl>
+  <dgm:styleLbl name="trBgShp">
+    <dgm:scene3d>
+      <a:camera prst="orthographicFront"/>
+      <a:lightRig rig="threePt" dir="t"/>
+    </dgm:scene3d>
+    <dgm:sp3d/>
+    <dgm:txPr/>
+    <dgm:style>
+      <a:lnRef idx="0">
+        <a:scrgbClr r="0" g="0" b="0"/>
+      </a:lnRef>
+      <a:fillRef idx="1">
+        <a:scrgbClr r="0" g="0" b="0"/>
+      </a:fillRef>
+      <a:effectRef idx="0">
+        <a:scrgbClr r="0" g="0" b="0"/>
+      </a:effectRef>
+      <a:fontRef idx="minor"/>
+    </dgm:style>
+  </dgm:styleLbl>
+  <dgm:styleLbl name="fgShp">
+    <dgm:scene3d>
+      <a:camera prst="orthographicFront"/>
+      <a:lightRig rig="threePt" dir="t"/>
+    </dgm:scene3d>
+    <dgm:sp3d/>
+    <dgm:txPr/>
+    <dgm:style>
+      <a:lnRef idx="2">
+        <a:scrgbClr r="0" g="0" b="0"/>
+      </a:lnRef>
+      <a:fillRef idx="1">
+        <a:scrgbClr r="0" g="0" b="0"/>
+      </a:fillRef>
+      <a:effectRef idx="0">
+        <a:scrgbClr r="0" g="0" b="0"/>
+      </a:effectRef>
+      <a:fontRef idx="minor"/>
+    </dgm:style>
+  </dgm:styleLbl>
+  <dgm:styleLbl name="revTx">
+    <dgm:scene3d>
+      <a:camera prst="orthographicFront"/>
+      <a:lightRig rig="threePt" dir="t"/>
+    </dgm:scene3d>
+    <dgm:sp3d/>
+    <dgm:txPr/>
+    <dgm:style>
+      <a:lnRef idx="0">
+        <a:scrgbClr r="0" g="0" b="0"/>
+      </a:lnRef>
+      <a:fillRef idx="0">
+        <a:scrgbClr r="0" g="0" b="0"/>
+      </a:fillRef>
+      <a:effectRef idx="0">
+        <a:scrgbClr r="0" g="0" b="0"/>
+      </a:effectRef>
+      <a:fontRef idx="minor"/>
+    </dgm:style>
+  </dgm:styleLbl>
+</dgm:styleDef>
 </file>
 
 <file path=ppt/notesMasters/notesMaster1.xml><?xml version="1.0" encoding="utf-8"?>
@@ -510,30 +3572,6 @@
           <a:bodyPr/>
           <a:lstStyle/>
           <a:p>
-            <a:pPr marL="171450" indent="-171450">
-              <a:buFont typeface="Arial" panose="020B0604020202020204" pitchFamily="34" charset="0"/>
-              <a:buChar char="•"/>
-            </a:pPr>
-            <a:r>
-              <a:rPr lang="en-US" dirty="0"/>
-              <a:t>Sign in to GitHub.</a:t>
-            </a:r>
-          </a:p>
-          <a:p>
-            <a:pPr marL="171450" indent="-171450">
-              <a:buFont typeface="Arial" panose="020B0604020202020204" pitchFamily="34" charset="0"/>
-              <a:buChar char="•"/>
-            </a:pPr>
-            <a:r>
-              <a:rPr lang="en-US" dirty="0"/>
-              <a:t>Create a new repository.</a:t>
-            </a:r>
-          </a:p>
-          <a:p>
-            <a:pPr marL="171450" indent="-171450">
-              <a:buFont typeface="Arial" panose="020B0604020202020204" pitchFamily="34" charset="0"/>
-              <a:buChar char="•"/>
-            </a:pPr>
             <a:endParaRPr lang="en-US" dirty="0"/>
           </a:p>
         </p:txBody>
@@ -564,7 +3602,615 @@
     </p:spTree>
     <p:extLst>
       <p:ext uri="{BB962C8B-B14F-4D97-AF65-F5344CB8AC3E}">
-        <p14:creationId xmlns:p14="http://schemas.microsoft.com/office/powerpoint/2010/main" val="977678013"/>
+        <p14:creationId xmlns:p14="http://schemas.microsoft.com/office/powerpoint/2010/main" val="1464369692"/>
+      </p:ext>
+    </p:extLst>
+  </p:cSld>
+  <p:clrMapOvr>
+    <a:masterClrMapping/>
+  </p:clrMapOvr>
+</p:notes>
+</file>
+
+<file path=ppt/notesSlides/notesSlide10.xml><?xml version="1.0" encoding="utf-8"?>
+<p:notes xmlns:a="http://schemas.openxmlformats.org/drawingml/2006/main" xmlns:r="http://schemas.openxmlformats.org/officeDocument/2006/relationships" xmlns:p="http://schemas.openxmlformats.org/presentationml/2006/main">
+  <p:cSld>
+    <p:spTree>
+      <p:nvGrpSpPr>
+        <p:cNvPr id="1" name=""/>
+        <p:cNvGrpSpPr/>
+        <p:nvPr/>
+      </p:nvGrpSpPr>
+      <p:grpSpPr>
+        <a:xfrm>
+          <a:off x="0" y="0"/>
+          <a:ext cx="0" cy="0"/>
+          <a:chOff x="0" y="0"/>
+          <a:chExt cx="0" cy="0"/>
+        </a:xfrm>
+      </p:grpSpPr>
+      <p:sp>
+        <p:nvSpPr>
+          <p:cNvPr id="2" name="Slide Image Placeholder 1"/>
+          <p:cNvSpPr>
+            <a:spLocks noGrp="1" noRot="1" noChangeAspect="1"/>
+          </p:cNvSpPr>
+          <p:nvPr>
+            <p:ph type="sldImg"/>
+          </p:nvPr>
+        </p:nvSpPr>
+        <p:spPr/>
+      </p:sp>
+      <p:sp>
+        <p:nvSpPr>
+          <p:cNvPr id="3" name="Notes Placeholder 2"/>
+          <p:cNvSpPr>
+            <a:spLocks noGrp="1"/>
+          </p:cNvSpPr>
+          <p:nvPr>
+            <p:ph type="body" idx="1"/>
+          </p:nvPr>
+        </p:nvSpPr>
+        <p:spPr/>
+        <p:txBody>
+          <a:bodyPr/>
+          <a:lstStyle/>
+          <a:p>
+            <a:pPr marL="171450" indent="-171450">
+              <a:buFont typeface="Arial" panose="020B0604020202020204" pitchFamily="34" charset="0"/>
+              <a:buChar char="•"/>
+            </a:pPr>
+            <a:r>
+              <a:rPr lang="en-US" dirty="0"/>
+              <a:t>Merge Queries (i.e., tables “Data set A” and “Data set B”) as New query (to be renamed “Contiguous”).</a:t>
+            </a:r>
+          </a:p>
+          <a:p>
+            <a:pPr marL="628650" lvl="1" indent="-171450">
+              <a:buFont typeface="Arial" panose="020B0604020202020204" pitchFamily="34" charset="0"/>
+              <a:buChar char="•"/>
+            </a:pPr>
+            <a:r>
+              <a:rPr lang="en-US" dirty="0"/>
+              <a:t>Merge because you are adding column “</a:t>
+            </a:r>
+            <a:r>
+              <a:rPr lang="en-US" dirty="0" err="1"/>
+              <a:t>increased_contribution</a:t>
+            </a:r>
+            <a:r>
+              <a:rPr lang="en-US" dirty="0"/>
+              <a:t>” from Data set B to the columns of Data set A</a:t>
+            </a:r>
+          </a:p>
+          <a:p>
+            <a:pPr marL="628650" lvl="1" indent="-171450">
+              <a:buFont typeface="Arial" panose="020B0604020202020204" pitchFamily="34" charset="0"/>
+              <a:buChar char="•"/>
+            </a:pPr>
+            <a:r>
+              <a:rPr lang="en-US" dirty="0"/>
+              <a:t>Select tables &amp; common key between tables.</a:t>
+            </a:r>
+          </a:p>
+          <a:p>
+            <a:pPr marL="628650" lvl="1" indent="-171450">
+              <a:buFont typeface="Arial" panose="020B0604020202020204" pitchFamily="34" charset="0"/>
+              <a:buChar char="•"/>
+            </a:pPr>
+            <a:r>
+              <a:rPr lang="en-US" dirty="0"/>
+              <a:t>Select join</a:t>
+            </a:r>
+          </a:p>
+          <a:p>
+            <a:pPr marL="1085850" lvl="2" indent="-171450">
+              <a:buFont typeface="Arial" panose="020B0604020202020204" pitchFamily="34" charset="0"/>
+              <a:buChar char="•"/>
+            </a:pPr>
+            <a:r>
+              <a:rPr lang="en-US" dirty="0"/>
+              <a:t>Inner = </a:t>
+            </a:r>
+            <a:r>
+              <a:rPr lang="en-US"/>
+              <a:t>Analytic sample</a:t>
+            </a:r>
+            <a:endParaRPr lang="en-US" dirty="0"/>
+          </a:p>
+          <a:p>
+            <a:pPr marL="1543050" lvl="3" indent="-171450">
+              <a:buFont typeface="Arial" panose="020B0604020202020204" pitchFamily="34" charset="0"/>
+              <a:buChar char="•"/>
+            </a:pPr>
+            <a:r>
+              <a:rPr lang="en-US" dirty="0"/>
+              <a:t>373 rows</a:t>
+            </a:r>
+          </a:p>
+          <a:p>
+            <a:pPr marL="1543050" lvl="3" indent="-171450">
+              <a:buFont typeface="Arial" panose="020B0604020202020204" pitchFamily="34" charset="0"/>
+              <a:buChar char="•"/>
+            </a:pPr>
+            <a:r>
+              <a:rPr lang="en-US" dirty="0"/>
+              <a:t>Demographics (condition, income) from Dataset A for IDs 1457-2000</a:t>
+            </a:r>
+          </a:p>
+          <a:p>
+            <a:pPr marL="1543050" lvl="3" indent="-171450">
+              <a:buFont typeface="Arial" panose="020B0604020202020204" pitchFamily="34" charset="0"/>
+              <a:buChar char="•"/>
+            </a:pPr>
+            <a:r>
+              <a:rPr lang="en-US" dirty="0"/>
+              <a:t>Outcomes from Dataset B for IDs 1457-2000</a:t>
+            </a:r>
+          </a:p>
+        </p:txBody>
+      </p:sp>
+      <p:sp>
+        <p:nvSpPr>
+          <p:cNvPr id="4" name="Slide Number Placeholder 3"/>
+          <p:cNvSpPr>
+            <a:spLocks noGrp="1"/>
+          </p:cNvSpPr>
+          <p:nvPr>
+            <p:ph type="sldNum" sz="quarter" idx="5"/>
+          </p:nvPr>
+        </p:nvSpPr>
+        <p:spPr/>
+        <p:txBody>
+          <a:bodyPr/>
+          <a:lstStyle/>
+          <a:p>
+            <a:fld id="{B7B3E9D7-7C42-42C9-B073-01B263BBC5B6}" type="slidenum">
+              <a:rPr lang="en-US" smtClean="0"/>
+              <a:t>15</a:t>
+            </a:fld>
+            <a:endParaRPr lang="en-US"/>
+          </a:p>
+        </p:txBody>
+      </p:sp>
+    </p:spTree>
+    <p:extLst>
+      <p:ext uri="{BB962C8B-B14F-4D97-AF65-F5344CB8AC3E}">
+        <p14:creationId xmlns:p14="http://schemas.microsoft.com/office/powerpoint/2010/main" val="3444326585"/>
+      </p:ext>
+    </p:extLst>
+  </p:cSld>
+  <p:clrMapOvr>
+    <a:masterClrMapping/>
+  </p:clrMapOvr>
+</p:notes>
+</file>
+
+<file path=ppt/notesSlides/notesSlide11.xml><?xml version="1.0" encoding="utf-8"?>
+<p:notes xmlns:a="http://schemas.openxmlformats.org/drawingml/2006/main" xmlns:r="http://schemas.openxmlformats.org/officeDocument/2006/relationships" xmlns:p="http://schemas.openxmlformats.org/presentationml/2006/main">
+  <p:cSld>
+    <p:spTree>
+      <p:nvGrpSpPr>
+        <p:cNvPr id="1" name="">
+          <a:extLst>
+            <a:ext uri="{FF2B5EF4-FFF2-40B4-BE49-F238E27FC236}">
+              <a16:creationId xmlns:a16="http://schemas.microsoft.com/office/drawing/2014/main" id="{10B099F8-6DB4-C8C3-A0F7-3DC773DF088F}"/>
+            </a:ext>
+          </a:extLst>
+        </p:cNvPr>
+        <p:cNvGrpSpPr/>
+        <p:nvPr/>
+      </p:nvGrpSpPr>
+      <p:grpSpPr>
+        <a:xfrm>
+          <a:off x="0" y="0"/>
+          <a:ext cx="0" cy="0"/>
+          <a:chOff x="0" y="0"/>
+          <a:chExt cx="0" cy="0"/>
+        </a:xfrm>
+      </p:grpSpPr>
+      <p:sp>
+        <p:nvSpPr>
+          <p:cNvPr id="2" name="Slide Image Placeholder 1">
+            <a:extLst>
+              <a:ext uri="{FF2B5EF4-FFF2-40B4-BE49-F238E27FC236}">
+                <a16:creationId xmlns:a16="http://schemas.microsoft.com/office/drawing/2014/main" id="{933E8BC0-FAF2-8F5D-5D2E-738AF13A05BD}"/>
+              </a:ext>
+            </a:extLst>
+          </p:cNvPr>
+          <p:cNvSpPr>
+            <a:spLocks noGrp="1" noRot="1" noChangeAspect="1"/>
+          </p:cNvSpPr>
+          <p:nvPr>
+            <p:ph type="sldImg"/>
+          </p:nvPr>
+        </p:nvSpPr>
+        <p:spPr/>
+      </p:sp>
+      <p:sp>
+        <p:nvSpPr>
+          <p:cNvPr id="3" name="Notes Placeholder 2">
+            <a:extLst>
+              <a:ext uri="{FF2B5EF4-FFF2-40B4-BE49-F238E27FC236}">
+                <a16:creationId xmlns:a16="http://schemas.microsoft.com/office/drawing/2014/main" id="{A81312BE-FC23-DB77-9B94-60554E650F61}"/>
+              </a:ext>
+            </a:extLst>
+          </p:cNvPr>
+          <p:cNvSpPr>
+            <a:spLocks noGrp="1"/>
+          </p:cNvSpPr>
+          <p:nvPr>
+            <p:ph type="body" idx="1"/>
+          </p:nvPr>
+        </p:nvSpPr>
+        <p:spPr/>
+        <p:txBody>
+          <a:bodyPr/>
+          <a:lstStyle/>
+          <a:p>
+            <a:pPr marL="171450" indent="-171450">
+              <a:buFont typeface="Arial" panose="020B0604020202020204" pitchFamily="34" charset="0"/>
+              <a:buChar char="•"/>
+            </a:pPr>
+            <a:r>
+              <a:rPr lang="en-US" dirty="0"/>
+              <a:t>Merge Queries (i.e., tables “Data set A” and “Data set B”) as New query (to be renamed “Contiguous”).</a:t>
+            </a:r>
+          </a:p>
+          <a:p>
+            <a:pPr marL="628650" lvl="1" indent="-171450">
+              <a:buFont typeface="Arial" panose="020B0604020202020204" pitchFamily="34" charset="0"/>
+              <a:buChar char="•"/>
+            </a:pPr>
+            <a:r>
+              <a:rPr lang="en-US" dirty="0"/>
+              <a:t>Merge because you are adding column “</a:t>
+            </a:r>
+            <a:r>
+              <a:rPr lang="en-US" dirty="0" err="1"/>
+              <a:t>increased_contribution</a:t>
+            </a:r>
+            <a:r>
+              <a:rPr lang="en-US" dirty="0"/>
+              <a:t>” from Data set B to the columns of Data set A</a:t>
+            </a:r>
+          </a:p>
+          <a:p>
+            <a:pPr marL="628650" lvl="1" indent="-171450">
+              <a:buFont typeface="Arial" panose="020B0604020202020204" pitchFamily="34" charset="0"/>
+              <a:buChar char="•"/>
+            </a:pPr>
+            <a:r>
+              <a:rPr lang="en-US" dirty="0"/>
+              <a:t>Select tables &amp; common key between tables.</a:t>
+            </a:r>
+          </a:p>
+          <a:p>
+            <a:pPr marL="628650" lvl="1" indent="-171450">
+              <a:buFont typeface="Arial" panose="020B0604020202020204" pitchFamily="34" charset="0"/>
+              <a:buChar char="•"/>
+            </a:pPr>
+            <a:r>
+              <a:rPr lang="en-US" dirty="0"/>
+              <a:t>Select join</a:t>
+            </a:r>
+          </a:p>
+          <a:p>
+            <a:pPr marL="1085850" lvl="2" indent="-171450">
+              <a:buFont typeface="Arial" panose="020B0604020202020204" pitchFamily="34" charset="0"/>
+              <a:buChar char="•"/>
+            </a:pPr>
+            <a:r>
+              <a:rPr lang="en-US" dirty="0"/>
+              <a:t>Left Outer (all of blue circle)</a:t>
+            </a:r>
+          </a:p>
+          <a:p>
+            <a:pPr marL="1543050" lvl="3" indent="-171450">
+              <a:buFont typeface="Arial" panose="020B0604020202020204" pitchFamily="34" charset="0"/>
+              <a:buChar char="•"/>
+            </a:pPr>
+            <a:r>
+              <a:rPr lang="en-US" dirty="0"/>
+              <a:t>1001 rows = 457 + 544</a:t>
+            </a:r>
+          </a:p>
+          <a:p>
+            <a:pPr marL="1543050" lvl="3" indent="-171450">
+              <a:buFont typeface="Arial" panose="020B0604020202020204" pitchFamily="34" charset="0"/>
+              <a:buChar char="•"/>
+            </a:pPr>
+            <a:r>
+              <a:rPr lang="en-US" dirty="0"/>
+              <a:t>Demographics (condition, income) from Dataset A for IDs 1000-2000</a:t>
+            </a:r>
+          </a:p>
+          <a:p>
+            <a:pPr marL="1543050" lvl="3" indent="-171450">
+              <a:buFont typeface="Arial" panose="020B0604020202020204" pitchFamily="34" charset="0"/>
+              <a:buChar char="•"/>
+            </a:pPr>
+            <a:r>
+              <a:rPr lang="en-US" dirty="0"/>
+              <a:t>Null outcomes for IDs 1000-1456 without outcomes in Dataset B</a:t>
+            </a:r>
+          </a:p>
+          <a:p>
+            <a:pPr marL="1543050" lvl="3" indent="-171450">
+              <a:buFont typeface="Arial" panose="020B0604020202020204" pitchFamily="34" charset="0"/>
+              <a:buChar char="•"/>
+            </a:pPr>
+            <a:r>
+              <a:rPr lang="en-US" dirty="0"/>
+              <a:t>Outcomes from Dataset B for IDs 1457-2000</a:t>
+            </a:r>
+          </a:p>
+          <a:p>
+            <a:pPr marL="1085850" lvl="2" indent="-171450">
+              <a:buFont typeface="Arial" panose="020B0604020202020204" pitchFamily="34" charset="0"/>
+              <a:buChar char="•"/>
+            </a:pPr>
+            <a:r>
+              <a:rPr lang="en-US" dirty="0"/>
+              <a:t>Right Outer (all of purple circle)</a:t>
+            </a:r>
+          </a:p>
+          <a:p>
+            <a:pPr marL="1543050" lvl="3" indent="-171450">
+              <a:buFont typeface="Arial" panose="020B0604020202020204" pitchFamily="34" charset="0"/>
+              <a:buChar char="•"/>
+            </a:pPr>
+            <a:r>
+              <a:rPr lang="en-US" dirty="0"/>
+              <a:t>754 rows = 373 + 381</a:t>
+            </a:r>
+          </a:p>
+          <a:p>
+            <a:pPr marL="1543050" lvl="3" indent="-171450">
+              <a:buFont typeface="Arial" panose="020B0604020202020204" pitchFamily="34" charset="0"/>
+              <a:buChar char="•"/>
+            </a:pPr>
+            <a:r>
+              <a:rPr lang="en-US" dirty="0"/>
+              <a:t>Demographics (condition, income) from Dataset A and outcomes from Dataset B for IDs 1457-2000</a:t>
+            </a:r>
+          </a:p>
+          <a:p>
+            <a:pPr marL="1543050" lvl="3" indent="-171450">
+              <a:buFont typeface="Arial" panose="020B0604020202020204" pitchFamily="34" charset="0"/>
+              <a:buChar char="•"/>
+            </a:pPr>
+            <a:r>
+              <a:rPr lang="en-US" dirty="0"/>
+              <a:t>Outcomes from Dataset B for IDs 2001-2381 without demographics from Dataset A</a:t>
+            </a:r>
+          </a:p>
+          <a:p>
+            <a:pPr marL="1085850" lvl="2" indent="-171450">
+              <a:buFont typeface="Arial" panose="020B0604020202020204" pitchFamily="34" charset="0"/>
+              <a:buChar char="•"/>
+            </a:pPr>
+            <a:r>
+              <a:rPr lang="en-US" dirty="0"/>
+              <a:t>Inner (convex)</a:t>
+            </a:r>
+          </a:p>
+          <a:p>
+            <a:pPr marL="1543050" lvl="3" indent="-171450">
+              <a:buFont typeface="Arial" panose="020B0604020202020204" pitchFamily="34" charset="0"/>
+              <a:buChar char="•"/>
+            </a:pPr>
+            <a:r>
+              <a:rPr lang="en-US" dirty="0"/>
+              <a:t>373 rows</a:t>
+            </a:r>
+          </a:p>
+          <a:p>
+            <a:pPr marL="1543050" lvl="3" indent="-171450">
+              <a:buFont typeface="Arial" panose="020B0604020202020204" pitchFamily="34" charset="0"/>
+              <a:buChar char="•"/>
+            </a:pPr>
+            <a:r>
+              <a:rPr lang="en-US" dirty="0"/>
+              <a:t>Demographics (condition, income) from Dataset A for IDs 1457-2000</a:t>
+            </a:r>
+          </a:p>
+          <a:p>
+            <a:pPr marL="1543050" lvl="3" indent="-171450">
+              <a:buFont typeface="Arial" panose="020B0604020202020204" pitchFamily="34" charset="0"/>
+              <a:buChar char="•"/>
+            </a:pPr>
+            <a:r>
+              <a:rPr lang="en-US" dirty="0"/>
+              <a:t>Outcomes from Dataset B for IDs 1457-2000</a:t>
+            </a:r>
+          </a:p>
+          <a:p>
+            <a:pPr marL="1085850" lvl="2" indent="-171450">
+              <a:buFont typeface="Arial" panose="020B0604020202020204" pitchFamily="34" charset="0"/>
+              <a:buChar char="•"/>
+            </a:pPr>
+            <a:r>
+              <a:rPr lang="en-US" dirty="0"/>
+              <a:t>Left Anti (c-shape)</a:t>
+            </a:r>
+          </a:p>
+          <a:p>
+            <a:pPr marL="1543050" lvl="3" indent="-171450">
+              <a:buFont typeface="Arial" panose="020B0604020202020204" pitchFamily="34" charset="0"/>
+              <a:buChar char="•"/>
+            </a:pPr>
+            <a:r>
+              <a:rPr lang="en-US" dirty="0"/>
+              <a:t>630 rows = 457 + 171</a:t>
+            </a:r>
+          </a:p>
+          <a:p>
+            <a:pPr marL="1543050" lvl="3" indent="-171450">
+              <a:buFont typeface="Arial" panose="020B0604020202020204" pitchFamily="34" charset="0"/>
+              <a:buChar char="•"/>
+            </a:pPr>
+            <a:r>
+              <a:rPr lang="en-US" dirty="0"/>
+              <a:t>Demographics (condition, income) from Dataset A for IDs 1000-2000 without outcomes from Dataset B</a:t>
+            </a:r>
+          </a:p>
+          <a:p>
+            <a:pPr marL="1085850" lvl="2" indent="-171450">
+              <a:buFont typeface="Arial" panose="020B0604020202020204" pitchFamily="34" charset="0"/>
+              <a:buChar char="•"/>
+            </a:pPr>
+            <a:r>
+              <a:rPr lang="en-US" dirty="0"/>
+              <a:t>Right Anti (c-shape)</a:t>
+            </a:r>
+          </a:p>
+          <a:p>
+            <a:pPr marL="1543050" lvl="3" indent="-171450">
+              <a:buFont typeface="Arial" panose="020B0604020202020204" pitchFamily="34" charset="0"/>
+              <a:buChar char="•"/>
+            </a:pPr>
+            <a:r>
+              <a:rPr lang="en-US" dirty="0"/>
+              <a:t>381 rows</a:t>
+            </a:r>
+          </a:p>
+          <a:p>
+            <a:pPr marL="1543050" lvl="3" indent="-171450">
+              <a:buFont typeface="Arial" panose="020B0604020202020204" pitchFamily="34" charset="0"/>
+              <a:buChar char="•"/>
+            </a:pPr>
+            <a:r>
+              <a:rPr lang="en-US" dirty="0"/>
+              <a:t> Outcomes from Dataset B for IDs 2001-2381 without demographics from Dataset A</a:t>
+            </a:r>
+          </a:p>
+        </p:txBody>
+      </p:sp>
+      <p:sp>
+        <p:nvSpPr>
+          <p:cNvPr id="4" name="Slide Number Placeholder 3">
+            <a:extLst>
+              <a:ext uri="{FF2B5EF4-FFF2-40B4-BE49-F238E27FC236}">
+                <a16:creationId xmlns:a16="http://schemas.microsoft.com/office/drawing/2014/main" id="{E5225E13-701C-A117-B945-FE52747A6CFA}"/>
+              </a:ext>
+            </a:extLst>
+          </p:cNvPr>
+          <p:cNvSpPr>
+            <a:spLocks noGrp="1"/>
+          </p:cNvSpPr>
+          <p:nvPr>
+            <p:ph type="sldNum" sz="quarter" idx="5"/>
+          </p:nvPr>
+        </p:nvSpPr>
+        <p:spPr/>
+        <p:txBody>
+          <a:bodyPr/>
+          <a:lstStyle/>
+          <a:p>
+            <a:fld id="{B7B3E9D7-7C42-42C9-B073-01B263BBC5B6}" type="slidenum">
+              <a:rPr lang="en-US" smtClean="0"/>
+              <a:t>16</a:t>
+            </a:fld>
+            <a:endParaRPr lang="en-US"/>
+          </a:p>
+        </p:txBody>
+      </p:sp>
+    </p:spTree>
+    <p:extLst>
+      <p:ext uri="{BB962C8B-B14F-4D97-AF65-F5344CB8AC3E}">
+        <p14:creationId xmlns:p14="http://schemas.microsoft.com/office/powerpoint/2010/main" val="93049090"/>
+      </p:ext>
+    </p:extLst>
+  </p:cSld>
+  <p:clrMapOvr>
+    <a:masterClrMapping/>
+  </p:clrMapOvr>
+</p:notes>
+</file>
+
+<file path=ppt/notesSlides/notesSlide12.xml><?xml version="1.0" encoding="utf-8"?>
+<p:notes xmlns:a="http://schemas.openxmlformats.org/drawingml/2006/main" xmlns:r="http://schemas.openxmlformats.org/officeDocument/2006/relationships" xmlns:p="http://schemas.openxmlformats.org/presentationml/2006/main">
+  <p:cSld>
+    <p:spTree>
+      <p:nvGrpSpPr>
+        <p:cNvPr id="1" name=""/>
+        <p:cNvGrpSpPr/>
+        <p:nvPr/>
+      </p:nvGrpSpPr>
+      <p:grpSpPr>
+        <a:xfrm>
+          <a:off x="0" y="0"/>
+          <a:ext cx="0" cy="0"/>
+          <a:chOff x="0" y="0"/>
+          <a:chExt cx="0" cy="0"/>
+        </a:xfrm>
+      </p:grpSpPr>
+      <p:sp>
+        <p:nvSpPr>
+          <p:cNvPr id="2" name="Slide Image Placeholder 1"/>
+          <p:cNvSpPr>
+            <a:spLocks noGrp="1" noRot="1" noChangeAspect="1"/>
+          </p:cNvSpPr>
+          <p:nvPr>
+            <p:ph type="sldImg"/>
+          </p:nvPr>
+        </p:nvSpPr>
+        <p:spPr/>
+      </p:sp>
+      <p:sp>
+        <p:nvSpPr>
+          <p:cNvPr id="3" name="Notes Placeholder 2"/>
+          <p:cNvSpPr>
+            <a:spLocks noGrp="1"/>
+          </p:cNvSpPr>
+          <p:nvPr>
+            <p:ph type="body" idx="1"/>
+          </p:nvPr>
+        </p:nvSpPr>
+        <p:spPr/>
+        <p:txBody>
+          <a:bodyPr/>
+          <a:lstStyle/>
+          <a:p>
+            <a:pPr marL="171450" indent="-171450">
+              <a:buFont typeface="Arial" panose="020B0604020202020204" pitchFamily="34" charset="0"/>
+              <a:buChar char="•"/>
+            </a:pPr>
+            <a:r>
+              <a:rPr lang="en-US" dirty="0"/>
+              <a:t>Expand the added columns.</a:t>
+            </a:r>
+          </a:p>
+        </p:txBody>
+      </p:sp>
+      <p:sp>
+        <p:nvSpPr>
+          <p:cNvPr id="4" name="Slide Number Placeholder 3"/>
+          <p:cNvSpPr>
+            <a:spLocks noGrp="1"/>
+          </p:cNvSpPr>
+          <p:nvPr>
+            <p:ph type="sldNum" sz="quarter" idx="5"/>
+          </p:nvPr>
+        </p:nvSpPr>
+        <p:spPr/>
+        <p:txBody>
+          <a:bodyPr/>
+          <a:lstStyle/>
+          <a:p>
+            <a:fld id="{B7B3E9D7-7C42-42C9-B073-01B263BBC5B6}" type="slidenum">
+              <a:rPr lang="en-US" smtClean="0"/>
+              <a:t>17</a:t>
+            </a:fld>
+            <a:endParaRPr lang="en-US"/>
+          </a:p>
+        </p:txBody>
+      </p:sp>
+    </p:spTree>
+    <p:extLst>
+      <p:ext uri="{BB962C8B-B14F-4D97-AF65-F5344CB8AC3E}">
+        <p14:creationId xmlns:p14="http://schemas.microsoft.com/office/powerpoint/2010/main" val="4293881808"/>
       </p:ext>
     </p:extLst>
   </p:cSld>
@@ -624,7 +4270,7 @@
             </a:pPr>
             <a:r>
               <a:rPr lang="en-US" dirty="0"/>
-              <a:t>Name the repository.</a:t>
+              <a:t>Sign in to GitHub.</a:t>
             </a:r>
           </a:p>
           <a:p>
@@ -634,7 +4280,7 @@
             </a:pPr>
             <a:r>
               <a:rPr lang="en-US" dirty="0"/>
-              <a:t>Add a README file.</a:t>
+              <a:t>Create a new repository.</a:t>
             </a:r>
           </a:p>
           <a:p>
@@ -642,10 +4288,7 @@
               <a:buFont typeface="Arial" panose="020B0604020202020204" pitchFamily="34" charset="0"/>
               <a:buChar char="•"/>
             </a:pPr>
-            <a:r>
-              <a:rPr lang="en-US" dirty="0"/>
-              <a:t>Choose a license.</a:t>
-            </a:r>
+            <a:endParaRPr lang="en-US" dirty="0"/>
           </a:p>
         </p:txBody>
       </p:sp>
@@ -675,7 +4318,7 @@
     </p:spTree>
     <p:extLst>
       <p:ext uri="{BB962C8B-B14F-4D97-AF65-F5344CB8AC3E}">
-        <p14:creationId xmlns:p14="http://schemas.microsoft.com/office/powerpoint/2010/main" val="1627808153"/>
+        <p14:creationId xmlns:p14="http://schemas.microsoft.com/office/powerpoint/2010/main" val="977678013"/>
       </p:ext>
     </p:extLst>
   </p:cSld>
@@ -735,45 +4378,28 @@
             </a:pPr>
             <a:r>
               <a:rPr lang="en-US" dirty="0"/>
-              <a:t>Create a New Project.</a:t>
+              <a:t>Name the repository.</a:t>
             </a:r>
           </a:p>
           <a:p>
-            <a:pPr marL="628650" lvl="1" indent="-171450">
+            <a:pPr marL="171450" indent="-171450">
               <a:buFont typeface="Arial" panose="020B0604020202020204" pitchFamily="34" charset="0"/>
               <a:buChar char="•"/>
             </a:pPr>
             <a:r>
               <a:rPr lang="en-US" dirty="0"/>
-              <a:t>Checkout a project from a Version Control repository.</a:t>
+              <a:t>Add a README file.</a:t>
             </a:r>
           </a:p>
           <a:p>
-            <a:pPr marL="628650" lvl="1" indent="-171450">
+            <a:pPr marL="171450" indent="-171450">
               <a:buFont typeface="Arial" panose="020B0604020202020204" pitchFamily="34" charset="0"/>
               <a:buChar char="•"/>
             </a:pPr>
             <a:r>
               <a:rPr lang="en-US" dirty="0"/>
-              <a:t>Clone a project from a Git repository.</a:t>
+              <a:t>Choose a license.</a:t>
             </a:r>
-          </a:p>
-          <a:p>
-            <a:pPr marL="628650" lvl="1" indent="-171450">
-              <a:buFont typeface="Arial" panose="020B0604020202020204" pitchFamily="34" charset="0"/>
-              <a:buChar char="•"/>
-            </a:pPr>
-            <a:r>
-              <a:rPr lang="en-US" dirty="0"/>
-              <a:t>Use the URL for the repository you just created in GitHub.</a:t>
-            </a:r>
-          </a:p>
-          <a:p>
-            <a:pPr marL="628650" lvl="1" indent="-171450">
-              <a:buFont typeface="Arial" panose="020B0604020202020204" pitchFamily="34" charset="0"/>
-              <a:buChar char="•"/>
-            </a:pPr>
-            <a:endParaRPr lang="en-US" dirty="0"/>
           </a:p>
         </p:txBody>
       </p:sp>
@@ -794,7 +4420,7 @@
           <a:p>
             <a:fld id="{B7B3E9D7-7C42-42C9-B073-01B263BBC5B6}" type="slidenum">
               <a:rPr lang="en-US" smtClean="0"/>
-              <a:t>6</a:t>
+              <a:t>5</a:t>
             </a:fld>
             <a:endParaRPr lang="en-US"/>
           </a:p>
@@ -803,7 +4429,7 @@
     </p:spTree>
     <p:extLst>
       <p:ext uri="{BB962C8B-B14F-4D97-AF65-F5344CB8AC3E}">
-        <p14:creationId xmlns:p14="http://schemas.microsoft.com/office/powerpoint/2010/main" val="2429561332"/>
+        <p14:creationId xmlns:p14="http://schemas.microsoft.com/office/powerpoint/2010/main" val="1627808153"/>
       </p:ext>
     </p:extLst>
   </p:cSld>
@@ -857,47 +4483,6 @@
           <a:bodyPr/>
           <a:lstStyle/>
           <a:p>
-            <a:pPr marL="171450" indent="-171450">
-              <a:buFont typeface="Arial" panose="020B0604020202020204" pitchFamily="34" charset="0"/>
-              <a:buChar char="•"/>
-            </a:pPr>
-            <a:r>
-              <a:rPr lang="en-US" dirty="0"/>
-              <a:t>Save task files to local repository (i.e., the relevant folder created in My Documents folder).</a:t>
-            </a:r>
-          </a:p>
-          <a:p>
-            <a:pPr marL="171450" indent="-171450">
-              <a:buFont typeface="Arial" panose="020B0604020202020204" pitchFamily="34" charset="0"/>
-              <a:buChar char="•"/>
-            </a:pPr>
-            <a:r>
-              <a:rPr lang="en-US" dirty="0"/>
-              <a:t>In the Git window, select changes to Commit (or save).</a:t>
-            </a:r>
-          </a:p>
-          <a:p>
-            <a:pPr marL="171450" indent="-171450">
-              <a:buFont typeface="Arial" panose="020B0604020202020204" pitchFamily="34" charset="0"/>
-              <a:buChar char="•"/>
-            </a:pPr>
-            <a:r>
-              <a:rPr lang="en-US" dirty="0"/>
-              <a:t>Describe changes, Commit changes, and Push changes to GitHub.</a:t>
-            </a:r>
-          </a:p>
-          <a:p>
-            <a:pPr marL="171450" indent="-171450">
-              <a:buFont typeface="Arial" panose="020B0604020202020204" pitchFamily="34" charset="0"/>
-              <a:buChar char="•"/>
-            </a:pPr>
-            <a:endParaRPr lang="en-US" dirty="0"/>
-          </a:p>
-          <a:p>
-            <a:pPr marL="171450" indent="-171450">
-              <a:buFont typeface="Arial" panose="020B0604020202020204" pitchFamily="34" charset="0"/>
-              <a:buChar char="•"/>
-            </a:pPr>
             <a:endParaRPr lang="en-US" dirty="0"/>
           </a:p>
         </p:txBody>
@@ -919,7 +4504,7 @@
           <a:p>
             <a:fld id="{B7B3E9D7-7C42-42C9-B073-01B263BBC5B6}" type="slidenum">
               <a:rPr lang="en-US" smtClean="0"/>
-              <a:t>7</a:t>
+              <a:t>6</a:t>
             </a:fld>
             <a:endParaRPr lang="en-US"/>
           </a:p>
@@ -928,7 +4513,7 @@
     </p:spTree>
     <p:extLst>
       <p:ext uri="{BB962C8B-B14F-4D97-AF65-F5344CB8AC3E}">
-        <p14:creationId xmlns:p14="http://schemas.microsoft.com/office/powerpoint/2010/main" val="2591061018"/>
+        <p14:creationId xmlns:p14="http://schemas.microsoft.com/office/powerpoint/2010/main" val="2133340762"/>
       </p:ext>
     </p:extLst>
   </p:cSld>
@@ -987,12 +4572,8 @@
               <a:buChar char="•"/>
             </a:pPr>
             <a:r>
-              <a:rPr lang="en-US" dirty="0" err="1"/>
-              <a:t>PowerBI</a:t>
-            </a:r>
-            <a:r>
               <a:rPr lang="en-US" dirty="0"/>
-              <a:t>: Get data from other sources</a:t>
+              <a:t>Create a New Project.</a:t>
             </a:r>
           </a:p>
           <a:p>
@@ -1002,48 +4583,34 @@
             </a:pPr>
             <a:r>
               <a:rPr lang="en-US" dirty="0"/>
-              <a:t>GitHub: </a:t>
+              <a:t>Checkout a project from a Version Control repository.</a:t>
             </a:r>
           </a:p>
           <a:p>
-            <a:pPr marL="1085850" lvl="2" indent="-171450">
+            <a:pPr marL="628650" lvl="1" indent="-171450">
               <a:buFont typeface="Arial" panose="020B0604020202020204" pitchFamily="34" charset="0"/>
               <a:buChar char="•"/>
             </a:pPr>
             <a:r>
               <a:rPr lang="en-US" dirty="0"/>
-              <a:t>Enter username for Owner and Repository Name.</a:t>
+              <a:t>Clone a project from a Git repository.</a:t>
             </a:r>
           </a:p>
           <a:p>
-            <a:pPr marL="1085850" lvl="2" indent="-171450">
+            <a:pPr marL="628650" lvl="1" indent="-171450">
               <a:buFont typeface="Arial" panose="020B0604020202020204" pitchFamily="34" charset="0"/>
               <a:buChar char="•"/>
             </a:pPr>
             <a:r>
               <a:rPr lang="en-US" dirty="0"/>
-              <a:t>Sign in.</a:t>
+              <a:t>Use the URL for the repository you just created in GitHub.</a:t>
             </a:r>
           </a:p>
           <a:p>
-            <a:pPr marL="1085850" lvl="2" indent="-171450">
+            <a:pPr marL="628650" lvl="1" indent="-171450">
               <a:buFont typeface="Arial" panose="020B0604020202020204" pitchFamily="34" charset="0"/>
               <a:buChar char="•"/>
             </a:pPr>
-            <a:r>
-              <a:rPr lang="en-US" dirty="0"/>
-              <a:t>Authorize.</a:t>
-            </a:r>
-          </a:p>
-          <a:p>
-            <a:pPr marL="1085850" lvl="2" indent="-171450">
-              <a:buFont typeface="Arial" panose="020B0604020202020204" pitchFamily="34" charset="0"/>
-              <a:buChar char="•"/>
-            </a:pPr>
-            <a:r>
-              <a:rPr lang="en-US"/>
-              <a:t>Connect.</a:t>
-            </a:r>
             <a:endParaRPr lang="en-US" dirty="0"/>
           </a:p>
         </p:txBody>
@@ -1065,7 +4632,361 @@
           <a:p>
             <a:fld id="{B7B3E9D7-7C42-42C9-B073-01B263BBC5B6}" type="slidenum">
               <a:rPr lang="en-US" smtClean="0"/>
+              <a:t>7</a:t>
+            </a:fld>
+            <a:endParaRPr lang="en-US"/>
+          </a:p>
+        </p:txBody>
+      </p:sp>
+    </p:spTree>
+    <p:extLst>
+      <p:ext uri="{BB962C8B-B14F-4D97-AF65-F5344CB8AC3E}">
+        <p14:creationId xmlns:p14="http://schemas.microsoft.com/office/powerpoint/2010/main" val="2429561332"/>
+      </p:ext>
+    </p:extLst>
+  </p:cSld>
+  <p:clrMapOvr>
+    <a:masterClrMapping/>
+  </p:clrMapOvr>
+</p:notes>
+</file>
+
+<file path=ppt/notesSlides/notesSlide6.xml><?xml version="1.0" encoding="utf-8"?>
+<p:notes xmlns:a="http://schemas.openxmlformats.org/drawingml/2006/main" xmlns:r="http://schemas.openxmlformats.org/officeDocument/2006/relationships" xmlns:p="http://schemas.openxmlformats.org/presentationml/2006/main">
+  <p:cSld>
+    <p:spTree>
+      <p:nvGrpSpPr>
+        <p:cNvPr id="1" name=""/>
+        <p:cNvGrpSpPr/>
+        <p:nvPr/>
+      </p:nvGrpSpPr>
+      <p:grpSpPr>
+        <a:xfrm>
+          <a:off x="0" y="0"/>
+          <a:ext cx="0" cy="0"/>
+          <a:chOff x="0" y="0"/>
+          <a:chExt cx="0" cy="0"/>
+        </a:xfrm>
+      </p:grpSpPr>
+      <p:sp>
+        <p:nvSpPr>
+          <p:cNvPr id="2" name="Slide Image Placeholder 1"/>
+          <p:cNvSpPr>
+            <a:spLocks noGrp="1" noRot="1" noChangeAspect="1"/>
+          </p:cNvSpPr>
+          <p:nvPr>
+            <p:ph type="sldImg"/>
+          </p:nvPr>
+        </p:nvSpPr>
+        <p:spPr/>
+      </p:sp>
+      <p:sp>
+        <p:nvSpPr>
+          <p:cNvPr id="3" name="Notes Placeholder 2"/>
+          <p:cNvSpPr>
+            <a:spLocks noGrp="1"/>
+          </p:cNvSpPr>
+          <p:nvPr>
+            <p:ph type="body" idx="1"/>
+          </p:nvPr>
+        </p:nvSpPr>
+        <p:spPr/>
+        <p:txBody>
+          <a:bodyPr/>
+          <a:lstStyle/>
+          <a:p>
+            <a:pPr marL="171450" indent="-171450">
+              <a:buFont typeface="Arial" panose="020B0604020202020204" pitchFamily="34" charset="0"/>
+              <a:buChar char="•"/>
+            </a:pPr>
+            <a:r>
+              <a:rPr lang="en-US" dirty="0"/>
+              <a:t>Save task files to local repository (i.e., the relevant folder created in My Documents folder).</a:t>
+            </a:r>
+          </a:p>
+          <a:p>
+            <a:pPr marL="171450" indent="-171450">
+              <a:buFont typeface="Arial" panose="020B0604020202020204" pitchFamily="34" charset="0"/>
+              <a:buChar char="•"/>
+            </a:pPr>
+            <a:r>
+              <a:rPr lang="en-US" dirty="0"/>
+              <a:t>In the Git window, select changes to Commit (or save).</a:t>
+            </a:r>
+          </a:p>
+          <a:p>
+            <a:pPr marL="171450" indent="-171450">
+              <a:buFont typeface="Arial" panose="020B0604020202020204" pitchFamily="34" charset="0"/>
+              <a:buChar char="•"/>
+            </a:pPr>
+            <a:r>
+              <a:rPr lang="en-US" dirty="0"/>
+              <a:t>Describe changes, Commit changes, and Push changes to GitHub.</a:t>
+            </a:r>
+          </a:p>
+          <a:p>
+            <a:pPr marL="171450" indent="-171450">
+              <a:buFont typeface="Arial" panose="020B0604020202020204" pitchFamily="34" charset="0"/>
+              <a:buChar char="•"/>
+            </a:pPr>
+            <a:endParaRPr lang="en-US" dirty="0"/>
+          </a:p>
+          <a:p>
+            <a:pPr marL="171450" indent="-171450">
+              <a:buFont typeface="Arial" panose="020B0604020202020204" pitchFamily="34" charset="0"/>
+              <a:buChar char="•"/>
+            </a:pPr>
+            <a:endParaRPr lang="en-US" dirty="0"/>
+          </a:p>
+        </p:txBody>
+      </p:sp>
+      <p:sp>
+        <p:nvSpPr>
+          <p:cNvPr id="4" name="Slide Number Placeholder 3"/>
+          <p:cNvSpPr>
+            <a:spLocks noGrp="1"/>
+          </p:cNvSpPr>
+          <p:nvPr>
+            <p:ph type="sldNum" sz="quarter" idx="5"/>
+          </p:nvPr>
+        </p:nvSpPr>
+        <p:spPr/>
+        <p:txBody>
+          <a:bodyPr/>
+          <a:lstStyle/>
+          <a:p>
+            <a:fld id="{B7B3E9D7-7C42-42C9-B073-01B263BBC5B6}" type="slidenum">
+              <a:rPr lang="en-US" smtClean="0"/>
               <a:t>8</a:t>
+            </a:fld>
+            <a:endParaRPr lang="en-US"/>
+          </a:p>
+        </p:txBody>
+      </p:sp>
+    </p:spTree>
+    <p:extLst>
+      <p:ext uri="{BB962C8B-B14F-4D97-AF65-F5344CB8AC3E}">
+        <p14:creationId xmlns:p14="http://schemas.microsoft.com/office/powerpoint/2010/main" val="2591061018"/>
+      </p:ext>
+    </p:extLst>
+  </p:cSld>
+  <p:clrMapOvr>
+    <a:masterClrMapping/>
+  </p:clrMapOvr>
+</p:notes>
+</file>
+
+<file path=ppt/notesSlides/notesSlide7.xml><?xml version="1.0" encoding="utf-8"?>
+<p:notes xmlns:a="http://schemas.openxmlformats.org/drawingml/2006/main" xmlns:r="http://schemas.openxmlformats.org/officeDocument/2006/relationships" xmlns:p="http://schemas.openxmlformats.org/presentationml/2006/main">
+  <p:cSld>
+    <p:spTree>
+      <p:nvGrpSpPr>
+        <p:cNvPr id="1" name=""/>
+        <p:cNvGrpSpPr/>
+        <p:nvPr/>
+      </p:nvGrpSpPr>
+      <p:grpSpPr>
+        <a:xfrm>
+          <a:off x="0" y="0"/>
+          <a:ext cx="0" cy="0"/>
+          <a:chOff x="0" y="0"/>
+          <a:chExt cx="0" cy="0"/>
+        </a:xfrm>
+      </p:grpSpPr>
+      <p:sp>
+        <p:nvSpPr>
+          <p:cNvPr id="2" name="Slide Image Placeholder 1"/>
+          <p:cNvSpPr>
+            <a:spLocks noGrp="1" noRot="1" noChangeAspect="1"/>
+          </p:cNvSpPr>
+          <p:nvPr>
+            <p:ph type="sldImg"/>
+          </p:nvPr>
+        </p:nvSpPr>
+        <p:spPr/>
+      </p:sp>
+      <p:sp>
+        <p:nvSpPr>
+          <p:cNvPr id="3" name="Notes Placeholder 2"/>
+          <p:cNvSpPr>
+            <a:spLocks noGrp="1"/>
+          </p:cNvSpPr>
+          <p:nvPr>
+            <p:ph type="body" idx="1"/>
+          </p:nvPr>
+        </p:nvSpPr>
+        <p:spPr/>
+        <p:txBody>
+          <a:bodyPr/>
+          <a:lstStyle/>
+          <a:p>
+            <a:endParaRPr lang="en-US" dirty="0"/>
+          </a:p>
+        </p:txBody>
+      </p:sp>
+      <p:sp>
+        <p:nvSpPr>
+          <p:cNvPr id="4" name="Slide Number Placeholder 3"/>
+          <p:cNvSpPr>
+            <a:spLocks noGrp="1"/>
+          </p:cNvSpPr>
+          <p:nvPr>
+            <p:ph type="sldNum" sz="quarter" idx="5"/>
+          </p:nvPr>
+        </p:nvSpPr>
+        <p:spPr/>
+        <p:txBody>
+          <a:bodyPr/>
+          <a:lstStyle/>
+          <a:p>
+            <a:fld id="{B7B3E9D7-7C42-42C9-B073-01B263BBC5B6}" type="slidenum">
+              <a:rPr lang="en-US" smtClean="0"/>
+              <a:t>9</a:t>
+            </a:fld>
+            <a:endParaRPr lang="en-US"/>
+          </a:p>
+        </p:txBody>
+      </p:sp>
+    </p:spTree>
+    <p:extLst>
+      <p:ext uri="{BB962C8B-B14F-4D97-AF65-F5344CB8AC3E}">
+        <p14:creationId xmlns:p14="http://schemas.microsoft.com/office/powerpoint/2010/main" val="2295977379"/>
+      </p:ext>
+    </p:extLst>
+  </p:cSld>
+  <p:clrMapOvr>
+    <a:masterClrMapping/>
+  </p:clrMapOvr>
+</p:notes>
+</file>
+
+<file path=ppt/notesSlides/notesSlide8.xml><?xml version="1.0" encoding="utf-8"?>
+<p:notes xmlns:a="http://schemas.openxmlformats.org/drawingml/2006/main" xmlns:r="http://schemas.openxmlformats.org/officeDocument/2006/relationships" xmlns:p="http://schemas.openxmlformats.org/presentationml/2006/main">
+  <p:cSld>
+    <p:spTree>
+      <p:nvGrpSpPr>
+        <p:cNvPr id="1" name=""/>
+        <p:cNvGrpSpPr/>
+        <p:nvPr/>
+      </p:nvGrpSpPr>
+      <p:grpSpPr>
+        <a:xfrm>
+          <a:off x="0" y="0"/>
+          <a:ext cx="0" cy="0"/>
+          <a:chOff x="0" y="0"/>
+          <a:chExt cx="0" cy="0"/>
+        </a:xfrm>
+      </p:grpSpPr>
+      <p:sp>
+        <p:nvSpPr>
+          <p:cNvPr id="2" name="Slide Image Placeholder 1"/>
+          <p:cNvSpPr>
+            <a:spLocks noGrp="1" noRot="1" noChangeAspect="1"/>
+          </p:cNvSpPr>
+          <p:nvPr>
+            <p:ph type="sldImg"/>
+          </p:nvPr>
+        </p:nvSpPr>
+        <p:spPr/>
+      </p:sp>
+      <p:sp>
+        <p:nvSpPr>
+          <p:cNvPr id="3" name="Notes Placeholder 2"/>
+          <p:cNvSpPr>
+            <a:spLocks noGrp="1"/>
+          </p:cNvSpPr>
+          <p:nvPr>
+            <p:ph type="body" idx="1"/>
+          </p:nvPr>
+        </p:nvSpPr>
+        <p:spPr/>
+        <p:txBody>
+          <a:bodyPr/>
+          <a:lstStyle/>
+          <a:p>
+            <a:pPr marL="171450" indent="-171450">
+              <a:buFont typeface="Arial" panose="020B0604020202020204" pitchFamily="34" charset="0"/>
+              <a:buChar char="•"/>
+            </a:pPr>
+            <a:r>
+              <a:rPr lang="en-US" dirty="0" err="1"/>
+              <a:t>PowerBI</a:t>
+            </a:r>
+            <a:r>
+              <a:rPr lang="en-US" dirty="0"/>
+              <a:t>: Get data from other sources</a:t>
+            </a:r>
+          </a:p>
+          <a:p>
+            <a:pPr marL="628650" lvl="1" indent="-171450">
+              <a:buFont typeface="Arial" panose="020B0604020202020204" pitchFamily="34" charset="0"/>
+              <a:buChar char="•"/>
+            </a:pPr>
+            <a:r>
+              <a:rPr lang="en-US" dirty="0"/>
+              <a:t>GitHub: </a:t>
+            </a:r>
+          </a:p>
+          <a:p>
+            <a:pPr marL="1085850" lvl="2" indent="-171450">
+              <a:buFont typeface="Arial" panose="020B0604020202020204" pitchFamily="34" charset="0"/>
+              <a:buChar char="•"/>
+            </a:pPr>
+            <a:r>
+              <a:rPr lang="en-US" dirty="0"/>
+              <a:t>Enter username for Owner and Repository Name.</a:t>
+            </a:r>
+          </a:p>
+          <a:p>
+            <a:pPr marL="1085850" lvl="2" indent="-171450">
+              <a:buFont typeface="Arial" panose="020B0604020202020204" pitchFamily="34" charset="0"/>
+              <a:buChar char="•"/>
+            </a:pPr>
+            <a:r>
+              <a:rPr lang="en-US" dirty="0"/>
+              <a:t>Sign in.</a:t>
+            </a:r>
+          </a:p>
+          <a:p>
+            <a:pPr marL="1085850" lvl="2" indent="-171450">
+              <a:buFont typeface="Arial" panose="020B0604020202020204" pitchFamily="34" charset="0"/>
+              <a:buChar char="•"/>
+            </a:pPr>
+            <a:r>
+              <a:rPr lang="en-US" dirty="0"/>
+              <a:t>Authorize.</a:t>
+            </a:r>
+          </a:p>
+          <a:p>
+            <a:pPr marL="1085850" lvl="2" indent="-171450">
+              <a:buFont typeface="Arial" panose="020B0604020202020204" pitchFamily="34" charset="0"/>
+              <a:buChar char="•"/>
+            </a:pPr>
+            <a:r>
+              <a:rPr lang="en-US" dirty="0"/>
+              <a:t>Connect.</a:t>
+            </a:r>
+          </a:p>
+        </p:txBody>
+      </p:sp>
+      <p:sp>
+        <p:nvSpPr>
+          <p:cNvPr id="4" name="Slide Number Placeholder 3"/>
+          <p:cNvSpPr>
+            <a:spLocks noGrp="1"/>
+          </p:cNvSpPr>
+          <p:nvPr>
+            <p:ph type="sldNum" sz="quarter" idx="5"/>
+          </p:nvPr>
+        </p:nvSpPr>
+        <p:spPr/>
+        <p:txBody>
+          <a:bodyPr/>
+          <a:lstStyle/>
+          <a:p>
+            <a:fld id="{B7B3E9D7-7C42-42C9-B073-01B263BBC5B6}" type="slidenum">
+              <a:rPr lang="en-US" smtClean="0"/>
+              <a:t>10</a:t>
             </a:fld>
             <a:endParaRPr lang="en-US"/>
           </a:p>
@@ -1075,6 +4996,97 @@
     <p:extLst>
       <p:ext uri="{BB962C8B-B14F-4D97-AF65-F5344CB8AC3E}">
         <p14:creationId xmlns:p14="http://schemas.microsoft.com/office/powerpoint/2010/main" val="1377252040"/>
+      </p:ext>
+    </p:extLst>
+  </p:cSld>
+  <p:clrMapOvr>
+    <a:masterClrMapping/>
+  </p:clrMapOvr>
+</p:notes>
+</file>
+
+<file path=ppt/notesSlides/notesSlide9.xml><?xml version="1.0" encoding="utf-8"?>
+<p:notes xmlns:a="http://schemas.openxmlformats.org/drawingml/2006/main" xmlns:r="http://schemas.openxmlformats.org/officeDocument/2006/relationships" xmlns:p="http://schemas.openxmlformats.org/presentationml/2006/main">
+  <p:cSld>
+    <p:spTree>
+      <p:nvGrpSpPr>
+        <p:cNvPr id="1" name=""/>
+        <p:cNvGrpSpPr/>
+        <p:nvPr/>
+      </p:nvGrpSpPr>
+      <p:grpSpPr>
+        <a:xfrm>
+          <a:off x="0" y="0"/>
+          <a:ext cx="0" cy="0"/>
+          <a:chOff x="0" y="0"/>
+          <a:chExt cx="0" cy="0"/>
+        </a:xfrm>
+      </p:grpSpPr>
+      <p:sp>
+        <p:nvSpPr>
+          <p:cNvPr id="2" name="Slide Image Placeholder 1"/>
+          <p:cNvSpPr>
+            <a:spLocks noGrp="1" noRot="1" noChangeAspect="1"/>
+          </p:cNvSpPr>
+          <p:nvPr>
+            <p:ph type="sldImg"/>
+          </p:nvPr>
+        </p:nvSpPr>
+        <p:spPr/>
+      </p:sp>
+      <p:sp>
+        <p:nvSpPr>
+          <p:cNvPr id="3" name="Notes Placeholder 2"/>
+          <p:cNvSpPr>
+            <a:spLocks noGrp="1"/>
+          </p:cNvSpPr>
+          <p:nvPr>
+            <p:ph type="body" idx="1"/>
+          </p:nvPr>
+        </p:nvSpPr>
+        <p:spPr/>
+        <p:txBody>
+          <a:bodyPr/>
+          <a:lstStyle/>
+          <a:p>
+            <a:pPr marL="171450" indent="-171450">
+              <a:buFont typeface="Arial" panose="020B0604020202020204" pitchFamily="34" charset="0"/>
+              <a:buChar char="•"/>
+            </a:pPr>
+            <a:r>
+              <a:rPr lang="en-US" dirty="0"/>
+              <a:t>Import data sets, or “queries”.</a:t>
+            </a:r>
+          </a:p>
+        </p:txBody>
+      </p:sp>
+      <p:sp>
+        <p:nvSpPr>
+          <p:cNvPr id="4" name="Slide Number Placeholder 3"/>
+          <p:cNvSpPr>
+            <a:spLocks noGrp="1"/>
+          </p:cNvSpPr>
+          <p:nvPr>
+            <p:ph type="sldNum" sz="quarter" idx="5"/>
+          </p:nvPr>
+        </p:nvSpPr>
+        <p:spPr/>
+        <p:txBody>
+          <a:bodyPr/>
+          <a:lstStyle/>
+          <a:p>
+            <a:fld id="{B7B3E9D7-7C42-42C9-B073-01B263BBC5B6}" type="slidenum">
+              <a:rPr lang="en-US" smtClean="0"/>
+              <a:t>12</a:t>
+            </a:fld>
+            <a:endParaRPr lang="en-US"/>
+          </a:p>
+        </p:txBody>
+      </p:sp>
+    </p:spTree>
+    <p:extLst>
+      <p:ext uri="{BB962C8B-B14F-4D97-AF65-F5344CB8AC3E}">
+        <p14:creationId xmlns:p14="http://schemas.microsoft.com/office/powerpoint/2010/main" val="1488320479"/>
       </p:ext>
     </p:extLst>
   </p:cSld>
@@ -5027,7 +9039,3038 @@
 </p:sld>
 </file>
 
+<file path=ppt/slides/slide10.xml><?xml version="1.0" encoding="utf-8"?>
+<p:sld xmlns:a="http://schemas.openxmlformats.org/drawingml/2006/main" xmlns:r="http://schemas.openxmlformats.org/officeDocument/2006/relationships" xmlns:p="http://schemas.openxmlformats.org/presentationml/2006/main">
+  <p:cSld>
+    <p:spTree>
+      <p:nvGrpSpPr>
+        <p:cNvPr id="1" name=""/>
+        <p:cNvGrpSpPr/>
+        <p:nvPr/>
+      </p:nvGrpSpPr>
+      <p:grpSpPr>
+        <a:xfrm>
+          <a:off x="0" y="0"/>
+          <a:ext cx="0" cy="0"/>
+          <a:chOff x="0" y="0"/>
+          <a:chExt cx="0" cy="0"/>
+        </a:xfrm>
+      </p:grpSpPr>
+      <p:pic>
+        <p:nvPicPr>
+          <p:cNvPr id="3" name="Picture 2">
+            <a:extLst>
+              <a:ext uri="{FF2B5EF4-FFF2-40B4-BE49-F238E27FC236}">
+                <a16:creationId xmlns:a16="http://schemas.microsoft.com/office/drawing/2014/main" id="{5BE50E12-A6A3-3A84-CD82-0B6545999E3F}"/>
+              </a:ext>
+            </a:extLst>
+          </p:cNvPr>
+          <p:cNvPicPr>
+            <a:picLocks noChangeAspect="1"/>
+          </p:cNvPicPr>
+          <p:nvPr/>
+        </p:nvPicPr>
+        <p:blipFill>
+          <a:blip r:embed="rId3"/>
+          <a:stretch>
+            <a:fillRect/>
+          </a:stretch>
+        </p:blipFill>
+        <p:spPr>
+          <a:xfrm>
+            <a:off x="0" y="23673"/>
+            <a:ext cx="12192000" cy="6810654"/>
+          </a:xfrm>
+          <a:prstGeom prst="rect">
+            <a:avLst/>
+          </a:prstGeom>
+        </p:spPr>
+      </p:pic>
+      <p:sp>
+        <p:nvSpPr>
+          <p:cNvPr id="8" name="Rectangle: Rounded Corners 7">
+            <a:extLst>
+              <a:ext uri="{FF2B5EF4-FFF2-40B4-BE49-F238E27FC236}">
+                <a16:creationId xmlns:a16="http://schemas.microsoft.com/office/drawing/2014/main" id="{DB1EE21F-F0E4-77EB-F9BC-D0D67A0CCF89}"/>
+              </a:ext>
+            </a:extLst>
+          </p:cNvPr>
+          <p:cNvSpPr/>
+          <p:nvPr/>
+        </p:nvSpPr>
+        <p:spPr>
+          <a:xfrm>
+            <a:off x="7174078" y="1226011"/>
+            <a:ext cx="931697" cy="926639"/>
+          </a:xfrm>
+          <a:prstGeom prst="roundRect">
+            <a:avLst>
+              <a:gd name="adj" fmla="val 9370"/>
+            </a:avLst>
+          </a:prstGeom>
+          <a:noFill/>
+          <a:ln w="38100">
+            <a:solidFill>
+              <a:srgbClr val="FFC000"/>
+            </a:solidFill>
+          </a:ln>
+        </p:spPr>
+        <p:style>
+          <a:lnRef idx="2">
+            <a:schemeClr val="accent1">
+              <a:shade val="15000"/>
+            </a:schemeClr>
+          </a:lnRef>
+          <a:fillRef idx="1">
+            <a:schemeClr val="accent1"/>
+          </a:fillRef>
+          <a:effectRef idx="0">
+            <a:schemeClr val="accent1"/>
+          </a:effectRef>
+          <a:fontRef idx="minor">
+            <a:schemeClr val="lt1"/>
+          </a:fontRef>
+        </p:style>
+        <p:txBody>
+          <a:bodyPr rtlCol="0" anchor="ctr"/>
+          <a:lstStyle/>
+          <a:p>
+            <a:pPr algn="ctr"/>
+            <a:endParaRPr lang="en-US"/>
+          </a:p>
+        </p:txBody>
+      </p:sp>
+      <p:grpSp>
+        <p:nvGrpSpPr>
+          <p:cNvPr id="10" name="Group 9">
+            <a:extLst>
+              <a:ext uri="{FF2B5EF4-FFF2-40B4-BE49-F238E27FC236}">
+                <a16:creationId xmlns:a16="http://schemas.microsoft.com/office/drawing/2014/main" id="{DACE6CDD-449C-79CC-1C54-129B74AD7AD9}"/>
+              </a:ext>
+            </a:extLst>
+          </p:cNvPr>
+          <p:cNvGrpSpPr/>
+          <p:nvPr/>
+        </p:nvGrpSpPr>
+        <p:grpSpPr>
+          <a:xfrm>
+            <a:off x="4609658" y="2402370"/>
+            <a:ext cx="6496957" cy="6306430"/>
+            <a:chOff x="4219133" y="2402370"/>
+            <a:chExt cx="6496957" cy="6306430"/>
+          </a:xfrm>
+        </p:grpSpPr>
+        <p:pic>
+          <p:nvPicPr>
+            <p:cNvPr id="5" name="Picture 4">
+              <a:extLst>
+                <a:ext uri="{FF2B5EF4-FFF2-40B4-BE49-F238E27FC236}">
+                  <a16:creationId xmlns:a16="http://schemas.microsoft.com/office/drawing/2014/main" id="{89917392-2F52-5E30-A1B5-B269B20F3F56}"/>
+                </a:ext>
+              </a:extLst>
+            </p:cNvPr>
+            <p:cNvPicPr>
+              <a:picLocks noChangeAspect="1"/>
+            </p:cNvPicPr>
+            <p:nvPr/>
+          </p:nvPicPr>
+          <p:blipFill>
+            <a:blip r:embed="rId4"/>
+            <a:stretch>
+              <a:fillRect/>
+            </a:stretch>
+          </p:blipFill>
+          <p:spPr>
+            <a:xfrm>
+              <a:off x="4219133" y="2402370"/>
+              <a:ext cx="6496957" cy="6306430"/>
+            </a:xfrm>
+            <a:prstGeom prst="rect">
+              <a:avLst/>
+            </a:prstGeom>
+          </p:spPr>
+        </p:pic>
+        <p:sp>
+          <p:nvSpPr>
+            <p:cNvPr id="9" name="Rectangle: Rounded Corners 8">
+              <a:extLst>
+                <a:ext uri="{FF2B5EF4-FFF2-40B4-BE49-F238E27FC236}">
+                  <a16:creationId xmlns:a16="http://schemas.microsoft.com/office/drawing/2014/main" id="{7046E04E-C1AB-BD1D-8B79-D0DC8E2EE822}"/>
+                </a:ext>
+              </a:extLst>
+            </p:cNvPr>
+            <p:cNvSpPr/>
+            <p:nvPr/>
+          </p:nvSpPr>
+          <p:spPr>
+            <a:xfrm>
+              <a:off x="6364453" y="3597963"/>
+              <a:ext cx="3874922" cy="231088"/>
+            </a:xfrm>
+            <a:prstGeom prst="roundRect">
+              <a:avLst>
+                <a:gd name="adj" fmla="val 9370"/>
+              </a:avLst>
+            </a:prstGeom>
+            <a:noFill/>
+            <a:ln w="38100">
+              <a:solidFill>
+                <a:srgbClr val="FFC000"/>
+              </a:solidFill>
+            </a:ln>
+          </p:spPr>
+          <p:style>
+            <a:lnRef idx="2">
+              <a:schemeClr val="accent1">
+                <a:shade val="15000"/>
+              </a:schemeClr>
+            </a:lnRef>
+            <a:fillRef idx="1">
+              <a:schemeClr val="accent1"/>
+            </a:fillRef>
+            <a:effectRef idx="0">
+              <a:schemeClr val="accent1"/>
+            </a:effectRef>
+            <a:fontRef idx="minor">
+              <a:schemeClr val="lt1"/>
+            </a:fontRef>
+          </p:style>
+          <p:txBody>
+            <a:bodyPr rtlCol="0" anchor="ctr"/>
+            <a:lstStyle/>
+            <a:p>
+              <a:pPr algn="ctr"/>
+              <a:endParaRPr lang="en-US"/>
+            </a:p>
+          </p:txBody>
+        </p:sp>
+      </p:grpSp>
+      <p:grpSp>
+        <p:nvGrpSpPr>
+          <p:cNvPr id="13" name="Group 12">
+            <a:extLst>
+              <a:ext uri="{FF2B5EF4-FFF2-40B4-BE49-F238E27FC236}">
+                <a16:creationId xmlns:a16="http://schemas.microsoft.com/office/drawing/2014/main" id="{DF14C7BC-F790-8858-2B20-C18E955B15E5}"/>
+              </a:ext>
+            </a:extLst>
+          </p:cNvPr>
+          <p:cNvGrpSpPr/>
+          <p:nvPr/>
+        </p:nvGrpSpPr>
+        <p:grpSpPr>
+          <a:xfrm>
+            <a:off x="5348697" y="4402899"/>
+            <a:ext cx="6687483" cy="2305372"/>
+            <a:chOff x="5314496" y="4313506"/>
+            <a:chExt cx="6687483" cy="2305372"/>
+          </a:xfrm>
+        </p:grpSpPr>
+        <p:pic>
+          <p:nvPicPr>
+            <p:cNvPr id="7" name="Picture 6">
+              <a:extLst>
+                <a:ext uri="{FF2B5EF4-FFF2-40B4-BE49-F238E27FC236}">
+                  <a16:creationId xmlns:a16="http://schemas.microsoft.com/office/drawing/2014/main" id="{7F201D97-7538-6388-414D-A19BDA82FCEA}"/>
+                </a:ext>
+              </a:extLst>
+            </p:cNvPr>
+            <p:cNvPicPr>
+              <a:picLocks noChangeAspect="1"/>
+            </p:cNvPicPr>
+            <p:nvPr/>
+          </p:nvPicPr>
+          <p:blipFill>
+            <a:blip r:embed="rId5"/>
+            <a:stretch>
+              <a:fillRect/>
+            </a:stretch>
+          </p:blipFill>
+          <p:spPr>
+            <a:xfrm>
+              <a:off x="5314496" y="4313506"/>
+              <a:ext cx="6687483" cy="2305372"/>
+            </a:xfrm>
+            <a:prstGeom prst="rect">
+              <a:avLst/>
+            </a:prstGeom>
+          </p:spPr>
+        </p:pic>
+        <p:sp>
+          <p:nvSpPr>
+            <p:cNvPr id="11" name="Rectangle: Rounded Corners 10">
+              <a:extLst>
+                <a:ext uri="{FF2B5EF4-FFF2-40B4-BE49-F238E27FC236}">
+                  <a16:creationId xmlns:a16="http://schemas.microsoft.com/office/drawing/2014/main" id="{0BEA05E1-E351-EDBF-ECC4-0AF3A7A0A6BE}"/>
+                </a:ext>
+              </a:extLst>
+            </p:cNvPr>
+            <p:cNvSpPr/>
+            <p:nvPr/>
+          </p:nvSpPr>
+          <p:spPr>
+            <a:xfrm>
+              <a:off x="5629275" y="5076772"/>
+              <a:ext cx="3809999" cy="247703"/>
+            </a:xfrm>
+            <a:prstGeom prst="roundRect">
+              <a:avLst>
+                <a:gd name="adj" fmla="val 9370"/>
+              </a:avLst>
+            </a:prstGeom>
+            <a:noFill/>
+            <a:ln w="38100">
+              <a:solidFill>
+                <a:srgbClr val="FFC000"/>
+              </a:solidFill>
+            </a:ln>
+          </p:spPr>
+          <p:style>
+            <a:lnRef idx="2">
+              <a:schemeClr val="accent1">
+                <a:shade val="15000"/>
+              </a:schemeClr>
+            </a:lnRef>
+            <a:fillRef idx="1">
+              <a:schemeClr val="accent1"/>
+            </a:fillRef>
+            <a:effectRef idx="0">
+              <a:schemeClr val="accent1"/>
+            </a:effectRef>
+            <a:fontRef idx="minor">
+              <a:schemeClr val="lt1"/>
+            </a:fontRef>
+          </p:style>
+          <p:txBody>
+            <a:bodyPr rtlCol="0" anchor="ctr"/>
+            <a:lstStyle/>
+            <a:p>
+              <a:pPr algn="ctr"/>
+              <a:endParaRPr lang="en-US"/>
+            </a:p>
+          </p:txBody>
+        </p:sp>
+        <p:sp>
+          <p:nvSpPr>
+            <p:cNvPr id="12" name="Rectangle: Rounded Corners 11">
+              <a:extLst>
+                <a:ext uri="{FF2B5EF4-FFF2-40B4-BE49-F238E27FC236}">
+                  <a16:creationId xmlns:a16="http://schemas.microsoft.com/office/drawing/2014/main" id="{3A399F6A-A4A7-DD62-8CF7-04CC4868BD9C}"/>
+                </a:ext>
+              </a:extLst>
+            </p:cNvPr>
+            <p:cNvSpPr/>
+            <p:nvPr/>
+          </p:nvSpPr>
+          <p:spPr>
+            <a:xfrm>
+              <a:off x="5629274" y="5555145"/>
+              <a:ext cx="3809999" cy="247703"/>
+            </a:xfrm>
+            <a:prstGeom prst="roundRect">
+              <a:avLst>
+                <a:gd name="adj" fmla="val 9370"/>
+              </a:avLst>
+            </a:prstGeom>
+            <a:noFill/>
+            <a:ln w="38100">
+              <a:solidFill>
+                <a:srgbClr val="FFC000"/>
+              </a:solidFill>
+            </a:ln>
+          </p:spPr>
+          <p:style>
+            <a:lnRef idx="2">
+              <a:schemeClr val="accent1">
+                <a:shade val="15000"/>
+              </a:schemeClr>
+            </a:lnRef>
+            <a:fillRef idx="1">
+              <a:schemeClr val="accent1"/>
+            </a:fillRef>
+            <a:effectRef idx="0">
+              <a:schemeClr val="accent1"/>
+            </a:effectRef>
+            <a:fontRef idx="minor">
+              <a:schemeClr val="lt1"/>
+            </a:fontRef>
+          </p:style>
+          <p:txBody>
+            <a:bodyPr rtlCol="0" anchor="ctr"/>
+            <a:lstStyle/>
+            <a:p>
+              <a:pPr algn="ctr"/>
+              <a:endParaRPr lang="en-US"/>
+            </a:p>
+          </p:txBody>
+        </p:sp>
+      </p:grpSp>
+    </p:spTree>
+    <p:extLst>
+      <p:ext uri="{BB962C8B-B14F-4D97-AF65-F5344CB8AC3E}">
+        <p14:creationId xmlns:p14="http://schemas.microsoft.com/office/powerpoint/2010/main" val="758911715"/>
+      </p:ext>
+    </p:extLst>
+  </p:cSld>
+  <p:clrMapOvr>
+    <a:masterClrMapping/>
+  </p:clrMapOvr>
+</p:sld>
+</file>
+
+<file path=ppt/slides/slide11.xml><?xml version="1.0" encoding="utf-8"?>
+<p:sld xmlns:a="http://schemas.openxmlformats.org/drawingml/2006/main" xmlns:r="http://schemas.openxmlformats.org/officeDocument/2006/relationships" xmlns:p="http://schemas.openxmlformats.org/presentationml/2006/main">
+  <p:cSld>
+    <p:bg>
+      <p:bgPr>
+        <a:solidFill>
+          <a:schemeClr val="accent6">
+            <a:lumMod val="20000"/>
+            <a:lumOff val="80000"/>
+          </a:schemeClr>
+        </a:solidFill>
+        <a:effectLst/>
+      </p:bgPr>
+    </p:bg>
+    <p:spTree>
+      <p:nvGrpSpPr>
+        <p:cNvPr id="1" name="">
+          <a:extLst>
+            <a:ext uri="{FF2B5EF4-FFF2-40B4-BE49-F238E27FC236}">
+              <a16:creationId xmlns:a16="http://schemas.microsoft.com/office/drawing/2014/main" id="{5E8D6FFC-D870-D219-00D2-A3A8BD923E87}"/>
+            </a:ext>
+          </a:extLst>
+        </p:cNvPr>
+        <p:cNvGrpSpPr/>
+        <p:nvPr/>
+      </p:nvGrpSpPr>
+      <p:grpSpPr>
+        <a:xfrm>
+          <a:off x="0" y="0"/>
+          <a:ext cx="0" cy="0"/>
+          <a:chOff x="0" y="0"/>
+          <a:chExt cx="0" cy="0"/>
+        </a:xfrm>
+      </p:grpSpPr>
+      <p:sp>
+        <p:nvSpPr>
+          <p:cNvPr id="6" name="Title 5">
+            <a:extLst>
+              <a:ext uri="{FF2B5EF4-FFF2-40B4-BE49-F238E27FC236}">
+                <a16:creationId xmlns:a16="http://schemas.microsoft.com/office/drawing/2014/main" id="{A9D6B042-FDFF-A271-4FBA-DE497CA29B39}"/>
+              </a:ext>
+            </a:extLst>
+          </p:cNvPr>
+          <p:cNvSpPr>
+            <a:spLocks noGrp="1"/>
+          </p:cNvSpPr>
+          <p:nvPr>
+            <p:ph type="title"/>
+          </p:nvPr>
+        </p:nvSpPr>
+        <p:spPr/>
+        <p:txBody>
+          <a:bodyPr/>
+          <a:lstStyle/>
+          <a:p>
+            <a:r>
+              <a:rPr lang="en-US" dirty="0"/>
+              <a:t>Load, Clean, Transform Data</a:t>
+            </a:r>
+          </a:p>
+        </p:txBody>
+      </p:sp>
+      <p:sp>
+        <p:nvSpPr>
+          <p:cNvPr id="7" name="Text Placeholder 6">
+            <a:extLst>
+              <a:ext uri="{FF2B5EF4-FFF2-40B4-BE49-F238E27FC236}">
+                <a16:creationId xmlns:a16="http://schemas.microsoft.com/office/drawing/2014/main" id="{257BEB0B-99C9-8A5E-D798-9FA783CF3A68}"/>
+              </a:ext>
+            </a:extLst>
+          </p:cNvPr>
+          <p:cNvSpPr>
+            <a:spLocks noGrp="1"/>
+          </p:cNvSpPr>
+          <p:nvPr>
+            <p:ph type="body" idx="1"/>
+          </p:nvPr>
+        </p:nvSpPr>
+        <p:spPr/>
+        <p:txBody>
+          <a:bodyPr/>
+          <a:lstStyle/>
+          <a:p>
+            <a:endParaRPr lang="en-US"/>
+          </a:p>
+        </p:txBody>
+      </p:sp>
+    </p:spTree>
+    <p:extLst>
+      <p:ext uri="{BB962C8B-B14F-4D97-AF65-F5344CB8AC3E}">
+        <p14:creationId xmlns:p14="http://schemas.microsoft.com/office/powerpoint/2010/main" val="320269648"/>
+      </p:ext>
+    </p:extLst>
+  </p:cSld>
+  <p:clrMapOvr>
+    <a:masterClrMapping/>
+  </p:clrMapOvr>
+</p:sld>
+</file>
+
+<file path=ppt/slides/slide12.xml><?xml version="1.0" encoding="utf-8"?>
+<p:sld xmlns:a="http://schemas.openxmlformats.org/drawingml/2006/main" xmlns:r="http://schemas.openxmlformats.org/officeDocument/2006/relationships" xmlns:p="http://schemas.openxmlformats.org/presentationml/2006/main">
+  <p:cSld>
+    <p:spTree>
+      <p:nvGrpSpPr>
+        <p:cNvPr id="1" name=""/>
+        <p:cNvGrpSpPr/>
+        <p:nvPr/>
+      </p:nvGrpSpPr>
+      <p:grpSpPr>
+        <a:xfrm>
+          <a:off x="0" y="0"/>
+          <a:ext cx="0" cy="0"/>
+          <a:chOff x="0" y="0"/>
+          <a:chExt cx="0" cy="0"/>
+        </a:xfrm>
+      </p:grpSpPr>
+      <p:grpSp>
+        <p:nvGrpSpPr>
+          <p:cNvPr id="8" name="Group 7">
+            <a:extLst>
+              <a:ext uri="{FF2B5EF4-FFF2-40B4-BE49-F238E27FC236}">
+                <a16:creationId xmlns:a16="http://schemas.microsoft.com/office/drawing/2014/main" id="{E003797C-41FD-5131-0E31-7B740E5B9216}"/>
+              </a:ext>
+            </a:extLst>
+          </p:cNvPr>
+          <p:cNvGrpSpPr/>
+          <p:nvPr/>
+        </p:nvGrpSpPr>
+        <p:grpSpPr>
+          <a:xfrm>
+            <a:off x="0" y="381000"/>
+            <a:ext cx="12192000" cy="6096000"/>
+            <a:chOff x="0" y="381000"/>
+            <a:chExt cx="12192000" cy="6096000"/>
+          </a:xfrm>
+        </p:grpSpPr>
+        <p:pic>
+          <p:nvPicPr>
+            <p:cNvPr id="5" name="Picture 4">
+              <a:extLst>
+                <a:ext uri="{FF2B5EF4-FFF2-40B4-BE49-F238E27FC236}">
+                  <a16:creationId xmlns:a16="http://schemas.microsoft.com/office/drawing/2014/main" id="{BC20F2F5-5C74-85BC-FE12-86B6E6A417B7}"/>
+                </a:ext>
+              </a:extLst>
+            </p:cNvPr>
+            <p:cNvPicPr>
+              <a:picLocks noChangeAspect="1"/>
+            </p:cNvPicPr>
+            <p:nvPr/>
+          </p:nvPicPr>
+          <p:blipFill>
+            <a:blip r:embed="rId3"/>
+            <a:stretch>
+              <a:fillRect/>
+            </a:stretch>
+          </p:blipFill>
+          <p:spPr>
+            <a:xfrm>
+              <a:off x="0" y="381000"/>
+              <a:ext cx="12192000" cy="6096000"/>
+            </a:xfrm>
+            <a:prstGeom prst="rect">
+              <a:avLst/>
+            </a:prstGeom>
+            <a:ln>
+              <a:solidFill>
+                <a:schemeClr val="tx1"/>
+              </a:solidFill>
+            </a:ln>
+          </p:spPr>
+        </p:pic>
+        <p:sp>
+          <p:nvSpPr>
+            <p:cNvPr id="6" name="Rectangle: Rounded Corners 5">
+              <a:extLst>
+                <a:ext uri="{FF2B5EF4-FFF2-40B4-BE49-F238E27FC236}">
+                  <a16:creationId xmlns:a16="http://schemas.microsoft.com/office/drawing/2014/main" id="{5BBE00A1-68F7-6EDD-844C-93521EBBB071}"/>
+                </a:ext>
+              </a:extLst>
+            </p:cNvPr>
+            <p:cNvSpPr/>
+            <p:nvPr/>
+          </p:nvSpPr>
+          <p:spPr>
+            <a:xfrm>
+              <a:off x="497054" y="845012"/>
+              <a:ext cx="411480" cy="548640"/>
+            </a:xfrm>
+            <a:prstGeom prst="roundRect">
+              <a:avLst>
+                <a:gd name="adj" fmla="val 9370"/>
+              </a:avLst>
+            </a:prstGeom>
+            <a:noFill/>
+            <a:ln w="38100">
+              <a:solidFill>
+                <a:srgbClr val="FFC000"/>
+              </a:solidFill>
+            </a:ln>
+          </p:spPr>
+          <p:style>
+            <a:lnRef idx="2">
+              <a:schemeClr val="accent1">
+                <a:shade val="15000"/>
+              </a:schemeClr>
+            </a:lnRef>
+            <a:fillRef idx="1">
+              <a:schemeClr val="accent1"/>
+            </a:fillRef>
+            <a:effectRef idx="0">
+              <a:schemeClr val="accent1"/>
+            </a:effectRef>
+            <a:fontRef idx="minor">
+              <a:schemeClr val="lt1"/>
+            </a:fontRef>
+          </p:style>
+          <p:txBody>
+            <a:bodyPr rtlCol="0" anchor="ctr"/>
+            <a:lstStyle/>
+            <a:p>
+              <a:pPr algn="ctr"/>
+              <a:endParaRPr lang="en-US"/>
+            </a:p>
+          </p:txBody>
+        </p:sp>
+        <p:sp>
+          <p:nvSpPr>
+            <p:cNvPr id="7" name="Rectangle: Rounded Corners 6">
+              <a:extLst>
+                <a:ext uri="{FF2B5EF4-FFF2-40B4-BE49-F238E27FC236}">
+                  <a16:creationId xmlns:a16="http://schemas.microsoft.com/office/drawing/2014/main" id="{9AD4B014-FB1C-9003-42A1-6389520268D8}"/>
+                </a:ext>
+              </a:extLst>
+            </p:cNvPr>
+            <p:cNvSpPr/>
+            <p:nvPr/>
+          </p:nvSpPr>
+          <p:spPr>
+            <a:xfrm>
+              <a:off x="506578" y="1543050"/>
+              <a:ext cx="1188871" cy="374190"/>
+            </a:xfrm>
+            <a:prstGeom prst="roundRect">
+              <a:avLst>
+                <a:gd name="adj" fmla="val 9370"/>
+              </a:avLst>
+            </a:prstGeom>
+            <a:noFill/>
+            <a:ln w="38100">
+              <a:solidFill>
+                <a:srgbClr val="FFC000"/>
+              </a:solidFill>
+            </a:ln>
+          </p:spPr>
+          <p:style>
+            <a:lnRef idx="2">
+              <a:schemeClr val="accent1">
+                <a:shade val="15000"/>
+              </a:schemeClr>
+            </a:lnRef>
+            <a:fillRef idx="1">
+              <a:schemeClr val="accent1"/>
+            </a:fillRef>
+            <a:effectRef idx="0">
+              <a:schemeClr val="accent1"/>
+            </a:effectRef>
+            <a:fontRef idx="minor">
+              <a:schemeClr val="lt1"/>
+            </a:fontRef>
+          </p:style>
+          <p:txBody>
+            <a:bodyPr rtlCol="0" anchor="ctr"/>
+            <a:lstStyle/>
+            <a:p>
+              <a:pPr algn="ctr"/>
+              <a:endParaRPr lang="en-US" dirty="0"/>
+            </a:p>
+          </p:txBody>
+        </p:sp>
+      </p:grpSp>
+    </p:spTree>
+    <p:extLst>
+      <p:ext uri="{BB962C8B-B14F-4D97-AF65-F5344CB8AC3E}">
+        <p14:creationId xmlns:p14="http://schemas.microsoft.com/office/powerpoint/2010/main" val="3363197818"/>
+      </p:ext>
+    </p:extLst>
+  </p:cSld>
+  <p:clrMapOvr>
+    <a:masterClrMapping/>
+  </p:clrMapOvr>
+</p:sld>
+</file>
+
+<file path=ppt/slides/slide13.xml><?xml version="1.0" encoding="utf-8"?>
+<p:sld xmlns:a="http://schemas.openxmlformats.org/drawingml/2006/main" xmlns:r="http://schemas.openxmlformats.org/officeDocument/2006/relationships" xmlns:p="http://schemas.openxmlformats.org/presentationml/2006/main">
+  <p:cSld>
+    <p:spTree>
+      <p:nvGrpSpPr>
+        <p:cNvPr id="1" name=""/>
+        <p:cNvGrpSpPr/>
+        <p:nvPr/>
+      </p:nvGrpSpPr>
+      <p:grpSpPr>
+        <a:xfrm>
+          <a:off x="0" y="0"/>
+          <a:ext cx="0" cy="0"/>
+          <a:chOff x="0" y="0"/>
+          <a:chExt cx="0" cy="0"/>
+        </a:xfrm>
+      </p:grpSpPr>
+      <p:grpSp>
+        <p:nvGrpSpPr>
+          <p:cNvPr id="9" name="Group 8">
+            <a:extLst>
+              <a:ext uri="{FF2B5EF4-FFF2-40B4-BE49-F238E27FC236}">
+                <a16:creationId xmlns:a16="http://schemas.microsoft.com/office/drawing/2014/main" id="{5DAE158A-A207-538C-9516-1505265C5F43}"/>
+              </a:ext>
+            </a:extLst>
+          </p:cNvPr>
+          <p:cNvGrpSpPr/>
+          <p:nvPr/>
+        </p:nvGrpSpPr>
+        <p:grpSpPr>
+          <a:xfrm>
+            <a:off x="0" y="381000"/>
+            <a:ext cx="12192000" cy="6096000"/>
+            <a:chOff x="0" y="381000"/>
+            <a:chExt cx="12192000" cy="6096000"/>
+          </a:xfrm>
+        </p:grpSpPr>
+        <p:pic>
+          <p:nvPicPr>
+            <p:cNvPr id="3" name="Picture 2">
+              <a:extLst>
+                <a:ext uri="{FF2B5EF4-FFF2-40B4-BE49-F238E27FC236}">
+                  <a16:creationId xmlns:a16="http://schemas.microsoft.com/office/drawing/2014/main" id="{80D001AB-555C-2E71-3CB1-3AB5E8525EA4}"/>
+                </a:ext>
+              </a:extLst>
+            </p:cNvPr>
+            <p:cNvPicPr>
+              <a:picLocks noChangeAspect="1"/>
+            </p:cNvPicPr>
+            <p:nvPr/>
+          </p:nvPicPr>
+          <p:blipFill>
+            <a:blip r:embed="rId2"/>
+            <a:stretch>
+              <a:fillRect/>
+            </a:stretch>
+          </p:blipFill>
+          <p:spPr>
+            <a:xfrm>
+              <a:off x="0" y="381000"/>
+              <a:ext cx="12192000" cy="6096000"/>
+            </a:xfrm>
+            <a:prstGeom prst="rect">
+              <a:avLst/>
+            </a:prstGeom>
+            <a:ln>
+              <a:solidFill>
+                <a:schemeClr val="tx1"/>
+              </a:solidFill>
+            </a:ln>
+          </p:spPr>
+        </p:pic>
+        <p:sp>
+          <p:nvSpPr>
+            <p:cNvPr id="4" name="Rectangle: Rounded Corners 3">
+              <a:extLst>
+                <a:ext uri="{FF2B5EF4-FFF2-40B4-BE49-F238E27FC236}">
+                  <a16:creationId xmlns:a16="http://schemas.microsoft.com/office/drawing/2014/main" id="{57FCC2A7-2744-63F5-E8FD-D055D2E6BB5D}"/>
+                </a:ext>
+              </a:extLst>
+            </p:cNvPr>
+            <p:cNvSpPr/>
+            <p:nvPr/>
+          </p:nvSpPr>
+          <p:spPr>
+            <a:xfrm>
+              <a:off x="468479" y="619125"/>
+              <a:ext cx="457200" cy="209550"/>
+            </a:xfrm>
+            <a:prstGeom prst="roundRect">
+              <a:avLst>
+                <a:gd name="adj" fmla="val 9370"/>
+              </a:avLst>
+            </a:prstGeom>
+            <a:noFill/>
+            <a:ln w="38100">
+              <a:solidFill>
+                <a:srgbClr val="FFC000"/>
+              </a:solidFill>
+            </a:ln>
+          </p:spPr>
+          <p:style>
+            <a:lnRef idx="2">
+              <a:schemeClr val="accent1">
+                <a:shade val="15000"/>
+              </a:schemeClr>
+            </a:lnRef>
+            <a:fillRef idx="1">
+              <a:schemeClr val="accent1"/>
+            </a:fillRef>
+            <a:effectRef idx="0">
+              <a:schemeClr val="accent1"/>
+            </a:effectRef>
+            <a:fontRef idx="minor">
+              <a:schemeClr val="lt1"/>
+            </a:fontRef>
+          </p:style>
+          <p:txBody>
+            <a:bodyPr rtlCol="0" anchor="ctr"/>
+            <a:lstStyle/>
+            <a:p>
+              <a:pPr algn="ctr"/>
+              <a:endParaRPr lang="en-US" dirty="0"/>
+            </a:p>
+          </p:txBody>
+        </p:sp>
+        <p:sp>
+          <p:nvSpPr>
+            <p:cNvPr id="5" name="Rectangle: Rounded Corners 4">
+              <a:extLst>
+                <a:ext uri="{FF2B5EF4-FFF2-40B4-BE49-F238E27FC236}">
+                  <a16:creationId xmlns:a16="http://schemas.microsoft.com/office/drawing/2014/main" id="{607044D4-FF87-95FA-01A3-E7378F529E7D}"/>
+                </a:ext>
+              </a:extLst>
+            </p:cNvPr>
+            <p:cNvSpPr/>
+            <p:nvPr/>
+          </p:nvSpPr>
+          <p:spPr>
+            <a:xfrm>
+              <a:off x="5781675" y="838200"/>
+              <a:ext cx="382754" cy="571500"/>
+            </a:xfrm>
+            <a:prstGeom prst="roundRect">
+              <a:avLst>
+                <a:gd name="adj" fmla="val 9370"/>
+              </a:avLst>
+            </a:prstGeom>
+            <a:noFill/>
+            <a:ln w="38100">
+              <a:solidFill>
+                <a:srgbClr val="FFC000"/>
+              </a:solidFill>
+            </a:ln>
+          </p:spPr>
+          <p:style>
+            <a:lnRef idx="2">
+              <a:schemeClr val="accent1">
+                <a:shade val="15000"/>
+              </a:schemeClr>
+            </a:lnRef>
+            <a:fillRef idx="1">
+              <a:schemeClr val="accent1"/>
+            </a:fillRef>
+            <a:effectRef idx="0">
+              <a:schemeClr val="accent1"/>
+            </a:effectRef>
+            <a:fontRef idx="minor">
+              <a:schemeClr val="lt1"/>
+            </a:fontRef>
+          </p:style>
+          <p:txBody>
+            <a:bodyPr rtlCol="0" anchor="ctr"/>
+            <a:lstStyle/>
+            <a:p>
+              <a:pPr algn="ctr"/>
+              <a:endParaRPr lang="en-US" dirty="0"/>
+            </a:p>
+          </p:txBody>
+        </p:sp>
+        <p:sp>
+          <p:nvSpPr>
+            <p:cNvPr id="6" name="Rectangle: Rounded Corners 5">
+              <a:extLst>
+                <a:ext uri="{FF2B5EF4-FFF2-40B4-BE49-F238E27FC236}">
+                  <a16:creationId xmlns:a16="http://schemas.microsoft.com/office/drawing/2014/main" id="{C3497D4C-BA0F-BC27-8C2D-AC015561212C}"/>
+                </a:ext>
+              </a:extLst>
+            </p:cNvPr>
+            <p:cNvSpPr/>
+            <p:nvPr/>
+          </p:nvSpPr>
+          <p:spPr>
+            <a:xfrm>
+              <a:off x="5800724" y="2114550"/>
+              <a:ext cx="1463040" cy="209550"/>
+            </a:xfrm>
+            <a:prstGeom prst="roundRect">
+              <a:avLst>
+                <a:gd name="adj" fmla="val 9370"/>
+              </a:avLst>
+            </a:prstGeom>
+            <a:noFill/>
+            <a:ln w="38100">
+              <a:solidFill>
+                <a:srgbClr val="FFC000"/>
+              </a:solidFill>
+            </a:ln>
+          </p:spPr>
+          <p:style>
+            <a:lnRef idx="2">
+              <a:schemeClr val="accent1">
+                <a:shade val="15000"/>
+              </a:schemeClr>
+            </a:lnRef>
+            <a:fillRef idx="1">
+              <a:schemeClr val="accent1"/>
+            </a:fillRef>
+            <a:effectRef idx="0">
+              <a:schemeClr val="accent1"/>
+            </a:effectRef>
+            <a:fontRef idx="minor">
+              <a:schemeClr val="lt1"/>
+            </a:fontRef>
+          </p:style>
+          <p:txBody>
+            <a:bodyPr rtlCol="0" anchor="ctr"/>
+            <a:lstStyle/>
+            <a:p>
+              <a:pPr algn="ctr"/>
+              <a:endParaRPr lang="en-US" dirty="0"/>
+            </a:p>
+          </p:txBody>
+        </p:sp>
+        <p:sp>
+          <p:nvSpPr>
+            <p:cNvPr id="7" name="Rectangle: Rounded Corners 6">
+              <a:extLst>
+                <a:ext uri="{FF2B5EF4-FFF2-40B4-BE49-F238E27FC236}">
+                  <a16:creationId xmlns:a16="http://schemas.microsoft.com/office/drawing/2014/main" id="{B7654646-2F41-0473-E119-BAD40B65331F}"/>
+                </a:ext>
+              </a:extLst>
+            </p:cNvPr>
+            <p:cNvSpPr/>
+            <p:nvPr/>
+          </p:nvSpPr>
+          <p:spPr>
+            <a:xfrm>
+              <a:off x="10239375" y="3390900"/>
+              <a:ext cx="1737360" cy="182880"/>
+            </a:xfrm>
+            <a:prstGeom prst="roundRect">
+              <a:avLst/>
+            </a:prstGeom>
+            <a:solidFill>
+              <a:srgbClr val="FFC000">
+                <a:alpha val="10196"/>
+              </a:srgbClr>
+            </a:solidFill>
+            <a:ln>
+              <a:noFill/>
+            </a:ln>
+          </p:spPr>
+          <p:style>
+            <a:lnRef idx="2">
+              <a:schemeClr val="accent1">
+                <a:shade val="15000"/>
+              </a:schemeClr>
+            </a:lnRef>
+            <a:fillRef idx="1">
+              <a:schemeClr val="accent1"/>
+            </a:fillRef>
+            <a:effectRef idx="0">
+              <a:schemeClr val="accent1"/>
+            </a:effectRef>
+            <a:fontRef idx="minor">
+              <a:schemeClr val="lt1"/>
+            </a:fontRef>
+          </p:style>
+          <p:txBody>
+            <a:bodyPr rtlCol="0" anchor="ctr"/>
+            <a:lstStyle/>
+            <a:p>
+              <a:pPr algn="ctr"/>
+              <a:endParaRPr lang="en-US" dirty="0"/>
+            </a:p>
+          </p:txBody>
+        </p:sp>
+        <p:sp>
+          <p:nvSpPr>
+            <p:cNvPr id="8" name="TextBox 7">
+              <a:extLst>
+                <a:ext uri="{FF2B5EF4-FFF2-40B4-BE49-F238E27FC236}">
+                  <a16:creationId xmlns:a16="http://schemas.microsoft.com/office/drawing/2014/main" id="{59B03351-6D31-2464-CA66-BCF85386CFE6}"/>
+                </a:ext>
+              </a:extLst>
+            </p:cNvPr>
+            <p:cNvSpPr txBox="1"/>
+            <p:nvPr/>
+          </p:nvSpPr>
+          <p:spPr>
+            <a:xfrm>
+              <a:off x="5772150" y="3390900"/>
+              <a:ext cx="3739106" cy="646331"/>
+            </a:xfrm>
+            <a:prstGeom prst="callout2">
+              <a:avLst>
+                <a:gd name="adj1" fmla="val 50729"/>
+                <a:gd name="adj2" fmla="val 100549"/>
+                <a:gd name="adj3" fmla="val 49697"/>
+                <a:gd name="adj4" fmla="val 113091"/>
+                <a:gd name="adj5" fmla="val 13467"/>
+                <a:gd name="adj6" fmla="val 119132"/>
+              </a:avLst>
+            </a:prstGeom>
+            <a:noFill/>
+            <a:ln w="38100">
+              <a:solidFill>
+                <a:srgbClr val="FFC000"/>
+              </a:solidFill>
+            </a:ln>
+          </p:spPr>
+          <p:txBody>
+            <a:bodyPr wrap="square" rtlCol="0">
+              <a:spAutoFit/>
+            </a:bodyPr>
+            <a:lstStyle/>
+            <a:p>
+              <a:r>
+                <a:rPr lang="en-US" b="1" dirty="0">
+                  <a:solidFill>
+                    <a:srgbClr val="FFC000"/>
+                  </a:solidFill>
+                </a:rPr>
+                <a:t>Every other row was null or empty.</a:t>
+              </a:r>
+            </a:p>
+            <a:p>
+              <a:r>
+                <a:rPr lang="en-US" b="1" dirty="0">
+                  <a:solidFill>
+                    <a:srgbClr val="FFC000"/>
+                  </a:solidFill>
+                </a:rPr>
+                <a:t>Remove blank rows.</a:t>
+              </a:r>
+            </a:p>
+          </p:txBody>
+        </p:sp>
+      </p:grpSp>
+    </p:spTree>
+    <p:extLst>
+      <p:ext uri="{BB962C8B-B14F-4D97-AF65-F5344CB8AC3E}">
+        <p14:creationId xmlns:p14="http://schemas.microsoft.com/office/powerpoint/2010/main" val="1347317117"/>
+      </p:ext>
+    </p:extLst>
+  </p:cSld>
+  <p:clrMapOvr>
+    <a:masterClrMapping/>
+  </p:clrMapOvr>
+</p:sld>
+</file>
+
+<file path=ppt/slides/slide14.xml><?xml version="1.0" encoding="utf-8"?>
+<p:sld xmlns:a="http://schemas.openxmlformats.org/drawingml/2006/main" xmlns:r="http://schemas.openxmlformats.org/officeDocument/2006/relationships" xmlns:p="http://schemas.openxmlformats.org/presentationml/2006/main">
+  <p:cSld>
+    <p:spTree>
+      <p:nvGrpSpPr>
+        <p:cNvPr id="1" name=""/>
+        <p:cNvGrpSpPr/>
+        <p:nvPr/>
+      </p:nvGrpSpPr>
+      <p:grpSpPr>
+        <a:xfrm>
+          <a:off x="0" y="0"/>
+          <a:ext cx="0" cy="0"/>
+          <a:chOff x="0" y="0"/>
+          <a:chExt cx="0" cy="0"/>
+        </a:xfrm>
+      </p:grpSpPr>
+      <p:grpSp>
+        <p:nvGrpSpPr>
+          <p:cNvPr id="10" name="Group 9">
+            <a:extLst>
+              <a:ext uri="{FF2B5EF4-FFF2-40B4-BE49-F238E27FC236}">
+                <a16:creationId xmlns:a16="http://schemas.microsoft.com/office/drawing/2014/main" id="{5B111110-A25B-9F9F-2D98-F3F2F725EE57}"/>
+              </a:ext>
+            </a:extLst>
+          </p:cNvPr>
+          <p:cNvGrpSpPr/>
+          <p:nvPr/>
+        </p:nvGrpSpPr>
+        <p:grpSpPr>
+          <a:xfrm>
+            <a:off x="0" y="381000"/>
+            <a:ext cx="12192000" cy="6096000"/>
+            <a:chOff x="0" y="381000"/>
+            <a:chExt cx="12192000" cy="6096000"/>
+          </a:xfrm>
+        </p:grpSpPr>
+        <p:pic>
+          <p:nvPicPr>
+            <p:cNvPr id="3" name="Picture 2">
+              <a:extLst>
+                <a:ext uri="{FF2B5EF4-FFF2-40B4-BE49-F238E27FC236}">
+                  <a16:creationId xmlns:a16="http://schemas.microsoft.com/office/drawing/2014/main" id="{0F40193A-CC67-EA79-CB97-C78939B62391}"/>
+                </a:ext>
+              </a:extLst>
+            </p:cNvPr>
+            <p:cNvPicPr>
+              <a:picLocks noChangeAspect="1"/>
+            </p:cNvPicPr>
+            <p:nvPr/>
+          </p:nvPicPr>
+          <p:blipFill>
+            <a:blip r:embed="rId2"/>
+            <a:stretch>
+              <a:fillRect/>
+            </a:stretch>
+          </p:blipFill>
+          <p:spPr>
+            <a:xfrm>
+              <a:off x="0" y="381000"/>
+              <a:ext cx="12192000" cy="6096000"/>
+            </a:xfrm>
+            <a:prstGeom prst="rect">
+              <a:avLst/>
+            </a:prstGeom>
+            <a:ln>
+              <a:solidFill>
+                <a:schemeClr val="tx1"/>
+              </a:solidFill>
+            </a:ln>
+          </p:spPr>
+        </p:pic>
+        <p:sp>
+          <p:nvSpPr>
+            <p:cNvPr id="4" name="Rectangle: Rounded Corners 3">
+              <a:extLst>
+                <a:ext uri="{FF2B5EF4-FFF2-40B4-BE49-F238E27FC236}">
+                  <a16:creationId xmlns:a16="http://schemas.microsoft.com/office/drawing/2014/main" id="{64271440-4265-E06E-A4D3-5297DCDE0634}"/>
+                </a:ext>
+              </a:extLst>
+            </p:cNvPr>
+            <p:cNvSpPr/>
+            <p:nvPr/>
+          </p:nvSpPr>
+          <p:spPr>
+            <a:xfrm>
+              <a:off x="944729" y="619125"/>
+              <a:ext cx="636422" cy="209550"/>
+            </a:xfrm>
+            <a:prstGeom prst="roundRect">
+              <a:avLst>
+                <a:gd name="adj" fmla="val 9370"/>
+              </a:avLst>
+            </a:prstGeom>
+            <a:noFill/>
+            <a:ln w="38100">
+              <a:solidFill>
+                <a:srgbClr val="FFC000"/>
+              </a:solidFill>
+            </a:ln>
+          </p:spPr>
+          <p:style>
+            <a:lnRef idx="2">
+              <a:schemeClr val="accent1">
+                <a:shade val="15000"/>
+              </a:schemeClr>
+            </a:lnRef>
+            <a:fillRef idx="1">
+              <a:schemeClr val="accent1"/>
+            </a:fillRef>
+            <a:effectRef idx="0">
+              <a:schemeClr val="accent1"/>
+            </a:effectRef>
+            <a:fontRef idx="minor">
+              <a:schemeClr val="lt1"/>
+            </a:fontRef>
+          </p:style>
+          <p:txBody>
+            <a:bodyPr rtlCol="0" anchor="ctr"/>
+            <a:lstStyle/>
+            <a:p>
+              <a:pPr algn="ctr"/>
+              <a:endParaRPr lang="en-US" dirty="0"/>
+            </a:p>
+          </p:txBody>
+        </p:sp>
+        <p:sp>
+          <p:nvSpPr>
+            <p:cNvPr id="5" name="Rectangle: Rounded Corners 4">
+              <a:extLst>
+                <a:ext uri="{FF2B5EF4-FFF2-40B4-BE49-F238E27FC236}">
+                  <a16:creationId xmlns:a16="http://schemas.microsoft.com/office/drawing/2014/main" id="{35D6061C-8C5B-EA6C-165F-63163BBD7C12}"/>
+                </a:ext>
+              </a:extLst>
+            </p:cNvPr>
+            <p:cNvSpPr/>
+            <p:nvPr/>
+          </p:nvSpPr>
+          <p:spPr>
+            <a:xfrm>
+              <a:off x="3859379" y="838200"/>
+              <a:ext cx="141121" cy="219456"/>
+            </a:xfrm>
+            <a:prstGeom prst="roundRect">
+              <a:avLst>
+                <a:gd name="adj" fmla="val 9370"/>
+              </a:avLst>
+            </a:prstGeom>
+            <a:noFill/>
+            <a:ln w="38100">
+              <a:solidFill>
+                <a:srgbClr val="FFC000"/>
+              </a:solidFill>
+            </a:ln>
+          </p:spPr>
+          <p:style>
+            <a:lnRef idx="2">
+              <a:schemeClr val="accent1">
+                <a:shade val="15000"/>
+              </a:schemeClr>
+            </a:lnRef>
+            <a:fillRef idx="1">
+              <a:schemeClr val="accent1"/>
+            </a:fillRef>
+            <a:effectRef idx="0">
+              <a:schemeClr val="accent1"/>
+            </a:effectRef>
+            <a:fontRef idx="minor">
+              <a:schemeClr val="lt1"/>
+            </a:fontRef>
+          </p:style>
+          <p:txBody>
+            <a:bodyPr rtlCol="0" anchor="ctr"/>
+            <a:lstStyle/>
+            <a:p>
+              <a:pPr algn="ctr"/>
+              <a:endParaRPr lang="en-US" dirty="0"/>
+            </a:p>
+          </p:txBody>
+        </p:sp>
+        <p:sp>
+          <p:nvSpPr>
+            <p:cNvPr id="6" name="Rectangle: Rounded Corners 5">
+              <a:extLst>
+                <a:ext uri="{FF2B5EF4-FFF2-40B4-BE49-F238E27FC236}">
+                  <a16:creationId xmlns:a16="http://schemas.microsoft.com/office/drawing/2014/main" id="{BD57BFEC-1416-72CA-0BFD-B6D64668A75B}"/>
+                </a:ext>
+              </a:extLst>
+            </p:cNvPr>
+            <p:cNvSpPr/>
+            <p:nvPr/>
+          </p:nvSpPr>
+          <p:spPr>
+            <a:xfrm>
+              <a:off x="3087854" y="1209674"/>
+              <a:ext cx="1084096" cy="219456"/>
+            </a:xfrm>
+            <a:prstGeom prst="roundRect">
+              <a:avLst>
+                <a:gd name="adj" fmla="val 9370"/>
+              </a:avLst>
+            </a:prstGeom>
+            <a:noFill/>
+            <a:ln w="38100">
+              <a:solidFill>
+                <a:srgbClr val="FFC000"/>
+              </a:solidFill>
+            </a:ln>
+          </p:spPr>
+          <p:style>
+            <a:lnRef idx="2">
+              <a:schemeClr val="accent1">
+                <a:shade val="15000"/>
+              </a:schemeClr>
+            </a:lnRef>
+            <a:fillRef idx="1">
+              <a:schemeClr val="accent1"/>
+            </a:fillRef>
+            <a:effectRef idx="0">
+              <a:schemeClr val="accent1"/>
+            </a:effectRef>
+            <a:fontRef idx="minor">
+              <a:schemeClr val="lt1"/>
+            </a:fontRef>
+          </p:style>
+          <p:txBody>
+            <a:bodyPr rtlCol="0" anchor="ctr"/>
+            <a:lstStyle/>
+            <a:p>
+              <a:pPr algn="ctr"/>
+              <a:endParaRPr lang="en-US" dirty="0"/>
+            </a:p>
+          </p:txBody>
+        </p:sp>
+        <p:sp>
+          <p:nvSpPr>
+            <p:cNvPr id="7" name="Rectangle: Rounded Corners 6">
+              <a:extLst>
+                <a:ext uri="{FF2B5EF4-FFF2-40B4-BE49-F238E27FC236}">
+                  <a16:creationId xmlns:a16="http://schemas.microsoft.com/office/drawing/2014/main" id="{788E3ABF-4275-CD98-0F13-B9C298694E53}"/>
+                </a:ext>
+              </a:extLst>
+            </p:cNvPr>
+            <p:cNvSpPr/>
+            <p:nvPr/>
+          </p:nvSpPr>
+          <p:spPr>
+            <a:xfrm>
+              <a:off x="10239375" y="3552825"/>
+              <a:ext cx="1737360" cy="182880"/>
+            </a:xfrm>
+            <a:prstGeom prst="roundRect">
+              <a:avLst/>
+            </a:prstGeom>
+            <a:solidFill>
+              <a:srgbClr val="FFC000">
+                <a:alpha val="10196"/>
+              </a:srgbClr>
+            </a:solidFill>
+            <a:ln>
+              <a:noFill/>
+            </a:ln>
+          </p:spPr>
+          <p:style>
+            <a:lnRef idx="2">
+              <a:schemeClr val="accent1">
+                <a:shade val="15000"/>
+              </a:schemeClr>
+            </a:lnRef>
+            <a:fillRef idx="1">
+              <a:schemeClr val="accent1"/>
+            </a:fillRef>
+            <a:effectRef idx="0">
+              <a:schemeClr val="accent1"/>
+            </a:effectRef>
+            <a:fontRef idx="minor">
+              <a:schemeClr val="lt1"/>
+            </a:fontRef>
+          </p:style>
+          <p:txBody>
+            <a:bodyPr rtlCol="0" anchor="ctr"/>
+            <a:lstStyle/>
+            <a:p>
+              <a:pPr algn="ctr"/>
+              <a:endParaRPr lang="en-US" dirty="0"/>
+            </a:p>
+          </p:txBody>
+        </p:sp>
+        <p:sp>
+          <p:nvSpPr>
+            <p:cNvPr id="8" name="TextBox 7">
+              <a:extLst>
+                <a:ext uri="{FF2B5EF4-FFF2-40B4-BE49-F238E27FC236}">
+                  <a16:creationId xmlns:a16="http://schemas.microsoft.com/office/drawing/2014/main" id="{C982F325-9433-6067-5E4E-008651D4EDB6}"/>
+                </a:ext>
+              </a:extLst>
+            </p:cNvPr>
+            <p:cNvSpPr txBox="1"/>
+            <p:nvPr/>
+          </p:nvSpPr>
+          <p:spPr>
+            <a:xfrm>
+              <a:off x="5457826" y="3533775"/>
+              <a:ext cx="3996280" cy="923330"/>
+            </a:xfrm>
+            <a:prstGeom prst="callout2">
+              <a:avLst>
+                <a:gd name="adj1" fmla="val 50729"/>
+                <a:gd name="adj2" fmla="val 100549"/>
+                <a:gd name="adj3" fmla="val 49697"/>
+                <a:gd name="adj4" fmla="val 113091"/>
+                <a:gd name="adj5" fmla="val 13467"/>
+                <a:gd name="adj6" fmla="val 119132"/>
+              </a:avLst>
+            </a:prstGeom>
+            <a:noFill/>
+            <a:ln w="38100">
+              <a:solidFill>
+                <a:srgbClr val="FFC000"/>
+              </a:solidFill>
+            </a:ln>
+          </p:spPr>
+          <p:txBody>
+            <a:bodyPr wrap="square" rtlCol="0">
+              <a:spAutoFit/>
+            </a:bodyPr>
+            <a:lstStyle/>
+            <a:p>
+              <a:r>
+                <a:rPr lang="en-US" b="1" dirty="0">
+                  <a:solidFill>
+                    <a:srgbClr val="FFC000"/>
+                  </a:solidFill>
+                </a:rPr>
+                <a:t>Data Type: Whole number</a:t>
+              </a:r>
+            </a:p>
+            <a:p>
+              <a:r>
+                <a:rPr lang="en-US" b="1" dirty="0">
+                  <a:solidFill>
+                    <a:srgbClr val="FFC000"/>
+                  </a:solidFill>
+                </a:rPr>
+                <a:t>but categories were “1” and “closed”.</a:t>
+              </a:r>
+            </a:p>
+            <a:p>
+              <a:r>
+                <a:rPr lang="en-US" b="1" dirty="0">
+                  <a:solidFill>
+                    <a:srgbClr val="FFC000"/>
+                  </a:solidFill>
+                </a:rPr>
+                <a:t>Replace errors with “0”.</a:t>
+              </a:r>
+            </a:p>
+          </p:txBody>
+        </p:sp>
+      </p:grpSp>
+    </p:spTree>
+    <p:extLst>
+      <p:ext uri="{BB962C8B-B14F-4D97-AF65-F5344CB8AC3E}">
+        <p14:creationId xmlns:p14="http://schemas.microsoft.com/office/powerpoint/2010/main" val="2048267786"/>
+      </p:ext>
+    </p:extLst>
+  </p:cSld>
+  <p:clrMapOvr>
+    <a:masterClrMapping/>
+  </p:clrMapOvr>
+</p:sld>
+</file>
+
+<file path=ppt/slides/slide15.xml><?xml version="1.0" encoding="utf-8"?>
+<p:sld xmlns:a="http://schemas.openxmlformats.org/drawingml/2006/main" xmlns:r="http://schemas.openxmlformats.org/officeDocument/2006/relationships" xmlns:p="http://schemas.openxmlformats.org/presentationml/2006/main">
+  <p:cSld>
+    <p:spTree>
+      <p:nvGrpSpPr>
+        <p:cNvPr id="1" name=""/>
+        <p:cNvGrpSpPr/>
+        <p:nvPr/>
+      </p:nvGrpSpPr>
+      <p:grpSpPr>
+        <a:xfrm>
+          <a:off x="0" y="0"/>
+          <a:ext cx="0" cy="0"/>
+          <a:chOff x="0" y="0"/>
+          <a:chExt cx="0" cy="0"/>
+        </a:xfrm>
+      </p:grpSpPr>
+      <p:grpSp>
+        <p:nvGrpSpPr>
+          <p:cNvPr id="17" name="Group 16">
+            <a:extLst>
+              <a:ext uri="{FF2B5EF4-FFF2-40B4-BE49-F238E27FC236}">
+                <a16:creationId xmlns:a16="http://schemas.microsoft.com/office/drawing/2014/main" id="{149495EF-183F-B0D8-F478-C1F2D0E30454}"/>
+              </a:ext>
+            </a:extLst>
+          </p:cNvPr>
+          <p:cNvGrpSpPr/>
+          <p:nvPr/>
+        </p:nvGrpSpPr>
+        <p:grpSpPr>
+          <a:xfrm>
+            <a:off x="0" y="381000"/>
+            <a:ext cx="12192000" cy="6096000"/>
+            <a:chOff x="0" y="381000"/>
+            <a:chExt cx="12192000" cy="6096000"/>
+          </a:xfrm>
+        </p:grpSpPr>
+        <p:pic>
+          <p:nvPicPr>
+            <p:cNvPr id="3" name="Picture 2">
+              <a:extLst>
+                <a:ext uri="{FF2B5EF4-FFF2-40B4-BE49-F238E27FC236}">
+                  <a16:creationId xmlns:a16="http://schemas.microsoft.com/office/drawing/2014/main" id="{C16C3232-6E34-8845-49DD-4606300FFF22}"/>
+                </a:ext>
+              </a:extLst>
+            </p:cNvPr>
+            <p:cNvPicPr>
+              <a:picLocks noChangeAspect="1"/>
+            </p:cNvPicPr>
+            <p:nvPr/>
+          </p:nvPicPr>
+          <p:blipFill>
+            <a:blip r:embed="rId3"/>
+            <a:stretch>
+              <a:fillRect/>
+            </a:stretch>
+          </p:blipFill>
+          <p:spPr>
+            <a:xfrm>
+              <a:off x="0" y="381000"/>
+              <a:ext cx="12192000" cy="6096000"/>
+            </a:xfrm>
+            <a:prstGeom prst="rect">
+              <a:avLst/>
+            </a:prstGeom>
+            <a:ln>
+              <a:solidFill>
+                <a:schemeClr val="tx1"/>
+              </a:solidFill>
+            </a:ln>
+          </p:spPr>
+        </p:pic>
+        <p:sp>
+          <p:nvSpPr>
+            <p:cNvPr id="6" name="Rectangle: Rounded Corners 5">
+              <a:extLst>
+                <a:ext uri="{FF2B5EF4-FFF2-40B4-BE49-F238E27FC236}">
+                  <a16:creationId xmlns:a16="http://schemas.microsoft.com/office/drawing/2014/main" id="{C3801F05-C94C-FF05-5FC4-586C0A50273F}"/>
+                </a:ext>
+              </a:extLst>
+            </p:cNvPr>
+            <p:cNvSpPr/>
+            <p:nvPr/>
+          </p:nvSpPr>
+          <p:spPr>
+            <a:xfrm>
+              <a:off x="458954" y="619125"/>
+              <a:ext cx="457200" cy="209550"/>
+            </a:xfrm>
+            <a:prstGeom prst="roundRect">
+              <a:avLst>
+                <a:gd name="adj" fmla="val 9370"/>
+              </a:avLst>
+            </a:prstGeom>
+            <a:noFill/>
+            <a:ln w="38100">
+              <a:solidFill>
+                <a:srgbClr val="FFC000"/>
+              </a:solidFill>
+            </a:ln>
+          </p:spPr>
+          <p:style>
+            <a:lnRef idx="2">
+              <a:schemeClr val="accent1">
+                <a:shade val="15000"/>
+              </a:schemeClr>
+            </a:lnRef>
+            <a:fillRef idx="1">
+              <a:schemeClr val="accent1"/>
+            </a:fillRef>
+            <a:effectRef idx="0">
+              <a:schemeClr val="accent1"/>
+            </a:effectRef>
+            <a:fontRef idx="minor">
+              <a:schemeClr val="lt1"/>
+            </a:fontRef>
+          </p:style>
+          <p:txBody>
+            <a:bodyPr rtlCol="0" anchor="ctr"/>
+            <a:lstStyle/>
+            <a:p>
+              <a:pPr algn="ctr"/>
+              <a:endParaRPr lang="en-US" dirty="0"/>
+            </a:p>
+          </p:txBody>
+        </p:sp>
+        <p:sp>
+          <p:nvSpPr>
+            <p:cNvPr id="7" name="Rectangle: Rounded Corners 6">
+              <a:extLst>
+                <a:ext uri="{FF2B5EF4-FFF2-40B4-BE49-F238E27FC236}">
+                  <a16:creationId xmlns:a16="http://schemas.microsoft.com/office/drawing/2014/main" id="{34E2AD7A-7ED8-B16E-8AA5-F5F080A87EFB}"/>
+                </a:ext>
+              </a:extLst>
+            </p:cNvPr>
+            <p:cNvSpPr/>
+            <p:nvPr/>
+          </p:nvSpPr>
+          <p:spPr>
+            <a:xfrm>
+              <a:off x="9498179" y="838200"/>
+              <a:ext cx="141121" cy="219456"/>
+            </a:xfrm>
+            <a:prstGeom prst="roundRect">
+              <a:avLst>
+                <a:gd name="adj" fmla="val 9370"/>
+              </a:avLst>
+            </a:prstGeom>
+            <a:noFill/>
+            <a:ln w="38100">
+              <a:solidFill>
+                <a:srgbClr val="FFC000"/>
+              </a:solidFill>
+            </a:ln>
+          </p:spPr>
+          <p:style>
+            <a:lnRef idx="2">
+              <a:schemeClr val="accent1">
+                <a:shade val="15000"/>
+              </a:schemeClr>
+            </a:lnRef>
+            <a:fillRef idx="1">
+              <a:schemeClr val="accent1"/>
+            </a:fillRef>
+            <a:effectRef idx="0">
+              <a:schemeClr val="accent1"/>
+            </a:effectRef>
+            <a:fontRef idx="minor">
+              <a:schemeClr val="lt1"/>
+            </a:fontRef>
+          </p:style>
+          <p:txBody>
+            <a:bodyPr rtlCol="0" anchor="ctr"/>
+            <a:lstStyle/>
+            <a:p>
+              <a:pPr algn="ctr"/>
+              <a:endParaRPr lang="en-US" dirty="0"/>
+            </a:p>
+          </p:txBody>
+        </p:sp>
+        <p:sp>
+          <p:nvSpPr>
+            <p:cNvPr id="8" name="Rectangle: Rounded Corners 7">
+              <a:extLst>
+                <a:ext uri="{FF2B5EF4-FFF2-40B4-BE49-F238E27FC236}">
+                  <a16:creationId xmlns:a16="http://schemas.microsoft.com/office/drawing/2014/main" id="{19791F71-D3B7-15C7-D363-6E0A4149A220}"/>
+                </a:ext>
+              </a:extLst>
+            </p:cNvPr>
+            <p:cNvSpPr/>
+            <p:nvPr/>
+          </p:nvSpPr>
+          <p:spPr>
+            <a:xfrm>
+              <a:off x="8717129" y="1219199"/>
+              <a:ext cx="1407946" cy="200025"/>
+            </a:xfrm>
+            <a:prstGeom prst="roundRect">
+              <a:avLst>
+                <a:gd name="adj" fmla="val 9370"/>
+              </a:avLst>
+            </a:prstGeom>
+            <a:noFill/>
+            <a:ln w="38100">
+              <a:solidFill>
+                <a:srgbClr val="FFC000"/>
+              </a:solidFill>
+            </a:ln>
+          </p:spPr>
+          <p:style>
+            <a:lnRef idx="2">
+              <a:schemeClr val="accent1">
+                <a:shade val="15000"/>
+              </a:schemeClr>
+            </a:lnRef>
+            <a:fillRef idx="1">
+              <a:schemeClr val="accent1"/>
+            </a:fillRef>
+            <a:effectRef idx="0">
+              <a:schemeClr val="accent1"/>
+            </a:effectRef>
+            <a:fontRef idx="minor">
+              <a:schemeClr val="lt1"/>
+            </a:fontRef>
+          </p:style>
+          <p:txBody>
+            <a:bodyPr rtlCol="0" anchor="ctr"/>
+            <a:lstStyle/>
+            <a:p>
+              <a:pPr algn="ctr"/>
+              <a:endParaRPr lang="en-US" dirty="0"/>
+            </a:p>
+          </p:txBody>
+        </p:sp>
+      </p:grpSp>
+      <p:grpSp>
+        <p:nvGrpSpPr>
+          <p:cNvPr id="16" name="Group 15">
+            <a:extLst>
+              <a:ext uri="{FF2B5EF4-FFF2-40B4-BE49-F238E27FC236}">
+                <a16:creationId xmlns:a16="http://schemas.microsoft.com/office/drawing/2014/main" id="{4104231E-3C92-F663-D923-A55459D4D2F2}"/>
+              </a:ext>
+            </a:extLst>
+          </p:cNvPr>
+          <p:cNvGrpSpPr/>
+          <p:nvPr/>
+        </p:nvGrpSpPr>
+        <p:grpSpPr>
+          <a:xfrm>
+            <a:off x="3938962" y="1723597"/>
+            <a:ext cx="5482140" cy="5029200"/>
+            <a:chOff x="3518393" y="1723597"/>
+            <a:chExt cx="5482140" cy="5029200"/>
+          </a:xfrm>
+        </p:grpSpPr>
+        <p:pic>
+          <p:nvPicPr>
+            <p:cNvPr id="5" name="Picture 4">
+              <a:extLst>
+                <a:ext uri="{FF2B5EF4-FFF2-40B4-BE49-F238E27FC236}">
+                  <a16:creationId xmlns:a16="http://schemas.microsoft.com/office/drawing/2014/main" id="{2902C320-384A-B534-A4B3-3D1633FBD967}"/>
+                </a:ext>
+              </a:extLst>
+            </p:cNvPr>
+            <p:cNvPicPr>
+              <a:picLocks noChangeAspect="1"/>
+            </p:cNvPicPr>
+            <p:nvPr/>
+          </p:nvPicPr>
+          <p:blipFill>
+            <a:blip r:embed="rId4"/>
+            <a:stretch>
+              <a:fillRect/>
+            </a:stretch>
+          </p:blipFill>
+          <p:spPr>
+            <a:xfrm>
+              <a:off x="3518393" y="1723597"/>
+              <a:ext cx="5482140" cy="5029200"/>
+            </a:xfrm>
+            <a:prstGeom prst="rect">
+              <a:avLst/>
+            </a:prstGeom>
+          </p:spPr>
+        </p:pic>
+        <p:sp>
+          <p:nvSpPr>
+            <p:cNvPr id="9" name="Rectangle: Rounded Corners 8">
+              <a:extLst>
+                <a:ext uri="{FF2B5EF4-FFF2-40B4-BE49-F238E27FC236}">
+                  <a16:creationId xmlns:a16="http://schemas.microsoft.com/office/drawing/2014/main" id="{647AF3CE-854A-2EF8-1F03-511CE60A1B20}"/>
+                </a:ext>
+              </a:extLst>
+            </p:cNvPr>
+            <p:cNvSpPr/>
+            <p:nvPr/>
+          </p:nvSpPr>
+          <p:spPr>
+            <a:xfrm>
+              <a:off x="3745079" y="2514599"/>
+              <a:ext cx="1827046" cy="200026"/>
+            </a:xfrm>
+            <a:prstGeom prst="roundRect">
+              <a:avLst>
+                <a:gd name="adj" fmla="val 9370"/>
+              </a:avLst>
+            </a:prstGeom>
+            <a:noFill/>
+            <a:ln w="38100">
+              <a:solidFill>
+                <a:srgbClr val="FFC000"/>
+              </a:solidFill>
+            </a:ln>
+          </p:spPr>
+          <p:style>
+            <a:lnRef idx="2">
+              <a:schemeClr val="accent1">
+                <a:shade val="15000"/>
+              </a:schemeClr>
+            </a:lnRef>
+            <a:fillRef idx="1">
+              <a:schemeClr val="accent1"/>
+            </a:fillRef>
+            <a:effectRef idx="0">
+              <a:schemeClr val="accent1"/>
+            </a:effectRef>
+            <a:fontRef idx="minor">
+              <a:schemeClr val="lt1"/>
+            </a:fontRef>
+          </p:style>
+          <p:txBody>
+            <a:bodyPr rtlCol="0" anchor="ctr"/>
+            <a:lstStyle/>
+            <a:p>
+              <a:pPr algn="ctr"/>
+              <a:endParaRPr lang="en-US" dirty="0"/>
+            </a:p>
+          </p:txBody>
+        </p:sp>
+        <p:sp>
+          <p:nvSpPr>
+            <p:cNvPr id="10" name="Rectangle: Rounded Corners 9">
+              <a:extLst>
+                <a:ext uri="{FF2B5EF4-FFF2-40B4-BE49-F238E27FC236}">
+                  <a16:creationId xmlns:a16="http://schemas.microsoft.com/office/drawing/2014/main" id="{58E940A4-7B2B-B22C-2661-40CFC25DF4A9}"/>
+                </a:ext>
+              </a:extLst>
+            </p:cNvPr>
+            <p:cNvSpPr/>
+            <p:nvPr/>
+          </p:nvSpPr>
+          <p:spPr>
+            <a:xfrm>
+              <a:off x="3745079" y="3966734"/>
+              <a:ext cx="1827046" cy="200026"/>
+            </a:xfrm>
+            <a:prstGeom prst="roundRect">
+              <a:avLst>
+                <a:gd name="adj" fmla="val 9370"/>
+              </a:avLst>
+            </a:prstGeom>
+            <a:noFill/>
+            <a:ln w="38100">
+              <a:solidFill>
+                <a:srgbClr val="FFC000"/>
+              </a:solidFill>
+            </a:ln>
+          </p:spPr>
+          <p:style>
+            <a:lnRef idx="2">
+              <a:schemeClr val="accent1">
+                <a:shade val="15000"/>
+              </a:schemeClr>
+            </a:lnRef>
+            <a:fillRef idx="1">
+              <a:schemeClr val="accent1"/>
+            </a:fillRef>
+            <a:effectRef idx="0">
+              <a:schemeClr val="accent1"/>
+            </a:effectRef>
+            <a:fontRef idx="minor">
+              <a:schemeClr val="lt1"/>
+            </a:fontRef>
+          </p:style>
+          <p:txBody>
+            <a:bodyPr rtlCol="0" anchor="ctr"/>
+            <a:lstStyle/>
+            <a:p>
+              <a:pPr algn="ctr"/>
+              <a:endParaRPr lang="en-US" dirty="0"/>
+            </a:p>
+          </p:txBody>
+        </p:sp>
+        <p:sp>
+          <p:nvSpPr>
+            <p:cNvPr id="11" name="Rectangle: Rounded Corners 10">
+              <a:extLst>
+                <a:ext uri="{FF2B5EF4-FFF2-40B4-BE49-F238E27FC236}">
+                  <a16:creationId xmlns:a16="http://schemas.microsoft.com/office/drawing/2014/main" id="{67D3E15F-CB1F-F3B0-32AC-A786BC0B3677}"/>
+                </a:ext>
+              </a:extLst>
+            </p:cNvPr>
+            <p:cNvSpPr/>
+            <p:nvPr/>
+          </p:nvSpPr>
+          <p:spPr>
+            <a:xfrm>
+              <a:off x="3745079" y="5509357"/>
+              <a:ext cx="2531896" cy="200026"/>
+            </a:xfrm>
+            <a:prstGeom prst="roundRect">
+              <a:avLst>
+                <a:gd name="adj" fmla="val 9370"/>
+              </a:avLst>
+            </a:prstGeom>
+            <a:noFill/>
+            <a:ln w="38100">
+              <a:solidFill>
+                <a:srgbClr val="FFC000"/>
+              </a:solidFill>
+            </a:ln>
+          </p:spPr>
+          <p:style>
+            <a:lnRef idx="2">
+              <a:schemeClr val="accent1">
+                <a:shade val="15000"/>
+              </a:schemeClr>
+            </a:lnRef>
+            <a:fillRef idx="1">
+              <a:schemeClr val="accent1"/>
+            </a:fillRef>
+            <a:effectRef idx="0">
+              <a:schemeClr val="accent1"/>
+            </a:effectRef>
+            <a:fontRef idx="minor">
+              <a:schemeClr val="lt1"/>
+            </a:fontRef>
+          </p:style>
+          <p:txBody>
+            <a:bodyPr rtlCol="0" anchor="ctr"/>
+            <a:lstStyle/>
+            <a:p>
+              <a:pPr algn="ctr"/>
+              <a:endParaRPr lang="en-US" dirty="0"/>
+            </a:p>
+          </p:txBody>
+        </p:sp>
+        <p:sp>
+          <p:nvSpPr>
+            <p:cNvPr id="14" name="Rectangle: Rounded Corners 13">
+              <a:extLst>
+                <a:ext uri="{FF2B5EF4-FFF2-40B4-BE49-F238E27FC236}">
+                  <a16:creationId xmlns:a16="http://schemas.microsoft.com/office/drawing/2014/main" id="{BD1F4121-60A6-C47B-A263-EF6CFB2C057F}"/>
+                </a:ext>
+              </a:extLst>
+            </p:cNvPr>
+            <p:cNvSpPr/>
+            <p:nvPr/>
+          </p:nvSpPr>
+          <p:spPr>
+            <a:xfrm>
+              <a:off x="3745079" y="2791253"/>
+              <a:ext cx="569746" cy="1009222"/>
+            </a:xfrm>
+            <a:prstGeom prst="roundRect">
+              <a:avLst>
+                <a:gd name="adj" fmla="val 9370"/>
+              </a:avLst>
+            </a:prstGeom>
+            <a:noFill/>
+            <a:ln w="38100">
+              <a:solidFill>
+                <a:srgbClr val="FFC000"/>
+              </a:solidFill>
+            </a:ln>
+          </p:spPr>
+          <p:style>
+            <a:lnRef idx="2">
+              <a:schemeClr val="accent1">
+                <a:shade val="15000"/>
+              </a:schemeClr>
+            </a:lnRef>
+            <a:fillRef idx="1">
+              <a:schemeClr val="accent1"/>
+            </a:fillRef>
+            <a:effectRef idx="0">
+              <a:schemeClr val="accent1"/>
+            </a:effectRef>
+            <a:fontRef idx="minor">
+              <a:schemeClr val="lt1"/>
+            </a:fontRef>
+          </p:style>
+          <p:txBody>
+            <a:bodyPr rtlCol="0" anchor="ctr"/>
+            <a:lstStyle/>
+            <a:p>
+              <a:pPr algn="ctr"/>
+              <a:endParaRPr lang="en-US" dirty="0"/>
+            </a:p>
+          </p:txBody>
+        </p:sp>
+        <p:sp>
+          <p:nvSpPr>
+            <p:cNvPr id="15" name="Rectangle: Rounded Corners 14">
+              <a:extLst>
+                <a:ext uri="{FF2B5EF4-FFF2-40B4-BE49-F238E27FC236}">
+                  <a16:creationId xmlns:a16="http://schemas.microsoft.com/office/drawing/2014/main" id="{0B33147E-0031-AA1C-2E45-424BFF926943}"/>
+                </a:ext>
+              </a:extLst>
+            </p:cNvPr>
+            <p:cNvSpPr/>
+            <p:nvPr/>
+          </p:nvSpPr>
+          <p:spPr>
+            <a:xfrm>
+              <a:off x="3745079" y="4247722"/>
+              <a:ext cx="569746" cy="995363"/>
+            </a:xfrm>
+            <a:prstGeom prst="roundRect">
+              <a:avLst>
+                <a:gd name="adj" fmla="val 9370"/>
+              </a:avLst>
+            </a:prstGeom>
+            <a:noFill/>
+            <a:ln w="38100">
+              <a:solidFill>
+                <a:srgbClr val="FFC000"/>
+              </a:solidFill>
+            </a:ln>
+          </p:spPr>
+          <p:style>
+            <a:lnRef idx="2">
+              <a:schemeClr val="accent1">
+                <a:shade val="15000"/>
+              </a:schemeClr>
+            </a:lnRef>
+            <a:fillRef idx="1">
+              <a:schemeClr val="accent1"/>
+            </a:fillRef>
+            <a:effectRef idx="0">
+              <a:schemeClr val="accent1"/>
+            </a:effectRef>
+            <a:fontRef idx="minor">
+              <a:schemeClr val="lt1"/>
+            </a:fontRef>
+          </p:style>
+          <p:txBody>
+            <a:bodyPr rtlCol="0" anchor="ctr"/>
+            <a:lstStyle/>
+            <a:p>
+              <a:pPr algn="ctr"/>
+              <a:endParaRPr lang="en-US" dirty="0"/>
+            </a:p>
+          </p:txBody>
+        </p:sp>
+      </p:grpSp>
+    </p:spTree>
+    <p:extLst>
+      <p:ext uri="{BB962C8B-B14F-4D97-AF65-F5344CB8AC3E}">
+        <p14:creationId xmlns:p14="http://schemas.microsoft.com/office/powerpoint/2010/main" val="2915653110"/>
+      </p:ext>
+    </p:extLst>
+  </p:cSld>
+  <p:clrMapOvr>
+    <a:masterClrMapping/>
+  </p:clrMapOvr>
+</p:sld>
+</file>
+
+<file path=ppt/slides/slide16.xml><?xml version="1.0" encoding="utf-8"?>
+<p:sld xmlns:a="http://schemas.openxmlformats.org/drawingml/2006/main" xmlns:r="http://schemas.openxmlformats.org/officeDocument/2006/relationships" xmlns:p="http://schemas.openxmlformats.org/presentationml/2006/main">
+  <p:cSld>
+    <p:spTree>
+      <p:nvGrpSpPr>
+        <p:cNvPr id="1" name="">
+          <a:extLst>
+            <a:ext uri="{FF2B5EF4-FFF2-40B4-BE49-F238E27FC236}">
+              <a16:creationId xmlns:a16="http://schemas.microsoft.com/office/drawing/2014/main" id="{D666EE5D-8845-DB2C-4BA2-4E922A626E41}"/>
+            </a:ext>
+          </a:extLst>
+        </p:cNvPr>
+        <p:cNvGrpSpPr/>
+        <p:nvPr/>
+      </p:nvGrpSpPr>
+      <p:grpSpPr>
+        <a:xfrm>
+          <a:off x="0" y="0"/>
+          <a:ext cx="0" cy="0"/>
+          <a:chOff x="0" y="0"/>
+          <a:chExt cx="0" cy="0"/>
+        </a:xfrm>
+      </p:grpSpPr>
+      <p:graphicFrame>
+        <p:nvGraphicFramePr>
+          <p:cNvPr id="2" name="Diagram 1">
+            <a:extLst>
+              <a:ext uri="{FF2B5EF4-FFF2-40B4-BE49-F238E27FC236}">
+                <a16:creationId xmlns:a16="http://schemas.microsoft.com/office/drawing/2014/main" id="{01C9A6A8-545E-D34B-71D6-B9CBFDB0CB37}"/>
+              </a:ext>
+            </a:extLst>
+          </p:cNvPr>
+          <p:cNvGraphicFramePr/>
+          <p:nvPr>
+            <p:extLst>
+              <p:ext uri="{D42A27DB-BD31-4B8C-83A1-F6EECF244321}">
+                <p14:modId xmlns:p14="http://schemas.microsoft.com/office/powerpoint/2010/main" val="1638892127"/>
+              </p:ext>
+            </p:extLst>
+          </p:nvPr>
+        </p:nvGraphicFramePr>
+        <p:xfrm>
+          <a:off x="-488949" y="558915"/>
+          <a:ext cx="8128000" cy="4023598"/>
+        </p:xfrm>
+        <a:graphic>
+          <a:graphicData uri="http://schemas.openxmlformats.org/drawingml/2006/diagram">
+            <dgm:relIds xmlns:dgm="http://schemas.openxmlformats.org/drawingml/2006/diagram" xmlns:r="http://schemas.openxmlformats.org/officeDocument/2006/relationships" r:dm="rId3" r:lo="rId4" r:qs="rId5" r:cs="rId6"/>
+          </a:graphicData>
+        </a:graphic>
+      </p:graphicFrame>
+      <p:sp>
+        <p:nvSpPr>
+          <p:cNvPr id="4" name="Callout: Line with Accent Bar 3">
+            <a:extLst>
+              <a:ext uri="{FF2B5EF4-FFF2-40B4-BE49-F238E27FC236}">
+                <a16:creationId xmlns:a16="http://schemas.microsoft.com/office/drawing/2014/main" id="{F3A344F9-D169-40CC-6F27-D2949CDCBCD1}"/>
+              </a:ext>
+            </a:extLst>
+          </p:cNvPr>
+          <p:cNvSpPr/>
+          <p:nvPr/>
+        </p:nvSpPr>
+        <p:spPr>
+          <a:xfrm>
+            <a:off x="7010401" y="139813"/>
+            <a:ext cx="4238624" cy="1346087"/>
+          </a:xfrm>
+          <a:prstGeom prst="accentCallout1">
+            <a:avLst>
+              <a:gd name="adj1" fmla="val 46850"/>
+              <a:gd name="adj2" fmla="val -291"/>
+              <a:gd name="adj3" fmla="val 113352"/>
+              <a:gd name="adj4" fmla="val -80455"/>
+            </a:avLst>
+          </a:prstGeom>
+          <a:noFill/>
+        </p:spPr>
+        <p:style>
+          <a:lnRef idx="2">
+            <a:schemeClr val="accent1">
+              <a:shade val="15000"/>
+            </a:schemeClr>
+          </a:lnRef>
+          <a:fillRef idx="1">
+            <a:schemeClr val="accent1"/>
+          </a:fillRef>
+          <a:effectRef idx="0">
+            <a:schemeClr val="accent1"/>
+          </a:effectRef>
+          <a:fontRef idx="minor">
+            <a:schemeClr val="lt1"/>
+          </a:fontRef>
+        </p:style>
+        <p:txBody>
+          <a:bodyPr rtlCol="0" anchor="ctr"/>
+          <a:lstStyle/>
+          <a:p>
+            <a:pPr marL="285750" indent="-285750">
+              <a:buFont typeface="Arial" panose="020B0604020202020204" pitchFamily="34" charset="0"/>
+              <a:buChar char="•"/>
+            </a:pPr>
+            <a:r>
+              <a:rPr lang="en-US" dirty="0">
+                <a:solidFill>
+                  <a:schemeClr val="tx1"/>
+                </a:solidFill>
+              </a:rPr>
+              <a:t>IDs 1457-2000</a:t>
+            </a:r>
+          </a:p>
+          <a:p>
+            <a:pPr marL="285750" indent="-285750">
+              <a:buFont typeface="Arial" panose="020B0604020202020204" pitchFamily="34" charset="0"/>
+              <a:buChar char="•"/>
+            </a:pPr>
+            <a:r>
+              <a:rPr lang="en-US" dirty="0">
+                <a:solidFill>
+                  <a:schemeClr val="tx1"/>
+                </a:solidFill>
+              </a:rPr>
+              <a:t>Just demographics </a:t>
+            </a:r>
+            <a:br>
+              <a:rPr lang="en-US" dirty="0">
+                <a:solidFill>
+                  <a:schemeClr val="tx1"/>
+                </a:solidFill>
+              </a:rPr>
+            </a:br>
+            <a:r>
+              <a:rPr lang="en-US" dirty="0">
+                <a:solidFill>
+                  <a:schemeClr val="tx1"/>
+                </a:solidFill>
+              </a:rPr>
+              <a:t>(n=171 of 544)</a:t>
+            </a:r>
+          </a:p>
+          <a:p>
+            <a:pPr marL="285750" indent="-285750">
+              <a:buFont typeface="Arial" panose="020B0604020202020204" pitchFamily="34" charset="0"/>
+              <a:buChar char="•"/>
+            </a:pPr>
+            <a:r>
+              <a:rPr lang="en-US" dirty="0">
+                <a:solidFill>
+                  <a:schemeClr val="tx1"/>
+                </a:solidFill>
+              </a:rPr>
+              <a:t>Both demographics AND outcomes </a:t>
+            </a:r>
+            <a:br>
+              <a:rPr lang="en-US" dirty="0">
+                <a:solidFill>
+                  <a:schemeClr val="tx1"/>
+                </a:solidFill>
+              </a:rPr>
+            </a:br>
+            <a:r>
+              <a:rPr lang="en-US" dirty="0">
+                <a:solidFill>
+                  <a:schemeClr val="tx1"/>
+                </a:solidFill>
+              </a:rPr>
+              <a:t>(n=373 of 544)</a:t>
+            </a:r>
+          </a:p>
+        </p:txBody>
+      </p:sp>
+      <p:graphicFrame>
+        <p:nvGraphicFramePr>
+          <p:cNvPr id="3" name="Table 2">
+            <a:extLst>
+              <a:ext uri="{FF2B5EF4-FFF2-40B4-BE49-F238E27FC236}">
+                <a16:creationId xmlns:a16="http://schemas.microsoft.com/office/drawing/2014/main" id="{C4D71FFA-0AA5-0A9C-FEC2-4F6E6D9471F5}"/>
+              </a:ext>
+            </a:extLst>
+          </p:cNvPr>
+          <p:cNvGraphicFramePr>
+            <a:graphicFrameLocks noGrp="1"/>
+          </p:cNvGraphicFramePr>
+          <p:nvPr>
+            <p:extLst>
+              <p:ext uri="{D42A27DB-BD31-4B8C-83A1-F6EECF244321}">
+                <p14:modId xmlns:p14="http://schemas.microsoft.com/office/powerpoint/2010/main" val="2816351327"/>
+              </p:ext>
+            </p:extLst>
+          </p:nvPr>
+        </p:nvGraphicFramePr>
+        <p:xfrm>
+          <a:off x="1228725" y="4658713"/>
+          <a:ext cx="9734551" cy="2199287"/>
+        </p:xfrm>
+        <a:graphic>
+          <a:graphicData uri="http://schemas.openxmlformats.org/drawingml/2006/table">
+            <a:tbl>
+              <a:tblPr firstRow="1" bandRow="1">
+                <a:tableStyleId>{5C22544A-7EE6-4342-B048-85BDC9FD1C3A}</a:tableStyleId>
+              </a:tblPr>
+              <a:tblGrid>
+                <a:gridCol w="1428750">
+                  <a:extLst>
+                    <a:ext uri="{9D8B030D-6E8A-4147-A177-3AD203B41FA5}">
+                      <a16:colId xmlns:a16="http://schemas.microsoft.com/office/drawing/2014/main" val="879932900"/>
+                    </a:ext>
+                  </a:extLst>
+                </a:gridCol>
+                <a:gridCol w="1857375">
+                  <a:extLst>
+                    <a:ext uri="{9D8B030D-6E8A-4147-A177-3AD203B41FA5}">
+                      <a16:colId xmlns:a16="http://schemas.microsoft.com/office/drawing/2014/main" val="576370345"/>
+                    </a:ext>
+                  </a:extLst>
+                </a:gridCol>
+                <a:gridCol w="3543300">
+                  <a:extLst>
+                    <a:ext uri="{9D8B030D-6E8A-4147-A177-3AD203B41FA5}">
+                      <a16:colId xmlns:a16="http://schemas.microsoft.com/office/drawing/2014/main" val="277891917"/>
+                    </a:ext>
+                  </a:extLst>
+                </a:gridCol>
+                <a:gridCol w="2905126">
+                  <a:extLst>
+                    <a:ext uri="{9D8B030D-6E8A-4147-A177-3AD203B41FA5}">
+                      <a16:colId xmlns:a16="http://schemas.microsoft.com/office/drawing/2014/main" val="2006890201"/>
+                    </a:ext>
+                  </a:extLst>
+                </a:gridCol>
+              </a:tblGrid>
+              <a:tr h="266923">
+                <a:tc>
+                  <a:txBody>
+                    <a:bodyPr/>
+                    <a:lstStyle/>
+                    <a:p>
+                      <a:endParaRPr lang="en-US" sz="1400" dirty="0"/>
+                    </a:p>
+                  </a:txBody>
+                  <a:tcPr/>
+                </a:tc>
+                <a:tc>
+                  <a:txBody>
+                    <a:bodyPr/>
+                    <a:lstStyle/>
+                    <a:p>
+                      <a:endParaRPr lang="en-US" sz="1400" dirty="0"/>
+                    </a:p>
+                  </a:txBody>
+                  <a:tcPr/>
+                </a:tc>
+                <a:tc>
+                  <a:txBody>
+                    <a:bodyPr/>
+                    <a:lstStyle/>
+                    <a:p>
+                      <a:r>
+                        <a:rPr lang="en-US" sz="1400" dirty="0"/>
+                        <a:t>Data set A</a:t>
+                      </a:r>
+                    </a:p>
+                  </a:txBody>
+                  <a:tcPr/>
+                </a:tc>
+                <a:tc>
+                  <a:txBody>
+                    <a:bodyPr/>
+                    <a:lstStyle/>
+                    <a:p>
+                      <a:r>
+                        <a:rPr lang="en-US" sz="1400" dirty="0"/>
+                        <a:t>Data set B</a:t>
+                      </a:r>
+                    </a:p>
+                  </a:txBody>
+                  <a:tcPr/>
+                </a:tc>
+                <a:extLst>
+                  <a:ext uri="{0D108BD9-81ED-4DB2-BD59-A6C34878D82A}">
+                    <a16:rowId xmlns:a16="http://schemas.microsoft.com/office/drawing/2014/main" val="4256362135"/>
+                  </a:ext>
+                </a:extLst>
+              </a:tr>
+              <a:tr h="320957">
+                <a:tc>
+                  <a:txBody>
+                    <a:bodyPr/>
+                    <a:lstStyle/>
+                    <a:p>
+                      <a:r>
+                        <a:rPr lang="en-US" sz="1400" dirty="0"/>
+                        <a:t>IDs 1000-1456</a:t>
+                      </a:r>
+                    </a:p>
+                  </a:txBody>
+                  <a:tcPr/>
+                </a:tc>
+                <a:tc>
+                  <a:txBody>
+                    <a:bodyPr/>
+                    <a:lstStyle/>
+                    <a:p>
+                      <a:r>
+                        <a:rPr lang="en-US" sz="1400" dirty="0"/>
+                        <a:t>(457 possible rows)</a:t>
+                      </a:r>
+                    </a:p>
+                  </a:txBody>
+                  <a:tcPr/>
+                </a:tc>
+                <a:tc>
+                  <a:txBody>
+                    <a:bodyPr/>
+                    <a:lstStyle/>
+                    <a:p>
+                      <a:pPr marL="285750" indent="-285750">
+                        <a:buFont typeface="Arial" panose="020B0604020202020204" pitchFamily="34" charset="0"/>
+                        <a:buChar char="•"/>
+                      </a:pPr>
+                      <a:r>
+                        <a:rPr lang="en-US" sz="1400" dirty="0"/>
+                        <a:t>457 rows* with only Demographics </a:t>
+                      </a:r>
+                    </a:p>
+                  </a:txBody>
+                  <a:tcPr/>
+                </a:tc>
+                <a:tc>
+                  <a:txBody>
+                    <a:bodyPr/>
+                    <a:lstStyle/>
+                    <a:p>
+                      <a:endParaRPr lang="en-US" sz="1400"/>
+                    </a:p>
+                  </a:txBody>
+                  <a:tcPr/>
+                </a:tc>
+                <a:extLst>
+                  <a:ext uri="{0D108BD9-81ED-4DB2-BD59-A6C34878D82A}">
+                    <a16:rowId xmlns:a16="http://schemas.microsoft.com/office/drawing/2014/main" val="1049530273"/>
+                  </a:ext>
+                </a:extLst>
+              </a:tr>
+              <a:tr h="714375">
+                <a:tc>
+                  <a:txBody>
+                    <a:bodyPr/>
+                    <a:lstStyle/>
+                    <a:p>
+                      <a:r>
+                        <a:rPr lang="en-US" sz="1400" dirty="0"/>
+                        <a:t>IDs 1457-2000</a:t>
+                      </a:r>
+                    </a:p>
+                  </a:txBody>
+                  <a:tcPr/>
+                </a:tc>
+                <a:tc>
+                  <a:txBody>
+                    <a:bodyPr/>
+                    <a:lstStyle/>
+                    <a:p>
+                      <a:r>
+                        <a:rPr lang="en-US" sz="1400" dirty="0"/>
+                        <a:t>(544 possible rows)</a:t>
+                      </a:r>
+                    </a:p>
+                  </a:txBody>
+                  <a:tcPr/>
+                </a:tc>
+                <a:tc>
+                  <a:txBody>
+                    <a:bodyPr/>
+                    <a:lstStyle/>
+                    <a:p>
+                      <a:pPr marL="285750" marR="0" lvl="0" indent="-285750" algn="l" defTabSz="914400" rtl="0" eaLnBrk="1" fontAlgn="auto" latinLnBrk="0" hangingPunct="1">
+                        <a:lnSpc>
+                          <a:spcPct val="100000"/>
+                        </a:lnSpc>
+                        <a:spcBef>
+                          <a:spcPts val="0"/>
+                        </a:spcBef>
+                        <a:spcAft>
+                          <a:spcPts val="0"/>
+                        </a:spcAft>
+                        <a:buClrTx/>
+                        <a:buSzTx/>
+                        <a:buFont typeface="Arial" panose="020B0604020202020204" pitchFamily="34" charset="0"/>
+                        <a:buChar char="•"/>
+                        <a:tabLst/>
+                        <a:defRPr/>
+                      </a:pPr>
+                      <a:r>
+                        <a:rPr lang="en-US" sz="1400" dirty="0"/>
+                        <a:t>171 rows* with only Demographics</a:t>
+                      </a:r>
+                    </a:p>
+                    <a:p>
+                      <a:pPr marL="285750" marR="0" lvl="0" indent="-285750" algn="l" defTabSz="914400" rtl="0" eaLnBrk="1" fontAlgn="auto" latinLnBrk="0" hangingPunct="1">
+                        <a:lnSpc>
+                          <a:spcPct val="100000"/>
+                        </a:lnSpc>
+                        <a:spcBef>
+                          <a:spcPts val="0"/>
+                        </a:spcBef>
+                        <a:spcAft>
+                          <a:spcPts val="0"/>
+                        </a:spcAft>
+                        <a:buClrTx/>
+                        <a:buSzTx/>
+                        <a:buFont typeface="Arial" panose="020B0604020202020204" pitchFamily="34" charset="0"/>
+                        <a:buChar char="•"/>
+                        <a:tabLst/>
+                        <a:defRPr/>
+                      </a:pPr>
+                      <a:r>
+                        <a:rPr lang="en-US" sz="1400" b="1" dirty="0"/>
+                        <a:t>373 rows with Demographics</a:t>
+                      </a:r>
+                      <a:endParaRPr lang="en-US" sz="1400" dirty="0"/>
+                    </a:p>
+                  </a:txBody>
+                  <a:tcPr/>
+                </a:tc>
+                <a:tc>
+                  <a:txBody>
+                    <a:bodyPr/>
+                    <a:lstStyle/>
+                    <a:p>
+                      <a:pPr marL="285750" marR="0" lvl="0" indent="-285750" algn="l" defTabSz="914400" rtl="0" eaLnBrk="1" fontAlgn="auto" latinLnBrk="0" hangingPunct="1">
+                        <a:lnSpc>
+                          <a:spcPct val="100000"/>
+                        </a:lnSpc>
+                        <a:spcBef>
+                          <a:spcPts val="0"/>
+                        </a:spcBef>
+                        <a:spcAft>
+                          <a:spcPts val="0"/>
+                        </a:spcAft>
+                        <a:buClrTx/>
+                        <a:buSzTx/>
+                        <a:buFont typeface="Arial" panose="020B0604020202020204" pitchFamily="34" charset="0"/>
+                        <a:buChar char="•"/>
+                        <a:tabLst/>
+                        <a:defRPr/>
+                      </a:pPr>
+                      <a:endParaRPr lang="en-US" sz="1400" dirty="0"/>
+                    </a:p>
+                    <a:p>
+                      <a:pPr marL="285750" marR="0" lvl="0" indent="-285750" algn="l" defTabSz="914400" rtl="0" eaLnBrk="1" fontAlgn="auto" latinLnBrk="0" hangingPunct="1">
+                        <a:lnSpc>
+                          <a:spcPct val="100000"/>
+                        </a:lnSpc>
+                        <a:spcBef>
+                          <a:spcPts val="0"/>
+                        </a:spcBef>
+                        <a:spcAft>
+                          <a:spcPts val="0"/>
+                        </a:spcAft>
+                        <a:buClrTx/>
+                        <a:buSzTx/>
+                        <a:buFont typeface="Arial" panose="020B0604020202020204" pitchFamily="34" charset="0"/>
+                        <a:buChar char="•"/>
+                        <a:tabLst/>
+                        <a:defRPr/>
+                      </a:pPr>
+                      <a:endParaRPr lang="en-US" sz="1400" dirty="0"/>
+                    </a:p>
+                    <a:p>
+                      <a:pPr marL="285750" marR="0" lvl="0" indent="-285750" algn="l" defTabSz="914400" rtl="0" eaLnBrk="1" fontAlgn="auto" latinLnBrk="0" hangingPunct="1">
+                        <a:lnSpc>
+                          <a:spcPct val="100000"/>
+                        </a:lnSpc>
+                        <a:spcBef>
+                          <a:spcPts val="0"/>
+                        </a:spcBef>
+                        <a:spcAft>
+                          <a:spcPts val="0"/>
+                        </a:spcAft>
+                        <a:buClrTx/>
+                        <a:buSzTx/>
+                        <a:buFont typeface="Arial" panose="020B0604020202020204" pitchFamily="34" charset="0"/>
+                        <a:buChar char="•"/>
+                        <a:tabLst/>
+                        <a:defRPr/>
+                      </a:pPr>
+                      <a:r>
+                        <a:rPr lang="en-US" sz="1400" b="1" dirty="0"/>
+                        <a:t>373 rows with Outcomes</a:t>
+                      </a:r>
+                    </a:p>
+                  </a:txBody>
+                  <a:tcPr/>
+                </a:tc>
+                <a:extLst>
+                  <a:ext uri="{0D108BD9-81ED-4DB2-BD59-A6C34878D82A}">
+                    <a16:rowId xmlns:a16="http://schemas.microsoft.com/office/drawing/2014/main" val="545711207"/>
+                  </a:ext>
+                </a:extLst>
+              </a:tr>
+              <a:tr h="323850">
+                <a:tc>
+                  <a:txBody>
+                    <a:bodyPr/>
+                    <a:lstStyle/>
+                    <a:p>
+                      <a:r>
+                        <a:rPr lang="en-US" sz="1400" dirty="0"/>
+                        <a:t>IDs 2001-2381</a:t>
+                      </a:r>
+                    </a:p>
+                  </a:txBody>
+                  <a:tcPr/>
+                </a:tc>
+                <a:tc>
+                  <a:txBody>
+                    <a:bodyPr/>
+                    <a:lstStyle/>
+                    <a:p>
+                      <a:r>
+                        <a:rPr lang="en-US" sz="1400" dirty="0"/>
+                        <a:t>(381 possible rows)</a:t>
+                      </a:r>
+                    </a:p>
+                  </a:txBody>
+                  <a:tcPr/>
+                </a:tc>
+                <a:tc>
+                  <a:txBody>
+                    <a:bodyPr/>
+                    <a:lstStyle/>
+                    <a:p>
+                      <a:endParaRPr lang="en-US" sz="1400"/>
+                    </a:p>
+                  </a:txBody>
+                  <a:tcPr/>
+                </a:tc>
+                <a:tc>
+                  <a:txBody>
+                    <a:bodyPr/>
+                    <a:lstStyle/>
+                    <a:p>
+                      <a:pPr marL="285750" indent="-285750">
+                        <a:buFont typeface="Arial" panose="020B0604020202020204" pitchFamily="34" charset="0"/>
+                        <a:buChar char="•"/>
+                      </a:pPr>
+                      <a:r>
+                        <a:rPr lang="en-US" sz="1400" dirty="0"/>
+                        <a:t>381 rows with only Outcomes</a:t>
+                      </a:r>
+                    </a:p>
+                  </a:txBody>
+                  <a:tcPr/>
+                </a:tc>
+                <a:extLst>
+                  <a:ext uri="{0D108BD9-81ED-4DB2-BD59-A6C34878D82A}">
+                    <a16:rowId xmlns:a16="http://schemas.microsoft.com/office/drawing/2014/main" val="496467543"/>
+                  </a:ext>
+                </a:extLst>
+              </a:tr>
+              <a:tr h="460716">
+                <a:tc>
+                  <a:txBody>
+                    <a:bodyPr/>
+                    <a:lstStyle/>
+                    <a:p>
+                      <a:endParaRPr lang="en-US" sz="1400" dirty="0"/>
+                    </a:p>
+                  </a:txBody>
+                  <a:tcPr/>
+                </a:tc>
+                <a:tc>
+                  <a:txBody>
+                    <a:bodyPr/>
+                    <a:lstStyle/>
+                    <a:p>
+                      <a:endParaRPr lang="en-US" sz="1400" dirty="0"/>
+                    </a:p>
+                  </a:txBody>
+                  <a:tcPr/>
+                </a:tc>
+                <a:tc>
+                  <a:txBody>
+                    <a:bodyPr/>
+                    <a:lstStyle/>
+                    <a:p>
+                      <a:r>
+                        <a:rPr lang="en-US" sz="1400" dirty="0"/>
+                        <a:t>1001 total</a:t>
+                      </a:r>
+                    </a:p>
+                    <a:p>
+                      <a:r>
+                        <a:rPr lang="en-US" sz="1400" dirty="0"/>
+                        <a:t>*reverse engineered</a:t>
+                      </a:r>
+                    </a:p>
+                  </a:txBody>
+                  <a:tcPr/>
+                </a:tc>
+                <a:tc>
+                  <a:txBody>
+                    <a:bodyPr/>
+                    <a:lstStyle/>
+                    <a:p>
+                      <a:r>
+                        <a:rPr lang="en-US" sz="1400" dirty="0"/>
+                        <a:t>754 total</a:t>
+                      </a:r>
+                    </a:p>
+                  </a:txBody>
+                  <a:tcPr/>
+                </a:tc>
+                <a:extLst>
+                  <a:ext uri="{0D108BD9-81ED-4DB2-BD59-A6C34878D82A}">
+                    <a16:rowId xmlns:a16="http://schemas.microsoft.com/office/drawing/2014/main" val="3738908315"/>
+                  </a:ext>
+                </a:extLst>
+              </a:tr>
+            </a:tbl>
+          </a:graphicData>
+        </a:graphic>
+      </p:graphicFrame>
+    </p:spTree>
+    <p:extLst>
+      <p:ext uri="{BB962C8B-B14F-4D97-AF65-F5344CB8AC3E}">
+        <p14:creationId xmlns:p14="http://schemas.microsoft.com/office/powerpoint/2010/main" val="136791776"/>
+      </p:ext>
+    </p:extLst>
+  </p:cSld>
+  <p:clrMapOvr>
+    <a:masterClrMapping/>
+  </p:clrMapOvr>
+</p:sld>
+</file>
+
+<file path=ppt/slides/slide17.xml><?xml version="1.0" encoding="utf-8"?>
+<p:sld xmlns:a="http://schemas.openxmlformats.org/drawingml/2006/main" xmlns:r="http://schemas.openxmlformats.org/officeDocument/2006/relationships" xmlns:p="http://schemas.openxmlformats.org/presentationml/2006/main">
+  <p:cSld>
+    <p:spTree>
+      <p:nvGrpSpPr>
+        <p:cNvPr id="1" name=""/>
+        <p:cNvGrpSpPr/>
+        <p:nvPr/>
+      </p:nvGrpSpPr>
+      <p:grpSpPr>
+        <a:xfrm>
+          <a:off x="0" y="0"/>
+          <a:ext cx="0" cy="0"/>
+          <a:chOff x="0" y="0"/>
+          <a:chExt cx="0" cy="0"/>
+        </a:xfrm>
+      </p:grpSpPr>
+      <p:grpSp>
+        <p:nvGrpSpPr>
+          <p:cNvPr id="9" name="Group 8">
+            <a:extLst>
+              <a:ext uri="{FF2B5EF4-FFF2-40B4-BE49-F238E27FC236}">
+                <a16:creationId xmlns:a16="http://schemas.microsoft.com/office/drawing/2014/main" id="{5711F3C8-CABD-907B-F762-838DA12FF4EC}"/>
+              </a:ext>
+            </a:extLst>
+          </p:cNvPr>
+          <p:cNvGrpSpPr/>
+          <p:nvPr/>
+        </p:nvGrpSpPr>
+        <p:grpSpPr>
+          <a:xfrm>
+            <a:off x="0" y="381000"/>
+            <a:ext cx="12192000" cy="6096000"/>
+            <a:chOff x="0" y="381000"/>
+            <a:chExt cx="12192000" cy="6096000"/>
+          </a:xfrm>
+        </p:grpSpPr>
+        <p:grpSp>
+          <p:nvGrpSpPr>
+            <p:cNvPr id="7" name="Group 6">
+              <a:extLst>
+                <a:ext uri="{FF2B5EF4-FFF2-40B4-BE49-F238E27FC236}">
+                  <a16:creationId xmlns:a16="http://schemas.microsoft.com/office/drawing/2014/main" id="{B16846A4-E37E-D684-33E9-7691E8EAAA5D}"/>
+                </a:ext>
+              </a:extLst>
+            </p:cNvPr>
+            <p:cNvGrpSpPr/>
+            <p:nvPr/>
+          </p:nvGrpSpPr>
+          <p:grpSpPr>
+            <a:xfrm>
+              <a:off x="0" y="381000"/>
+              <a:ext cx="12192000" cy="6096000"/>
+              <a:chOff x="0" y="381000"/>
+              <a:chExt cx="12192000" cy="6096000"/>
+            </a:xfrm>
+          </p:grpSpPr>
+          <p:pic>
+            <p:nvPicPr>
+              <p:cNvPr id="3" name="Picture 2">
+                <a:extLst>
+                  <a:ext uri="{FF2B5EF4-FFF2-40B4-BE49-F238E27FC236}">
+                    <a16:creationId xmlns:a16="http://schemas.microsoft.com/office/drawing/2014/main" id="{E1BAED5C-405D-A91F-7A9C-E01F798F2878}"/>
+                  </a:ext>
+                </a:extLst>
+              </p:cNvPr>
+              <p:cNvPicPr>
+                <a:picLocks noChangeAspect="1"/>
+              </p:cNvPicPr>
+              <p:nvPr/>
+            </p:nvPicPr>
+            <p:blipFill>
+              <a:blip r:embed="rId3"/>
+              <a:stretch>
+                <a:fillRect/>
+              </a:stretch>
+            </p:blipFill>
+            <p:spPr>
+              <a:xfrm>
+                <a:off x="0" y="381000"/>
+                <a:ext cx="12192000" cy="6096000"/>
+              </a:xfrm>
+              <a:prstGeom prst="rect">
+                <a:avLst/>
+              </a:prstGeom>
+              <a:ln>
+                <a:solidFill>
+                  <a:schemeClr val="tx1"/>
+                </a:solidFill>
+              </a:ln>
+            </p:spPr>
+          </p:pic>
+          <p:sp>
+            <p:nvSpPr>
+              <p:cNvPr id="4" name="Rectangle: Rounded Corners 3">
+                <a:extLst>
+                  <a:ext uri="{FF2B5EF4-FFF2-40B4-BE49-F238E27FC236}">
+                    <a16:creationId xmlns:a16="http://schemas.microsoft.com/office/drawing/2014/main" id="{2BF908C6-D1FE-9306-F4F9-A4FAEB88AFEC}"/>
+                  </a:ext>
+                </a:extLst>
+              </p:cNvPr>
+              <p:cNvSpPr/>
+              <p:nvPr/>
+            </p:nvSpPr>
+            <p:spPr>
+              <a:xfrm>
+                <a:off x="6774029" y="1914525"/>
+                <a:ext cx="141121" cy="182880"/>
+              </a:xfrm>
+              <a:prstGeom prst="roundRect">
+                <a:avLst>
+                  <a:gd name="adj" fmla="val 9370"/>
+                </a:avLst>
+              </a:prstGeom>
+              <a:noFill/>
+              <a:ln w="38100">
+                <a:solidFill>
+                  <a:srgbClr val="FFC000"/>
+                </a:solidFill>
+              </a:ln>
+            </p:spPr>
+            <p:style>
+              <a:lnRef idx="2">
+                <a:schemeClr val="accent1">
+                  <a:shade val="15000"/>
+                </a:schemeClr>
+              </a:lnRef>
+              <a:fillRef idx="1">
+                <a:schemeClr val="accent1"/>
+              </a:fillRef>
+              <a:effectRef idx="0">
+                <a:schemeClr val="accent1"/>
+              </a:effectRef>
+              <a:fontRef idx="minor">
+                <a:schemeClr val="lt1"/>
+              </a:fontRef>
+            </p:style>
+            <p:txBody>
+              <a:bodyPr rtlCol="0" anchor="ctr"/>
+              <a:lstStyle/>
+              <a:p>
+                <a:pPr algn="ctr"/>
+                <a:endParaRPr lang="en-US" dirty="0"/>
+              </a:p>
+            </p:txBody>
+          </p:sp>
+          <p:sp>
+            <p:nvSpPr>
+              <p:cNvPr id="5" name="Rectangle: Rounded Corners 4">
+                <a:extLst>
+                  <a:ext uri="{FF2B5EF4-FFF2-40B4-BE49-F238E27FC236}">
+                    <a16:creationId xmlns:a16="http://schemas.microsoft.com/office/drawing/2014/main" id="{6A854AFC-629A-6104-6678-4D885C742D79}"/>
+                  </a:ext>
+                </a:extLst>
+              </p:cNvPr>
+              <p:cNvSpPr/>
+              <p:nvPr/>
+            </p:nvSpPr>
+            <p:spPr>
+              <a:xfrm>
+                <a:off x="4364204" y="2886075"/>
+                <a:ext cx="1217446" cy="180975"/>
+              </a:xfrm>
+              <a:prstGeom prst="roundRect">
+                <a:avLst>
+                  <a:gd name="adj" fmla="val 9370"/>
+                </a:avLst>
+              </a:prstGeom>
+              <a:noFill/>
+              <a:ln w="38100">
+                <a:solidFill>
+                  <a:srgbClr val="FFC000"/>
+                </a:solidFill>
+              </a:ln>
+            </p:spPr>
+            <p:style>
+              <a:lnRef idx="2">
+                <a:schemeClr val="accent1">
+                  <a:shade val="15000"/>
+                </a:schemeClr>
+              </a:lnRef>
+              <a:fillRef idx="1">
+                <a:schemeClr val="accent1"/>
+              </a:fillRef>
+              <a:effectRef idx="0">
+                <a:schemeClr val="accent1"/>
+              </a:effectRef>
+              <a:fontRef idx="minor">
+                <a:schemeClr val="lt1"/>
+              </a:fontRef>
+            </p:style>
+            <p:txBody>
+              <a:bodyPr rtlCol="0" anchor="ctr"/>
+              <a:lstStyle/>
+              <a:p>
+                <a:pPr algn="ctr"/>
+                <a:endParaRPr lang="en-US" dirty="0"/>
+              </a:p>
+            </p:txBody>
+          </p:sp>
+          <p:sp>
+            <p:nvSpPr>
+              <p:cNvPr id="6" name="Rectangle: Rounded Corners 5">
+                <a:extLst>
+                  <a:ext uri="{FF2B5EF4-FFF2-40B4-BE49-F238E27FC236}">
+                    <a16:creationId xmlns:a16="http://schemas.microsoft.com/office/drawing/2014/main" id="{7DC7132A-053A-9892-77B0-0629102F9B9D}"/>
+                  </a:ext>
+                </a:extLst>
+              </p:cNvPr>
+              <p:cNvSpPr/>
+              <p:nvPr/>
+            </p:nvSpPr>
+            <p:spPr>
+              <a:xfrm>
+                <a:off x="5697704" y="3781425"/>
+                <a:ext cx="474496" cy="190500"/>
+              </a:xfrm>
+              <a:prstGeom prst="roundRect">
+                <a:avLst>
+                  <a:gd name="adj" fmla="val 9370"/>
+                </a:avLst>
+              </a:prstGeom>
+              <a:noFill/>
+              <a:ln w="38100">
+                <a:solidFill>
+                  <a:srgbClr val="FFC000"/>
+                </a:solidFill>
+              </a:ln>
+            </p:spPr>
+            <p:style>
+              <a:lnRef idx="2">
+                <a:schemeClr val="accent1">
+                  <a:shade val="15000"/>
+                </a:schemeClr>
+              </a:lnRef>
+              <a:fillRef idx="1">
+                <a:schemeClr val="accent1"/>
+              </a:fillRef>
+              <a:effectRef idx="0">
+                <a:schemeClr val="accent1"/>
+              </a:effectRef>
+              <a:fontRef idx="minor">
+                <a:schemeClr val="lt1"/>
+              </a:fontRef>
+            </p:style>
+            <p:txBody>
+              <a:bodyPr rtlCol="0" anchor="ctr"/>
+              <a:lstStyle/>
+              <a:p>
+                <a:pPr algn="ctr"/>
+                <a:endParaRPr lang="en-US" dirty="0"/>
+              </a:p>
+            </p:txBody>
+          </p:sp>
+        </p:grpSp>
+        <p:sp>
+          <p:nvSpPr>
+            <p:cNvPr id="8" name="Rectangle: Rounded Corners 7">
+              <a:extLst>
+                <a:ext uri="{FF2B5EF4-FFF2-40B4-BE49-F238E27FC236}">
+                  <a16:creationId xmlns:a16="http://schemas.microsoft.com/office/drawing/2014/main" id="{3031CE72-3050-B623-CF35-8467FE589386}"/>
+                </a:ext>
+              </a:extLst>
+            </p:cNvPr>
+            <p:cNvSpPr/>
+            <p:nvPr/>
+          </p:nvSpPr>
+          <p:spPr>
+            <a:xfrm>
+              <a:off x="4293643" y="3429000"/>
+              <a:ext cx="2364332" cy="190500"/>
+            </a:xfrm>
+            <a:prstGeom prst="roundRect">
+              <a:avLst>
+                <a:gd name="adj" fmla="val 9370"/>
+              </a:avLst>
+            </a:prstGeom>
+            <a:noFill/>
+            <a:ln w="38100">
+              <a:solidFill>
+                <a:srgbClr val="FFC000"/>
+              </a:solidFill>
+            </a:ln>
+          </p:spPr>
+          <p:style>
+            <a:lnRef idx="2">
+              <a:schemeClr val="accent1">
+                <a:shade val="15000"/>
+              </a:schemeClr>
+            </a:lnRef>
+            <a:fillRef idx="1">
+              <a:schemeClr val="accent1"/>
+            </a:fillRef>
+            <a:effectRef idx="0">
+              <a:schemeClr val="accent1"/>
+            </a:effectRef>
+            <a:fontRef idx="minor">
+              <a:schemeClr val="lt1"/>
+            </a:fontRef>
+          </p:style>
+          <p:txBody>
+            <a:bodyPr rtlCol="0" anchor="ctr"/>
+            <a:lstStyle/>
+            <a:p>
+              <a:pPr algn="ctr"/>
+              <a:endParaRPr lang="en-US" dirty="0"/>
+            </a:p>
+          </p:txBody>
+        </p:sp>
+      </p:grpSp>
+    </p:spTree>
+    <p:extLst>
+      <p:ext uri="{BB962C8B-B14F-4D97-AF65-F5344CB8AC3E}">
+        <p14:creationId xmlns:p14="http://schemas.microsoft.com/office/powerpoint/2010/main" val="1319805679"/>
+      </p:ext>
+    </p:extLst>
+  </p:cSld>
+  <p:clrMapOvr>
+    <a:masterClrMapping/>
+  </p:clrMapOvr>
+</p:sld>
+</file>
+
 <file path=ppt/slides/slide2.xml><?xml version="1.0" encoding="utf-8"?>
+<p:sld xmlns:a="http://schemas.openxmlformats.org/drawingml/2006/main" xmlns:r="http://schemas.openxmlformats.org/officeDocument/2006/relationships" xmlns:p="http://schemas.openxmlformats.org/presentationml/2006/main">
+  <p:cSld>
+    <p:bg>
+      <p:bgPr>
+        <a:solidFill>
+          <a:schemeClr val="accent6">
+            <a:lumMod val="20000"/>
+            <a:lumOff val="80000"/>
+          </a:schemeClr>
+        </a:solidFill>
+        <a:effectLst/>
+      </p:bgPr>
+    </p:bg>
+    <p:spTree>
+      <p:nvGrpSpPr>
+        <p:cNvPr id="1" name=""/>
+        <p:cNvGrpSpPr/>
+        <p:nvPr/>
+      </p:nvGrpSpPr>
+      <p:grpSpPr>
+        <a:xfrm>
+          <a:off x="0" y="0"/>
+          <a:ext cx="0" cy="0"/>
+          <a:chOff x="0" y="0"/>
+          <a:chExt cx="0" cy="0"/>
+        </a:xfrm>
+      </p:grpSpPr>
+      <p:sp>
+        <p:nvSpPr>
+          <p:cNvPr id="6" name="Title 5">
+            <a:extLst>
+              <a:ext uri="{FF2B5EF4-FFF2-40B4-BE49-F238E27FC236}">
+                <a16:creationId xmlns:a16="http://schemas.microsoft.com/office/drawing/2014/main" id="{63884149-B247-1597-BB9F-F0EFE8F4A5EE}"/>
+              </a:ext>
+            </a:extLst>
+          </p:cNvPr>
+          <p:cNvSpPr>
+            <a:spLocks noGrp="1"/>
+          </p:cNvSpPr>
+          <p:nvPr>
+            <p:ph type="title"/>
+          </p:nvPr>
+        </p:nvSpPr>
+        <p:spPr/>
+        <p:txBody>
+          <a:bodyPr/>
+          <a:lstStyle/>
+          <a:p>
+            <a:r>
+              <a:rPr lang="en-US" dirty="0"/>
+              <a:t>Set up Project</a:t>
+            </a:r>
+          </a:p>
+        </p:txBody>
+      </p:sp>
+      <p:sp>
+        <p:nvSpPr>
+          <p:cNvPr id="7" name="Text Placeholder 6">
+            <a:extLst>
+              <a:ext uri="{FF2B5EF4-FFF2-40B4-BE49-F238E27FC236}">
+                <a16:creationId xmlns:a16="http://schemas.microsoft.com/office/drawing/2014/main" id="{CF15E32C-5DB4-3C4B-6369-3C5776A26709}"/>
+              </a:ext>
+            </a:extLst>
+          </p:cNvPr>
+          <p:cNvSpPr>
+            <a:spLocks noGrp="1"/>
+          </p:cNvSpPr>
+          <p:nvPr>
+            <p:ph type="body" idx="1"/>
+          </p:nvPr>
+        </p:nvSpPr>
+        <p:spPr/>
+        <p:txBody>
+          <a:bodyPr/>
+          <a:lstStyle/>
+          <a:p>
+            <a:endParaRPr lang="en-US"/>
+          </a:p>
+        </p:txBody>
+      </p:sp>
+    </p:spTree>
+    <p:extLst>
+      <p:ext uri="{BB962C8B-B14F-4D97-AF65-F5344CB8AC3E}">
+        <p14:creationId xmlns:p14="http://schemas.microsoft.com/office/powerpoint/2010/main" val="3686820540"/>
+      </p:ext>
+    </p:extLst>
+  </p:cSld>
+  <p:clrMapOvr>
+    <a:masterClrMapping/>
+  </p:clrMapOvr>
+</p:sld>
+</file>
+
+<file path=ppt/slides/slide3.xml><?xml version="1.0" encoding="utf-8"?>
 <p:sld xmlns:a="http://schemas.openxmlformats.org/drawingml/2006/main" xmlns:r="http://schemas.openxmlformats.org/officeDocument/2006/relationships" xmlns:p="http://schemas.openxmlformats.org/presentationml/2006/main">
   <p:cSld>
     <p:bg>
@@ -5503,45 +12546,6 @@
       </p:sp>
       <p:sp>
         <p:nvSpPr>
-          <p:cNvPr id="5" name="Text Placeholder 4">
-            <a:extLst>
-              <a:ext uri="{FF2B5EF4-FFF2-40B4-BE49-F238E27FC236}">
-                <a16:creationId xmlns:a16="http://schemas.microsoft.com/office/drawing/2014/main" id="{6446B7C3-950B-5D31-3B25-69DC81375E8B}"/>
-              </a:ext>
-            </a:extLst>
-          </p:cNvPr>
-          <p:cNvSpPr>
-            <a:spLocks noGrp="1"/>
-          </p:cNvSpPr>
-          <p:nvPr>
-            <p:ph type="body" idx="1"/>
-          </p:nvPr>
-        </p:nvSpPr>
-        <p:spPr>
-          <a:xfrm>
-            <a:off x="1084728" y="4902489"/>
-            <a:ext cx="5266080" cy="985075"/>
-          </a:xfrm>
-        </p:spPr>
-        <p:txBody>
-          <a:bodyPr vert="horz" lIns="91440" tIns="45720" rIns="91440" bIns="45720" rtlCol="0">
-            <a:normAutofit/>
-          </a:bodyPr>
-          <a:lstStyle/>
-          <a:p>
-            <a:r>
-              <a:rPr lang="en-US" sz="1800" dirty="0">
-                <a:solidFill>
-                  <a:schemeClr val="tx1"/>
-                </a:solidFill>
-              </a:rPr>
-              <a:t>GitHub</a:t>
-            </a:r>
-          </a:p>
-        </p:txBody>
-      </p:sp>
-      <p:sp>
-        <p:nvSpPr>
           <p:cNvPr id="18" name="Rectangle 17">
             <a:extLst>
               <a:ext uri="{FF2B5EF4-FFF2-40B4-BE49-F238E27FC236}">
@@ -6150,10 +13154,10 @@
       </p:sp>
       <p:pic>
         <p:nvPicPr>
-          <p:cNvPr id="7" name="Picture 6" descr="A black cat in a circle&#10;&#10;AI-generated content may be incorrect.">
+          <p:cNvPr id="21" name="Picture 20" descr="A cartoon character in a cat garment&#10;&#10;AI-generated content may be incorrect.">
             <a:extLst>
               <a:ext uri="{FF2B5EF4-FFF2-40B4-BE49-F238E27FC236}">
-                <a16:creationId xmlns:a16="http://schemas.microsoft.com/office/drawing/2014/main" id="{BD2AC414-55F0-32EA-1A58-9A79446C78B4}"/>
+                <a16:creationId xmlns:a16="http://schemas.microsoft.com/office/drawing/2014/main" id="{46619CE6-30EA-9FE2-F589-1FFA67873A1F}"/>
               </a:ext>
             </a:extLst>
           </p:cNvPr>
@@ -6163,21 +13167,22 @@
           <p:nvPr/>
         </p:nvPicPr>
         <p:blipFill>
-          <a:blip r:embed="rId2">
+          <a:blip r:embed="rId3">
             <a:extLst>
               <a:ext uri="{28A0092B-C50C-407E-A947-70E740481C1C}">
                 <a14:useLocalDpi xmlns:a14="http://schemas.microsoft.com/office/drawing/2010/main" val="0"/>
               </a:ext>
             </a:extLst>
           </a:blip>
+          <a:srcRect l="10244" t="15346" r="11145" b="25247"/>
           <a:stretch>
             <a:fillRect/>
           </a:stretch>
         </p:blipFill>
         <p:spPr>
           <a:xfrm>
-            <a:off x="1097280" y="1554480"/>
-            <a:ext cx="3200400" cy="3200400"/>
+            <a:off x="274321" y="2514600"/>
+            <a:ext cx="2419927" cy="1828800"/>
           </a:xfrm>
           <a:prstGeom prst="rect">
             <a:avLst/>
@@ -6197,7 +13202,7 @@
 </p:sld>
 </file>
 
-<file path=ppt/slides/slide3.xml><?xml version="1.0" encoding="utf-8"?>
+<file path=ppt/slides/slide4.xml><?xml version="1.0" encoding="utf-8"?>
 <p:sld xmlns:a="http://schemas.openxmlformats.org/drawingml/2006/main" xmlns:r="http://schemas.openxmlformats.org/officeDocument/2006/relationships" xmlns:p="http://schemas.openxmlformats.org/presentationml/2006/main">
   <p:cSld>
     <p:spTree>
@@ -6387,7 +13392,7 @@
 </p:sld>
 </file>
 
-<file path=ppt/slides/slide4.xml><?xml version="1.0" encoding="utf-8"?>
+<file path=ppt/slides/slide5.xml><?xml version="1.0" encoding="utf-8"?>
 <p:sld xmlns:a="http://schemas.openxmlformats.org/drawingml/2006/main" xmlns:r="http://schemas.openxmlformats.org/officeDocument/2006/relationships" xmlns:p="http://schemas.openxmlformats.org/presentationml/2006/main">
   <p:cSld>
     <p:spTree>
@@ -6629,7 +13634,7 @@
 </p:sld>
 </file>
 
-<file path=ppt/slides/slide5.xml><?xml version="1.0" encoding="utf-8"?>
+<file path=ppt/slides/slide6.xml><?xml version="1.0" encoding="utf-8"?>
 <p:sld xmlns:a="http://schemas.openxmlformats.org/drawingml/2006/main" xmlns:r="http://schemas.openxmlformats.org/officeDocument/2006/relationships" xmlns:p="http://schemas.openxmlformats.org/presentationml/2006/main">
   <p:cSld>
     <p:bg>
@@ -7726,7 +14731,7 @@
           <p:nvPr/>
         </p:nvPicPr>
         <p:blipFill>
-          <a:blip r:embed="rId2">
+          <a:blip r:embed="rId3">
             <a:extLst>
               <a:ext uri="{28A0092B-C50C-407E-A947-70E740481C1C}">
                 <a14:useLocalDpi xmlns:a14="http://schemas.microsoft.com/office/drawing/2010/main" val="0"/>
@@ -7740,7 +14745,7 @@
         </p:blipFill>
         <p:spPr>
           <a:xfrm>
-            <a:off x="1097280" y="2286000"/>
+            <a:off x="274320" y="2909161"/>
             <a:ext cx="2943225" cy="1093470"/>
           </a:xfrm>
           <a:prstGeom prst="rect">
@@ -7761,7 +14766,7 @@
 </p:sld>
 </file>
 
-<file path=ppt/slides/slide6.xml><?xml version="1.0" encoding="utf-8"?>
+<file path=ppt/slides/slide7.xml><?xml version="1.0" encoding="utf-8"?>
 <p:sld xmlns:a="http://schemas.openxmlformats.org/drawingml/2006/main" xmlns:r="http://schemas.openxmlformats.org/officeDocument/2006/relationships" xmlns:p="http://schemas.openxmlformats.org/presentationml/2006/main">
   <p:cSld>
     <p:spTree>
@@ -8324,7 +15329,7 @@
 </p:sld>
 </file>
 
-<file path=ppt/slides/slide7.xml><?xml version="1.0" encoding="utf-8"?>
+<file path=ppt/slides/slide8.xml><?xml version="1.0" encoding="utf-8"?>
 <p:sld xmlns:a="http://schemas.openxmlformats.org/drawingml/2006/main" xmlns:r="http://schemas.openxmlformats.org/officeDocument/2006/relationships" xmlns:p="http://schemas.openxmlformats.org/presentationml/2006/main">
   <p:cSld>
     <p:spTree>
@@ -8812,9 +15817,17 @@
 </p:sld>
 </file>
 
-<file path=ppt/slides/slide8.xml><?xml version="1.0" encoding="utf-8"?>
+<file path=ppt/slides/slide9.xml><?xml version="1.0" encoding="utf-8"?>
 <p:sld xmlns:a="http://schemas.openxmlformats.org/drawingml/2006/main" xmlns:r="http://schemas.openxmlformats.org/officeDocument/2006/relationships" xmlns:p="http://schemas.openxmlformats.org/presentationml/2006/main">
   <p:cSld>
+    <p:bg>
+      <p:bgPr>
+        <a:solidFill>
+          <a:schemeClr val="bg1"/>
+        </a:solidFill>
+        <a:effectLst/>
+      </p:bgPr>
+    </p:bg>
     <p:spTree>
       <p:nvGrpSpPr>
         <p:cNvPr id="1" name=""/>
@@ -8829,69 +15842,187 @@
           <a:chExt cx="0" cy="0"/>
         </a:xfrm>
       </p:grpSpPr>
-      <p:pic>
-        <p:nvPicPr>
-          <p:cNvPr id="3" name="Picture 2">
+      <p:sp>
+        <p:nvSpPr>
+          <p:cNvPr id="38" name="Freeform: Shape 37">
             <a:extLst>
               <a:ext uri="{FF2B5EF4-FFF2-40B4-BE49-F238E27FC236}">
-                <a16:creationId xmlns:a16="http://schemas.microsoft.com/office/drawing/2014/main" id="{5BE50E12-A6A3-3A84-CD82-0B6545999E3F}"/>
+                <a16:creationId xmlns:a16="http://schemas.microsoft.com/office/drawing/2014/main" id="{AE192E3E-68A9-4F36-936C-1C8D0B9EF132}"/>
+              </a:ext>
+              <a:ext uri="{C183D7F6-B498-43B3-948B-1728B52AA6E4}">
+                <adec:decorative xmlns:adec="http://schemas.microsoft.com/office/drawing/2017/decorative" val="1"/>
               </a:ext>
             </a:extLst>
           </p:cNvPr>
-          <p:cNvPicPr>
-            <a:picLocks noChangeAspect="1"/>
-          </p:cNvPicPr>
-          <p:nvPr/>
-        </p:nvPicPr>
-        <p:blipFill>
-          <a:blip r:embed="rId3"/>
-          <a:stretch>
-            <a:fillRect/>
-          </a:stretch>
-        </p:blipFill>
-        <p:spPr>
-          <a:xfrm>
-            <a:off x="0" y="23673"/>
-            <a:ext cx="12192000" cy="6810654"/>
-          </a:xfrm>
-          <a:prstGeom prst="rect">
-            <a:avLst/>
-          </a:prstGeom>
-        </p:spPr>
-      </p:pic>
-      <p:sp>
-        <p:nvSpPr>
-          <p:cNvPr id="8" name="Rectangle: Rounded Corners 7">
-            <a:extLst>
-              <a:ext uri="{FF2B5EF4-FFF2-40B4-BE49-F238E27FC236}">
-                <a16:creationId xmlns:a16="http://schemas.microsoft.com/office/drawing/2014/main" id="{DB1EE21F-F0E4-77EB-F9BC-D0D67A0CCF89}"/>
-              </a:ext>
-            </a:extLst>
-          </p:cNvPr>
-          <p:cNvSpPr/>
-          <p:nvPr/>
+          <p:cNvSpPr>
+            <a:spLocks noGrp="1" noRot="1" noChangeAspect="1" noMove="1" noResize="1" noEditPoints="1" noAdjustHandles="1" noChangeArrowheads="1" noChangeShapeType="1" noTextEdit="1"/>
+          </p:cNvSpPr>
+          <p:nvPr>
+            <p:extLst>
+              <p:ext uri="{386F3935-93C4-4BCD-93E2-E3B085C9AB24}">
+                <p16:designElem xmlns:p16="http://schemas.microsoft.com/office/powerpoint/2015/main" val="1"/>
+              </p:ext>
+            </p:extLst>
+          </p:nvPr>
         </p:nvSpPr>
         <p:spPr>
           <a:xfrm>
-            <a:off x="7174078" y="1226011"/>
-            <a:ext cx="931697" cy="926639"/>
+            <a:off x="8803792" y="3455896"/>
+            <a:ext cx="3388208" cy="3406341"/>
           </a:xfrm>
-          <a:prstGeom prst="roundRect">
-            <a:avLst>
-              <a:gd name="adj" fmla="val 9370"/>
-            </a:avLst>
-          </a:prstGeom>
-          <a:noFill/>
-          <a:ln w="38100">
-            <a:solidFill>
-              <a:srgbClr val="FFC000"/>
-            </a:solidFill>
+          <a:custGeom>
+            <a:avLst/>
+            <a:gdLst>
+              <a:gd name="connsiteX0" fmla="*/ 3388058 w 3388208"/>
+              <a:gd name="connsiteY0" fmla="*/ 0 h 3406341"/>
+              <a:gd name="connsiteX1" fmla="*/ 3388208 w 3388208"/>
+              <a:gd name="connsiteY1" fmla="*/ 0 h 3406341"/>
+              <a:gd name="connsiteX2" fmla="*/ 3388208 w 3388208"/>
+              <a:gd name="connsiteY2" fmla="*/ 3406341 h 3406341"/>
+              <a:gd name="connsiteX3" fmla="*/ 0 w 3388208"/>
+              <a:gd name="connsiteY3" fmla="*/ 3406341 h 3406341"/>
+              <a:gd name="connsiteX4" fmla="*/ 79006 w 3388208"/>
+              <a:gd name="connsiteY4" fmla="*/ 3404386 h 3406341"/>
+              <a:gd name="connsiteX5" fmla="*/ 3383947 w 3388208"/>
+              <a:gd name="connsiteY5" fmla="*/ 164274 h 3406341"/>
+            </a:gdLst>
+            <a:ahLst/>
+            <a:cxnLst>
+              <a:cxn ang="0">
+                <a:pos x="connsiteX0" y="connsiteY0"/>
+              </a:cxn>
+              <a:cxn ang="0">
+                <a:pos x="connsiteX1" y="connsiteY1"/>
+              </a:cxn>
+              <a:cxn ang="0">
+                <a:pos x="connsiteX2" y="connsiteY2"/>
+              </a:cxn>
+              <a:cxn ang="0">
+                <a:pos x="connsiteX3" y="connsiteY3"/>
+              </a:cxn>
+              <a:cxn ang="0">
+                <a:pos x="connsiteX4" y="connsiteY4"/>
+              </a:cxn>
+              <a:cxn ang="0">
+                <a:pos x="connsiteX5" y="connsiteY5"/>
+              </a:cxn>
+            </a:cxnLst>
+            <a:rect l="l" t="t" r="r" b="b"/>
+            <a:pathLst>
+              <a:path w="3388208" h="3406341">
+                <a:moveTo>
+                  <a:pt x="3388058" y="0"/>
+                </a:moveTo>
+                <a:lnTo>
+                  <a:pt x="3388208" y="0"/>
+                </a:lnTo>
+                <a:lnTo>
+                  <a:pt x="3388208" y="3406341"/>
+                </a:lnTo>
+                <a:lnTo>
+                  <a:pt x="0" y="3406341"/>
+                </a:lnTo>
+                <a:lnTo>
+                  <a:pt x="79006" y="3404386"/>
+                </a:lnTo>
+                <a:cubicBezTo>
+                  <a:pt x="1864742" y="3315784"/>
+                  <a:pt x="3296223" y="1912901"/>
+                  <a:pt x="3383947" y="164274"/>
+                </a:cubicBezTo>
+                <a:close/>
+              </a:path>
+            </a:pathLst>
+          </a:custGeom>
+          <a:solidFill>
+            <a:schemeClr val="accent5"/>
+          </a:solidFill>
+          <a:ln>
+            <a:noFill/>
           </a:ln>
         </p:spPr>
         <p:style>
           <a:lnRef idx="2">
             <a:schemeClr val="accent1">
-              <a:shade val="15000"/>
+              <a:shade val="50000"/>
+            </a:schemeClr>
+          </a:lnRef>
+          <a:fillRef idx="1">
+            <a:schemeClr val="accent1"/>
+          </a:fillRef>
+          <a:effectRef idx="0">
+            <a:schemeClr val="accent1"/>
+          </a:effectRef>
+          <a:fontRef idx="minor">
+            <a:schemeClr val="lt1"/>
+          </a:fontRef>
+        </p:style>
+        <p:txBody>
+          <a:bodyPr wrap="square" rtlCol="0" anchor="ctr">
+            <a:noAutofit/>
+          </a:bodyPr>
+          <a:lstStyle/>
+          <a:p>
+            <a:pPr algn="ctr"/>
+            <a:endParaRPr lang="en-US"/>
+          </a:p>
+        </p:txBody>
+      </p:sp>
+      <p:sp useBgFill="1">
+        <p:nvSpPr>
+          <p:cNvPr id="39" name="Rectangle 38">
+            <a:extLst>
+              <a:ext uri="{FF2B5EF4-FFF2-40B4-BE49-F238E27FC236}">
+                <a16:creationId xmlns:a16="http://schemas.microsoft.com/office/drawing/2014/main" id="{658431C7-8BD2-4DAF-A1DC-344F66D08BF4}"/>
+              </a:ext>
+              <a:ext uri="{C183D7F6-B498-43B3-948B-1728B52AA6E4}">
+                <adec:decorative xmlns:adec="http://schemas.microsoft.com/office/drawing/2017/decorative" val="1"/>
+              </a:ext>
+            </a:extLst>
+          </p:cNvPr>
+          <p:cNvSpPr>
+            <a:spLocks noGrp="1" noRot="1" noChangeAspect="1" noMove="1" noResize="1" noEditPoints="1" noAdjustHandles="1" noChangeArrowheads="1" noChangeShapeType="1" noTextEdit="1"/>
+          </p:cNvSpPr>
+          <p:nvPr>
+            <p:extLst>
+              <p:ext uri="{386F3935-93C4-4BCD-93E2-E3B085C9AB24}">
+                <p16:designElem xmlns:p16="http://schemas.microsoft.com/office/powerpoint/2015/main" val="1"/>
+              </p:ext>
+            </p:extLst>
+          </p:nvPr>
+        </p:nvSpPr>
+        <p:spPr>
+          <a:xfrm>
+            <a:off x="0" y="0"/>
+            <a:ext cx="12192000" cy="6858000"/>
+          </a:xfrm>
+          <a:prstGeom prst="rect">
+            <a:avLst/>
+          </a:prstGeom>
+          <a:ln w="12700" cap="flat" cmpd="sng" algn="ctr">
+            <a:noFill/>
+            <a:prstDash val="solid"/>
+            <a:miter lim="800000"/>
+          </a:ln>
+          <a:effectLst/>
+          <a:extLst>
+            <a:ext uri="{91240B29-F687-4F45-9708-019B960494DF}">
+              <a14:hiddenLine xmlns:a14="http://schemas.microsoft.com/office/drawing/2010/main" w="12700" cap="flat" cmpd="sng" algn="ctr">
+                <a:solidFill>
+                  <a:schemeClr val="accent1">
+                    <a:shade val="50000"/>
+                  </a:schemeClr>
+                </a:solidFill>
+                <a:prstDash val="solid"/>
+                <a:miter lim="800000"/>
+              </a14:hiddenLine>
+            </a:ext>
+          </a:extLst>
+        </p:spPr>
+        <p:style>
+          <a:lnRef idx="2">
+            <a:schemeClr val="accent1">
+              <a:shade val="50000"/>
             </a:schemeClr>
           </a:lnRef>
           <a:fillRef idx="1">
@@ -8913,274 +16044,530 @@
           </a:p>
         </p:txBody>
       </p:sp>
-      <p:grpSp>
-        <p:nvGrpSpPr>
-          <p:cNvPr id="10" name="Group 9">
+      <p:sp>
+        <p:nvSpPr>
+          <p:cNvPr id="40" name="Rectangle 39">
             <a:extLst>
               <a:ext uri="{FF2B5EF4-FFF2-40B4-BE49-F238E27FC236}">
-                <a16:creationId xmlns:a16="http://schemas.microsoft.com/office/drawing/2014/main" id="{DACE6CDD-449C-79CC-1C54-129B74AD7AD9}"/>
+                <a16:creationId xmlns:a16="http://schemas.microsoft.com/office/drawing/2014/main" id="{AF79A868-152F-4392-8D0D-C56B1C229B98}"/>
+              </a:ext>
+              <a:ext uri="{C183D7F6-B498-43B3-948B-1728B52AA6E4}">
+                <adec:decorative xmlns:adec="http://schemas.microsoft.com/office/drawing/2017/decorative" val="1"/>
               </a:ext>
             </a:extLst>
           </p:cNvPr>
-          <p:cNvGrpSpPr/>
-          <p:nvPr/>
-        </p:nvGrpSpPr>
-        <p:grpSpPr>
-          <a:xfrm>
-            <a:off x="4609658" y="2402370"/>
-            <a:ext cx="6496957" cy="6306430"/>
-            <a:chOff x="4219133" y="2402370"/>
-            <a:chExt cx="6496957" cy="6306430"/>
+          <p:cNvSpPr>
+            <a:spLocks noGrp="1" noRot="1" noChangeAspect="1" noMove="1" noResize="1" noEditPoints="1" noAdjustHandles="1" noChangeArrowheads="1" noChangeShapeType="1" noTextEdit="1"/>
+          </p:cNvSpPr>
+          <p:nvPr>
+            <p:extLst>
+              <p:ext uri="{386F3935-93C4-4BCD-93E2-E3B085C9AB24}">
+                <p16:designElem xmlns:p16="http://schemas.microsoft.com/office/powerpoint/2015/main" val="1"/>
+              </p:ext>
+            </p:extLst>
+          </p:nvPr>
+        </p:nvSpPr>
+        <p:spPr>
+          <a:xfrm flipH="1">
+            <a:off x="5222432" y="1"/>
+            <a:ext cx="3483870" cy="3429000"/>
           </a:xfrm>
-        </p:grpSpPr>
-        <p:pic>
-          <p:nvPicPr>
-            <p:cNvPr id="5" name="Picture 4">
-              <a:extLst>
-                <a:ext uri="{FF2B5EF4-FFF2-40B4-BE49-F238E27FC236}">
-                  <a16:creationId xmlns:a16="http://schemas.microsoft.com/office/drawing/2014/main" id="{89917392-2F52-5E30-A1B5-B269B20F3F56}"/>
-                </a:ext>
-              </a:extLst>
-            </p:cNvPr>
-            <p:cNvPicPr>
-              <a:picLocks noChangeAspect="1"/>
-            </p:cNvPicPr>
-            <p:nvPr/>
-          </p:nvPicPr>
-          <p:blipFill>
-            <a:blip r:embed="rId4"/>
-            <a:stretch>
-              <a:fillRect/>
-            </a:stretch>
-          </p:blipFill>
-          <p:spPr>
-            <a:xfrm>
-              <a:off x="4219133" y="2402370"/>
-              <a:ext cx="6496957" cy="6306430"/>
-            </a:xfrm>
-            <a:prstGeom prst="rect">
-              <a:avLst/>
-            </a:prstGeom>
-          </p:spPr>
-        </p:pic>
-        <p:sp>
-          <p:nvSpPr>
-            <p:cNvPr id="9" name="Rectangle: Rounded Corners 8">
-              <a:extLst>
-                <a:ext uri="{FF2B5EF4-FFF2-40B4-BE49-F238E27FC236}">
-                  <a16:creationId xmlns:a16="http://schemas.microsoft.com/office/drawing/2014/main" id="{7046E04E-C1AB-BD1D-8B79-D0DC8E2EE822}"/>
-                </a:ext>
-              </a:extLst>
-            </p:cNvPr>
-            <p:cNvSpPr/>
-            <p:nvPr/>
-          </p:nvSpPr>
-          <p:spPr>
-            <a:xfrm>
-              <a:off x="6364453" y="3597963"/>
-              <a:ext cx="3874922" cy="231088"/>
-            </a:xfrm>
-            <a:prstGeom prst="roundRect">
-              <a:avLst>
-                <a:gd name="adj" fmla="val 9370"/>
-              </a:avLst>
-            </a:prstGeom>
+          <a:prstGeom prst="rect">
+            <a:avLst/>
+          </a:prstGeom>
+          <a:solidFill>
+            <a:schemeClr val="accent2"/>
+          </a:solidFill>
+          <a:ln>
             <a:noFill/>
-            <a:ln w="38100">
-              <a:solidFill>
-                <a:srgbClr val="FFC000"/>
-              </a:solidFill>
-            </a:ln>
-          </p:spPr>
-          <p:style>
-            <a:lnRef idx="2">
-              <a:schemeClr val="accent1">
-                <a:shade val="15000"/>
-              </a:schemeClr>
-            </a:lnRef>
-            <a:fillRef idx="1">
-              <a:schemeClr val="accent1"/>
-            </a:fillRef>
-            <a:effectRef idx="0">
-              <a:schemeClr val="accent1"/>
-            </a:effectRef>
-            <a:fontRef idx="minor">
-              <a:schemeClr val="lt1"/>
-            </a:fontRef>
-          </p:style>
-          <p:txBody>
-            <a:bodyPr rtlCol="0" anchor="ctr"/>
-            <a:lstStyle/>
-            <a:p>
-              <a:pPr algn="ctr"/>
-              <a:endParaRPr lang="en-US"/>
-            </a:p>
-          </p:txBody>
-        </p:sp>
-      </p:grpSp>
-      <p:grpSp>
-        <p:nvGrpSpPr>
-          <p:cNvPr id="13" name="Group 12">
+          </a:ln>
+        </p:spPr>
+        <p:style>
+          <a:lnRef idx="2">
+            <a:schemeClr val="accent1">
+              <a:shade val="50000"/>
+            </a:schemeClr>
+          </a:lnRef>
+          <a:fillRef idx="1">
+            <a:schemeClr val="accent1"/>
+          </a:fillRef>
+          <a:effectRef idx="0">
+            <a:schemeClr val="accent1"/>
+          </a:effectRef>
+          <a:fontRef idx="minor">
+            <a:schemeClr val="lt1"/>
+          </a:fontRef>
+        </p:style>
+        <p:txBody>
+          <a:bodyPr rtlCol="0" anchor="ctr"/>
+          <a:lstStyle/>
+          <a:p>
+            <a:pPr algn="ctr"/>
+            <a:endParaRPr lang="en-US" dirty="0"/>
+          </a:p>
+        </p:txBody>
+      </p:sp>
+      <p:sp>
+        <p:nvSpPr>
+          <p:cNvPr id="41" name="Rectangle 40">
             <a:extLst>
               <a:ext uri="{FF2B5EF4-FFF2-40B4-BE49-F238E27FC236}">
-                <a16:creationId xmlns:a16="http://schemas.microsoft.com/office/drawing/2014/main" id="{DF14C7BC-F790-8858-2B20-C18E955B15E5}"/>
+                <a16:creationId xmlns:a16="http://schemas.microsoft.com/office/drawing/2014/main" id="{875B7E46-FCBF-464B-8083-9AF1A059E1D9}"/>
+              </a:ext>
+              <a:ext uri="{C183D7F6-B498-43B3-948B-1728B52AA6E4}">
+                <adec:decorative xmlns:adec="http://schemas.microsoft.com/office/drawing/2017/decorative" val="1"/>
               </a:ext>
             </a:extLst>
           </p:cNvPr>
-          <p:cNvGrpSpPr/>
+          <p:cNvSpPr>
+            <a:spLocks noGrp="1" noRot="1" noChangeAspect="1" noMove="1" noResize="1" noEditPoints="1" noAdjustHandles="1" noChangeArrowheads="1" noChangeShapeType="1" noTextEdit="1"/>
+          </p:cNvSpPr>
+          <p:nvPr>
+            <p:extLst>
+              <p:ext uri="{386F3935-93C4-4BCD-93E2-E3B085C9AB24}">
+                <p16:designElem xmlns:p16="http://schemas.microsoft.com/office/powerpoint/2015/main" val="1"/>
+              </p:ext>
+            </p:extLst>
+          </p:nvPr>
+        </p:nvSpPr>
+        <p:spPr>
+          <a:xfrm flipH="1">
+            <a:off x="8703558" y="-1263"/>
+            <a:ext cx="3484819" cy="3430264"/>
+          </a:xfrm>
+          <a:prstGeom prst="rect">
+            <a:avLst/>
+          </a:prstGeom>
+          <a:solidFill>
+            <a:schemeClr val="accent1">
+              <a:lumMod val="60000"/>
+              <a:lumOff val="40000"/>
+            </a:schemeClr>
+          </a:solidFill>
+          <a:ln>
+            <a:noFill/>
+          </a:ln>
+        </p:spPr>
+        <p:style>
+          <a:lnRef idx="2">
+            <a:schemeClr val="accent1">
+              <a:shade val="50000"/>
+            </a:schemeClr>
+          </a:lnRef>
+          <a:fillRef idx="1">
+            <a:schemeClr val="accent1"/>
+          </a:fillRef>
+          <a:effectRef idx="0">
+            <a:schemeClr val="accent1"/>
+          </a:effectRef>
+          <a:fontRef idx="minor">
+            <a:schemeClr val="lt1"/>
+          </a:fontRef>
+        </p:style>
+        <p:txBody>
+          <a:bodyPr rtlCol="0" anchor="ctr"/>
+          <a:lstStyle/>
+          <a:p>
+            <a:pPr algn="ctr"/>
+            <a:endParaRPr lang="en-US" dirty="0"/>
+          </a:p>
+        </p:txBody>
+      </p:sp>
+      <p:sp>
+        <p:nvSpPr>
+          <p:cNvPr id="42" name="Rectangle 34">
+            <a:extLst>
+              <a:ext uri="{FF2B5EF4-FFF2-40B4-BE49-F238E27FC236}">
+                <a16:creationId xmlns:a16="http://schemas.microsoft.com/office/drawing/2014/main" id="{613F7046-4879-4110-98EC-7B7416E55FD9}"/>
+              </a:ext>
+              <a:ext uri="{C183D7F6-B498-43B3-948B-1728B52AA6E4}">
+                <adec:decorative xmlns:adec="http://schemas.microsoft.com/office/drawing/2017/decorative" val="1"/>
+              </a:ext>
+            </a:extLst>
+          </p:cNvPr>
+          <p:cNvSpPr>
+            <a:spLocks noGrp="1" noRot="1" noChangeAspect="1" noMove="1" noResize="1" noEditPoints="1" noAdjustHandles="1" noChangeArrowheads="1" noChangeShapeType="1" noTextEdit="1"/>
+          </p:cNvSpPr>
+          <p:nvPr>
+            <p:extLst>
+              <p:ext uri="{386F3935-93C4-4BCD-93E2-E3B085C9AB24}">
+                <p16:designElem xmlns:p16="http://schemas.microsoft.com/office/powerpoint/2015/main" val="1"/>
+              </p:ext>
+            </p:extLst>
+          </p:nvPr>
+        </p:nvSpPr>
+        <p:spPr>
+          <a:xfrm flipH="1">
+            <a:off x="8703558" y="-1263"/>
+            <a:ext cx="3484819" cy="3430264"/>
+          </a:xfrm>
+          <a:custGeom>
+            <a:avLst/>
+            <a:gdLst>
+              <a:gd name="connsiteX0" fmla="*/ 0 w 3484819"/>
+              <a:gd name="connsiteY0" fmla="*/ 0 h 3430264"/>
+              <a:gd name="connsiteX1" fmla="*/ 3484819 w 3484819"/>
+              <a:gd name="connsiteY1" fmla="*/ 0 h 3430264"/>
+              <a:gd name="connsiteX2" fmla="*/ 3484819 w 3484819"/>
+              <a:gd name="connsiteY2" fmla="*/ 3430264 h 3430264"/>
+              <a:gd name="connsiteX3" fmla="*/ 0 w 3484819"/>
+              <a:gd name="connsiteY3" fmla="*/ 3430264 h 3430264"/>
+              <a:gd name="connsiteX4" fmla="*/ 0 w 3484819"/>
+              <a:gd name="connsiteY4" fmla="*/ 0 h 3430264"/>
+              <a:gd name="connsiteX0" fmla="*/ 0 w 3484819"/>
+              <a:gd name="connsiteY0" fmla="*/ 0 h 3430264"/>
+              <a:gd name="connsiteX1" fmla="*/ 3484819 w 3484819"/>
+              <a:gd name="connsiteY1" fmla="*/ 0 h 3430264"/>
+              <a:gd name="connsiteX2" fmla="*/ 0 w 3484819"/>
+              <a:gd name="connsiteY2" fmla="*/ 3430264 h 3430264"/>
+              <a:gd name="connsiteX3" fmla="*/ 0 w 3484819"/>
+              <a:gd name="connsiteY3" fmla="*/ 0 h 3430264"/>
+            </a:gdLst>
+            <a:ahLst/>
+            <a:cxnLst>
+              <a:cxn ang="0">
+                <a:pos x="connsiteX0" y="connsiteY0"/>
+              </a:cxn>
+              <a:cxn ang="0">
+                <a:pos x="connsiteX1" y="connsiteY1"/>
+              </a:cxn>
+              <a:cxn ang="0">
+                <a:pos x="connsiteX2" y="connsiteY2"/>
+              </a:cxn>
+              <a:cxn ang="0">
+                <a:pos x="connsiteX3" y="connsiteY3"/>
+              </a:cxn>
+            </a:cxnLst>
+            <a:rect l="l" t="t" r="r" b="b"/>
+            <a:pathLst>
+              <a:path w="3484819" h="3430264">
+                <a:moveTo>
+                  <a:pt x="0" y="0"/>
+                </a:moveTo>
+                <a:lnTo>
+                  <a:pt x="3484819" y="0"/>
+                </a:lnTo>
+                <a:lnTo>
+                  <a:pt x="0" y="3430264"/>
+                </a:lnTo>
+                <a:lnTo>
+                  <a:pt x="0" y="0"/>
+                </a:lnTo>
+                <a:close/>
+              </a:path>
+            </a:pathLst>
+          </a:custGeom>
+          <a:solidFill>
+            <a:schemeClr val="accent4">
+              <a:lumMod val="40000"/>
+              <a:lumOff val="60000"/>
+            </a:schemeClr>
+          </a:solidFill>
+          <a:ln>
+            <a:noFill/>
+          </a:ln>
+        </p:spPr>
+        <p:style>
+          <a:lnRef idx="2">
+            <a:schemeClr val="accent1">
+              <a:shade val="50000"/>
+            </a:schemeClr>
+          </a:lnRef>
+          <a:fillRef idx="1">
+            <a:schemeClr val="accent1"/>
+          </a:fillRef>
+          <a:effectRef idx="0">
+            <a:schemeClr val="accent1"/>
+          </a:effectRef>
+          <a:fontRef idx="minor">
+            <a:schemeClr val="lt1"/>
+          </a:fontRef>
+        </p:style>
+        <p:txBody>
+          <a:bodyPr rtlCol="0" anchor="ctr"/>
+          <a:lstStyle/>
+          <a:p>
+            <a:pPr algn="ctr"/>
+            <a:endParaRPr lang="en-US" dirty="0"/>
+          </a:p>
+        </p:txBody>
+      </p:sp>
+      <p:sp>
+        <p:nvSpPr>
+          <p:cNvPr id="43" name="Rectangle 42">
+            <a:extLst>
+              <a:ext uri="{FF2B5EF4-FFF2-40B4-BE49-F238E27FC236}">
+                <a16:creationId xmlns:a16="http://schemas.microsoft.com/office/drawing/2014/main" id="{DDE0C15E-B6BE-4D7A-86FE-9076B26893BD}"/>
+              </a:ext>
+              <a:ext uri="{C183D7F6-B498-43B3-948B-1728B52AA6E4}">
+                <adec:decorative xmlns:adec="http://schemas.microsoft.com/office/drawing/2017/decorative" val="1"/>
+              </a:ext>
+            </a:extLst>
+          </p:cNvPr>
+          <p:cNvSpPr>
+            <a:spLocks noGrp="1" noRot="1" noChangeAspect="1" noMove="1" noResize="1" noEditPoints="1" noAdjustHandles="1" noChangeArrowheads="1" noChangeShapeType="1" noTextEdit="1"/>
+          </p:cNvSpPr>
+          <p:nvPr>
+            <p:extLst>
+              <p:ext uri="{386F3935-93C4-4BCD-93E2-E3B085C9AB24}">
+                <p16:designElem xmlns:p16="http://schemas.microsoft.com/office/powerpoint/2015/main" val="1"/>
+              </p:ext>
+            </p:extLst>
+          </p:nvPr>
+        </p:nvSpPr>
+        <p:spPr>
+          <a:xfrm flipH="1">
+            <a:off x="5222432" y="3427736"/>
+            <a:ext cx="3482163" cy="3430264"/>
+          </a:xfrm>
+          <a:prstGeom prst="rect">
+            <a:avLst/>
+          </a:prstGeom>
+          <a:solidFill>
+            <a:schemeClr val="accent4">
+              <a:lumMod val="40000"/>
+              <a:lumOff val="60000"/>
+            </a:schemeClr>
+          </a:solidFill>
+          <a:ln>
+            <a:noFill/>
+          </a:ln>
+        </p:spPr>
+        <p:style>
+          <a:lnRef idx="2">
+            <a:schemeClr val="accent1">
+              <a:shade val="50000"/>
+            </a:schemeClr>
+          </a:lnRef>
+          <a:fillRef idx="1">
+            <a:schemeClr val="accent1"/>
+          </a:fillRef>
+          <a:effectRef idx="0">
+            <a:schemeClr val="accent1"/>
+          </a:effectRef>
+          <a:fontRef idx="minor">
+            <a:schemeClr val="lt1"/>
+          </a:fontRef>
+        </p:style>
+        <p:txBody>
+          <a:bodyPr rtlCol="0" anchor="ctr"/>
+          <a:lstStyle/>
+          <a:p>
+            <a:pPr algn="ctr"/>
+            <a:endParaRPr lang="en-US" dirty="0"/>
+          </a:p>
+        </p:txBody>
+      </p:sp>
+      <p:sp>
+        <p:nvSpPr>
+          <p:cNvPr id="44" name="Freeform: Shape 43">
+            <a:extLst>
+              <a:ext uri="{FF2B5EF4-FFF2-40B4-BE49-F238E27FC236}">
+                <a16:creationId xmlns:a16="http://schemas.microsoft.com/office/drawing/2014/main" id="{13063C24-C163-4A04-8D0B-40A52400D67B}"/>
+              </a:ext>
+              <a:ext uri="{C183D7F6-B498-43B3-948B-1728B52AA6E4}">
+                <adec:decorative xmlns:adec="http://schemas.microsoft.com/office/drawing/2017/decorative" val="1"/>
+              </a:ext>
+            </a:extLst>
+          </p:cNvPr>
+          <p:cNvSpPr>
+            <a:spLocks noGrp="1" noRot="1" noChangeAspect="1" noMove="1" noResize="1" noEditPoints="1" noAdjustHandles="1" noChangeArrowheads="1" noChangeShapeType="1" noTextEdit="1"/>
+          </p:cNvSpPr>
+          <p:nvPr>
+            <p:extLst>
+              <p:ext uri="{386F3935-93C4-4BCD-93E2-E3B085C9AB24}">
+                <p16:designElem xmlns:p16="http://schemas.microsoft.com/office/powerpoint/2015/main" val="1"/>
+              </p:ext>
+            </p:extLst>
+          </p:nvPr>
+        </p:nvSpPr>
+        <p:spPr>
+          <a:xfrm rot="16200000" flipH="1" flipV="1">
+            <a:off x="5250422" y="3397260"/>
+            <a:ext cx="3432752" cy="3488732"/>
+          </a:xfrm>
+          <a:custGeom>
+            <a:avLst/>
+            <a:gdLst>
+              <a:gd name="connsiteX0" fmla="*/ 0 w 2559050"/>
+              <a:gd name="connsiteY0" fmla="*/ 0 h 2559050"/>
+              <a:gd name="connsiteX1" fmla="*/ 2559050 w 2559050"/>
+              <a:gd name="connsiteY1" fmla="*/ 0 h 2559050"/>
+              <a:gd name="connsiteX2" fmla="*/ 0 w 2559050"/>
+              <a:gd name="connsiteY2" fmla="*/ 2559050 h 2559050"/>
+            </a:gdLst>
+            <a:ahLst/>
+            <a:cxnLst>
+              <a:cxn ang="0">
+                <a:pos x="connsiteX0" y="connsiteY0"/>
+              </a:cxn>
+              <a:cxn ang="0">
+                <a:pos x="connsiteX1" y="connsiteY1"/>
+              </a:cxn>
+              <a:cxn ang="0">
+                <a:pos x="connsiteX2" y="connsiteY2"/>
+              </a:cxn>
+            </a:cxnLst>
+            <a:rect l="l" t="t" r="r" b="b"/>
+            <a:pathLst>
+              <a:path w="2559050" h="2559050">
+                <a:moveTo>
+                  <a:pt x="0" y="0"/>
+                </a:moveTo>
+                <a:lnTo>
+                  <a:pt x="2559050" y="0"/>
+                </a:lnTo>
+                <a:cubicBezTo>
+                  <a:pt x="2559050" y="1413324"/>
+                  <a:pt x="1413324" y="2559050"/>
+                  <a:pt x="0" y="2559050"/>
+                </a:cubicBezTo>
+                <a:close/>
+              </a:path>
+            </a:pathLst>
+          </a:custGeom>
+          <a:solidFill>
+            <a:schemeClr val="accent5"/>
+          </a:solidFill>
+          <a:ln>
+            <a:noFill/>
+          </a:ln>
+        </p:spPr>
+        <p:style>
+          <a:lnRef idx="2">
+            <a:schemeClr val="accent1">
+              <a:shade val="50000"/>
+            </a:schemeClr>
+          </a:lnRef>
+          <a:fillRef idx="1">
+            <a:schemeClr val="accent1"/>
+          </a:fillRef>
+          <a:effectRef idx="0">
+            <a:schemeClr val="accent1"/>
+          </a:effectRef>
+          <a:fontRef idx="minor">
+            <a:schemeClr val="lt1"/>
+          </a:fontRef>
+        </p:style>
+        <p:txBody>
+          <a:bodyPr wrap="square" rtlCol="0" anchor="ctr">
+            <a:noAutofit/>
+          </a:bodyPr>
+          <a:lstStyle/>
+          <a:p>
+            <a:pPr algn="ctr"/>
+            <a:endParaRPr lang="en-US">
+              <a:solidFill>
+                <a:schemeClr val="tx1"/>
+              </a:solidFill>
+            </a:endParaRPr>
+          </a:p>
+        </p:txBody>
+      </p:sp>
+      <p:sp>
+        <p:nvSpPr>
+          <p:cNvPr id="45" name="Rectangle 44">
+            <a:extLst>
+              <a:ext uri="{FF2B5EF4-FFF2-40B4-BE49-F238E27FC236}">
+                <a16:creationId xmlns:a16="http://schemas.microsoft.com/office/drawing/2014/main" id="{34A651CC-55D6-4837-9B0A-0B3D2BD92FFB}"/>
+              </a:ext>
+              <a:ext uri="{C183D7F6-B498-43B3-948B-1728B52AA6E4}">
+                <adec:decorative xmlns:adec="http://schemas.microsoft.com/office/drawing/2017/decorative" val="1"/>
+              </a:ext>
+            </a:extLst>
+          </p:cNvPr>
+          <p:cNvSpPr>
+            <a:spLocks noGrp="1" noRot="1" noChangeAspect="1" noMove="1" noResize="1" noEditPoints="1" noAdjustHandles="1" noChangeArrowheads="1" noChangeShapeType="1" noTextEdit="1"/>
+          </p:cNvSpPr>
+          <p:nvPr>
+            <p:extLst>
+              <p:ext uri="{386F3935-93C4-4BCD-93E2-E3B085C9AB24}">
+                <p16:designElem xmlns:p16="http://schemas.microsoft.com/office/powerpoint/2015/main" val="1"/>
+              </p:ext>
+            </p:extLst>
+          </p:nvPr>
+        </p:nvSpPr>
+        <p:spPr>
+          <a:xfrm flipH="1">
+            <a:off x="8703558" y="3425248"/>
+            <a:ext cx="3488442" cy="3432752"/>
+          </a:xfrm>
+          <a:prstGeom prst="rect">
+            <a:avLst/>
+          </a:prstGeom>
+          <a:solidFill>
+            <a:schemeClr val="tx2"/>
+          </a:solidFill>
+          <a:ln>
+            <a:noFill/>
+          </a:ln>
+        </p:spPr>
+        <p:style>
+          <a:lnRef idx="2">
+            <a:schemeClr val="accent1">
+              <a:shade val="50000"/>
+            </a:schemeClr>
+          </a:lnRef>
+          <a:fillRef idx="1">
+            <a:schemeClr val="accent1"/>
+          </a:fillRef>
+          <a:effectRef idx="0">
+            <a:schemeClr val="accent1"/>
+          </a:effectRef>
+          <a:fontRef idx="minor">
+            <a:schemeClr val="lt1"/>
+          </a:fontRef>
+        </p:style>
+        <p:txBody>
+          <a:bodyPr rtlCol="0" anchor="ctr"/>
+          <a:lstStyle/>
+          <a:p>
+            <a:pPr algn="ctr"/>
+            <a:endParaRPr lang="en-US" dirty="0"/>
+          </a:p>
+        </p:txBody>
+      </p:sp>
+      <p:pic>
+        <p:nvPicPr>
+          <p:cNvPr id="7" name="Picture 6" descr="A yellow bar chart with black background&#10;&#10;AI-generated content may be incorrect.">
+            <a:extLst>
+              <a:ext uri="{FF2B5EF4-FFF2-40B4-BE49-F238E27FC236}">
+                <a16:creationId xmlns:a16="http://schemas.microsoft.com/office/drawing/2014/main" id="{0F76F279-31D0-658B-A032-9A5077391A22}"/>
+              </a:ext>
+            </a:extLst>
+          </p:cNvPr>
+          <p:cNvPicPr>
+            <a:picLocks noChangeAspect="1"/>
+          </p:cNvPicPr>
           <p:nvPr/>
-        </p:nvGrpSpPr>
-        <p:grpSpPr>
+        </p:nvPicPr>
+        <p:blipFill>
+          <a:blip r:embed="rId3">
+            <a:extLst>
+              <a:ext uri="{28A0092B-C50C-407E-A947-70E740481C1C}">
+                <a14:useLocalDpi xmlns:a14="http://schemas.microsoft.com/office/drawing/2010/main" val="0"/>
+              </a:ext>
+            </a:extLst>
+          </a:blip>
+          <a:srcRect t="24448" b="26176"/>
+          <a:stretch>
+            <a:fillRect/>
+          </a:stretch>
+        </p:blipFill>
+        <p:spPr>
           <a:xfrm>
-            <a:off x="5348697" y="4402899"/>
-            <a:ext cx="6687483" cy="2305372"/>
-            <a:chOff x="5314496" y="4313506"/>
-            <a:chExt cx="6687483" cy="2305372"/>
+            <a:off x="274320" y="2676525"/>
+            <a:ext cx="3048000" cy="1504950"/>
           </a:xfrm>
-        </p:grpSpPr>
-        <p:pic>
-          <p:nvPicPr>
-            <p:cNvPr id="7" name="Picture 6">
-              <a:extLst>
-                <a:ext uri="{FF2B5EF4-FFF2-40B4-BE49-F238E27FC236}">
-                  <a16:creationId xmlns:a16="http://schemas.microsoft.com/office/drawing/2014/main" id="{7F201D97-7538-6388-414D-A19BDA82FCEA}"/>
-                </a:ext>
-              </a:extLst>
-            </p:cNvPr>
-            <p:cNvPicPr>
-              <a:picLocks noChangeAspect="1"/>
-            </p:cNvPicPr>
-            <p:nvPr/>
-          </p:nvPicPr>
-          <p:blipFill>
-            <a:blip r:embed="rId5"/>
-            <a:stretch>
-              <a:fillRect/>
-            </a:stretch>
-          </p:blipFill>
-          <p:spPr>
-            <a:xfrm>
-              <a:off x="5314496" y="4313506"/>
-              <a:ext cx="6687483" cy="2305372"/>
-            </a:xfrm>
-            <a:prstGeom prst="rect">
-              <a:avLst/>
-            </a:prstGeom>
-          </p:spPr>
-        </p:pic>
-        <p:sp>
-          <p:nvSpPr>
-            <p:cNvPr id="11" name="Rectangle: Rounded Corners 10">
-              <a:extLst>
-                <a:ext uri="{FF2B5EF4-FFF2-40B4-BE49-F238E27FC236}">
-                  <a16:creationId xmlns:a16="http://schemas.microsoft.com/office/drawing/2014/main" id="{0BEA05E1-E351-EDBF-ECC4-0AF3A7A0A6BE}"/>
-                </a:ext>
-              </a:extLst>
-            </p:cNvPr>
-            <p:cNvSpPr/>
-            <p:nvPr/>
-          </p:nvSpPr>
-          <p:spPr>
-            <a:xfrm>
-              <a:off x="5629275" y="5076772"/>
-              <a:ext cx="3809999" cy="247703"/>
-            </a:xfrm>
-            <a:prstGeom prst="roundRect">
-              <a:avLst>
-                <a:gd name="adj" fmla="val 9370"/>
-              </a:avLst>
-            </a:prstGeom>
-            <a:noFill/>
-            <a:ln w="38100">
-              <a:solidFill>
-                <a:srgbClr val="FFC000"/>
-              </a:solidFill>
-            </a:ln>
-          </p:spPr>
-          <p:style>
-            <a:lnRef idx="2">
-              <a:schemeClr val="accent1">
-                <a:shade val="15000"/>
-              </a:schemeClr>
-            </a:lnRef>
-            <a:fillRef idx="1">
-              <a:schemeClr val="accent1"/>
-            </a:fillRef>
-            <a:effectRef idx="0">
-              <a:schemeClr val="accent1"/>
-            </a:effectRef>
-            <a:fontRef idx="minor">
-              <a:schemeClr val="lt1"/>
-            </a:fontRef>
-          </p:style>
-          <p:txBody>
-            <a:bodyPr rtlCol="0" anchor="ctr"/>
-            <a:lstStyle/>
-            <a:p>
-              <a:pPr algn="ctr"/>
-              <a:endParaRPr lang="en-US"/>
-            </a:p>
-          </p:txBody>
-        </p:sp>
-        <p:sp>
-          <p:nvSpPr>
-            <p:cNvPr id="12" name="Rectangle: Rounded Corners 11">
-              <a:extLst>
-                <a:ext uri="{FF2B5EF4-FFF2-40B4-BE49-F238E27FC236}">
-                  <a16:creationId xmlns:a16="http://schemas.microsoft.com/office/drawing/2014/main" id="{3A399F6A-A4A7-DD62-8CF7-04CC4868BD9C}"/>
-                </a:ext>
-              </a:extLst>
-            </p:cNvPr>
-            <p:cNvSpPr/>
-            <p:nvPr/>
-          </p:nvSpPr>
-          <p:spPr>
-            <a:xfrm>
-              <a:off x="5629274" y="5555145"/>
-              <a:ext cx="3809999" cy="247703"/>
-            </a:xfrm>
-            <a:prstGeom prst="roundRect">
-              <a:avLst>
-                <a:gd name="adj" fmla="val 9370"/>
-              </a:avLst>
-            </a:prstGeom>
-            <a:noFill/>
-            <a:ln w="38100">
-              <a:solidFill>
-                <a:srgbClr val="FFC000"/>
-              </a:solidFill>
-            </a:ln>
-          </p:spPr>
-          <p:style>
-            <a:lnRef idx="2">
-              <a:schemeClr val="accent1">
-                <a:shade val="15000"/>
-              </a:schemeClr>
-            </a:lnRef>
-            <a:fillRef idx="1">
-              <a:schemeClr val="accent1"/>
-            </a:fillRef>
-            <a:effectRef idx="0">
-              <a:schemeClr val="accent1"/>
-            </a:effectRef>
-            <a:fontRef idx="minor">
-              <a:schemeClr val="lt1"/>
-            </a:fontRef>
-          </p:style>
-          <p:txBody>
-            <a:bodyPr rtlCol="0" anchor="ctr"/>
-            <a:lstStyle/>
-            <a:p>
-              <a:pPr algn="ctr"/>
-              <a:endParaRPr lang="en-US"/>
-            </a:p>
-          </p:txBody>
-        </p:sp>
-      </p:grpSp>
+          <a:prstGeom prst="rect">
+            <a:avLst/>
+          </a:prstGeom>
+        </p:spPr>
+      </p:pic>
     </p:spTree>
     <p:extLst>
       <p:ext uri="{BB962C8B-B14F-4D97-AF65-F5344CB8AC3E}">
-        <p14:creationId xmlns:p14="http://schemas.microsoft.com/office/powerpoint/2010/main" val="758911715"/>
+        <p14:creationId xmlns:p14="http://schemas.microsoft.com/office/powerpoint/2010/main" val="637506734"/>
       </p:ext>
     </p:extLst>
   </p:cSld>

--- a/2025-06-30 CAH.pptx
+++ b/2025-06-30 CAH.pptx
@@ -5,26 +5,33 @@
     <p:sldMasterId id="2147483738" r:id="rId1"/>
   </p:sldMasterIdLst>
   <p:notesMasterIdLst>
-    <p:notesMasterId r:id="rId19"/>
+    <p:notesMasterId r:id="rId26"/>
   </p:notesMasterIdLst>
   <p:sldIdLst>
     <p:sldId id="256" r:id="rId2"/>
     <p:sldId id="265" r:id="rId3"/>
-    <p:sldId id="260" r:id="rId4"/>
+    <p:sldId id="291" r:id="rId4"/>
     <p:sldId id="258" r:id="rId5"/>
     <p:sldId id="257" r:id="rId6"/>
-    <p:sldId id="261" r:id="rId7"/>
+    <p:sldId id="290" r:id="rId7"/>
     <p:sldId id="259" r:id="rId8"/>
     <p:sldId id="262" r:id="rId9"/>
     <p:sldId id="264" r:id="rId10"/>
     <p:sldId id="263" r:id="rId11"/>
     <p:sldId id="266" r:id="rId12"/>
-    <p:sldId id="267" r:id="rId13"/>
-    <p:sldId id="269" r:id="rId14"/>
-    <p:sldId id="268" r:id="rId15"/>
-    <p:sldId id="270" r:id="rId16"/>
-    <p:sldId id="274" r:id="rId17"/>
-    <p:sldId id="271" r:id="rId18"/>
+    <p:sldId id="289" r:id="rId13"/>
+    <p:sldId id="276" r:id="rId14"/>
+    <p:sldId id="278" r:id="rId15"/>
+    <p:sldId id="283" r:id="rId16"/>
+    <p:sldId id="279" r:id="rId17"/>
+    <p:sldId id="280" r:id="rId18"/>
+    <p:sldId id="282" r:id="rId19"/>
+    <p:sldId id="284" r:id="rId20"/>
+    <p:sldId id="274" r:id="rId21"/>
+    <p:sldId id="286" r:id="rId22"/>
+    <p:sldId id="287" r:id="rId23"/>
+    <p:sldId id="288" r:id="rId24"/>
+    <p:sldId id="292" r:id="rId25"/>
   </p:sldIdLst>
   <p:sldSz cx="12192000" cy="6858000"/>
   <p:notesSz cx="6858000" cy="9144000"/>
@@ -123,6 +130,14 @@
       </a:defRPr>
     </a:lvl9pPr>
   </p:defaultTextStyle>
+  <p:extLst>
+    <p:ext uri="{EFAFB233-063F-42B5-8137-9DF3F51BA10A}">
+      <p15:sldGuideLst xmlns:p15="http://schemas.microsoft.com/office/powerpoint/2012/main"/>
+    </p:ext>
+    <p:ext uri="{2D200454-40CA-4A62-9FC3-DE9A4176ACB9}">
+      <p15:notesGuideLst xmlns:p15="http://schemas.microsoft.com/office/powerpoint/2012/main"/>
+    </p:ext>
+  </p:extLst>
 </p:presentation>
 </file>
 
@@ -3261,7 +3276,7 @@
           <a:p>
             <a:fld id="{1D206D37-0159-4466-9C98-4C1D56A57239}" type="datetimeFigureOut">
               <a:rPr lang="en-US" smtClean="0"/>
-              <a:t>6/29/2025</a:t>
+              <a:t>7/4/2025</a:t>
             </a:fld>
             <a:endParaRPr lang="en-US"/>
           </a:p>
@@ -3533,7 +3548,13 @@
   <p:cSld>
     <p:spTree>
       <p:nvGrpSpPr>
-        <p:cNvPr id="1" name=""/>
+        <p:cNvPr id="1" name="">
+          <a:extLst>
+            <a:ext uri="{FF2B5EF4-FFF2-40B4-BE49-F238E27FC236}">
+              <a16:creationId xmlns:a16="http://schemas.microsoft.com/office/drawing/2014/main" id="{BEE36AFA-E265-E57A-BB7F-7411D766B0D9}"/>
+            </a:ext>
+          </a:extLst>
+        </p:cNvPr>
         <p:cNvGrpSpPr/>
         <p:nvPr/>
       </p:nvGrpSpPr>
@@ -3547,7 +3568,13 @@
       </p:grpSpPr>
       <p:sp>
         <p:nvSpPr>
-          <p:cNvPr id="2" name="Slide Image Placeholder 1"/>
+          <p:cNvPr id="2" name="Slide Image Placeholder 1">
+            <a:extLst>
+              <a:ext uri="{FF2B5EF4-FFF2-40B4-BE49-F238E27FC236}">
+                <a16:creationId xmlns:a16="http://schemas.microsoft.com/office/drawing/2014/main" id="{178B546C-E89A-B92A-1F60-D01679B2AE79}"/>
+              </a:ext>
+            </a:extLst>
+          </p:cNvPr>
           <p:cNvSpPr>
             <a:spLocks noGrp="1" noRot="1" noChangeAspect="1"/>
           </p:cNvSpPr>
@@ -3559,7 +3586,13 @@
       </p:sp>
       <p:sp>
         <p:nvSpPr>
-          <p:cNvPr id="3" name="Notes Placeholder 2"/>
+          <p:cNvPr id="3" name="Notes Placeholder 2">
+            <a:extLst>
+              <a:ext uri="{FF2B5EF4-FFF2-40B4-BE49-F238E27FC236}">
+                <a16:creationId xmlns:a16="http://schemas.microsoft.com/office/drawing/2014/main" id="{DEE7C7E5-0C40-36A2-52AC-A6BFEC02510F}"/>
+              </a:ext>
+            </a:extLst>
+          </p:cNvPr>
           <p:cNvSpPr>
             <a:spLocks noGrp="1"/>
           </p:cNvSpPr>
@@ -3578,7 +3611,13 @@
       </p:sp>
       <p:sp>
         <p:nvSpPr>
-          <p:cNvPr id="4" name="Slide Number Placeholder 3"/>
+          <p:cNvPr id="4" name="Slide Number Placeholder 3">
+            <a:extLst>
+              <a:ext uri="{FF2B5EF4-FFF2-40B4-BE49-F238E27FC236}">
+                <a16:creationId xmlns:a16="http://schemas.microsoft.com/office/drawing/2014/main" id="{37C7E735-63C7-1A1F-85F8-052DAE0F1F4F}"/>
+              </a:ext>
+            </a:extLst>
+          </p:cNvPr>
           <p:cNvSpPr>
             <a:spLocks noGrp="1"/>
           </p:cNvSpPr>
@@ -3602,7 +3641,7 @@
     </p:spTree>
     <p:extLst>
       <p:ext uri="{BB962C8B-B14F-4D97-AF65-F5344CB8AC3E}">
-        <p14:creationId xmlns:p14="http://schemas.microsoft.com/office/powerpoint/2010/main" val="1464369692"/>
+        <p14:creationId xmlns:p14="http://schemas.microsoft.com/office/powerpoint/2010/main" val="585274361"/>
       </p:ext>
     </p:extLst>
   </p:cSld>
@@ -3656,97 +3695,7 @@
           <a:bodyPr/>
           <a:lstStyle/>
           <a:p>
-            <a:pPr marL="171450" indent="-171450">
-              <a:buFont typeface="Arial" panose="020B0604020202020204" pitchFamily="34" charset="0"/>
-              <a:buChar char="•"/>
-            </a:pPr>
-            <a:r>
-              <a:rPr lang="en-US" dirty="0"/>
-              <a:t>Merge Queries (i.e., tables “Data set A” and “Data set B”) as New query (to be renamed “Contiguous”).</a:t>
-            </a:r>
-          </a:p>
-          <a:p>
-            <a:pPr marL="628650" lvl="1" indent="-171450">
-              <a:buFont typeface="Arial" panose="020B0604020202020204" pitchFamily="34" charset="0"/>
-              <a:buChar char="•"/>
-            </a:pPr>
-            <a:r>
-              <a:rPr lang="en-US" dirty="0"/>
-              <a:t>Merge because you are adding column “</a:t>
-            </a:r>
-            <a:r>
-              <a:rPr lang="en-US" dirty="0" err="1"/>
-              <a:t>increased_contribution</a:t>
-            </a:r>
-            <a:r>
-              <a:rPr lang="en-US" dirty="0"/>
-              <a:t>” from Data set B to the columns of Data set A</a:t>
-            </a:r>
-          </a:p>
-          <a:p>
-            <a:pPr marL="628650" lvl="1" indent="-171450">
-              <a:buFont typeface="Arial" panose="020B0604020202020204" pitchFamily="34" charset="0"/>
-              <a:buChar char="•"/>
-            </a:pPr>
-            <a:r>
-              <a:rPr lang="en-US" dirty="0"/>
-              <a:t>Select tables &amp; common key between tables.</a:t>
-            </a:r>
-          </a:p>
-          <a:p>
-            <a:pPr marL="628650" lvl="1" indent="-171450">
-              <a:buFont typeface="Arial" panose="020B0604020202020204" pitchFamily="34" charset="0"/>
-              <a:buChar char="•"/>
-            </a:pPr>
-            <a:r>
-              <a:rPr lang="en-US" dirty="0"/>
-              <a:t>Select join</a:t>
-            </a:r>
-          </a:p>
-          <a:p>
-            <a:pPr marL="1085850" lvl="2" indent="-171450">
-              <a:buFont typeface="Arial" panose="020B0604020202020204" pitchFamily="34" charset="0"/>
-              <a:buChar char="•"/>
-            </a:pPr>
-            <a:r>
-              <a:rPr lang="en-US" dirty="0"/>
-              <a:t>Inner = </a:t>
-            </a:r>
-            <a:r>
-              <a:rPr lang="en-US"/>
-              <a:t>Analytic sample</a:t>
-            </a:r>
             <a:endParaRPr lang="en-US" dirty="0"/>
-          </a:p>
-          <a:p>
-            <a:pPr marL="1543050" lvl="3" indent="-171450">
-              <a:buFont typeface="Arial" panose="020B0604020202020204" pitchFamily="34" charset="0"/>
-              <a:buChar char="•"/>
-            </a:pPr>
-            <a:r>
-              <a:rPr lang="en-US" dirty="0"/>
-              <a:t>373 rows</a:t>
-            </a:r>
-          </a:p>
-          <a:p>
-            <a:pPr marL="1543050" lvl="3" indent="-171450">
-              <a:buFont typeface="Arial" panose="020B0604020202020204" pitchFamily="34" charset="0"/>
-              <a:buChar char="•"/>
-            </a:pPr>
-            <a:r>
-              <a:rPr lang="en-US" dirty="0"/>
-              <a:t>Demographics (condition, income) from Dataset A for IDs 1457-2000</a:t>
-            </a:r>
-          </a:p>
-          <a:p>
-            <a:pPr marL="1543050" lvl="3" indent="-171450">
-              <a:buFont typeface="Arial" panose="020B0604020202020204" pitchFamily="34" charset="0"/>
-              <a:buChar char="•"/>
-            </a:pPr>
-            <a:r>
-              <a:rPr lang="en-US" dirty="0"/>
-              <a:t>Outcomes from Dataset B for IDs 1457-2000</a:t>
-            </a:r>
           </a:p>
         </p:txBody>
       </p:sp>
@@ -3767,7 +3716,7 @@
           <a:p>
             <a:fld id="{B7B3E9D7-7C42-42C9-B073-01B263BBC5B6}" type="slidenum">
               <a:rPr lang="en-US" smtClean="0"/>
-              <a:t>15</a:t>
+              <a:t>13</a:t>
             </a:fld>
             <a:endParaRPr lang="en-US"/>
           </a:p>
@@ -3776,7 +3725,7 @@
     </p:spTree>
     <p:extLst>
       <p:ext uri="{BB962C8B-B14F-4D97-AF65-F5344CB8AC3E}">
-        <p14:creationId xmlns:p14="http://schemas.microsoft.com/office/powerpoint/2010/main" val="3444326585"/>
+        <p14:creationId xmlns:p14="http://schemas.microsoft.com/office/powerpoint/2010/main" val="1378391484"/>
       </p:ext>
     </p:extLst>
   </p:cSld>
@@ -3791,13 +3740,7 @@
   <p:cSld>
     <p:spTree>
       <p:nvGrpSpPr>
-        <p:cNvPr id="1" name="">
-          <a:extLst>
-            <a:ext uri="{FF2B5EF4-FFF2-40B4-BE49-F238E27FC236}">
-              <a16:creationId xmlns:a16="http://schemas.microsoft.com/office/drawing/2014/main" id="{10B099F8-6DB4-C8C3-A0F7-3DC773DF088F}"/>
-            </a:ext>
-          </a:extLst>
-        </p:cNvPr>
+        <p:cNvPr id="1" name=""/>
         <p:cNvGrpSpPr/>
         <p:nvPr/>
       </p:nvGrpSpPr>
@@ -3811,13 +3754,7 @@
       </p:grpSpPr>
       <p:sp>
         <p:nvSpPr>
-          <p:cNvPr id="2" name="Slide Image Placeholder 1">
-            <a:extLst>
-              <a:ext uri="{FF2B5EF4-FFF2-40B4-BE49-F238E27FC236}">
-                <a16:creationId xmlns:a16="http://schemas.microsoft.com/office/drawing/2014/main" id="{933E8BC0-FAF2-8F5D-5D2E-738AF13A05BD}"/>
-              </a:ext>
-            </a:extLst>
-          </p:cNvPr>
+          <p:cNvPr id="2" name="Slide Image Placeholder 1"/>
           <p:cNvSpPr>
             <a:spLocks noGrp="1" noRot="1" noChangeAspect="1"/>
           </p:cNvSpPr>
@@ -3829,13 +3766,7 @@
       </p:sp>
       <p:sp>
         <p:nvSpPr>
-          <p:cNvPr id="3" name="Notes Placeholder 2">
-            <a:extLst>
-              <a:ext uri="{FF2B5EF4-FFF2-40B4-BE49-F238E27FC236}">
-                <a16:creationId xmlns:a16="http://schemas.microsoft.com/office/drawing/2014/main" id="{A81312BE-FC23-DB77-9B94-60554E650F61}"/>
-              </a:ext>
-            </a:extLst>
-          </p:cNvPr>
+          <p:cNvPr id="3" name="Notes Placeholder 2"/>
           <p:cNvSpPr>
             <a:spLocks noGrp="1"/>
           </p:cNvSpPr>
@@ -3848,254 +3779,36 @@
           <a:bodyPr/>
           <a:lstStyle/>
           <a:p>
-            <a:pPr marL="171450" indent="-171450">
+            <a:pPr marL="171450" marR="0" lvl="0" indent="-171450" algn="l" defTabSz="914400" rtl="0" eaLnBrk="1" fontAlgn="auto" latinLnBrk="0" hangingPunct="1">
+              <a:lnSpc>
+                <a:spcPct val="100000"/>
+              </a:lnSpc>
+              <a:spcBef>
+                <a:spcPts val="0"/>
+              </a:spcBef>
+              <a:spcAft>
+                <a:spcPts val="0"/>
+              </a:spcAft>
+              <a:buClrTx/>
+              <a:buSzTx/>
               <a:buFont typeface="Arial" panose="020B0604020202020204" pitchFamily="34" charset="0"/>
               <a:buChar char="•"/>
+              <a:tabLst/>
+              <a:defRPr/>
             </a:pPr>
             <a:r>
               <a:rPr lang="en-US" dirty="0"/>
-              <a:t>Merge Queries (i.e., tables “Data set A” and “Data set B”) as New query (to be renamed “Contiguous”).</a:t>
+              <a:t>Import additional data sets, or “queries”.</a:t>
             </a:r>
           </a:p>
           <a:p>
-            <a:pPr marL="628650" lvl="1" indent="-171450">
-              <a:buFont typeface="Arial" panose="020B0604020202020204" pitchFamily="34" charset="0"/>
-              <a:buChar char="•"/>
-            </a:pPr>
-            <a:r>
-              <a:rPr lang="en-US" dirty="0"/>
-              <a:t>Merge because you are adding column “</a:t>
-            </a:r>
-            <a:r>
-              <a:rPr lang="en-US" dirty="0" err="1"/>
-              <a:t>increased_contribution</a:t>
-            </a:r>
-            <a:r>
-              <a:rPr lang="en-US" dirty="0"/>
-              <a:t>” from Data set B to the columns of Data set A</a:t>
-            </a:r>
-          </a:p>
-          <a:p>
-            <a:pPr marL="628650" lvl="1" indent="-171450">
-              <a:buFont typeface="Arial" panose="020B0604020202020204" pitchFamily="34" charset="0"/>
-              <a:buChar char="•"/>
-            </a:pPr>
-            <a:r>
-              <a:rPr lang="en-US" dirty="0"/>
-              <a:t>Select tables &amp; common key between tables.</a:t>
-            </a:r>
-          </a:p>
-          <a:p>
-            <a:pPr marL="628650" lvl="1" indent="-171450">
-              <a:buFont typeface="Arial" panose="020B0604020202020204" pitchFamily="34" charset="0"/>
-              <a:buChar char="•"/>
-            </a:pPr>
-            <a:r>
-              <a:rPr lang="en-US" dirty="0"/>
-              <a:t>Select join</a:t>
-            </a:r>
-          </a:p>
-          <a:p>
-            <a:pPr marL="1085850" lvl="2" indent="-171450">
-              <a:buFont typeface="Arial" panose="020B0604020202020204" pitchFamily="34" charset="0"/>
-              <a:buChar char="•"/>
-            </a:pPr>
-            <a:r>
-              <a:rPr lang="en-US" dirty="0"/>
-              <a:t>Left Outer (all of blue circle)</a:t>
-            </a:r>
-          </a:p>
-          <a:p>
-            <a:pPr marL="1543050" lvl="3" indent="-171450">
-              <a:buFont typeface="Arial" panose="020B0604020202020204" pitchFamily="34" charset="0"/>
-              <a:buChar char="•"/>
-            </a:pPr>
-            <a:r>
-              <a:rPr lang="en-US" dirty="0"/>
-              <a:t>1001 rows = 457 + 544</a:t>
-            </a:r>
-          </a:p>
-          <a:p>
-            <a:pPr marL="1543050" lvl="3" indent="-171450">
-              <a:buFont typeface="Arial" panose="020B0604020202020204" pitchFamily="34" charset="0"/>
-              <a:buChar char="•"/>
-            </a:pPr>
-            <a:r>
-              <a:rPr lang="en-US" dirty="0"/>
-              <a:t>Demographics (condition, income) from Dataset A for IDs 1000-2000</a:t>
-            </a:r>
-          </a:p>
-          <a:p>
-            <a:pPr marL="1543050" lvl="3" indent="-171450">
-              <a:buFont typeface="Arial" panose="020B0604020202020204" pitchFamily="34" charset="0"/>
-              <a:buChar char="•"/>
-            </a:pPr>
-            <a:r>
-              <a:rPr lang="en-US" dirty="0"/>
-              <a:t>Null outcomes for IDs 1000-1456 without outcomes in Dataset B</a:t>
-            </a:r>
-          </a:p>
-          <a:p>
-            <a:pPr marL="1543050" lvl="3" indent="-171450">
-              <a:buFont typeface="Arial" panose="020B0604020202020204" pitchFamily="34" charset="0"/>
-              <a:buChar char="•"/>
-            </a:pPr>
-            <a:r>
-              <a:rPr lang="en-US" dirty="0"/>
-              <a:t>Outcomes from Dataset B for IDs 1457-2000</a:t>
-            </a:r>
-          </a:p>
-          <a:p>
-            <a:pPr marL="1085850" lvl="2" indent="-171450">
-              <a:buFont typeface="Arial" panose="020B0604020202020204" pitchFamily="34" charset="0"/>
-              <a:buChar char="•"/>
-            </a:pPr>
-            <a:r>
-              <a:rPr lang="en-US" dirty="0"/>
-              <a:t>Right Outer (all of purple circle)</a:t>
-            </a:r>
-          </a:p>
-          <a:p>
-            <a:pPr marL="1543050" lvl="3" indent="-171450">
-              <a:buFont typeface="Arial" panose="020B0604020202020204" pitchFamily="34" charset="0"/>
-              <a:buChar char="•"/>
-            </a:pPr>
-            <a:r>
-              <a:rPr lang="en-US" dirty="0"/>
-              <a:t>754 rows = 373 + 381</a:t>
-            </a:r>
-          </a:p>
-          <a:p>
-            <a:pPr marL="1543050" lvl="3" indent="-171450">
-              <a:buFont typeface="Arial" panose="020B0604020202020204" pitchFamily="34" charset="0"/>
-              <a:buChar char="•"/>
-            </a:pPr>
-            <a:r>
-              <a:rPr lang="en-US" dirty="0"/>
-              <a:t>Demographics (condition, income) from Dataset A and outcomes from Dataset B for IDs 1457-2000</a:t>
-            </a:r>
-          </a:p>
-          <a:p>
-            <a:pPr marL="1543050" lvl="3" indent="-171450">
-              <a:buFont typeface="Arial" panose="020B0604020202020204" pitchFamily="34" charset="0"/>
-              <a:buChar char="•"/>
-            </a:pPr>
-            <a:r>
-              <a:rPr lang="en-US" dirty="0"/>
-              <a:t>Outcomes from Dataset B for IDs 2001-2381 without demographics from Dataset A</a:t>
-            </a:r>
-          </a:p>
-          <a:p>
-            <a:pPr marL="1085850" lvl="2" indent="-171450">
-              <a:buFont typeface="Arial" panose="020B0604020202020204" pitchFamily="34" charset="0"/>
-              <a:buChar char="•"/>
-            </a:pPr>
-            <a:r>
-              <a:rPr lang="en-US" dirty="0"/>
-              <a:t>Inner (convex)</a:t>
-            </a:r>
-          </a:p>
-          <a:p>
-            <a:pPr marL="1543050" lvl="3" indent="-171450">
-              <a:buFont typeface="Arial" panose="020B0604020202020204" pitchFamily="34" charset="0"/>
-              <a:buChar char="•"/>
-            </a:pPr>
-            <a:r>
-              <a:rPr lang="en-US" dirty="0"/>
-              <a:t>373 rows</a:t>
-            </a:r>
-          </a:p>
-          <a:p>
-            <a:pPr marL="1543050" lvl="3" indent="-171450">
-              <a:buFont typeface="Arial" panose="020B0604020202020204" pitchFamily="34" charset="0"/>
-              <a:buChar char="•"/>
-            </a:pPr>
-            <a:r>
-              <a:rPr lang="en-US" dirty="0"/>
-              <a:t>Demographics (condition, income) from Dataset A for IDs 1457-2000</a:t>
-            </a:r>
-          </a:p>
-          <a:p>
-            <a:pPr marL="1543050" lvl="3" indent="-171450">
-              <a:buFont typeface="Arial" panose="020B0604020202020204" pitchFamily="34" charset="0"/>
-              <a:buChar char="•"/>
-            </a:pPr>
-            <a:r>
-              <a:rPr lang="en-US" dirty="0"/>
-              <a:t>Outcomes from Dataset B for IDs 1457-2000</a:t>
-            </a:r>
-          </a:p>
-          <a:p>
-            <a:pPr marL="1085850" lvl="2" indent="-171450">
-              <a:buFont typeface="Arial" panose="020B0604020202020204" pitchFamily="34" charset="0"/>
-              <a:buChar char="•"/>
-            </a:pPr>
-            <a:r>
-              <a:rPr lang="en-US" dirty="0"/>
-              <a:t>Left Anti (c-shape)</a:t>
-            </a:r>
-          </a:p>
-          <a:p>
-            <a:pPr marL="1543050" lvl="3" indent="-171450">
-              <a:buFont typeface="Arial" panose="020B0604020202020204" pitchFamily="34" charset="0"/>
-              <a:buChar char="•"/>
-            </a:pPr>
-            <a:r>
-              <a:rPr lang="en-US" dirty="0"/>
-              <a:t>630 rows = 457 + 171</a:t>
-            </a:r>
-          </a:p>
-          <a:p>
-            <a:pPr marL="1543050" lvl="3" indent="-171450">
-              <a:buFont typeface="Arial" panose="020B0604020202020204" pitchFamily="34" charset="0"/>
-              <a:buChar char="•"/>
-            </a:pPr>
-            <a:r>
-              <a:rPr lang="en-US" dirty="0"/>
-              <a:t>Demographics (condition, income) from Dataset A for IDs 1000-2000 without outcomes from Dataset B</a:t>
-            </a:r>
-          </a:p>
-          <a:p>
-            <a:pPr marL="1085850" lvl="2" indent="-171450">
-              <a:buFont typeface="Arial" panose="020B0604020202020204" pitchFamily="34" charset="0"/>
-              <a:buChar char="•"/>
-            </a:pPr>
-            <a:r>
-              <a:rPr lang="en-US" dirty="0"/>
-              <a:t>Right Anti (c-shape)</a:t>
-            </a:r>
-          </a:p>
-          <a:p>
-            <a:pPr marL="1543050" lvl="3" indent="-171450">
-              <a:buFont typeface="Arial" panose="020B0604020202020204" pitchFamily="34" charset="0"/>
-              <a:buChar char="•"/>
-            </a:pPr>
-            <a:r>
-              <a:rPr lang="en-US" dirty="0"/>
-              <a:t>381 rows</a:t>
-            </a:r>
-          </a:p>
-          <a:p>
-            <a:pPr marL="1543050" lvl="3" indent="-171450">
-              <a:buFont typeface="Arial" panose="020B0604020202020204" pitchFamily="34" charset="0"/>
-              <a:buChar char="•"/>
-            </a:pPr>
-            <a:r>
-              <a:rPr lang="en-US" dirty="0"/>
-              <a:t> Outcomes from Dataset B for IDs 2001-2381 without demographics from Dataset A</a:t>
-            </a:r>
+            <a:endParaRPr lang="en-US" dirty="0"/>
           </a:p>
         </p:txBody>
       </p:sp>
       <p:sp>
         <p:nvSpPr>
-          <p:cNvPr id="4" name="Slide Number Placeholder 3">
-            <a:extLst>
-              <a:ext uri="{FF2B5EF4-FFF2-40B4-BE49-F238E27FC236}">
-                <a16:creationId xmlns:a16="http://schemas.microsoft.com/office/drawing/2014/main" id="{E5225E13-701C-A117-B945-FE52747A6CFA}"/>
-              </a:ext>
-            </a:extLst>
-          </p:cNvPr>
+          <p:cNvPr id="4" name="Slide Number Placeholder 3"/>
           <p:cNvSpPr>
             <a:spLocks noGrp="1"/>
           </p:cNvSpPr>
@@ -4110,7 +3823,7 @@
           <a:p>
             <a:fld id="{B7B3E9D7-7C42-42C9-B073-01B263BBC5B6}" type="slidenum">
               <a:rPr lang="en-US" smtClean="0"/>
-              <a:t>16</a:t>
+              <a:t>14</a:t>
             </a:fld>
             <a:endParaRPr lang="en-US"/>
           </a:p>
@@ -4119,7 +3832,7 @@
     </p:spTree>
     <p:extLst>
       <p:ext uri="{BB962C8B-B14F-4D97-AF65-F5344CB8AC3E}">
-        <p14:creationId xmlns:p14="http://schemas.microsoft.com/office/powerpoint/2010/main" val="93049090"/>
+        <p14:creationId xmlns:p14="http://schemas.microsoft.com/office/powerpoint/2010/main" val="2435355357"/>
       </p:ext>
     </p:extLst>
   </p:cSld>
@@ -4173,14 +3886,7 @@
           <a:bodyPr/>
           <a:lstStyle/>
           <a:p>
-            <a:pPr marL="171450" indent="-171450">
-              <a:buFont typeface="Arial" panose="020B0604020202020204" pitchFamily="34" charset="0"/>
-              <a:buChar char="•"/>
-            </a:pPr>
-            <a:r>
-              <a:rPr lang="en-US" dirty="0"/>
-              <a:t>Expand the added columns.</a:t>
-            </a:r>
+            <a:endParaRPr lang="en-US" dirty="0"/>
           </a:p>
         </p:txBody>
       </p:sp>
@@ -4201,7 +3907,7 @@
           <a:p>
             <a:fld id="{B7B3E9D7-7C42-42C9-B073-01B263BBC5B6}" type="slidenum">
               <a:rPr lang="en-US" smtClean="0"/>
-              <a:t>17</a:t>
+              <a:t>15</a:t>
             </a:fld>
             <a:endParaRPr lang="en-US"/>
           </a:p>
@@ -4210,7 +3916,986 @@
     </p:spTree>
     <p:extLst>
       <p:ext uri="{BB962C8B-B14F-4D97-AF65-F5344CB8AC3E}">
-        <p14:creationId xmlns:p14="http://schemas.microsoft.com/office/powerpoint/2010/main" val="4293881808"/>
+        <p14:creationId xmlns:p14="http://schemas.microsoft.com/office/powerpoint/2010/main" val="2181038550"/>
+      </p:ext>
+    </p:extLst>
+  </p:cSld>
+  <p:clrMapOvr>
+    <a:masterClrMapping/>
+  </p:clrMapOvr>
+</p:notes>
+</file>
+
+<file path=ppt/notesSlides/notesSlide13.xml><?xml version="1.0" encoding="utf-8"?>
+<p:notes xmlns:a="http://schemas.openxmlformats.org/drawingml/2006/main" xmlns:r="http://schemas.openxmlformats.org/officeDocument/2006/relationships" xmlns:p="http://schemas.openxmlformats.org/presentationml/2006/main">
+  <p:cSld>
+    <p:spTree>
+      <p:nvGrpSpPr>
+        <p:cNvPr id="1" name=""/>
+        <p:cNvGrpSpPr/>
+        <p:nvPr/>
+      </p:nvGrpSpPr>
+      <p:grpSpPr>
+        <a:xfrm>
+          <a:off x="0" y="0"/>
+          <a:ext cx="0" cy="0"/>
+          <a:chOff x="0" y="0"/>
+          <a:chExt cx="0" cy="0"/>
+        </a:xfrm>
+      </p:grpSpPr>
+      <p:sp>
+        <p:nvSpPr>
+          <p:cNvPr id="2" name="Slide Image Placeholder 1"/>
+          <p:cNvSpPr>
+            <a:spLocks noGrp="1" noRot="1" noChangeAspect="1"/>
+          </p:cNvSpPr>
+          <p:nvPr>
+            <p:ph type="sldImg"/>
+          </p:nvPr>
+        </p:nvSpPr>
+        <p:spPr/>
+      </p:sp>
+      <p:sp>
+        <p:nvSpPr>
+          <p:cNvPr id="3" name="Notes Placeholder 2"/>
+          <p:cNvSpPr>
+            <a:spLocks noGrp="1"/>
+          </p:cNvSpPr>
+          <p:nvPr>
+            <p:ph type="body" idx="1"/>
+          </p:nvPr>
+        </p:nvSpPr>
+        <p:spPr/>
+        <p:txBody>
+          <a:bodyPr/>
+          <a:lstStyle/>
+          <a:p>
+            <a:pPr marL="171450" indent="-171450">
+              <a:buFont typeface="Arial" panose="020B0604020202020204" pitchFamily="34" charset="0"/>
+              <a:buChar char="•"/>
+            </a:pPr>
+            <a:r>
+              <a:rPr lang="en-US" dirty="0"/>
+              <a:t>View column profile to reveal that this dummy variable, </a:t>
+            </a:r>
+            <a:r>
+              <a:rPr lang="en-US" dirty="0" err="1"/>
+              <a:t>increased_contribution</a:t>
+            </a:r>
+            <a:r>
+              <a:rPr lang="en-US" dirty="0"/>
+              <a:t>, actually has </a:t>
+            </a:r>
+            <a:r>
+              <a:rPr lang="en-US" dirty="0" err="1"/>
+              <a:t>catetgorical</a:t>
+            </a:r>
+            <a:r>
+              <a:rPr lang="en-US" dirty="0"/>
+              <a:t> (text) values, which is why “closed” were errors in a numeric data type.</a:t>
+            </a:r>
+          </a:p>
+        </p:txBody>
+      </p:sp>
+      <p:sp>
+        <p:nvSpPr>
+          <p:cNvPr id="4" name="Slide Number Placeholder 3"/>
+          <p:cNvSpPr>
+            <a:spLocks noGrp="1"/>
+          </p:cNvSpPr>
+          <p:nvPr>
+            <p:ph type="sldNum" sz="quarter" idx="5"/>
+          </p:nvPr>
+        </p:nvSpPr>
+        <p:spPr/>
+        <p:txBody>
+          <a:bodyPr/>
+          <a:lstStyle/>
+          <a:p>
+            <a:fld id="{B7B3E9D7-7C42-42C9-B073-01B263BBC5B6}" type="slidenum">
+              <a:rPr lang="en-US" smtClean="0"/>
+              <a:t>17</a:t>
+            </a:fld>
+            <a:endParaRPr lang="en-US"/>
+          </a:p>
+        </p:txBody>
+      </p:sp>
+    </p:spTree>
+    <p:extLst>
+      <p:ext uri="{BB962C8B-B14F-4D97-AF65-F5344CB8AC3E}">
+        <p14:creationId xmlns:p14="http://schemas.microsoft.com/office/powerpoint/2010/main" val="385699118"/>
+      </p:ext>
+    </p:extLst>
+  </p:cSld>
+  <p:clrMapOvr>
+    <a:masterClrMapping/>
+  </p:clrMapOvr>
+</p:notes>
+</file>
+
+<file path=ppt/notesSlides/notesSlide14.xml><?xml version="1.0" encoding="utf-8"?>
+<p:notes xmlns:a="http://schemas.openxmlformats.org/drawingml/2006/main" xmlns:r="http://schemas.openxmlformats.org/officeDocument/2006/relationships" xmlns:p="http://schemas.openxmlformats.org/presentationml/2006/main">
+  <p:cSld>
+    <p:spTree>
+      <p:nvGrpSpPr>
+        <p:cNvPr id="1" name=""/>
+        <p:cNvGrpSpPr/>
+        <p:nvPr/>
+      </p:nvGrpSpPr>
+      <p:grpSpPr>
+        <a:xfrm>
+          <a:off x="0" y="0"/>
+          <a:ext cx="0" cy="0"/>
+          <a:chOff x="0" y="0"/>
+          <a:chExt cx="0" cy="0"/>
+        </a:xfrm>
+      </p:grpSpPr>
+      <p:sp>
+        <p:nvSpPr>
+          <p:cNvPr id="2" name="Slide Image Placeholder 1"/>
+          <p:cNvSpPr>
+            <a:spLocks noGrp="1" noRot="1" noChangeAspect="1"/>
+          </p:cNvSpPr>
+          <p:nvPr>
+            <p:ph type="sldImg"/>
+          </p:nvPr>
+        </p:nvSpPr>
+        <p:spPr/>
+      </p:sp>
+      <p:sp>
+        <p:nvSpPr>
+          <p:cNvPr id="3" name="Notes Placeholder 2"/>
+          <p:cNvSpPr>
+            <a:spLocks noGrp="1"/>
+          </p:cNvSpPr>
+          <p:nvPr>
+            <p:ph type="body" idx="1"/>
+          </p:nvPr>
+        </p:nvSpPr>
+        <p:spPr/>
+        <p:txBody>
+          <a:bodyPr/>
+          <a:lstStyle/>
+          <a:p>
+            <a:endParaRPr lang="en-US" dirty="0"/>
+          </a:p>
+        </p:txBody>
+      </p:sp>
+      <p:sp>
+        <p:nvSpPr>
+          <p:cNvPr id="4" name="Slide Number Placeholder 3"/>
+          <p:cNvSpPr>
+            <a:spLocks noGrp="1"/>
+          </p:cNvSpPr>
+          <p:nvPr>
+            <p:ph type="sldNum" sz="quarter" idx="5"/>
+          </p:nvPr>
+        </p:nvSpPr>
+        <p:spPr/>
+        <p:txBody>
+          <a:bodyPr/>
+          <a:lstStyle/>
+          <a:p>
+            <a:fld id="{B7B3E9D7-7C42-42C9-B073-01B263BBC5B6}" type="slidenum">
+              <a:rPr lang="en-US" smtClean="0"/>
+              <a:t>18</a:t>
+            </a:fld>
+            <a:endParaRPr lang="en-US"/>
+          </a:p>
+        </p:txBody>
+      </p:sp>
+    </p:spTree>
+    <p:extLst>
+      <p:ext uri="{BB962C8B-B14F-4D97-AF65-F5344CB8AC3E}">
+        <p14:creationId xmlns:p14="http://schemas.microsoft.com/office/powerpoint/2010/main" val="3874809514"/>
+      </p:ext>
+    </p:extLst>
+  </p:cSld>
+  <p:clrMapOvr>
+    <a:masterClrMapping/>
+  </p:clrMapOvr>
+</p:notes>
+</file>
+
+<file path=ppt/notesSlides/notesSlide15.xml><?xml version="1.0" encoding="utf-8"?>
+<p:notes xmlns:a="http://schemas.openxmlformats.org/drawingml/2006/main" xmlns:r="http://schemas.openxmlformats.org/officeDocument/2006/relationships" xmlns:p="http://schemas.openxmlformats.org/presentationml/2006/main">
+  <p:cSld>
+    <p:spTree>
+      <p:nvGrpSpPr>
+        <p:cNvPr id="1" name=""/>
+        <p:cNvGrpSpPr/>
+        <p:nvPr/>
+      </p:nvGrpSpPr>
+      <p:grpSpPr>
+        <a:xfrm>
+          <a:off x="0" y="0"/>
+          <a:ext cx="0" cy="0"/>
+          <a:chOff x="0" y="0"/>
+          <a:chExt cx="0" cy="0"/>
+        </a:xfrm>
+      </p:grpSpPr>
+      <p:sp>
+        <p:nvSpPr>
+          <p:cNvPr id="2" name="Slide Image Placeholder 1"/>
+          <p:cNvSpPr>
+            <a:spLocks noGrp="1" noRot="1" noChangeAspect="1"/>
+          </p:cNvSpPr>
+          <p:nvPr>
+            <p:ph type="sldImg"/>
+          </p:nvPr>
+        </p:nvSpPr>
+        <p:spPr/>
+      </p:sp>
+      <p:sp>
+        <p:nvSpPr>
+          <p:cNvPr id="3" name="Notes Placeholder 2"/>
+          <p:cNvSpPr>
+            <a:spLocks noGrp="1"/>
+          </p:cNvSpPr>
+          <p:nvPr>
+            <p:ph type="body" idx="1"/>
+          </p:nvPr>
+        </p:nvSpPr>
+        <p:spPr/>
+        <p:txBody>
+          <a:bodyPr/>
+          <a:lstStyle/>
+          <a:p>
+            <a:pPr marL="171450" indent="-171450">
+              <a:buFont typeface="Arial" panose="020B0604020202020204" pitchFamily="34" charset="0"/>
+              <a:buChar char="•"/>
+            </a:pPr>
+            <a:r>
+              <a:rPr lang="en-US" dirty="0"/>
+              <a:t>Merge Queries (i.e., tables “Data set A” and “Data set B”) as New query (to be renamed “Inner”).</a:t>
+            </a:r>
+          </a:p>
+          <a:p>
+            <a:pPr marL="628650" lvl="1" indent="-171450">
+              <a:buFont typeface="Arial" panose="020B0604020202020204" pitchFamily="34" charset="0"/>
+              <a:buChar char="•"/>
+            </a:pPr>
+            <a:r>
+              <a:rPr lang="en-US" dirty="0"/>
+              <a:t>Merge (vs append) because you are adding column “</a:t>
+            </a:r>
+            <a:r>
+              <a:rPr lang="en-US" dirty="0" err="1"/>
+              <a:t>increased_contribution</a:t>
+            </a:r>
+            <a:r>
+              <a:rPr lang="en-US" dirty="0"/>
+              <a:t>” from Data set B to the columns of Data set A (vs rows)</a:t>
+            </a:r>
+          </a:p>
+          <a:p>
+            <a:pPr marL="628650" lvl="1" indent="-171450">
+              <a:buFont typeface="Arial" panose="020B0604020202020204" pitchFamily="34" charset="0"/>
+              <a:buChar char="•"/>
+            </a:pPr>
+            <a:r>
+              <a:rPr lang="en-US" dirty="0"/>
+              <a:t>Select tables &amp; common key (with the same data type) between tables.</a:t>
+            </a:r>
+          </a:p>
+          <a:p>
+            <a:pPr marL="628650" lvl="1" indent="-171450">
+              <a:buFont typeface="Arial" panose="020B0604020202020204" pitchFamily="34" charset="0"/>
+              <a:buChar char="•"/>
+            </a:pPr>
+            <a:r>
+              <a:rPr lang="en-US" dirty="0"/>
+              <a:t>Select join</a:t>
+            </a:r>
+          </a:p>
+          <a:p>
+            <a:pPr marL="1085850" lvl="2" indent="-171450">
+              <a:buFont typeface="Arial" panose="020B0604020202020204" pitchFamily="34" charset="0"/>
+              <a:buChar char="•"/>
+            </a:pPr>
+            <a:r>
+              <a:rPr lang="en-US" dirty="0"/>
+              <a:t>Inner = Analytic sample</a:t>
+            </a:r>
+          </a:p>
+          <a:p>
+            <a:pPr marL="1543050" lvl="3" indent="-171450">
+              <a:buFont typeface="Arial" panose="020B0604020202020204" pitchFamily="34" charset="0"/>
+              <a:buChar char="•"/>
+            </a:pPr>
+            <a:r>
+              <a:rPr lang="en-US" dirty="0"/>
+              <a:t>373 rows</a:t>
+            </a:r>
+          </a:p>
+          <a:p>
+            <a:pPr marL="1543050" lvl="3" indent="-171450">
+              <a:buFont typeface="Arial" panose="020B0604020202020204" pitchFamily="34" charset="0"/>
+              <a:buChar char="•"/>
+            </a:pPr>
+            <a:r>
+              <a:rPr lang="en-US" dirty="0"/>
+              <a:t>Demographics (condition, income) from Dataset A for IDs 1457-2000</a:t>
+            </a:r>
+          </a:p>
+          <a:p>
+            <a:pPr marL="1543050" lvl="3" indent="-171450">
+              <a:buFont typeface="Arial" panose="020B0604020202020204" pitchFamily="34" charset="0"/>
+              <a:buChar char="•"/>
+            </a:pPr>
+            <a:r>
+              <a:rPr lang="en-US" dirty="0"/>
+              <a:t>Outcomes from Dataset B for IDs 1457-2000</a:t>
+            </a:r>
+          </a:p>
+          <a:p>
+            <a:endParaRPr lang="en-US" dirty="0"/>
+          </a:p>
+        </p:txBody>
+      </p:sp>
+      <p:sp>
+        <p:nvSpPr>
+          <p:cNvPr id="4" name="Slide Number Placeholder 3"/>
+          <p:cNvSpPr>
+            <a:spLocks noGrp="1"/>
+          </p:cNvSpPr>
+          <p:nvPr>
+            <p:ph type="sldNum" sz="quarter" idx="5"/>
+          </p:nvPr>
+        </p:nvSpPr>
+        <p:spPr/>
+        <p:txBody>
+          <a:bodyPr/>
+          <a:lstStyle/>
+          <a:p>
+            <a:fld id="{B7B3E9D7-7C42-42C9-B073-01B263BBC5B6}" type="slidenum">
+              <a:rPr lang="en-US" smtClean="0"/>
+              <a:t>19</a:t>
+            </a:fld>
+            <a:endParaRPr lang="en-US"/>
+          </a:p>
+        </p:txBody>
+      </p:sp>
+    </p:spTree>
+    <p:extLst>
+      <p:ext uri="{BB962C8B-B14F-4D97-AF65-F5344CB8AC3E}">
+        <p14:creationId xmlns:p14="http://schemas.microsoft.com/office/powerpoint/2010/main" val="1162210440"/>
+      </p:ext>
+    </p:extLst>
+  </p:cSld>
+  <p:clrMapOvr>
+    <a:masterClrMapping/>
+  </p:clrMapOvr>
+</p:notes>
+</file>
+
+<file path=ppt/notesSlides/notesSlide16.xml><?xml version="1.0" encoding="utf-8"?>
+<p:notes xmlns:a="http://schemas.openxmlformats.org/drawingml/2006/main" xmlns:r="http://schemas.openxmlformats.org/officeDocument/2006/relationships" xmlns:p="http://schemas.openxmlformats.org/presentationml/2006/main">
+  <p:cSld>
+    <p:spTree>
+      <p:nvGrpSpPr>
+        <p:cNvPr id="1" name="">
+          <a:extLst>
+            <a:ext uri="{FF2B5EF4-FFF2-40B4-BE49-F238E27FC236}">
+              <a16:creationId xmlns:a16="http://schemas.microsoft.com/office/drawing/2014/main" id="{10B099F8-6DB4-C8C3-A0F7-3DC773DF088F}"/>
+            </a:ext>
+          </a:extLst>
+        </p:cNvPr>
+        <p:cNvGrpSpPr/>
+        <p:nvPr/>
+      </p:nvGrpSpPr>
+      <p:grpSpPr>
+        <a:xfrm>
+          <a:off x="0" y="0"/>
+          <a:ext cx="0" cy="0"/>
+          <a:chOff x="0" y="0"/>
+          <a:chExt cx="0" cy="0"/>
+        </a:xfrm>
+      </p:grpSpPr>
+      <p:sp>
+        <p:nvSpPr>
+          <p:cNvPr id="2" name="Slide Image Placeholder 1">
+            <a:extLst>
+              <a:ext uri="{FF2B5EF4-FFF2-40B4-BE49-F238E27FC236}">
+                <a16:creationId xmlns:a16="http://schemas.microsoft.com/office/drawing/2014/main" id="{933E8BC0-FAF2-8F5D-5D2E-738AF13A05BD}"/>
+              </a:ext>
+            </a:extLst>
+          </p:cNvPr>
+          <p:cNvSpPr>
+            <a:spLocks noGrp="1" noRot="1" noChangeAspect="1"/>
+          </p:cNvSpPr>
+          <p:nvPr>
+            <p:ph type="sldImg"/>
+          </p:nvPr>
+        </p:nvSpPr>
+        <p:spPr/>
+      </p:sp>
+      <p:sp>
+        <p:nvSpPr>
+          <p:cNvPr id="3" name="Notes Placeholder 2">
+            <a:extLst>
+              <a:ext uri="{FF2B5EF4-FFF2-40B4-BE49-F238E27FC236}">
+                <a16:creationId xmlns:a16="http://schemas.microsoft.com/office/drawing/2014/main" id="{A81312BE-FC23-DB77-9B94-60554E650F61}"/>
+              </a:ext>
+            </a:extLst>
+          </p:cNvPr>
+          <p:cNvSpPr>
+            <a:spLocks noGrp="1"/>
+          </p:cNvSpPr>
+          <p:nvPr>
+            <p:ph type="body" idx="1"/>
+          </p:nvPr>
+        </p:nvSpPr>
+        <p:spPr/>
+        <p:txBody>
+          <a:bodyPr/>
+          <a:lstStyle/>
+          <a:p>
+            <a:pPr marL="171450" indent="-171450">
+              <a:buFont typeface="Arial" panose="020B0604020202020204" pitchFamily="34" charset="0"/>
+              <a:buChar char="•"/>
+            </a:pPr>
+            <a:r>
+              <a:rPr lang="en-US" dirty="0"/>
+              <a:t>Merge Queries (i.e., tables “Data set A” and “Data set B”) as New query (to be renamed “Contiguous”).</a:t>
+            </a:r>
+          </a:p>
+          <a:p>
+            <a:pPr marL="628650" lvl="1" indent="-171450">
+              <a:buFont typeface="Arial" panose="020B0604020202020204" pitchFamily="34" charset="0"/>
+              <a:buChar char="•"/>
+            </a:pPr>
+            <a:r>
+              <a:rPr lang="en-US" dirty="0"/>
+              <a:t>Merge because you are adding column “</a:t>
+            </a:r>
+            <a:r>
+              <a:rPr lang="en-US" dirty="0" err="1"/>
+              <a:t>increased_contribution</a:t>
+            </a:r>
+            <a:r>
+              <a:rPr lang="en-US" dirty="0"/>
+              <a:t>” from Data set B to the columns of Data set A</a:t>
+            </a:r>
+          </a:p>
+          <a:p>
+            <a:pPr marL="628650" lvl="1" indent="-171450">
+              <a:buFont typeface="Arial" panose="020B0604020202020204" pitchFamily="34" charset="0"/>
+              <a:buChar char="•"/>
+            </a:pPr>
+            <a:r>
+              <a:rPr lang="en-US" dirty="0"/>
+              <a:t>Select tables &amp; common key between tables.</a:t>
+            </a:r>
+          </a:p>
+          <a:p>
+            <a:pPr marL="628650" lvl="1" indent="-171450">
+              <a:buFont typeface="Arial" panose="020B0604020202020204" pitchFamily="34" charset="0"/>
+              <a:buChar char="•"/>
+            </a:pPr>
+            <a:r>
+              <a:rPr lang="en-US" dirty="0"/>
+              <a:t>Select join</a:t>
+            </a:r>
+          </a:p>
+          <a:p>
+            <a:pPr marL="1085850" lvl="2" indent="-171450">
+              <a:buFont typeface="Arial" panose="020B0604020202020204" pitchFamily="34" charset="0"/>
+              <a:buChar char="•"/>
+            </a:pPr>
+            <a:r>
+              <a:rPr lang="en-US" dirty="0"/>
+              <a:t>Left Outer (all of blue circle)</a:t>
+            </a:r>
+          </a:p>
+          <a:p>
+            <a:pPr marL="1543050" lvl="3" indent="-171450">
+              <a:buFont typeface="Arial" panose="020B0604020202020204" pitchFamily="34" charset="0"/>
+              <a:buChar char="•"/>
+            </a:pPr>
+            <a:r>
+              <a:rPr lang="en-US" dirty="0"/>
+              <a:t>1001 rows = 457 + 544</a:t>
+            </a:r>
+          </a:p>
+          <a:p>
+            <a:pPr marL="1543050" lvl="3" indent="-171450">
+              <a:buFont typeface="Arial" panose="020B0604020202020204" pitchFamily="34" charset="0"/>
+              <a:buChar char="•"/>
+            </a:pPr>
+            <a:r>
+              <a:rPr lang="en-US" dirty="0"/>
+              <a:t>Demographics (condition, income) from Dataset A for IDs 1000-2000</a:t>
+            </a:r>
+          </a:p>
+          <a:p>
+            <a:pPr marL="1543050" lvl="3" indent="-171450">
+              <a:buFont typeface="Arial" panose="020B0604020202020204" pitchFamily="34" charset="0"/>
+              <a:buChar char="•"/>
+            </a:pPr>
+            <a:r>
+              <a:rPr lang="en-US" dirty="0"/>
+              <a:t>Null outcomes for IDs 1000-1456 without outcomes in Dataset B</a:t>
+            </a:r>
+          </a:p>
+          <a:p>
+            <a:pPr marL="1543050" lvl="3" indent="-171450">
+              <a:buFont typeface="Arial" panose="020B0604020202020204" pitchFamily="34" charset="0"/>
+              <a:buChar char="•"/>
+            </a:pPr>
+            <a:r>
+              <a:rPr lang="en-US" dirty="0"/>
+              <a:t>Outcomes from Dataset B for IDs 1457-2000</a:t>
+            </a:r>
+          </a:p>
+          <a:p>
+            <a:pPr marL="1085850" lvl="2" indent="-171450">
+              <a:buFont typeface="Arial" panose="020B0604020202020204" pitchFamily="34" charset="0"/>
+              <a:buChar char="•"/>
+            </a:pPr>
+            <a:r>
+              <a:rPr lang="en-US" dirty="0"/>
+              <a:t>Right Outer (all of purple circle)</a:t>
+            </a:r>
+          </a:p>
+          <a:p>
+            <a:pPr marL="1543050" lvl="3" indent="-171450">
+              <a:buFont typeface="Arial" panose="020B0604020202020204" pitchFamily="34" charset="0"/>
+              <a:buChar char="•"/>
+            </a:pPr>
+            <a:r>
+              <a:rPr lang="en-US" dirty="0"/>
+              <a:t>754 rows = 373 + 381</a:t>
+            </a:r>
+          </a:p>
+          <a:p>
+            <a:pPr marL="1543050" lvl="3" indent="-171450">
+              <a:buFont typeface="Arial" panose="020B0604020202020204" pitchFamily="34" charset="0"/>
+              <a:buChar char="•"/>
+            </a:pPr>
+            <a:r>
+              <a:rPr lang="en-US" dirty="0"/>
+              <a:t>Demographics (condition, income) from Dataset A and outcomes from Dataset B for IDs 1457-2000</a:t>
+            </a:r>
+          </a:p>
+          <a:p>
+            <a:pPr marL="1543050" lvl="3" indent="-171450">
+              <a:buFont typeface="Arial" panose="020B0604020202020204" pitchFamily="34" charset="0"/>
+              <a:buChar char="•"/>
+            </a:pPr>
+            <a:r>
+              <a:rPr lang="en-US" dirty="0"/>
+              <a:t>Outcomes from Dataset B for IDs 2001-2381 without demographics from Dataset A</a:t>
+            </a:r>
+          </a:p>
+          <a:p>
+            <a:pPr marL="1085850" lvl="2" indent="-171450">
+              <a:buFont typeface="Arial" panose="020B0604020202020204" pitchFamily="34" charset="0"/>
+              <a:buChar char="•"/>
+            </a:pPr>
+            <a:r>
+              <a:rPr lang="en-US" dirty="0"/>
+              <a:t>Inner (convex)</a:t>
+            </a:r>
+          </a:p>
+          <a:p>
+            <a:pPr marL="1543050" lvl="3" indent="-171450">
+              <a:buFont typeface="Arial" panose="020B0604020202020204" pitchFamily="34" charset="0"/>
+              <a:buChar char="•"/>
+            </a:pPr>
+            <a:r>
+              <a:rPr lang="en-US" dirty="0"/>
+              <a:t>373 rows</a:t>
+            </a:r>
+          </a:p>
+          <a:p>
+            <a:pPr marL="1543050" lvl="3" indent="-171450">
+              <a:buFont typeface="Arial" panose="020B0604020202020204" pitchFamily="34" charset="0"/>
+              <a:buChar char="•"/>
+            </a:pPr>
+            <a:r>
+              <a:rPr lang="en-US" dirty="0"/>
+              <a:t>Demographics (condition, income) from Dataset A for IDs 1457-2000</a:t>
+            </a:r>
+          </a:p>
+          <a:p>
+            <a:pPr marL="1543050" lvl="3" indent="-171450">
+              <a:buFont typeface="Arial" panose="020B0604020202020204" pitchFamily="34" charset="0"/>
+              <a:buChar char="•"/>
+            </a:pPr>
+            <a:r>
+              <a:rPr lang="en-US" dirty="0"/>
+              <a:t>Outcomes from Dataset B for IDs 1457-2000</a:t>
+            </a:r>
+          </a:p>
+          <a:p>
+            <a:pPr marL="1085850" lvl="2" indent="-171450">
+              <a:buFont typeface="Arial" panose="020B0604020202020204" pitchFamily="34" charset="0"/>
+              <a:buChar char="•"/>
+            </a:pPr>
+            <a:r>
+              <a:rPr lang="en-US" dirty="0"/>
+              <a:t>Left Anti (c-shape)</a:t>
+            </a:r>
+          </a:p>
+          <a:p>
+            <a:pPr marL="1543050" lvl="3" indent="-171450">
+              <a:buFont typeface="Arial" panose="020B0604020202020204" pitchFamily="34" charset="0"/>
+              <a:buChar char="•"/>
+            </a:pPr>
+            <a:r>
+              <a:rPr lang="en-US" dirty="0"/>
+              <a:t>630 rows = 457 + 171</a:t>
+            </a:r>
+          </a:p>
+          <a:p>
+            <a:pPr marL="1543050" lvl="3" indent="-171450">
+              <a:buFont typeface="Arial" panose="020B0604020202020204" pitchFamily="34" charset="0"/>
+              <a:buChar char="•"/>
+            </a:pPr>
+            <a:r>
+              <a:rPr lang="en-US" dirty="0"/>
+              <a:t>Demographics (condition, income) from Dataset A for IDs 1000-2000 without outcomes from Dataset B</a:t>
+            </a:r>
+          </a:p>
+          <a:p>
+            <a:pPr marL="1085850" lvl="2" indent="-171450">
+              <a:buFont typeface="Arial" panose="020B0604020202020204" pitchFamily="34" charset="0"/>
+              <a:buChar char="•"/>
+            </a:pPr>
+            <a:r>
+              <a:rPr lang="en-US" dirty="0"/>
+              <a:t>Right Anti (c-shape)</a:t>
+            </a:r>
+          </a:p>
+          <a:p>
+            <a:pPr marL="1543050" lvl="3" indent="-171450">
+              <a:buFont typeface="Arial" panose="020B0604020202020204" pitchFamily="34" charset="0"/>
+              <a:buChar char="•"/>
+            </a:pPr>
+            <a:r>
+              <a:rPr lang="en-US" dirty="0"/>
+              <a:t>381 rows</a:t>
+            </a:r>
+          </a:p>
+          <a:p>
+            <a:pPr marL="1543050" lvl="3" indent="-171450">
+              <a:buFont typeface="Arial" panose="020B0604020202020204" pitchFamily="34" charset="0"/>
+              <a:buChar char="•"/>
+            </a:pPr>
+            <a:r>
+              <a:rPr lang="en-US" dirty="0"/>
+              <a:t> Outcomes from Dataset B for IDs 2001-2381 without demographics from Dataset A</a:t>
+            </a:r>
+          </a:p>
+        </p:txBody>
+      </p:sp>
+      <p:sp>
+        <p:nvSpPr>
+          <p:cNvPr id="4" name="Slide Number Placeholder 3">
+            <a:extLst>
+              <a:ext uri="{FF2B5EF4-FFF2-40B4-BE49-F238E27FC236}">
+                <a16:creationId xmlns:a16="http://schemas.microsoft.com/office/drawing/2014/main" id="{E5225E13-701C-A117-B945-FE52747A6CFA}"/>
+              </a:ext>
+            </a:extLst>
+          </p:cNvPr>
+          <p:cNvSpPr>
+            <a:spLocks noGrp="1"/>
+          </p:cNvSpPr>
+          <p:nvPr>
+            <p:ph type="sldNum" sz="quarter" idx="5"/>
+          </p:nvPr>
+        </p:nvSpPr>
+        <p:spPr/>
+        <p:txBody>
+          <a:bodyPr/>
+          <a:lstStyle/>
+          <a:p>
+            <a:fld id="{B7B3E9D7-7C42-42C9-B073-01B263BBC5B6}" type="slidenum">
+              <a:rPr lang="en-US" smtClean="0"/>
+              <a:t>20</a:t>
+            </a:fld>
+            <a:endParaRPr lang="en-US"/>
+          </a:p>
+        </p:txBody>
+      </p:sp>
+    </p:spTree>
+    <p:extLst>
+      <p:ext uri="{BB962C8B-B14F-4D97-AF65-F5344CB8AC3E}">
+        <p14:creationId xmlns:p14="http://schemas.microsoft.com/office/powerpoint/2010/main" val="93049090"/>
+      </p:ext>
+    </p:extLst>
+  </p:cSld>
+  <p:clrMapOvr>
+    <a:masterClrMapping/>
+  </p:clrMapOvr>
+</p:notes>
+</file>
+
+<file path=ppt/notesSlides/notesSlide17.xml><?xml version="1.0" encoding="utf-8"?>
+<p:notes xmlns:a="http://schemas.openxmlformats.org/drawingml/2006/main" xmlns:r="http://schemas.openxmlformats.org/officeDocument/2006/relationships" xmlns:p="http://schemas.openxmlformats.org/presentationml/2006/main">
+  <p:cSld>
+    <p:spTree>
+      <p:nvGrpSpPr>
+        <p:cNvPr id="1" name=""/>
+        <p:cNvGrpSpPr/>
+        <p:nvPr/>
+      </p:nvGrpSpPr>
+      <p:grpSpPr>
+        <a:xfrm>
+          <a:off x="0" y="0"/>
+          <a:ext cx="0" cy="0"/>
+          <a:chOff x="0" y="0"/>
+          <a:chExt cx="0" cy="0"/>
+        </a:xfrm>
+      </p:grpSpPr>
+      <p:sp>
+        <p:nvSpPr>
+          <p:cNvPr id="2" name="Slide Image Placeholder 1"/>
+          <p:cNvSpPr>
+            <a:spLocks noGrp="1" noRot="1" noChangeAspect="1"/>
+          </p:cNvSpPr>
+          <p:nvPr>
+            <p:ph type="sldImg"/>
+          </p:nvPr>
+        </p:nvSpPr>
+        <p:spPr/>
+      </p:sp>
+      <p:sp>
+        <p:nvSpPr>
+          <p:cNvPr id="3" name="Notes Placeholder 2"/>
+          <p:cNvSpPr>
+            <a:spLocks noGrp="1"/>
+          </p:cNvSpPr>
+          <p:nvPr>
+            <p:ph type="body" idx="1"/>
+          </p:nvPr>
+        </p:nvSpPr>
+        <p:spPr/>
+        <p:txBody>
+          <a:bodyPr/>
+          <a:lstStyle/>
+          <a:p>
+            <a:pPr marL="171450" indent="-171450">
+              <a:buFont typeface="Arial" panose="020B0604020202020204" pitchFamily="34" charset="0"/>
+              <a:buChar char="•"/>
+            </a:pPr>
+            <a:r>
+              <a:rPr lang="en-US" dirty="0"/>
+              <a:t>Expand just the new columns added.</a:t>
+            </a:r>
+          </a:p>
+        </p:txBody>
+      </p:sp>
+      <p:sp>
+        <p:nvSpPr>
+          <p:cNvPr id="4" name="Slide Number Placeholder 3"/>
+          <p:cNvSpPr>
+            <a:spLocks noGrp="1"/>
+          </p:cNvSpPr>
+          <p:nvPr>
+            <p:ph type="sldNum" sz="quarter" idx="5"/>
+          </p:nvPr>
+        </p:nvSpPr>
+        <p:spPr/>
+        <p:txBody>
+          <a:bodyPr/>
+          <a:lstStyle/>
+          <a:p>
+            <a:fld id="{B7B3E9D7-7C42-42C9-B073-01B263BBC5B6}" type="slidenum">
+              <a:rPr lang="en-US" smtClean="0"/>
+              <a:t>21</a:t>
+            </a:fld>
+            <a:endParaRPr lang="en-US"/>
+          </a:p>
+        </p:txBody>
+      </p:sp>
+    </p:spTree>
+    <p:extLst>
+      <p:ext uri="{BB962C8B-B14F-4D97-AF65-F5344CB8AC3E}">
+        <p14:creationId xmlns:p14="http://schemas.microsoft.com/office/powerpoint/2010/main" val="1683546214"/>
+      </p:ext>
+    </p:extLst>
+  </p:cSld>
+  <p:clrMapOvr>
+    <a:masterClrMapping/>
+  </p:clrMapOvr>
+</p:notes>
+</file>
+
+<file path=ppt/notesSlides/notesSlide18.xml><?xml version="1.0" encoding="utf-8"?>
+<p:notes xmlns:a="http://schemas.openxmlformats.org/drawingml/2006/main" xmlns:r="http://schemas.openxmlformats.org/officeDocument/2006/relationships" xmlns:p="http://schemas.openxmlformats.org/presentationml/2006/main">
+  <p:cSld>
+    <p:spTree>
+      <p:nvGrpSpPr>
+        <p:cNvPr id="1" name=""/>
+        <p:cNvGrpSpPr/>
+        <p:nvPr/>
+      </p:nvGrpSpPr>
+      <p:grpSpPr>
+        <a:xfrm>
+          <a:off x="0" y="0"/>
+          <a:ext cx="0" cy="0"/>
+          <a:chOff x="0" y="0"/>
+          <a:chExt cx="0" cy="0"/>
+        </a:xfrm>
+      </p:grpSpPr>
+      <p:sp>
+        <p:nvSpPr>
+          <p:cNvPr id="2" name="Slide Image Placeholder 1"/>
+          <p:cNvSpPr>
+            <a:spLocks noGrp="1" noRot="1" noChangeAspect="1"/>
+          </p:cNvSpPr>
+          <p:nvPr>
+            <p:ph type="sldImg"/>
+          </p:nvPr>
+        </p:nvSpPr>
+        <p:spPr/>
+      </p:sp>
+      <p:sp>
+        <p:nvSpPr>
+          <p:cNvPr id="3" name="Notes Placeholder 2"/>
+          <p:cNvSpPr>
+            <a:spLocks noGrp="1"/>
+          </p:cNvSpPr>
+          <p:nvPr>
+            <p:ph type="body" idx="1"/>
+          </p:nvPr>
+        </p:nvSpPr>
+        <p:spPr/>
+        <p:txBody>
+          <a:bodyPr/>
+          <a:lstStyle/>
+          <a:p>
+            <a:pPr marL="171450" indent="-171450">
+              <a:buFont typeface="Arial" panose="020B0604020202020204" pitchFamily="34" charset="0"/>
+              <a:buChar char="•"/>
+            </a:pPr>
+            <a:r>
+              <a:rPr lang="en-US" dirty="0"/>
+              <a:t>Remove duplicate identifiers.</a:t>
+            </a:r>
+          </a:p>
+        </p:txBody>
+      </p:sp>
+      <p:sp>
+        <p:nvSpPr>
+          <p:cNvPr id="4" name="Slide Number Placeholder 3"/>
+          <p:cNvSpPr>
+            <a:spLocks noGrp="1"/>
+          </p:cNvSpPr>
+          <p:nvPr>
+            <p:ph type="sldNum" sz="quarter" idx="5"/>
+          </p:nvPr>
+        </p:nvSpPr>
+        <p:spPr/>
+        <p:txBody>
+          <a:bodyPr/>
+          <a:lstStyle/>
+          <a:p>
+            <a:fld id="{B7B3E9D7-7C42-42C9-B073-01B263BBC5B6}" type="slidenum">
+              <a:rPr lang="en-US" smtClean="0"/>
+              <a:t>22</a:t>
+            </a:fld>
+            <a:endParaRPr lang="en-US"/>
+          </a:p>
+        </p:txBody>
+      </p:sp>
+    </p:spTree>
+    <p:extLst>
+      <p:ext uri="{BB962C8B-B14F-4D97-AF65-F5344CB8AC3E}">
+        <p14:creationId xmlns:p14="http://schemas.microsoft.com/office/powerpoint/2010/main" val="188788455"/>
+      </p:ext>
+    </p:extLst>
+  </p:cSld>
+  <p:clrMapOvr>
+    <a:masterClrMapping/>
+  </p:clrMapOvr>
+</p:notes>
+</file>
+
+<file path=ppt/notesSlides/notesSlide19.xml><?xml version="1.0" encoding="utf-8"?>
+<p:notes xmlns:a="http://schemas.openxmlformats.org/drawingml/2006/main" xmlns:r="http://schemas.openxmlformats.org/officeDocument/2006/relationships" xmlns:p="http://schemas.openxmlformats.org/presentationml/2006/main">
+  <p:cSld>
+    <p:spTree>
+      <p:nvGrpSpPr>
+        <p:cNvPr id="1" name=""/>
+        <p:cNvGrpSpPr/>
+        <p:nvPr/>
+      </p:nvGrpSpPr>
+      <p:grpSpPr>
+        <a:xfrm>
+          <a:off x="0" y="0"/>
+          <a:ext cx="0" cy="0"/>
+          <a:chOff x="0" y="0"/>
+          <a:chExt cx="0" cy="0"/>
+        </a:xfrm>
+      </p:grpSpPr>
+      <p:sp>
+        <p:nvSpPr>
+          <p:cNvPr id="2" name="Slide Image Placeholder 1"/>
+          <p:cNvSpPr>
+            <a:spLocks noGrp="1" noRot="1" noChangeAspect="1"/>
+          </p:cNvSpPr>
+          <p:nvPr>
+            <p:ph type="sldImg"/>
+          </p:nvPr>
+        </p:nvSpPr>
+        <p:spPr/>
+      </p:sp>
+      <p:sp>
+        <p:nvSpPr>
+          <p:cNvPr id="3" name="Notes Placeholder 2"/>
+          <p:cNvSpPr>
+            <a:spLocks noGrp="1"/>
+          </p:cNvSpPr>
+          <p:nvPr>
+            <p:ph type="body" idx="1"/>
+          </p:nvPr>
+        </p:nvSpPr>
+        <p:spPr/>
+        <p:txBody>
+          <a:bodyPr/>
+          <a:lstStyle/>
+          <a:p>
+            <a:pPr marL="171450" indent="-171450">
+              <a:buFont typeface="Arial" panose="020B0604020202020204" pitchFamily="34" charset="0"/>
+              <a:buChar char="•"/>
+            </a:pPr>
+            <a:r>
+              <a:rPr lang="en-US" dirty="0"/>
+              <a:t>Only include cases with an experimental condition.</a:t>
+            </a:r>
+          </a:p>
+        </p:txBody>
+      </p:sp>
+      <p:sp>
+        <p:nvSpPr>
+          <p:cNvPr id="4" name="Slide Number Placeholder 3"/>
+          <p:cNvSpPr>
+            <a:spLocks noGrp="1"/>
+          </p:cNvSpPr>
+          <p:nvPr>
+            <p:ph type="sldNum" sz="quarter" idx="5"/>
+          </p:nvPr>
+        </p:nvSpPr>
+        <p:spPr/>
+        <p:txBody>
+          <a:bodyPr/>
+          <a:lstStyle/>
+          <a:p>
+            <a:fld id="{B7B3E9D7-7C42-42C9-B073-01B263BBC5B6}" type="slidenum">
+              <a:rPr lang="en-US" smtClean="0"/>
+              <a:t>23</a:t>
+            </a:fld>
+            <a:endParaRPr lang="en-US"/>
+          </a:p>
+        </p:txBody>
+      </p:sp>
+    </p:spTree>
+    <p:extLst>
+      <p:ext uri="{BB962C8B-B14F-4D97-AF65-F5344CB8AC3E}">
+        <p14:creationId xmlns:p14="http://schemas.microsoft.com/office/powerpoint/2010/main" val="871266187"/>
       </p:ext>
     </p:extLst>
   </p:cSld>
@@ -4328,6 +5013,114 @@
 </p:notes>
 </file>
 
+<file path=ppt/notesSlides/notesSlide20.xml><?xml version="1.0" encoding="utf-8"?>
+<p:notes xmlns:a="http://schemas.openxmlformats.org/drawingml/2006/main" xmlns:r="http://schemas.openxmlformats.org/officeDocument/2006/relationships" xmlns:p="http://schemas.openxmlformats.org/presentationml/2006/main">
+  <p:cSld>
+    <p:spTree>
+      <p:nvGrpSpPr>
+        <p:cNvPr id="1" name="">
+          <a:extLst>
+            <a:ext uri="{FF2B5EF4-FFF2-40B4-BE49-F238E27FC236}">
+              <a16:creationId xmlns:a16="http://schemas.microsoft.com/office/drawing/2014/main" id="{90499BED-8CCF-FD0C-448E-EC04182063DC}"/>
+            </a:ext>
+          </a:extLst>
+        </p:cNvPr>
+        <p:cNvGrpSpPr/>
+        <p:nvPr/>
+      </p:nvGrpSpPr>
+      <p:grpSpPr>
+        <a:xfrm>
+          <a:off x="0" y="0"/>
+          <a:ext cx="0" cy="0"/>
+          <a:chOff x="0" y="0"/>
+          <a:chExt cx="0" cy="0"/>
+        </a:xfrm>
+      </p:grpSpPr>
+      <p:sp>
+        <p:nvSpPr>
+          <p:cNvPr id="2" name="Slide Image Placeholder 1">
+            <a:extLst>
+              <a:ext uri="{FF2B5EF4-FFF2-40B4-BE49-F238E27FC236}">
+                <a16:creationId xmlns:a16="http://schemas.microsoft.com/office/drawing/2014/main" id="{EB49857D-CBD7-D915-C1F8-30600C3FA230}"/>
+              </a:ext>
+            </a:extLst>
+          </p:cNvPr>
+          <p:cNvSpPr>
+            <a:spLocks noGrp="1" noRot="1" noChangeAspect="1"/>
+          </p:cNvSpPr>
+          <p:nvPr>
+            <p:ph type="sldImg"/>
+          </p:nvPr>
+        </p:nvSpPr>
+        <p:spPr/>
+      </p:sp>
+      <p:sp>
+        <p:nvSpPr>
+          <p:cNvPr id="3" name="Notes Placeholder 2">
+            <a:extLst>
+              <a:ext uri="{FF2B5EF4-FFF2-40B4-BE49-F238E27FC236}">
+                <a16:creationId xmlns:a16="http://schemas.microsoft.com/office/drawing/2014/main" id="{7F52B882-51C8-A059-4F58-00ACA7556CAD}"/>
+              </a:ext>
+            </a:extLst>
+          </p:cNvPr>
+          <p:cNvSpPr>
+            <a:spLocks noGrp="1"/>
+          </p:cNvSpPr>
+          <p:nvPr>
+            <p:ph type="body" idx="1"/>
+          </p:nvPr>
+        </p:nvSpPr>
+        <p:spPr/>
+        <p:txBody>
+          <a:bodyPr/>
+          <a:lstStyle/>
+          <a:p>
+            <a:endParaRPr lang="en-US" dirty="0"/>
+          </a:p>
+        </p:txBody>
+      </p:sp>
+      <p:sp>
+        <p:nvSpPr>
+          <p:cNvPr id="4" name="Slide Number Placeholder 3">
+            <a:extLst>
+              <a:ext uri="{FF2B5EF4-FFF2-40B4-BE49-F238E27FC236}">
+                <a16:creationId xmlns:a16="http://schemas.microsoft.com/office/drawing/2014/main" id="{A06F8867-C44E-A590-C3F3-FC185462FD6E}"/>
+              </a:ext>
+            </a:extLst>
+          </p:cNvPr>
+          <p:cNvSpPr>
+            <a:spLocks noGrp="1"/>
+          </p:cNvSpPr>
+          <p:nvPr>
+            <p:ph type="sldNum" sz="quarter" idx="5"/>
+          </p:nvPr>
+        </p:nvSpPr>
+        <p:spPr/>
+        <p:txBody>
+          <a:bodyPr/>
+          <a:lstStyle/>
+          <a:p>
+            <a:fld id="{B7B3E9D7-7C42-42C9-B073-01B263BBC5B6}" type="slidenum">
+              <a:rPr lang="en-US" smtClean="0"/>
+              <a:t>24</a:t>
+            </a:fld>
+            <a:endParaRPr lang="en-US"/>
+          </a:p>
+        </p:txBody>
+      </p:sp>
+    </p:spTree>
+    <p:extLst>
+      <p:ext uri="{BB962C8B-B14F-4D97-AF65-F5344CB8AC3E}">
+        <p14:creationId xmlns:p14="http://schemas.microsoft.com/office/powerpoint/2010/main" val="54477024"/>
+      </p:ext>
+    </p:extLst>
+  </p:cSld>
+  <p:clrMapOvr>
+    <a:masterClrMapping/>
+  </p:clrMapOvr>
+</p:notes>
+</file>
+
 <file path=ppt/notesSlides/notesSlide3.xml><?xml version="1.0" encoding="utf-8"?>
 <p:notes xmlns:a="http://schemas.openxmlformats.org/drawingml/2006/main" xmlns:r="http://schemas.openxmlformats.org/officeDocument/2006/relationships" xmlns:p="http://schemas.openxmlformats.org/presentationml/2006/main">
   <p:cSld>
@@ -4444,7 +5237,13 @@
   <p:cSld>
     <p:spTree>
       <p:nvGrpSpPr>
-        <p:cNvPr id="1" name=""/>
+        <p:cNvPr id="1" name="">
+          <a:extLst>
+            <a:ext uri="{FF2B5EF4-FFF2-40B4-BE49-F238E27FC236}">
+              <a16:creationId xmlns:a16="http://schemas.microsoft.com/office/drawing/2014/main" id="{0ACF50E6-73F2-2410-AC4D-68E4D8D17EF6}"/>
+            </a:ext>
+          </a:extLst>
+        </p:cNvPr>
         <p:cNvGrpSpPr/>
         <p:nvPr/>
       </p:nvGrpSpPr>
@@ -4458,7 +5257,13 @@
       </p:grpSpPr>
       <p:sp>
         <p:nvSpPr>
-          <p:cNvPr id="2" name="Slide Image Placeholder 1"/>
+          <p:cNvPr id="2" name="Slide Image Placeholder 1">
+            <a:extLst>
+              <a:ext uri="{FF2B5EF4-FFF2-40B4-BE49-F238E27FC236}">
+                <a16:creationId xmlns:a16="http://schemas.microsoft.com/office/drawing/2014/main" id="{54A6AC20-48E5-7DAB-C947-F1DC85E2013F}"/>
+              </a:ext>
+            </a:extLst>
+          </p:cNvPr>
           <p:cNvSpPr>
             <a:spLocks noGrp="1" noRot="1" noChangeAspect="1"/>
           </p:cNvSpPr>
@@ -4470,7 +5275,13 @@
       </p:sp>
       <p:sp>
         <p:nvSpPr>
-          <p:cNvPr id="3" name="Notes Placeholder 2"/>
+          <p:cNvPr id="3" name="Notes Placeholder 2">
+            <a:extLst>
+              <a:ext uri="{FF2B5EF4-FFF2-40B4-BE49-F238E27FC236}">
+                <a16:creationId xmlns:a16="http://schemas.microsoft.com/office/drawing/2014/main" id="{A1EB4C76-7D05-2502-0C6A-94E95FE5EA73}"/>
+              </a:ext>
+            </a:extLst>
+          </p:cNvPr>
           <p:cNvSpPr>
             <a:spLocks noGrp="1"/>
           </p:cNvSpPr>
@@ -4489,7 +5300,13 @@
       </p:sp>
       <p:sp>
         <p:nvSpPr>
-          <p:cNvPr id="4" name="Slide Number Placeholder 3"/>
+          <p:cNvPr id="4" name="Slide Number Placeholder 3">
+            <a:extLst>
+              <a:ext uri="{FF2B5EF4-FFF2-40B4-BE49-F238E27FC236}">
+                <a16:creationId xmlns:a16="http://schemas.microsoft.com/office/drawing/2014/main" id="{FE9581B4-D1B2-B0DB-AEE6-2DB5DF25D691}"/>
+              </a:ext>
+            </a:extLst>
+          </p:cNvPr>
           <p:cNvSpPr>
             <a:spLocks noGrp="1"/>
           </p:cNvSpPr>
@@ -4513,7 +5330,7 @@
     </p:spTree>
     <p:extLst>
       <p:ext uri="{BB962C8B-B14F-4D97-AF65-F5344CB8AC3E}">
-        <p14:creationId xmlns:p14="http://schemas.microsoft.com/office/powerpoint/2010/main" val="2133340762"/>
+        <p14:creationId xmlns:p14="http://schemas.microsoft.com/office/powerpoint/2010/main" val="3104298284"/>
       </p:ext>
     </p:extLst>
   </p:cSld>
@@ -5010,7 +5827,13 @@
   <p:cSld>
     <p:spTree>
       <p:nvGrpSpPr>
-        <p:cNvPr id="1" name=""/>
+        <p:cNvPr id="1" name="">
+          <a:extLst>
+            <a:ext uri="{FF2B5EF4-FFF2-40B4-BE49-F238E27FC236}">
+              <a16:creationId xmlns:a16="http://schemas.microsoft.com/office/drawing/2014/main" id="{189F7BE7-857D-81DE-8F1C-041C44DB27DC}"/>
+            </a:ext>
+          </a:extLst>
+        </p:cNvPr>
         <p:cNvGrpSpPr/>
         <p:nvPr/>
       </p:nvGrpSpPr>
@@ -5024,7 +5847,13 @@
       </p:grpSpPr>
       <p:sp>
         <p:nvSpPr>
-          <p:cNvPr id="2" name="Slide Image Placeholder 1"/>
+          <p:cNvPr id="2" name="Slide Image Placeholder 1">
+            <a:extLst>
+              <a:ext uri="{FF2B5EF4-FFF2-40B4-BE49-F238E27FC236}">
+                <a16:creationId xmlns:a16="http://schemas.microsoft.com/office/drawing/2014/main" id="{4B6E823C-7693-479F-BDF3-0130A4DB4FDB}"/>
+              </a:ext>
+            </a:extLst>
+          </p:cNvPr>
           <p:cNvSpPr>
             <a:spLocks noGrp="1" noRot="1" noChangeAspect="1"/>
           </p:cNvSpPr>
@@ -5036,7 +5865,13 @@
       </p:sp>
       <p:sp>
         <p:nvSpPr>
-          <p:cNvPr id="3" name="Notes Placeholder 2"/>
+          <p:cNvPr id="3" name="Notes Placeholder 2">
+            <a:extLst>
+              <a:ext uri="{FF2B5EF4-FFF2-40B4-BE49-F238E27FC236}">
+                <a16:creationId xmlns:a16="http://schemas.microsoft.com/office/drawing/2014/main" id="{2EB54F32-1D24-C118-2E37-FD9B1BF92285}"/>
+              </a:ext>
+            </a:extLst>
+          </p:cNvPr>
           <p:cNvSpPr>
             <a:spLocks noGrp="1"/>
           </p:cNvSpPr>
@@ -5049,20 +5884,19 @@
           <a:bodyPr/>
           <a:lstStyle/>
           <a:p>
-            <a:pPr marL="171450" indent="-171450">
-              <a:buFont typeface="Arial" panose="020B0604020202020204" pitchFamily="34" charset="0"/>
-              <a:buChar char="•"/>
-            </a:pPr>
-            <a:r>
-              <a:rPr lang="en-US" dirty="0"/>
-              <a:t>Import data sets, or “queries”.</a:t>
-            </a:r>
+            <a:endParaRPr lang="en-US" dirty="0"/>
           </a:p>
         </p:txBody>
       </p:sp>
       <p:sp>
         <p:nvSpPr>
-          <p:cNvPr id="4" name="Slide Number Placeholder 3"/>
+          <p:cNvPr id="4" name="Slide Number Placeholder 3">
+            <a:extLst>
+              <a:ext uri="{FF2B5EF4-FFF2-40B4-BE49-F238E27FC236}">
+                <a16:creationId xmlns:a16="http://schemas.microsoft.com/office/drawing/2014/main" id="{642301A1-EAE1-F696-FDCA-78DD789AEE89}"/>
+              </a:ext>
+            </a:extLst>
+          </p:cNvPr>
           <p:cNvSpPr>
             <a:spLocks noGrp="1"/>
           </p:cNvSpPr>
@@ -5086,7 +5920,7 @@
     </p:spTree>
     <p:extLst>
       <p:ext uri="{BB962C8B-B14F-4D97-AF65-F5344CB8AC3E}">
-        <p14:creationId xmlns:p14="http://schemas.microsoft.com/office/powerpoint/2010/main" val="1488320479"/>
+        <p14:creationId xmlns:p14="http://schemas.microsoft.com/office/powerpoint/2010/main" val="2540584262"/>
       </p:ext>
     </p:extLst>
   </p:cSld>
@@ -5247,7 +6081,7 @@
           <a:p>
             <a:fld id="{8C28A28C-4C6A-46EA-90C0-4EE0B89CC5C7}" type="datetimeFigureOut">
               <a:rPr lang="en-US" smtClean="0"/>
-              <a:t>6/29/2025</a:t>
+              <a:t>7/4/2025</a:t>
             </a:fld>
             <a:endParaRPr lang="en-US" dirty="0"/>
           </a:p>
@@ -5445,7 +6279,7 @@
           <a:p>
             <a:fld id="{8C28A28C-4C6A-46EA-90C0-4EE0B89CC5C7}" type="datetimeFigureOut">
               <a:rPr lang="en-US" smtClean="0"/>
-              <a:t>6/29/2025</a:t>
+              <a:t>7/4/2025</a:t>
             </a:fld>
             <a:endParaRPr lang="en-US"/>
           </a:p>
@@ -5653,7 +6487,7 @@
           <a:p>
             <a:fld id="{8C28A28C-4C6A-46EA-90C0-4EE0B89CC5C7}" type="datetimeFigureOut">
               <a:rPr lang="en-US" smtClean="0"/>
-              <a:t>6/29/2025</a:t>
+              <a:t>7/4/2025</a:t>
             </a:fld>
             <a:endParaRPr lang="en-US"/>
           </a:p>
@@ -5851,7 +6685,7 @@
           <a:p>
             <a:fld id="{8C28A28C-4C6A-46EA-90C0-4EE0B89CC5C7}" type="datetimeFigureOut">
               <a:rPr lang="en-US" smtClean="0"/>
-              <a:t>6/29/2025</a:t>
+              <a:t>7/4/2025</a:t>
             </a:fld>
             <a:endParaRPr lang="en-US"/>
           </a:p>
@@ -6128,7 +6962,7 @@
           <a:p>
             <a:fld id="{8C28A28C-4C6A-46EA-90C0-4EE0B89CC5C7}" type="datetimeFigureOut">
               <a:rPr lang="en-US" smtClean="0"/>
-              <a:t>6/29/2025</a:t>
+              <a:t>7/4/2025</a:t>
             </a:fld>
             <a:endParaRPr lang="en-US"/>
           </a:p>
@@ -6393,7 +7227,7 @@
           <a:p>
             <a:fld id="{8C28A28C-4C6A-46EA-90C0-4EE0B89CC5C7}" type="datetimeFigureOut">
               <a:rPr lang="en-US" smtClean="0"/>
-              <a:t>6/29/2025</a:t>
+              <a:t>7/4/2025</a:t>
             </a:fld>
             <a:endParaRPr lang="en-US"/>
           </a:p>
@@ -6805,7 +7639,7 @@
           <a:p>
             <a:fld id="{8C28A28C-4C6A-46EA-90C0-4EE0B89CC5C7}" type="datetimeFigureOut">
               <a:rPr lang="en-US" smtClean="0"/>
-              <a:t>6/29/2025</a:t>
+              <a:t>7/4/2025</a:t>
             </a:fld>
             <a:endParaRPr lang="en-US"/>
           </a:p>
@@ -6946,7 +7780,7 @@
           <a:p>
             <a:fld id="{8C28A28C-4C6A-46EA-90C0-4EE0B89CC5C7}" type="datetimeFigureOut">
               <a:rPr lang="en-US" smtClean="0"/>
-              <a:t>6/29/2025</a:t>
+              <a:t>7/4/2025</a:t>
             </a:fld>
             <a:endParaRPr lang="en-US"/>
           </a:p>
@@ -7059,7 +7893,7 @@
           <a:p>
             <a:fld id="{8C28A28C-4C6A-46EA-90C0-4EE0B89CC5C7}" type="datetimeFigureOut">
               <a:rPr lang="en-US" smtClean="0"/>
-              <a:t>6/29/2025</a:t>
+              <a:t>7/4/2025</a:t>
             </a:fld>
             <a:endParaRPr lang="en-US"/>
           </a:p>
@@ -7372,7 +8206,7 @@
           <a:p>
             <a:fld id="{8C28A28C-4C6A-46EA-90C0-4EE0B89CC5C7}" type="datetimeFigureOut">
               <a:rPr lang="en-US" smtClean="0"/>
-              <a:t>6/29/2025</a:t>
+              <a:t>7/4/2025</a:t>
             </a:fld>
             <a:endParaRPr lang="en-US"/>
           </a:p>
@@ -7660,7 +8494,7 @@
           <a:p>
             <a:fld id="{8C28A28C-4C6A-46EA-90C0-4EE0B89CC5C7}" type="datetimeFigureOut">
               <a:rPr lang="en-US" smtClean="0"/>
-              <a:t>6/29/2025</a:t>
+              <a:t>7/4/2025</a:t>
             </a:fld>
             <a:endParaRPr lang="en-US"/>
           </a:p>
@@ -8015,7 +8849,7 @@
             <a:fld id="{8C28A28C-4C6A-46EA-90C0-4EE0B89CC5C7}" type="datetimeFigureOut">
               <a:rPr lang="en-US" smtClean="0"/>
               <a:pPr/>
-              <a:t>6/29/2025</a:t>
+              <a:t>7/4/2025</a:t>
             </a:fld>
             <a:endParaRPr lang="en-US" dirty="0"/>
           </a:p>
@@ -9520,6 +10354,706 @@
 <file path=ppt/slides/slide12.xml><?xml version="1.0" encoding="utf-8"?>
 <p:sld xmlns:a="http://schemas.openxmlformats.org/drawingml/2006/main" xmlns:r="http://schemas.openxmlformats.org/officeDocument/2006/relationships" xmlns:p="http://schemas.openxmlformats.org/presentationml/2006/main">
   <p:cSld>
+    <p:bg>
+      <p:bgPr>
+        <a:solidFill>
+          <a:schemeClr val="bg1"/>
+        </a:solidFill>
+        <a:effectLst/>
+      </p:bgPr>
+    </p:bg>
+    <p:spTree>
+      <p:nvGrpSpPr>
+        <p:cNvPr id="1" name="">
+          <a:extLst>
+            <a:ext uri="{FF2B5EF4-FFF2-40B4-BE49-F238E27FC236}">
+              <a16:creationId xmlns:a16="http://schemas.microsoft.com/office/drawing/2014/main" id="{CF28D138-B733-D1F7-F0EC-A9C5AD4ADAE1}"/>
+            </a:ext>
+          </a:extLst>
+        </p:cNvPr>
+        <p:cNvGrpSpPr/>
+        <p:nvPr/>
+      </p:nvGrpSpPr>
+      <p:grpSpPr>
+        <a:xfrm>
+          <a:off x="0" y="0"/>
+          <a:ext cx="0" cy="0"/>
+          <a:chOff x="0" y="0"/>
+          <a:chExt cx="0" cy="0"/>
+        </a:xfrm>
+      </p:grpSpPr>
+      <p:sp>
+        <p:nvSpPr>
+          <p:cNvPr id="50" name="Freeform: Shape 49">
+            <a:extLst>
+              <a:ext uri="{FF2B5EF4-FFF2-40B4-BE49-F238E27FC236}">
+                <a16:creationId xmlns:a16="http://schemas.microsoft.com/office/drawing/2014/main" id="{F0C7C40C-CABD-B5F9-7CB5-6E5628EB2807}"/>
+              </a:ext>
+              <a:ext uri="{C183D7F6-B498-43B3-948B-1728B52AA6E4}">
+                <adec:decorative xmlns:adec="http://schemas.microsoft.com/office/drawing/2017/decorative" val="1"/>
+              </a:ext>
+            </a:extLst>
+          </p:cNvPr>
+          <p:cNvSpPr>
+            <a:spLocks noGrp="1" noRot="1" noChangeAspect="1" noMove="1" noResize="1" noEditPoints="1" noAdjustHandles="1" noChangeArrowheads="1" noChangeShapeType="1" noTextEdit="1"/>
+          </p:cNvSpPr>
+          <p:nvPr>
+            <p:extLst>
+              <p:ext uri="{386F3935-93C4-4BCD-93E2-E3B085C9AB24}">
+                <p16:designElem xmlns:p16="http://schemas.microsoft.com/office/powerpoint/2015/main" val="1"/>
+              </p:ext>
+            </p:extLst>
+          </p:nvPr>
+        </p:nvSpPr>
+        <p:spPr>
+          <a:xfrm>
+            <a:off x="8803792" y="3455896"/>
+            <a:ext cx="3388208" cy="3406341"/>
+          </a:xfrm>
+          <a:custGeom>
+            <a:avLst/>
+            <a:gdLst>
+              <a:gd name="connsiteX0" fmla="*/ 3388058 w 3388208"/>
+              <a:gd name="connsiteY0" fmla="*/ 0 h 3406341"/>
+              <a:gd name="connsiteX1" fmla="*/ 3388208 w 3388208"/>
+              <a:gd name="connsiteY1" fmla="*/ 0 h 3406341"/>
+              <a:gd name="connsiteX2" fmla="*/ 3388208 w 3388208"/>
+              <a:gd name="connsiteY2" fmla="*/ 3406341 h 3406341"/>
+              <a:gd name="connsiteX3" fmla="*/ 0 w 3388208"/>
+              <a:gd name="connsiteY3" fmla="*/ 3406341 h 3406341"/>
+              <a:gd name="connsiteX4" fmla="*/ 79006 w 3388208"/>
+              <a:gd name="connsiteY4" fmla="*/ 3404386 h 3406341"/>
+              <a:gd name="connsiteX5" fmla="*/ 3383947 w 3388208"/>
+              <a:gd name="connsiteY5" fmla="*/ 164274 h 3406341"/>
+            </a:gdLst>
+            <a:ahLst/>
+            <a:cxnLst>
+              <a:cxn ang="0">
+                <a:pos x="connsiteX0" y="connsiteY0"/>
+              </a:cxn>
+              <a:cxn ang="0">
+                <a:pos x="connsiteX1" y="connsiteY1"/>
+              </a:cxn>
+              <a:cxn ang="0">
+                <a:pos x="connsiteX2" y="connsiteY2"/>
+              </a:cxn>
+              <a:cxn ang="0">
+                <a:pos x="connsiteX3" y="connsiteY3"/>
+              </a:cxn>
+              <a:cxn ang="0">
+                <a:pos x="connsiteX4" y="connsiteY4"/>
+              </a:cxn>
+              <a:cxn ang="0">
+                <a:pos x="connsiteX5" y="connsiteY5"/>
+              </a:cxn>
+            </a:cxnLst>
+            <a:rect l="l" t="t" r="r" b="b"/>
+            <a:pathLst>
+              <a:path w="3388208" h="3406341">
+                <a:moveTo>
+                  <a:pt x="3388058" y="0"/>
+                </a:moveTo>
+                <a:lnTo>
+                  <a:pt x="3388208" y="0"/>
+                </a:lnTo>
+                <a:lnTo>
+                  <a:pt x="3388208" y="3406341"/>
+                </a:lnTo>
+                <a:lnTo>
+                  <a:pt x="0" y="3406341"/>
+                </a:lnTo>
+                <a:lnTo>
+                  <a:pt x="79006" y="3404386"/>
+                </a:lnTo>
+                <a:cubicBezTo>
+                  <a:pt x="1864742" y="3315784"/>
+                  <a:pt x="3296223" y="1912901"/>
+                  <a:pt x="3383947" y="164274"/>
+                </a:cubicBezTo>
+                <a:close/>
+              </a:path>
+            </a:pathLst>
+          </a:custGeom>
+          <a:solidFill>
+            <a:schemeClr val="accent5"/>
+          </a:solidFill>
+          <a:ln>
+            <a:noFill/>
+          </a:ln>
+        </p:spPr>
+        <p:style>
+          <a:lnRef idx="2">
+            <a:schemeClr val="accent1">
+              <a:shade val="50000"/>
+            </a:schemeClr>
+          </a:lnRef>
+          <a:fillRef idx="1">
+            <a:schemeClr val="accent1"/>
+          </a:fillRef>
+          <a:effectRef idx="0">
+            <a:schemeClr val="accent1"/>
+          </a:effectRef>
+          <a:fontRef idx="minor">
+            <a:schemeClr val="lt1"/>
+          </a:fontRef>
+        </p:style>
+        <p:txBody>
+          <a:bodyPr wrap="square" rtlCol="0" anchor="ctr">
+            <a:noAutofit/>
+          </a:bodyPr>
+          <a:lstStyle/>
+          <a:p>
+            <a:pPr algn="ctr"/>
+            <a:endParaRPr lang="en-US"/>
+          </a:p>
+        </p:txBody>
+      </p:sp>
+      <p:sp useBgFill="1">
+        <p:nvSpPr>
+          <p:cNvPr id="52" name="Rectangle 51">
+            <a:extLst>
+              <a:ext uri="{FF2B5EF4-FFF2-40B4-BE49-F238E27FC236}">
+                <a16:creationId xmlns:a16="http://schemas.microsoft.com/office/drawing/2014/main" id="{69CD1917-DDC6-76D9-7F26-7411E93DDE84}"/>
+              </a:ext>
+              <a:ext uri="{C183D7F6-B498-43B3-948B-1728B52AA6E4}">
+                <adec:decorative xmlns:adec="http://schemas.microsoft.com/office/drawing/2017/decorative" val="1"/>
+              </a:ext>
+            </a:extLst>
+          </p:cNvPr>
+          <p:cNvSpPr>
+            <a:spLocks noGrp="1" noRot="1" noChangeAspect="1" noMove="1" noResize="1" noEditPoints="1" noAdjustHandles="1" noChangeArrowheads="1" noChangeShapeType="1" noTextEdit="1"/>
+          </p:cNvSpPr>
+          <p:nvPr>
+            <p:extLst>
+              <p:ext uri="{386F3935-93C4-4BCD-93E2-E3B085C9AB24}">
+                <p16:designElem xmlns:p16="http://schemas.microsoft.com/office/powerpoint/2015/main" val="1"/>
+              </p:ext>
+            </p:extLst>
+          </p:nvPr>
+        </p:nvSpPr>
+        <p:spPr>
+          <a:xfrm>
+            <a:off x="0" y="0"/>
+            <a:ext cx="12192000" cy="6858000"/>
+          </a:xfrm>
+          <a:prstGeom prst="rect">
+            <a:avLst/>
+          </a:prstGeom>
+          <a:ln w="12700" cap="flat" cmpd="sng" algn="ctr">
+            <a:noFill/>
+            <a:prstDash val="solid"/>
+            <a:miter lim="800000"/>
+          </a:ln>
+          <a:effectLst/>
+          <a:extLst>
+            <a:ext uri="{91240B29-F687-4F45-9708-019B960494DF}">
+              <a14:hiddenLine xmlns:a14="http://schemas.microsoft.com/office/drawing/2010/main" w="12700" cap="flat" cmpd="sng" algn="ctr">
+                <a:solidFill>
+                  <a:schemeClr val="accent1">
+                    <a:shade val="50000"/>
+                  </a:schemeClr>
+                </a:solidFill>
+                <a:prstDash val="solid"/>
+                <a:miter lim="800000"/>
+              </a14:hiddenLine>
+            </a:ext>
+          </a:extLst>
+        </p:spPr>
+        <p:style>
+          <a:lnRef idx="2">
+            <a:schemeClr val="accent1">
+              <a:shade val="50000"/>
+            </a:schemeClr>
+          </a:lnRef>
+          <a:fillRef idx="1">
+            <a:schemeClr val="accent1"/>
+          </a:fillRef>
+          <a:effectRef idx="0">
+            <a:schemeClr val="accent1"/>
+          </a:effectRef>
+          <a:fontRef idx="minor">
+            <a:schemeClr val="lt1"/>
+          </a:fontRef>
+        </p:style>
+        <p:txBody>
+          <a:bodyPr rtlCol="0" anchor="ctr"/>
+          <a:lstStyle/>
+          <a:p>
+            <a:pPr algn="ctr"/>
+            <a:endParaRPr lang="en-US"/>
+          </a:p>
+        </p:txBody>
+      </p:sp>
+      <p:sp>
+        <p:nvSpPr>
+          <p:cNvPr id="54" name="Rectangle 53">
+            <a:extLst>
+              <a:ext uri="{FF2B5EF4-FFF2-40B4-BE49-F238E27FC236}">
+                <a16:creationId xmlns:a16="http://schemas.microsoft.com/office/drawing/2014/main" id="{58421EA1-71E2-B22F-E54E-0AF503CE199F}"/>
+              </a:ext>
+              <a:ext uri="{C183D7F6-B498-43B3-948B-1728B52AA6E4}">
+                <adec:decorative xmlns:adec="http://schemas.microsoft.com/office/drawing/2017/decorative" val="1"/>
+              </a:ext>
+            </a:extLst>
+          </p:cNvPr>
+          <p:cNvSpPr>
+            <a:spLocks noGrp="1" noRot="1" noChangeAspect="1" noMove="1" noResize="1" noEditPoints="1" noAdjustHandles="1" noChangeArrowheads="1" noChangeShapeType="1" noTextEdit="1"/>
+          </p:cNvSpPr>
+          <p:nvPr>
+            <p:extLst>
+              <p:ext uri="{386F3935-93C4-4BCD-93E2-E3B085C9AB24}">
+                <p16:designElem xmlns:p16="http://schemas.microsoft.com/office/powerpoint/2015/main" val="1"/>
+              </p:ext>
+            </p:extLst>
+          </p:nvPr>
+        </p:nvSpPr>
+        <p:spPr>
+          <a:xfrm rot="10800000" flipH="1" flipV="1">
+            <a:off x="-4099" y="3429001"/>
+            <a:ext cx="3483870" cy="3428999"/>
+          </a:xfrm>
+          <a:prstGeom prst="rect">
+            <a:avLst/>
+          </a:prstGeom>
+          <a:solidFill>
+            <a:schemeClr val="accent4">
+              <a:lumMod val="40000"/>
+              <a:lumOff val="60000"/>
+            </a:schemeClr>
+          </a:solidFill>
+          <a:ln>
+            <a:noFill/>
+          </a:ln>
+        </p:spPr>
+        <p:style>
+          <a:lnRef idx="2">
+            <a:schemeClr val="accent1">
+              <a:shade val="50000"/>
+            </a:schemeClr>
+          </a:lnRef>
+          <a:fillRef idx="1">
+            <a:schemeClr val="accent1"/>
+          </a:fillRef>
+          <a:effectRef idx="0">
+            <a:schemeClr val="accent1"/>
+          </a:effectRef>
+          <a:fontRef idx="minor">
+            <a:schemeClr val="lt1"/>
+          </a:fontRef>
+        </p:style>
+        <p:txBody>
+          <a:bodyPr rtlCol="0" anchor="ctr"/>
+          <a:lstStyle/>
+          <a:p>
+            <a:pPr algn="ctr"/>
+            <a:endParaRPr lang="en-US" dirty="0"/>
+          </a:p>
+        </p:txBody>
+      </p:sp>
+      <p:sp>
+        <p:nvSpPr>
+          <p:cNvPr id="56" name="Freeform: Shape 55">
+            <a:extLst>
+              <a:ext uri="{FF2B5EF4-FFF2-40B4-BE49-F238E27FC236}">
+                <a16:creationId xmlns:a16="http://schemas.microsoft.com/office/drawing/2014/main" id="{39DDFA41-BE95-16A6-C443-A5F86E31E9F1}"/>
+              </a:ext>
+              <a:ext uri="{C183D7F6-B498-43B3-948B-1728B52AA6E4}">
+                <adec:decorative xmlns:adec="http://schemas.microsoft.com/office/drawing/2017/decorative" val="1"/>
+              </a:ext>
+            </a:extLst>
+          </p:cNvPr>
+          <p:cNvSpPr>
+            <a:spLocks noGrp="1" noRot="1" noChangeAspect="1" noMove="1" noResize="1" noEditPoints="1" noAdjustHandles="1" noChangeArrowheads="1" noChangeShapeType="1" noTextEdit="1"/>
+          </p:cNvSpPr>
+          <p:nvPr>
+            <p:extLst>
+              <p:ext uri="{386F3935-93C4-4BCD-93E2-E3B085C9AB24}">
+                <p16:designElem xmlns:p16="http://schemas.microsoft.com/office/powerpoint/2015/main" val="1"/>
+              </p:ext>
+            </p:extLst>
+          </p:nvPr>
+        </p:nvSpPr>
+        <p:spPr>
+          <a:xfrm flipH="1">
+            <a:off x="0" y="3427750"/>
+            <a:ext cx="3479772" cy="3430249"/>
+          </a:xfrm>
+          <a:custGeom>
+            <a:avLst/>
+            <a:gdLst>
+              <a:gd name="connsiteX0" fmla="*/ 0 w 2559050"/>
+              <a:gd name="connsiteY0" fmla="*/ 0 h 2559050"/>
+              <a:gd name="connsiteX1" fmla="*/ 2559050 w 2559050"/>
+              <a:gd name="connsiteY1" fmla="*/ 0 h 2559050"/>
+              <a:gd name="connsiteX2" fmla="*/ 0 w 2559050"/>
+              <a:gd name="connsiteY2" fmla="*/ 2559050 h 2559050"/>
+            </a:gdLst>
+            <a:ahLst/>
+            <a:cxnLst>
+              <a:cxn ang="0">
+                <a:pos x="connsiteX0" y="connsiteY0"/>
+              </a:cxn>
+              <a:cxn ang="0">
+                <a:pos x="connsiteX1" y="connsiteY1"/>
+              </a:cxn>
+              <a:cxn ang="0">
+                <a:pos x="connsiteX2" y="connsiteY2"/>
+              </a:cxn>
+            </a:cxnLst>
+            <a:rect l="l" t="t" r="r" b="b"/>
+            <a:pathLst>
+              <a:path w="2559050" h="2559050">
+                <a:moveTo>
+                  <a:pt x="0" y="0"/>
+                </a:moveTo>
+                <a:lnTo>
+                  <a:pt x="2559050" y="0"/>
+                </a:lnTo>
+                <a:cubicBezTo>
+                  <a:pt x="2559050" y="1413324"/>
+                  <a:pt x="1413324" y="2559050"/>
+                  <a:pt x="0" y="2559050"/>
+                </a:cubicBezTo>
+                <a:close/>
+              </a:path>
+            </a:pathLst>
+          </a:custGeom>
+          <a:solidFill>
+            <a:schemeClr val="accent5"/>
+          </a:solidFill>
+          <a:ln>
+            <a:noFill/>
+          </a:ln>
+        </p:spPr>
+        <p:style>
+          <a:lnRef idx="2">
+            <a:schemeClr val="accent1">
+              <a:shade val="50000"/>
+            </a:schemeClr>
+          </a:lnRef>
+          <a:fillRef idx="1">
+            <a:schemeClr val="accent1"/>
+          </a:fillRef>
+          <a:effectRef idx="0">
+            <a:schemeClr val="accent1"/>
+          </a:effectRef>
+          <a:fontRef idx="minor">
+            <a:schemeClr val="lt1"/>
+          </a:fontRef>
+        </p:style>
+        <p:txBody>
+          <a:bodyPr wrap="square" rtlCol="0" anchor="ctr">
+            <a:noAutofit/>
+          </a:bodyPr>
+          <a:lstStyle/>
+          <a:p>
+            <a:pPr algn="ctr"/>
+            <a:endParaRPr lang="en-US">
+              <a:solidFill>
+                <a:schemeClr val="tx1"/>
+              </a:solidFill>
+            </a:endParaRPr>
+          </a:p>
+        </p:txBody>
+      </p:sp>
+      <p:sp>
+        <p:nvSpPr>
+          <p:cNvPr id="58" name="Rectangle 57">
+            <a:extLst>
+              <a:ext uri="{FF2B5EF4-FFF2-40B4-BE49-F238E27FC236}">
+                <a16:creationId xmlns:a16="http://schemas.microsoft.com/office/drawing/2014/main" id="{AFCB352C-2E09-6151-0C23-C9F540EC2640}"/>
+              </a:ext>
+              <a:ext uri="{C183D7F6-B498-43B3-948B-1728B52AA6E4}">
+                <adec:decorative xmlns:adec="http://schemas.microsoft.com/office/drawing/2017/decorative" val="1"/>
+              </a:ext>
+            </a:extLst>
+          </p:cNvPr>
+          <p:cNvSpPr>
+            <a:spLocks noGrp="1" noRot="1" noChangeAspect="1" noMove="1" noResize="1" noEditPoints="1" noAdjustHandles="1" noChangeArrowheads="1" noChangeShapeType="1" noTextEdit="1"/>
+          </p:cNvSpPr>
+          <p:nvPr>
+            <p:extLst>
+              <p:ext uri="{386F3935-93C4-4BCD-93E2-E3B085C9AB24}">
+                <p16:designElem xmlns:p16="http://schemas.microsoft.com/office/powerpoint/2015/main" val="1"/>
+              </p:ext>
+            </p:extLst>
+          </p:nvPr>
+        </p:nvSpPr>
+        <p:spPr>
+          <a:xfrm rot="10800000" flipH="1" flipV="1">
+            <a:off x="3479772" y="3429001"/>
+            <a:ext cx="8712227" cy="3428999"/>
+          </a:xfrm>
+          <a:prstGeom prst="rect">
+            <a:avLst/>
+          </a:prstGeom>
+          <a:solidFill>
+            <a:schemeClr val="accent1">
+              <a:lumMod val="60000"/>
+              <a:lumOff val="40000"/>
+            </a:schemeClr>
+          </a:solidFill>
+          <a:ln>
+            <a:noFill/>
+          </a:ln>
+        </p:spPr>
+        <p:style>
+          <a:lnRef idx="2">
+            <a:schemeClr val="accent1">
+              <a:shade val="50000"/>
+            </a:schemeClr>
+          </a:lnRef>
+          <a:fillRef idx="1">
+            <a:schemeClr val="accent1"/>
+          </a:fillRef>
+          <a:effectRef idx="0">
+            <a:schemeClr val="accent1"/>
+          </a:effectRef>
+          <a:fontRef idx="minor">
+            <a:schemeClr val="lt1"/>
+          </a:fontRef>
+        </p:style>
+        <p:txBody>
+          <a:bodyPr rtlCol="0" anchor="ctr"/>
+          <a:lstStyle/>
+          <a:p>
+            <a:pPr algn="ctr"/>
+            <a:endParaRPr lang="en-US" dirty="0"/>
+          </a:p>
+        </p:txBody>
+      </p:sp>
+      <p:sp>
+        <p:nvSpPr>
+          <p:cNvPr id="60" name="Rectangle 34">
+            <a:extLst>
+              <a:ext uri="{FF2B5EF4-FFF2-40B4-BE49-F238E27FC236}">
+                <a16:creationId xmlns:a16="http://schemas.microsoft.com/office/drawing/2014/main" id="{567CABCD-5959-4175-B0F0-E7A99288EF4B}"/>
+              </a:ext>
+              <a:ext uri="{C183D7F6-B498-43B3-948B-1728B52AA6E4}">
+                <adec:decorative xmlns:adec="http://schemas.microsoft.com/office/drawing/2017/decorative" val="1"/>
+              </a:ext>
+            </a:extLst>
+          </p:cNvPr>
+          <p:cNvSpPr>
+            <a:spLocks noGrp="1" noRot="1" noChangeAspect="1" noMove="1" noResize="1" noEditPoints="1" noAdjustHandles="1" noChangeArrowheads="1" noChangeShapeType="1" noTextEdit="1"/>
+          </p:cNvSpPr>
+          <p:nvPr>
+            <p:extLst>
+              <p:ext uri="{386F3935-93C4-4BCD-93E2-E3B085C9AB24}">
+                <p16:designElem xmlns:p16="http://schemas.microsoft.com/office/powerpoint/2015/main" val="1"/>
+              </p:ext>
+            </p:extLst>
+          </p:nvPr>
+        </p:nvSpPr>
+        <p:spPr>
+          <a:xfrm rot="5400000" flipH="1" flipV="1">
+            <a:off x="3502418" y="3405102"/>
+            <a:ext cx="3429002" cy="3474296"/>
+          </a:xfrm>
+          <a:custGeom>
+            <a:avLst/>
+            <a:gdLst>
+              <a:gd name="connsiteX0" fmla="*/ 0 w 3484819"/>
+              <a:gd name="connsiteY0" fmla="*/ 0 h 3430264"/>
+              <a:gd name="connsiteX1" fmla="*/ 3484819 w 3484819"/>
+              <a:gd name="connsiteY1" fmla="*/ 0 h 3430264"/>
+              <a:gd name="connsiteX2" fmla="*/ 3484819 w 3484819"/>
+              <a:gd name="connsiteY2" fmla="*/ 3430264 h 3430264"/>
+              <a:gd name="connsiteX3" fmla="*/ 0 w 3484819"/>
+              <a:gd name="connsiteY3" fmla="*/ 3430264 h 3430264"/>
+              <a:gd name="connsiteX4" fmla="*/ 0 w 3484819"/>
+              <a:gd name="connsiteY4" fmla="*/ 0 h 3430264"/>
+              <a:gd name="connsiteX0" fmla="*/ 0 w 3484819"/>
+              <a:gd name="connsiteY0" fmla="*/ 0 h 3430264"/>
+              <a:gd name="connsiteX1" fmla="*/ 3484819 w 3484819"/>
+              <a:gd name="connsiteY1" fmla="*/ 0 h 3430264"/>
+              <a:gd name="connsiteX2" fmla="*/ 0 w 3484819"/>
+              <a:gd name="connsiteY2" fmla="*/ 3430264 h 3430264"/>
+              <a:gd name="connsiteX3" fmla="*/ 0 w 3484819"/>
+              <a:gd name="connsiteY3" fmla="*/ 0 h 3430264"/>
+            </a:gdLst>
+            <a:ahLst/>
+            <a:cxnLst>
+              <a:cxn ang="0">
+                <a:pos x="connsiteX0" y="connsiteY0"/>
+              </a:cxn>
+              <a:cxn ang="0">
+                <a:pos x="connsiteX1" y="connsiteY1"/>
+              </a:cxn>
+              <a:cxn ang="0">
+                <a:pos x="connsiteX2" y="connsiteY2"/>
+              </a:cxn>
+              <a:cxn ang="0">
+                <a:pos x="connsiteX3" y="connsiteY3"/>
+              </a:cxn>
+            </a:cxnLst>
+            <a:rect l="l" t="t" r="r" b="b"/>
+            <a:pathLst>
+              <a:path w="3484819" h="3430264">
+                <a:moveTo>
+                  <a:pt x="0" y="0"/>
+                </a:moveTo>
+                <a:lnTo>
+                  <a:pt x="3484819" y="0"/>
+                </a:lnTo>
+                <a:lnTo>
+                  <a:pt x="0" y="3430264"/>
+                </a:lnTo>
+                <a:lnTo>
+                  <a:pt x="0" y="0"/>
+                </a:lnTo>
+                <a:close/>
+              </a:path>
+            </a:pathLst>
+          </a:custGeom>
+          <a:solidFill>
+            <a:schemeClr val="accent2"/>
+          </a:solidFill>
+          <a:ln>
+            <a:noFill/>
+          </a:ln>
+        </p:spPr>
+        <p:style>
+          <a:lnRef idx="2">
+            <a:schemeClr val="accent1">
+              <a:shade val="50000"/>
+            </a:schemeClr>
+          </a:lnRef>
+          <a:fillRef idx="1">
+            <a:schemeClr val="accent1"/>
+          </a:fillRef>
+          <a:effectRef idx="0">
+            <a:schemeClr val="accent1"/>
+          </a:effectRef>
+          <a:fontRef idx="minor">
+            <a:schemeClr val="lt1"/>
+          </a:fontRef>
+        </p:style>
+        <p:txBody>
+          <a:bodyPr rtlCol="0" anchor="ctr"/>
+          <a:lstStyle/>
+          <a:p>
+            <a:pPr algn="ctr"/>
+            <a:endParaRPr lang="en-US" dirty="0"/>
+          </a:p>
+        </p:txBody>
+      </p:sp>
+      <p:sp>
+        <p:nvSpPr>
+          <p:cNvPr id="62" name="Oval 61">
+            <a:extLst>
+              <a:ext uri="{FF2B5EF4-FFF2-40B4-BE49-F238E27FC236}">
+                <a16:creationId xmlns:a16="http://schemas.microsoft.com/office/drawing/2014/main" id="{8F6103D0-007A-9E6E-B9B5-3830BA17E471}"/>
+              </a:ext>
+              <a:ext uri="{C183D7F6-B498-43B3-948B-1728B52AA6E4}">
+                <adec:decorative xmlns:adec="http://schemas.microsoft.com/office/drawing/2017/decorative" val="1"/>
+              </a:ext>
+            </a:extLst>
+          </p:cNvPr>
+          <p:cNvSpPr>
+            <a:spLocks noGrp="1" noRot="1" noChangeAspect="1" noMove="1" noResize="1" noEditPoints="1" noAdjustHandles="1" noChangeArrowheads="1" noChangeShapeType="1" noTextEdit="1"/>
+          </p:cNvSpPr>
+          <p:nvPr>
+            <p:extLst>
+              <p:ext uri="{386F3935-93C4-4BCD-93E2-E3B085C9AB24}">
+                <p16:designElem xmlns:p16="http://schemas.microsoft.com/office/powerpoint/2015/main" val="1"/>
+              </p:ext>
+            </p:extLst>
+          </p:nvPr>
+        </p:nvSpPr>
+        <p:spPr>
+          <a:xfrm>
+            <a:off x="8922467" y="3607646"/>
+            <a:ext cx="3070455" cy="3070455"/>
+          </a:xfrm>
+          <a:prstGeom prst="ellipse">
+            <a:avLst/>
+          </a:prstGeom>
+          <a:solidFill>
+            <a:srgbClr val="FFFFFF"/>
+          </a:solidFill>
+          <a:ln>
+            <a:noFill/>
+          </a:ln>
+        </p:spPr>
+        <p:style>
+          <a:lnRef idx="2">
+            <a:schemeClr val="accent1">
+              <a:shade val="50000"/>
+            </a:schemeClr>
+          </a:lnRef>
+          <a:fillRef idx="1">
+            <a:schemeClr val="accent1"/>
+          </a:fillRef>
+          <a:effectRef idx="0">
+            <a:schemeClr val="accent1"/>
+          </a:effectRef>
+          <a:fontRef idx="minor">
+            <a:schemeClr val="lt1"/>
+          </a:fontRef>
+        </p:style>
+        <p:txBody>
+          <a:bodyPr rtlCol="0" anchor="ctr"/>
+          <a:lstStyle/>
+          <a:p>
+            <a:pPr algn="ctr"/>
+            <a:endParaRPr lang="en-US"/>
+          </a:p>
+        </p:txBody>
+      </p:sp>
+      <p:pic>
+        <p:nvPicPr>
+          <p:cNvPr id="7" name="Picture 6" descr="A yellow bar chart with black background&#10;&#10;AI-generated content may be incorrect.">
+            <a:extLst>
+              <a:ext uri="{FF2B5EF4-FFF2-40B4-BE49-F238E27FC236}">
+                <a16:creationId xmlns:a16="http://schemas.microsoft.com/office/drawing/2014/main" id="{0C7D52B8-A1D7-97D1-4AB0-4060AF1C45F6}"/>
+              </a:ext>
+            </a:extLst>
+          </p:cNvPr>
+          <p:cNvPicPr>
+            <a:picLocks noChangeAspect="1"/>
+          </p:cNvPicPr>
+          <p:nvPr/>
+        </p:nvPicPr>
+        <p:blipFill>
+          <a:blip r:embed="rId3">
+            <a:extLst>
+              <a:ext uri="{28A0092B-C50C-407E-A947-70E740481C1C}">
+                <a14:useLocalDpi xmlns:a14="http://schemas.microsoft.com/office/drawing/2010/main" val="0"/>
+              </a:ext>
+            </a:extLst>
+          </a:blip>
+          <a:srcRect t="24448" b="26176"/>
+          <a:stretch>
+            <a:fillRect/>
+          </a:stretch>
+        </p:blipFill>
+        <p:spPr>
+          <a:xfrm>
+            <a:off x="9086094" y="4465010"/>
+            <a:ext cx="2743200" cy="1354479"/>
+          </a:xfrm>
+          <a:prstGeom prst="rect">
+            <a:avLst/>
+          </a:prstGeom>
+        </p:spPr>
+      </p:pic>
+    </p:spTree>
+    <p:extLst>
+      <p:ext uri="{BB962C8B-B14F-4D97-AF65-F5344CB8AC3E}">
+        <p14:creationId xmlns:p14="http://schemas.microsoft.com/office/powerpoint/2010/main" val="254599785"/>
+      </p:ext>
+    </p:extLst>
+  </p:cSld>
+  <p:clrMapOvr>
+    <a:masterClrMapping/>
+  </p:clrMapOvr>
+</p:sld>
+</file>
+
+<file path=ppt/slides/slide13.xml><?xml version="1.0" encoding="utf-8"?>
+<p:sld xmlns:a="http://schemas.openxmlformats.org/drawingml/2006/main" xmlns:r="http://schemas.openxmlformats.org/officeDocument/2006/relationships" xmlns:p="http://schemas.openxmlformats.org/presentationml/2006/main">
+  <p:cSld>
     <p:spTree>
       <p:nvGrpSpPr>
         <p:cNvPr id="1" name=""/>
@@ -9536,10 +11070,10 @@
       </p:grpSpPr>
       <p:grpSp>
         <p:nvGrpSpPr>
-          <p:cNvPr id="8" name="Group 7">
+          <p:cNvPr id="7" name="Group 6">
             <a:extLst>
               <a:ext uri="{FF2B5EF4-FFF2-40B4-BE49-F238E27FC236}">
-                <a16:creationId xmlns:a16="http://schemas.microsoft.com/office/drawing/2014/main" id="{E003797C-41FD-5131-0E31-7B740E5B9216}"/>
+                <a16:creationId xmlns:a16="http://schemas.microsoft.com/office/drawing/2014/main" id="{60AFFDE0-58F8-843B-9CA6-8C52CE18D240}"/>
               </a:ext>
             </a:extLst>
           </p:cNvPr>
@@ -9548,18 +11082,18 @@
         </p:nvGrpSpPr>
         <p:grpSpPr>
           <a:xfrm>
-            <a:off x="0" y="381000"/>
-            <a:ext cx="12192000" cy="6096000"/>
-            <a:chOff x="0" y="381000"/>
-            <a:chExt cx="12192000" cy="6096000"/>
+            <a:off x="381000" y="0"/>
+            <a:ext cx="11430000" cy="6858000"/>
+            <a:chOff x="381000" y="0"/>
+            <a:chExt cx="11430000" cy="6858000"/>
           </a:xfrm>
         </p:grpSpPr>
         <p:pic>
           <p:nvPicPr>
-            <p:cNvPr id="5" name="Picture 4">
+            <p:cNvPr id="3" name="Picture 2">
               <a:extLst>
                 <a:ext uri="{FF2B5EF4-FFF2-40B4-BE49-F238E27FC236}">
-                  <a16:creationId xmlns:a16="http://schemas.microsoft.com/office/drawing/2014/main" id="{BC20F2F5-5C74-85BC-FE12-86B6E6A417B7}"/>
+                  <a16:creationId xmlns:a16="http://schemas.microsoft.com/office/drawing/2014/main" id="{47566EA2-181B-2DE1-B7BA-6C6757C799CA}"/>
                 </a:ext>
               </a:extLst>
             </p:cNvPr>
@@ -9576,8 +11110,8 @@
           </p:blipFill>
           <p:spPr>
             <a:xfrm>
-              <a:off x="0" y="381000"/>
-              <a:ext cx="12192000" cy="6096000"/>
+              <a:off x="381000" y="0"/>
+              <a:ext cx="11430000" cy="6858000"/>
             </a:xfrm>
             <a:prstGeom prst="rect">
               <a:avLst/>
@@ -9594,7 +11128,7 @@
             <p:cNvPr id="6" name="Rectangle: Rounded Corners 5">
               <a:extLst>
                 <a:ext uri="{FF2B5EF4-FFF2-40B4-BE49-F238E27FC236}">
-                  <a16:creationId xmlns:a16="http://schemas.microsoft.com/office/drawing/2014/main" id="{5BBE00A1-68F7-6EDD-844C-93521EBBB071}"/>
+                  <a16:creationId xmlns:a16="http://schemas.microsoft.com/office/drawing/2014/main" id="{D3C51338-144B-5D96-E845-208622D0D5F1}"/>
                 </a:ext>
               </a:extLst>
             </p:cNvPr>
@@ -9603,12 +11137,291 @@
           </p:nvSpPr>
           <p:spPr>
             <a:xfrm>
-              <a:off x="497054" y="845012"/>
-              <a:ext cx="411480" cy="548640"/>
+              <a:off x="2390775" y="3429000"/>
+              <a:ext cx="1447800" cy="1038225"/>
             </a:xfrm>
             <a:prstGeom prst="roundRect">
               <a:avLst>
-                <a:gd name="adj" fmla="val 9370"/>
+                <a:gd name="adj" fmla="val 5658"/>
+              </a:avLst>
+            </a:prstGeom>
+            <a:noFill/>
+            <a:ln w="38100">
+              <a:solidFill>
+                <a:srgbClr val="FFC000"/>
+              </a:solidFill>
+            </a:ln>
+          </p:spPr>
+          <p:style>
+            <a:lnRef idx="2">
+              <a:schemeClr val="accent1">
+                <a:shade val="15000"/>
+              </a:schemeClr>
+            </a:lnRef>
+            <a:fillRef idx="1">
+              <a:schemeClr val="accent1"/>
+            </a:fillRef>
+            <a:effectRef idx="0">
+              <a:schemeClr val="accent1"/>
+            </a:effectRef>
+            <a:fontRef idx="minor">
+              <a:schemeClr val="lt1"/>
+            </a:fontRef>
+          </p:style>
+          <p:txBody>
+            <a:bodyPr rtlCol="0" anchor="ctr"/>
+            <a:lstStyle/>
+            <a:p>
+              <a:pPr algn="ctr"/>
+              <a:endParaRPr lang="en-US"/>
+            </a:p>
+          </p:txBody>
+        </p:sp>
+      </p:grpSp>
+      <p:grpSp>
+        <p:nvGrpSpPr>
+          <p:cNvPr id="11" name="Group 10">
+            <a:extLst>
+              <a:ext uri="{FF2B5EF4-FFF2-40B4-BE49-F238E27FC236}">
+                <a16:creationId xmlns:a16="http://schemas.microsoft.com/office/drawing/2014/main" id="{CF9FF9CC-E7C6-29E7-C158-BEB55B730C03}"/>
+              </a:ext>
+            </a:extLst>
+          </p:cNvPr>
+          <p:cNvGrpSpPr/>
+          <p:nvPr/>
+        </p:nvGrpSpPr>
+        <p:grpSpPr>
+          <a:xfrm>
+            <a:off x="3924885" y="1457325"/>
+            <a:ext cx="6096000" cy="4572000"/>
+            <a:chOff x="4191585" y="2181225"/>
+            <a:chExt cx="6096000" cy="4572000"/>
+          </a:xfrm>
+        </p:grpSpPr>
+        <p:pic>
+          <p:nvPicPr>
+            <p:cNvPr id="9" name="Picture 8">
+              <a:extLst>
+                <a:ext uri="{FF2B5EF4-FFF2-40B4-BE49-F238E27FC236}">
+                  <a16:creationId xmlns:a16="http://schemas.microsoft.com/office/drawing/2014/main" id="{B6A47B59-941C-A876-4690-0FD3AE5FCA15}"/>
+                </a:ext>
+              </a:extLst>
+            </p:cNvPr>
+            <p:cNvPicPr>
+              <a:picLocks noChangeAspect="1"/>
+            </p:cNvPicPr>
+            <p:nvPr/>
+          </p:nvPicPr>
+          <p:blipFill>
+            <a:blip r:embed="rId4"/>
+            <a:stretch>
+              <a:fillRect/>
+            </a:stretch>
+          </p:blipFill>
+          <p:spPr>
+            <a:xfrm>
+              <a:off x="4191585" y="2181225"/>
+              <a:ext cx="6096000" cy="4572000"/>
+            </a:xfrm>
+            <a:prstGeom prst="rect">
+              <a:avLst/>
+            </a:prstGeom>
+          </p:spPr>
+        </p:pic>
+        <p:sp>
+          <p:nvSpPr>
+            <p:cNvPr id="10" name="Rectangle: Rounded Corners 9">
+              <a:extLst>
+                <a:ext uri="{FF2B5EF4-FFF2-40B4-BE49-F238E27FC236}">
+                  <a16:creationId xmlns:a16="http://schemas.microsoft.com/office/drawing/2014/main" id="{7AB191A3-F65B-9A28-B976-1EAAFFD55187}"/>
+                </a:ext>
+              </a:extLst>
+            </p:cNvPr>
+            <p:cNvSpPr/>
+            <p:nvPr/>
+          </p:nvSpPr>
+          <p:spPr>
+            <a:xfrm>
+              <a:off x="8705850" y="6372225"/>
+              <a:ext cx="819150" cy="201168"/>
+            </a:xfrm>
+            <a:prstGeom prst="roundRect">
+              <a:avLst>
+                <a:gd name="adj" fmla="val 5658"/>
+              </a:avLst>
+            </a:prstGeom>
+            <a:noFill/>
+            <a:ln w="38100">
+              <a:solidFill>
+                <a:srgbClr val="FFC000"/>
+              </a:solidFill>
+            </a:ln>
+          </p:spPr>
+          <p:style>
+            <a:lnRef idx="2">
+              <a:schemeClr val="accent1">
+                <a:shade val="15000"/>
+              </a:schemeClr>
+            </a:lnRef>
+            <a:fillRef idx="1">
+              <a:schemeClr val="accent1"/>
+            </a:fillRef>
+            <a:effectRef idx="0">
+              <a:schemeClr val="accent1"/>
+            </a:effectRef>
+            <a:fontRef idx="minor">
+              <a:schemeClr val="lt1"/>
+            </a:fontRef>
+          </p:style>
+          <p:txBody>
+            <a:bodyPr rtlCol="0" anchor="ctr"/>
+            <a:lstStyle/>
+            <a:p>
+              <a:pPr algn="ctr"/>
+              <a:endParaRPr lang="en-US"/>
+            </a:p>
+          </p:txBody>
+        </p:sp>
+      </p:grpSp>
+    </p:spTree>
+    <p:extLst>
+      <p:ext uri="{BB962C8B-B14F-4D97-AF65-F5344CB8AC3E}">
+        <p14:creationId xmlns:p14="http://schemas.microsoft.com/office/powerpoint/2010/main" val="3863158323"/>
+      </p:ext>
+    </p:extLst>
+  </p:cSld>
+  <p:clrMapOvr>
+    <a:masterClrMapping/>
+  </p:clrMapOvr>
+</p:sld>
+</file>
+
+<file path=ppt/slides/slide14.xml><?xml version="1.0" encoding="utf-8"?>
+<p:sld xmlns:a="http://schemas.openxmlformats.org/drawingml/2006/main" xmlns:r="http://schemas.openxmlformats.org/officeDocument/2006/relationships" xmlns:p="http://schemas.openxmlformats.org/presentationml/2006/main">
+  <p:cSld>
+    <p:spTree>
+      <p:nvGrpSpPr>
+        <p:cNvPr id="1" name=""/>
+        <p:cNvGrpSpPr/>
+        <p:nvPr/>
+      </p:nvGrpSpPr>
+      <p:grpSpPr>
+        <a:xfrm>
+          <a:off x="0" y="0"/>
+          <a:ext cx="0" cy="0"/>
+          <a:chOff x="0" y="0"/>
+          <a:chExt cx="0" cy="0"/>
+        </a:xfrm>
+      </p:grpSpPr>
+      <p:grpSp>
+        <p:nvGrpSpPr>
+          <p:cNvPr id="13" name="Group 12">
+            <a:extLst>
+              <a:ext uri="{FF2B5EF4-FFF2-40B4-BE49-F238E27FC236}">
+                <a16:creationId xmlns:a16="http://schemas.microsoft.com/office/drawing/2014/main" id="{9E99B994-5566-B7ED-21DB-5EAF1CF1C672}"/>
+              </a:ext>
+            </a:extLst>
+          </p:cNvPr>
+          <p:cNvGrpSpPr/>
+          <p:nvPr/>
+        </p:nvGrpSpPr>
+        <p:grpSpPr>
+          <a:xfrm>
+            <a:off x="0" y="381000"/>
+            <a:ext cx="12192000" cy="6096000"/>
+            <a:chOff x="219075" y="381000"/>
+            <a:chExt cx="12192000" cy="6096000"/>
+          </a:xfrm>
+        </p:grpSpPr>
+        <p:pic>
+          <p:nvPicPr>
+            <p:cNvPr id="9" name="Picture 8">
+              <a:extLst>
+                <a:ext uri="{FF2B5EF4-FFF2-40B4-BE49-F238E27FC236}">
+                  <a16:creationId xmlns:a16="http://schemas.microsoft.com/office/drawing/2014/main" id="{BAB2BA38-2A5B-08F1-3F11-311C7B16A817}"/>
+                </a:ext>
+              </a:extLst>
+            </p:cNvPr>
+            <p:cNvPicPr>
+              <a:picLocks noChangeAspect="1"/>
+            </p:cNvPicPr>
+            <p:nvPr/>
+          </p:nvPicPr>
+          <p:blipFill>
+            <a:blip r:embed="rId3"/>
+            <a:stretch>
+              <a:fillRect/>
+            </a:stretch>
+          </p:blipFill>
+          <p:spPr>
+            <a:xfrm>
+              <a:off x="219075" y="381000"/>
+              <a:ext cx="12192000" cy="6096000"/>
+            </a:xfrm>
+            <a:prstGeom prst="rect">
+              <a:avLst/>
+            </a:prstGeom>
+            <a:ln>
+              <a:solidFill>
+                <a:schemeClr val="tx1"/>
+              </a:solidFill>
+            </a:ln>
+          </p:spPr>
+        </p:pic>
+        <p:pic>
+          <p:nvPicPr>
+            <p:cNvPr id="10" name="Picture 9">
+              <a:extLst>
+                <a:ext uri="{FF2B5EF4-FFF2-40B4-BE49-F238E27FC236}">
+                  <a16:creationId xmlns:a16="http://schemas.microsoft.com/office/drawing/2014/main" id="{892920A6-AB09-55ED-A5EE-6C20E418357F}"/>
+                </a:ext>
+              </a:extLst>
+            </p:cNvPr>
+            <p:cNvPicPr>
+              <a:picLocks noChangeAspect="1"/>
+            </p:cNvPicPr>
+            <p:nvPr/>
+          </p:nvPicPr>
+          <p:blipFill>
+            <a:blip r:embed="rId4"/>
+            <a:srcRect t="97500"/>
+            <a:stretch>
+              <a:fillRect/>
+            </a:stretch>
+          </p:blipFill>
+          <p:spPr>
+            <a:xfrm>
+              <a:off x="219075" y="6324600"/>
+              <a:ext cx="12192000" cy="152400"/>
+            </a:xfrm>
+            <a:prstGeom prst="rect">
+              <a:avLst/>
+            </a:prstGeom>
+            <a:ln>
+              <a:noFill/>
+            </a:ln>
+          </p:spPr>
+        </p:pic>
+        <p:sp>
+          <p:nvSpPr>
+            <p:cNvPr id="11" name="Rectangle: Rounded Corners 10">
+              <a:extLst>
+                <a:ext uri="{FF2B5EF4-FFF2-40B4-BE49-F238E27FC236}">
+                  <a16:creationId xmlns:a16="http://schemas.microsoft.com/office/drawing/2014/main" id="{8D7F6F48-0407-AA28-A644-D50BF3D6AEF7}"/>
+                </a:ext>
+              </a:extLst>
+            </p:cNvPr>
+            <p:cNvSpPr/>
+            <p:nvPr/>
+          </p:nvSpPr>
+          <p:spPr>
+            <a:xfrm>
+              <a:off x="714375" y="838199"/>
+              <a:ext cx="419100" cy="542925"/>
+            </a:xfrm>
+            <a:prstGeom prst="roundRect">
+              <a:avLst>
+                <a:gd name="adj" fmla="val 5658"/>
               </a:avLst>
             </a:prstGeom>
             <a:noFill/>
@@ -9645,10 +11458,10 @@
         </p:sp>
         <p:sp>
           <p:nvSpPr>
-            <p:cNvPr id="7" name="Rectangle: Rounded Corners 6">
+            <p:cNvPr id="12" name="Rectangle: Rounded Corners 11">
               <a:extLst>
                 <a:ext uri="{FF2B5EF4-FFF2-40B4-BE49-F238E27FC236}">
-                  <a16:creationId xmlns:a16="http://schemas.microsoft.com/office/drawing/2014/main" id="{9AD4B014-FB1C-9003-42A1-6389520268D8}"/>
+                  <a16:creationId xmlns:a16="http://schemas.microsoft.com/office/drawing/2014/main" id="{706C6A0E-D801-8E84-8969-E9D62451E468}"/>
                 </a:ext>
               </a:extLst>
             </p:cNvPr>
@@ -9657,12 +11470,12 @@
           </p:nvSpPr>
           <p:spPr>
             <a:xfrm>
-              <a:off x="506578" y="1543050"/>
-              <a:ext cx="1188871" cy="374190"/>
+              <a:off x="714375" y="1552575"/>
+              <a:ext cx="1219200" cy="371474"/>
             </a:xfrm>
             <a:prstGeom prst="roundRect">
               <a:avLst>
-                <a:gd name="adj" fmla="val 9370"/>
+                <a:gd name="adj" fmla="val 5658"/>
               </a:avLst>
             </a:prstGeom>
             <a:noFill/>
@@ -9693,7 +11506,7 @@
             <a:lstStyle/>
             <a:p>
               <a:pPr algn="ctr"/>
-              <a:endParaRPr lang="en-US" dirty="0"/>
+              <a:endParaRPr lang="en-US"/>
             </a:p>
           </p:txBody>
         </p:sp>
@@ -9701,7 +11514,7 @@
     </p:spTree>
     <p:extLst>
       <p:ext uri="{BB962C8B-B14F-4D97-AF65-F5344CB8AC3E}">
-        <p14:creationId xmlns:p14="http://schemas.microsoft.com/office/powerpoint/2010/main" val="3363197818"/>
+        <p14:creationId xmlns:p14="http://schemas.microsoft.com/office/powerpoint/2010/main" val="2789147801"/>
       </p:ext>
     </p:extLst>
   </p:cSld>
@@ -9711,7 +11524,7 @@
 </p:sld>
 </file>
 
-<file path=ppt/slides/slide13.xml><?xml version="1.0" encoding="utf-8"?>
+<file path=ppt/slides/slide15.xml><?xml version="1.0" encoding="utf-8"?>
 <p:sld xmlns:a="http://schemas.openxmlformats.org/drawingml/2006/main" xmlns:r="http://schemas.openxmlformats.org/officeDocument/2006/relationships" xmlns:p="http://schemas.openxmlformats.org/presentationml/2006/main">
   <p:cSld>
     <p:spTree>
@@ -9730,10 +11543,10 @@
       </p:grpSpPr>
       <p:grpSp>
         <p:nvGrpSpPr>
-          <p:cNvPr id="9" name="Group 8">
+          <p:cNvPr id="18" name="Group 17">
             <a:extLst>
               <a:ext uri="{FF2B5EF4-FFF2-40B4-BE49-F238E27FC236}">
-                <a16:creationId xmlns:a16="http://schemas.microsoft.com/office/drawing/2014/main" id="{5DAE158A-A207-538C-9516-1505265C5F43}"/>
+                <a16:creationId xmlns:a16="http://schemas.microsoft.com/office/drawing/2014/main" id="{004AE427-3811-FF3D-7854-8E9DAB351D79}"/>
               </a:ext>
             </a:extLst>
           </p:cNvPr>
@@ -9753,7 +11566,7 @@
             <p:cNvPr id="3" name="Picture 2">
               <a:extLst>
                 <a:ext uri="{FF2B5EF4-FFF2-40B4-BE49-F238E27FC236}">
-                  <a16:creationId xmlns:a16="http://schemas.microsoft.com/office/drawing/2014/main" id="{80D001AB-555C-2E71-3CB1-3AB5E8525EA4}"/>
+                  <a16:creationId xmlns:a16="http://schemas.microsoft.com/office/drawing/2014/main" id="{7D4DB721-26DC-BFDF-6F1D-1C075E5F7779}"/>
                 </a:ext>
               </a:extLst>
             </p:cNvPr>
@@ -9763,7 +11576,7 @@
             <p:nvPr/>
           </p:nvPicPr>
           <p:blipFill>
-            <a:blip r:embed="rId2"/>
+            <a:blip r:embed="rId3"/>
             <a:stretch>
               <a:fillRect/>
             </a:stretch>
@@ -9783,12 +11596,80 @@
             </a:ln>
           </p:spPr>
         </p:pic>
+        <p:pic>
+          <p:nvPicPr>
+            <p:cNvPr id="16" name="Picture 15">
+              <a:extLst>
+                <a:ext uri="{FF2B5EF4-FFF2-40B4-BE49-F238E27FC236}">
+                  <a16:creationId xmlns:a16="http://schemas.microsoft.com/office/drawing/2014/main" id="{52942B9C-ECC8-104D-DBFA-DA3195DD50BE}"/>
+                </a:ext>
+              </a:extLst>
+            </p:cNvPr>
+            <p:cNvPicPr>
+              <a:picLocks noChangeAspect="1"/>
+            </p:cNvPicPr>
+            <p:nvPr/>
+          </p:nvPicPr>
+          <p:blipFill>
+            <a:blip r:embed="rId4"/>
+            <a:srcRect b="75469"/>
+            <a:stretch>
+              <a:fillRect/>
+            </a:stretch>
+          </p:blipFill>
+          <p:spPr>
+            <a:xfrm>
+              <a:off x="0" y="382731"/>
+              <a:ext cx="12192000" cy="1495425"/>
+            </a:xfrm>
+            <a:prstGeom prst="rect">
+              <a:avLst/>
+            </a:prstGeom>
+            <a:ln>
+              <a:noFill/>
+            </a:ln>
+          </p:spPr>
+        </p:pic>
+        <p:pic>
+          <p:nvPicPr>
+            <p:cNvPr id="5" name="Picture 4">
+              <a:extLst>
+                <a:ext uri="{FF2B5EF4-FFF2-40B4-BE49-F238E27FC236}">
+                  <a16:creationId xmlns:a16="http://schemas.microsoft.com/office/drawing/2014/main" id="{0014ADF3-903F-CADA-235B-FDFD4B6E3917}"/>
+                </a:ext>
+              </a:extLst>
+            </p:cNvPr>
+            <p:cNvPicPr>
+              <a:picLocks noChangeAspect="1"/>
+            </p:cNvPicPr>
+            <p:nvPr/>
+          </p:nvPicPr>
+          <p:blipFill>
+            <a:blip r:embed="rId5"/>
+            <a:srcRect l="82819" t="37314" b="44335"/>
+            <a:stretch>
+              <a:fillRect/>
+            </a:stretch>
+          </p:blipFill>
+          <p:spPr>
+            <a:xfrm>
+              <a:off x="10097311" y="2678567"/>
+              <a:ext cx="2094689" cy="1118682"/>
+            </a:xfrm>
+            <a:prstGeom prst="rect">
+              <a:avLst/>
+            </a:prstGeom>
+            <a:ln>
+              <a:noFill/>
+            </a:ln>
+          </p:spPr>
+        </p:pic>
         <p:sp>
           <p:nvSpPr>
-            <p:cNvPr id="4" name="Rectangle: Rounded Corners 3">
+            <p:cNvPr id="6" name="Rectangle: Rounded Corners 5">
               <a:extLst>
                 <a:ext uri="{FF2B5EF4-FFF2-40B4-BE49-F238E27FC236}">
-                  <a16:creationId xmlns:a16="http://schemas.microsoft.com/office/drawing/2014/main" id="{57FCC2A7-2744-63F5-E8FD-D055D2E6BB5D}"/>
+                  <a16:creationId xmlns:a16="http://schemas.microsoft.com/office/drawing/2014/main" id="{55E414E3-423B-6C81-2D43-F9FDC7B8D28F}"/>
                 </a:ext>
               </a:extLst>
             </p:cNvPr>
@@ -9797,16 +11678,18 @@
           </p:nvSpPr>
           <p:spPr>
             <a:xfrm>
-              <a:off x="468479" y="619125"/>
-              <a:ext cx="457200" cy="209550"/>
+              <a:off x="10237002" y="3429000"/>
+              <a:ext cx="1737360" cy="153424"/>
             </a:xfrm>
             <a:prstGeom prst="roundRect">
-              <a:avLst>
-                <a:gd name="adj" fmla="val 9370"/>
-              </a:avLst>
+              <a:avLst/>
             </a:prstGeom>
-            <a:noFill/>
-            <a:ln w="38100">
+            <a:solidFill>
+              <a:srgbClr val="FFC000">
+                <a:alpha val="10196"/>
+              </a:srgbClr>
+            </a:solidFill>
+            <a:ln>
               <a:solidFill>
                 <a:srgbClr val="FFC000"/>
               </a:solidFill>
@@ -9839,172 +11722,10 @@
         </p:sp>
         <p:sp>
           <p:nvSpPr>
-            <p:cNvPr id="5" name="Rectangle: Rounded Corners 4">
+            <p:cNvPr id="7" name="TextBox 6">
               <a:extLst>
                 <a:ext uri="{FF2B5EF4-FFF2-40B4-BE49-F238E27FC236}">
-                  <a16:creationId xmlns:a16="http://schemas.microsoft.com/office/drawing/2014/main" id="{607044D4-FF87-95FA-01A3-E7378F529E7D}"/>
-                </a:ext>
-              </a:extLst>
-            </p:cNvPr>
-            <p:cNvSpPr/>
-            <p:nvPr/>
-          </p:nvSpPr>
-          <p:spPr>
-            <a:xfrm>
-              <a:off x="5781675" y="838200"/>
-              <a:ext cx="382754" cy="571500"/>
-            </a:xfrm>
-            <a:prstGeom prst="roundRect">
-              <a:avLst>
-                <a:gd name="adj" fmla="val 9370"/>
-              </a:avLst>
-            </a:prstGeom>
-            <a:noFill/>
-            <a:ln w="38100">
-              <a:solidFill>
-                <a:srgbClr val="FFC000"/>
-              </a:solidFill>
-            </a:ln>
-          </p:spPr>
-          <p:style>
-            <a:lnRef idx="2">
-              <a:schemeClr val="accent1">
-                <a:shade val="15000"/>
-              </a:schemeClr>
-            </a:lnRef>
-            <a:fillRef idx="1">
-              <a:schemeClr val="accent1"/>
-            </a:fillRef>
-            <a:effectRef idx="0">
-              <a:schemeClr val="accent1"/>
-            </a:effectRef>
-            <a:fontRef idx="minor">
-              <a:schemeClr val="lt1"/>
-            </a:fontRef>
-          </p:style>
-          <p:txBody>
-            <a:bodyPr rtlCol="0" anchor="ctr"/>
-            <a:lstStyle/>
-            <a:p>
-              <a:pPr algn="ctr"/>
-              <a:endParaRPr lang="en-US" dirty="0"/>
-            </a:p>
-          </p:txBody>
-        </p:sp>
-        <p:sp>
-          <p:nvSpPr>
-            <p:cNvPr id="6" name="Rectangle: Rounded Corners 5">
-              <a:extLst>
-                <a:ext uri="{FF2B5EF4-FFF2-40B4-BE49-F238E27FC236}">
-                  <a16:creationId xmlns:a16="http://schemas.microsoft.com/office/drawing/2014/main" id="{C3497D4C-BA0F-BC27-8C2D-AC015561212C}"/>
-                </a:ext>
-              </a:extLst>
-            </p:cNvPr>
-            <p:cNvSpPr/>
-            <p:nvPr/>
-          </p:nvSpPr>
-          <p:spPr>
-            <a:xfrm>
-              <a:off x="5800724" y="2114550"/>
-              <a:ext cx="1463040" cy="209550"/>
-            </a:xfrm>
-            <a:prstGeom prst="roundRect">
-              <a:avLst>
-                <a:gd name="adj" fmla="val 9370"/>
-              </a:avLst>
-            </a:prstGeom>
-            <a:noFill/>
-            <a:ln w="38100">
-              <a:solidFill>
-                <a:srgbClr val="FFC000"/>
-              </a:solidFill>
-            </a:ln>
-          </p:spPr>
-          <p:style>
-            <a:lnRef idx="2">
-              <a:schemeClr val="accent1">
-                <a:shade val="15000"/>
-              </a:schemeClr>
-            </a:lnRef>
-            <a:fillRef idx="1">
-              <a:schemeClr val="accent1"/>
-            </a:fillRef>
-            <a:effectRef idx="0">
-              <a:schemeClr val="accent1"/>
-            </a:effectRef>
-            <a:fontRef idx="minor">
-              <a:schemeClr val="lt1"/>
-            </a:fontRef>
-          </p:style>
-          <p:txBody>
-            <a:bodyPr rtlCol="0" anchor="ctr"/>
-            <a:lstStyle/>
-            <a:p>
-              <a:pPr algn="ctr"/>
-              <a:endParaRPr lang="en-US" dirty="0"/>
-            </a:p>
-          </p:txBody>
-        </p:sp>
-        <p:sp>
-          <p:nvSpPr>
-            <p:cNvPr id="7" name="Rectangle: Rounded Corners 6">
-              <a:extLst>
-                <a:ext uri="{FF2B5EF4-FFF2-40B4-BE49-F238E27FC236}">
-                  <a16:creationId xmlns:a16="http://schemas.microsoft.com/office/drawing/2014/main" id="{B7654646-2F41-0473-E119-BAD40B65331F}"/>
-                </a:ext>
-              </a:extLst>
-            </p:cNvPr>
-            <p:cNvSpPr/>
-            <p:nvPr/>
-          </p:nvSpPr>
-          <p:spPr>
-            <a:xfrm>
-              <a:off x="10239375" y="3390900"/>
-              <a:ext cx="1737360" cy="182880"/>
-            </a:xfrm>
-            <a:prstGeom prst="roundRect">
-              <a:avLst/>
-            </a:prstGeom>
-            <a:solidFill>
-              <a:srgbClr val="FFC000">
-                <a:alpha val="10196"/>
-              </a:srgbClr>
-            </a:solidFill>
-            <a:ln>
-              <a:noFill/>
-            </a:ln>
-          </p:spPr>
-          <p:style>
-            <a:lnRef idx="2">
-              <a:schemeClr val="accent1">
-                <a:shade val="15000"/>
-              </a:schemeClr>
-            </a:lnRef>
-            <a:fillRef idx="1">
-              <a:schemeClr val="accent1"/>
-            </a:fillRef>
-            <a:effectRef idx="0">
-              <a:schemeClr val="accent1"/>
-            </a:effectRef>
-            <a:fontRef idx="minor">
-              <a:schemeClr val="lt1"/>
-            </a:fontRef>
-          </p:style>
-          <p:txBody>
-            <a:bodyPr rtlCol="0" anchor="ctr"/>
-            <a:lstStyle/>
-            <a:p>
-              <a:pPr algn="ctr"/>
-              <a:endParaRPr lang="en-US" dirty="0"/>
-            </a:p>
-          </p:txBody>
-        </p:sp>
-        <p:sp>
-          <p:nvSpPr>
-            <p:cNvPr id="8" name="TextBox 7">
-              <a:extLst>
-                <a:ext uri="{FF2B5EF4-FFF2-40B4-BE49-F238E27FC236}">
-                  <a16:creationId xmlns:a16="http://schemas.microsoft.com/office/drawing/2014/main" id="{59B03351-6D31-2464-CA66-BCF85386CFE6}"/>
+                  <a16:creationId xmlns:a16="http://schemas.microsoft.com/office/drawing/2014/main" id="{7D72DB44-A832-AC32-BFEE-27F07675A0E3}"/>
                 </a:ext>
               </a:extLst>
             </p:cNvPr>
@@ -10013,7 +11734,7 @@
           </p:nvSpPr>
           <p:spPr>
             <a:xfrm>
-              <a:off x="5772150" y="3390900"/>
+              <a:off x="5770160" y="3421049"/>
               <a:ext cx="3739106" cy="646331"/>
             </a:xfrm>
             <a:prstGeom prst="callout2">
@@ -10060,98 +11781,12 @@
             </a:p>
           </p:txBody>
         </p:sp>
-      </p:grpSp>
-    </p:spTree>
-    <p:extLst>
-      <p:ext uri="{BB962C8B-B14F-4D97-AF65-F5344CB8AC3E}">
-        <p14:creationId xmlns:p14="http://schemas.microsoft.com/office/powerpoint/2010/main" val="1347317117"/>
-      </p:ext>
-    </p:extLst>
-  </p:cSld>
-  <p:clrMapOvr>
-    <a:masterClrMapping/>
-  </p:clrMapOvr>
-</p:sld>
-</file>
-
-<file path=ppt/slides/slide14.xml><?xml version="1.0" encoding="utf-8"?>
-<p:sld xmlns:a="http://schemas.openxmlformats.org/drawingml/2006/main" xmlns:r="http://schemas.openxmlformats.org/officeDocument/2006/relationships" xmlns:p="http://schemas.openxmlformats.org/presentationml/2006/main">
-  <p:cSld>
-    <p:spTree>
-      <p:nvGrpSpPr>
-        <p:cNvPr id="1" name=""/>
-        <p:cNvGrpSpPr/>
-        <p:nvPr/>
-      </p:nvGrpSpPr>
-      <p:grpSpPr>
-        <a:xfrm>
-          <a:off x="0" y="0"/>
-          <a:ext cx="0" cy="0"/>
-          <a:chOff x="0" y="0"/>
-          <a:chExt cx="0" cy="0"/>
-        </a:xfrm>
-      </p:grpSpPr>
-      <p:grpSp>
-        <p:nvGrpSpPr>
-          <p:cNvPr id="10" name="Group 9">
-            <a:extLst>
-              <a:ext uri="{FF2B5EF4-FFF2-40B4-BE49-F238E27FC236}">
-                <a16:creationId xmlns:a16="http://schemas.microsoft.com/office/drawing/2014/main" id="{5B111110-A25B-9F9F-2D98-F3F2F725EE57}"/>
-              </a:ext>
-            </a:extLst>
-          </p:cNvPr>
-          <p:cNvGrpSpPr/>
-          <p:nvPr/>
-        </p:nvGrpSpPr>
-        <p:grpSpPr>
-          <a:xfrm>
-            <a:off x="0" y="381000"/>
-            <a:ext cx="12192000" cy="6096000"/>
-            <a:chOff x="0" y="381000"/>
-            <a:chExt cx="12192000" cy="6096000"/>
-          </a:xfrm>
-        </p:grpSpPr>
-        <p:pic>
-          <p:nvPicPr>
-            <p:cNvPr id="3" name="Picture 2">
+        <p:sp>
+          <p:nvSpPr>
+            <p:cNvPr id="9" name="Rectangle: Rounded Corners 8">
               <a:extLst>
                 <a:ext uri="{FF2B5EF4-FFF2-40B4-BE49-F238E27FC236}">
-                  <a16:creationId xmlns:a16="http://schemas.microsoft.com/office/drawing/2014/main" id="{0F40193A-CC67-EA79-CB97-C78939B62391}"/>
-                </a:ext>
-              </a:extLst>
-            </p:cNvPr>
-            <p:cNvPicPr>
-              <a:picLocks noChangeAspect="1"/>
-            </p:cNvPicPr>
-            <p:nvPr/>
-          </p:nvPicPr>
-          <p:blipFill>
-            <a:blip r:embed="rId2"/>
-            <a:stretch>
-              <a:fillRect/>
-            </a:stretch>
-          </p:blipFill>
-          <p:spPr>
-            <a:xfrm>
-              <a:off x="0" y="381000"/>
-              <a:ext cx="12192000" cy="6096000"/>
-            </a:xfrm>
-            <a:prstGeom prst="rect">
-              <a:avLst/>
-            </a:prstGeom>
-            <a:ln>
-              <a:solidFill>
-                <a:schemeClr val="tx1"/>
-              </a:solidFill>
-            </a:ln>
-          </p:spPr>
-        </p:pic>
-        <p:sp>
-          <p:nvSpPr>
-            <p:cNvPr id="4" name="Rectangle: Rounded Corners 3">
-              <a:extLst>
-                <a:ext uri="{FF2B5EF4-FFF2-40B4-BE49-F238E27FC236}">
-                  <a16:creationId xmlns:a16="http://schemas.microsoft.com/office/drawing/2014/main" id="{64271440-4265-E06E-A4D3-5297DCDE0634}"/>
+                  <a16:creationId xmlns:a16="http://schemas.microsoft.com/office/drawing/2014/main" id="{56E0D28F-737F-D590-36AB-095DBB4D0700}"/>
                 </a:ext>
               </a:extLst>
             </p:cNvPr>
@@ -10160,8 +11795,8 @@
           </p:nvSpPr>
           <p:spPr>
             <a:xfrm>
-              <a:off x="944729" y="619125"/>
-              <a:ext cx="636422" cy="209550"/>
+              <a:off x="476430" y="635143"/>
+              <a:ext cx="457200" cy="209550"/>
             </a:xfrm>
             <a:prstGeom prst="roundRect">
               <a:avLst>
@@ -10202,10 +11837,10 @@
         </p:sp>
         <p:sp>
           <p:nvSpPr>
-            <p:cNvPr id="5" name="Rectangle: Rounded Corners 4">
+            <p:cNvPr id="11" name="Rectangle: Rounded Corners 10">
               <a:extLst>
                 <a:ext uri="{FF2B5EF4-FFF2-40B4-BE49-F238E27FC236}">
-                  <a16:creationId xmlns:a16="http://schemas.microsoft.com/office/drawing/2014/main" id="{35D6061C-8C5B-EA6C-165F-63163BBD7C12}"/>
+                  <a16:creationId xmlns:a16="http://schemas.microsoft.com/office/drawing/2014/main" id="{8A670E2A-AF29-5B22-41E6-ADC2369FDC14}"/>
                 </a:ext>
               </a:extLst>
             </p:cNvPr>
@@ -10214,8 +11849,8 @@
           </p:nvSpPr>
           <p:spPr>
             <a:xfrm>
-              <a:off x="3859379" y="838200"/>
-              <a:ext cx="141121" cy="219456"/>
+              <a:off x="5805397" y="2130568"/>
+              <a:ext cx="1463040" cy="201168"/>
             </a:xfrm>
             <a:prstGeom prst="roundRect">
               <a:avLst>
@@ -10256,10 +11891,10 @@
         </p:sp>
         <p:sp>
           <p:nvSpPr>
-            <p:cNvPr id="6" name="Rectangle: Rounded Corners 5">
+            <p:cNvPr id="10" name="Rectangle: Rounded Corners 9">
               <a:extLst>
                 <a:ext uri="{FF2B5EF4-FFF2-40B4-BE49-F238E27FC236}">
-                  <a16:creationId xmlns:a16="http://schemas.microsoft.com/office/drawing/2014/main" id="{BD57BFEC-1416-72CA-0BFD-B6D64668A75B}"/>
+                  <a16:creationId xmlns:a16="http://schemas.microsoft.com/office/drawing/2014/main" id="{BB6456D3-37B1-8512-14C5-7A4F5D2C1F86}"/>
                 </a:ext>
               </a:extLst>
             </p:cNvPr>
@@ -10268,8 +11903,8 @@
           </p:nvSpPr>
           <p:spPr>
             <a:xfrm>
-              <a:off x="3087854" y="1209674"/>
-              <a:ext cx="1084096" cy="219456"/>
+              <a:off x="5805397" y="844693"/>
+              <a:ext cx="382754" cy="571500"/>
             </a:xfrm>
             <a:prstGeom prst="roundRect">
               <a:avLst>
@@ -10308,12 +11943,98 @@
             </a:p>
           </p:txBody>
         </p:sp>
+      </p:grpSp>
+    </p:spTree>
+    <p:extLst>
+      <p:ext uri="{BB962C8B-B14F-4D97-AF65-F5344CB8AC3E}">
+        <p14:creationId xmlns:p14="http://schemas.microsoft.com/office/powerpoint/2010/main" val="3580169033"/>
+      </p:ext>
+    </p:extLst>
+  </p:cSld>
+  <p:clrMapOvr>
+    <a:masterClrMapping/>
+  </p:clrMapOvr>
+</p:sld>
+</file>
+
+<file path=ppt/slides/slide16.xml><?xml version="1.0" encoding="utf-8"?>
+<p:sld xmlns:a="http://schemas.openxmlformats.org/drawingml/2006/main" xmlns:r="http://schemas.openxmlformats.org/officeDocument/2006/relationships" xmlns:p="http://schemas.openxmlformats.org/presentationml/2006/main">
+  <p:cSld>
+    <p:spTree>
+      <p:nvGrpSpPr>
+        <p:cNvPr id="1" name=""/>
+        <p:cNvGrpSpPr/>
+        <p:nvPr/>
+      </p:nvGrpSpPr>
+      <p:grpSpPr>
+        <a:xfrm>
+          <a:off x="0" y="0"/>
+          <a:ext cx="0" cy="0"/>
+          <a:chOff x="0" y="0"/>
+          <a:chExt cx="0" cy="0"/>
+        </a:xfrm>
+      </p:grpSpPr>
+      <p:grpSp>
+        <p:nvGrpSpPr>
+          <p:cNvPr id="8" name="Group 7">
+            <a:extLst>
+              <a:ext uri="{FF2B5EF4-FFF2-40B4-BE49-F238E27FC236}">
+                <a16:creationId xmlns:a16="http://schemas.microsoft.com/office/drawing/2014/main" id="{0DA331D1-8FEC-4EC0-56A0-03AB8ECE7FFB}"/>
+              </a:ext>
+            </a:extLst>
+          </p:cNvPr>
+          <p:cNvGrpSpPr/>
+          <p:nvPr/>
+        </p:nvGrpSpPr>
+        <p:grpSpPr>
+          <a:xfrm>
+            <a:off x="0" y="381000"/>
+            <a:ext cx="12192000" cy="6096000"/>
+            <a:chOff x="0" y="381000"/>
+            <a:chExt cx="12192000" cy="6096000"/>
+          </a:xfrm>
+        </p:grpSpPr>
+        <p:pic>
+          <p:nvPicPr>
+            <p:cNvPr id="5" name="Picture 4">
+              <a:extLst>
+                <a:ext uri="{FF2B5EF4-FFF2-40B4-BE49-F238E27FC236}">
+                  <a16:creationId xmlns:a16="http://schemas.microsoft.com/office/drawing/2014/main" id="{E2C3B658-E59F-0F94-0719-0F22476EF9C7}"/>
+                </a:ext>
+              </a:extLst>
+            </p:cNvPr>
+            <p:cNvPicPr>
+              <a:picLocks noChangeAspect="1"/>
+            </p:cNvPicPr>
+            <p:nvPr/>
+          </p:nvPicPr>
+          <p:blipFill>
+            <a:blip r:embed="rId2"/>
+            <a:stretch>
+              <a:fillRect/>
+            </a:stretch>
+          </p:blipFill>
+          <p:spPr>
+            <a:xfrm>
+              <a:off x="0" y="381000"/>
+              <a:ext cx="12192000" cy="6096000"/>
+            </a:xfrm>
+            <a:prstGeom prst="rect">
+              <a:avLst/>
+            </a:prstGeom>
+            <a:ln>
+              <a:solidFill>
+                <a:schemeClr val="tx1"/>
+              </a:solidFill>
+            </a:ln>
+          </p:spPr>
+        </p:pic>
         <p:sp>
           <p:nvSpPr>
-            <p:cNvPr id="7" name="Rectangle: Rounded Corners 6">
+            <p:cNvPr id="6" name="Rectangle: Rounded Corners 5">
               <a:extLst>
                 <a:ext uri="{FF2B5EF4-FFF2-40B4-BE49-F238E27FC236}">
-                  <a16:creationId xmlns:a16="http://schemas.microsoft.com/office/drawing/2014/main" id="{788E3ABF-4275-CD98-0F13-B9C298694E53}"/>
+                  <a16:creationId xmlns:a16="http://schemas.microsoft.com/office/drawing/2014/main" id="{1A69468E-0436-71CD-30F2-170C744C7DB0}"/>
                 </a:ext>
               </a:extLst>
             </p:cNvPr>
@@ -10322,8 +12043,8 @@
           </p:nvSpPr>
           <p:spPr>
             <a:xfrm>
-              <a:off x="10239375" y="3552825"/>
-              <a:ext cx="1737360" cy="182880"/>
+              <a:off x="10239375" y="3244877"/>
+              <a:ext cx="1737360" cy="155448"/>
             </a:xfrm>
             <a:prstGeom prst="roundRect">
               <a:avLst/>
@@ -10364,10 +12085,10 @@
         </p:sp>
         <p:sp>
           <p:nvSpPr>
-            <p:cNvPr id="8" name="TextBox 7">
+            <p:cNvPr id="7" name="TextBox 6">
               <a:extLst>
                 <a:ext uri="{FF2B5EF4-FFF2-40B4-BE49-F238E27FC236}">
-                  <a16:creationId xmlns:a16="http://schemas.microsoft.com/office/drawing/2014/main" id="{C982F325-9433-6067-5E4E-008651D4EDB6}"/>
+                  <a16:creationId xmlns:a16="http://schemas.microsoft.com/office/drawing/2014/main" id="{05304D9D-04AF-3ECB-B4C4-488FE413A764}"/>
                 </a:ext>
               </a:extLst>
             </p:cNvPr>
@@ -10376,7 +12097,7 @@
           </p:nvSpPr>
           <p:spPr>
             <a:xfrm>
-              <a:off x="5457826" y="3533775"/>
+              <a:off x="5457826" y="3209925"/>
               <a:ext cx="3996280" cy="923330"/>
             </a:xfrm>
             <a:prstGeom prst="callout2">
@@ -10428,7 +12149,7 @@
                     <a:srgbClr val="FFC000"/>
                   </a:solidFill>
                 </a:rPr>
-                <a:t>Replace errors with “0”.</a:t>
+                <a:t>Delete this step to remove errors.</a:t>
               </a:r>
             </a:p>
           </p:txBody>
@@ -10437,7 +12158,7 @@
     </p:spTree>
     <p:extLst>
       <p:ext uri="{BB962C8B-B14F-4D97-AF65-F5344CB8AC3E}">
-        <p14:creationId xmlns:p14="http://schemas.microsoft.com/office/powerpoint/2010/main" val="2048267786"/>
+        <p14:creationId xmlns:p14="http://schemas.microsoft.com/office/powerpoint/2010/main" val="2227708791"/>
       </p:ext>
     </p:extLst>
   </p:cSld>
@@ -10447,7 +12168,7 @@
 </p:sld>
 </file>
 
-<file path=ppt/slides/slide15.xml><?xml version="1.0" encoding="utf-8"?>
+<file path=ppt/slides/slide17.xml><?xml version="1.0" encoding="utf-8"?>
 <p:sld xmlns:a="http://schemas.openxmlformats.org/drawingml/2006/main" xmlns:r="http://schemas.openxmlformats.org/officeDocument/2006/relationships" xmlns:p="http://schemas.openxmlformats.org/presentationml/2006/main">
   <p:cSld>
     <p:spTree>
@@ -10466,10 +12187,10 @@
       </p:grpSpPr>
       <p:grpSp>
         <p:nvGrpSpPr>
-          <p:cNvPr id="17" name="Group 16">
+          <p:cNvPr id="26" name="Group 25">
             <a:extLst>
               <a:ext uri="{FF2B5EF4-FFF2-40B4-BE49-F238E27FC236}">
-                <a16:creationId xmlns:a16="http://schemas.microsoft.com/office/drawing/2014/main" id="{149495EF-183F-B0D8-F478-C1F2D0E30454}"/>
+                <a16:creationId xmlns:a16="http://schemas.microsoft.com/office/drawing/2014/main" id="{601D6635-435F-7E07-27F0-04FB4543B40B}"/>
               </a:ext>
             </a:extLst>
           </p:cNvPr>
@@ -10486,10 +12207,10 @@
         </p:grpSpPr>
         <p:pic>
           <p:nvPicPr>
-            <p:cNvPr id="3" name="Picture 2">
+            <p:cNvPr id="5" name="Picture 4">
               <a:extLst>
                 <a:ext uri="{FF2B5EF4-FFF2-40B4-BE49-F238E27FC236}">
-                  <a16:creationId xmlns:a16="http://schemas.microsoft.com/office/drawing/2014/main" id="{C16C3232-6E34-8845-49DD-4606300FFF22}"/>
+                  <a16:creationId xmlns:a16="http://schemas.microsoft.com/office/drawing/2014/main" id="{275669DD-6433-2DC9-B052-85ECC1CEC7D3}"/>
                 </a:ext>
               </a:extLst>
             </p:cNvPr>
@@ -10521,10 +12242,10 @@
         </p:pic>
         <p:sp>
           <p:nvSpPr>
-            <p:cNvPr id="6" name="Rectangle: Rounded Corners 5">
+            <p:cNvPr id="9" name="Rectangle: Rounded Corners 8">
               <a:extLst>
                 <a:ext uri="{FF2B5EF4-FFF2-40B4-BE49-F238E27FC236}">
-                  <a16:creationId xmlns:a16="http://schemas.microsoft.com/office/drawing/2014/main" id="{C3801F05-C94C-FF05-5FC4-586C0A50273F}"/>
+                  <a16:creationId xmlns:a16="http://schemas.microsoft.com/office/drawing/2014/main" id="{1F5F4CD4-9456-DB68-4AD2-6DA89800C555}"/>
                 </a:ext>
               </a:extLst>
             </p:cNvPr>
@@ -10533,8 +12254,8 @@
           </p:nvSpPr>
           <p:spPr>
             <a:xfrm>
-              <a:off x="458954" y="619125"/>
-              <a:ext cx="457200" cy="209550"/>
+              <a:off x="2354429" y="619124"/>
+              <a:ext cx="417346" cy="219075"/>
             </a:xfrm>
             <a:prstGeom prst="roundRect">
               <a:avLst>
@@ -10575,10 +12296,798 @@
         </p:sp>
         <p:sp>
           <p:nvSpPr>
-            <p:cNvPr id="7" name="Rectangle: Rounded Corners 6">
+            <p:cNvPr id="10" name="Rectangle: Rounded Corners 9">
               <a:extLst>
                 <a:ext uri="{FF2B5EF4-FFF2-40B4-BE49-F238E27FC236}">
-                  <a16:creationId xmlns:a16="http://schemas.microsoft.com/office/drawing/2014/main" id="{34E2AD7A-7ED8-B16E-8AA5-F5F080A87EFB}"/>
+                  <a16:creationId xmlns:a16="http://schemas.microsoft.com/office/drawing/2014/main" id="{61E41883-9BF7-EAFF-EFF7-DFAE3F1DDD20}"/>
+                </a:ext>
+              </a:extLst>
+            </p:cNvPr>
+            <p:cNvSpPr/>
+            <p:nvPr/>
+          </p:nvSpPr>
+          <p:spPr>
+            <a:xfrm>
+              <a:off x="2241883" y="1057272"/>
+              <a:ext cx="882317" cy="133351"/>
+            </a:xfrm>
+            <a:prstGeom prst="roundRect">
+              <a:avLst>
+                <a:gd name="adj" fmla="val 9370"/>
+              </a:avLst>
+            </a:prstGeom>
+            <a:noFill/>
+            <a:ln w="38100">
+              <a:solidFill>
+                <a:srgbClr val="FFC000"/>
+              </a:solidFill>
+            </a:ln>
+          </p:spPr>
+          <p:style>
+            <a:lnRef idx="2">
+              <a:schemeClr val="accent1">
+                <a:shade val="15000"/>
+              </a:schemeClr>
+            </a:lnRef>
+            <a:fillRef idx="1">
+              <a:schemeClr val="accent1"/>
+            </a:fillRef>
+            <a:effectRef idx="0">
+              <a:schemeClr val="accent1"/>
+            </a:effectRef>
+            <a:fontRef idx="minor">
+              <a:schemeClr val="lt1"/>
+            </a:fontRef>
+          </p:style>
+          <p:txBody>
+            <a:bodyPr rtlCol="0" anchor="ctr"/>
+            <a:lstStyle/>
+            <a:p>
+              <a:pPr algn="ctr"/>
+              <a:endParaRPr lang="en-US" dirty="0"/>
+            </a:p>
+          </p:txBody>
+        </p:sp>
+        <p:sp>
+          <p:nvSpPr>
+            <p:cNvPr id="12" name="Rectangle: Rounded Corners 11">
+              <a:extLst>
+                <a:ext uri="{FF2B5EF4-FFF2-40B4-BE49-F238E27FC236}">
+                  <a16:creationId xmlns:a16="http://schemas.microsoft.com/office/drawing/2014/main" id="{9124B85D-1065-2292-5A70-C6B50C49A800}"/>
+                </a:ext>
+              </a:extLst>
+            </p:cNvPr>
+            <p:cNvSpPr/>
+            <p:nvPr/>
+          </p:nvSpPr>
+          <p:spPr>
+            <a:xfrm>
+              <a:off x="1270333" y="1228723"/>
+              <a:ext cx="882317" cy="133351"/>
+            </a:xfrm>
+            <a:prstGeom prst="roundRect">
+              <a:avLst>
+                <a:gd name="adj" fmla="val 9370"/>
+              </a:avLst>
+            </a:prstGeom>
+            <a:noFill/>
+            <a:ln w="38100">
+              <a:solidFill>
+                <a:srgbClr val="FFC000"/>
+              </a:solidFill>
+            </a:ln>
+          </p:spPr>
+          <p:style>
+            <a:lnRef idx="2">
+              <a:schemeClr val="accent1">
+                <a:shade val="15000"/>
+              </a:schemeClr>
+            </a:lnRef>
+            <a:fillRef idx="1">
+              <a:schemeClr val="accent1"/>
+            </a:fillRef>
+            <a:effectRef idx="0">
+              <a:schemeClr val="accent1"/>
+            </a:effectRef>
+            <a:fontRef idx="minor">
+              <a:schemeClr val="lt1"/>
+            </a:fontRef>
+          </p:style>
+          <p:txBody>
+            <a:bodyPr rtlCol="0" anchor="ctr"/>
+            <a:lstStyle/>
+            <a:p>
+              <a:pPr algn="ctr"/>
+              <a:endParaRPr lang="en-US" dirty="0"/>
+            </a:p>
+          </p:txBody>
+        </p:sp>
+        <p:cxnSp>
+          <p:nvCxnSpPr>
+            <p:cNvPr id="14" name="Connector: Elbow 13">
+              <a:extLst>
+                <a:ext uri="{FF2B5EF4-FFF2-40B4-BE49-F238E27FC236}">
+                  <a16:creationId xmlns:a16="http://schemas.microsoft.com/office/drawing/2014/main" id="{8E7D41A0-B011-A0DD-3699-8C24EAB2AE86}"/>
+                </a:ext>
+              </a:extLst>
+            </p:cNvPr>
+            <p:cNvCxnSpPr>
+              <a:cxnSpLocks/>
+              <a:stCxn id="12" idx="1"/>
+              <a:endCxn id="15" idx="1"/>
+            </p:cNvCxnSpPr>
+            <p:nvPr/>
+          </p:nvCxnSpPr>
+          <p:spPr>
+            <a:xfrm rot="10800000" flipH="1" flipV="1">
+              <a:off x="1270332" y="1295399"/>
+              <a:ext cx="450683" cy="929640"/>
+            </a:xfrm>
+            <a:prstGeom prst="bentConnector3">
+              <a:avLst>
+                <a:gd name="adj1" fmla="val -50723"/>
+              </a:avLst>
+            </a:prstGeom>
+            <a:ln w="28575">
+              <a:solidFill>
+                <a:srgbClr val="FFC000"/>
+              </a:solidFill>
+              <a:prstDash val="sysDash"/>
+              <a:tailEnd type="triangle"/>
+            </a:ln>
+          </p:spPr>
+          <p:style>
+            <a:lnRef idx="1">
+              <a:schemeClr val="accent1"/>
+            </a:lnRef>
+            <a:fillRef idx="0">
+              <a:schemeClr val="accent1"/>
+            </a:fillRef>
+            <a:effectRef idx="0">
+              <a:schemeClr val="accent1"/>
+            </a:effectRef>
+            <a:fontRef idx="minor">
+              <a:schemeClr val="tx1"/>
+            </a:fontRef>
+          </p:style>
+        </p:cxnSp>
+        <p:sp>
+          <p:nvSpPr>
+            <p:cNvPr id="15" name="Rectangle: Rounded Corners 14">
+              <a:extLst>
+                <a:ext uri="{FF2B5EF4-FFF2-40B4-BE49-F238E27FC236}">
+                  <a16:creationId xmlns:a16="http://schemas.microsoft.com/office/drawing/2014/main" id="{AC1B9728-4518-AB2A-8DF5-D29BC2675DDE}"/>
+                </a:ext>
+              </a:extLst>
+            </p:cNvPr>
+            <p:cNvSpPr/>
+            <p:nvPr/>
+          </p:nvSpPr>
+          <p:spPr>
+            <a:xfrm>
+              <a:off x="1721016" y="1904999"/>
+              <a:ext cx="1298448" cy="640080"/>
+            </a:xfrm>
+            <a:prstGeom prst="roundRect">
+              <a:avLst/>
+            </a:prstGeom>
+            <a:noFill/>
+            <a:ln>
+              <a:solidFill>
+                <a:srgbClr val="FFC000"/>
+              </a:solidFill>
+            </a:ln>
+          </p:spPr>
+          <p:style>
+            <a:lnRef idx="2">
+              <a:schemeClr val="accent1">
+                <a:shade val="15000"/>
+              </a:schemeClr>
+            </a:lnRef>
+            <a:fillRef idx="1">
+              <a:schemeClr val="accent1"/>
+            </a:fillRef>
+            <a:effectRef idx="0">
+              <a:schemeClr val="accent1"/>
+            </a:effectRef>
+            <a:fontRef idx="minor">
+              <a:schemeClr val="lt1"/>
+            </a:fontRef>
+          </p:style>
+          <p:txBody>
+            <a:bodyPr rtlCol="0" anchor="ctr"/>
+            <a:lstStyle/>
+            <a:p>
+              <a:pPr algn="ctr"/>
+              <a:endParaRPr lang="en-US"/>
+            </a:p>
+          </p:txBody>
+        </p:sp>
+        <p:cxnSp>
+          <p:nvCxnSpPr>
+            <p:cNvPr id="19" name="Connector: Elbow 18">
+              <a:extLst>
+                <a:ext uri="{FF2B5EF4-FFF2-40B4-BE49-F238E27FC236}">
+                  <a16:creationId xmlns:a16="http://schemas.microsoft.com/office/drawing/2014/main" id="{6E6DB46F-9440-451B-FEBC-492CE35B18B8}"/>
+                </a:ext>
+              </a:extLst>
+            </p:cNvPr>
+            <p:cNvCxnSpPr>
+              <a:cxnSpLocks/>
+              <a:stCxn id="10" idx="3"/>
+              <a:endCxn id="20" idx="0"/>
+            </p:cNvCxnSpPr>
+            <p:nvPr/>
+          </p:nvCxnSpPr>
+          <p:spPr>
+            <a:xfrm>
+              <a:off x="3124200" y="1123948"/>
+              <a:ext cx="3616261" cy="2781302"/>
+            </a:xfrm>
+            <a:prstGeom prst="bentConnector2">
+              <a:avLst/>
+            </a:prstGeom>
+            <a:ln w="28575">
+              <a:solidFill>
+                <a:srgbClr val="FFC000"/>
+              </a:solidFill>
+              <a:prstDash val="sysDash"/>
+              <a:tailEnd type="triangle"/>
+            </a:ln>
+          </p:spPr>
+          <p:style>
+            <a:lnRef idx="1">
+              <a:schemeClr val="accent1"/>
+            </a:lnRef>
+            <a:fillRef idx="0">
+              <a:schemeClr val="accent1"/>
+            </a:fillRef>
+            <a:effectRef idx="0">
+              <a:schemeClr val="accent1"/>
+            </a:effectRef>
+            <a:fontRef idx="minor">
+              <a:schemeClr val="tx1"/>
+            </a:fontRef>
+          </p:style>
+        </p:cxnSp>
+        <p:sp>
+          <p:nvSpPr>
+            <p:cNvPr id="20" name="Rectangle: Rounded Corners 19">
+              <a:extLst>
+                <a:ext uri="{FF2B5EF4-FFF2-40B4-BE49-F238E27FC236}">
+                  <a16:creationId xmlns:a16="http://schemas.microsoft.com/office/drawing/2014/main" id="{E30C4CEB-40FB-5060-0ED3-E306C462E167}"/>
+                </a:ext>
+              </a:extLst>
+            </p:cNvPr>
+            <p:cNvSpPr/>
+            <p:nvPr/>
+          </p:nvSpPr>
+          <p:spPr>
+            <a:xfrm>
+              <a:off x="3470147" y="3905250"/>
+              <a:ext cx="6540627" cy="2333625"/>
+            </a:xfrm>
+            <a:prstGeom prst="roundRect">
+              <a:avLst/>
+            </a:prstGeom>
+            <a:noFill/>
+            <a:ln>
+              <a:solidFill>
+                <a:srgbClr val="FFC000"/>
+              </a:solidFill>
+            </a:ln>
+          </p:spPr>
+          <p:style>
+            <a:lnRef idx="2">
+              <a:schemeClr val="accent1">
+                <a:shade val="15000"/>
+              </a:schemeClr>
+            </a:lnRef>
+            <a:fillRef idx="1">
+              <a:schemeClr val="accent1"/>
+            </a:fillRef>
+            <a:effectRef idx="0">
+              <a:schemeClr val="accent1"/>
+            </a:effectRef>
+            <a:fontRef idx="minor">
+              <a:schemeClr val="lt1"/>
+            </a:fontRef>
+          </p:style>
+          <p:txBody>
+            <a:bodyPr rtlCol="0" anchor="ctr"/>
+            <a:lstStyle/>
+            <a:p>
+              <a:pPr algn="ctr"/>
+              <a:endParaRPr lang="en-US"/>
+            </a:p>
+          </p:txBody>
+        </p:sp>
+      </p:grpSp>
+    </p:spTree>
+    <p:extLst>
+      <p:ext uri="{BB962C8B-B14F-4D97-AF65-F5344CB8AC3E}">
+        <p14:creationId xmlns:p14="http://schemas.microsoft.com/office/powerpoint/2010/main" val="2723955596"/>
+      </p:ext>
+    </p:extLst>
+  </p:cSld>
+  <p:clrMapOvr>
+    <a:masterClrMapping/>
+  </p:clrMapOvr>
+</p:sld>
+</file>
+
+<file path=ppt/slides/slide18.xml><?xml version="1.0" encoding="utf-8"?>
+<p:sld xmlns:a="http://schemas.openxmlformats.org/drawingml/2006/main" xmlns:r="http://schemas.openxmlformats.org/officeDocument/2006/relationships" xmlns:p="http://schemas.openxmlformats.org/presentationml/2006/main">
+  <p:cSld>
+    <p:spTree>
+      <p:nvGrpSpPr>
+        <p:cNvPr id="1" name=""/>
+        <p:cNvGrpSpPr/>
+        <p:nvPr/>
+      </p:nvGrpSpPr>
+      <p:grpSpPr>
+        <a:xfrm>
+          <a:off x="0" y="0"/>
+          <a:ext cx="0" cy="0"/>
+          <a:chOff x="0" y="0"/>
+          <a:chExt cx="0" cy="0"/>
+        </a:xfrm>
+      </p:grpSpPr>
+      <p:grpSp>
+        <p:nvGrpSpPr>
+          <p:cNvPr id="22" name="Group 21">
+            <a:extLst>
+              <a:ext uri="{FF2B5EF4-FFF2-40B4-BE49-F238E27FC236}">
+                <a16:creationId xmlns:a16="http://schemas.microsoft.com/office/drawing/2014/main" id="{2F566140-0606-DE1D-A166-6AD94FF59725}"/>
+              </a:ext>
+            </a:extLst>
+          </p:cNvPr>
+          <p:cNvGrpSpPr/>
+          <p:nvPr/>
+        </p:nvGrpSpPr>
+        <p:grpSpPr>
+          <a:xfrm>
+            <a:off x="0" y="381000"/>
+            <a:ext cx="12192000" cy="6096000"/>
+            <a:chOff x="0" y="525241"/>
+            <a:chExt cx="12192000" cy="6096000"/>
+          </a:xfrm>
+        </p:grpSpPr>
+        <p:pic>
+          <p:nvPicPr>
+            <p:cNvPr id="9" name="Picture 8">
+              <a:extLst>
+                <a:ext uri="{FF2B5EF4-FFF2-40B4-BE49-F238E27FC236}">
+                  <a16:creationId xmlns:a16="http://schemas.microsoft.com/office/drawing/2014/main" id="{E456862D-B252-61F3-A09F-949A00F1C4EC}"/>
+                </a:ext>
+              </a:extLst>
+            </p:cNvPr>
+            <p:cNvPicPr>
+              <a:picLocks noChangeAspect="1"/>
+            </p:cNvPicPr>
+            <p:nvPr/>
+          </p:nvPicPr>
+          <p:blipFill>
+            <a:blip r:embed="rId3"/>
+            <a:stretch>
+              <a:fillRect/>
+            </a:stretch>
+          </p:blipFill>
+          <p:spPr>
+            <a:xfrm>
+              <a:off x="0" y="525241"/>
+              <a:ext cx="12192000" cy="6096000"/>
+            </a:xfrm>
+            <a:prstGeom prst="rect">
+              <a:avLst/>
+            </a:prstGeom>
+            <a:ln>
+              <a:solidFill>
+                <a:schemeClr val="tx1"/>
+              </a:solidFill>
+            </a:ln>
+          </p:spPr>
+        </p:pic>
+        <p:pic>
+          <p:nvPicPr>
+            <p:cNvPr id="13" name="Picture 12">
+              <a:extLst>
+                <a:ext uri="{FF2B5EF4-FFF2-40B4-BE49-F238E27FC236}">
+                  <a16:creationId xmlns:a16="http://schemas.microsoft.com/office/drawing/2014/main" id="{6F6AD962-CAEA-7B98-F862-3D1F268AA1DB}"/>
+                </a:ext>
+              </a:extLst>
+            </p:cNvPr>
+            <p:cNvPicPr>
+              <a:picLocks noChangeAspect="1"/>
+            </p:cNvPicPr>
+            <p:nvPr/>
+          </p:nvPicPr>
+          <p:blipFill>
+            <a:blip r:embed="rId4"/>
+            <a:srcRect l="82580" t="37792" b="48205"/>
+            <a:stretch>
+              <a:fillRect/>
+            </a:stretch>
+          </p:blipFill>
+          <p:spPr>
+            <a:xfrm>
+              <a:off x="10068128" y="2829075"/>
+              <a:ext cx="2123872" cy="853589"/>
+            </a:xfrm>
+            <a:prstGeom prst="rect">
+              <a:avLst/>
+            </a:prstGeom>
+          </p:spPr>
+        </p:pic>
+        <p:pic>
+          <p:nvPicPr>
+            <p:cNvPr id="21" name="Picture 20">
+              <a:extLst>
+                <a:ext uri="{FF2B5EF4-FFF2-40B4-BE49-F238E27FC236}">
+                  <a16:creationId xmlns:a16="http://schemas.microsoft.com/office/drawing/2014/main" id="{B31A24DA-42A8-1253-E6DE-0D24A179D263}"/>
+                </a:ext>
+              </a:extLst>
+            </p:cNvPr>
+            <p:cNvPicPr>
+              <a:picLocks noChangeAspect="1"/>
+            </p:cNvPicPr>
+            <p:nvPr/>
+          </p:nvPicPr>
+          <p:blipFill>
+            <a:blip r:embed="rId5"/>
+            <a:srcRect b="75337"/>
+            <a:stretch>
+              <a:fillRect/>
+            </a:stretch>
+          </p:blipFill>
+          <p:spPr>
+            <a:xfrm>
+              <a:off x="0" y="525241"/>
+              <a:ext cx="12192000" cy="1503459"/>
+            </a:xfrm>
+            <a:prstGeom prst="rect">
+              <a:avLst/>
+            </a:prstGeom>
+          </p:spPr>
+        </p:pic>
+        <p:sp>
+          <p:nvSpPr>
+            <p:cNvPr id="14" name="Rectangle: Rounded Corners 13">
+              <a:extLst>
+                <a:ext uri="{FF2B5EF4-FFF2-40B4-BE49-F238E27FC236}">
+                  <a16:creationId xmlns:a16="http://schemas.microsoft.com/office/drawing/2014/main" id="{7B4FCEB3-773F-1594-7554-C12C4C3BE217}"/>
+                </a:ext>
+              </a:extLst>
+            </p:cNvPr>
+            <p:cNvSpPr/>
+            <p:nvPr/>
+          </p:nvSpPr>
+          <p:spPr>
+            <a:xfrm>
+              <a:off x="924022" y="770200"/>
+              <a:ext cx="636422" cy="209550"/>
+            </a:xfrm>
+            <a:prstGeom prst="roundRect">
+              <a:avLst>
+                <a:gd name="adj" fmla="val 9370"/>
+              </a:avLst>
+            </a:prstGeom>
+            <a:noFill/>
+            <a:ln w="38100">
+              <a:solidFill>
+                <a:srgbClr val="FFC000"/>
+              </a:solidFill>
+            </a:ln>
+          </p:spPr>
+          <p:style>
+            <a:lnRef idx="2">
+              <a:schemeClr val="accent1">
+                <a:shade val="15000"/>
+              </a:schemeClr>
+            </a:lnRef>
+            <a:fillRef idx="1">
+              <a:schemeClr val="accent1"/>
+            </a:fillRef>
+            <a:effectRef idx="0">
+              <a:schemeClr val="accent1"/>
+            </a:effectRef>
+            <a:fontRef idx="minor">
+              <a:schemeClr val="lt1"/>
+            </a:fontRef>
+          </p:style>
+          <p:txBody>
+            <a:bodyPr rtlCol="0" anchor="ctr"/>
+            <a:lstStyle/>
+            <a:p>
+              <a:pPr algn="ctr"/>
+              <a:endParaRPr lang="en-US" dirty="0"/>
+            </a:p>
+          </p:txBody>
+        </p:sp>
+        <p:sp>
+          <p:nvSpPr>
+            <p:cNvPr id="15" name="Rectangle: Rounded Corners 14">
+              <a:extLst>
+                <a:ext uri="{FF2B5EF4-FFF2-40B4-BE49-F238E27FC236}">
+                  <a16:creationId xmlns:a16="http://schemas.microsoft.com/office/drawing/2014/main" id="{745EA3AF-A169-04AC-64DF-DEAFCDBBDB1D}"/>
+                </a:ext>
+              </a:extLst>
+            </p:cNvPr>
+            <p:cNvSpPr/>
+            <p:nvPr/>
+          </p:nvSpPr>
+          <p:spPr>
+            <a:xfrm>
+              <a:off x="3551321" y="989275"/>
+              <a:ext cx="141121" cy="182880"/>
+            </a:xfrm>
+            <a:prstGeom prst="roundRect">
+              <a:avLst>
+                <a:gd name="adj" fmla="val 9370"/>
+              </a:avLst>
+            </a:prstGeom>
+            <a:noFill/>
+            <a:ln w="38100">
+              <a:solidFill>
+                <a:srgbClr val="FFC000"/>
+              </a:solidFill>
+            </a:ln>
+          </p:spPr>
+          <p:style>
+            <a:lnRef idx="2">
+              <a:schemeClr val="accent1">
+                <a:shade val="15000"/>
+              </a:schemeClr>
+            </a:lnRef>
+            <a:fillRef idx="1">
+              <a:schemeClr val="accent1"/>
+            </a:fillRef>
+            <a:effectRef idx="0">
+              <a:schemeClr val="accent1"/>
+            </a:effectRef>
+            <a:fontRef idx="minor">
+              <a:schemeClr val="lt1"/>
+            </a:fontRef>
+          </p:style>
+          <p:txBody>
+            <a:bodyPr rtlCol="0" anchor="ctr"/>
+            <a:lstStyle/>
+            <a:p>
+              <a:pPr algn="ctr"/>
+              <a:endParaRPr lang="en-US" dirty="0"/>
+            </a:p>
+          </p:txBody>
+        </p:sp>
+        <p:sp>
+          <p:nvSpPr>
+            <p:cNvPr id="16" name="Rectangle: Rounded Corners 15">
+              <a:extLst>
+                <a:ext uri="{FF2B5EF4-FFF2-40B4-BE49-F238E27FC236}">
+                  <a16:creationId xmlns:a16="http://schemas.microsoft.com/office/drawing/2014/main" id="{88EE97FC-60A1-CB53-6AF0-7DB0DE0532FE}"/>
+                </a:ext>
+              </a:extLst>
+            </p:cNvPr>
+            <p:cNvSpPr/>
+            <p:nvPr/>
+          </p:nvSpPr>
+          <p:spPr>
+            <a:xfrm>
+              <a:off x="2759172" y="1173424"/>
+              <a:ext cx="1084096" cy="219456"/>
+            </a:xfrm>
+            <a:prstGeom prst="roundRect">
+              <a:avLst>
+                <a:gd name="adj" fmla="val 9370"/>
+              </a:avLst>
+            </a:prstGeom>
+            <a:noFill/>
+            <a:ln w="38100">
+              <a:solidFill>
+                <a:srgbClr val="FFC000"/>
+              </a:solidFill>
+            </a:ln>
+          </p:spPr>
+          <p:style>
+            <a:lnRef idx="2">
+              <a:schemeClr val="accent1">
+                <a:shade val="15000"/>
+              </a:schemeClr>
+            </a:lnRef>
+            <a:fillRef idx="1">
+              <a:schemeClr val="accent1"/>
+            </a:fillRef>
+            <a:effectRef idx="0">
+              <a:schemeClr val="accent1"/>
+            </a:effectRef>
+            <a:fontRef idx="minor">
+              <a:schemeClr val="lt1"/>
+            </a:fontRef>
+          </p:style>
+          <p:txBody>
+            <a:bodyPr rtlCol="0" anchor="ctr"/>
+            <a:lstStyle/>
+            <a:p>
+              <a:pPr algn="ctr"/>
+              <a:endParaRPr lang="en-US" dirty="0"/>
+            </a:p>
+          </p:txBody>
+        </p:sp>
+        <p:sp>
+          <p:nvSpPr>
+            <p:cNvPr id="18" name="Rectangle: Rounded Corners 17">
+              <a:extLst>
+                <a:ext uri="{FF2B5EF4-FFF2-40B4-BE49-F238E27FC236}">
+                  <a16:creationId xmlns:a16="http://schemas.microsoft.com/office/drawing/2014/main" id="{7BCC74B6-2AF2-78D5-F7C1-4E012D9CD846}"/>
+                </a:ext>
+              </a:extLst>
+            </p:cNvPr>
+            <p:cNvSpPr/>
+            <p:nvPr/>
+          </p:nvSpPr>
+          <p:spPr>
+            <a:xfrm>
+              <a:off x="10199618" y="3389602"/>
+              <a:ext cx="1737360" cy="155448"/>
+            </a:xfrm>
+            <a:prstGeom prst="roundRect">
+              <a:avLst/>
+            </a:prstGeom>
+            <a:solidFill>
+              <a:srgbClr val="FFC000">
+                <a:alpha val="10196"/>
+              </a:srgbClr>
+            </a:solidFill>
+            <a:ln>
+              <a:noFill/>
+            </a:ln>
+          </p:spPr>
+          <p:style>
+            <a:lnRef idx="2">
+              <a:schemeClr val="accent1">
+                <a:shade val="15000"/>
+              </a:schemeClr>
+            </a:lnRef>
+            <a:fillRef idx="1">
+              <a:schemeClr val="accent1"/>
+            </a:fillRef>
+            <a:effectRef idx="0">
+              <a:schemeClr val="accent1"/>
+            </a:effectRef>
+            <a:fontRef idx="minor">
+              <a:schemeClr val="lt1"/>
+            </a:fontRef>
+          </p:style>
+          <p:txBody>
+            <a:bodyPr rtlCol="0" anchor="ctr"/>
+            <a:lstStyle/>
+            <a:p>
+              <a:pPr algn="ctr"/>
+              <a:endParaRPr lang="en-US" dirty="0"/>
+            </a:p>
+          </p:txBody>
+        </p:sp>
+      </p:grpSp>
+      <p:pic>
+        <p:nvPicPr>
+          <p:cNvPr id="11" name="Picture 10">
+            <a:extLst>
+              <a:ext uri="{FF2B5EF4-FFF2-40B4-BE49-F238E27FC236}">
+                <a16:creationId xmlns:a16="http://schemas.microsoft.com/office/drawing/2014/main" id="{438756F2-C373-29DB-8534-879A9AA92C7D}"/>
+              </a:ext>
+            </a:extLst>
+          </p:cNvPr>
+          <p:cNvPicPr>
+            <a:picLocks noChangeAspect="1"/>
+          </p:cNvPicPr>
+          <p:nvPr/>
+        </p:nvPicPr>
+        <p:blipFill>
+          <a:blip r:embed="rId6"/>
+          <a:stretch>
+            <a:fillRect/>
+          </a:stretch>
+        </p:blipFill>
+        <p:spPr>
+          <a:xfrm>
+            <a:off x="3621881" y="1938517"/>
+            <a:ext cx="6687483" cy="2924583"/>
+          </a:xfrm>
+          <a:prstGeom prst="rect">
+            <a:avLst/>
+          </a:prstGeom>
+        </p:spPr>
+      </p:pic>
+    </p:spTree>
+    <p:extLst>
+      <p:ext uri="{BB962C8B-B14F-4D97-AF65-F5344CB8AC3E}">
+        <p14:creationId xmlns:p14="http://schemas.microsoft.com/office/powerpoint/2010/main" val="1866742944"/>
+      </p:ext>
+    </p:extLst>
+  </p:cSld>
+  <p:clrMapOvr>
+    <a:masterClrMapping/>
+  </p:clrMapOvr>
+</p:sld>
+</file>
+
+<file path=ppt/slides/slide19.xml><?xml version="1.0" encoding="utf-8"?>
+<p:sld xmlns:a="http://schemas.openxmlformats.org/drawingml/2006/main" xmlns:r="http://schemas.openxmlformats.org/officeDocument/2006/relationships" xmlns:p="http://schemas.openxmlformats.org/presentationml/2006/main">
+  <p:cSld>
+    <p:spTree>
+      <p:nvGrpSpPr>
+        <p:cNvPr id="1" name=""/>
+        <p:cNvGrpSpPr/>
+        <p:nvPr/>
+      </p:nvGrpSpPr>
+      <p:grpSpPr>
+        <a:xfrm>
+          <a:off x="0" y="0"/>
+          <a:ext cx="0" cy="0"/>
+          <a:chOff x="0" y="0"/>
+          <a:chExt cx="0" cy="0"/>
+        </a:xfrm>
+      </p:grpSpPr>
+      <p:grpSp>
+        <p:nvGrpSpPr>
+          <p:cNvPr id="17" name="Group 16">
+            <a:extLst>
+              <a:ext uri="{FF2B5EF4-FFF2-40B4-BE49-F238E27FC236}">
+                <a16:creationId xmlns:a16="http://schemas.microsoft.com/office/drawing/2014/main" id="{C7DE62B4-D44D-9543-AF84-D0BA6F18CA6B}"/>
+              </a:ext>
+            </a:extLst>
+          </p:cNvPr>
+          <p:cNvGrpSpPr/>
+          <p:nvPr/>
+        </p:nvGrpSpPr>
+        <p:grpSpPr>
+          <a:xfrm>
+            <a:off x="0" y="381000"/>
+            <a:ext cx="12192000" cy="6096000"/>
+            <a:chOff x="0" y="381000"/>
+            <a:chExt cx="12192000" cy="6096000"/>
+          </a:xfrm>
+        </p:grpSpPr>
+        <p:pic>
+          <p:nvPicPr>
+            <p:cNvPr id="3" name="Picture 2">
+              <a:extLst>
+                <a:ext uri="{FF2B5EF4-FFF2-40B4-BE49-F238E27FC236}">
+                  <a16:creationId xmlns:a16="http://schemas.microsoft.com/office/drawing/2014/main" id="{4B2F988E-CAFA-F21F-B7AE-949E64796553}"/>
+                </a:ext>
+              </a:extLst>
+            </p:cNvPr>
+            <p:cNvPicPr>
+              <a:picLocks noChangeAspect="1"/>
+            </p:cNvPicPr>
+            <p:nvPr/>
+          </p:nvPicPr>
+          <p:blipFill>
+            <a:blip r:embed="rId3"/>
+            <a:stretch>
+              <a:fillRect/>
+            </a:stretch>
+          </p:blipFill>
+          <p:spPr>
+            <a:xfrm>
+              <a:off x="0" y="381000"/>
+              <a:ext cx="12192000" cy="6096000"/>
+            </a:xfrm>
+            <a:prstGeom prst="rect">
+              <a:avLst/>
+            </a:prstGeom>
+            <a:ln>
+              <a:solidFill>
+                <a:schemeClr val="tx1"/>
+              </a:solidFill>
+            </a:ln>
+          </p:spPr>
+        </p:pic>
+        <p:sp>
+          <p:nvSpPr>
+            <p:cNvPr id="15" name="Rectangle: Rounded Corners 14">
+              <a:extLst>
+                <a:ext uri="{FF2B5EF4-FFF2-40B4-BE49-F238E27FC236}">
+                  <a16:creationId xmlns:a16="http://schemas.microsoft.com/office/drawing/2014/main" id="{5ECFF39C-AEB1-18B5-629B-575607145A7F}"/>
                 </a:ext>
               </a:extLst>
             </p:cNvPr>
@@ -10629,10 +13138,10 @@
         </p:sp>
         <p:sp>
           <p:nvSpPr>
-            <p:cNvPr id="8" name="Rectangle: Rounded Corners 7">
+            <p:cNvPr id="16" name="Rectangle: Rounded Corners 15">
               <a:extLst>
                 <a:ext uri="{FF2B5EF4-FFF2-40B4-BE49-F238E27FC236}">
-                  <a16:creationId xmlns:a16="http://schemas.microsoft.com/office/drawing/2014/main" id="{19791F71-D3B7-15C7-D363-6E0A4149A220}"/>
+                  <a16:creationId xmlns:a16="http://schemas.microsoft.com/office/drawing/2014/main" id="{AA3EC481-953B-E027-E041-3A34A7387499}"/>
                 </a:ext>
               </a:extLst>
             </p:cNvPr>
@@ -10684,10 +13193,10 @@
       </p:grpSp>
       <p:grpSp>
         <p:nvGrpSpPr>
-          <p:cNvPr id="16" name="Group 15">
+          <p:cNvPr id="20" name="Group 19">
             <a:extLst>
               <a:ext uri="{FF2B5EF4-FFF2-40B4-BE49-F238E27FC236}">
-                <a16:creationId xmlns:a16="http://schemas.microsoft.com/office/drawing/2014/main" id="{4104231E-3C92-F663-D923-A55459D4D2F2}"/>
+                <a16:creationId xmlns:a16="http://schemas.microsoft.com/office/drawing/2014/main" id="{804B6CF5-EEB3-A6F7-5B8B-9F407F9C20AA}"/>
               </a:ext>
             </a:extLst>
           </p:cNvPr>
@@ -10696,18 +13205,18 @@
         </p:nvGrpSpPr>
         <p:grpSpPr>
           <a:xfrm>
-            <a:off x="3938962" y="1723597"/>
-            <a:ext cx="5482140" cy="5029200"/>
-            <a:chOff x="3518393" y="1723597"/>
-            <a:chExt cx="5482140" cy="5029200"/>
+            <a:off x="4584975" y="1514856"/>
+            <a:ext cx="4983764" cy="4572000"/>
+            <a:chOff x="6274522" y="181457"/>
+            <a:chExt cx="4983764" cy="4572000"/>
           </a:xfrm>
         </p:grpSpPr>
         <p:pic>
           <p:nvPicPr>
-            <p:cNvPr id="5" name="Picture 4">
+            <p:cNvPr id="19" name="Picture 18">
               <a:extLst>
                 <a:ext uri="{FF2B5EF4-FFF2-40B4-BE49-F238E27FC236}">
-                  <a16:creationId xmlns:a16="http://schemas.microsoft.com/office/drawing/2014/main" id="{2902C320-384A-B534-A4B3-3D1633FBD967}"/>
+                  <a16:creationId xmlns:a16="http://schemas.microsoft.com/office/drawing/2014/main" id="{B31F3E17-4495-C428-28D2-A26FCF811648}"/>
                 </a:ext>
               </a:extLst>
             </p:cNvPr>
@@ -10724,8 +13233,8 @@
           </p:blipFill>
           <p:spPr>
             <a:xfrm>
-              <a:off x="3518393" y="1723597"/>
-              <a:ext cx="5482140" cy="5029200"/>
+              <a:off x="6274522" y="181457"/>
+              <a:ext cx="4983764" cy="4572000"/>
             </a:xfrm>
             <a:prstGeom prst="rect">
               <a:avLst/>
@@ -10734,10 +13243,10 @@
         </p:pic>
         <p:sp>
           <p:nvSpPr>
-            <p:cNvPr id="9" name="Rectangle: Rounded Corners 8">
+            <p:cNvPr id="7" name="Rectangle: Rounded Corners 6">
               <a:extLst>
                 <a:ext uri="{FF2B5EF4-FFF2-40B4-BE49-F238E27FC236}">
-                  <a16:creationId xmlns:a16="http://schemas.microsoft.com/office/drawing/2014/main" id="{647AF3CE-854A-2EF8-1F03-511CE60A1B20}"/>
+                  <a16:creationId xmlns:a16="http://schemas.microsoft.com/office/drawing/2014/main" id="{EBE04BEC-8B69-1B34-FD81-6B233E5D2CBE}"/>
                 </a:ext>
               </a:extLst>
             </p:cNvPr>
@@ -10746,8 +13255,62 @@
           </p:nvSpPr>
           <p:spPr>
             <a:xfrm>
-              <a:off x="3745079" y="2514599"/>
-              <a:ext cx="1827046" cy="200026"/>
+              <a:off x="6473770" y="2214183"/>
+              <a:ext cx="1643971" cy="185721"/>
+            </a:xfrm>
+            <a:prstGeom prst="roundRect">
+              <a:avLst>
+                <a:gd name="adj" fmla="val 9370"/>
+              </a:avLst>
+            </a:prstGeom>
+            <a:noFill/>
+            <a:ln w="38100">
+              <a:solidFill>
+                <a:srgbClr val="FFC000"/>
+              </a:solidFill>
+            </a:ln>
+          </p:spPr>
+          <p:style>
+            <a:lnRef idx="2">
+              <a:schemeClr val="accent1">
+                <a:shade val="15000"/>
+              </a:schemeClr>
+            </a:lnRef>
+            <a:fillRef idx="1">
+              <a:schemeClr val="accent1"/>
+            </a:fillRef>
+            <a:effectRef idx="0">
+              <a:schemeClr val="accent1"/>
+            </a:effectRef>
+            <a:fontRef idx="minor">
+              <a:schemeClr val="lt1"/>
+            </a:fontRef>
+          </p:style>
+          <p:txBody>
+            <a:bodyPr rtlCol="0" anchor="ctr"/>
+            <a:lstStyle/>
+            <a:p>
+              <a:pPr algn="ctr"/>
+              <a:endParaRPr lang="en-US" dirty="0"/>
+            </a:p>
+          </p:txBody>
+        </p:sp>
+        <p:sp>
+          <p:nvSpPr>
+            <p:cNvPr id="9" name="Rectangle: Rounded Corners 8">
+              <a:extLst>
+                <a:ext uri="{FF2B5EF4-FFF2-40B4-BE49-F238E27FC236}">
+                  <a16:creationId xmlns:a16="http://schemas.microsoft.com/office/drawing/2014/main" id="{E0D91AAD-B38C-D1E8-7BD1-7D1CC274A71C}"/>
+                </a:ext>
+              </a:extLst>
+            </p:cNvPr>
+            <p:cNvSpPr/>
+            <p:nvPr/>
+          </p:nvSpPr>
+          <p:spPr>
+            <a:xfrm>
+              <a:off x="6473770" y="3626434"/>
+              <a:ext cx="2297589" cy="185720"/>
             </a:xfrm>
             <a:prstGeom prst="roundRect">
               <a:avLst>
@@ -10791,7 +13354,7 @@
             <p:cNvPr id="10" name="Rectangle: Rounded Corners 9">
               <a:extLst>
                 <a:ext uri="{FF2B5EF4-FFF2-40B4-BE49-F238E27FC236}">
-                  <a16:creationId xmlns:a16="http://schemas.microsoft.com/office/drawing/2014/main" id="{58E940A4-7B2B-B22C-2661-40CFC25DF4A9}"/>
+                  <a16:creationId xmlns:a16="http://schemas.microsoft.com/office/drawing/2014/main" id="{059D6AE0-EB1C-CD94-3589-1801608EB85D}"/>
                 </a:ext>
               </a:extLst>
             </p:cNvPr>
@@ -10800,8 +13363,8 @@
           </p:nvSpPr>
           <p:spPr>
             <a:xfrm>
-              <a:off x="3745079" y="3966734"/>
-              <a:ext cx="1827046" cy="200026"/>
+              <a:off x="6473770" y="1130095"/>
+              <a:ext cx="506301" cy="933684"/>
             </a:xfrm>
             <a:prstGeom prst="roundRect">
               <a:avLst>
@@ -10842,10 +13405,10 @@
         </p:sp>
         <p:sp>
           <p:nvSpPr>
-            <p:cNvPr id="11" name="Rectangle: Rounded Corners 10">
+            <p:cNvPr id="12" name="Rectangle: Rounded Corners 11">
               <a:extLst>
                 <a:ext uri="{FF2B5EF4-FFF2-40B4-BE49-F238E27FC236}">
-                  <a16:creationId xmlns:a16="http://schemas.microsoft.com/office/drawing/2014/main" id="{67D3E15F-CB1F-F3B0-32AC-A786BC0B3677}"/>
+                  <a16:creationId xmlns:a16="http://schemas.microsoft.com/office/drawing/2014/main" id="{E38EC033-2D20-11B7-E30A-DD9A38FB6E2F}"/>
                 </a:ext>
               </a:extLst>
             </p:cNvPr>
@@ -10854,8 +13417,8 @@
           </p:nvSpPr>
           <p:spPr>
             <a:xfrm>
-              <a:off x="3745079" y="5509357"/>
-              <a:ext cx="2531896" cy="200026"/>
+              <a:off x="6473770" y="882609"/>
+              <a:ext cx="1643971" cy="185721"/>
             </a:xfrm>
             <a:prstGeom prst="roundRect">
               <a:avLst>
@@ -10896,10 +13459,10 @@
         </p:sp>
         <p:sp>
           <p:nvSpPr>
-            <p:cNvPr id="14" name="Rectangle: Rounded Corners 13">
+            <p:cNvPr id="13" name="Rectangle: Rounded Corners 12">
               <a:extLst>
                 <a:ext uri="{FF2B5EF4-FFF2-40B4-BE49-F238E27FC236}">
-                  <a16:creationId xmlns:a16="http://schemas.microsoft.com/office/drawing/2014/main" id="{BD1F4121-60A6-C47B-A263-EF6CFB2C057F}"/>
+                  <a16:creationId xmlns:a16="http://schemas.microsoft.com/office/drawing/2014/main" id="{947FA6D4-75C4-F6CF-3B8D-583228A5D8A2}"/>
                 </a:ext>
               </a:extLst>
             </p:cNvPr>
@@ -10908,62 +13471,8 @@
           </p:nvSpPr>
           <p:spPr>
             <a:xfrm>
-              <a:off x="3745079" y="2791253"/>
-              <a:ext cx="569746" cy="1009222"/>
-            </a:xfrm>
-            <a:prstGeom prst="roundRect">
-              <a:avLst>
-                <a:gd name="adj" fmla="val 9370"/>
-              </a:avLst>
-            </a:prstGeom>
-            <a:noFill/>
-            <a:ln w="38100">
-              <a:solidFill>
-                <a:srgbClr val="FFC000"/>
-              </a:solidFill>
-            </a:ln>
-          </p:spPr>
-          <p:style>
-            <a:lnRef idx="2">
-              <a:schemeClr val="accent1">
-                <a:shade val="15000"/>
-              </a:schemeClr>
-            </a:lnRef>
-            <a:fillRef idx="1">
-              <a:schemeClr val="accent1"/>
-            </a:fillRef>
-            <a:effectRef idx="0">
-              <a:schemeClr val="accent1"/>
-            </a:effectRef>
-            <a:fontRef idx="minor">
-              <a:schemeClr val="lt1"/>
-            </a:fontRef>
-          </p:style>
-          <p:txBody>
-            <a:bodyPr rtlCol="0" anchor="ctr"/>
-            <a:lstStyle/>
-            <a:p>
-              <a:pPr algn="ctr"/>
-              <a:endParaRPr lang="en-US" dirty="0"/>
-            </a:p>
-          </p:txBody>
-        </p:sp>
-        <p:sp>
-          <p:nvSpPr>
-            <p:cNvPr id="15" name="Rectangle: Rounded Corners 14">
-              <a:extLst>
-                <a:ext uri="{FF2B5EF4-FFF2-40B4-BE49-F238E27FC236}">
-                  <a16:creationId xmlns:a16="http://schemas.microsoft.com/office/drawing/2014/main" id="{0B33147E-0031-AA1C-2E45-424BFF926943}"/>
-                </a:ext>
-              </a:extLst>
-            </p:cNvPr>
-            <p:cNvSpPr/>
-            <p:nvPr/>
-          </p:nvSpPr>
-          <p:spPr>
-            <a:xfrm>
-              <a:off x="3745079" y="4247722"/>
-              <a:ext cx="569746" cy="995363"/>
+              <a:off x="6473770" y="2473792"/>
+              <a:ext cx="506301" cy="933684"/>
             </a:xfrm>
             <a:prstGeom prst="roundRect">
               <a:avLst>
@@ -11006,7 +13515,7 @@
     </p:spTree>
     <p:extLst>
       <p:ext uri="{BB962C8B-B14F-4D97-AF65-F5344CB8AC3E}">
-        <p14:creationId xmlns:p14="http://schemas.microsoft.com/office/powerpoint/2010/main" val="2915653110"/>
+        <p14:creationId xmlns:p14="http://schemas.microsoft.com/office/powerpoint/2010/main" val="4278996335"/>
       </p:ext>
     </p:extLst>
   </p:cSld>
@@ -11016,7 +13525,101 @@
 </p:sld>
 </file>
 
-<file path=ppt/slides/slide16.xml><?xml version="1.0" encoding="utf-8"?>
+<file path=ppt/slides/slide2.xml><?xml version="1.0" encoding="utf-8"?>
+<p:sld xmlns:a="http://schemas.openxmlformats.org/drawingml/2006/main" xmlns:r="http://schemas.openxmlformats.org/officeDocument/2006/relationships" xmlns:p="http://schemas.openxmlformats.org/presentationml/2006/main">
+  <p:cSld>
+    <p:bg>
+      <p:bgPr>
+        <a:solidFill>
+          <a:schemeClr val="accent6">
+            <a:lumMod val="20000"/>
+            <a:lumOff val="80000"/>
+          </a:schemeClr>
+        </a:solidFill>
+        <a:effectLst/>
+      </p:bgPr>
+    </p:bg>
+    <p:spTree>
+      <p:nvGrpSpPr>
+        <p:cNvPr id="1" name=""/>
+        <p:cNvGrpSpPr/>
+        <p:nvPr/>
+      </p:nvGrpSpPr>
+      <p:grpSpPr>
+        <a:xfrm>
+          <a:off x="0" y="0"/>
+          <a:ext cx="0" cy="0"/>
+          <a:chOff x="0" y="0"/>
+          <a:chExt cx="0" cy="0"/>
+        </a:xfrm>
+      </p:grpSpPr>
+      <p:sp>
+        <p:nvSpPr>
+          <p:cNvPr id="6" name="Title 5">
+            <a:extLst>
+              <a:ext uri="{FF2B5EF4-FFF2-40B4-BE49-F238E27FC236}">
+                <a16:creationId xmlns:a16="http://schemas.microsoft.com/office/drawing/2014/main" id="{63884149-B247-1597-BB9F-F0EFE8F4A5EE}"/>
+              </a:ext>
+            </a:extLst>
+          </p:cNvPr>
+          <p:cNvSpPr>
+            <a:spLocks noGrp="1"/>
+          </p:cNvSpPr>
+          <p:nvPr>
+            <p:ph type="title"/>
+          </p:nvPr>
+        </p:nvSpPr>
+        <p:spPr/>
+        <p:txBody>
+          <a:bodyPr/>
+          <a:lstStyle/>
+          <a:p>
+            <a:r>
+              <a:rPr lang="en-US" dirty="0"/>
+              <a:t>Set up Project</a:t>
+            </a:r>
+          </a:p>
+        </p:txBody>
+      </p:sp>
+      <p:sp>
+        <p:nvSpPr>
+          <p:cNvPr id="7" name="Text Placeholder 6">
+            <a:extLst>
+              <a:ext uri="{FF2B5EF4-FFF2-40B4-BE49-F238E27FC236}">
+                <a16:creationId xmlns:a16="http://schemas.microsoft.com/office/drawing/2014/main" id="{CF15E32C-5DB4-3C4B-6369-3C5776A26709}"/>
+              </a:ext>
+            </a:extLst>
+          </p:cNvPr>
+          <p:cNvSpPr>
+            <a:spLocks noGrp="1"/>
+          </p:cNvSpPr>
+          <p:nvPr>
+            <p:ph type="body" idx="1"/>
+          </p:nvPr>
+        </p:nvSpPr>
+        <p:spPr/>
+        <p:txBody>
+          <a:bodyPr/>
+          <a:lstStyle/>
+          <a:p>
+            <a:endParaRPr lang="en-US"/>
+          </a:p>
+        </p:txBody>
+      </p:sp>
+    </p:spTree>
+    <p:extLst>
+      <p:ext uri="{BB962C8B-B14F-4D97-AF65-F5344CB8AC3E}">
+        <p14:creationId xmlns:p14="http://schemas.microsoft.com/office/powerpoint/2010/main" val="3686820540"/>
+      </p:ext>
+    </p:extLst>
+  </p:cSld>
+  <p:clrMapOvr>
+    <a:masterClrMapping/>
+  </p:clrMapOvr>
+</p:sld>
+</file>
+
+<file path=ppt/slides/slide20.xml><?xml version="1.0" encoding="utf-8"?>
 <p:sld xmlns:a="http://schemas.openxmlformats.org/drawingml/2006/main" xmlns:r="http://schemas.openxmlformats.org/officeDocument/2006/relationships" xmlns:p="http://schemas.openxmlformats.org/presentationml/2006/main">
   <p:cSld>
     <p:spTree>
@@ -11653,7 +14256,7 @@
 </p:sld>
 </file>
 
-<file path=ppt/slides/slide17.xml><?xml version="1.0" encoding="utf-8"?>
+<file path=ppt/slides/slide21.xml><?xml version="1.0" encoding="utf-8"?>
 <p:sld xmlns:a="http://schemas.openxmlformats.org/drawingml/2006/main" xmlns:r="http://schemas.openxmlformats.org/officeDocument/2006/relationships" xmlns:p="http://schemas.openxmlformats.org/presentationml/2006/main">
   <p:cSld>
     <p:spTree>
@@ -11672,10 +14275,10 @@
       </p:grpSpPr>
       <p:grpSp>
         <p:nvGrpSpPr>
-          <p:cNvPr id="9" name="Group 8">
+          <p:cNvPr id="26" name="Group 25">
             <a:extLst>
               <a:ext uri="{FF2B5EF4-FFF2-40B4-BE49-F238E27FC236}">
-                <a16:creationId xmlns:a16="http://schemas.microsoft.com/office/drawing/2014/main" id="{5711F3C8-CABD-907B-F762-838DA12FF4EC}"/>
+                <a16:creationId xmlns:a16="http://schemas.microsoft.com/office/drawing/2014/main" id="{56ECE04D-CC4B-065D-3A78-8669C59BB699}"/>
               </a:ext>
             </a:extLst>
           </p:cNvPr>
@@ -11685,235 +14288,115 @@
         <p:grpSpPr>
           <a:xfrm>
             <a:off x="0" y="381000"/>
-            <a:ext cx="12192000" cy="6096000"/>
+            <a:ext cx="12192000" cy="6096001"/>
             <a:chOff x="0" y="381000"/>
-            <a:chExt cx="12192000" cy="6096000"/>
+            <a:chExt cx="12192000" cy="6096001"/>
           </a:xfrm>
         </p:grpSpPr>
-        <p:grpSp>
-          <p:nvGrpSpPr>
-            <p:cNvPr id="7" name="Group 6">
+        <p:pic>
+          <p:nvPicPr>
+            <p:cNvPr id="3" name="Picture 2">
               <a:extLst>
                 <a:ext uri="{FF2B5EF4-FFF2-40B4-BE49-F238E27FC236}">
-                  <a16:creationId xmlns:a16="http://schemas.microsoft.com/office/drawing/2014/main" id="{B16846A4-E37E-D684-33E9-7691E8EAAA5D}"/>
+                  <a16:creationId xmlns:a16="http://schemas.microsoft.com/office/drawing/2014/main" id="{21C0C6FD-AE93-D0EC-B450-ABA2DABFF9B6}"/>
                 </a:ext>
               </a:extLst>
             </p:cNvPr>
-            <p:cNvGrpSpPr/>
+            <p:cNvPicPr>
+              <a:picLocks noChangeAspect="1"/>
+            </p:cNvPicPr>
             <p:nvPr/>
-          </p:nvGrpSpPr>
-          <p:grpSpPr>
+          </p:nvPicPr>
+          <p:blipFill>
+            <a:blip r:embed="rId3"/>
+            <a:srcRect t="9" b="-8"/>
+            <a:stretch>
+              <a:fillRect/>
+            </a:stretch>
+          </p:blipFill>
+          <p:spPr>
+            <a:xfrm>
+              <a:off x="0" y="381001"/>
+              <a:ext cx="12192000" cy="6096000"/>
+            </a:xfrm>
+            <a:prstGeom prst="rect">
+              <a:avLst/>
+            </a:prstGeom>
+            <a:ln>
+              <a:solidFill>
+                <a:schemeClr val="tx1"/>
+              </a:solidFill>
+            </a:ln>
+          </p:spPr>
+        </p:pic>
+        <p:pic>
+          <p:nvPicPr>
+            <p:cNvPr id="25" name="Picture 24">
+              <a:extLst>
+                <a:ext uri="{FF2B5EF4-FFF2-40B4-BE49-F238E27FC236}">
+                  <a16:creationId xmlns:a16="http://schemas.microsoft.com/office/drawing/2014/main" id="{AA10612F-2132-122E-EC27-FBC04D4E2BEF}"/>
+                </a:ext>
+              </a:extLst>
+            </p:cNvPr>
+            <p:cNvPicPr>
+              <a:picLocks noChangeAspect="1"/>
+            </p:cNvPicPr>
+            <p:nvPr/>
+          </p:nvPicPr>
+          <p:blipFill>
+            <a:blip r:embed="rId4"/>
+            <a:srcRect b="52031"/>
+            <a:stretch>
+              <a:fillRect/>
+            </a:stretch>
+          </p:blipFill>
+          <p:spPr>
             <a:xfrm>
               <a:off x="0" y="381000"/>
-              <a:ext cx="12192000" cy="6096000"/>
-              <a:chOff x="0" y="381000"/>
-              <a:chExt cx="12192000" cy="6096000"/>
+              <a:ext cx="12192000" cy="2924175"/>
             </a:xfrm>
-          </p:grpSpPr>
-          <p:pic>
-            <p:nvPicPr>
-              <p:cNvPr id="3" name="Picture 2">
-                <a:extLst>
-                  <a:ext uri="{FF2B5EF4-FFF2-40B4-BE49-F238E27FC236}">
-                    <a16:creationId xmlns:a16="http://schemas.microsoft.com/office/drawing/2014/main" id="{E1BAED5C-405D-A91F-7A9C-E01F798F2878}"/>
-                  </a:ext>
-                </a:extLst>
-              </p:cNvPr>
-              <p:cNvPicPr>
-                <a:picLocks noChangeAspect="1"/>
-              </p:cNvPicPr>
-              <p:nvPr/>
-            </p:nvPicPr>
-            <p:blipFill>
-              <a:blip r:embed="rId3"/>
-              <a:stretch>
-                <a:fillRect/>
-              </a:stretch>
-            </p:blipFill>
-            <p:spPr>
-              <a:xfrm>
-                <a:off x="0" y="381000"/>
-                <a:ext cx="12192000" cy="6096000"/>
-              </a:xfrm>
-              <a:prstGeom prst="rect">
-                <a:avLst/>
-              </a:prstGeom>
-              <a:ln>
-                <a:solidFill>
-                  <a:schemeClr val="tx1"/>
-                </a:solidFill>
-              </a:ln>
-            </p:spPr>
-          </p:pic>
-          <p:sp>
-            <p:nvSpPr>
-              <p:cNvPr id="4" name="Rectangle: Rounded Corners 3">
-                <a:extLst>
-                  <a:ext uri="{FF2B5EF4-FFF2-40B4-BE49-F238E27FC236}">
-                    <a16:creationId xmlns:a16="http://schemas.microsoft.com/office/drawing/2014/main" id="{2BF908C6-D1FE-9306-F4F9-A4FAEB88AFEC}"/>
-                  </a:ext>
-                </a:extLst>
-              </p:cNvPr>
-              <p:cNvSpPr/>
-              <p:nvPr/>
-            </p:nvSpPr>
-            <p:spPr>
-              <a:xfrm>
-                <a:off x="6774029" y="1914525"/>
-                <a:ext cx="141121" cy="182880"/>
-              </a:xfrm>
-              <a:prstGeom prst="roundRect">
-                <a:avLst>
-                  <a:gd name="adj" fmla="val 9370"/>
-                </a:avLst>
-              </a:prstGeom>
-              <a:noFill/>
-              <a:ln w="38100">
-                <a:solidFill>
-                  <a:srgbClr val="FFC000"/>
-                </a:solidFill>
-              </a:ln>
-            </p:spPr>
-            <p:style>
-              <a:lnRef idx="2">
-                <a:schemeClr val="accent1">
-                  <a:shade val="15000"/>
-                </a:schemeClr>
-              </a:lnRef>
-              <a:fillRef idx="1">
-                <a:schemeClr val="accent1"/>
-              </a:fillRef>
-              <a:effectRef idx="0">
-                <a:schemeClr val="accent1"/>
-              </a:effectRef>
-              <a:fontRef idx="minor">
-                <a:schemeClr val="lt1"/>
-              </a:fontRef>
-            </p:style>
-            <p:txBody>
-              <a:bodyPr rtlCol="0" anchor="ctr"/>
-              <a:lstStyle/>
-              <a:p>
-                <a:pPr algn="ctr"/>
-                <a:endParaRPr lang="en-US" dirty="0"/>
-              </a:p>
-            </p:txBody>
-          </p:sp>
-          <p:sp>
-            <p:nvSpPr>
-              <p:cNvPr id="5" name="Rectangle: Rounded Corners 4">
-                <a:extLst>
-                  <a:ext uri="{FF2B5EF4-FFF2-40B4-BE49-F238E27FC236}">
-                    <a16:creationId xmlns:a16="http://schemas.microsoft.com/office/drawing/2014/main" id="{6A854AFC-629A-6104-6678-4D885C742D79}"/>
-                  </a:ext>
-                </a:extLst>
-              </p:cNvPr>
-              <p:cNvSpPr/>
-              <p:nvPr/>
-            </p:nvSpPr>
-            <p:spPr>
-              <a:xfrm>
-                <a:off x="4364204" y="2886075"/>
-                <a:ext cx="1217446" cy="180975"/>
-              </a:xfrm>
-              <a:prstGeom prst="roundRect">
-                <a:avLst>
-                  <a:gd name="adj" fmla="val 9370"/>
-                </a:avLst>
-              </a:prstGeom>
-              <a:noFill/>
-              <a:ln w="38100">
-                <a:solidFill>
-                  <a:srgbClr val="FFC000"/>
-                </a:solidFill>
-              </a:ln>
-            </p:spPr>
-            <p:style>
-              <a:lnRef idx="2">
-                <a:schemeClr val="accent1">
-                  <a:shade val="15000"/>
-                </a:schemeClr>
-              </a:lnRef>
-              <a:fillRef idx="1">
-                <a:schemeClr val="accent1"/>
-              </a:fillRef>
-              <a:effectRef idx="0">
-                <a:schemeClr val="accent1"/>
-              </a:effectRef>
-              <a:fontRef idx="minor">
-                <a:schemeClr val="lt1"/>
-              </a:fontRef>
-            </p:style>
-            <p:txBody>
-              <a:bodyPr rtlCol="0" anchor="ctr"/>
-              <a:lstStyle/>
-              <a:p>
-                <a:pPr algn="ctr"/>
-                <a:endParaRPr lang="en-US" dirty="0"/>
-              </a:p>
-            </p:txBody>
-          </p:sp>
-          <p:sp>
-            <p:nvSpPr>
-              <p:cNvPr id="6" name="Rectangle: Rounded Corners 5">
-                <a:extLst>
-                  <a:ext uri="{FF2B5EF4-FFF2-40B4-BE49-F238E27FC236}">
-                    <a16:creationId xmlns:a16="http://schemas.microsoft.com/office/drawing/2014/main" id="{7DC7132A-053A-9892-77B0-0629102F9B9D}"/>
-                  </a:ext>
-                </a:extLst>
-              </p:cNvPr>
-              <p:cNvSpPr/>
-              <p:nvPr/>
-            </p:nvSpPr>
-            <p:spPr>
-              <a:xfrm>
-                <a:off x="5697704" y="3781425"/>
-                <a:ext cx="474496" cy="190500"/>
-              </a:xfrm>
-              <a:prstGeom prst="roundRect">
-                <a:avLst>
-                  <a:gd name="adj" fmla="val 9370"/>
-                </a:avLst>
-              </a:prstGeom>
-              <a:noFill/>
-              <a:ln w="38100">
-                <a:solidFill>
-                  <a:srgbClr val="FFC000"/>
-                </a:solidFill>
-              </a:ln>
-            </p:spPr>
-            <p:style>
-              <a:lnRef idx="2">
-                <a:schemeClr val="accent1">
-                  <a:shade val="15000"/>
-                </a:schemeClr>
-              </a:lnRef>
-              <a:fillRef idx="1">
-                <a:schemeClr val="accent1"/>
-              </a:fillRef>
-              <a:effectRef idx="0">
-                <a:schemeClr val="accent1"/>
-              </a:effectRef>
-              <a:fontRef idx="minor">
-                <a:schemeClr val="lt1"/>
-              </a:fontRef>
-            </p:style>
-            <p:txBody>
-              <a:bodyPr rtlCol="0" anchor="ctr"/>
-              <a:lstStyle/>
-              <a:p>
-                <a:pPr algn="ctr"/>
-                <a:endParaRPr lang="en-US" dirty="0"/>
-              </a:p>
-            </p:txBody>
-          </p:sp>
-        </p:grpSp>
+            <a:prstGeom prst="rect">
+              <a:avLst/>
+            </a:prstGeom>
+          </p:spPr>
+        </p:pic>
+        <p:pic>
+          <p:nvPicPr>
+            <p:cNvPr id="23" name="Picture 22">
+              <a:extLst>
+                <a:ext uri="{FF2B5EF4-FFF2-40B4-BE49-F238E27FC236}">
+                  <a16:creationId xmlns:a16="http://schemas.microsoft.com/office/drawing/2014/main" id="{8AD7D55C-C5C0-1EDA-CE36-4A2C66914CD6}"/>
+                </a:ext>
+              </a:extLst>
+            </p:cNvPr>
+            <p:cNvPicPr>
+              <a:picLocks noChangeAspect="1"/>
+            </p:cNvPicPr>
+            <p:nvPr/>
+          </p:nvPicPr>
+          <p:blipFill>
+            <a:blip r:embed="rId5"/>
+            <a:srcRect t="24062" r="40937" b="39219"/>
+            <a:stretch>
+              <a:fillRect/>
+            </a:stretch>
+          </p:blipFill>
+          <p:spPr>
+            <a:xfrm>
+              <a:off x="0" y="1847849"/>
+              <a:ext cx="7200900" cy="2238375"/>
+            </a:xfrm>
+            <a:prstGeom prst="rect">
+              <a:avLst/>
+            </a:prstGeom>
+          </p:spPr>
+        </p:pic>
         <p:sp>
           <p:nvSpPr>
-            <p:cNvPr id="8" name="Rectangle: Rounded Corners 7">
+            <p:cNvPr id="13" name="Rectangle: Rounded Corners 12">
               <a:extLst>
                 <a:ext uri="{FF2B5EF4-FFF2-40B4-BE49-F238E27FC236}">
-                  <a16:creationId xmlns:a16="http://schemas.microsoft.com/office/drawing/2014/main" id="{3031CE72-3050-B623-CF35-8467FE589386}"/>
+                  <a16:creationId xmlns:a16="http://schemas.microsoft.com/office/drawing/2014/main" id="{663B42ED-7150-A241-B2D4-20A1FB91A048}"/>
                 </a:ext>
               </a:extLst>
             </p:cNvPr>
@@ -11922,8 +14405,62 @@
           </p:nvSpPr>
           <p:spPr>
             <a:xfrm>
-              <a:off x="4293643" y="3429000"/>
-              <a:ext cx="2364332" cy="190500"/>
+              <a:off x="10239375" y="3082952"/>
+              <a:ext cx="1737360" cy="155448"/>
+            </a:xfrm>
+            <a:prstGeom prst="roundRect">
+              <a:avLst/>
+            </a:prstGeom>
+            <a:solidFill>
+              <a:srgbClr val="FFC000">
+                <a:alpha val="10196"/>
+              </a:srgbClr>
+            </a:solidFill>
+            <a:ln>
+              <a:noFill/>
+            </a:ln>
+          </p:spPr>
+          <p:style>
+            <a:lnRef idx="2">
+              <a:schemeClr val="accent1">
+                <a:shade val="15000"/>
+              </a:schemeClr>
+            </a:lnRef>
+            <a:fillRef idx="1">
+              <a:schemeClr val="accent1"/>
+            </a:fillRef>
+            <a:effectRef idx="0">
+              <a:schemeClr val="accent1"/>
+            </a:effectRef>
+            <a:fontRef idx="minor">
+              <a:schemeClr val="lt1"/>
+            </a:fontRef>
+          </p:style>
+          <p:txBody>
+            <a:bodyPr rtlCol="0" anchor="ctr"/>
+            <a:lstStyle/>
+            <a:p>
+              <a:pPr algn="ctr"/>
+              <a:endParaRPr lang="en-US" dirty="0"/>
+            </a:p>
+          </p:txBody>
+        </p:sp>
+        <p:sp>
+          <p:nvSpPr>
+            <p:cNvPr id="7" name="Rectangle: Rounded Corners 6">
+              <a:extLst>
+                <a:ext uri="{FF2B5EF4-FFF2-40B4-BE49-F238E27FC236}">
+                  <a16:creationId xmlns:a16="http://schemas.microsoft.com/office/drawing/2014/main" id="{C26F555A-78F1-AD9B-E632-9B308FD5F1E0}"/>
+                </a:ext>
+              </a:extLst>
+            </p:cNvPr>
+            <p:cNvSpPr/>
+            <p:nvPr/>
+          </p:nvSpPr>
+          <p:spPr>
+            <a:xfrm>
+              <a:off x="6758126" y="1914525"/>
+              <a:ext cx="155448" cy="155448"/>
             </a:xfrm>
             <a:prstGeom prst="roundRect">
               <a:avLst>
@@ -11966,7 +14503,7 @@
     </p:spTree>
     <p:extLst>
       <p:ext uri="{BB962C8B-B14F-4D97-AF65-F5344CB8AC3E}">
-        <p14:creationId xmlns:p14="http://schemas.microsoft.com/office/powerpoint/2010/main" val="1319805679"/>
+        <p14:creationId xmlns:p14="http://schemas.microsoft.com/office/powerpoint/2010/main" val="1915830295"/>
       </p:ext>
     </p:extLst>
   </p:cSld>
@@ -11976,20 +14513,9 @@
 </p:sld>
 </file>
 
-<file path=ppt/slides/slide2.xml><?xml version="1.0" encoding="utf-8"?>
+<file path=ppt/slides/slide22.xml><?xml version="1.0" encoding="utf-8"?>
 <p:sld xmlns:a="http://schemas.openxmlformats.org/drawingml/2006/main" xmlns:r="http://schemas.openxmlformats.org/officeDocument/2006/relationships" xmlns:p="http://schemas.openxmlformats.org/presentationml/2006/main">
   <p:cSld>
-    <p:bg>
-      <p:bgPr>
-        <a:solidFill>
-          <a:schemeClr val="accent6">
-            <a:lumMod val="20000"/>
-            <a:lumOff val="80000"/>
-          </a:schemeClr>
-        </a:solidFill>
-        <a:effectLst/>
-      </p:bgPr>
-    </p:bg>
     <p:spTree>
       <p:nvGrpSpPr>
         <p:cNvPr id="1" name=""/>
@@ -12004,63 +14530,313 @@
           <a:chExt cx="0" cy="0"/>
         </a:xfrm>
       </p:grpSpPr>
-      <p:sp>
-        <p:nvSpPr>
-          <p:cNvPr id="6" name="Title 5">
+      <p:grpSp>
+        <p:nvGrpSpPr>
+          <p:cNvPr id="16" name="Group 15">
             <a:extLst>
               <a:ext uri="{FF2B5EF4-FFF2-40B4-BE49-F238E27FC236}">
-                <a16:creationId xmlns:a16="http://schemas.microsoft.com/office/drawing/2014/main" id="{63884149-B247-1597-BB9F-F0EFE8F4A5EE}"/>
+                <a16:creationId xmlns:a16="http://schemas.microsoft.com/office/drawing/2014/main" id="{ED3B9423-5308-84CF-D7BE-A43E3920311C}"/>
               </a:ext>
             </a:extLst>
           </p:cNvPr>
-          <p:cNvSpPr>
-            <a:spLocks noGrp="1"/>
-          </p:cNvSpPr>
-          <p:nvPr>
-            <p:ph type="title"/>
-          </p:nvPr>
-        </p:nvSpPr>
-        <p:spPr/>
-        <p:txBody>
-          <a:bodyPr/>
-          <a:lstStyle/>
-          <a:p>
-            <a:r>
-              <a:rPr lang="en-US" dirty="0"/>
-              <a:t>Set up Project</a:t>
-            </a:r>
-          </a:p>
-        </p:txBody>
-      </p:sp>
-      <p:sp>
-        <p:nvSpPr>
-          <p:cNvPr id="7" name="Text Placeholder 6">
-            <a:extLst>
-              <a:ext uri="{FF2B5EF4-FFF2-40B4-BE49-F238E27FC236}">
-                <a16:creationId xmlns:a16="http://schemas.microsoft.com/office/drawing/2014/main" id="{CF15E32C-5DB4-3C4B-6369-3C5776A26709}"/>
-              </a:ext>
-            </a:extLst>
-          </p:cNvPr>
-          <p:cNvSpPr>
-            <a:spLocks noGrp="1"/>
-          </p:cNvSpPr>
-          <p:nvPr>
-            <p:ph type="body" idx="1"/>
-          </p:nvPr>
-        </p:nvSpPr>
-        <p:spPr/>
-        <p:txBody>
-          <a:bodyPr/>
-          <a:lstStyle/>
-          <a:p>
-            <a:endParaRPr lang="en-US"/>
-          </a:p>
-        </p:txBody>
-      </p:sp>
+          <p:cNvGrpSpPr/>
+          <p:nvPr/>
+        </p:nvGrpSpPr>
+        <p:grpSpPr>
+          <a:xfrm>
+            <a:off x="-155643" y="381000"/>
+            <a:ext cx="12347643" cy="6096000"/>
+            <a:chOff x="-77822" y="276225"/>
+            <a:chExt cx="12347643" cy="6096000"/>
+          </a:xfrm>
+        </p:grpSpPr>
+        <p:pic>
+          <p:nvPicPr>
+            <p:cNvPr id="15" name="Picture 14">
+              <a:extLst>
+                <a:ext uri="{FF2B5EF4-FFF2-40B4-BE49-F238E27FC236}">
+                  <a16:creationId xmlns:a16="http://schemas.microsoft.com/office/drawing/2014/main" id="{544E759F-68E1-0737-A9ED-584921571C6F}"/>
+                </a:ext>
+              </a:extLst>
+            </p:cNvPr>
+            <p:cNvPicPr>
+              <a:picLocks noChangeAspect="1"/>
+            </p:cNvPicPr>
+            <p:nvPr/>
+          </p:nvPicPr>
+          <p:blipFill>
+            <a:blip r:embed="rId3"/>
+            <a:stretch>
+              <a:fillRect/>
+            </a:stretch>
+          </p:blipFill>
+          <p:spPr>
+            <a:xfrm>
+              <a:off x="77821" y="276225"/>
+              <a:ext cx="12192000" cy="6096000"/>
+            </a:xfrm>
+            <a:prstGeom prst="rect">
+              <a:avLst/>
+            </a:prstGeom>
+            <a:ln>
+              <a:solidFill>
+                <a:schemeClr val="tx1"/>
+              </a:solidFill>
+            </a:ln>
+          </p:spPr>
+        </p:pic>
+        <p:pic>
+          <p:nvPicPr>
+            <p:cNvPr id="5" name="Picture 4">
+              <a:extLst>
+                <a:ext uri="{FF2B5EF4-FFF2-40B4-BE49-F238E27FC236}">
+                  <a16:creationId xmlns:a16="http://schemas.microsoft.com/office/drawing/2014/main" id="{2F469FD0-2788-96DC-E7B5-1EB71288163C}"/>
+                </a:ext>
+              </a:extLst>
+            </p:cNvPr>
+            <p:cNvPicPr>
+              <a:picLocks noChangeAspect="1"/>
+            </p:cNvPicPr>
+            <p:nvPr/>
+          </p:nvPicPr>
+          <p:blipFill>
+            <a:blip r:embed="rId4"/>
+            <a:srcRect l="-1277" t="97000" r="2"/>
+            <a:stretch>
+              <a:fillRect/>
+            </a:stretch>
+          </p:blipFill>
+          <p:spPr>
+            <a:xfrm>
+              <a:off x="-77822" y="6189345"/>
+              <a:ext cx="12347643" cy="182880"/>
+            </a:xfrm>
+            <a:prstGeom prst="rect">
+              <a:avLst/>
+            </a:prstGeom>
+          </p:spPr>
+        </p:pic>
+        <p:sp>
+          <p:nvSpPr>
+            <p:cNvPr id="6" name="Rectangle: Rounded Corners 5">
+              <a:extLst>
+                <a:ext uri="{FF2B5EF4-FFF2-40B4-BE49-F238E27FC236}">
+                  <a16:creationId xmlns:a16="http://schemas.microsoft.com/office/drawing/2014/main" id="{19CC12B7-5D25-3FE8-FBDC-EB937E7A9322}"/>
+                </a:ext>
+              </a:extLst>
+            </p:cNvPr>
+            <p:cNvSpPr/>
+            <p:nvPr/>
+          </p:nvSpPr>
+          <p:spPr>
+            <a:xfrm>
+              <a:off x="546300" y="514350"/>
+              <a:ext cx="457200" cy="209550"/>
+            </a:xfrm>
+            <a:prstGeom prst="roundRect">
+              <a:avLst>
+                <a:gd name="adj" fmla="val 9370"/>
+              </a:avLst>
+            </a:prstGeom>
+            <a:noFill/>
+            <a:ln w="38100">
+              <a:solidFill>
+                <a:srgbClr val="FFC000"/>
+              </a:solidFill>
+            </a:ln>
+          </p:spPr>
+          <p:style>
+            <a:lnRef idx="2">
+              <a:schemeClr val="accent1">
+                <a:shade val="15000"/>
+              </a:schemeClr>
+            </a:lnRef>
+            <a:fillRef idx="1">
+              <a:schemeClr val="accent1"/>
+            </a:fillRef>
+            <a:effectRef idx="0">
+              <a:schemeClr val="accent1"/>
+            </a:effectRef>
+            <a:fontRef idx="minor">
+              <a:schemeClr val="lt1"/>
+            </a:fontRef>
+          </p:style>
+          <p:txBody>
+            <a:bodyPr rtlCol="0" anchor="ctr"/>
+            <a:lstStyle/>
+            <a:p>
+              <a:pPr algn="ctr"/>
+              <a:endParaRPr lang="en-US" dirty="0"/>
+            </a:p>
+          </p:txBody>
+        </p:sp>
+        <p:sp>
+          <p:nvSpPr>
+            <p:cNvPr id="7" name="Rectangle: Rounded Corners 6">
+              <a:extLst>
+                <a:ext uri="{FF2B5EF4-FFF2-40B4-BE49-F238E27FC236}">
+                  <a16:creationId xmlns:a16="http://schemas.microsoft.com/office/drawing/2014/main" id="{8F811D1F-215B-BABE-6A91-85AF4A9E367C}"/>
+                </a:ext>
+              </a:extLst>
+            </p:cNvPr>
+            <p:cNvSpPr/>
+            <p:nvPr/>
+          </p:nvSpPr>
+          <p:spPr>
+            <a:xfrm>
+              <a:off x="5859496" y="733425"/>
+              <a:ext cx="382754" cy="571500"/>
+            </a:xfrm>
+            <a:prstGeom prst="roundRect">
+              <a:avLst>
+                <a:gd name="adj" fmla="val 9370"/>
+              </a:avLst>
+            </a:prstGeom>
+            <a:noFill/>
+            <a:ln w="38100">
+              <a:solidFill>
+                <a:srgbClr val="FFC000"/>
+              </a:solidFill>
+            </a:ln>
+          </p:spPr>
+          <p:style>
+            <a:lnRef idx="2">
+              <a:schemeClr val="accent1">
+                <a:shade val="15000"/>
+              </a:schemeClr>
+            </a:lnRef>
+            <a:fillRef idx="1">
+              <a:schemeClr val="accent1"/>
+            </a:fillRef>
+            <a:effectRef idx="0">
+              <a:schemeClr val="accent1"/>
+            </a:effectRef>
+            <a:fontRef idx="minor">
+              <a:schemeClr val="lt1"/>
+            </a:fontRef>
+          </p:style>
+          <p:txBody>
+            <a:bodyPr rtlCol="0" anchor="ctr"/>
+            <a:lstStyle/>
+            <a:p>
+              <a:pPr algn="ctr"/>
+              <a:endParaRPr lang="en-US" dirty="0"/>
+            </a:p>
+          </p:txBody>
+        </p:sp>
+        <p:sp>
+          <p:nvSpPr>
+            <p:cNvPr id="8" name="Rectangle: Rounded Corners 7">
+              <a:extLst>
+                <a:ext uri="{FF2B5EF4-FFF2-40B4-BE49-F238E27FC236}">
+                  <a16:creationId xmlns:a16="http://schemas.microsoft.com/office/drawing/2014/main" id="{C2B1162C-DB95-4459-41B3-70DA3F80392D}"/>
+                </a:ext>
+              </a:extLst>
+            </p:cNvPr>
+            <p:cNvSpPr/>
+            <p:nvPr/>
+          </p:nvSpPr>
+          <p:spPr>
+            <a:xfrm>
+              <a:off x="5878545" y="1838325"/>
+              <a:ext cx="1463040" cy="209550"/>
+            </a:xfrm>
+            <a:prstGeom prst="roundRect">
+              <a:avLst>
+                <a:gd name="adj" fmla="val 9370"/>
+              </a:avLst>
+            </a:prstGeom>
+            <a:noFill/>
+            <a:ln w="38100">
+              <a:solidFill>
+                <a:srgbClr val="FFC000"/>
+              </a:solidFill>
+            </a:ln>
+          </p:spPr>
+          <p:style>
+            <a:lnRef idx="2">
+              <a:schemeClr val="accent1">
+                <a:shade val="15000"/>
+              </a:schemeClr>
+            </a:lnRef>
+            <a:fillRef idx="1">
+              <a:schemeClr val="accent1"/>
+            </a:fillRef>
+            <a:effectRef idx="0">
+              <a:schemeClr val="accent1"/>
+            </a:effectRef>
+            <a:fontRef idx="minor">
+              <a:schemeClr val="lt1"/>
+            </a:fontRef>
+          </p:style>
+          <p:txBody>
+            <a:bodyPr rtlCol="0" anchor="ctr"/>
+            <a:lstStyle/>
+            <a:p>
+              <a:pPr algn="ctr"/>
+              <a:endParaRPr lang="en-US" dirty="0"/>
+            </a:p>
+          </p:txBody>
+        </p:sp>
+        <p:sp>
+          <p:nvSpPr>
+            <p:cNvPr id="9" name="Rectangle: Rounded Corners 8">
+              <a:extLst>
+                <a:ext uri="{FF2B5EF4-FFF2-40B4-BE49-F238E27FC236}">
+                  <a16:creationId xmlns:a16="http://schemas.microsoft.com/office/drawing/2014/main" id="{C66FC872-0B01-79DE-11D8-C07B2C66BC70}"/>
+                </a:ext>
+              </a:extLst>
+            </p:cNvPr>
+            <p:cNvSpPr/>
+            <p:nvPr/>
+          </p:nvSpPr>
+          <p:spPr>
+            <a:xfrm>
+              <a:off x="10317196" y="3140102"/>
+              <a:ext cx="1737360" cy="155448"/>
+            </a:xfrm>
+            <a:prstGeom prst="roundRect">
+              <a:avLst/>
+            </a:prstGeom>
+            <a:solidFill>
+              <a:srgbClr val="FFC000">
+                <a:alpha val="10196"/>
+              </a:srgbClr>
+            </a:solidFill>
+            <a:ln>
+              <a:noFill/>
+            </a:ln>
+          </p:spPr>
+          <p:style>
+            <a:lnRef idx="2">
+              <a:schemeClr val="accent1">
+                <a:shade val="15000"/>
+              </a:schemeClr>
+            </a:lnRef>
+            <a:fillRef idx="1">
+              <a:schemeClr val="accent1"/>
+            </a:fillRef>
+            <a:effectRef idx="0">
+              <a:schemeClr val="accent1"/>
+            </a:effectRef>
+            <a:fontRef idx="minor">
+              <a:schemeClr val="lt1"/>
+            </a:fontRef>
+          </p:style>
+          <p:txBody>
+            <a:bodyPr rtlCol="0" anchor="ctr"/>
+            <a:lstStyle/>
+            <a:p>
+              <a:pPr algn="ctr"/>
+              <a:endParaRPr lang="en-US" dirty="0"/>
+            </a:p>
+          </p:txBody>
+        </p:sp>
+      </p:grpSp>
     </p:spTree>
     <p:extLst>
       <p:ext uri="{BB962C8B-B14F-4D97-AF65-F5344CB8AC3E}">
-        <p14:creationId xmlns:p14="http://schemas.microsoft.com/office/powerpoint/2010/main" val="3686820540"/>
+        <p14:creationId xmlns:p14="http://schemas.microsoft.com/office/powerpoint/2010/main" val="4180297012"/>
       </p:ext>
     </p:extLst>
   </p:cSld>
@@ -12070,17 +14846,9 @@
 </p:sld>
 </file>
 
-<file path=ppt/slides/slide3.xml><?xml version="1.0" encoding="utf-8"?>
+<file path=ppt/slides/slide23.xml><?xml version="1.0" encoding="utf-8"?>
 <p:sld xmlns:a="http://schemas.openxmlformats.org/drawingml/2006/main" xmlns:r="http://schemas.openxmlformats.org/officeDocument/2006/relationships" xmlns:p="http://schemas.openxmlformats.org/presentationml/2006/main">
   <p:cSld>
-    <p:bg>
-      <p:bgPr>
-        <a:solidFill>
-          <a:schemeClr val="bg1"/>
-        </a:solidFill>
-        <a:effectLst/>
-      </p:bgPr>
-    </p:bg>
     <p:spTree>
       <p:nvGrpSpPr>
         <p:cNvPr id="1" name=""/>
@@ -12095,12 +14863,285 @@
           <a:chExt cx="0" cy="0"/>
         </a:xfrm>
       </p:grpSpPr>
+      <p:grpSp>
+        <p:nvGrpSpPr>
+          <p:cNvPr id="12" name="Group 11">
+            <a:extLst>
+              <a:ext uri="{FF2B5EF4-FFF2-40B4-BE49-F238E27FC236}">
+                <a16:creationId xmlns:a16="http://schemas.microsoft.com/office/drawing/2014/main" id="{CD6F61AC-D209-5ADD-691D-C1166D5FCD3C}"/>
+              </a:ext>
+            </a:extLst>
+          </p:cNvPr>
+          <p:cNvGrpSpPr/>
+          <p:nvPr/>
+        </p:nvGrpSpPr>
+        <p:grpSpPr>
+          <a:xfrm>
+            <a:off x="0" y="381000"/>
+            <a:ext cx="12192000" cy="6096000"/>
+            <a:chOff x="0" y="381000"/>
+            <a:chExt cx="12192000" cy="6096000"/>
+          </a:xfrm>
+        </p:grpSpPr>
+        <p:pic>
+          <p:nvPicPr>
+            <p:cNvPr id="9" name="Picture 8">
+              <a:extLst>
+                <a:ext uri="{FF2B5EF4-FFF2-40B4-BE49-F238E27FC236}">
+                  <a16:creationId xmlns:a16="http://schemas.microsoft.com/office/drawing/2014/main" id="{CA5C2FE4-7DA2-33DC-0C1A-3BA625B0A2BE}"/>
+                </a:ext>
+              </a:extLst>
+            </p:cNvPr>
+            <p:cNvPicPr>
+              <a:picLocks noChangeAspect="1"/>
+            </p:cNvPicPr>
+            <p:nvPr/>
+          </p:nvPicPr>
+          <p:blipFill>
+            <a:blip r:embed="rId3"/>
+            <a:stretch>
+              <a:fillRect/>
+            </a:stretch>
+          </p:blipFill>
+          <p:spPr>
+            <a:xfrm>
+              <a:off x="0" y="381000"/>
+              <a:ext cx="12192000" cy="6096000"/>
+            </a:xfrm>
+            <a:prstGeom prst="rect">
+              <a:avLst/>
+            </a:prstGeom>
+            <a:ln>
+              <a:solidFill>
+                <a:schemeClr val="tx1"/>
+              </a:solidFill>
+            </a:ln>
+          </p:spPr>
+        </p:pic>
+        <p:pic>
+          <p:nvPicPr>
+            <p:cNvPr id="3" name="Picture 2">
+              <a:extLst>
+                <a:ext uri="{FF2B5EF4-FFF2-40B4-BE49-F238E27FC236}">
+                  <a16:creationId xmlns:a16="http://schemas.microsoft.com/office/drawing/2014/main" id="{78A8FFC2-84E5-1B21-5332-E527869763B2}"/>
+                </a:ext>
+              </a:extLst>
+            </p:cNvPr>
+            <p:cNvPicPr>
+              <a:picLocks noChangeAspect="1"/>
+            </p:cNvPicPr>
+            <p:nvPr/>
+          </p:nvPicPr>
+          <p:blipFill>
+            <a:blip r:embed="rId4"/>
+            <a:srcRect t="97500"/>
+            <a:stretch>
+              <a:fillRect/>
+            </a:stretch>
+          </p:blipFill>
+          <p:spPr>
+            <a:xfrm>
+              <a:off x="0" y="6324600"/>
+              <a:ext cx="12192000" cy="152400"/>
+            </a:xfrm>
+            <a:prstGeom prst="rect">
+              <a:avLst/>
+            </a:prstGeom>
+            <a:ln>
+              <a:noFill/>
+            </a:ln>
+          </p:spPr>
+        </p:pic>
+        <p:pic>
+          <p:nvPicPr>
+            <p:cNvPr id="7" name="Picture 6">
+              <a:extLst>
+                <a:ext uri="{FF2B5EF4-FFF2-40B4-BE49-F238E27FC236}">
+                  <a16:creationId xmlns:a16="http://schemas.microsoft.com/office/drawing/2014/main" id="{CAB6D643-EFB2-DB00-3A36-8A09E4FBC10C}"/>
+                </a:ext>
+              </a:extLst>
+            </p:cNvPr>
+            <p:cNvPicPr>
+              <a:picLocks noChangeAspect="1"/>
+            </p:cNvPicPr>
+            <p:nvPr/>
+          </p:nvPicPr>
+          <p:blipFill>
+            <a:blip r:embed="rId5"/>
+            <a:srcRect l="82734" t="37656"/>
+            <a:stretch>
+              <a:fillRect/>
+            </a:stretch>
+          </p:blipFill>
+          <p:spPr>
+            <a:xfrm>
+              <a:off x="10086974" y="2676524"/>
+              <a:ext cx="2105025" cy="3800475"/>
+            </a:xfrm>
+            <a:prstGeom prst="rect">
+              <a:avLst/>
+            </a:prstGeom>
+          </p:spPr>
+        </p:pic>
+        <p:sp>
+          <p:nvSpPr>
+            <p:cNvPr id="10" name="Rectangle: Rounded Corners 9">
+              <a:extLst>
+                <a:ext uri="{FF2B5EF4-FFF2-40B4-BE49-F238E27FC236}">
+                  <a16:creationId xmlns:a16="http://schemas.microsoft.com/office/drawing/2014/main" id="{02A18972-3D8F-CFEB-B0AB-B234C61802A8}"/>
+                </a:ext>
+              </a:extLst>
+            </p:cNvPr>
+            <p:cNvSpPr/>
+            <p:nvPr/>
+          </p:nvSpPr>
+          <p:spPr>
+            <a:xfrm>
+              <a:off x="10239375" y="3414753"/>
+              <a:ext cx="1737360" cy="155448"/>
+            </a:xfrm>
+            <a:prstGeom prst="roundRect">
+              <a:avLst/>
+            </a:prstGeom>
+            <a:solidFill>
+              <a:srgbClr val="FFC000">
+                <a:alpha val="10196"/>
+              </a:srgbClr>
+            </a:solidFill>
+            <a:ln>
+              <a:noFill/>
+            </a:ln>
+          </p:spPr>
+          <p:style>
+            <a:lnRef idx="2">
+              <a:schemeClr val="accent1">
+                <a:shade val="15000"/>
+              </a:schemeClr>
+            </a:lnRef>
+            <a:fillRef idx="1">
+              <a:schemeClr val="accent1"/>
+            </a:fillRef>
+            <a:effectRef idx="0">
+              <a:schemeClr val="accent1"/>
+            </a:effectRef>
+            <a:fontRef idx="minor">
+              <a:schemeClr val="lt1"/>
+            </a:fontRef>
+          </p:style>
+          <p:txBody>
+            <a:bodyPr rtlCol="0" anchor="ctr"/>
+            <a:lstStyle/>
+            <a:p>
+              <a:pPr algn="ctr"/>
+              <a:endParaRPr lang="en-US" dirty="0"/>
+            </a:p>
+          </p:txBody>
+        </p:sp>
+        <p:sp>
+          <p:nvSpPr>
+            <p:cNvPr id="11" name="Rectangle: Rounded Corners 10">
+              <a:extLst>
+                <a:ext uri="{FF2B5EF4-FFF2-40B4-BE49-F238E27FC236}">
+                  <a16:creationId xmlns:a16="http://schemas.microsoft.com/office/drawing/2014/main" id="{D9FCF86F-FD13-66D3-8387-5EDAD2EA1320}"/>
+                </a:ext>
+              </a:extLst>
+            </p:cNvPr>
+            <p:cNvSpPr/>
+            <p:nvPr/>
+          </p:nvSpPr>
+          <p:spPr>
+            <a:xfrm>
+              <a:off x="4157801" y="1916099"/>
+              <a:ext cx="155448" cy="155448"/>
+            </a:xfrm>
+            <a:prstGeom prst="roundRect">
+              <a:avLst>
+                <a:gd name="adj" fmla="val 9370"/>
+              </a:avLst>
+            </a:prstGeom>
+            <a:noFill/>
+            <a:ln w="38100">
+              <a:solidFill>
+                <a:srgbClr val="FFC000"/>
+              </a:solidFill>
+            </a:ln>
+          </p:spPr>
+          <p:style>
+            <a:lnRef idx="2">
+              <a:schemeClr val="accent1">
+                <a:shade val="15000"/>
+              </a:schemeClr>
+            </a:lnRef>
+            <a:fillRef idx="1">
+              <a:schemeClr val="accent1"/>
+            </a:fillRef>
+            <a:effectRef idx="0">
+              <a:schemeClr val="accent1"/>
+            </a:effectRef>
+            <a:fontRef idx="minor">
+              <a:schemeClr val="lt1"/>
+            </a:fontRef>
+          </p:style>
+          <p:txBody>
+            <a:bodyPr rtlCol="0" anchor="ctr"/>
+            <a:lstStyle/>
+            <a:p>
+              <a:pPr algn="ctr"/>
+              <a:endParaRPr lang="en-US" dirty="0"/>
+            </a:p>
+          </p:txBody>
+        </p:sp>
+      </p:grpSp>
+    </p:spTree>
+    <p:extLst>
+      <p:ext uri="{BB962C8B-B14F-4D97-AF65-F5344CB8AC3E}">
+        <p14:creationId xmlns:p14="http://schemas.microsoft.com/office/powerpoint/2010/main" val="3068077078"/>
+      </p:ext>
+    </p:extLst>
+  </p:cSld>
+  <p:clrMapOvr>
+    <a:masterClrMapping/>
+  </p:clrMapOvr>
+</p:sld>
+</file>
+
+<file path=ppt/slides/slide24.xml><?xml version="1.0" encoding="utf-8"?>
+<p:sld xmlns:a="http://schemas.openxmlformats.org/drawingml/2006/main" xmlns:r="http://schemas.openxmlformats.org/officeDocument/2006/relationships" xmlns:p="http://schemas.openxmlformats.org/presentationml/2006/main">
+  <p:cSld>
+    <p:bg>
+      <p:bgPr>
+        <a:solidFill>
+          <a:schemeClr val="bg1"/>
+        </a:solidFill>
+        <a:effectLst/>
+      </p:bgPr>
+    </p:bg>
+    <p:spTree>
+      <p:nvGrpSpPr>
+        <p:cNvPr id="1" name="">
+          <a:extLst>
+            <a:ext uri="{FF2B5EF4-FFF2-40B4-BE49-F238E27FC236}">
+              <a16:creationId xmlns:a16="http://schemas.microsoft.com/office/drawing/2014/main" id="{CF2E1F74-4CCF-635D-5FDA-65E3D8C666E1}"/>
+            </a:ext>
+          </a:extLst>
+        </p:cNvPr>
+        <p:cNvGrpSpPr/>
+        <p:nvPr/>
+      </p:nvGrpSpPr>
+      <p:grpSpPr>
+        <a:xfrm>
+          <a:off x="0" y="0"/>
+          <a:ext cx="0" cy="0"/>
+          <a:chOff x="0" y="0"/>
+          <a:chExt cx="0" cy="0"/>
+        </a:xfrm>
+      </p:grpSpPr>
       <p:sp>
         <p:nvSpPr>
-          <p:cNvPr id="10" name="Freeform: Shape 9">
+          <p:cNvPr id="50" name="Freeform: Shape 49">
             <a:extLst>
               <a:ext uri="{FF2B5EF4-FFF2-40B4-BE49-F238E27FC236}">
-                <a16:creationId xmlns:a16="http://schemas.microsoft.com/office/drawing/2014/main" id="{AE192E3E-68A9-4F36-936C-1C8D0B9EF132}"/>
+                <a16:creationId xmlns:a16="http://schemas.microsoft.com/office/drawing/2014/main" id="{73447986-8C11-5A2D-ED8D-D3B6EC794A8E}"/>
               </a:ext>
               <a:ext uri="{C183D7F6-B498-43B3-948B-1728B52AA6E4}">
                 <adec:decorative xmlns:adec="http://schemas.microsoft.com/office/drawing/2017/decorative" val="1"/>
@@ -12221,12 +15262,12 @@
           </a:p>
         </p:txBody>
       </p:sp>
-      <p:sp>
+      <p:sp useBgFill="1">
         <p:nvSpPr>
-          <p:cNvPr id="12" name="Rectangle 11">
+          <p:cNvPr id="52" name="Rectangle 51">
             <a:extLst>
               <a:ext uri="{FF2B5EF4-FFF2-40B4-BE49-F238E27FC236}">
-                <a16:creationId xmlns:a16="http://schemas.microsoft.com/office/drawing/2014/main" id="{1AF30CFE-E4FF-43C7-90BF-54AABC3A3685}"/>
+                <a16:creationId xmlns:a16="http://schemas.microsoft.com/office/drawing/2014/main" id="{295A7E96-A721-8583-756D-0AA7836D6E8B}"/>
               </a:ext>
               <a:ext uri="{C183D7F6-B498-43B3-948B-1728B52AA6E4}">
                 <adec:decorative xmlns:adec="http://schemas.microsoft.com/office/drawing/2017/decorative" val="1"/>
@@ -12252,9 +15293,6 @@
           <a:prstGeom prst="rect">
             <a:avLst/>
           </a:prstGeom>
-          <a:solidFill>
-            <a:srgbClr val="FFFFFF"/>
-          </a:solidFill>
           <a:ln w="12700" cap="flat" cmpd="sng" algn="ctr">
             <a:noFill/>
             <a:prstDash val="solid"/>
@@ -12302,10 +15340,10 @@
       </p:sp>
       <p:sp>
         <p:nvSpPr>
-          <p:cNvPr id="14" name="Rectangle 13">
+          <p:cNvPr id="54" name="Rectangle 53">
             <a:extLst>
               <a:ext uri="{FF2B5EF4-FFF2-40B4-BE49-F238E27FC236}">
-                <a16:creationId xmlns:a16="http://schemas.microsoft.com/office/drawing/2014/main" id="{19FC137C-7F97-41FA-86A1-2E01C3837498}"/>
+                <a16:creationId xmlns:a16="http://schemas.microsoft.com/office/drawing/2014/main" id="{F3F53F4D-E9D2-D609-4595-223AC2FAB2B5}"/>
               </a:ext>
               <a:ext uri="{C183D7F6-B498-43B3-948B-1728B52AA6E4}">
                 <adec:decorative xmlns:adec="http://schemas.microsoft.com/office/drawing/2017/decorative" val="1"/>
@@ -12324,15 +15362,18 @@
           </p:nvPr>
         </p:nvSpPr>
         <p:spPr>
-          <a:xfrm>
-            <a:off x="3478447" y="0"/>
-            <a:ext cx="5266080" cy="6858000"/>
+          <a:xfrm rot="10800000" flipH="1" flipV="1">
+            <a:off x="-4099" y="3429001"/>
+            <a:ext cx="3483870" cy="3428999"/>
           </a:xfrm>
           <a:prstGeom prst="rect">
             <a:avLst/>
           </a:prstGeom>
           <a:solidFill>
-            <a:schemeClr val="tx2"/>
+            <a:schemeClr val="accent4">
+              <a:lumMod val="40000"/>
+              <a:lumOff val="60000"/>
+            </a:schemeClr>
           </a:solidFill>
           <a:ln>
             <a:noFill/>
@@ -12363,12 +15404,12 @@
           </a:p>
         </p:txBody>
       </p:sp>
-      <p:sp useBgFill="1">
+      <p:sp>
         <p:nvSpPr>
-          <p:cNvPr id="16" name="Freeform: Shape 15">
+          <p:cNvPr id="56" name="Freeform: Shape 55">
             <a:extLst>
               <a:ext uri="{FF2B5EF4-FFF2-40B4-BE49-F238E27FC236}">
-                <a16:creationId xmlns:a16="http://schemas.microsoft.com/office/drawing/2014/main" id="{D918EA08-F7D2-4D19-9224-994CE251AC1B}"/>
+                <a16:creationId xmlns:a16="http://schemas.microsoft.com/office/drawing/2014/main" id="{E22EC60D-653D-A4B6-8316-1B9DCD358702}"/>
               </a:ext>
               <a:ext uri="{C183D7F6-B498-43B3-948B-1728B52AA6E4}">
                 <adec:decorative xmlns:adec="http://schemas.microsoft.com/office/drawing/2017/decorative" val="1"/>
@@ -12387,39 +15428,19 @@
           </p:nvPr>
         </p:nvSpPr>
         <p:spPr>
-          <a:xfrm>
-            <a:off x="-19221" y="-1"/>
-            <a:ext cx="8755258" cy="6858000"/>
+          <a:xfrm flipH="1">
+            <a:off x="0" y="3427750"/>
+            <a:ext cx="3479772" cy="3430249"/>
           </a:xfrm>
           <a:custGeom>
             <a:avLst/>
             <a:gdLst>
-              <a:gd name="connsiteX0" fmla="*/ 0 w 8755258"/>
-              <a:gd name="connsiteY0" fmla="*/ 0 h 6858000"/>
-              <a:gd name="connsiteX1" fmla="*/ 5326258 w 8755258"/>
-              <a:gd name="connsiteY1" fmla="*/ 0 h 6858000"/>
-              <a:gd name="connsiteX2" fmla="*/ 5411299 w 8755258"/>
-              <a:gd name="connsiteY2" fmla="*/ 0 h 6858000"/>
-              <a:gd name="connsiteX3" fmla="*/ 5411299 w 8755258"/>
-              <a:gd name="connsiteY3" fmla="*/ 2150 h 6858000"/>
-              <a:gd name="connsiteX4" fmla="*/ 5502714 w 8755258"/>
-              <a:gd name="connsiteY4" fmla="*/ 4462 h 6858000"/>
-              <a:gd name="connsiteX5" fmla="*/ 8755258 w 8755258"/>
-              <a:gd name="connsiteY5" fmla="*/ 3429000 h 6858000"/>
-              <a:gd name="connsiteX6" fmla="*/ 5502714 w 8755258"/>
-              <a:gd name="connsiteY6" fmla="*/ 6853538 h 6858000"/>
-              <a:gd name="connsiteX7" fmla="*/ 5411299 w 8755258"/>
-              <a:gd name="connsiteY7" fmla="*/ 6855850 h 6858000"/>
-              <a:gd name="connsiteX8" fmla="*/ 5411299 w 8755258"/>
-              <a:gd name="connsiteY8" fmla="*/ 6857987 h 6858000"/>
-              <a:gd name="connsiteX9" fmla="*/ 5326772 w 8755258"/>
-              <a:gd name="connsiteY9" fmla="*/ 6857987 h 6858000"/>
-              <a:gd name="connsiteX10" fmla="*/ 5326258 w 8755258"/>
-              <a:gd name="connsiteY10" fmla="*/ 6858000 h 6858000"/>
-              <a:gd name="connsiteX11" fmla="*/ 5325745 w 8755258"/>
-              <a:gd name="connsiteY11" fmla="*/ 6857987 h 6858000"/>
-              <a:gd name="connsiteX12" fmla="*/ 0 w 8755258"/>
-              <a:gd name="connsiteY12" fmla="*/ 6857987 h 6858000"/>
+              <a:gd name="connsiteX0" fmla="*/ 0 w 2559050"/>
+              <a:gd name="connsiteY0" fmla="*/ 0 h 2559050"/>
+              <a:gd name="connsiteX1" fmla="*/ 2559050 w 2559050"/>
+              <a:gd name="connsiteY1" fmla="*/ 0 h 2559050"/>
+              <a:gd name="connsiteX2" fmla="*/ 0 w 2559050"/>
+              <a:gd name="connsiteY2" fmla="*/ 2559050 h 2559050"/>
             </a:gdLst>
             <a:ahLst/>
             <a:cxnLst>
@@ -12432,87 +15453,28 @@
               <a:cxn ang="0">
                 <a:pos x="connsiteX2" y="connsiteY2"/>
               </a:cxn>
-              <a:cxn ang="0">
-                <a:pos x="connsiteX3" y="connsiteY3"/>
-              </a:cxn>
-              <a:cxn ang="0">
-                <a:pos x="connsiteX4" y="connsiteY4"/>
-              </a:cxn>
-              <a:cxn ang="0">
-                <a:pos x="connsiteX5" y="connsiteY5"/>
-              </a:cxn>
-              <a:cxn ang="0">
-                <a:pos x="connsiteX6" y="connsiteY6"/>
-              </a:cxn>
-              <a:cxn ang="0">
-                <a:pos x="connsiteX7" y="connsiteY7"/>
-              </a:cxn>
-              <a:cxn ang="0">
-                <a:pos x="connsiteX8" y="connsiteY8"/>
-              </a:cxn>
-              <a:cxn ang="0">
-                <a:pos x="connsiteX9" y="connsiteY9"/>
-              </a:cxn>
-              <a:cxn ang="0">
-                <a:pos x="connsiteX10" y="connsiteY10"/>
-              </a:cxn>
-              <a:cxn ang="0">
-                <a:pos x="connsiteX11" y="connsiteY11"/>
-              </a:cxn>
-              <a:cxn ang="0">
-                <a:pos x="connsiteX12" y="connsiteY12"/>
-              </a:cxn>
             </a:cxnLst>
             <a:rect l="l" t="t" r="r" b="b"/>
             <a:pathLst>
-              <a:path w="8755258" h="6858000">
+              <a:path w="2559050" h="2559050">
                 <a:moveTo>
                   <a:pt x="0" y="0"/>
                 </a:moveTo>
                 <a:lnTo>
-                  <a:pt x="5326258" y="0"/>
-                </a:lnTo>
-                <a:lnTo>
-                  <a:pt x="5411299" y="0"/>
-                </a:lnTo>
-                <a:lnTo>
-                  <a:pt x="5411299" y="2150"/>
-                </a:lnTo>
-                <a:lnTo>
-                  <a:pt x="5502714" y="4462"/>
+                  <a:pt x="2559050" y="0"/>
                 </a:lnTo>
                 <a:cubicBezTo>
-                  <a:pt x="7314494" y="96301"/>
-                  <a:pt x="8755258" y="1594397"/>
-                  <a:pt x="8755258" y="3429000"/>
+                  <a:pt x="2559050" y="1413324"/>
+                  <a:pt x="1413324" y="2559050"/>
+                  <a:pt x="0" y="2559050"/>
                 </a:cubicBezTo>
-                <a:cubicBezTo>
-                  <a:pt x="8755258" y="5263603"/>
-                  <a:pt x="7314494" y="6761699"/>
-                  <a:pt x="5502714" y="6853538"/>
-                </a:cubicBezTo>
-                <a:lnTo>
-                  <a:pt x="5411299" y="6855850"/>
-                </a:lnTo>
-                <a:lnTo>
-                  <a:pt x="5411299" y="6857987"/>
-                </a:lnTo>
-                <a:lnTo>
-                  <a:pt x="5326772" y="6857987"/>
-                </a:lnTo>
-                <a:lnTo>
-                  <a:pt x="5326258" y="6858000"/>
-                </a:lnTo>
-                <a:lnTo>
-                  <a:pt x="5325745" y="6857987"/>
-                </a:lnTo>
-                <a:lnTo>
-                  <a:pt x="0" y="6857987"/>
-                </a:lnTo>
                 <a:close/>
               </a:path>
             </a:pathLst>
           </a:custGeom>
+          <a:solidFill>
+            <a:schemeClr val="accent5"/>
+          </a:solidFill>
           <a:ln>
             <a:noFill/>
           </a:ln>
@@ -12540,16 +15502,20 @@
           <a:lstStyle/>
           <a:p>
             <a:pPr algn="ctr"/>
-            <a:endParaRPr lang="en-US"/>
+            <a:endParaRPr lang="en-US">
+              <a:solidFill>
+                <a:schemeClr val="tx1"/>
+              </a:solidFill>
+            </a:endParaRPr>
           </a:p>
         </p:txBody>
       </p:sp>
       <p:sp>
         <p:nvSpPr>
-          <p:cNvPr id="18" name="Rectangle 17">
+          <p:cNvPr id="58" name="Rectangle 57">
             <a:extLst>
               <a:ext uri="{FF2B5EF4-FFF2-40B4-BE49-F238E27FC236}">
-                <a16:creationId xmlns:a16="http://schemas.microsoft.com/office/drawing/2014/main" id="{1A7B0098-64CB-4CA2-913F-B6361A640629}"/>
+                <a16:creationId xmlns:a16="http://schemas.microsoft.com/office/drawing/2014/main" id="{AD5894D1-19F8-CEB4-D4EC-6A570C48BED7}"/>
               </a:ext>
               <a:ext uri="{C183D7F6-B498-43B3-948B-1728B52AA6E4}">
                 <adec:decorative xmlns:adec="http://schemas.microsoft.com/office/drawing/2017/decorative" val="1"/>
@@ -12568,15 +15534,18 @@
           </p:nvPr>
         </p:nvSpPr>
         <p:spPr>
-          <a:xfrm>
-            <a:off x="8735493" y="-1"/>
-            <a:ext cx="3458738" cy="3428987"/>
+          <a:xfrm rot="10800000" flipH="1" flipV="1">
+            <a:off x="3479772" y="3429001"/>
+            <a:ext cx="8712227" cy="3428999"/>
           </a:xfrm>
           <a:prstGeom prst="rect">
             <a:avLst/>
           </a:prstGeom>
           <a:solidFill>
-            <a:schemeClr val="accent2"/>
+            <a:schemeClr val="accent1">
+              <a:lumMod val="60000"/>
+              <a:lumOff val="40000"/>
+            </a:schemeClr>
           </a:solidFill>
           <a:ln>
             <a:noFill/>
@@ -12609,10 +15578,10 @@
       </p:sp>
       <p:sp>
         <p:nvSpPr>
-          <p:cNvPr id="20" name="Rectangle 34">
+          <p:cNvPr id="60" name="Rectangle 34">
             <a:extLst>
               <a:ext uri="{FF2B5EF4-FFF2-40B4-BE49-F238E27FC236}">
-                <a16:creationId xmlns:a16="http://schemas.microsoft.com/office/drawing/2014/main" id="{F058BB3D-7B21-46A3-B0D6-AB9D1578D571}"/>
+                <a16:creationId xmlns:a16="http://schemas.microsoft.com/office/drawing/2014/main" id="{2E189297-34D3-F0DB-E861-AEE0017DC657}"/>
               </a:ext>
               <a:ext uri="{C183D7F6-B498-43B3-948B-1728B52AA6E4}">
                 <adec:decorative xmlns:adec="http://schemas.microsoft.com/office/drawing/2017/decorative" val="1"/>
@@ -12631,9 +15600,9 @@
           </p:nvPr>
         </p:nvSpPr>
         <p:spPr>
-          <a:xfrm rot="16200000">
-            <a:off x="8758139" y="-22647"/>
-            <a:ext cx="3428989" cy="3474281"/>
+          <a:xfrm rot="5400000" flipH="1" flipV="1">
+            <a:off x="3502418" y="3405102"/>
+            <a:ext cx="3429002" cy="3474296"/>
           </a:xfrm>
           <a:custGeom>
             <a:avLst/>
@@ -12692,6 +15661,413 @@
             </a:pathLst>
           </a:custGeom>
           <a:solidFill>
+            <a:schemeClr val="accent2"/>
+          </a:solidFill>
+          <a:ln>
+            <a:noFill/>
+          </a:ln>
+        </p:spPr>
+        <p:style>
+          <a:lnRef idx="2">
+            <a:schemeClr val="accent1">
+              <a:shade val="50000"/>
+            </a:schemeClr>
+          </a:lnRef>
+          <a:fillRef idx="1">
+            <a:schemeClr val="accent1"/>
+          </a:fillRef>
+          <a:effectRef idx="0">
+            <a:schemeClr val="accent1"/>
+          </a:effectRef>
+          <a:fontRef idx="minor">
+            <a:schemeClr val="lt1"/>
+          </a:fontRef>
+        </p:style>
+        <p:txBody>
+          <a:bodyPr rtlCol="0" anchor="ctr"/>
+          <a:lstStyle/>
+          <a:p>
+            <a:pPr algn="ctr"/>
+            <a:endParaRPr lang="en-US" dirty="0"/>
+          </a:p>
+        </p:txBody>
+      </p:sp>
+      <p:sp>
+        <p:nvSpPr>
+          <p:cNvPr id="62" name="Oval 61">
+            <a:extLst>
+              <a:ext uri="{FF2B5EF4-FFF2-40B4-BE49-F238E27FC236}">
+                <a16:creationId xmlns:a16="http://schemas.microsoft.com/office/drawing/2014/main" id="{BFF8DD36-5DC3-C8F9-5BBC-DEC6175DA87C}"/>
+              </a:ext>
+              <a:ext uri="{C183D7F6-B498-43B3-948B-1728B52AA6E4}">
+                <adec:decorative xmlns:adec="http://schemas.microsoft.com/office/drawing/2017/decorative" val="1"/>
+              </a:ext>
+            </a:extLst>
+          </p:cNvPr>
+          <p:cNvSpPr>
+            <a:spLocks noGrp="1" noRot="1" noChangeAspect="1" noMove="1" noResize="1" noEditPoints="1" noAdjustHandles="1" noChangeArrowheads="1" noChangeShapeType="1" noTextEdit="1"/>
+          </p:cNvSpPr>
+          <p:nvPr>
+            <p:extLst>
+              <p:ext uri="{386F3935-93C4-4BCD-93E2-E3B085C9AB24}">
+                <p16:designElem xmlns:p16="http://schemas.microsoft.com/office/powerpoint/2015/main" val="1"/>
+              </p:ext>
+            </p:extLst>
+          </p:nvPr>
+        </p:nvSpPr>
+        <p:spPr>
+          <a:xfrm>
+            <a:off x="8922467" y="3607646"/>
+            <a:ext cx="3070455" cy="3070455"/>
+          </a:xfrm>
+          <a:prstGeom prst="ellipse">
+            <a:avLst/>
+          </a:prstGeom>
+          <a:solidFill>
+            <a:srgbClr val="FFFFFF"/>
+          </a:solidFill>
+          <a:ln>
+            <a:noFill/>
+          </a:ln>
+        </p:spPr>
+        <p:style>
+          <a:lnRef idx="2">
+            <a:schemeClr val="accent1">
+              <a:shade val="50000"/>
+            </a:schemeClr>
+          </a:lnRef>
+          <a:fillRef idx="1">
+            <a:schemeClr val="accent1"/>
+          </a:fillRef>
+          <a:effectRef idx="0">
+            <a:schemeClr val="accent1"/>
+          </a:effectRef>
+          <a:fontRef idx="minor">
+            <a:schemeClr val="lt1"/>
+          </a:fontRef>
+        </p:style>
+        <p:txBody>
+          <a:bodyPr rtlCol="0" anchor="ctr"/>
+          <a:lstStyle/>
+          <a:p>
+            <a:pPr algn="ctr"/>
+            <a:endParaRPr lang="en-US"/>
+          </a:p>
+        </p:txBody>
+      </p:sp>
+      <p:pic>
+        <p:nvPicPr>
+          <p:cNvPr id="7" name="Picture 6">
+            <a:extLst>
+              <a:ext uri="{FF2B5EF4-FFF2-40B4-BE49-F238E27FC236}">
+                <a16:creationId xmlns:a16="http://schemas.microsoft.com/office/drawing/2014/main" id="{0E47FC6D-BD7B-B7DE-BF13-C779AEE4BE36}"/>
+              </a:ext>
+            </a:extLst>
+          </p:cNvPr>
+          <p:cNvPicPr>
+            <a:picLocks noChangeAspect="1"/>
+          </p:cNvPicPr>
+          <p:nvPr/>
+        </p:nvPicPr>
+        <p:blipFill>
+          <a:blip r:embed="rId3">
+            <a:extLst>
+              <a:ext uri="{28A0092B-C50C-407E-A947-70E740481C1C}">
+                <a14:useLocalDpi xmlns:a14="http://schemas.microsoft.com/office/drawing/2010/main" val="0"/>
+              </a:ext>
+            </a:extLst>
+          </a:blip>
+          <a:srcRect t="25312" b="25312"/>
+          <a:stretch/>
+        </p:blipFill>
+        <p:spPr>
+          <a:xfrm>
+            <a:off x="9086094" y="4465010"/>
+            <a:ext cx="2743200" cy="1354479"/>
+          </a:xfrm>
+          <a:prstGeom prst="rect">
+            <a:avLst/>
+          </a:prstGeom>
+        </p:spPr>
+      </p:pic>
+    </p:spTree>
+    <p:extLst>
+      <p:ext uri="{BB962C8B-B14F-4D97-AF65-F5344CB8AC3E}">
+        <p14:creationId xmlns:p14="http://schemas.microsoft.com/office/powerpoint/2010/main" val="1760504143"/>
+      </p:ext>
+    </p:extLst>
+  </p:cSld>
+  <p:clrMapOvr>
+    <a:masterClrMapping/>
+  </p:clrMapOvr>
+</p:sld>
+</file>
+
+<file path=ppt/slides/slide3.xml><?xml version="1.0" encoding="utf-8"?>
+<p:sld xmlns:a="http://schemas.openxmlformats.org/drawingml/2006/main" xmlns:r="http://schemas.openxmlformats.org/officeDocument/2006/relationships" xmlns:p="http://schemas.openxmlformats.org/presentationml/2006/main">
+  <p:cSld>
+    <p:bg>
+      <p:bgPr>
+        <a:solidFill>
+          <a:schemeClr val="bg1"/>
+        </a:solidFill>
+        <a:effectLst/>
+      </p:bgPr>
+    </p:bg>
+    <p:spTree>
+      <p:nvGrpSpPr>
+        <p:cNvPr id="1" name="">
+          <a:extLst>
+            <a:ext uri="{FF2B5EF4-FFF2-40B4-BE49-F238E27FC236}">
+              <a16:creationId xmlns:a16="http://schemas.microsoft.com/office/drawing/2014/main" id="{86B90972-D21E-DCA2-599C-D25F6065EC8E}"/>
+            </a:ext>
+          </a:extLst>
+        </p:cNvPr>
+        <p:cNvGrpSpPr/>
+        <p:nvPr/>
+      </p:nvGrpSpPr>
+      <p:grpSpPr>
+        <a:xfrm>
+          <a:off x="0" y="0"/>
+          <a:ext cx="0" cy="0"/>
+          <a:chOff x="0" y="0"/>
+          <a:chExt cx="0" cy="0"/>
+        </a:xfrm>
+      </p:grpSpPr>
+      <p:sp>
+        <p:nvSpPr>
+          <p:cNvPr id="50" name="Freeform: Shape 49">
+            <a:extLst>
+              <a:ext uri="{FF2B5EF4-FFF2-40B4-BE49-F238E27FC236}">
+                <a16:creationId xmlns:a16="http://schemas.microsoft.com/office/drawing/2014/main" id="{694014AA-62F9-83F2-1B92-5F2B90FF33BB}"/>
+              </a:ext>
+              <a:ext uri="{C183D7F6-B498-43B3-948B-1728B52AA6E4}">
+                <adec:decorative xmlns:adec="http://schemas.microsoft.com/office/drawing/2017/decorative" val="1"/>
+              </a:ext>
+            </a:extLst>
+          </p:cNvPr>
+          <p:cNvSpPr>
+            <a:spLocks noGrp="1" noRot="1" noChangeAspect="1" noMove="1" noResize="1" noEditPoints="1" noAdjustHandles="1" noChangeArrowheads="1" noChangeShapeType="1" noTextEdit="1"/>
+          </p:cNvSpPr>
+          <p:nvPr>
+            <p:extLst>
+              <p:ext uri="{386F3935-93C4-4BCD-93E2-E3B085C9AB24}">
+                <p16:designElem xmlns:p16="http://schemas.microsoft.com/office/powerpoint/2015/main" val="1"/>
+              </p:ext>
+            </p:extLst>
+          </p:nvPr>
+        </p:nvSpPr>
+        <p:spPr>
+          <a:xfrm>
+            <a:off x="8803792" y="3455896"/>
+            <a:ext cx="3388208" cy="3406341"/>
+          </a:xfrm>
+          <a:custGeom>
+            <a:avLst/>
+            <a:gdLst>
+              <a:gd name="connsiteX0" fmla="*/ 3388058 w 3388208"/>
+              <a:gd name="connsiteY0" fmla="*/ 0 h 3406341"/>
+              <a:gd name="connsiteX1" fmla="*/ 3388208 w 3388208"/>
+              <a:gd name="connsiteY1" fmla="*/ 0 h 3406341"/>
+              <a:gd name="connsiteX2" fmla="*/ 3388208 w 3388208"/>
+              <a:gd name="connsiteY2" fmla="*/ 3406341 h 3406341"/>
+              <a:gd name="connsiteX3" fmla="*/ 0 w 3388208"/>
+              <a:gd name="connsiteY3" fmla="*/ 3406341 h 3406341"/>
+              <a:gd name="connsiteX4" fmla="*/ 79006 w 3388208"/>
+              <a:gd name="connsiteY4" fmla="*/ 3404386 h 3406341"/>
+              <a:gd name="connsiteX5" fmla="*/ 3383947 w 3388208"/>
+              <a:gd name="connsiteY5" fmla="*/ 164274 h 3406341"/>
+            </a:gdLst>
+            <a:ahLst/>
+            <a:cxnLst>
+              <a:cxn ang="0">
+                <a:pos x="connsiteX0" y="connsiteY0"/>
+              </a:cxn>
+              <a:cxn ang="0">
+                <a:pos x="connsiteX1" y="connsiteY1"/>
+              </a:cxn>
+              <a:cxn ang="0">
+                <a:pos x="connsiteX2" y="connsiteY2"/>
+              </a:cxn>
+              <a:cxn ang="0">
+                <a:pos x="connsiteX3" y="connsiteY3"/>
+              </a:cxn>
+              <a:cxn ang="0">
+                <a:pos x="connsiteX4" y="connsiteY4"/>
+              </a:cxn>
+              <a:cxn ang="0">
+                <a:pos x="connsiteX5" y="connsiteY5"/>
+              </a:cxn>
+            </a:cxnLst>
+            <a:rect l="l" t="t" r="r" b="b"/>
+            <a:pathLst>
+              <a:path w="3388208" h="3406341">
+                <a:moveTo>
+                  <a:pt x="3388058" y="0"/>
+                </a:moveTo>
+                <a:lnTo>
+                  <a:pt x="3388208" y="0"/>
+                </a:lnTo>
+                <a:lnTo>
+                  <a:pt x="3388208" y="3406341"/>
+                </a:lnTo>
+                <a:lnTo>
+                  <a:pt x="0" y="3406341"/>
+                </a:lnTo>
+                <a:lnTo>
+                  <a:pt x="79006" y="3404386"/>
+                </a:lnTo>
+                <a:cubicBezTo>
+                  <a:pt x="1864742" y="3315784"/>
+                  <a:pt x="3296223" y="1912901"/>
+                  <a:pt x="3383947" y="164274"/>
+                </a:cubicBezTo>
+                <a:close/>
+              </a:path>
+            </a:pathLst>
+          </a:custGeom>
+          <a:solidFill>
+            <a:schemeClr val="accent5"/>
+          </a:solidFill>
+          <a:ln>
+            <a:noFill/>
+          </a:ln>
+        </p:spPr>
+        <p:style>
+          <a:lnRef idx="2">
+            <a:schemeClr val="accent1">
+              <a:shade val="50000"/>
+            </a:schemeClr>
+          </a:lnRef>
+          <a:fillRef idx="1">
+            <a:schemeClr val="accent1"/>
+          </a:fillRef>
+          <a:effectRef idx="0">
+            <a:schemeClr val="accent1"/>
+          </a:effectRef>
+          <a:fontRef idx="minor">
+            <a:schemeClr val="lt1"/>
+          </a:fontRef>
+        </p:style>
+        <p:txBody>
+          <a:bodyPr wrap="square" rtlCol="0" anchor="ctr">
+            <a:noAutofit/>
+          </a:bodyPr>
+          <a:lstStyle/>
+          <a:p>
+            <a:pPr algn="ctr"/>
+            <a:endParaRPr lang="en-US"/>
+          </a:p>
+        </p:txBody>
+      </p:sp>
+      <p:sp useBgFill="1">
+        <p:nvSpPr>
+          <p:cNvPr id="52" name="Rectangle 51">
+            <a:extLst>
+              <a:ext uri="{FF2B5EF4-FFF2-40B4-BE49-F238E27FC236}">
+                <a16:creationId xmlns:a16="http://schemas.microsoft.com/office/drawing/2014/main" id="{9374627D-2592-1AE6-AE75-40B91C653F20}"/>
+              </a:ext>
+              <a:ext uri="{C183D7F6-B498-43B3-948B-1728B52AA6E4}">
+                <adec:decorative xmlns:adec="http://schemas.microsoft.com/office/drawing/2017/decorative" val="1"/>
+              </a:ext>
+            </a:extLst>
+          </p:cNvPr>
+          <p:cNvSpPr>
+            <a:spLocks noGrp="1" noRot="1" noChangeAspect="1" noMove="1" noResize="1" noEditPoints="1" noAdjustHandles="1" noChangeArrowheads="1" noChangeShapeType="1" noTextEdit="1"/>
+          </p:cNvSpPr>
+          <p:nvPr>
+            <p:extLst>
+              <p:ext uri="{386F3935-93C4-4BCD-93E2-E3B085C9AB24}">
+                <p16:designElem xmlns:p16="http://schemas.microsoft.com/office/powerpoint/2015/main" val="1"/>
+              </p:ext>
+            </p:extLst>
+          </p:nvPr>
+        </p:nvSpPr>
+        <p:spPr>
+          <a:xfrm>
+            <a:off x="0" y="0"/>
+            <a:ext cx="12192000" cy="6858000"/>
+          </a:xfrm>
+          <a:prstGeom prst="rect">
+            <a:avLst/>
+          </a:prstGeom>
+          <a:ln w="12700" cap="flat" cmpd="sng" algn="ctr">
+            <a:noFill/>
+            <a:prstDash val="solid"/>
+            <a:miter lim="800000"/>
+          </a:ln>
+          <a:effectLst/>
+          <a:extLst>
+            <a:ext uri="{91240B29-F687-4F45-9708-019B960494DF}">
+              <a14:hiddenLine xmlns:a14="http://schemas.microsoft.com/office/drawing/2010/main" w="12700" cap="flat" cmpd="sng" algn="ctr">
+                <a:solidFill>
+                  <a:schemeClr val="accent1">
+                    <a:shade val="50000"/>
+                  </a:schemeClr>
+                </a:solidFill>
+                <a:prstDash val="solid"/>
+                <a:miter lim="800000"/>
+              </a14:hiddenLine>
+            </a:ext>
+          </a:extLst>
+        </p:spPr>
+        <p:style>
+          <a:lnRef idx="2">
+            <a:schemeClr val="accent1">
+              <a:shade val="50000"/>
+            </a:schemeClr>
+          </a:lnRef>
+          <a:fillRef idx="1">
+            <a:schemeClr val="accent1"/>
+          </a:fillRef>
+          <a:effectRef idx="0">
+            <a:schemeClr val="accent1"/>
+          </a:effectRef>
+          <a:fontRef idx="minor">
+            <a:schemeClr val="lt1"/>
+          </a:fontRef>
+        </p:style>
+        <p:txBody>
+          <a:bodyPr rtlCol="0" anchor="ctr"/>
+          <a:lstStyle/>
+          <a:p>
+            <a:pPr algn="ctr"/>
+            <a:endParaRPr lang="en-US"/>
+          </a:p>
+        </p:txBody>
+      </p:sp>
+      <p:sp>
+        <p:nvSpPr>
+          <p:cNvPr id="54" name="Rectangle 53">
+            <a:extLst>
+              <a:ext uri="{FF2B5EF4-FFF2-40B4-BE49-F238E27FC236}">
+                <a16:creationId xmlns:a16="http://schemas.microsoft.com/office/drawing/2014/main" id="{577C9334-6CE5-24C3-C802-E2D18C2A2339}"/>
+              </a:ext>
+              <a:ext uri="{C183D7F6-B498-43B3-948B-1728B52AA6E4}">
+                <adec:decorative xmlns:adec="http://schemas.microsoft.com/office/drawing/2017/decorative" val="1"/>
+              </a:ext>
+            </a:extLst>
+          </p:cNvPr>
+          <p:cNvSpPr>
+            <a:spLocks noGrp="1" noRot="1" noChangeAspect="1" noMove="1" noResize="1" noEditPoints="1" noAdjustHandles="1" noChangeArrowheads="1" noChangeShapeType="1" noTextEdit="1"/>
+          </p:cNvSpPr>
+          <p:nvPr>
+            <p:extLst>
+              <p:ext uri="{386F3935-93C4-4BCD-93E2-E3B085C9AB24}">
+                <p16:designElem xmlns:p16="http://schemas.microsoft.com/office/powerpoint/2015/main" val="1"/>
+              </p:ext>
+            </p:extLst>
+          </p:nvPr>
+        </p:nvSpPr>
+        <p:spPr>
+          <a:xfrm rot="10800000" flipH="1" flipV="1">
+            <a:off x="-4099" y="3429001"/>
+            <a:ext cx="3483870" cy="3428999"/>
+          </a:xfrm>
+          <a:prstGeom prst="rect">
+            <a:avLst/>
+          </a:prstGeom>
+          <a:solidFill>
             <a:schemeClr val="accent4">
               <a:lumMod val="40000"/>
               <a:lumOff val="60000"/>
@@ -12728,10 +16104,10 @@
       </p:sp>
       <p:sp>
         <p:nvSpPr>
-          <p:cNvPr id="22" name="Rectangle 21">
+          <p:cNvPr id="56" name="Freeform: Shape 55">
             <a:extLst>
               <a:ext uri="{FF2B5EF4-FFF2-40B4-BE49-F238E27FC236}">
-                <a16:creationId xmlns:a16="http://schemas.microsoft.com/office/drawing/2014/main" id="{4D1D6B41-589D-4DD8-9A1B-34C4CF076DB4}"/>
+                <a16:creationId xmlns:a16="http://schemas.microsoft.com/office/drawing/2014/main" id="{8429B074-C8A9-ED25-3CD1-D6CE14A23768}"/>
               </a:ext>
               <a:ext uri="{C183D7F6-B498-43B3-948B-1728B52AA6E4}">
                 <adec:decorative xmlns:adec="http://schemas.microsoft.com/office/drawing/2017/decorative" val="1"/>
@@ -12750,9 +16126,115 @@
           </p:nvPr>
         </p:nvSpPr>
         <p:spPr>
-          <a:xfrm>
-            <a:off x="8735493" y="3434976"/>
-            <a:ext cx="3456507" cy="3428987"/>
+          <a:xfrm flipH="1">
+            <a:off x="0" y="3427750"/>
+            <a:ext cx="3479772" cy="3430249"/>
+          </a:xfrm>
+          <a:custGeom>
+            <a:avLst/>
+            <a:gdLst>
+              <a:gd name="connsiteX0" fmla="*/ 0 w 2559050"/>
+              <a:gd name="connsiteY0" fmla="*/ 0 h 2559050"/>
+              <a:gd name="connsiteX1" fmla="*/ 2559050 w 2559050"/>
+              <a:gd name="connsiteY1" fmla="*/ 0 h 2559050"/>
+              <a:gd name="connsiteX2" fmla="*/ 0 w 2559050"/>
+              <a:gd name="connsiteY2" fmla="*/ 2559050 h 2559050"/>
+            </a:gdLst>
+            <a:ahLst/>
+            <a:cxnLst>
+              <a:cxn ang="0">
+                <a:pos x="connsiteX0" y="connsiteY0"/>
+              </a:cxn>
+              <a:cxn ang="0">
+                <a:pos x="connsiteX1" y="connsiteY1"/>
+              </a:cxn>
+              <a:cxn ang="0">
+                <a:pos x="connsiteX2" y="connsiteY2"/>
+              </a:cxn>
+            </a:cxnLst>
+            <a:rect l="l" t="t" r="r" b="b"/>
+            <a:pathLst>
+              <a:path w="2559050" h="2559050">
+                <a:moveTo>
+                  <a:pt x="0" y="0"/>
+                </a:moveTo>
+                <a:lnTo>
+                  <a:pt x="2559050" y="0"/>
+                </a:lnTo>
+                <a:cubicBezTo>
+                  <a:pt x="2559050" y="1413324"/>
+                  <a:pt x="1413324" y="2559050"/>
+                  <a:pt x="0" y="2559050"/>
+                </a:cubicBezTo>
+                <a:close/>
+              </a:path>
+            </a:pathLst>
+          </a:custGeom>
+          <a:solidFill>
+            <a:schemeClr val="accent5"/>
+          </a:solidFill>
+          <a:ln>
+            <a:noFill/>
+          </a:ln>
+        </p:spPr>
+        <p:style>
+          <a:lnRef idx="2">
+            <a:schemeClr val="accent1">
+              <a:shade val="50000"/>
+            </a:schemeClr>
+          </a:lnRef>
+          <a:fillRef idx="1">
+            <a:schemeClr val="accent1"/>
+          </a:fillRef>
+          <a:effectRef idx="0">
+            <a:schemeClr val="accent1"/>
+          </a:effectRef>
+          <a:fontRef idx="minor">
+            <a:schemeClr val="lt1"/>
+          </a:fontRef>
+        </p:style>
+        <p:txBody>
+          <a:bodyPr wrap="square" rtlCol="0" anchor="ctr">
+            <a:noAutofit/>
+          </a:bodyPr>
+          <a:lstStyle/>
+          <a:p>
+            <a:pPr algn="ctr"/>
+            <a:endParaRPr lang="en-US">
+              <a:solidFill>
+                <a:schemeClr val="tx1"/>
+              </a:solidFill>
+            </a:endParaRPr>
+          </a:p>
+        </p:txBody>
+      </p:sp>
+      <p:sp>
+        <p:nvSpPr>
+          <p:cNvPr id="58" name="Rectangle 57">
+            <a:extLst>
+              <a:ext uri="{FF2B5EF4-FFF2-40B4-BE49-F238E27FC236}">
+                <a16:creationId xmlns:a16="http://schemas.microsoft.com/office/drawing/2014/main" id="{6145BC8B-0613-1FF6-BB6E-558D60986C8F}"/>
+              </a:ext>
+              <a:ext uri="{C183D7F6-B498-43B3-948B-1728B52AA6E4}">
+                <adec:decorative xmlns:adec="http://schemas.microsoft.com/office/drawing/2017/decorative" val="1"/>
+              </a:ext>
+            </a:extLst>
+          </p:cNvPr>
+          <p:cNvSpPr>
+            <a:spLocks noGrp="1" noRot="1" noChangeAspect="1" noMove="1" noResize="1" noEditPoints="1" noAdjustHandles="1" noChangeArrowheads="1" noChangeShapeType="1" noTextEdit="1"/>
+          </p:cNvSpPr>
+          <p:nvPr>
+            <p:extLst>
+              <p:ext uri="{386F3935-93C4-4BCD-93E2-E3B085C9AB24}">
+                <p16:designElem xmlns:p16="http://schemas.microsoft.com/office/powerpoint/2015/main" val="1"/>
+              </p:ext>
+            </p:extLst>
+          </p:nvPr>
+        </p:nvSpPr>
+        <p:spPr>
+          <a:xfrm rot="10800000" flipH="1" flipV="1">
+            <a:off x="3479772" y="3429001"/>
+            <a:ext cx="8712227" cy="3428999"/>
           </a:xfrm>
           <a:prstGeom prst="rect">
             <a:avLst/>
@@ -12794,10 +16276,10 @@
       </p:sp>
       <p:sp>
         <p:nvSpPr>
-          <p:cNvPr id="24" name="Freeform: Shape 23">
+          <p:cNvPr id="60" name="Rectangle 34">
             <a:extLst>
               <a:ext uri="{FF2B5EF4-FFF2-40B4-BE49-F238E27FC236}">
-                <a16:creationId xmlns:a16="http://schemas.microsoft.com/office/drawing/2014/main" id="{AE55F008-418D-4A3D-9F43-E50DF4BA73AE}"/>
+                <a16:creationId xmlns:a16="http://schemas.microsoft.com/office/drawing/2014/main" id="{9136528C-F2BE-4DF0-3582-F40BF50EE4E0}"/>
               </a:ext>
               <a:ext uri="{C183D7F6-B498-43B3-948B-1728B52AA6E4}">
                 <adec:decorative xmlns:adec="http://schemas.microsoft.com/office/drawing/2017/decorative" val="1"/>
@@ -12816,37 +16298,31 @@
           </p:nvPr>
         </p:nvSpPr>
         <p:spPr>
-          <a:xfrm rot="10800000" flipV="1">
-            <a:off x="8735493" y="3429002"/>
-            <a:ext cx="3456020" cy="1718477"/>
+          <a:xfrm rot="5400000" flipH="1" flipV="1">
+            <a:off x="3502418" y="3405102"/>
+            <a:ext cx="3429002" cy="3474296"/>
           </a:xfrm>
           <a:custGeom>
             <a:avLst/>
             <a:gdLst>
-              <a:gd name="connsiteX0" fmla="*/ 3423466 w 3423466"/>
-              <a:gd name="connsiteY0" fmla="*/ 0 h 1718483"/>
-              <a:gd name="connsiteX1" fmla="*/ 1710280 w 3423466"/>
-              <a:gd name="connsiteY1" fmla="*/ 0 h 1718483"/>
-              <a:gd name="connsiteX2" fmla="*/ 1710280 w 3423466"/>
-              <a:gd name="connsiteY2" fmla="*/ 1 h 1718483"/>
-              <a:gd name="connsiteX3" fmla="*/ 0 w 3423466"/>
-              <a:gd name="connsiteY3" fmla="*/ 1 h 1718483"/>
-              <a:gd name="connsiteX4" fmla="*/ 1538022 w 3423466"/>
-              <a:gd name="connsiteY4" fmla="*/ 1709611 h 1718483"/>
-              <a:gd name="connsiteX5" fmla="*/ 1710280 w 3423466"/>
-              <a:gd name="connsiteY5" fmla="*/ 1718336 h 1718483"/>
-              <a:gd name="connsiteX6" fmla="*/ 1710280 w 3423466"/>
-              <a:gd name="connsiteY6" fmla="*/ 1718482 h 1718483"/>
-              <a:gd name="connsiteX7" fmla="*/ 1711723 w 3423466"/>
-              <a:gd name="connsiteY7" fmla="*/ 1718409 h 1718483"/>
-              <a:gd name="connsiteX8" fmla="*/ 1713186 w 3423466"/>
-              <a:gd name="connsiteY8" fmla="*/ 1718483 h 1718483"/>
-              <a:gd name="connsiteX9" fmla="*/ 1713186 w 3423466"/>
-              <a:gd name="connsiteY9" fmla="*/ 1718335 h 1718483"/>
-              <a:gd name="connsiteX10" fmla="*/ 1885444 w 3423466"/>
-              <a:gd name="connsiteY10" fmla="*/ 1709610 h 1718483"/>
-              <a:gd name="connsiteX11" fmla="*/ 3423466 w 3423466"/>
-              <a:gd name="connsiteY11" fmla="*/ 0 h 1718483"/>
+              <a:gd name="connsiteX0" fmla="*/ 0 w 3484819"/>
+              <a:gd name="connsiteY0" fmla="*/ 0 h 3430264"/>
+              <a:gd name="connsiteX1" fmla="*/ 3484819 w 3484819"/>
+              <a:gd name="connsiteY1" fmla="*/ 0 h 3430264"/>
+              <a:gd name="connsiteX2" fmla="*/ 3484819 w 3484819"/>
+              <a:gd name="connsiteY2" fmla="*/ 3430264 h 3430264"/>
+              <a:gd name="connsiteX3" fmla="*/ 0 w 3484819"/>
+              <a:gd name="connsiteY3" fmla="*/ 3430264 h 3430264"/>
+              <a:gd name="connsiteX4" fmla="*/ 0 w 3484819"/>
+              <a:gd name="connsiteY4" fmla="*/ 0 h 3430264"/>
+              <a:gd name="connsiteX0" fmla="*/ 0 w 3484819"/>
+              <a:gd name="connsiteY0" fmla="*/ 0 h 3430264"/>
+              <a:gd name="connsiteX1" fmla="*/ 3484819 w 3484819"/>
+              <a:gd name="connsiteY1" fmla="*/ 0 h 3430264"/>
+              <a:gd name="connsiteX2" fmla="*/ 0 w 3484819"/>
+              <a:gd name="connsiteY2" fmla="*/ 3430264 h 3430264"/>
+              <a:gd name="connsiteX3" fmla="*/ 0 w 3484819"/>
+              <a:gd name="connsiteY3" fmla="*/ 0 h 3430264"/>
             </a:gdLst>
             <a:ahLst/>
             <a:cxnLst>
@@ -12862,80 +16338,28 @@
               <a:cxn ang="0">
                 <a:pos x="connsiteX3" y="connsiteY3"/>
               </a:cxn>
-              <a:cxn ang="0">
-                <a:pos x="connsiteX4" y="connsiteY4"/>
-              </a:cxn>
-              <a:cxn ang="0">
-                <a:pos x="connsiteX5" y="connsiteY5"/>
-              </a:cxn>
-              <a:cxn ang="0">
-                <a:pos x="connsiteX6" y="connsiteY6"/>
-              </a:cxn>
-              <a:cxn ang="0">
-                <a:pos x="connsiteX7" y="connsiteY7"/>
-              </a:cxn>
-              <a:cxn ang="0">
-                <a:pos x="connsiteX8" y="connsiteY8"/>
-              </a:cxn>
-              <a:cxn ang="0">
-                <a:pos x="connsiteX9" y="connsiteY9"/>
-              </a:cxn>
-              <a:cxn ang="0">
-                <a:pos x="connsiteX10" y="connsiteY10"/>
-              </a:cxn>
-              <a:cxn ang="0">
-                <a:pos x="connsiteX11" y="connsiteY11"/>
-              </a:cxn>
             </a:cxnLst>
             <a:rect l="l" t="t" r="r" b="b"/>
             <a:pathLst>
-              <a:path w="3423466" h="1718483">
+              <a:path w="3484819" h="3430264">
                 <a:moveTo>
-                  <a:pt x="3423466" y="0"/>
+                  <a:pt x="0" y="0"/>
                 </a:moveTo>
                 <a:lnTo>
-                  <a:pt x="1710280" y="0"/>
+                  <a:pt x="3484819" y="0"/>
                 </a:lnTo>
                 <a:lnTo>
-                  <a:pt x="1710280" y="1"/>
+                  <a:pt x="0" y="3430264"/>
                 </a:lnTo>
                 <a:lnTo>
-                  <a:pt x="0" y="1"/>
+                  <a:pt x="0" y="0"/>
                 </a:lnTo>
-                <a:cubicBezTo>
-                  <a:pt x="0" y="889774"/>
-                  <a:pt x="674138" y="1621607"/>
-                  <a:pt x="1538022" y="1709611"/>
-                </a:cubicBezTo>
-                <a:lnTo>
-                  <a:pt x="1710280" y="1718336"/>
-                </a:lnTo>
-                <a:lnTo>
-                  <a:pt x="1710280" y="1718482"/>
-                </a:lnTo>
-                <a:lnTo>
-                  <a:pt x="1711723" y="1718409"/>
-                </a:lnTo>
-                <a:lnTo>
-                  <a:pt x="1713186" y="1718483"/>
-                </a:lnTo>
-                <a:lnTo>
-                  <a:pt x="1713186" y="1718335"/>
-                </a:lnTo>
-                <a:lnTo>
-                  <a:pt x="1885444" y="1709610"/>
-                </a:lnTo>
-                <a:cubicBezTo>
-                  <a:pt x="2749328" y="1621606"/>
-                  <a:pt x="3423466" y="889773"/>
-                  <a:pt x="3423466" y="0"/>
-                </a:cubicBezTo>
                 <a:close/>
               </a:path>
             </a:pathLst>
           </a:custGeom>
           <a:solidFill>
-            <a:schemeClr val="accent5"/>
+            <a:schemeClr val="accent2"/>
           </a:solidFill>
           <a:ln>
             <a:noFill/>
@@ -12958,26 +16382,20 @@
           </a:fontRef>
         </p:style>
         <p:txBody>
-          <a:bodyPr wrap="square" rtlCol="0" anchor="ctr">
-            <a:noAutofit/>
-          </a:bodyPr>
+          <a:bodyPr rtlCol="0" anchor="ctr"/>
           <a:lstStyle/>
           <a:p>
             <a:pPr algn="ctr"/>
-            <a:endParaRPr lang="en-US">
-              <a:solidFill>
-                <a:schemeClr val="tx1"/>
-              </a:solidFill>
-            </a:endParaRPr>
+            <a:endParaRPr lang="en-US" dirty="0"/>
           </a:p>
         </p:txBody>
       </p:sp>
       <p:sp>
         <p:nvSpPr>
-          <p:cNvPr id="26" name="Freeform: Shape 25">
+          <p:cNvPr id="62" name="Oval 61">
             <a:extLst>
               <a:ext uri="{FF2B5EF4-FFF2-40B4-BE49-F238E27FC236}">
-                <a16:creationId xmlns:a16="http://schemas.microsoft.com/office/drawing/2014/main" id="{B3A964CF-9B08-4310-A326-19181F9076E5}"/>
+                <a16:creationId xmlns:a16="http://schemas.microsoft.com/office/drawing/2014/main" id="{0CADE9B5-9B3C-305D-D2D2-04F51FC858EC}"/>
               </a:ext>
               <a:ext uri="{C183D7F6-B498-43B3-948B-1728B52AA6E4}">
                 <adec:decorative xmlns:adec="http://schemas.microsoft.com/office/drawing/2017/decorative" val="1"/>
@@ -12996,126 +16414,15 @@
           </p:nvPr>
         </p:nvSpPr>
         <p:spPr>
-          <a:xfrm rot="10800000" flipV="1">
-            <a:off x="8735493" y="5139536"/>
-            <a:ext cx="3456020" cy="1718477"/>
+          <a:xfrm>
+            <a:off x="8922467" y="3607646"/>
+            <a:ext cx="3070455" cy="3070455"/>
           </a:xfrm>
-          <a:custGeom>
+          <a:prstGeom prst="ellipse">
             <a:avLst/>
-            <a:gdLst>
-              <a:gd name="connsiteX0" fmla="*/ 3423466 w 3423466"/>
-              <a:gd name="connsiteY0" fmla="*/ 0 h 1718483"/>
-              <a:gd name="connsiteX1" fmla="*/ 1710280 w 3423466"/>
-              <a:gd name="connsiteY1" fmla="*/ 0 h 1718483"/>
-              <a:gd name="connsiteX2" fmla="*/ 1710280 w 3423466"/>
-              <a:gd name="connsiteY2" fmla="*/ 1 h 1718483"/>
-              <a:gd name="connsiteX3" fmla="*/ 0 w 3423466"/>
-              <a:gd name="connsiteY3" fmla="*/ 1 h 1718483"/>
-              <a:gd name="connsiteX4" fmla="*/ 1538022 w 3423466"/>
-              <a:gd name="connsiteY4" fmla="*/ 1709611 h 1718483"/>
-              <a:gd name="connsiteX5" fmla="*/ 1710280 w 3423466"/>
-              <a:gd name="connsiteY5" fmla="*/ 1718336 h 1718483"/>
-              <a:gd name="connsiteX6" fmla="*/ 1710280 w 3423466"/>
-              <a:gd name="connsiteY6" fmla="*/ 1718482 h 1718483"/>
-              <a:gd name="connsiteX7" fmla="*/ 1711723 w 3423466"/>
-              <a:gd name="connsiteY7" fmla="*/ 1718409 h 1718483"/>
-              <a:gd name="connsiteX8" fmla="*/ 1713186 w 3423466"/>
-              <a:gd name="connsiteY8" fmla="*/ 1718483 h 1718483"/>
-              <a:gd name="connsiteX9" fmla="*/ 1713186 w 3423466"/>
-              <a:gd name="connsiteY9" fmla="*/ 1718335 h 1718483"/>
-              <a:gd name="connsiteX10" fmla="*/ 1885444 w 3423466"/>
-              <a:gd name="connsiteY10" fmla="*/ 1709610 h 1718483"/>
-              <a:gd name="connsiteX11" fmla="*/ 3423466 w 3423466"/>
-              <a:gd name="connsiteY11" fmla="*/ 0 h 1718483"/>
-            </a:gdLst>
-            <a:ahLst/>
-            <a:cxnLst>
-              <a:cxn ang="0">
-                <a:pos x="connsiteX0" y="connsiteY0"/>
-              </a:cxn>
-              <a:cxn ang="0">
-                <a:pos x="connsiteX1" y="connsiteY1"/>
-              </a:cxn>
-              <a:cxn ang="0">
-                <a:pos x="connsiteX2" y="connsiteY2"/>
-              </a:cxn>
-              <a:cxn ang="0">
-                <a:pos x="connsiteX3" y="connsiteY3"/>
-              </a:cxn>
-              <a:cxn ang="0">
-                <a:pos x="connsiteX4" y="connsiteY4"/>
-              </a:cxn>
-              <a:cxn ang="0">
-                <a:pos x="connsiteX5" y="connsiteY5"/>
-              </a:cxn>
-              <a:cxn ang="0">
-                <a:pos x="connsiteX6" y="connsiteY6"/>
-              </a:cxn>
-              <a:cxn ang="0">
-                <a:pos x="connsiteX7" y="connsiteY7"/>
-              </a:cxn>
-              <a:cxn ang="0">
-                <a:pos x="connsiteX8" y="connsiteY8"/>
-              </a:cxn>
-              <a:cxn ang="0">
-                <a:pos x="connsiteX9" y="connsiteY9"/>
-              </a:cxn>
-              <a:cxn ang="0">
-                <a:pos x="connsiteX10" y="connsiteY10"/>
-              </a:cxn>
-              <a:cxn ang="0">
-                <a:pos x="connsiteX11" y="connsiteY11"/>
-              </a:cxn>
-            </a:cxnLst>
-            <a:rect l="l" t="t" r="r" b="b"/>
-            <a:pathLst>
-              <a:path w="3423466" h="1718483">
-                <a:moveTo>
-                  <a:pt x="3423466" y="0"/>
-                </a:moveTo>
-                <a:lnTo>
-                  <a:pt x="1710280" y="0"/>
-                </a:lnTo>
-                <a:lnTo>
-                  <a:pt x="1710280" y="1"/>
-                </a:lnTo>
-                <a:lnTo>
-                  <a:pt x="0" y="1"/>
-                </a:lnTo>
-                <a:cubicBezTo>
-                  <a:pt x="0" y="889774"/>
-                  <a:pt x="674138" y="1621607"/>
-                  <a:pt x="1538022" y="1709611"/>
-                </a:cubicBezTo>
-                <a:lnTo>
-                  <a:pt x="1710280" y="1718336"/>
-                </a:lnTo>
-                <a:lnTo>
-                  <a:pt x="1710280" y="1718482"/>
-                </a:lnTo>
-                <a:lnTo>
-                  <a:pt x="1711723" y="1718409"/>
-                </a:lnTo>
-                <a:lnTo>
-                  <a:pt x="1713186" y="1718483"/>
-                </a:lnTo>
-                <a:lnTo>
-                  <a:pt x="1713186" y="1718335"/>
-                </a:lnTo>
-                <a:lnTo>
-                  <a:pt x="1885444" y="1709610"/>
-                </a:lnTo>
-                <a:cubicBezTo>
-                  <a:pt x="2749328" y="1621606"/>
-                  <a:pt x="3423466" y="889773"/>
-                  <a:pt x="3423466" y="0"/>
-                </a:cubicBezTo>
-                <a:close/>
-              </a:path>
-            </a:pathLst>
-          </a:custGeom>
+          </a:prstGeom>
           <a:solidFill>
-            <a:schemeClr val="accent5"/>
+            <a:srgbClr val="FFFFFF"/>
           </a:solidFill>
           <a:ln>
             <a:noFill/>
@@ -13138,17 +16445,11 @@
           </a:fontRef>
         </p:style>
         <p:txBody>
-          <a:bodyPr wrap="square" rtlCol="0" anchor="ctr">
-            <a:noAutofit/>
-          </a:bodyPr>
+          <a:bodyPr rtlCol="0" anchor="ctr"/>
           <a:lstStyle/>
           <a:p>
             <a:pPr algn="ctr"/>
-            <a:endParaRPr lang="en-US">
-              <a:solidFill>
-                <a:schemeClr val="tx1"/>
-              </a:solidFill>
-            </a:endParaRPr>
+            <a:endParaRPr lang="en-US"/>
           </a:p>
         </p:txBody>
       </p:sp>
@@ -13181,7 +16482,7 @@
         </p:blipFill>
         <p:spPr>
           <a:xfrm>
-            <a:off x="274321" y="2514600"/>
+            <a:off x="9247730" y="4244666"/>
             <a:ext cx="2419927" cy="1828800"/>
           </a:xfrm>
           <a:prstGeom prst="rect">
@@ -13192,7 +16493,7 @@
     </p:spTree>
     <p:extLst>
       <p:ext uri="{BB962C8B-B14F-4D97-AF65-F5344CB8AC3E}">
-        <p14:creationId xmlns:p14="http://schemas.microsoft.com/office/powerpoint/2010/main" val="939204346"/>
+        <p14:creationId xmlns:p14="http://schemas.microsoft.com/office/powerpoint/2010/main" val="2957595596"/>
       </p:ext>
     </p:extLst>
   </p:cSld>
@@ -13647,7 +16948,13 @@
     </p:bg>
     <p:spTree>
       <p:nvGrpSpPr>
-        <p:cNvPr id="1" name=""/>
+        <p:cNvPr id="1" name="">
+          <a:extLst>
+            <a:ext uri="{FF2B5EF4-FFF2-40B4-BE49-F238E27FC236}">
+              <a16:creationId xmlns:a16="http://schemas.microsoft.com/office/drawing/2014/main" id="{EDF915D9-8411-9AE1-D7D0-5A8B1AB7E141}"/>
+            </a:ext>
+          </a:extLst>
+        </p:cNvPr>
         <p:cNvGrpSpPr/>
         <p:nvPr/>
       </p:nvGrpSpPr>
@@ -13661,10 +16968,10 @@
       </p:grpSpPr>
       <p:sp>
         <p:nvSpPr>
-          <p:cNvPr id="8" name="Freeform: Shape 7">
+          <p:cNvPr id="50" name="Freeform: Shape 49">
             <a:extLst>
               <a:ext uri="{FF2B5EF4-FFF2-40B4-BE49-F238E27FC236}">
-                <a16:creationId xmlns:a16="http://schemas.microsoft.com/office/drawing/2014/main" id="{AE192E3E-68A9-4F36-936C-1C8D0B9EF132}"/>
+                <a16:creationId xmlns:a16="http://schemas.microsoft.com/office/drawing/2014/main" id="{A6EEED82-32F2-6075-6EC8-D1CFFA50A14F}"/>
               </a:ext>
               <a:ext uri="{C183D7F6-B498-43B3-948B-1728B52AA6E4}">
                 <adec:decorative xmlns:adec="http://schemas.microsoft.com/office/drawing/2017/decorative" val="1"/>
@@ -13785,12 +17092,12 @@
           </a:p>
         </p:txBody>
       </p:sp>
-      <p:sp>
+      <p:sp useBgFill="1">
         <p:nvSpPr>
-          <p:cNvPr id="10" name="Rectangle 9">
+          <p:cNvPr id="52" name="Rectangle 51">
             <a:extLst>
               <a:ext uri="{FF2B5EF4-FFF2-40B4-BE49-F238E27FC236}">
-                <a16:creationId xmlns:a16="http://schemas.microsoft.com/office/drawing/2014/main" id="{1AF30CFE-E4FF-43C7-90BF-54AABC3A3685}"/>
+                <a16:creationId xmlns:a16="http://schemas.microsoft.com/office/drawing/2014/main" id="{90F25EC3-275C-2048-8FA9-03DAD609BD4A}"/>
               </a:ext>
               <a:ext uri="{C183D7F6-B498-43B3-948B-1728B52AA6E4}">
                 <adec:decorative xmlns:adec="http://schemas.microsoft.com/office/drawing/2017/decorative" val="1"/>
@@ -13816,9 +17123,6 @@
           <a:prstGeom prst="rect">
             <a:avLst/>
           </a:prstGeom>
-          <a:solidFill>
-            <a:srgbClr val="FFFFFF"/>
-          </a:solidFill>
           <a:ln w="12700" cap="flat" cmpd="sng" algn="ctr">
             <a:noFill/>
             <a:prstDash val="solid"/>
@@ -13866,10 +17170,10 @@
       </p:sp>
       <p:sp>
         <p:nvSpPr>
-          <p:cNvPr id="12" name="Rectangle 11">
+          <p:cNvPr id="54" name="Rectangle 53">
             <a:extLst>
               <a:ext uri="{FF2B5EF4-FFF2-40B4-BE49-F238E27FC236}">
-                <a16:creationId xmlns:a16="http://schemas.microsoft.com/office/drawing/2014/main" id="{19FC137C-7F97-41FA-86A1-2E01C3837498}"/>
+                <a16:creationId xmlns:a16="http://schemas.microsoft.com/office/drawing/2014/main" id="{4E4E8233-B07F-D2A2-02A6-E6E4A1E1C744}"/>
               </a:ext>
               <a:ext uri="{C183D7F6-B498-43B3-948B-1728B52AA6E4}">
                 <adec:decorative xmlns:adec="http://schemas.microsoft.com/office/drawing/2017/decorative" val="1"/>
@@ -13888,15 +17192,18 @@
           </p:nvPr>
         </p:nvSpPr>
         <p:spPr>
-          <a:xfrm>
-            <a:off x="3478447" y="0"/>
-            <a:ext cx="5266080" cy="6858000"/>
+          <a:xfrm rot="10800000" flipH="1" flipV="1">
+            <a:off x="-4099" y="3429001"/>
+            <a:ext cx="3483870" cy="3428999"/>
           </a:xfrm>
           <a:prstGeom prst="rect">
             <a:avLst/>
           </a:prstGeom>
           <a:solidFill>
-            <a:schemeClr val="tx2"/>
+            <a:schemeClr val="accent4">
+              <a:lumMod val="40000"/>
+              <a:lumOff val="60000"/>
+            </a:schemeClr>
           </a:solidFill>
           <a:ln>
             <a:noFill/>
@@ -13927,12 +17234,12 @@
           </a:p>
         </p:txBody>
       </p:sp>
-      <p:sp useBgFill="1">
+      <p:sp>
         <p:nvSpPr>
-          <p:cNvPr id="14" name="Freeform: Shape 13">
+          <p:cNvPr id="56" name="Freeform: Shape 55">
             <a:extLst>
               <a:ext uri="{FF2B5EF4-FFF2-40B4-BE49-F238E27FC236}">
-                <a16:creationId xmlns:a16="http://schemas.microsoft.com/office/drawing/2014/main" id="{D918EA08-F7D2-4D19-9224-994CE251AC1B}"/>
+                <a16:creationId xmlns:a16="http://schemas.microsoft.com/office/drawing/2014/main" id="{11AA483E-9FD0-27CB-AE77-1207922CEAD7}"/>
               </a:ext>
               <a:ext uri="{C183D7F6-B498-43B3-948B-1728B52AA6E4}">
                 <adec:decorative xmlns:adec="http://schemas.microsoft.com/office/drawing/2017/decorative" val="1"/>
@@ -13951,39 +17258,19 @@
           </p:nvPr>
         </p:nvSpPr>
         <p:spPr>
-          <a:xfrm>
-            <a:off x="-19221" y="-1"/>
-            <a:ext cx="8755258" cy="6858000"/>
+          <a:xfrm flipH="1">
+            <a:off x="0" y="3427750"/>
+            <a:ext cx="3479772" cy="3430249"/>
           </a:xfrm>
           <a:custGeom>
             <a:avLst/>
             <a:gdLst>
-              <a:gd name="connsiteX0" fmla="*/ 0 w 8755258"/>
-              <a:gd name="connsiteY0" fmla="*/ 0 h 6858000"/>
-              <a:gd name="connsiteX1" fmla="*/ 5326258 w 8755258"/>
-              <a:gd name="connsiteY1" fmla="*/ 0 h 6858000"/>
-              <a:gd name="connsiteX2" fmla="*/ 5411299 w 8755258"/>
-              <a:gd name="connsiteY2" fmla="*/ 0 h 6858000"/>
-              <a:gd name="connsiteX3" fmla="*/ 5411299 w 8755258"/>
-              <a:gd name="connsiteY3" fmla="*/ 2150 h 6858000"/>
-              <a:gd name="connsiteX4" fmla="*/ 5502714 w 8755258"/>
-              <a:gd name="connsiteY4" fmla="*/ 4462 h 6858000"/>
-              <a:gd name="connsiteX5" fmla="*/ 8755258 w 8755258"/>
-              <a:gd name="connsiteY5" fmla="*/ 3429000 h 6858000"/>
-              <a:gd name="connsiteX6" fmla="*/ 5502714 w 8755258"/>
-              <a:gd name="connsiteY6" fmla="*/ 6853538 h 6858000"/>
-              <a:gd name="connsiteX7" fmla="*/ 5411299 w 8755258"/>
-              <a:gd name="connsiteY7" fmla="*/ 6855850 h 6858000"/>
-              <a:gd name="connsiteX8" fmla="*/ 5411299 w 8755258"/>
-              <a:gd name="connsiteY8" fmla="*/ 6857987 h 6858000"/>
-              <a:gd name="connsiteX9" fmla="*/ 5326772 w 8755258"/>
-              <a:gd name="connsiteY9" fmla="*/ 6857987 h 6858000"/>
-              <a:gd name="connsiteX10" fmla="*/ 5326258 w 8755258"/>
-              <a:gd name="connsiteY10" fmla="*/ 6858000 h 6858000"/>
-              <a:gd name="connsiteX11" fmla="*/ 5325745 w 8755258"/>
-              <a:gd name="connsiteY11" fmla="*/ 6857987 h 6858000"/>
-              <a:gd name="connsiteX12" fmla="*/ 0 w 8755258"/>
-              <a:gd name="connsiteY12" fmla="*/ 6857987 h 6858000"/>
+              <a:gd name="connsiteX0" fmla="*/ 0 w 2559050"/>
+              <a:gd name="connsiteY0" fmla="*/ 0 h 2559050"/>
+              <a:gd name="connsiteX1" fmla="*/ 2559050 w 2559050"/>
+              <a:gd name="connsiteY1" fmla="*/ 0 h 2559050"/>
+              <a:gd name="connsiteX2" fmla="*/ 0 w 2559050"/>
+              <a:gd name="connsiteY2" fmla="*/ 2559050 h 2559050"/>
             </a:gdLst>
             <a:ahLst/>
             <a:cxnLst>
@@ -13996,87 +17283,28 @@
               <a:cxn ang="0">
                 <a:pos x="connsiteX2" y="connsiteY2"/>
               </a:cxn>
-              <a:cxn ang="0">
-                <a:pos x="connsiteX3" y="connsiteY3"/>
-              </a:cxn>
-              <a:cxn ang="0">
-                <a:pos x="connsiteX4" y="connsiteY4"/>
-              </a:cxn>
-              <a:cxn ang="0">
-                <a:pos x="connsiteX5" y="connsiteY5"/>
-              </a:cxn>
-              <a:cxn ang="0">
-                <a:pos x="connsiteX6" y="connsiteY6"/>
-              </a:cxn>
-              <a:cxn ang="0">
-                <a:pos x="connsiteX7" y="connsiteY7"/>
-              </a:cxn>
-              <a:cxn ang="0">
-                <a:pos x="connsiteX8" y="connsiteY8"/>
-              </a:cxn>
-              <a:cxn ang="0">
-                <a:pos x="connsiteX9" y="connsiteY9"/>
-              </a:cxn>
-              <a:cxn ang="0">
-                <a:pos x="connsiteX10" y="connsiteY10"/>
-              </a:cxn>
-              <a:cxn ang="0">
-                <a:pos x="connsiteX11" y="connsiteY11"/>
-              </a:cxn>
-              <a:cxn ang="0">
-                <a:pos x="connsiteX12" y="connsiteY12"/>
-              </a:cxn>
             </a:cxnLst>
             <a:rect l="l" t="t" r="r" b="b"/>
             <a:pathLst>
-              <a:path w="8755258" h="6858000">
+              <a:path w="2559050" h="2559050">
                 <a:moveTo>
                   <a:pt x="0" y="0"/>
                 </a:moveTo>
                 <a:lnTo>
-                  <a:pt x="5326258" y="0"/>
-                </a:lnTo>
-                <a:lnTo>
-                  <a:pt x="5411299" y="0"/>
-                </a:lnTo>
-                <a:lnTo>
-                  <a:pt x="5411299" y="2150"/>
-                </a:lnTo>
-                <a:lnTo>
-                  <a:pt x="5502714" y="4462"/>
+                  <a:pt x="2559050" y="0"/>
                 </a:lnTo>
                 <a:cubicBezTo>
-                  <a:pt x="7314494" y="96301"/>
-                  <a:pt x="8755258" y="1594397"/>
-                  <a:pt x="8755258" y="3429000"/>
+                  <a:pt x="2559050" y="1413324"/>
+                  <a:pt x="1413324" y="2559050"/>
+                  <a:pt x="0" y="2559050"/>
                 </a:cubicBezTo>
-                <a:cubicBezTo>
-                  <a:pt x="8755258" y="5263603"/>
-                  <a:pt x="7314494" y="6761699"/>
-                  <a:pt x="5502714" y="6853538"/>
-                </a:cubicBezTo>
-                <a:lnTo>
-                  <a:pt x="5411299" y="6855850"/>
-                </a:lnTo>
-                <a:lnTo>
-                  <a:pt x="5411299" y="6857987"/>
-                </a:lnTo>
-                <a:lnTo>
-                  <a:pt x="5326772" y="6857987"/>
-                </a:lnTo>
-                <a:lnTo>
-                  <a:pt x="5326258" y="6858000"/>
-                </a:lnTo>
-                <a:lnTo>
-                  <a:pt x="5325745" y="6857987"/>
-                </a:lnTo>
-                <a:lnTo>
-                  <a:pt x="0" y="6857987"/>
-                </a:lnTo>
                 <a:close/>
               </a:path>
             </a:pathLst>
           </a:custGeom>
+          <a:solidFill>
+            <a:schemeClr val="accent5"/>
+          </a:solidFill>
           <a:ln>
             <a:noFill/>
           </a:ln>
@@ -14104,16 +17332,20 @@
           <a:lstStyle/>
           <a:p>
             <a:pPr algn="ctr"/>
-            <a:endParaRPr lang="en-US"/>
+            <a:endParaRPr lang="en-US">
+              <a:solidFill>
+                <a:schemeClr val="tx1"/>
+              </a:solidFill>
+            </a:endParaRPr>
           </a:p>
         </p:txBody>
       </p:sp>
       <p:sp>
         <p:nvSpPr>
-          <p:cNvPr id="16" name="Rectangle 15">
+          <p:cNvPr id="58" name="Rectangle 57">
             <a:extLst>
               <a:ext uri="{FF2B5EF4-FFF2-40B4-BE49-F238E27FC236}">
-                <a16:creationId xmlns:a16="http://schemas.microsoft.com/office/drawing/2014/main" id="{1A7B0098-64CB-4CA2-913F-B6361A640629}"/>
+                <a16:creationId xmlns:a16="http://schemas.microsoft.com/office/drawing/2014/main" id="{E9FC86F4-B937-52CB-6425-3719DC086D13}"/>
               </a:ext>
               <a:ext uri="{C183D7F6-B498-43B3-948B-1728B52AA6E4}">
                 <adec:decorative xmlns:adec="http://schemas.microsoft.com/office/drawing/2017/decorative" val="1"/>
@@ -14132,15 +17364,18 @@
           </p:nvPr>
         </p:nvSpPr>
         <p:spPr>
-          <a:xfrm>
-            <a:off x="8735493" y="-1"/>
-            <a:ext cx="3458738" cy="3428987"/>
+          <a:xfrm rot="10800000" flipH="1" flipV="1">
+            <a:off x="3479772" y="3429001"/>
+            <a:ext cx="8712227" cy="3428999"/>
           </a:xfrm>
           <a:prstGeom prst="rect">
             <a:avLst/>
           </a:prstGeom>
           <a:solidFill>
-            <a:schemeClr val="accent2"/>
+            <a:schemeClr val="accent1">
+              <a:lumMod val="60000"/>
+              <a:lumOff val="40000"/>
+            </a:schemeClr>
           </a:solidFill>
           <a:ln>
             <a:noFill/>
@@ -14173,10 +17408,10 @@
       </p:sp>
       <p:sp>
         <p:nvSpPr>
-          <p:cNvPr id="18" name="Rectangle 34">
+          <p:cNvPr id="60" name="Rectangle 34">
             <a:extLst>
               <a:ext uri="{FF2B5EF4-FFF2-40B4-BE49-F238E27FC236}">
-                <a16:creationId xmlns:a16="http://schemas.microsoft.com/office/drawing/2014/main" id="{F058BB3D-7B21-46A3-B0D6-AB9D1578D571}"/>
+                <a16:creationId xmlns:a16="http://schemas.microsoft.com/office/drawing/2014/main" id="{4D6A4A4C-4EE5-4428-35DA-6333424DE72D}"/>
               </a:ext>
               <a:ext uri="{C183D7F6-B498-43B3-948B-1728B52AA6E4}">
                 <adec:decorative xmlns:adec="http://schemas.microsoft.com/office/drawing/2017/decorative" val="1"/>
@@ -14195,9 +17430,9 @@
           </p:nvPr>
         </p:nvSpPr>
         <p:spPr>
-          <a:xfrm rot="16200000">
-            <a:off x="8758139" y="-22647"/>
-            <a:ext cx="3428989" cy="3474281"/>
+          <a:xfrm rot="5400000" flipH="1" flipV="1">
+            <a:off x="3502418" y="3405102"/>
+            <a:ext cx="3429002" cy="3474296"/>
           </a:xfrm>
           <a:custGeom>
             <a:avLst/>
@@ -14256,10 +17491,7 @@
             </a:pathLst>
           </a:custGeom>
           <a:solidFill>
-            <a:schemeClr val="accent4">
-              <a:lumMod val="40000"/>
-              <a:lumOff val="60000"/>
-            </a:schemeClr>
+            <a:schemeClr val="accent2"/>
           </a:solidFill>
           <a:ln>
             <a:noFill/>
@@ -14292,10 +17524,10 @@
       </p:sp>
       <p:sp>
         <p:nvSpPr>
-          <p:cNvPr id="20" name="Rectangle 19">
+          <p:cNvPr id="62" name="Oval 61">
             <a:extLst>
               <a:ext uri="{FF2B5EF4-FFF2-40B4-BE49-F238E27FC236}">
-                <a16:creationId xmlns:a16="http://schemas.microsoft.com/office/drawing/2014/main" id="{4D1D6B41-589D-4DD8-9A1B-34C4CF076DB4}"/>
+                <a16:creationId xmlns:a16="http://schemas.microsoft.com/office/drawing/2014/main" id="{E6984847-2209-DC87-EBA0-EEBE69BE6F5F}"/>
               </a:ext>
               <a:ext uri="{C183D7F6-B498-43B3-948B-1728B52AA6E4}">
                 <adec:decorative xmlns:adec="http://schemas.microsoft.com/office/drawing/2017/decorative" val="1"/>
@@ -14315,17 +17547,14 @@
         </p:nvSpPr>
         <p:spPr>
           <a:xfrm>
-            <a:off x="8735493" y="3434976"/>
-            <a:ext cx="3456507" cy="3428987"/>
+            <a:off x="8922467" y="3607646"/>
+            <a:ext cx="3070455" cy="3070455"/>
           </a:xfrm>
-          <a:prstGeom prst="rect">
+          <a:prstGeom prst="ellipse">
             <a:avLst/>
           </a:prstGeom>
           <a:solidFill>
-            <a:schemeClr val="accent1">
-              <a:lumMod val="60000"/>
-              <a:lumOff val="40000"/>
-            </a:schemeClr>
+            <a:srgbClr val="FFFFFF"/>
           </a:solidFill>
           <a:ln>
             <a:noFill/>
@@ -14352,376 +17581,16 @@
           <a:lstStyle/>
           <a:p>
             <a:pPr algn="ctr"/>
-            <a:endParaRPr lang="en-US" dirty="0"/>
-          </a:p>
-        </p:txBody>
-      </p:sp>
-      <p:sp>
-        <p:nvSpPr>
-          <p:cNvPr id="22" name="Freeform: Shape 21">
-            <a:extLst>
-              <a:ext uri="{FF2B5EF4-FFF2-40B4-BE49-F238E27FC236}">
-                <a16:creationId xmlns:a16="http://schemas.microsoft.com/office/drawing/2014/main" id="{AE55F008-418D-4A3D-9F43-E50DF4BA73AE}"/>
-              </a:ext>
-              <a:ext uri="{C183D7F6-B498-43B3-948B-1728B52AA6E4}">
-                <adec:decorative xmlns:adec="http://schemas.microsoft.com/office/drawing/2017/decorative" val="1"/>
-              </a:ext>
-            </a:extLst>
-          </p:cNvPr>
-          <p:cNvSpPr>
-            <a:spLocks noGrp="1" noRot="1" noChangeAspect="1" noMove="1" noResize="1" noEditPoints="1" noAdjustHandles="1" noChangeArrowheads="1" noChangeShapeType="1" noTextEdit="1"/>
-          </p:cNvSpPr>
-          <p:nvPr>
-            <p:extLst>
-              <p:ext uri="{386F3935-93C4-4BCD-93E2-E3B085C9AB24}">
-                <p16:designElem xmlns:p16="http://schemas.microsoft.com/office/powerpoint/2015/main" val="1"/>
-              </p:ext>
-            </p:extLst>
-          </p:nvPr>
-        </p:nvSpPr>
-        <p:spPr>
-          <a:xfrm rot="10800000" flipV="1">
-            <a:off x="8735493" y="3429002"/>
-            <a:ext cx="3456020" cy="1718477"/>
-          </a:xfrm>
-          <a:custGeom>
-            <a:avLst/>
-            <a:gdLst>
-              <a:gd name="connsiteX0" fmla="*/ 3423466 w 3423466"/>
-              <a:gd name="connsiteY0" fmla="*/ 0 h 1718483"/>
-              <a:gd name="connsiteX1" fmla="*/ 1710280 w 3423466"/>
-              <a:gd name="connsiteY1" fmla="*/ 0 h 1718483"/>
-              <a:gd name="connsiteX2" fmla="*/ 1710280 w 3423466"/>
-              <a:gd name="connsiteY2" fmla="*/ 1 h 1718483"/>
-              <a:gd name="connsiteX3" fmla="*/ 0 w 3423466"/>
-              <a:gd name="connsiteY3" fmla="*/ 1 h 1718483"/>
-              <a:gd name="connsiteX4" fmla="*/ 1538022 w 3423466"/>
-              <a:gd name="connsiteY4" fmla="*/ 1709611 h 1718483"/>
-              <a:gd name="connsiteX5" fmla="*/ 1710280 w 3423466"/>
-              <a:gd name="connsiteY5" fmla="*/ 1718336 h 1718483"/>
-              <a:gd name="connsiteX6" fmla="*/ 1710280 w 3423466"/>
-              <a:gd name="connsiteY6" fmla="*/ 1718482 h 1718483"/>
-              <a:gd name="connsiteX7" fmla="*/ 1711723 w 3423466"/>
-              <a:gd name="connsiteY7" fmla="*/ 1718409 h 1718483"/>
-              <a:gd name="connsiteX8" fmla="*/ 1713186 w 3423466"/>
-              <a:gd name="connsiteY8" fmla="*/ 1718483 h 1718483"/>
-              <a:gd name="connsiteX9" fmla="*/ 1713186 w 3423466"/>
-              <a:gd name="connsiteY9" fmla="*/ 1718335 h 1718483"/>
-              <a:gd name="connsiteX10" fmla="*/ 1885444 w 3423466"/>
-              <a:gd name="connsiteY10" fmla="*/ 1709610 h 1718483"/>
-              <a:gd name="connsiteX11" fmla="*/ 3423466 w 3423466"/>
-              <a:gd name="connsiteY11" fmla="*/ 0 h 1718483"/>
-            </a:gdLst>
-            <a:ahLst/>
-            <a:cxnLst>
-              <a:cxn ang="0">
-                <a:pos x="connsiteX0" y="connsiteY0"/>
-              </a:cxn>
-              <a:cxn ang="0">
-                <a:pos x="connsiteX1" y="connsiteY1"/>
-              </a:cxn>
-              <a:cxn ang="0">
-                <a:pos x="connsiteX2" y="connsiteY2"/>
-              </a:cxn>
-              <a:cxn ang="0">
-                <a:pos x="connsiteX3" y="connsiteY3"/>
-              </a:cxn>
-              <a:cxn ang="0">
-                <a:pos x="connsiteX4" y="connsiteY4"/>
-              </a:cxn>
-              <a:cxn ang="0">
-                <a:pos x="connsiteX5" y="connsiteY5"/>
-              </a:cxn>
-              <a:cxn ang="0">
-                <a:pos x="connsiteX6" y="connsiteY6"/>
-              </a:cxn>
-              <a:cxn ang="0">
-                <a:pos x="connsiteX7" y="connsiteY7"/>
-              </a:cxn>
-              <a:cxn ang="0">
-                <a:pos x="connsiteX8" y="connsiteY8"/>
-              </a:cxn>
-              <a:cxn ang="0">
-                <a:pos x="connsiteX9" y="connsiteY9"/>
-              </a:cxn>
-              <a:cxn ang="0">
-                <a:pos x="connsiteX10" y="connsiteY10"/>
-              </a:cxn>
-              <a:cxn ang="0">
-                <a:pos x="connsiteX11" y="connsiteY11"/>
-              </a:cxn>
-            </a:cxnLst>
-            <a:rect l="l" t="t" r="r" b="b"/>
-            <a:pathLst>
-              <a:path w="3423466" h="1718483">
-                <a:moveTo>
-                  <a:pt x="3423466" y="0"/>
-                </a:moveTo>
-                <a:lnTo>
-                  <a:pt x="1710280" y="0"/>
-                </a:lnTo>
-                <a:lnTo>
-                  <a:pt x="1710280" y="1"/>
-                </a:lnTo>
-                <a:lnTo>
-                  <a:pt x="0" y="1"/>
-                </a:lnTo>
-                <a:cubicBezTo>
-                  <a:pt x="0" y="889774"/>
-                  <a:pt x="674138" y="1621607"/>
-                  <a:pt x="1538022" y="1709611"/>
-                </a:cubicBezTo>
-                <a:lnTo>
-                  <a:pt x="1710280" y="1718336"/>
-                </a:lnTo>
-                <a:lnTo>
-                  <a:pt x="1710280" y="1718482"/>
-                </a:lnTo>
-                <a:lnTo>
-                  <a:pt x="1711723" y="1718409"/>
-                </a:lnTo>
-                <a:lnTo>
-                  <a:pt x="1713186" y="1718483"/>
-                </a:lnTo>
-                <a:lnTo>
-                  <a:pt x="1713186" y="1718335"/>
-                </a:lnTo>
-                <a:lnTo>
-                  <a:pt x="1885444" y="1709610"/>
-                </a:lnTo>
-                <a:cubicBezTo>
-                  <a:pt x="2749328" y="1621606"/>
-                  <a:pt x="3423466" y="889773"/>
-                  <a:pt x="3423466" y="0"/>
-                </a:cubicBezTo>
-                <a:close/>
-              </a:path>
-            </a:pathLst>
-          </a:custGeom>
-          <a:solidFill>
-            <a:schemeClr val="accent5"/>
-          </a:solidFill>
-          <a:ln>
-            <a:noFill/>
-          </a:ln>
-        </p:spPr>
-        <p:style>
-          <a:lnRef idx="2">
-            <a:schemeClr val="accent1">
-              <a:shade val="50000"/>
-            </a:schemeClr>
-          </a:lnRef>
-          <a:fillRef idx="1">
-            <a:schemeClr val="accent1"/>
-          </a:fillRef>
-          <a:effectRef idx="0">
-            <a:schemeClr val="accent1"/>
-          </a:effectRef>
-          <a:fontRef idx="minor">
-            <a:schemeClr val="lt1"/>
-          </a:fontRef>
-        </p:style>
-        <p:txBody>
-          <a:bodyPr wrap="square" rtlCol="0" anchor="ctr">
-            <a:noAutofit/>
-          </a:bodyPr>
-          <a:lstStyle/>
-          <a:p>
-            <a:pPr algn="ctr"/>
-            <a:endParaRPr lang="en-US">
-              <a:solidFill>
-                <a:schemeClr val="tx1"/>
-              </a:solidFill>
-            </a:endParaRPr>
-          </a:p>
-        </p:txBody>
-      </p:sp>
-      <p:sp>
-        <p:nvSpPr>
-          <p:cNvPr id="24" name="Freeform: Shape 23">
-            <a:extLst>
-              <a:ext uri="{FF2B5EF4-FFF2-40B4-BE49-F238E27FC236}">
-                <a16:creationId xmlns:a16="http://schemas.microsoft.com/office/drawing/2014/main" id="{B3A964CF-9B08-4310-A326-19181F9076E5}"/>
-              </a:ext>
-              <a:ext uri="{C183D7F6-B498-43B3-948B-1728B52AA6E4}">
-                <adec:decorative xmlns:adec="http://schemas.microsoft.com/office/drawing/2017/decorative" val="1"/>
-              </a:ext>
-            </a:extLst>
-          </p:cNvPr>
-          <p:cNvSpPr>
-            <a:spLocks noGrp="1" noRot="1" noChangeAspect="1" noMove="1" noResize="1" noEditPoints="1" noAdjustHandles="1" noChangeArrowheads="1" noChangeShapeType="1" noTextEdit="1"/>
-          </p:cNvSpPr>
-          <p:nvPr>
-            <p:extLst>
-              <p:ext uri="{386F3935-93C4-4BCD-93E2-E3B085C9AB24}">
-                <p16:designElem xmlns:p16="http://schemas.microsoft.com/office/powerpoint/2015/main" val="1"/>
-              </p:ext>
-            </p:extLst>
-          </p:nvPr>
-        </p:nvSpPr>
-        <p:spPr>
-          <a:xfrm rot="10800000" flipV="1">
-            <a:off x="8735493" y="5139536"/>
-            <a:ext cx="3456020" cy="1718477"/>
-          </a:xfrm>
-          <a:custGeom>
-            <a:avLst/>
-            <a:gdLst>
-              <a:gd name="connsiteX0" fmla="*/ 3423466 w 3423466"/>
-              <a:gd name="connsiteY0" fmla="*/ 0 h 1718483"/>
-              <a:gd name="connsiteX1" fmla="*/ 1710280 w 3423466"/>
-              <a:gd name="connsiteY1" fmla="*/ 0 h 1718483"/>
-              <a:gd name="connsiteX2" fmla="*/ 1710280 w 3423466"/>
-              <a:gd name="connsiteY2" fmla="*/ 1 h 1718483"/>
-              <a:gd name="connsiteX3" fmla="*/ 0 w 3423466"/>
-              <a:gd name="connsiteY3" fmla="*/ 1 h 1718483"/>
-              <a:gd name="connsiteX4" fmla="*/ 1538022 w 3423466"/>
-              <a:gd name="connsiteY4" fmla="*/ 1709611 h 1718483"/>
-              <a:gd name="connsiteX5" fmla="*/ 1710280 w 3423466"/>
-              <a:gd name="connsiteY5" fmla="*/ 1718336 h 1718483"/>
-              <a:gd name="connsiteX6" fmla="*/ 1710280 w 3423466"/>
-              <a:gd name="connsiteY6" fmla="*/ 1718482 h 1718483"/>
-              <a:gd name="connsiteX7" fmla="*/ 1711723 w 3423466"/>
-              <a:gd name="connsiteY7" fmla="*/ 1718409 h 1718483"/>
-              <a:gd name="connsiteX8" fmla="*/ 1713186 w 3423466"/>
-              <a:gd name="connsiteY8" fmla="*/ 1718483 h 1718483"/>
-              <a:gd name="connsiteX9" fmla="*/ 1713186 w 3423466"/>
-              <a:gd name="connsiteY9" fmla="*/ 1718335 h 1718483"/>
-              <a:gd name="connsiteX10" fmla="*/ 1885444 w 3423466"/>
-              <a:gd name="connsiteY10" fmla="*/ 1709610 h 1718483"/>
-              <a:gd name="connsiteX11" fmla="*/ 3423466 w 3423466"/>
-              <a:gd name="connsiteY11" fmla="*/ 0 h 1718483"/>
-            </a:gdLst>
-            <a:ahLst/>
-            <a:cxnLst>
-              <a:cxn ang="0">
-                <a:pos x="connsiteX0" y="connsiteY0"/>
-              </a:cxn>
-              <a:cxn ang="0">
-                <a:pos x="connsiteX1" y="connsiteY1"/>
-              </a:cxn>
-              <a:cxn ang="0">
-                <a:pos x="connsiteX2" y="connsiteY2"/>
-              </a:cxn>
-              <a:cxn ang="0">
-                <a:pos x="connsiteX3" y="connsiteY3"/>
-              </a:cxn>
-              <a:cxn ang="0">
-                <a:pos x="connsiteX4" y="connsiteY4"/>
-              </a:cxn>
-              <a:cxn ang="0">
-                <a:pos x="connsiteX5" y="connsiteY5"/>
-              </a:cxn>
-              <a:cxn ang="0">
-                <a:pos x="connsiteX6" y="connsiteY6"/>
-              </a:cxn>
-              <a:cxn ang="0">
-                <a:pos x="connsiteX7" y="connsiteY7"/>
-              </a:cxn>
-              <a:cxn ang="0">
-                <a:pos x="connsiteX8" y="connsiteY8"/>
-              </a:cxn>
-              <a:cxn ang="0">
-                <a:pos x="connsiteX9" y="connsiteY9"/>
-              </a:cxn>
-              <a:cxn ang="0">
-                <a:pos x="connsiteX10" y="connsiteY10"/>
-              </a:cxn>
-              <a:cxn ang="0">
-                <a:pos x="connsiteX11" y="connsiteY11"/>
-              </a:cxn>
-            </a:cxnLst>
-            <a:rect l="l" t="t" r="r" b="b"/>
-            <a:pathLst>
-              <a:path w="3423466" h="1718483">
-                <a:moveTo>
-                  <a:pt x="3423466" y="0"/>
-                </a:moveTo>
-                <a:lnTo>
-                  <a:pt x="1710280" y="0"/>
-                </a:lnTo>
-                <a:lnTo>
-                  <a:pt x="1710280" y="1"/>
-                </a:lnTo>
-                <a:lnTo>
-                  <a:pt x="0" y="1"/>
-                </a:lnTo>
-                <a:cubicBezTo>
-                  <a:pt x="0" y="889774"/>
-                  <a:pt x="674138" y="1621607"/>
-                  <a:pt x="1538022" y="1709611"/>
-                </a:cubicBezTo>
-                <a:lnTo>
-                  <a:pt x="1710280" y="1718336"/>
-                </a:lnTo>
-                <a:lnTo>
-                  <a:pt x="1710280" y="1718482"/>
-                </a:lnTo>
-                <a:lnTo>
-                  <a:pt x="1711723" y="1718409"/>
-                </a:lnTo>
-                <a:lnTo>
-                  <a:pt x="1713186" y="1718483"/>
-                </a:lnTo>
-                <a:lnTo>
-                  <a:pt x="1713186" y="1718335"/>
-                </a:lnTo>
-                <a:lnTo>
-                  <a:pt x="1885444" y="1709610"/>
-                </a:lnTo>
-                <a:cubicBezTo>
-                  <a:pt x="2749328" y="1621606"/>
-                  <a:pt x="3423466" y="889773"/>
-                  <a:pt x="3423466" y="0"/>
-                </a:cubicBezTo>
-                <a:close/>
-              </a:path>
-            </a:pathLst>
-          </a:custGeom>
-          <a:solidFill>
-            <a:schemeClr val="accent5"/>
-          </a:solidFill>
-          <a:ln>
-            <a:noFill/>
-          </a:ln>
-        </p:spPr>
-        <p:style>
-          <a:lnRef idx="2">
-            <a:schemeClr val="accent1">
-              <a:shade val="50000"/>
-            </a:schemeClr>
-          </a:lnRef>
-          <a:fillRef idx="1">
-            <a:schemeClr val="accent1"/>
-          </a:fillRef>
-          <a:effectRef idx="0">
-            <a:schemeClr val="accent1"/>
-          </a:effectRef>
-          <a:fontRef idx="minor">
-            <a:schemeClr val="lt1"/>
-          </a:fontRef>
-        </p:style>
-        <p:txBody>
-          <a:bodyPr wrap="square" rtlCol="0" anchor="ctr">
-            <a:noAutofit/>
-          </a:bodyPr>
-          <a:lstStyle/>
-          <a:p>
-            <a:pPr algn="ctr"/>
-            <a:endParaRPr lang="en-US">
-              <a:solidFill>
-                <a:schemeClr val="tx1"/>
-              </a:solidFill>
-            </a:endParaRPr>
+            <a:endParaRPr lang="en-US"/>
           </a:p>
         </p:txBody>
       </p:sp>
       <p:pic>
         <p:nvPicPr>
-          <p:cNvPr id="5" name="Picture 4" descr="A logo on a black background&#10;&#10;AI-generated content may be incorrect.">
+          <p:cNvPr id="7" name="Picture 6">
             <a:extLst>
               <a:ext uri="{FF2B5EF4-FFF2-40B4-BE49-F238E27FC236}">
-                <a16:creationId xmlns:a16="http://schemas.microsoft.com/office/drawing/2014/main" id="{0118FC8E-FE07-F90E-F938-AB6DC8B7A45F}"/>
+                <a16:creationId xmlns:a16="http://schemas.microsoft.com/office/drawing/2014/main" id="{64CB62F8-4FBD-D9E9-0E1C-089E5A39F289}"/>
               </a:ext>
             </a:extLst>
           </p:cNvPr>
@@ -14738,15 +17607,13 @@
               </a:ext>
             </a:extLst>
           </a:blip>
-          <a:srcRect l="3438" t="31832" b="32293"/>
-          <a:stretch>
-            <a:fillRect/>
-          </a:stretch>
+          <a:srcRect t="25312" b="25312"/>
+          <a:stretch/>
         </p:blipFill>
         <p:spPr>
           <a:xfrm>
-            <a:off x="274320" y="2909161"/>
-            <a:ext cx="2943225" cy="1093470"/>
+            <a:off x="9086094" y="4465010"/>
+            <a:ext cx="2743200" cy="1354479"/>
           </a:xfrm>
           <a:prstGeom prst="rect">
             <a:avLst/>
@@ -14756,7 +17623,7 @@
     </p:spTree>
     <p:extLst>
       <p:ext uri="{BB962C8B-B14F-4D97-AF65-F5344CB8AC3E}">
-        <p14:creationId xmlns:p14="http://schemas.microsoft.com/office/powerpoint/2010/main" val="1913117157"/>
+        <p14:creationId xmlns:p14="http://schemas.microsoft.com/office/powerpoint/2010/main" val="1469252314"/>
       </p:ext>
     </p:extLst>
   </p:cSld>
@@ -15844,7 +18711,7 @@
       </p:grpSpPr>
       <p:sp>
         <p:nvSpPr>
-          <p:cNvPr id="38" name="Freeform: Shape 37">
+          <p:cNvPr id="50" name="Freeform: Shape 49">
             <a:extLst>
               <a:ext uri="{FF2B5EF4-FFF2-40B4-BE49-F238E27FC236}">
                 <a16:creationId xmlns:a16="http://schemas.microsoft.com/office/drawing/2014/main" id="{AE192E3E-68A9-4F36-936C-1C8D0B9EF132}"/>
@@ -15970,10 +18837,10 @@
       </p:sp>
       <p:sp useBgFill="1">
         <p:nvSpPr>
-          <p:cNvPr id="39" name="Rectangle 38">
+          <p:cNvPr id="52" name="Rectangle 51">
             <a:extLst>
               <a:ext uri="{FF2B5EF4-FFF2-40B4-BE49-F238E27FC236}">
-                <a16:creationId xmlns:a16="http://schemas.microsoft.com/office/drawing/2014/main" id="{658431C7-8BD2-4DAF-A1DC-344F66D08BF4}"/>
+                <a16:creationId xmlns:a16="http://schemas.microsoft.com/office/drawing/2014/main" id="{AA447381-A1D4-4821-B1C9-7370B36F28B5}"/>
               </a:ext>
               <a:ext uri="{C183D7F6-B498-43B3-948B-1728B52AA6E4}">
                 <adec:decorative xmlns:adec="http://schemas.microsoft.com/office/drawing/2017/decorative" val="1"/>
@@ -16046,10 +18913,10 @@
       </p:sp>
       <p:sp>
         <p:nvSpPr>
-          <p:cNvPr id="40" name="Rectangle 39">
+          <p:cNvPr id="54" name="Rectangle 53">
             <a:extLst>
               <a:ext uri="{FF2B5EF4-FFF2-40B4-BE49-F238E27FC236}">
-                <a16:creationId xmlns:a16="http://schemas.microsoft.com/office/drawing/2014/main" id="{AF79A868-152F-4392-8D0D-C56B1C229B98}"/>
+                <a16:creationId xmlns:a16="http://schemas.microsoft.com/office/drawing/2014/main" id="{B36BA507-8EBB-41BC-B10D-D9ED7F17EE89}"/>
               </a:ext>
               <a:ext uri="{C183D7F6-B498-43B3-948B-1728B52AA6E4}">
                 <adec:decorative xmlns:adec="http://schemas.microsoft.com/office/drawing/2017/decorative" val="1"/>
@@ -16068,257 +18935,9 @@
           </p:nvPr>
         </p:nvSpPr>
         <p:spPr>
-          <a:xfrm flipH="1">
-            <a:off x="5222432" y="1"/>
-            <a:ext cx="3483870" cy="3429000"/>
-          </a:xfrm>
-          <a:prstGeom prst="rect">
-            <a:avLst/>
-          </a:prstGeom>
-          <a:solidFill>
-            <a:schemeClr val="accent2"/>
-          </a:solidFill>
-          <a:ln>
-            <a:noFill/>
-          </a:ln>
-        </p:spPr>
-        <p:style>
-          <a:lnRef idx="2">
-            <a:schemeClr val="accent1">
-              <a:shade val="50000"/>
-            </a:schemeClr>
-          </a:lnRef>
-          <a:fillRef idx="1">
-            <a:schemeClr val="accent1"/>
-          </a:fillRef>
-          <a:effectRef idx="0">
-            <a:schemeClr val="accent1"/>
-          </a:effectRef>
-          <a:fontRef idx="minor">
-            <a:schemeClr val="lt1"/>
-          </a:fontRef>
-        </p:style>
-        <p:txBody>
-          <a:bodyPr rtlCol="0" anchor="ctr"/>
-          <a:lstStyle/>
-          <a:p>
-            <a:pPr algn="ctr"/>
-            <a:endParaRPr lang="en-US" dirty="0"/>
-          </a:p>
-        </p:txBody>
-      </p:sp>
-      <p:sp>
-        <p:nvSpPr>
-          <p:cNvPr id="41" name="Rectangle 40">
-            <a:extLst>
-              <a:ext uri="{FF2B5EF4-FFF2-40B4-BE49-F238E27FC236}">
-                <a16:creationId xmlns:a16="http://schemas.microsoft.com/office/drawing/2014/main" id="{875B7E46-FCBF-464B-8083-9AF1A059E1D9}"/>
-              </a:ext>
-              <a:ext uri="{C183D7F6-B498-43B3-948B-1728B52AA6E4}">
-                <adec:decorative xmlns:adec="http://schemas.microsoft.com/office/drawing/2017/decorative" val="1"/>
-              </a:ext>
-            </a:extLst>
-          </p:cNvPr>
-          <p:cNvSpPr>
-            <a:spLocks noGrp="1" noRot="1" noChangeAspect="1" noMove="1" noResize="1" noEditPoints="1" noAdjustHandles="1" noChangeArrowheads="1" noChangeShapeType="1" noTextEdit="1"/>
-          </p:cNvSpPr>
-          <p:nvPr>
-            <p:extLst>
-              <p:ext uri="{386F3935-93C4-4BCD-93E2-E3B085C9AB24}">
-                <p16:designElem xmlns:p16="http://schemas.microsoft.com/office/powerpoint/2015/main" val="1"/>
-              </p:ext>
-            </p:extLst>
-          </p:nvPr>
-        </p:nvSpPr>
-        <p:spPr>
-          <a:xfrm flipH="1">
-            <a:off x="8703558" y="-1263"/>
-            <a:ext cx="3484819" cy="3430264"/>
-          </a:xfrm>
-          <a:prstGeom prst="rect">
-            <a:avLst/>
-          </a:prstGeom>
-          <a:solidFill>
-            <a:schemeClr val="accent1">
-              <a:lumMod val="60000"/>
-              <a:lumOff val="40000"/>
-            </a:schemeClr>
-          </a:solidFill>
-          <a:ln>
-            <a:noFill/>
-          </a:ln>
-        </p:spPr>
-        <p:style>
-          <a:lnRef idx="2">
-            <a:schemeClr val="accent1">
-              <a:shade val="50000"/>
-            </a:schemeClr>
-          </a:lnRef>
-          <a:fillRef idx="1">
-            <a:schemeClr val="accent1"/>
-          </a:fillRef>
-          <a:effectRef idx="0">
-            <a:schemeClr val="accent1"/>
-          </a:effectRef>
-          <a:fontRef idx="minor">
-            <a:schemeClr val="lt1"/>
-          </a:fontRef>
-        </p:style>
-        <p:txBody>
-          <a:bodyPr rtlCol="0" anchor="ctr"/>
-          <a:lstStyle/>
-          <a:p>
-            <a:pPr algn="ctr"/>
-            <a:endParaRPr lang="en-US" dirty="0"/>
-          </a:p>
-        </p:txBody>
-      </p:sp>
-      <p:sp>
-        <p:nvSpPr>
-          <p:cNvPr id="42" name="Rectangle 34">
-            <a:extLst>
-              <a:ext uri="{FF2B5EF4-FFF2-40B4-BE49-F238E27FC236}">
-                <a16:creationId xmlns:a16="http://schemas.microsoft.com/office/drawing/2014/main" id="{613F7046-4879-4110-98EC-7B7416E55FD9}"/>
-              </a:ext>
-              <a:ext uri="{C183D7F6-B498-43B3-948B-1728B52AA6E4}">
-                <adec:decorative xmlns:adec="http://schemas.microsoft.com/office/drawing/2017/decorative" val="1"/>
-              </a:ext>
-            </a:extLst>
-          </p:cNvPr>
-          <p:cNvSpPr>
-            <a:spLocks noGrp="1" noRot="1" noChangeAspect="1" noMove="1" noResize="1" noEditPoints="1" noAdjustHandles="1" noChangeArrowheads="1" noChangeShapeType="1" noTextEdit="1"/>
-          </p:cNvSpPr>
-          <p:nvPr>
-            <p:extLst>
-              <p:ext uri="{386F3935-93C4-4BCD-93E2-E3B085C9AB24}">
-                <p16:designElem xmlns:p16="http://schemas.microsoft.com/office/powerpoint/2015/main" val="1"/>
-              </p:ext>
-            </p:extLst>
-          </p:nvPr>
-        </p:nvSpPr>
-        <p:spPr>
-          <a:xfrm flipH="1">
-            <a:off x="8703558" y="-1263"/>
-            <a:ext cx="3484819" cy="3430264"/>
-          </a:xfrm>
-          <a:custGeom>
-            <a:avLst/>
-            <a:gdLst>
-              <a:gd name="connsiteX0" fmla="*/ 0 w 3484819"/>
-              <a:gd name="connsiteY0" fmla="*/ 0 h 3430264"/>
-              <a:gd name="connsiteX1" fmla="*/ 3484819 w 3484819"/>
-              <a:gd name="connsiteY1" fmla="*/ 0 h 3430264"/>
-              <a:gd name="connsiteX2" fmla="*/ 3484819 w 3484819"/>
-              <a:gd name="connsiteY2" fmla="*/ 3430264 h 3430264"/>
-              <a:gd name="connsiteX3" fmla="*/ 0 w 3484819"/>
-              <a:gd name="connsiteY3" fmla="*/ 3430264 h 3430264"/>
-              <a:gd name="connsiteX4" fmla="*/ 0 w 3484819"/>
-              <a:gd name="connsiteY4" fmla="*/ 0 h 3430264"/>
-              <a:gd name="connsiteX0" fmla="*/ 0 w 3484819"/>
-              <a:gd name="connsiteY0" fmla="*/ 0 h 3430264"/>
-              <a:gd name="connsiteX1" fmla="*/ 3484819 w 3484819"/>
-              <a:gd name="connsiteY1" fmla="*/ 0 h 3430264"/>
-              <a:gd name="connsiteX2" fmla="*/ 0 w 3484819"/>
-              <a:gd name="connsiteY2" fmla="*/ 3430264 h 3430264"/>
-              <a:gd name="connsiteX3" fmla="*/ 0 w 3484819"/>
-              <a:gd name="connsiteY3" fmla="*/ 0 h 3430264"/>
-            </a:gdLst>
-            <a:ahLst/>
-            <a:cxnLst>
-              <a:cxn ang="0">
-                <a:pos x="connsiteX0" y="connsiteY0"/>
-              </a:cxn>
-              <a:cxn ang="0">
-                <a:pos x="connsiteX1" y="connsiteY1"/>
-              </a:cxn>
-              <a:cxn ang="0">
-                <a:pos x="connsiteX2" y="connsiteY2"/>
-              </a:cxn>
-              <a:cxn ang="0">
-                <a:pos x="connsiteX3" y="connsiteY3"/>
-              </a:cxn>
-            </a:cxnLst>
-            <a:rect l="l" t="t" r="r" b="b"/>
-            <a:pathLst>
-              <a:path w="3484819" h="3430264">
-                <a:moveTo>
-                  <a:pt x="0" y="0"/>
-                </a:moveTo>
-                <a:lnTo>
-                  <a:pt x="3484819" y="0"/>
-                </a:lnTo>
-                <a:lnTo>
-                  <a:pt x="0" y="3430264"/>
-                </a:lnTo>
-                <a:lnTo>
-                  <a:pt x="0" y="0"/>
-                </a:lnTo>
-                <a:close/>
-              </a:path>
-            </a:pathLst>
-          </a:custGeom>
-          <a:solidFill>
-            <a:schemeClr val="accent4">
-              <a:lumMod val="40000"/>
-              <a:lumOff val="60000"/>
-            </a:schemeClr>
-          </a:solidFill>
-          <a:ln>
-            <a:noFill/>
-          </a:ln>
-        </p:spPr>
-        <p:style>
-          <a:lnRef idx="2">
-            <a:schemeClr val="accent1">
-              <a:shade val="50000"/>
-            </a:schemeClr>
-          </a:lnRef>
-          <a:fillRef idx="1">
-            <a:schemeClr val="accent1"/>
-          </a:fillRef>
-          <a:effectRef idx="0">
-            <a:schemeClr val="accent1"/>
-          </a:effectRef>
-          <a:fontRef idx="minor">
-            <a:schemeClr val="lt1"/>
-          </a:fontRef>
-        </p:style>
-        <p:txBody>
-          <a:bodyPr rtlCol="0" anchor="ctr"/>
-          <a:lstStyle/>
-          <a:p>
-            <a:pPr algn="ctr"/>
-            <a:endParaRPr lang="en-US" dirty="0"/>
-          </a:p>
-        </p:txBody>
-      </p:sp>
-      <p:sp>
-        <p:nvSpPr>
-          <p:cNvPr id="43" name="Rectangle 42">
-            <a:extLst>
-              <a:ext uri="{FF2B5EF4-FFF2-40B4-BE49-F238E27FC236}">
-                <a16:creationId xmlns:a16="http://schemas.microsoft.com/office/drawing/2014/main" id="{DDE0C15E-B6BE-4D7A-86FE-9076B26893BD}"/>
-              </a:ext>
-              <a:ext uri="{C183D7F6-B498-43B3-948B-1728B52AA6E4}">
-                <adec:decorative xmlns:adec="http://schemas.microsoft.com/office/drawing/2017/decorative" val="1"/>
-              </a:ext>
-            </a:extLst>
-          </p:cNvPr>
-          <p:cNvSpPr>
-            <a:spLocks noGrp="1" noRot="1" noChangeAspect="1" noMove="1" noResize="1" noEditPoints="1" noAdjustHandles="1" noChangeArrowheads="1" noChangeShapeType="1" noTextEdit="1"/>
-          </p:cNvSpPr>
-          <p:nvPr>
-            <p:extLst>
-              <p:ext uri="{386F3935-93C4-4BCD-93E2-E3B085C9AB24}">
-                <p16:designElem xmlns:p16="http://schemas.microsoft.com/office/powerpoint/2015/main" val="1"/>
-              </p:ext>
-            </p:extLst>
-          </p:nvPr>
-        </p:nvSpPr>
-        <p:spPr>
-          <a:xfrm flipH="1">
-            <a:off x="5222432" y="3427736"/>
-            <a:ext cx="3482163" cy="3430264"/>
+          <a:xfrm rot="10800000" flipH="1" flipV="1">
+            <a:off x="-4099" y="3429001"/>
+            <a:ext cx="3483870" cy="3428999"/>
           </a:xfrm>
           <a:prstGeom prst="rect">
             <a:avLst/>
@@ -16360,10 +18979,10 @@
       </p:sp>
       <p:sp>
         <p:nvSpPr>
-          <p:cNvPr id="44" name="Freeform: Shape 43">
+          <p:cNvPr id="56" name="Freeform: Shape 55">
             <a:extLst>
               <a:ext uri="{FF2B5EF4-FFF2-40B4-BE49-F238E27FC236}">
-                <a16:creationId xmlns:a16="http://schemas.microsoft.com/office/drawing/2014/main" id="{13063C24-C163-4A04-8D0B-40A52400D67B}"/>
+                <a16:creationId xmlns:a16="http://schemas.microsoft.com/office/drawing/2014/main" id="{D8A12D28-1F38-4C3F-8519-C9BF0D95735C}"/>
               </a:ext>
               <a:ext uri="{C183D7F6-B498-43B3-948B-1728B52AA6E4}">
                 <adec:decorative xmlns:adec="http://schemas.microsoft.com/office/drawing/2017/decorative" val="1"/>
@@ -16382,9 +19001,9 @@
           </p:nvPr>
         </p:nvSpPr>
         <p:spPr>
-          <a:xfrm rot="16200000" flipH="1" flipV="1">
-            <a:off x="5250422" y="3397260"/>
-            <a:ext cx="3432752" cy="3488732"/>
+          <a:xfrm flipH="1">
+            <a:off x="0" y="3427750"/>
+            <a:ext cx="3479772" cy="3430249"/>
           </a:xfrm>
           <a:custGeom>
             <a:avLst/>
@@ -16466,10 +19085,10 @@
       </p:sp>
       <p:sp>
         <p:nvSpPr>
-          <p:cNvPr id="45" name="Rectangle 44">
+          <p:cNvPr id="58" name="Rectangle 57">
             <a:extLst>
               <a:ext uri="{FF2B5EF4-FFF2-40B4-BE49-F238E27FC236}">
-                <a16:creationId xmlns:a16="http://schemas.microsoft.com/office/drawing/2014/main" id="{34A651CC-55D6-4837-9B0A-0B3D2BD92FFB}"/>
+                <a16:creationId xmlns:a16="http://schemas.microsoft.com/office/drawing/2014/main" id="{F6B5EBAF-DB0B-4E76-8845-85F43B5033DD}"/>
               </a:ext>
               <a:ext uri="{C183D7F6-B498-43B3-948B-1728B52AA6E4}">
                 <adec:decorative xmlns:adec="http://schemas.microsoft.com/office/drawing/2017/decorative" val="1"/>
@@ -16488,15 +19107,18 @@
           </p:nvPr>
         </p:nvSpPr>
         <p:spPr>
-          <a:xfrm flipH="1">
-            <a:off x="8703558" y="3425248"/>
-            <a:ext cx="3488442" cy="3432752"/>
+          <a:xfrm rot="10800000" flipH="1" flipV="1">
+            <a:off x="3479772" y="3429001"/>
+            <a:ext cx="8712227" cy="3428999"/>
           </a:xfrm>
           <a:prstGeom prst="rect">
             <a:avLst/>
           </a:prstGeom>
           <a:solidFill>
-            <a:schemeClr val="tx2"/>
+            <a:schemeClr val="accent1">
+              <a:lumMod val="60000"/>
+              <a:lumOff val="40000"/>
+            </a:schemeClr>
           </a:solidFill>
           <a:ln>
             <a:noFill/>
@@ -16527,6 +19149,185 @@
           </a:p>
         </p:txBody>
       </p:sp>
+      <p:sp>
+        <p:nvSpPr>
+          <p:cNvPr id="60" name="Rectangle 34">
+            <a:extLst>
+              <a:ext uri="{FF2B5EF4-FFF2-40B4-BE49-F238E27FC236}">
+                <a16:creationId xmlns:a16="http://schemas.microsoft.com/office/drawing/2014/main" id="{7C3391C8-8289-499C-B830-A3EACA618EE4}"/>
+              </a:ext>
+              <a:ext uri="{C183D7F6-B498-43B3-948B-1728B52AA6E4}">
+                <adec:decorative xmlns:adec="http://schemas.microsoft.com/office/drawing/2017/decorative" val="1"/>
+              </a:ext>
+            </a:extLst>
+          </p:cNvPr>
+          <p:cNvSpPr>
+            <a:spLocks noGrp="1" noRot="1" noChangeAspect="1" noMove="1" noResize="1" noEditPoints="1" noAdjustHandles="1" noChangeArrowheads="1" noChangeShapeType="1" noTextEdit="1"/>
+          </p:cNvSpPr>
+          <p:nvPr>
+            <p:extLst>
+              <p:ext uri="{386F3935-93C4-4BCD-93E2-E3B085C9AB24}">
+                <p16:designElem xmlns:p16="http://schemas.microsoft.com/office/powerpoint/2015/main" val="1"/>
+              </p:ext>
+            </p:extLst>
+          </p:nvPr>
+        </p:nvSpPr>
+        <p:spPr>
+          <a:xfrm rot="5400000" flipH="1" flipV="1">
+            <a:off x="3502418" y="3405102"/>
+            <a:ext cx="3429002" cy="3474296"/>
+          </a:xfrm>
+          <a:custGeom>
+            <a:avLst/>
+            <a:gdLst>
+              <a:gd name="connsiteX0" fmla="*/ 0 w 3484819"/>
+              <a:gd name="connsiteY0" fmla="*/ 0 h 3430264"/>
+              <a:gd name="connsiteX1" fmla="*/ 3484819 w 3484819"/>
+              <a:gd name="connsiteY1" fmla="*/ 0 h 3430264"/>
+              <a:gd name="connsiteX2" fmla="*/ 3484819 w 3484819"/>
+              <a:gd name="connsiteY2" fmla="*/ 3430264 h 3430264"/>
+              <a:gd name="connsiteX3" fmla="*/ 0 w 3484819"/>
+              <a:gd name="connsiteY3" fmla="*/ 3430264 h 3430264"/>
+              <a:gd name="connsiteX4" fmla="*/ 0 w 3484819"/>
+              <a:gd name="connsiteY4" fmla="*/ 0 h 3430264"/>
+              <a:gd name="connsiteX0" fmla="*/ 0 w 3484819"/>
+              <a:gd name="connsiteY0" fmla="*/ 0 h 3430264"/>
+              <a:gd name="connsiteX1" fmla="*/ 3484819 w 3484819"/>
+              <a:gd name="connsiteY1" fmla="*/ 0 h 3430264"/>
+              <a:gd name="connsiteX2" fmla="*/ 0 w 3484819"/>
+              <a:gd name="connsiteY2" fmla="*/ 3430264 h 3430264"/>
+              <a:gd name="connsiteX3" fmla="*/ 0 w 3484819"/>
+              <a:gd name="connsiteY3" fmla="*/ 0 h 3430264"/>
+            </a:gdLst>
+            <a:ahLst/>
+            <a:cxnLst>
+              <a:cxn ang="0">
+                <a:pos x="connsiteX0" y="connsiteY0"/>
+              </a:cxn>
+              <a:cxn ang="0">
+                <a:pos x="connsiteX1" y="connsiteY1"/>
+              </a:cxn>
+              <a:cxn ang="0">
+                <a:pos x="connsiteX2" y="connsiteY2"/>
+              </a:cxn>
+              <a:cxn ang="0">
+                <a:pos x="connsiteX3" y="connsiteY3"/>
+              </a:cxn>
+            </a:cxnLst>
+            <a:rect l="l" t="t" r="r" b="b"/>
+            <a:pathLst>
+              <a:path w="3484819" h="3430264">
+                <a:moveTo>
+                  <a:pt x="0" y="0"/>
+                </a:moveTo>
+                <a:lnTo>
+                  <a:pt x="3484819" y="0"/>
+                </a:lnTo>
+                <a:lnTo>
+                  <a:pt x="0" y="3430264"/>
+                </a:lnTo>
+                <a:lnTo>
+                  <a:pt x="0" y="0"/>
+                </a:lnTo>
+                <a:close/>
+              </a:path>
+            </a:pathLst>
+          </a:custGeom>
+          <a:solidFill>
+            <a:schemeClr val="accent2"/>
+          </a:solidFill>
+          <a:ln>
+            <a:noFill/>
+          </a:ln>
+        </p:spPr>
+        <p:style>
+          <a:lnRef idx="2">
+            <a:schemeClr val="accent1">
+              <a:shade val="50000"/>
+            </a:schemeClr>
+          </a:lnRef>
+          <a:fillRef idx="1">
+            <a:schemeClr val="accent1"/>
+          </a:fillRef>
+          <a:effectRef idx="0">
+            <a:schemeClr val="accent1"/>
+          </a:effectRef>
+          <a:fontRef idx="minor">
+            <a:schemeClr val="lt1"/>
+          </a:fontRef>
+        </p:style>
+        <p:txBody>
+          <a:bodyPr rtlCol="0" anchor="ctr"/>
+          <a:lstStyle/>
+          <a:p>
+            <a:pPr algn="ctr"/>
+            <a:endParaRPr lang="en-US" dirty="0"/>
+          </a:p>
+        </p:txBody>
+      </p:sp>
+      <p:sp>
+        <p:nvSpPr>
+          <p:cNvPr id="62" name="Oval 61">
+            <a:extLst>
+              <a:ext uri="{FF2B5EF4-FFF2-40B4-BE49-F238E27FC236}">
+                <a16:creationId xmlns:a16="http://schemas.microsoft.com/office/drawing/2014/main" id="{7C7FAD3D-CE22-4C88-85EA-13FC95D289DD}"/>
+              </a:ext>
+              <a:ext uri="{C183D7F6-B498-43B3-948B-1728B52AA6E4}">
+                <adec:decorative xmlns:adec="http://schemas.microsoft.com/office/drawing/2017/decorative" val="1"/>
+              </a:ext>
+            </a:extLst>
+          </p:cNvPr>
+          <p:cNvSpPr>
+            <a:spLocks noGrp="1" noRot="1" noChangeAspect="1" noMove="1" noResize="1" noEditPoints="1" noAdjustHandles="1" noChangeArrowheads="1" noChangeShapeType="1" noTextEdit="1"/>
+          </p:cNvSpPr>
+          <p:nvPr>
+            <p:extLst>
+              <p:ext uri="{386F3935-93C4-4BCD-93E2-E3B085C9AB24}">
+                <p16:designElem xmlns:p16="http://schemas.microsoft.com/office/powerpoint/2015/main" val="1"/>
+              </p:ext>
+            </p:extLst>
+          </p:nvPr>
+        </p:nvSpPr>
+        <p:spPr>
+          <a:xfrm>
+            <a:off x="8922467" y="3607646"/>
+            <a:ext cx="3070455" cy="3070455"/>
+          </a:xfrm>
+          <a:prstGeom prst="ellipse">
+            <a:avLst/>
+          </a:prstGeom>
+          <a:solidFill>
+            <a:srgbClr val="FFFFFF"/>
+          </a:solidFill>
+          <a:ln>
+            <a:noFill/>
+          </a:ln>
+        </p:spPr>
+        <p:style>
+          <a:lnRef idx="2">
+            <a:schemeClr val="accent1">
+              <a:shade val="50000"/>
+            </a:schemeClr>
+          </a:lnRef>
+          <a:fillRef idx="1">
+            <a:schemeClr val="accent1"/>
+          </a:fillRef>
+          <a:effectRef idx="0">
+            <a:schemeClr val="accent1"/>
+          </a:effectRef>
+          <a:fontRef idx="minor">
+            <a:schemeClr val="lt1"/>
+          </a:fontRef>
+        </p:style>
+        <p:txBody>
+          <a:bodyPr rtlCol="0" anchor="ctr"/>
+          <a:lstStyle/>
+          <a:p>
+            <a:pPr algn="ctr"/>
+            <a:endParaRPr lang="en-US"/>
+          </a:p>
+        </p:txBody>
+      </p:sp>
       <p:pic>
         <p:nvPicPr>
           <p:cNvPr id="7" name="Picture 6" descr="A yellow bar chart with black background&#10;&#10;AI-generated content may be incorrect.">
@@ -16556,8 +19357,8 @@
         </p:blipFill>
         <p:spPr>
           <a:xfrm>
-            <a:off x="274320" y="2676525"/>
-            <a:ext cx="3048000" cy="1504950"/>
+            <a:off x="9086094" y="4465010"/>
+            <a:ext cx="2743200" cy="1354479"/>
           </a:xfrm>
           <a:prstGeom prst="rect">
             <a:avLst/>

--- a/2025-06-30 CAH.pptx
+++ b/2025-06-30 CAH.pptx
@@ -5,33 +5,35 @@
     <p:sldMasterId id="2147483738" r:id="rId1"/>
   </p:sldMasterIdLst>
   <p:notesMasterIdLst>
-    <p:notesMasterId r:id="rId26"/>
+    <p:notesMasterId r:id="rId28"/>
   </p:notesMasterIdLst>
   <p:sldIdLst>
     <p:sldId id="256" r:id="rId2"/>
-    <p:sldId id="265" r:id="rId3"/>
-    <p:sldId id="291" r:id="rId4"/>
-    <p:sldId id="258" r:id="rId5"/>
-    <p:sldId id="257" r:id="rId6"/>
-    <p:sldId id="290" r:id="rId7"/>
-    <p:sldId id="259" r:id="rId8"/>
-    <p:sldId id="262" r:id="rId9"/>
-    <p:sldId id="264" r:id="rId10"/>
-    <p:sldId id="263" r:id="rId11"/>
-    <p:sldId id="266" r:id="rId12"/>
-    <p:sldId id="289" r:id="rId13"/>
-    <p:sldId id="276" r:id="rId14"/>
-    <p:sldId id="278" r:id="rId15"/>
-    <p:sldId id="283" r:id="rId16"/>
-    <p:sldId id="279" r:id="rId17"/>
-    <p:sldId id="280" r:id="rId18"/>
-    <p:sldId id="282" r:id="rId19"/>
-    <p:sldId id="284" r:id="rId20"/>
-    <p:sldId id="274" r:id="rId21"/>
-    <p:sldId id="286" r:id="rId22"/>
-    <p:sldId id="287" r:id="rId23"/>
-    <p:sldId id="288" r:id="rId24"/>
-    <p:sldId id="292" r:id="rId25"/>
+    <p:sldId id="293" r:id="rId3"/>
+    <p:sldId id="265" r:id="rId4"/>
+    <p:sldId id="291" r:id="rId5"/>
+    <p:sldId id="258" r:id="rId6"/>
+    <p:sldId id="257" r:id="rId7"/>
+    <p:sldId id="290" r:id="rId8"/>
+    <p:sldId id="259" r:id="rId9"/>
+    <p:sldId id="262" r:id="rId10"/>
+    <p:sldId id="264" r:id="rId11"/>
+    <p:sldId id="263" r:id="rId12"/>
+    <p:sldId id="266" r:id="rId13"/>
+    <p:sldId id="289" r:id="rId14"/>
+    <p:sldId id="276" r:id="rId15"/>
+    <p:sldId id="278" r:id="rId16"/>
+    <p:sldId id="283" r:id="rId17"/>
+    <p:sldId id="279" r:id="rId18"/>
+    <p:sldId id="280" r:id="rId19"/>
+    <p:sldId id="282" r:id="rId20"/>
+    <p:sldId id="284" r:id="rId21"/>
+    <p:sldId id="274" r:id="rId22"/>
+    <p:sldId id="286" r:id="rId23"/>
+    <p:sldId id="287" r:id="rId24"/>
+    <p:sldId id="288" r:id="rId25"/>
+    <p:sldId id="292" r:id="rId26"/>
+    <p:sldId id="294" r:id="rId27"/>
   </p:sldIdLst>
   <p:sldSz cx="12192000" cy="6858000"/>
   <p:notesSz cx="6858000" cy="9144000"/>
@@ -3548,114 +3550,6 @@
   <p:cSld>
     <p:spTree>
       <p:nvGrpSpPr>
-        <p:cNvPr id="1" name="">
-          <a:extLst>
-            <a:ext uri="{FF2B5EF4-FFF2-40B4-BE49-F238E27FC236}">
-              <a16:creationId xmlns:a16="http://schemas.microsoft.com/office/drawing/2014/main" id="{BEE36AFA-E265-E57A-BB7F-7411D766B0D9}"/>
-            </a:ext>
-          </a:extLst>
-        </p:cNvPr>
-        <p:cNvGrpSpPr/>
-        <p:nvPr/>
-      </p:nvGrpSpPr>
-      <p:grpSpPr>
-        <a:xfrm>
-          <a:off x="0" y="0"/>
-          <a:ext cx="0" cy="0"/>
-          <a:chOff x="0" y="0"/>
-          <a:chExt cx="0" cy="0"/>
-        </a:xfrm>
-      </p:grpSpPr>
-      <p:sp>
-        <p:nvSpPr>
-          <p:cNvPr id="2" name="Slide Image Placeholder 1">
-            <a:extLst>
-              <a:ext uri="{FF2B5EF4-FFF2-40B4-BE49-F238E27FC236}">
-                <a16:creationId xmlns:a16="http://schemas.microsoft.com/office/drawing/2014/main" id="{178B546C-E89A-B92A-1F60-D01679B2AE79}"/>
-              </a:ext>
-            </a:extLst>
-          </p:cNvPr>
-          <p:cNvSpPr>
-            <a:spLocks noGrp="1" noRot="1" noChangeAspect="1"/>
-          </p:cNvSpPr>
-          <p:nvPr>
-            <p:ph type="sldImg"/>
-          </p:nvPr>
-        </p:nvSpPr>
-        <p:spPr/>
-      </p:sp>
-      <p:sp>
-        <p:nvSpPr>
-          <p:cNvPr id="3" name="Notes Placeholder 2">
-            <a:extLst>
-              <a:ext uri="{FF2B5EF4-FFF2-40B4-BE49-F238E27FC236}">
-                <a16:creationId xmlns:a16="http://schemas.microsoft.com/office/drawing/2014/main" id="{DEE7C7E5-0C40-36A2-52AC-A6BFEC02510F}"/>
-              </a:ext>
-            </a:extLst>
-          </p:cNvPr>
-          <p:cNvSpPr>
-            <a:spLocks noGrp="1"/>
-          </p:cNvSpPr>
-          <p:nvPr>
-            <p:ph type="body" idx="1"/>
-          </p:nvPr>
-        </p:nvSpPr>
-        <p:spPr/>
-        <p:txBody>
-          <a:bodyPr/>
-          <a:lstStyle/>
-          <a:p>
-            <a:endParaRPr lang="en-US" dirty="0"/>
-          </a:p>
-        </p:txBody>
-      </p:sp>
-      <p:sp>
-        <p:nvSpPr>
-          <p:cNvPr id="4" name="Slide Number Placeholder 3">
-            <a:extLst>
-              <a:ext uri="{FF2B5EF4-FFF2-40B4-BE49-F238E27FC236}">
-                <a16:creationId xmlns:a16="http://schemas.microsoft.com/office/drawing/2014/main" id="{37C7E735-63C7-1A1F-85F8-052DAE0F1F4F}"/>
-              </a:ext>
-            </a:extLst>
-          </p:cNvPr>
-          <p:cNvSpPr>
-            <a:spLocks noGrp="1"/>
-          </p:cNvSpPr>
-          <p:nvPr>
-            <p:ph type="sldNum" sz="quarter" idx="5"/>
-          </p:nvPr>
-        </p:nvSpPr>
-        <p:spPr/>
-        <p:txBody>
-          <a:bodyPr/>
-          <a:lstStyle/>
-          <a:p>
-            <a:fld id="{B7B3E9D7-7C42-42C9-B073-01B263BBC5B6}" type="slidenum">
-              <a:rPr lang="en-US" smtClean="0"/>
-              <a:t>3</a:t>
-            </a:fld>
-            <a:endParaRPr lang="en-US"/>
-          </a:p>
-        </p:txBody>
-      </p:sp>
-    </p:spTree>
-    <p:extLst>
-      <p:ext uri="{BB962C8B-B14F-4D97-AF65-F5344CB8AC3E}">
-        <p14:creationId xmlns:p14="http://schemas.microsoft.com/office/powerpoint/2010/main" val="585274361"/>
-      </p:ext>
-    </p:extLst>
-  </p:cSld>
-  <p:clrMapOvr>
-    <a:masterClrMapping/>
-  </p:clrMapOvr>
-</p:notes>
-</file>
-
-<file path=ppt/notesSlides/notesSlide10.xml><?xml version="1.0" encoding="utf-8"?>
-<p:notes xmlns:a="http://schemas.openxmlformats.org/drawingml/2006/main" xmlns:r="http://schemas.openxmlformats.org/officeDocument/2006/relationships" xmlns:p="http://schemas.openxmlformats.org/presentationml/2006/main">
-  <p:cSld>
-    <p:spTree>
-      <p:nvGrpSpPr>
         <p:cNvPr id="1" name=""/>
         <p:cNvGrpSpPr/>
         <p:nvPr/>
@@ -3695,7 +3589,24 @@
           <a:bodyPr/>
           <a:lstStyle/>
           <a:p>
-            <a:endParaRPr lang="en-US" dirty="0"/>
+            <a:pPr marL="171450" indent="-171450">
+              <a:buFont typeface="Arial" panose="020B0604020202020204" pitchFamily="34" charset="0"/>
+              <a:buChar char="•"/>
+            </a:pPr>
+            <a:r>
+              <a:rPr lang="en-US" dirty="0"/>
+              <a:t>While RStudio is harder to set up initially (with GitHub), it’s better for transforming data and documenting a replicable process.</a:t>
+            </a:r>
+          </a:p>
+          <a:p>
+            <a:pPr marL="171450" indent="-171450">
+              <a:buFont typeface="Arial" panose="020B0604020202020204" pitchFamily="34" charset="0"/>
+              <a:buChar char="•"/>
+            </a:pPr>
+            <a:r>
+              <a:rPr lang="en-US" dirty="0"/>
+              <a:t>Excel is better for seeing the raw data (while Power BI is better at transforming it) and easier to manipulate the data viz options but is limited in statistical analyses.</a:t>
+            </a:r>
           </a:p>
         </p:txBody>
       </p:sp>
@@ -3716,7 +3627,7 @@
           <a:p>
             <a:fld id="{B7B3E9D7-7C42-42C9-B073-01B263BBC5B6}" type="slidenum">
               <a:rPr lang="en-US" smtClean="0"/>
-              <a:t>13</a:t>
+              <a:t>2</a:t>
             </a:fld>
             <a:endParaRPr lang="en-US"/>
           </a:p>
@@ -3725,7 +3636,115 @@
     </p:spTree>
     <p:extLst>
       <p:ext uri="{BB962C8B-B14F-4D97-AF65-F5344CB8AC3E}">
-        <p14:creationId xmlns:p14="http://schemas.microsoft.com/office/powerpoint/2010/main" val="1378391484"/>
+        <p14:creationId xmlns:p14="http://schemas.microsoft.com/office/powerpoint/2010/main" val="2196381331"/>
+      </p:ext>
+    </p:extLst>
+  </p:cSld>
+  <p:clrMapOvr>
+    <a:masterClrMapping/>
+  </p:clrMapOvr>
+</p:notes>
+</file>
+
+<file path=ppt/notesSlides/notesSlide10.xml><?xml version="1.0" encoding="utf-8"?>
+<p:notes xmlns:a="http://schemas.openxmlformats.org/drawingml/2006/main" xmlns:r="http://schemas.openxmlformats.org/officeDocument/2006/relationships" xmlns:p="http://schemas.openxmlformats.org/presentationml/2006/main">
+  <p:cSld>
+    <p:spTree>
+      <p:nvGrpSpPr>
+        <p:cNvPr id="1" name="">
+          <a:extLst>
+            <a:ext uri="{FF2B5EF4-FFF2-40B4-BE49-F238E27FC236}">
+              <a16:creationId xmlns:a16="http://schemas.microsoft.com/office/drawing/2014/main" id="{189F7BE7-857D-81DE-8F1C-041C44DB27DC}"/>
+            </a:ext>
+          </a:extLst>
+        </p:cNvPr>
+        <p:cNvGrpSpPr/>
+        <p:nvPr/>
+      </p:nvGrpSpPr>
+      <p:grpSpPr>
+        <a:xfrm>
+          <a:off x="0" y="0"/>
+          <a:ext cx="0" cy="0"/>
+          <a:chOff x="0" y="0"/>
+          <a:chExt cx="0" cy="0"/>
+        </a:xfrm>
+      </p:grpSpPr>
+      <p:sp>
+        <p:nvSpPr>
+          <p:cNvPr id="2" name="Slide Image Placeholder 1">
+            <a:extLst>
+              <a:ext uri="{FF2B5EF4-FFF2-40B4-BE49-F238E27FC236}">
+                <a16:creationId xmlns:a16="http://schemas.microsoft.com/office/drawing/2014/main" id="{4B6E823C-7693-479F-BDF3-0130A4DB4FDB}"/>
+              </a:ext>
+            </a:extLst>
+          </p:cNvPr>
+          <p:cNvSpPr>
+            <a:spLocks noGrp="1" noRot="1" noChangeAspect="1"/>
+          </p:cNvSpPr>
+          <p:nvPr>
+            <p:ph type="sldImg"/>
+          </p:nvPr>
+        </p:nvSpPr>
+        <p:spPr/>
+      </p:sp>
+      <p:sp>
+        <p:nvSpPr>
+          <p:cNvPr id="3" name="Notes Placeholder 2">
+            <a:extLst>
+              <a:ext uri="{FF2B5EF4-FFF2-40B4-BE49-F238E27FC236}">
+                <a16:creationId xmlns:a16="http://schemas.microsoft.com/office/drawing/2014/main" id="{2EB54F32-1D24-C118-2E37-FD9B1BF92285}"/>
+              </a:ext>
+            </a:extLst>
+          </p:cNvPr>
+          <p:cNvSpPr>
+            <a:spLocks noGrp="1"/>
+          </p:cNvSpPr>
+          <p:nvPr>
+            <p:ph type="body" idx="1"/>
+          </p:nvPr>
+        </p:nvSpPr>
+        <p:spPr/>
+        <p:txBody>
+          <a:bodyPr/>
+          <a:lstStyle/>
+          <a:p>
+            <a:endParaRPr lang="en-US" dirty="0"/>
+          </a:p>
+        </p:txBody>
+      </p:sp>
+      <p:sp>
+        <p:nvSpPr>
+          <p:cNvPr id="4" name="Slide Number Placeholder 3">
+            <a:extLst>
+              <a:ext uri="{FF2B5EF4-FFF2-40B4-BE49-F238E27FC236}">
+                <a16:creationId xmlns:a16="http://schemas.microsoft.com/office/drawing/2014/main" id="{642301A1-EAE1-F696-FDCA-78DD789AEE89}"/>
+              </a:ext>
+            </a:extLst>
+          </p:cNvPr>
+          <p:cNvSpPr>
+            <a:spLocks noGrp="1"/>
+          </p:cNvSpPr>
+          <p:nvPr>
+            <p:ph type="sldNum" sz="quarter" idx="5"/>
+          </p:nvPr>
+        </p:nvSpPr>
+        <p:spPr/>
+        <p:txBody>
+          <a:bodyPr/>
+          <a:lstStyle/>
+          <a:p>
+            <a:fld id="{B7B3E9D7-7C42-42C9-B073-01B263BBC5B6}" type="slidenum">
+              <a:rPr lang="en-US" smtClean="0"/>
+              <a:t>13</a:t>
+            </a:fld>
+            <a:endParaRPr lang="en-US"/>
+          </a:p>
+        </p:txBody>
+      </p:sp>
+    </p:spTree>
+    <p:extLst>
+      <p:ext uri="{BB962C8B-B14F-4D97-AF65-F5344CB8AC3E}">
+        <p14:creationId xmlns:p14="http://schemas.microsoft.com/office/powerpoint/2010/main" val="2540584262"/>
       </p:ext>
     </p:extLst>
   </p:cSld>
@@ -3779,29 +3798,6 @@
           <a:bodyPr/>
           <a:lstStyle/>
           <a:p>
-            <a:pPr marL="171450" marR="0" lvl="0" indent="-171450" algn="l" defTabSz="914400" rtl="0" eaLnBrk="1" fontAlgn="auto" latinLnBrk="0" hangingPunct="1">
-              <a:lnSpc>
-                <a:spcPct val="100000"/>
-              </a:lnSpc>
-              <a:spcBef>
-                <a:spcPts val="0"/>
-              </a:spcBef>
-              <a:spcAft>
-                <a:spcPts val="0"/>
-              </a:spcAft>
-              <a:buClrTx/>
-              <a:buSzTx/>
-              <a:buFont typeface="Arial" panose="020B0604020202020204" pitchFamily="34" charset="0"/>
-              <a:buChar char="•"/>
-              <a:tabLst/>
-              <a:defRPr/>
-            </a:pPr>
-            <a:r>
-              <a:rPr lang="en-US" dirty="0"/>
-              <a:t>Import additional data sets, or “queries”.</a:t>
-            </a:r>
-          </a:p>
-          <a:p>
             <a:endParaRPr lang="en-US" dirty="0"/>
           </a:p>
         </p:txBody>
@@ -3832,7 +3828,7 @@
     </p:spTree>
     <p:extLst>
       <p:ext uri="{BB962C8B-B14F-4D97-AF65-F5344CB8AC3E}">
-        <p14:creationId xmlns:p14="http://schemas.microsoft.com/office/powerpoint/2010/main" val="2435355357"/>
+        <p14:creationId xmlns:p14="http://schemas.microsoft.com/office/powerpoint/2010/main" val="1378391484"/>
       </p:ext>
     </p:extLst>
   </p:cSld>
@@ -3886,6 +3882,29 @@
           <a:bodyPr/>
           <a:lstStyle/>
           <a:p>
+            <a:pPr marL="171450" marR="0" lvl="0" indent="-171450" algn="l" defTabSz="914400" rtl="0" eaLnBrk="1" fontAlgn="auto" latinLnBrk="0" hangingPunct="1">
+              <a:lnSpc>
+                <a:spcPct val="100000"/>
+              </a:lnSpc>
+              <a:spcBef>
+                <a:spcPts val="0"/>
+              </a:spcBef>
+              <a:spcAft>
+                <a:spcPts val="0"/>
+              </a:spcAft>
+              <a:buClrTx/>
+              <a:buSzTx/>
+              <a:buFont typeface="Arial" panose="020B0604020202020204" pitchFamily="34" charset="0"/>
+              <a:buChar char="•"/>
+              <a:tabLst/>
+              <a:defRPr/>
+            </a:pPr>
+            <a:r>
+              <a:rPr lang="en-US" dirty="0"/>
+              <a:t>Import additional data sets, or “queries”.</a:t>
+            </a:r>
+          </a:p>
+          <a:p>
             <a:endParaRPr lang="en-US" dirty="0"/>
           </a:p>
         </p:txBody>
@@ -3916,7 +3935,7 @@
     </p:spTree>
     <p:extLst>
       <p:ext uri="{BB962C8B-B14F-4D97-AF65-F5344CB8AC3E}">
-        <p14:creationId xmlns:p14="http://schemas.microsoft.com/office/powerpoint/2010/main" val="2181038550"/>
+        <p14:creationId xmlns:p14="http://schemas.microsoft.com/office/powerpoint/2010/main" val="2435355357"/>
       </p:ext>
     </p:extLst>
   </p:cSld>
@@ -3970,30 +3989,7 @@
           <a:bodyPr/>
           <a:lstStyle/>
           <a:p>
-            <a:pPr marL="171450" indent="-171450">
-              <a:buFont typeface="Arial" panose="020B0604020202020204" pitchFamily="34" charset="0"/>
-              <a:buChar char="•"/>
-            </a:pPr>
-            <a:r>
-              <a:rPr lang="en-US" dirty="0"/>
-              <a:t>View column profile to reveal that this dummy variable, </a:t>
-            </a:r>
-            <a:r>
-              <a:rPr lang="en-US" dirty="0" err="1"/>
-              <a:t>increased_contribution</a:t>
-            </a:r>
-            <a:r>
-              <a:rPr lang="en-US" dirty="0"/>
-              <a:t>, actually has </a:t>
-            </a:r>
-            <a:r>
-              <a:rPr lang="en-US" dirty="0" err="1"/>
-              <a:t>catetgorical</a:t>
-            </a:r>
-            <a:r>
-              <a:rPr lang="en-US" dirty="0"/>
-              <a:t> (text) values, which is why “closed” were errors in a numeric data type.</a:t>
-            </a:r>
+            <a:endParaRPr lang="en-US" dirty="0"/>
           </a:p>
         </p:txBody>
       </p:sp>
@@ -4014,7 +4010,7 @@
           <a:p>
             <a:fld id="{B7B3E9D7-7C42-42C9-B073-01B263BBC5B6}" type="slidenum">
               <a:rPr lang="en-US" smtClean="0"/>
-              <a:t>17</a:t>
+              <a:t>16</a:t>
             </a:fld>
             <a:endParaRPr lang="en-US"/>
           </a:p>
@@ -4023,7 +4019,7 @@
     </p:spTree>
     <p:extLst>
       <p:ext uri="{BB962C8B-B14F-4D97-AF65-F5344CB8AC3E}">
-        <p14:creationId xmlns:p14="http://schemas.microsoft.com/office/powerpoint/2010/main" val="385699118"/>
+        <p14:creationId xmlns:p14="http://schemas.microsoft.com/office/powerpoint/2010/main" val="2181038550"/>
       </p:ext>
     </p:extLst>
   </p:cSld>
@@ -4077,7 +4073,30 @@
           <a:bodyPr/>
           <a:lstStyle/>
           <a:p>
-            <a:endParaRPr lang="en-US" dirty="0"/>
+            <a:pPr marL="171450" indent="-171450">
+              <a:buFont typeface="Arial" panose="020B0604020202020204" pitchFamily="34" charset="0"/>
+              <a:buChar char="•"/>
+            </a:pPr>
+            <a:r>
+              <a:rPr lang="en-US" dirty="0"/>
+              <a:t>View column profile to reveal that this dummy variable, </a:t>
+            </a:r>
+            <a:r>
+              <a:rPr lang="en-US" dirty="0" err="1"/>
+              <a:t>increased_contribution</a:t>
+            </a:r>
+            <a:r>
+              <a:rPr lang="en-US" dirty="0"/>
+              <a:t>, actually has </a:t>
+            </a:r>
+            <a:r>
+              <a:rPr lang="en-US" dirty="0" err="1"/>
+              <a:t>catetgorical</a:t>
+            </a:r>
+            <a:r>
+              <a:rPr lang="en-US" dirty="0"/>
+              <a:t> (text) values, which is why “closed” were errors in a numeric data type.</a:t>
+            </a:r>
           </a:p>
         </p:txBody>
       </p:sp>
@@ -4107,7 +4126,7 @@
     </p:spTree>
     <p:extLst>
       <p:ext uri="{BB962C8B-B14F-4D97-AF65-F5344CB8AC3E}">
-        <p14:creationId xmlns:p14="http://schemas.microsoft.com/office/powerpoint/2010/main" val="3874809514"/>
+        <p14:creationId xmlns:p14="http://schemas.microsoft.com/office/powerpoint/2010/main" val="385699118"/>
       </p:ext>
     </p:extLst>
   </p:cSld>
@@ -4161,6 +4180,90 @@
           <a:bodyPr/>
           <a:lstStyle/>
           <a:p>
+            <a:endParaRPr lang="en-US" dirty="0"/>
+          </a:p>
+        </p:txBody>
+      </p:sp>
+      <p:sp>
+        <p:nvSpPr>
+          <p:cNvPr id="4" name="Slide Number Placeholder 3"/>
+          <p:cNvSpPr>
+            <a:spLocks noGrp="1"/>
+          </p:cNvSpPr>
+          <p:nvPr>
+            <p:ph type="sldNum" sz="quarter" idx="5"/>
+          </p:nvPr>
+        </p:nvSpPr>
+        <p:spPr/>
+        <p:txBody>
+          <a:bodyPr/>
+          <a:lstStyle/>
+          <a:p>
+            <a:fld id="{B7B3E9D7-7C42-42C9-B073-01B263BBC5B6}" type="slidenum">
+              <a:rPr lang="en-US" smtClean="0"/>
+              <a:t>19</a:t>
+            </a:fld>
+            <a:endParaRPr lang="en-US"/>
+          </a:p>
+        </p:txBody>
+      </p:sp>
+    </p:spTree>
+    <p:extLst>
+      <p:ext uri="{BB962C8B-B14F-4D97-AF65-F5344CB8AC3E}">
+        <p14:creationId xmlns:p14="http://schemas.microsoft.com/office/powerpoint/2010/main" val="3874809514"/>
+      </p:ext>
+    </p:extLst>
+  </p:cSld>
+  <p:clrMapOvr>
+    <a:masterClrMapping/>
+  </p:clrMapOvr>
+</p:notes>
+</file>
+
+<file path=ppt/notesSlides/notesSlide16.xml><?xml version="1.0" encoding="utf-8"?>
+<p:notes xmlns:a="http://schemas.openxmlformats.org/drawingml/2006/main" xmlns:r="http://schemas.openxmlformats.org/officeDocument/2006/relationships" xmlns:p="http://schemas.openxmlformats.org/presentationml/2006/main">
+  <p:cSld>
+    <p:spTree>
+      <p:nvGrpSpPr>
+        <p:cNvPr id="1" name=""/>
+        <p:cNvGrpSpPr/>
+        <p:nvPr/>
+      </p:nvGrpSpPr>
+      <p:grpSpPr>
+        <a:xfrm>
+          <a:off x="0" y="0"/>
+          <a:ext cx="0" cy="0"/>
+          <a:chOff x="0" y="0"/>
+          <a:chExt cx="0" cy="0"/>
+        </a:xfrm>
+      </p:grpSpPr>
+      <p:sp>
+        <p:nvSpPr>
+          <p:cNvPr id="2" name="Slide Image Placeholder 1"/>
+          <p:cNvSpPr>
+            <a:spLocks noGrp="1" noRot="1" noChangeAspect="1"/>
+          </p:cNvSpPr>
+          <p:nvPr>
+            <p:ph type="sldImg"/>
+          </p:nvPr>
+        </p:nvSpPr>
+        <p:spPr/>
+      </p:sp>
+      <p:sp>
+        <p:nvSpPr>
+          <p:cNvPr id="3" name="Notes Placeholder 2"/>
+          <p:cNvSpPr>
+            <a:spLocks noGrp="1"/>
+          </p:cNvSpPr>
+          <p:nvPr>
+            <p:ph type="body" idx="1"/>
+          </p:nvPr>
+        </p:nvSpPr>
+        <p:spPr/>
+        <p:txBody>
+          <a:bodyPr/>
+          <a:lstStyle/>
+          <a:p>
             <a:pPr marL="171450" indent="-171450">
               <a:buFont typeface="Arial" panose="020B0604020202020204" pitchFamily="34" charset="0"/>
               <a:buChar char="•"/>
@@ -4270,7 +4373,7 @@
           <a:p>
             <a:fld id="{B7B3E9D7-7C42-42C9-B073-01B263BBC5B6}" type="slidenum">
               <a:rPr lang="en-US" smtClean="0"/>
-              <a:t>19</a:t>
+              <a:t>20</a:t>
             </a:fld>
             <a:endParaRPr lang="en-US"/>
           </a:p>
@@ -4289,7 +4392,7 @@
 </p:notes>
 </file>
 
-<file path=ppt/notesSlides/notesSlide16.xml><?xml version="1.0" encoding="utf-8"?>
+<file path=ppt/notesSlides/notesSlide17.xml><?xml version="1.0" encoding="utf-8"?>
 <p:notes xmlns:a="http://schemas.openxmlformats.org/drawingml/2006/main" xmlns:r="http://schemas.openxmlformats.org/officeDocument/2006/relationships" xmlns:p="http://schemas.openxmlformats.org/presentationml/2006/main">
   <p:cSld>
     <p:spTree>
@@ -4613,7 +4716,7 @@
           <a:p>
             <a:fld id="{B7B3E9D7-7C42-42C9-B073-01B263BBC5B6}" type="slidenum">
               <a:rPr lang="en-US" smtClean="0"/>
-              <a:t>20</a:t>
+              <a:t>21</a:t>
             </a:fld>
             <a:endParaRPr lang="en-US"/>
           </a:p>
@@ -4623,97 +4726,6 @@
     <p:extLst>
       <p:ext uri="{BB962C8B-B14F-4D97-AF65-F5344CB8AC3E}">
         <p14:creationId xmlns:p14="http://schemas.microsoft.com/office/powerpoint/2010/main" val="93049090"/>
-      </p:ext>
-    </p:extLst>
-  </p:cSld>
-  <p:clrMapOvr>
-    <a:masterClrMapping/>
-  </p:clrMapOvr>
-</p:notes>
-</file>
-
-<file path=ppt/notesSlides/notesSlide17.xml><?xml version="1.0" encoding="utf-8"?>
-<p:notes xmlns:a="http://schemas.openxmlformats.org/drawingml/2006/main" xmlns:r="http://schemas.openxmlformats.org/officeDocument/2006/relationships" xmlns:p="http://schemas.openxmlformats.org/presentationml/2006/main">
-  <p:cSld>
-    <p:spTree>
-      <p:nvGrpSpPr>
-        <p:cNvPr id="1" name=""/>
-        <p:cNvGrpSpPr/>
-        <p:nvPr/>
-      </p:nvGrpSpPr>
-      <p:grpSpPr>
-        <a:xfrm>
-          <a:off x="0" y="0"/>
-          <a:ext cx="0" cy="0"/>
-          <a:chOff x="0" y="0"/>
-          <a:chExt cx="0" cy="0"/>
-        </a:xfrm>
-      </p:grpSpPr>
-      <p:sp>
-        <p:nvSpPr>
-          <p:cNvPr id="2" name="Slide Image Placeholder 1"/>
-          <p:cNvSpPr>
-            <a:spLocks noGrp="1" noRot="1" noChangeAspect="1"/>
-          </p:cNvSpPr>
-          <p:nvPr>
-            <p:ph type="sldImg"/>
-          </p:nvPr>
-        </p:nvSpPr>
-        <p:spPr/>
-      </p:sp>
-      <p:sp>
-        <p:nvSpPr>
-          <p:cNvPr id="3" name="Notes Placeholder 2"/>
-          <p:cNvSpPr>
-            <a:spLocks noGrp="1"/>
-          </p:cNvSpPr>
-          <p:nvPr>
-            <p:ph type="body" idx="1"/>
-          </p:nvPr>
-        </p:nvSpPr>
-        <p:spPr/>
-        <p:txBody>
-          <a:bodyPr/>
-          <a:lstStyle/>
-          <a:p>
-            <a:pPr marL="171450" indent="-171450">
-              <a:buFont typeface="Arial" panose="020B0604020202020204" pitchFamily="34" charset="0"/>
-              <a:buChar char="•"/>
-            </a:pPr>
-            <a:r>
-              <a:rPr lang="en-US" dirty="0"/>
-              <a:t>Expand just the new columns added.</a:t>
-            </a:r>
-          </a:p>
-        </p:txBody>
-      </p:sp>
-      <p:sp>
-        <p:nvSpPr>
-          <p:cNvPr id="4" name="Slide Number Placeholder 3"/>
-          <p:cNvSpPr>
-            <a:spLocks noGrp="1"/>
-          </p:cNvSpPr>
-          <p:nvPr>
-            <p:ph type="sldNum" sz="quarter" idx="5"/>
-          </p:nvPr>
-        </p:nvSpPr>
-        <p:spPr/>
-        <p:txBody>
-          <a:bodyPr/>
-          <a:lstStyle/>
-          <a:p>
-            <a:fld id="{B7B3E9D7-7C42-42C9-B073-01B263BBC5B6}" type="slidenum">
-              <a:rPr lang="en-US" smtClean="0"/>
-              <a:t>21</a:t>
-            </a:fld>
-            <a:endParaRPr lang="en-US"/>
-          </a:p>
-        </p:txBody>
-      </p:sp>
-    </p:spTree>
-    <p:extLst>
-      <p:ext uri="{BB962C8B-B14F-4D97-AF65-F5344CB8AC3E}">
-        <p14:creationId xmlns:p14="http://schemas.microsoft.com/office/powerpoint/2010/main" val="1683546214"/>
       </p:ext>
     </p:extLst>
   </p:cSld>
@@ -4773,7 +4785,7 @@
             </a:pPr>
             <a:r>
               <a:rPr lang="en-US" dirty="0"/>
-              <a:t>Remove duplicate identifiers.</a:t>
+              <a:t>Expand just the new columns added.</a:t>
             </a:r>
           </a:p>
         </p:txBody>
@@ -4804,7 +4816,7 @@
     </p:spTree>
     <p:extLst>
       <p:ext uri="{BB962C8B-B14F-4D97-AF65-F5344CB8AC3E}">
-        <p14:creationId xmlns:p14="http://schemas.microsoft.com/office/powerpoint/2010/main" val="188788455"/>
+        <p14:creationId xmlns:p14="http://schemas.microsoft.com/office/powerpoint/2010/main" val="1683546214"/>
       </p:ext>
     </p:extLst>
   </p:cSld>
@@ -4864,7 +4876,7 @@
             </a:pPr>
             <a:r>
               <a:rPr lang="en-US" dirty="0"/>
-              <a:t>Only include cases with an experimental condition.</a:t>
+              <a:t>Remove duplicate identifiers.</a:t>
             </a:r>
           </a:p>
         </p:txBody>
@@ -4895,7 +4907,7 @@
     </p:spTree>
     <p:extLst>
       <p:ext uri="{BB962C8B-B14F-4D97-AF65-F5344CB8AC3E}">
-        <p14:creationId xmlns:p14="http://schemas.microsoft.com/office/powerpoint/2010/main" val="871266187"/>
+        <p14:creationId xmlns:p14="http://schemas.microsoft.com/office/powerpoint/2010/main" val="188788455"/>
       </p:ext>
     </p:extLst>
   </p:cSld>
@@ -4906,6 +4918,114 @@
 </file>
 
 <file path=ppt/notesSlides/notesSlide2.xml><?xml version="1.0" encoding="utf-8"?>
+<p:notes xmlns:a="http://schemas.openxmlformats.org/drawingml/2006/main" xmlns:r="http://schemas.openxmlformats.org/officeDocument/2006/relationships" xmlns:p="http://schemas.openxmlformats.org/presentationml/2006/main">
+  <p:cSld>
+    <p:spTree>
+      <p:nvGrpSpPr>
+        <p:cNvPr id="1" name="">
+          <a:extLst>
+            <a:ext uri="{FF2B5EF4-FFF2-40B4-BE49-F238E27FC236}">
+              <a16:creationId xmlns:a16="http://schemas.microsoft.com/office/drawing/2014/main" id="{BEE36AFA-E265-E57A-BB7F-7411D766B0D9}"/>
+            </a:ext>
+          </a:extLst>
+        </p:cNvPr>
+        <p:cNvGrpSpPr/>
+        <p:nvPr/>
+      </p:nvGrpSpPr>
+      <p:grpSpPr>
+        <a:xfrm>
+          <a:off x="0" y="0"/>
+          <a:ext cx="0" cy="0"/>
+          <a:chOff x="0" y="0"/>
+          <a:chExt cx="0" cy="0"/>
+        </a:xfrm>
+      </p:grpSpPr>
+      <p:sp>
+        <p:nvSpPr>
+          <p:cNvPr id="2" name="Slide Image Placeholder 1">
+            <a:extLst>
+              <a:ext uri="{FF2B5EF4-FFF2-40B4-BE49-F238E27FC236}">
+                <a16:creationId xmlns:a16="http://schemas.microsoft.com/office/drawing/2014/main" id="{178B546C-E89A-B92A-1F60-D01679B2AE79}"/>
+              </a:ext>
+            </a:extLst>
+          </p:cNvPr>
+          <p:cNvSpPr>
+            <a:spLocks noGrp="1" noRot="1" noChangeAspect="1"/>
+          </p:cNvSpPr>
+          <p:nvPr>
+            <p:ph type="sldImg"/>
+          </p:nvPr>
+        </p:nvSpPr>
+        <p:spPr/>
+      </p:sp>
+      <p:sp>
+        <p:nvSpPr>
+          <p:cNvPr id="3" name="Notes Placeholder 2">
+            <a:extLst>
+              <a:ext uri="{FF2B5EF4-FFF2-40B4-BE49-F238E27FC236}">
+                <a16:creationId xmlns:a16="http://schemas.microsoft.com/office/drawing/2014/main" id="{DEE7C7E5-0C40-36A2-52AC-A6BFEC02510F}"/>
+              </a:ext>
+            </a:extLst>
+          </p:cNvPr>
+          <p:cNvSpPr>
+            <a:spLocks noGrp="1"/>
+          </p:cNvSpPr>
+          <p:nvPr>
+            <p:ph type="body" idx="1"/>
+          </p:nvPr>
+        </p:nvSpPr>
+        <p:spPr/>
+        <p:txBody>
+          <a:bodyPr/>
+          <a:lstStyle/>
+          <a:p>
+            <a:endParaRPr lang="en-US" dirty="0"/>
+          </a:p>
+        </p:txBody>
+      </p:sp>
+      <p:sp>
+        <p:nvSpPr>
+          <p:cNvPr id="4" name="Slide Number Placeholder 3">
+            <a:extLst>
+              <a:ext uri="{FF2B5EF4-FFF2-40B4-BE49-F238E27FC236}">
+                <a16:creationId xmlns:a16="http://schemas.microsoft.com/office/drawing/2014/main" id="{37C7E735-63C7-1A1F-85F8-052DAE0F1F4F}"/>
+              </a:ext>
+            </a:extLst>
+          </p:cNvPr>
+          <p:cNvSpPr>
+            <a:spLocks noGrp="1"/>
+          </p:cNvSpPr>
+          <p:nvPr>
+            <p:ph type="sldNum" sz="quarter" idx="5"/>
+          </p:nvPr>
+        </p:nvSpPr>
+        <p:spPr/>
+        <p:txBody>
+          <a:bodyPr/>
+          <a:lstStyle/>
+          <a:p>
+            <a:fld id="{B7B3E9D7-7C42-42C9-B073-01B263BBC5B6}" type="slidenum">
+              <a:rPr lang="en-US" smtClean="0"/>
+              <a:t>4</a:t>
+            </a:fld>
+            <a:endParaRPr lang="en-US"/>
+          </a:p>
+        </p:txBody>
+      </p:sp>
+    </p:spTree>
+    <p:extLst>
+      <p:ext uri="{BB962C8B-B14F-4D97-AF65-F5344CB8AC3E}">
+        <p14:creationId xmlns:p14="http://schemas.microsoft.com/office/powerpoint/2010/main" val="585274361"/>
+      </p:ext>
+    </p:extLst>
+  </p:cSld>
+  <p:clrMapOvr>
+    <a:masterClrMapping/>
+  </p:clrMapOvr>
+</p:notes>
+</file>
+
+<file path=ppt/notesSlides/notesSlide20.xml><?xml version="1.0" encoding="utf-8"?>
 <p:notes xmlns:a="http://schemas.openxmlformats.org/drawingml/2006/main" xmlns:r="http://schemas.openxmlformats.org/officeDocument/2006/relationships" xmlns:p="http://schemas.openxmlformats.org/presentationml/2006/main">
   <p:cSld>
     <p:spTree>
@@ -4955,25 +5075,8 @@
             </a:pPr>
             <a:r>
               <a:rPr lang="en-US" dirty="0"/>
-              <a:t>Sign in to GitHub.</a:t>
+              <a:t>Only include cases with an experimental condition.</a:t>
             </a:r>
-          </a:p>
-          <a:p>
-            <a:pPr marL="171450" indent="-171450">
-              <a:buFont typeface="Arial" panose="020B0604020202020204" pitchFamily="34" charset="0"/>
-              <a:buChar char="•"/>
-            </a:pPr>
-            <a:r>
-              <a:rPr lang="en-US" dirty="0"/>
-              <a:t>Create a new repository.</a:t>
-            </a:r>
-          </a:p>
-          <a:p>
-            <a:pPr marL="171450" indent="-171450">
-              <a:buFont typeface="Arial" panose="020B0604020202020204" pitchFamily="34" charset="0"/>
-              <a:buChar char="•"/>
-            </a:pPr>
-            <a:endParaRPr lang="en-US" dirty="0"/>
           </a:p>
         </p:txBody>
       </p:sp>
@@ -4994,7 +5097,7 @@
           <a:p>
             <a:fld id="{B7B3E9D7-7C42-42C9-B073-01B263BBC5B6}" type="slidenum">
               <a:rPr lang="en-US" smtClean="0"/>
-              <a:t>4</a:t>
+              <a:t>24</a:t>
             </a:fld>
             <a:endParaRPr lang="en-US"/>
           </a:p>
@@ -5003,7 +5106,7 @@
     </p:spTree>
     <p:extLst>
       <p:ext uri="{BB962C8B-B14F-4D97-AF65-F5344CB8AC3E}">
-        <p14:creationId xmlns:p14="http://schemas.microsoft.com/office/powerpoint/2010/main" val="977678013"/>
+        <p14:creationId xmlns:p14="http://schemas.microsoft.com/office/powerpoint/2010/main" val="871266187"/>
       </p:ext>
     </p:extLst>
   </p:cSld>
@@ -5013,7 +5116,7 @@
 </p:notes>
 </file>
 
-<file path=ppt/notesSlides/notesSlide20.xml><?xml version="1.0" encoding="utf-8"?>
+<file path=ppt/notesSlides/notesSlide21.xml><?xml version="1.0" encoding="utf-8"?>
 <p:notes xmlns:a="http://schemas.openxmlformats.org/drawingml/2006/main" xmlns:r="http://schemas.openxmlformats.org/officeDocument/2006/relationships" xmlns:p="http://schemas.openxmlformats.org/presentationml/2006/main">
   <p:cSld>
     <p:spTree>
@@ -5102,7 +5205,7 @@
           <a:p>
             <a:fld id="{B7B3E9D7-7C42-42C9-B073-01B263BBC5B6}" type="slidenum">
               <a:rPr lang="en-US" smtClean="0"/>
-              <a:t>24</a:t>
+              <a:t>25</a:t>
             </a:fld>
             <a:endParaRPr lang="en-US"/>
           </a:p>
@@ -5171,7 +5274,7 @@
             </a:pPr>
             <a:r>
               <a:rPr lang="en-US" dirty="0"/>
-              <a:t>Name the repository.</a:t>
+              <a:t>Sign in to GitHub.</a:t>
             </a:r>
           </a:p>
           <a:p>
@@ -5181,7 +5284,7 @@
             </a:pPr>
             <a:r>
               <a:rPr lang="en-US" dirty="0"/>
-              <a:t>Add a README file.</a:t>
+              <a:t>Create a new repository.</a:t>
             </a:r>
           </a:p>
           <a:p>
@@ -5189,10 +5292,7 @@
               <a:buFont typeface="Arial" panose="020B0604020202020204" pitchFamily="34" charset="0"/>
               <a:buChar char="•"/>
             </a:pPr>
-            <a:r>
-              <a:rPr lang="en-US" dirty="0"/>
-              <a:t>Choose a license.</a:t>
-            </a:r>
+            <a:endParaRPr lang="en-US" dirty="0"/>
           </a:p>
         </p:txBody>
       </p:sp>
@@ -5222,6 +5322,117 @@
     </p:spTree>
     <p:extLst>
       <p:ext uri="{BB962C8B-B14F-4D97-AF65-F5344CB8AC3E}">
+        <p14:creationId xmlns:p14="http://schemas.microsoft.com/office/powerpoint/2010/main" val="977678013"/>
+      </p:ext>
+    </p:extLst>
+  </p:cSld>
+  <p:clrMapOvr>
+    <a:masterClrMapping/>
+  </p:clrMapOvr>
+</p:notes>
+</file>
+
+<file path=ppt/notesSlides/notesSlide4.xml><?xml version="1.0" encoding="utf-8"?>
+<p:notes xmlns:a="http://schemas.openxmlformats.org/drawingml/2006/main" xmlns:r="http://schemas.openxmlformats.org/officeDocument/2006/relationships" xmlns:p="http://schemas.openxmlformats.org/presentationml/2006/main">
+  <p:cSld>
+    <p:spTree>
+      <p:nvGrpSpPr>
+        <p:cNvPr id="1" name=""/>
+        <p:cNvGrpSpPr/>
+        <p:nvPr/>
+      </p:nvGrpSpPr>
+      <p:grpSpPr>
+        <a:xfrm>
+          <a:off x="0" y="0"/>
+          <a:ext cx="0" cy="0"/>
+          <a:chOff x="0" y="0"/>
+          <a:chExt cx="0" cy="0"/>
+        </a:xfrm>
+      </p:grpSpPr>
+      <p:sp>
+        <p:nvSpPr>
+          <p:cNvPr id="2" name="Slide Image Placeholder 1"/>
+          <p:cNvSpPr>
+            <a:spLocks noGrp="1" noRot="1" noChangeAspect="1"/>
+          </p:cNvSpPr>
+          <p:nvPr>
+            <p:ph type="sldImg"/>
+          </p:nvPr>
+        </p:nvSpPr>
+        <p:spPr/>
+      </p:sp>
+      <p:sp>
+        <p:nvSpPr>
+          <p:cNvPr id="3" name="Notes Placeholder 2"/>
+          <p:cNvSpPr>
+            <a:spLocks noGrp="1"/>
+          </p:cNvSpPr>
+          <p:nvPr>
+            <p:ph type="body" idx="1"/>
+          </p:nvPr>
+        </p:nvSpPr>
+        <p:spPr/>
+        <p:txBody>
+          <a:bodyPr/>
+          <a:lstStyle/>
+          <a:p>
+            <a:pPr marL="171450" indent="-171450">
+              <a:buFont typeface="Arial" panose="020B0604020202020204" pitchFamily="34" charset="0"/>
+              <a:buChar char="•"/>
+            </a:pPr>
+            <a:r>
+              <a:rPr lang="en-US" dirty="0"/>
+              <a:t>Name the repository.</a:t>
+            </a:r>
+          </a:p>
+          <a:p>
+            <a:pPr marL="171450" indent="-171450">
+              <a:buFont typeface="Arial" panose="020B0604020202020204" pitchFamily="34" charset="0"/>
+              <a:buChar char="•"/>
+            </a:pPr>
+            <a:r>
+              <a:rPr lang="en-US" dirty="0"/>
+              <a:t>Add a README file.</a:t>
+            </a:r>
+          </a:p>
+          <a:p>
+            <a:pPr marL="171450" indent="-171450">
+              <a:buFont typeface="Arial" panose="020B0604020202020204" pitchFamily="34" charset="0"/>
+              <a:buChar char="•"/>
+            </a:pPr>
+            <a:r>
+              <a:rPr lang="en-US" dirty="0"/>
+              <a:t>Choose a license.</a:t>
+            </a:r>
+          </a:p>
+        </p:txBody>
+      </p:sp>
+      <p:sp>
+        <p:nvSpPr>
+          <p:cNvPr id="4" name="Slide Number Placeholder 3"/>
+          <p:cNvSpPr>
+            <a:spLocks noGrp="1"/>
+          </p:cNvSpPr>
+          <p:nvPr>
+            <p:ph type="sldNum" sz="quarter" idx="5"/>
+          </p:nvPr>
+        </p:nvSpPr>
+        <p:spPr/>
+        <p:txBody>
+          <a:bodyPr/>
+          <a:lstStyle/>
+          <a:p>
+            <a:fld id="{B7B3E9D7-7C42-42C9-B073-01B263BBC5B6}" type="slidenum">
+              <a:rPr lang="en-US" smtClean="0"/>
+              <a:t>6</a:t>
+            </a:fld>
+            <a:endParaRPr lang="en-US"/>
+          </a:p>
+        </p:txBody>
+      </p:sp>
+    </p:spTree>
+    <p:extLst>
+      <p:ext uri="{BB962C8B-B14F-4D97-AF65-F5344CB8AC3E}">
         <p14:creationId xmlns:p14="http://schemas.microsoft.com/office/powerpoint/2010/main" val="1627808153"/>
       </p:ext>
     </p:extLst>
@@ -5232,7 +5443,7 @@
 </p:notes>
 </file>
 
-<file path=ppt/notesSlides/notesSlide4.xml><?xml version="1.0" encoding="utf-8"?>
+<file path=ppt/notesSlides/notesSlide5.xml><?xml version="1.0" encoding="utf-8"?>
 <p:notes xmlns:a="http://schemas.openxmlformats.org/drawingml/2006/main" xmlns:r="http://schemas.openxmlformats.org/officeDocument/2006/relationships" xmlns:p="http://schemas.openxmlformats.org/presentationml/2006/main">
   <p:cSld>
     <p:spTree>
@@ -5321,7 +5532,7 @@
           <a:p>
             <a:fld id="{B7B3E9D7-7C42-42C9-B073-01B263BBC5B6}" type="slidenum">
               <a:rPr lang="en-US" smtClean="0"/>
-              <a:t>6</a:t>
+              <a:t>7</a:t>
             </a:fld>
             <a:endParaRPr lang="en-US"/>
           </a:p>
@@ -5331,134 +5542,6 @@
     <p:extLst>
       <p:ext uri="{BB962C8B-B14F-4D97-AF65-F5344CB8AC3E}">
         <p14:creationId xmlns:p14="http://schemas.microsoft.com/office/powerpoint/2010/main" val="3104298284"/>
-      </p:ext>
-    </p:extLst>
-  </p:cSld>
-  <p:clrMapOvr>
-    <a:masterClrMapping/>
-  </p:clrMapOvr>
-</p:notes>
-</file>
-
-<file path=ppt/notesSlides/notesSlide5.xml><?xml version="1.0" encoding="utf-8"?>
-<p:notes xmlns:a="http://schemas.openxmlformats.org/drawingml/2006/main" xmlns:r="http://schemas.openxmlformats.org/officeDocument/2006/relationships" xmlns:p="http://schemas.openxmlformats.org/presentationml/2006/main">
-  <p:cSld>
-    <p:spTree>
-      <p:nvGrpSpPr>
-        <p:cNvPr id="1" name=""/>
-        <p:cNvGrpSpPr/>
-        <p:nvPr/>
-      </p:nvGrpSpPr>
-      <p:grpSpPr>
-        <a:xfrm>
-          <a:off x="0" y="0"/>
-          <a:ext cx="0" cy="0"/>
-          <a:chOff x="0" y="0"/>
-          <a:chExt cx="0" cy="0"/>
-        </a:xfrm>
-      </p:grpSpPr>
-      <p:sp>
-        <p:nvSpPr>
-          <p:cNvPr id="2" name="Slide Image Placeholder 1"/>
-          <p:cNvSpPr>
-            <a:spLocks noGrp="1" noRot="1" noChangeAspect="1"/>
-          </p:cNvSpPr>
-          <p:nvPr>
-            <p:ph type="sldImg"/>
-          </p:nvPr>
-        </p:nvSpPr>
-        <p:spPr/>
-      </p:sp>
-      <p:sp>
-        <p:nvSpPr>
-          <p:cNvPr id="3" name="Notes Placeholder 2"/>
-          <p:cNvSpPr>
-            <a:spLocks noGrp="1"/>
-          </p:cNvSpPr>
-          <p:nvPr>
-            <p:ph type="body" idx="1"/>
-          </p:nvPr>
-        </p:nvSpPr>
-        <p:spPr/>
-        <p:txBody>
-          <a:bodyPr/>
-          <a:lstStyle/>
-          <a:p>
-            <a:pPr marL="171450" indent="-171450">
-              <a:buFont typeface="Arial" panose="020B0604020202020204" pitchFamily="34" charset="0"/>
-              <a:buChar char="•"/>
-            </a:pPr>
-            <a:r>
-              <a:rPr lang="en-US" dirty="0"/>
-              <a:t>Create a New Project.</a:t>
-            </a:r>
-          </a:p>
-          <a:p>
-            <a:pPr marL="628650" lvl="1" indent="-171450">
-              <a:buFont typeface="Arial" panose="020B0604020202020204" pitchFamily="34" charset="0"/>
-              <a:buChar char="•"/>
-            </a:pPr>
-            <a:r>
-              <a:rPr lang="en-US" dirty="0"/>
-              <a:t>Checkout a project from a Version Control repository.</a:t>
-            </a:r>
-          </a:p>
-          <a:p>
-            <a:pPr marL="628650" lvl="1" indent="-171450">
-              <a:buFont typeface="Arial" panose="020B0604020202020204" pitchFamily="34" charset="0"/>
-              <a:buChar char="•"/>
-            </a:pPr>
-            <a:r>
-              <a:rPr lang="en-US" dirty="0"/>
-              <a:t>Clone a project from a Git repository.</a:t>
-            </a:r>
-          </a:p>
-          <a:p>
-            <a:pPr marL="628650" lvl="1" indent="-171450">
-              <a:buFont typeface="Arial" panose="020B0604020202020204" pitchFamily="34" charset="0"/>
-              <a:buChar char="•"/>
-            </a:pPr>
-            <a:r>
-              <a:rPr lang="en-US" dirty="0"/>
-              <a:t>Use the URL for the repository you just created in GitHub.</a:t>
-            </a:r>
-          </a:p>
-          <a:p>
-            <a:pPr marL="628650" lvl="1" indent="-171450">
-              <a:buFont typeface="Arial" panose="020B0604020202020204" pitchFamily="34" charset="0"/>
-              <a:buChar char="•"/>
-            </a:pPr>
-            <a:endParaRPr lang="en-US" dirty="0"/>
-          </a:p>
-        </p:txBody>
-      </p:sp>
-      <p:sp>
-        <p:nvSpPr>
-          <p:cNvPr id="4" name="Slide Number Placeholder 3"/>
-          <p:cNvSpPr>
-            <a:spLocks noGrp="1"/>
-          </p:cNvSpPr>
-          <p:nvPr>
-            <p:ph type="sldNum" sz="quarter" idx="5"/>
-          </p:nvPr>
-        </p:nvSpPr>
-        <p:spPr/>
-        <p:txBody>
-          <a:bodyPr/>
-          <a:lstStyle/>
-          <a:p>
-            <a:fld id="{B7B3E9D7-7C42-42C9-B073-01B263BBC5B6}" type="slidenum">
-              <a:rPr lang="en-US" smtClean="0"/>
-              <a:t>7</a:t>
-            </a:fld>
-            <a:endParaRPr lang="en-US"/>
-          </a:p>
-        </p:txBody>
-      </p:sp>
-    </p:spTree>
-    <p:extLst>
-      <p:ext uri="{BB962C8B-B14F-4D97-AF65-F5344CB8AC3E}">
-        <p14:creationId xmlns:p14="http://schemas.microsoft.com/office/powerpoint/2010/main" val="2429561332"/>
       </p:ext>
     </p:extLst>
   </p:cSld>
@@ -5518,38 +5601,41 @@
             </a:pPr>
             <a:r>
               <a:rPr lang="en-US" dirty="0"/>
-              <a:t>Save task files to local repository (i.e., the relevant folder created in My Documents folder).</a:t>
+              <a:t>Create a New Project.</a:t>
             </a:r>
           </a:p>
           <a:p>
-            <a:pPr marL="171450" indent="-171450">
+            <a:pPr marL="628650" lvl="1" indent="-171450">
               <a:buFont typeface="Arial" panose="020B0604020202020204" pitchFamily="34" charset="0"/>
               <a:buChar char="•"/>
             </a:pPr>
             <a:r>
               <a:rPr lang="en-US" dirty="0"/>
-              <a:t>In the Git window, select changes to Commit (or save).</a:t>
+              <a:t>Checkout a project from a Version Control repository.</a:t>
             </a:r>
           </a:p>
           <a:p>
-            <a:pPr marL="171450" indent="-171450">
+            <a:pPr marL="628650" lvl="1" indent="-171450">
               <a:buFont typeface="Arial" panose="020B0604020202020204" pitchFamily="34" charset="0"/>
               <a:buChar char="•"/>
             </a:pPr>
             <a:r>
               <a:rPr lang="en-US" dirty="0"/>
-              <a:t>Describe changes, Commit changes, and Push changes to GitHub.</a:t>
+              <a:t>Clone a project from a Git repository.</a:t>
             </a:r>
           </a:p>
           <a:p>
-            <a:pPr marL="171450" indent="-171450">
+            <a:pPr marL="628650" lvl="1" indent="-171450">
               <a:buFont typeface="Arial" panose="020B0604020202020204" pitchFamily="34" charset="0"/>
               <a:buChar char="•"/>
             </a:pPr>
-            <a:endParaRPr lang="en-US" dirty="0"/>
-          </a:p>
-          <a:p>
-            <a:pPr marL="171450" indent="-171450">
+            <a:r>
+              <a:rPr lang="en-US" dirty="0"/>
+              <a:t>Use the URL for the repository you just created in GitHub.</a:t>
+            </a:r>
+          </a:p>
+          <a:p>
+            <a:pPr marL="628650" lvl="1" indent="-171450">
               <a:buFont typeface="Arial" panose="020B0604020202020204" pitchFamily="34" charset="0"/>
               <a:buChar char="•"/>
             </a:pPr>
@@ -5583,7 +5669,7 @@
     </p:spTree>
     <p:extLst>
       <p:ext uri="{BB962C8B-B14F-4D97-AF65-F5344CB8AC3E}">
-        <p14:creationId xmlns:p14="http://schemas.microsoft.com/office/powerpoint/2010/main" val="2591061018"/>
+        <p14:creationId xmlns:p14="http://schemas.microsoft.com/office/powerpoint/2010/main" val="2429561332"/>
       </p:ext>
     </p:extLst>
   </p:cSld>
@@ -5637,6 +5723,47 @@
           <a:bodyPr/>
           <a:lstStyle/>
           <a:p>
+            <a:pPr marL="171450" indent="-171450">
+              <a:buFont typeface="Arial" panose="020B0604020202020204" pitchFamily="34" charset="0"/>
+              <a:buChar char="•"/>
+            </a:pPr>
+            <a:r>
+              <a:rPr lang="en-US" dirty="0"/>
+              <a:t>Save task files to local repository (i.e., the relevant folder created in My Documents folder).</a:t>
+            </a:r>
+          </a:p>
+          <a:p>
+            <a:pPr marL="171450" indent="-171450">
+              <a:buFont typeface="Arial" panose="020B0604020202020204" pitchFamily="34" charset="0"/>
+              <a:buChar char="•"/>
+            </a:pPr>
+            <a:r>
+              <a:rPr lang="en-US" dirty="0"/>
+              <a:t>In the Git window, select changes to Commit (or save).</a:t>
+            </a:r>
+          </a:p>
+          <a:p>
+            <a:pPr marL="171450" indent="-171450">
+              <a:buFont typeface="Arial" panose="020B0604020202020204" pitchFamily="34" charset="0"/>
+              <a:buChar char="•"/>
+            </a:pPr>
+            <a:r>
+              <a:rPr lang="en-US" dirty="0"/>
+              <a:t>Describe changes, Commit changes, and Push changes to GitHub.</a:t>
+            </a:r>
+          </a:p>
+          <a:p>
+            <a:pPr marL="171450" indent="-171450">
+              <a:buFont typeface="Arial" panose="020B0604020202020204" pitchFamily="34" charset="0"/>
+              <a:buChar char="•"/>
+            </a:pPr>
+            <a:endParaRPr lang="en-US" dirty="0"/>
+          </a:p>
+          <a:p>
+            <a:pPr marL="171450" indent="-171450">
+              <a:buFont typeface="Arial" panose="020B0604020202020204" pitchFamily="34" charset="0"/>
+              <a:buChar char="•"/>
+            </a:pPr>
             <a:endParaRPr lang="en-US" dirty="0"/>
           </a:p>
         </p:txBody>
@@ -5667,7 +5794,7 @@
     </p:spTree>
     <p:extLst>
       <p:ext uri="{BB962C8B-B14F-4D97-AF65-F5344CB8AC3E}">
-        <p14:creationId xmlns:p14="http://schemas.microsoft.com/office/powerpoint/2010/main" val="2295977379"/>
+        <p14:creationId xmlns:p14="http://schemas.microsoft.com/office/powerpoint/2010/main" val="2591061018"/>
       </p:ext>
     </p:extLst>
   </p:cSld>
@@ -5721,68 +5848,7 @@
           <a:bodyPr/>
           <a:lstStyle/>
           <a:p>
-            <a:pPr marL="171450" indent="-171450">
-              <a:buFont typeface="Arial" panose="020B0604020202020204" pitchFamily="34" charset="0"/>
-              <a:buChar char="•"/>
-            </a:pPr>
-            <a:r>
-              <a:rPr lang="en-US" dirty="0" err="1"/>
-              <a:t>PowerBI</a:t>
-            </a:r>
-            <a:r>
-              <a:rPr lang="en-US" dirty="0"/>
-              <a:t>: Get data from other sources</a:t>
-            </a:r>
-          </a:p>
-          <a:p>
-            <a:pPr marL="628650" lvl="1" indent="-171450">
-              <a:buFont typeface="Arial" panose="020B0604020202020204" pitchFamily="34" charset="0"/>
-              <a:buChar char="•"/>
-            </a:pPr>
-            <a:r>
-              <a:rPr lang="en-US" dirty="0"/>
-              <a:t>GitHub: </a:t>
-            </a:r>
-          </a:p>
-          <a:p>
-            <a:pPr marL="1085850" lvl="2" indent="-171450">
-              <a:buFont typeface="Arial" panose="020B0604020202020204" pitchFamily="34" charset="0"/>
-              <a:buChar char="•"/>
-            </a:pPr>
-            <a:r>
-              <a:rPr lang="en-US" dirty="0"/>
-              <a:t>Enter username for Owner and Repository Name.</a:t>
-            </a:r>
-          </a:p>
-          <a:p>
-            <a:pPr marL="1085850" lvl="2" indent="-171450">
-              <a:buFont typeface="Arial" panose="020B0604020202020204" pitchFamily="34" charset="0"/>
-              <a:buChar char="•"/>
-            </a:pPr>
-            <a:r>
-              <a:rPr lang="en-US" dirty="0"/>
-              <a:t>Sign in.</a:t>
-            </a:r>
-          </a:p>
-          <a:p>
-            <a:pPr marL="1085850" lvl="2" indent="-171450">
-              <a:buFont typeface="Arial" panose="020B0604020202020204" pitchFamily="34" charset="0"/>
-              <a:buChar char="•"/>
-            </a:pPr>
-            <a:r>
-              <a:rPr lang="en-US" dirty="0"/>
-              <a:t>Authorize.</a:t>
-            </a:r>
-          </a:p>
-          <a:p>
-            <a:pPr marL="1085850" lvl="2" indent="-171450">
-              <a:buFont typeface="Arial" panose="020B0604020202020204" pitchFamily="34" charset="0"/>
-              <a:buChar char="•"/>
-            </a:pPr>
-            <a:r>
-              <a:rPr lang="en-US" dirty="0"/>
-              <a:t>Connect.</a:t>
-            </a:r>
+            <a:endParaRPr lang="en-US" dirty="0"/>
           </a:p>
         </p:txBody>
       </p:sp>
@@ -5812,7 +5878,7 @@
     </p:spTree>
     <p:extLst>
       <p:ext uri="{BB962C8B-B14F-4D97-AF65-F5344CB8AC3E}">
-        <p14:creationId xmlns:p14="http://schemas.microsoft.com/office/powerpoint/2010/main" val="1377252040"/>
+        <p14:creationId xmlns:p14="http://schemas.microsoft.com/office/powerpoint/2010/main" val="2295977379"/>
       </p:ext>
     </p:extLst>
   </p:cSld>
@@ -5827,13 +5893,7 @@
   <p:cSld>
     <p:spTree>
       <p:nvGrpSpPr>
-        <p:cNvPr id="1" name="">
-          <a:extLst>
-            <a:ext uri="{FF2B5EF4-FFF2-40B4-BE49-F238E27FC236}">
-              <a16:creationId xmlns:a16="http://schemas.microsoft.com/office/drawing/2014/main" id="{189F7BE7-857D-81DE-8F1C-041C44DB27DC}"/>
-            </a:ext>
-          </a:extLst>
-        </p:cNvPr>
+        <p:cNvPr id="1" name=""/>
         <p:cNvGrpSpPr/>
         <p:nvPr/>
       </p:nvGrpSpPr>
@@ -5847,13 +5907,7 @@
       </p:grpSpPr>
       <p:sp>
         <p:nvSpPr>
-          <p:cNvPr id="2" name="Slide Image Placeholder 1">
-            <a:extLst>
-              <a:ext uri="{FF2B5EF4-FFF2-40B4-BE49-F238E27FC236}">
-                <a16:creationId xmlns:a16="http://schemas.microsoft.com/office/drawing/2014/main" id="{4B6E823C-7693-479F-BDF3-0130A4DB4FDB}"/>
-              </a:ext>
-            </a:extLst>
-          </p:cNvPr>
+          <p:cNvPr id="2" name="Slide Image Placeholder 1"/>
           <p:cNvSpPr>
             <a:spLocks noGrp="1" noRot="1" noChangeAspect="1"/>
           </p:cNvSpPr>
@@ -5865,13 +5919,7 @@
       </p:sp>
       <p:sp>
         <p:nvSpPr>
-          <p:cNvPr id="3" name="Notes Placeholder 2">
-            <a:extLst>
-              <a:ext uri="{FF2B5EF4-FFF2-40B4-BE49-F238E27FC236}">
-                <a16:creationId xmlns:a16="http://schemas.microsoft.com/office/drawing/2014/main" id="{2EB54F32-1D24-C118-2E37-FD9B1BF92285}"/>
-              </a:ext>
-            </a:extLst>
-          </p:cNvPr>
+          <p:cNvPr id="3" name="Notes Placeholder 2"/>
           <p:cNvSpPr>
             <a:spLocks noGrp="1"/>
           </p:cNvSpPr>
@@ -5884,19 +5932,74 @@
           <a:bodyPr/>
           <a:lstStyle/>
           <a:p>
-            <a:endParaRPr lang="en-US" dirty="0"/>
+            <a:pPr marL="171450" indent="-171450">
+              <a:buFont typeface="Arial" panose="020B0604020202020204" pitchFamily="34" charset="0"/>
+              <a:buChar char="•"/>
+            </a:pPr>
+            <a:r>
+              <a:rPr lang="en-US" dirty="0" err="1"/>
+              <a:t>PowerBI</a:t>
+            </a:r>
+            <a:r>
+              <a:rPr lang="en-US" dirty="0"/>
+              <a:t>: Get data from other sources</a:t>
+            </a:r>
+          </a:p>
+          <a:p>
+            <a:pPr marL="628650" lvl="1" indent="-171450">
+              <a:buFont typeface="Arial" panose="020B0604020202020204" pitchFamily="34" charset="0"/>
+              <a:buChar char="•"/>
+            </a:pPr>
+            <a:r>
+              <a:rPr lang="en-US" dirty="0"/>
+              <a:t>GitHub: </a:t>
+            </a:r>
+          </a:p>
+          <a:p>
+            <a:pPr marL="1085850" lvl="2" indent="-171450">
+              <a:buFont typeface="Arial" panose="020B0604020202020204" pitchFamily="34" charset="0"/>
+              <a:buChar char="•"/>
+            </a:pPr>
+            <a:r>
+              <a:rPr lang="en-US" dirty="0"/>
+              <a:t>Enter username for Owner and Repository Name.</a:t>
+            </a:r>
+          </a:p>
+          <a:p>
+            <a:pPr marL="1085850" lvl="2" indent="-171450">
+              <a:buFont typeface="Arial" panose="020B0604020202020204" pitchFamily="34" charset="0"/>
+              <a:buChar char="•"/>
+            </a:pPr>
+            <a:r>
+              <a:rPr lang="en-US" dirty="0"/>
+              <a:t>Sign in.</a:t>
+            </a:r>
+          </a:p>
+          <a:p>
+            <a:pPr marL="1085850" lvl="2" indent="-171450">
+              <a:buFont typeface="Arial" panose="020B0604020202020204" pitchFamily="34" charset="0"/>
+              <a:buChar char="•"/>
+            </a:pPr>
+            <a:r>
+              <a:rPr lang="en-US" dirty="0"/>
+              <a:t>Authorize.</a:t>
+            </a:r>
+          </a:p>
+          <a:p>
+            <a:pPr marL="1085850" lvl="2" indent="-171450">
+              <a:buFont typeface="Arial" panose="020B0604020202020204" pitchFamily="34" charset="0"/>
+              <a:buChar char="•"/>
+            </a:pPr>
+            <a:r>
+              <a:rPr lang="en-US" dirty="0"/>
+              <a:t>Connect.</a:t>
+            </a:r>
           </a:p>
         </p:txBody>
       </p:sp>
       <p:sp>
         <p:nvSpPr>
-          <p:cNvPr id="4" name="Slide Number Placeholder 3">
-            <a:extLst>
-              <a:ext uri="{FF2B5EF4-FFF2-40B4-BE49-F238E27FC236}">
-                <a16:creationId xmlns:a16="http://schemas.microsoft.com/office/drawing/2014/main" id="{642301A1-EAE1-F696-FDCA-78DD789AEE89}"/>
-              </a:ext>
-            </a:extLst>
-          </p:cNvPr>
+          <p:cNvPr id="4" name="Slide Number Placeholder 3"/>
           <p:cNvSpPr>
             <a:spLocks noGrp="1"/>
           </p:cNvSpPr>
@@ -5911,7 +6014,7 @@
           <a:p>
             <a:fld id="{B7B3E9D7-7C42-42C9-B073-01B263BBC5B6}" type="slidenum">
               <a:rPr lang="en-US" smtClean="0"/>
-              <a:t>12</a:t>
+              <a:t>11</a:t>
             </a:fld>
             <a:endParaRPr lang="en-US"/>
           </a:p>
@@ -5920,7 +6023,7 @@
     </p:spTree>
     <p:extLst>
       <p:ext uri="{BB962C8B-B14F-4D97-AF65-F5344CB8AC3E}">
-        <p14:creationId xmlns:p14="http://schemas.microsoft.com/office/powerpoint/2010/main" val="2540584262"/>
+        <p14:creationId xmlns:p14="http://schemas.microsoft.com/office/powerpoint/2010/main" val="1377252040"/>
       </p:ext>
     </p:extLst>
   </p:cSld>
@@ -9376,7 +9479,10 @@
           </a:bodyPr>
           <a:lstStyle/>
           <a:p>
-            <a:endParaRPr lang="en-US"/>
+            <a:r>
+              <a:rPr lang="en-US" dirty="0"/>
+              <a:t>How-To</a:t>
+            </a:r>
           </a:p>
         </p:txBody>
       </p:sp>
@@ -9408,7 +9514,10 @@
           </a:bodyPr>
           <a:lstStyle/>
           <a:p>
-            <a:endParaRPr lang="en-US"/>
+            <a:r>
+              <a:rPr lang="en-US" dirty="0"/>
+              <a:t>Center for Advanced Analytics: Behavioral Science Task</a:t>
+            </a:r>
           </a:p>
         </p:txBody>
       </p:sp>
@@ -9874,6 +9983,700 @@
 </file>
 
 <file path=ppt/slides/slide10.xml><?xml version="1.0" encoding="utf-8"?>
+<p:sld xmlns:a="http://schemas.openxmlformats.org/drawingml/2006/main" xmlns:r="http://schemas.openxmlformats.org/officeDocument/2006/relationships" xmlns:p="http://schemas.openxmlformats.org/presentationml/2006/main">
+  <p:cSld>
+    <p:bg>
+      <p:bgPr>
+        <a:solidFill>
+          <a:schemeClr val="bg1"/>
+        </a:solidFill>
+        <a:effectLst/>
+      </p:bgPr>
+    </p:bg>
+    <p:spTree>
+      <p:nvGrpSpPr>
+        <p:cNvPr id="1" name=""/>
+        <p:cNvGrpSpPr/>
+        <p:nvPr/>
+      </p:nvGrpSpPr>
+      <p:grpSpPr>
+        <a:xfrm>
+          <a:off x="0" y="0"/>
+          <a:ext cx="0" cy="0"/>
+          <a:chOff x="0" y="0"/>
+          <a:chExt cx="0" cy="0"/>
+        </a:xfrm>
+      </p:grpSpPr>
+      <p:sp>
+        <p:nvSpPr>
+          <p:cNvPr id="50" name="Freeform: Shape 49">
+            <a:extLst>
+              <a:ext uri="{FF2B5EF4-FFF2-40B4-BE49-F238E27FC236}">
+                <a16:creationId xmlns:a16="http://schemas.microsoft.com/office/drawing/2014/main" id="{AE192E3E-68A9-4F36-936C-1C8D0B9EF132}"/>
+              </a:ext>
+              <a:ext uri="{C183D7F6-B498-43B3-948B-1728B52AA6E4}">
+                <adec:decorative xmlns:adec="http://schemas.microsoft.com/office/drawing/2017/decorative" val="1"/>
+              </a:ext>
+            </a:extLst>
+          </p:cNvPr>
+          <p:cNvSpPr>
+            <a:spLocks noGrp="1" noRot="1" noChangeAspect="1" noMove="1" noResize="1" noEditPoints="1" noAdjustHandles="1" noChangeArrowheads="1" noChangeShapeType="1" noTextEdit="1"/>
+          </p:cNvSpPr>
+          <p:nvPr>
+            <p:extLst>
+              <p:ext uri="{386F3935-93C4-4BCD-93E2-E3B085C9AB24}">
+                <p16:designElem xmlns:p16="http://schemas.microsoft.com/office/powerpoint/2015/main" val="1"/>
+              </p:ext>
+            </p:extLst>
+          </p:nvPr>
+        </p:nvSpPr>
+        <p:spPr>
+          <a:xfrm>
+            <a:off x="8803792" y="3455896"/>
+            <a:ext cx="3388208" cy="3406341"/>
+          </a:xfrm>
+          <a:custGeom>
+            <a:avLst/>
+            <a:gdLst>
+              <a:gd name="connsiteX0" fmla="*/ 3388058 w 3388208"/>
+              <a:gd name="connsiteY0" fmla="*/ 0 h 3406341"/>
+              <a:gd name="connsiteX1" fmla="*/ 3388208 w 3388208"/>
+              <a:gd name="connsiteY1" fmla="*/ 0 h 3406341"/>
+              <a:gd name="connsiteX2" fmla="*/ 3388208 w 3388208"/>
+              <a:gd name="connsiteY2" fmla="*/ 3406341 h 3406341"/>
+              <a:gd name="connsiteX3" fmla="*/ 0 w 3388208"/>
+              <a:gd name="connsiteY3" fmla="*/ 3406341 h 3406341"/>
+              <a:gd name="connsiteX4" fmla="*/ 79006 w 3388208"/>
+              <a:gd name="connsiteY4" fmla="*/ 3404386 h 3406341"/>
+              <a:gd name="connsiteX5" fmla="*/ 3383947 w 3388208"/>
+              <a:gd name="connsiteY5" fmla="*/ 164274 h 3406341"/>
+            </a:gdLst>
+            <a:ahLst/>
+            <a:cxnLst>
+              <a:cxn ang="0">
+                <a:pos x="connsiteX0" y="connsiteY0"/>
+              </a:cxn>
+              <a:cxn ang="0">
+                <a:pos x="connsiteX1" y="connsiteY1"/>
+              </a:cxn>
+              <a:cxn ang="0">
+                <a:pos x="connsiteX2" y="connsiteY2"/>
+              </a:cxn>
+              <a:cxn ang="0">
+                <a:pos x="connsiteX3" y="connsiteY3"/>
+              </a:cxn>
+              <a:cxn ang="0">
+                <a:pos x="connsiteX4" y="connsiteY4"/>
+              </a:cxn>
+              <a:cxn ang="0">
+                <a:pos x="connsiteX5" y="connsiteY5"/>
+              </a:cxn>
+            </a:cxnLst>
+            <a:rect l="l" t="t" r="r" b="b"/>
+            <a:pathLst>
+              <a:path w="3388208" h="3406341">
+                <a:moveTo>
+                  <a:pt x="3388058" y="0"/>
+                </a:moveTo>
+                <a:lnTo>
+                  <a:pt x="3388208" y="0"/>
+                </a:lnTo>
+                <a:lnTo>
+                  <a:pt x="3388208" y="3406341"/>
+                </a:lnTo>
+                <a:lnTo>
+                  <a:pt x="0" y="3406341"/>
+                </a:lnTo>
+                <a:lnTo>
+                  <a:pt x="79006" y="3404386"/>
+                </a:lnTo>
+                <a:cubicBezTo>
+                  <a:pt x="1864742" y="3315784"/>
+                  <a:pt x="3296223" y="1912901"/>
+                  <a:pt x="3383947" y="164274"/>
+                </a:cubicBezTo>
+                <a:close/>
+              </a:path>
+            </a:pathLst>
+          </a:custGeom>
+          <a:solidFill>
+            <a:schemeClr val="accent5"/>
+          </a:solidFill>
+          <a:ln>
+            <a:noFill/>
+          </a:ln>
+        </p:spPr>
+        <p:style>
+          <a:lnRef idx="2">
+            <a:schemeClr val="accent1">
+              <a:shade val="50000"/>
+            </a:schemeClr>
+          </a:lnRef>
+          <a:fillRef idx="1">
+            <a:schemeClr val="accent1"/>
+          </a:fillRef>
+          <a:effectRef idx="0">
+            <a:schemeClr val="accent1"/>
+          </a:effectRef>
+          <a:fontRef idx="minor">
+            <a:schemeClr val="lt1"/>
+          </a:fontRef>
+        </p:style>
+        <p:txBody>
+          <a:bodyPr wrap="square" rtlCol="0" anchor="ctr">
+            <a:noAutofit/>
+          </a:bodyPr>
+          <a:lstStyle/>
+          <a:p>
+            <a:pPr algn="ctr"/>
+            <a:endParaRPr lang="en-US"/>
+          </a:p>
+        </p:txBody>
+      </p:sp>
+      <p:sp useBgFill="1">
+        <p:nvSpPr>
+          <p:cNvPr id="52" name="Rectangle 51">
+            <a:extLst>
+              <a:ext uri="{FF2B5EF4-FFF2-40B4-BE49-F238E27FC236}">
+                <a16:creationId xmlns:a16="http://schemas.microsoft.com/office/drawing/2014/main" id="{AA447381-A1D4-4821-B1C9-7370B36F28B5}"/>
+              </a:ext>
+              <a:ext uri="{C183D7F6-B498-43B3-948B-1728B52AA6E4}">
+                <adec:decorative xmlns:adec="http://schemas.microsoft.com/office/drawing/2017/decorative" val="1"/>
+              </a:ext>
+            </a:extLst>
+          </p:cNvPr>
+          <p:cNvSpPr>
+            <a:spLocks noGrp="1" noRot="1" noChangeAspect="1" noMove="1" noResize="1" noEditPoints="1" noAdjustHandles="1" noChangeArrowheads="1" noChangeShapeType="1" noTextEdit="1"/>
+          </p:cNvSpPr>
+          <p:nvPr>
+            <p:extLst>
+              <p:ext uri="{386F3935-93C4-4BCD-93E2-E3B085C9AB24}">
+                <p16:designElem xmlns:p16="http://schemas.microsoft.com/office/powerpoint/2015/main" val="1"/>
+              </p:ext>
+            </p:extLst>
+          </p:nvPr>
+        </p:nvSpPr>
+        <p:spPr>
+          <a:xfrm>
+            <a:off x="0" y="0"/>
+            <a:ext cx="12192000" cy="6858000"/>
+          </a:xfrm>
+          <a:prstGeom prst="rect">
+            <a:avLst/>
+          </a:prstGeom>
+          <a:ln w="12700" cap="flat" cmpd="sng" algn="ctr">
+            <a:noFill/>
+            <a:prstDash val="solid"/>
+            <a:miter lim="800000"/>
+          </a:ln>
+          <a:effectLst/>
+          <a:extLst>
+            <a:ext uri="{91240B29-F687-4F45-9708-019B960494DF}">
+              <a14:hiddenLine xmlns:a14="http://schemas.microsoft.com/office/drawing/2010/main" w="12700" cap="flat" cmpd="sng" algn="ctr">
+                <a:solidFill>
+                  <a:schemeClr val="accent1">
+                    <a:shade val="50000"/>
+                  </a:schemeClr>
+                </a:solidFill>
+                <a:prstDash val="solid"/>
+                <a:miter lim="800000"/>
+              </a14:hiddenLine>
+            </a:ext>
+          </a:extLst>
+        </p:spPr>
+        <p:style>
+          <a:lnRef idx="2">
+            <a:schemeClr val="accent1">
+              <a:shade val="50000"/>
+            </a:schemeClr>
+          </a:lnRef>
+          <a:fillRef idx="1">
+            <a:schemeClr val="accent1"/>
+          </a:fillRef>
+          <a:effectRef idx="0">
+            <a:schemeClr val="accent1"/>
+          </a:effectRef>
+          <a:fontRef idx="minor">
+            <a:schemeClr val="lt1"/>
+          </a:fontRef>
+        </p:style>
+        <p:txBody>
+          <a:bodyPr rtlCol="0" anchor="ctr"/>
+          <a:lstStyle/>
+          <a:p>
+            <a:pPr algn="ctr"/>
+            <a:endParaRPr lang="en-US"/>
+          </a:p>
+        </p:txBody>
+      </p:sp>
+      <p:sp>
+        <p:nvSpPr>
+          <p:cNvPr id="54" name="Rectangle 53">
+            <a:extLst>
+              <a:ext uri="{FF2B5EF4-FFF2-40B4-BE49-F238E27FC236}">
+                <a16:creationId xmlns:a16="http://schemas.microsoft.com/office/drawing/2014/main" id="{B36BA507-8EBB-41BC-B10D-D9ED7F17EE89}"/>
+              </a:ext>
+              <a:ext uri="{C183D7F6-B498-43B3-948B-1728B52AA6E4}">
+                <adec:decorative xmlns:adec="http://schemas.microsoft.com/office/drawing/2017/decorative" val="1"/>
+              </a:ext>
+            </a:extLst>
+          </p:cNvPr>
+          <p:cNvSpPr>
+            <a:spLocks noGrp="1" noRot="1" noChangeAspect="1" noMove="1" noResize="1" noEditPoints="1" noAdjustHandles="1" noChangeArrowheads="1" noChangeShapeType="1" noTextEdit="1"/>
+          </p:cNvSpPr>
+          <p:nvPr>
+            <p:extLst>
+              <p:ext uri="{386F3935-93C4-4BCD-93E2-E3B085C9AB24}">
+                <p16:designElem xmlns:p16="http://schemas.microsoft.com/office/powerpoint/2015/main" val="1"/>
+              </p:ext>
+            </p:extLst>
+          </p:nvPr>
+        </p:nvSpPr>
+        <p:spPr>
+          <a:xfrm rot="10800000" flipH="1" flipV="1">
+            <a:off x="-4099" y="3429001"/>
+            <a:ext cx="3483870" cy="3428999"/>
+          </a:xfrm>
+          <a:prstGeom prst="rect">
+            <a:avLst/>
+          </a:prstGeom>
+          <a:solidFill>
+            <a:schemeClr val="accent4">
+              <a:lumMod val="40000"/>
+              <a:lumOff val="60000"/>
+            </a:schemeClr>
+          </a:solidFill>
+          <a:ln>
+            <a:noFill/>
+          </a:ln>
+        </p:spPr>
+        <p:style>
+          <a:lnRef idx="2">
+            <a:schemeClr val="accent1">
+              <a:shade val="50000"/>
+            </a:schemeClr>
+          </a:lnRef>
+          <a:fillRef idx="1">
+            <a:schemeClr val="accent1"/>
+          </a:fillRef>
+          <a:effectRef idx="0">
+            <a:schemeClr val="accent1"/>
+          </a:effectRef>
+          <a:fontRef idx="minor">
+            <a:schemeClr val="lt1"/>
+          </a:fontRef>
+        </p:style>
+        <p:txBody>
+          <a:bodyPr rtlCol="0" anchor="ctr"/>
+          <a:lstStyle/>
+          <a:p>
+            <a:pPr algn="ctr"/>
+            <a:endParaRPr lang="en-US" dirty="0"/>
+          </a:p>
+        </p:txBody>
+      </p:sp>
+      <p:sp>
+        <p:nvSpPr>
+          <p:cNvPr id="56" name="Freeform: Shape 55">
+            <a:extLst>
+              <a:ext uri="{FF2B5EF4-FFF2-40B4-BE49-F238E27FC236}">
+                <a16:creationId xmlns:a16="http://schemas.microsoft.com/office/drawing/2014/main" id="{D8A12D28-1F38-4C3F-8519-C9BF0D95735C}"/>
+              </a:ext>
+              <a:ext uri="{C183D7F6-B498-43B3-948B-1728B52AA6E4}">
+                <adec:decorative xmlns:adec="http://schemas.microsoft.com/office/drawing/2017/decorative" val="1"/>
+              </a:ext>
+            </a:extLst>
+          </p:cNvPr>
+          <p:cNvSpPr>
+            <a:spLocks noGrp="1" noRot="1" noChangeAspect="1" noMove="1" noResize="1" noEditPoints="1" noAdjustHandles="1" noChangeArrowheads="1" noChangeShapeType="1" noTextEdit="1"/>
+          </p:cNvSpPr>
+          <p:nvPr>
+            <p:extLst>
+              <p:ext uri="{386F3935-93C4-4BCD-93E2-E3B085C9AB24}">
+                <p16:designElem xmlns:p16="http://schemas.microsoft.com/office/powerpoint/2015/main" val="1"/>
+              </p:ext>
+            </p:extLst>
+          </p:nvPr>
+        </p:nvSpPr>
+        <p:spPr>
+          <a:xfrm flipH="1">
+            <a:off x="0" y="3427750"/>
+            <a:ext cx="3479772" cy="3430249"/>
+          </a:xfrm>
+          <a:custGeom>
+            <a:avLst/>
+            <a:gdLst>
+              <a:gd name="connsiteX0" fmla="*/ 0 w 2559050"/>
+              <a:gd name="connsiteY0" fmla="*/ 0 h 2559050"/>
+              <a:gd name="connsiteX1" fmla="*/ 2559050 w 2559050"/>
+              <a:gd name="connsiteY1" fmla="*/ 0 h 2559050"/>
+              <a:gd name="connsiteX2" fmla="*/ 0 w 2559050"/>
+              <a:gd name="connsiteY2" fmla="*/ 2559050 h 2559050"/>
+            </a:gdLst>
+            <a:ahLst/>
+            <a:cxnLst>
+              <a:cxn ang="0">
+                <a:pos x="connsiteX0" y="connsiteY0"/>
+              </a:cxn>
+              <a:cxn ang="0">
+                <a:pos x="connsiteX1" y="connsiteY1"/>
+              </a:cxn>
+              <a:cxn ang="0">
+                <a:pos x="connsiteX2" y="connsiteY2"/>
+              </a:cxn>
+            </a:cxnLst>
+            <a:rect l="l" t="t" r="r" b="b"/>
+            <a:pathLst>
+              <a:path w="2559050" h="2559050">
+                <a:moveTo>
+                  <a:pt x="0" y="0"/>
+                </a:moveTo>
+                <a:lnTo>
+                  <a:pt x="2559050" y="0"/>
+                </a:lnTo>
+                <a:cubicBezTo>
+                  <a:pt x="2559050" y="1413324"/>
+                  <a:pt x="1413324" y="2559050"/>
+                  <a:pt x="0" y="2559050"/>
+                </a:cubicBezTo>
+                <a:close/>
+              </a:path>
+            </a:pathLst>
+          </a:custGeom>
+          <a:solidFill>
+            <a:schemeClr val="accent5"/>
+          </a:solidFill>
+          <a:ln>
+            <a:noFill/>
+          </a:ln>
+        </p:spPr>
+        <p:style>
+          <a:lnRef idx="2">
+            <a:schemeClr val="accent1">
+              <a:shade val="50000"/>
+            </a:schemeClr>
+          </a:lnRef>
+          <a:fillRef idx="1">
+            <a:schemeClr val="accent1"/>
+          </a:fillRef>
+          <a:effectRef idx="0">
+            <a:schemeClr val="accent1"/>
+          </a:effectRef>
+          <a:fontRef idx="minor">
+            <a:schemeClr val="lt1"/>
+          </a:fontRef>
+        </p:style>
+        <p:txBody>
+          <a:bodyPr wrap="square" rtlCol="0" anchor="ctr">
+            <a:noAutofit/>
+          </a:bodyPr>
+          <a:lstStyle/>
+          <a:p>
+            <a:pPr algn="ctr"/>
+            <a:endParaRPr lang="en-US">
+              <a:solidFill>
+                <a:schemeClr val="tx1"/>
+              </a:solidFill>
+            </a:endParaRPr>
+          </a:p>
+        </p:txBody>
+      </p:sp>
+      <p:sp>
+        <p:nvSpPr>
+          <p:cNvPr id="58" name="Rectangle 57">
+            <a:extLst>
+              <a:ext uri="{FF2B5EF4-FFF2-40B4-BE49-F238E27FC236}">
+                <a16:creationId xmlns:a16="http://schemas.microsoft.com/office/drawing/2014/main" id="{F6B5EBAF-DB0B-4E76-8845-85F43B5033DD}"/>
+              </a:ext>
+              <a:ext uri="{C183D7F6-B498-43B3-948B-1728B52AA6E4}">
+                <adec:decorative xmlns:adec="http://schemas.microsoft.com/office/drawing/2017/decorative" val="1"/>
+              </a:ext>
+            </a:extLst>
+          </p:cNvPr>
+          <p:cNvSpPr>
+            <a:spLocks noGrp="1" noRot="1" noChangeAspect="1" noMove="1" noResize="1" noEditPoints="1" noAdjustHandles="1" noChangeArrowheads="1" noChangeShapeType="1" noTextEdit="1"/>
+          </p:cNvSpPr>
+          <p:nvPr>
+            <p:extLst>
+              <p:ext uri="{386F3935-93C4-4BCD-93E2-E3B085C9AB24}">
+                <p16:designElem xmlns:p16="http://schemas.microsoft.com/office/powerpoint/2015/main" val="1"/>
+              </p:ext>
+            </p:extLst>
+          </p:nvPr>
+        </p:nvSpPr>
+        <p:spPr>
+          <a:xfrm rot="10800000" flipH="1" flipV="1">
+            <a:off x="3479772" y="3429001"/>
+            <a:ext cx="8712227" cy="3428999"/>
+          </a:xfrm>
+          <a:prstGeom prst="rect">
+            <a:avLst/>
+          </a:prstGeom>
+          <a:solidFill>
+            <a:schemeClr val="accent1">
+              <a:lumMod val="60000"/>
+              <a:lumOff val="40000"/>
+            </a:schemeClr>
+          </a:solidFill>
+          <a:ln>
+            <a:noFill/>
+          </a:ln>
+        </p:spPr>
+        <p:style>
+          <a:lnRef idx="2">
+            <a:schemeClr val="accent1">
+              <a:shade val="50000"/>
+            </a:schemeClr>
+          </a:lnRef>
+          <a:fillRef idx="1">
+            <a:schemeClr val="accent1"/>
+          </a:fillRef>
+          <a:effectRef idx="0">
+            <a:schemeClr val="accent1"/>
+          </a:effectRef>
+          <a:fontRef idx="minor">
+            <a:schemeClr val="lt1"/>
+          </a:fontRef>
+        </p:style>
+        <p:txBody>
+          <a:bodyPr rtlCol="0" anchor="ctr"/>
+          <a:lstStyle/>
+          <a:p>
+            <a:pPr algn="ctr"/>
+            <a:endParaRPr lang="en-US" dirty="0"/>
+          </a:p>
+        </p:txBody>
+      </p:sp>
+      <p:sp>
+        <p:nvSpPr>
+          <p:cNvPr id="60" name="Rectangle 34">
+            <a:extLst>
+              <a:ext uri="{FF2B5EF4-FFF2-40B4-BE49-F238E27FC236}">
+                <a16:creationId xmlns:a16="http://schemas.microsoft.com/office/drawing/2014/main" id="{7C3391C8-8289-499C-B830-A3EACA618EE4}"/>
+              </a:ext>
+              <a:ext uri="{C183D7F6-B498-43B3-948B-1728B52AA6E4}">
+                <adec:decorative xmlns:adec="http://schemas.microsoft.com/office/drawing/2017/decorative" val="1"/>
+              </a:ext>
+            </a:extLst>
+          </p:cNvPr>
+          <p:cNvSpPr>
+            <a:spLocks noGrp="1" noRot="1" noChangeAspect="1" noMove="1" noResize="1" noEditPoints="1" noAdjustHandles="1" noChangeArrowheads="1" noChangeShapeType="1" noTextEdit="1"/>
+          </p:cNvSpPr>
+          <p:nvPr>
+            <p:extLst>
+              <p:ext uri="{386F3935-93C4-4BCD-93E2-E3B085C9AB24}">
+                <p16:designElem xmlns:p16="http://schemas.microsoft.com/office/powerpoint/2015/main" val="1"/>
+              </p:ext>
+            </p:extLst>
+          </p:nvPr>
+        </p:nvSpPr>
+        <p:spPr>
+          <a:xfrm rot="5400000" flipH="1" flipV="1">
+            <a:off x="3502418" y="3405102"/>
+            <a:ext cx="3429002" cy="3474296"/>
+          </a:xfrm>
+          <a:custGeom>
+            <a:avLst/>
+            <a:gdLst>
+              <a:gd name="connsiteX0" fmla="*/ 0 w 3484819"/>
+              <a:gd name="connsiteY0" fmla="*/ 0 h 3430264"/>
+              <a:gd name="connsiteX1" fmla="*/ 3484819 w 3484819"/>
+              <a:gd name="connsiteY1" fmla="*/ 0 h 3430264"/>
+              <a:gd name="connsiteX2" fmla="*/ 3484819 w 3484819"/>
+              <a:gd name="connsiteY2" fmla="*/ 3430264 h 3430264"/>
+              <a:gd name="connsiteX3" fmla="*/ 0 w 3484819"/>
+              <a:gd name="connsiteY3" fmla="*/ 3430264 h 3430264"/>
+              <a:gd name="connsiteX4" fmla="*/ 0 w 3484819"/>
+              <a:gd name="connsiteY4" fmla="*/ 0 h 3430264"/>
+              <a:gd name="connsiteX0" fmla="*/ 0 w 3484819"/>
+              <a:gd name="connsiteY0" fmla="*/ 0 h 3430264"/>
+              <a:gd name="connsiteX1" fmla="*/ 3484819 w 3484819"/>
+              <a:gd name="connsiteY1" fmla="*/ 0 h 3430264"/>
+              <a:gd name="connsiteX2" fmla="*/ 0 w 3484819"/>
+              <a:gd name="connsiteY2" fmla="*/ 3430264 h 3430264"/>
+              <a:gd name="connsiteX3" fmla="*/ 0 w 3484819"/>
+              <a:gd name="connsiteY3" fmla="*/ 0 h 3430264"/>
+            </a:gdLst>
+            <a:ahLst/>
+            <a:cxnLst>
+              <a:cxn ang="0">
+                <a:pos x="connsiteX0" y="connsiteY0"/>
+              </a:cxn>
+              <a:cxn ang="0">
+                <a:pos x="connsiteX1" y="connsiteY1"/>
+              </a:cxn>
+              <a:cxn ang="0">
+                <a:pos x="connsiteX2" y="connsiteY2"/>
+              </a:cxn>
+              <a:cxn ang="0">
+                <a:pos x="connsiteX3" y="connsiteY3"/>
+              </a:cxn>
+            </a:cxnLst>
+            <a:rect l="l" t="t" r="r" b="b"/>
+            <a:pathLst>
+              <a:path w="3484819" h="3430264">
+                <a:moveTo>
+                  <a:pt x="0" y="0"/>
+                </a:moveTo>
+                <a:lnTo>
+                  <a:pt x="3484819" y="0"/>
+                </a:lnTo>
+                <a:lnTo>
+                  <a:pt x="0" y="3430264"/>
+                </a:lnTo>
+                <a:lnTo>
+                  <a:pt x="0" y="0"/>
+                </a:lnTo>
+                <a:close/>
+              </a:path>
+            </a:pathLst>
+          </a:custGeom>
+          <a:solidFill>
+            <a:schemeClr val="accent2"/>
+          </a:solidFill>
+          <a:ln>
+            <a:noFill/>
+          </a:ln>
+        </p:spPr>
+        <p:style>
+          <a:lnRef idx="2">
+            <a:schemeClr val="accent1">
+              <a:shade val="50000"/>
+            </a:schemeClr>
+          </a:lnRef>
+          <a:fillRef idx="1">
+            <a:schemeClr val="accent1"/>
+          </a:fillRef>
+          <a:effectRef idx="0">
+            <a:schemeClr val="accent1"/>
+          </a:effectRef>
+          <a:fontRef idx="minor">
+            <a:schemeClr val="lt1"/>
+          </a:fontRef>
+        </p:style>
+        <p:txBody>
+          <a:bodyPr rtlCol="0" anchor="ctr"/>
+          <a:lstStyle/>
+          <a:p>
+            <a:pPr algn="ctr"/>
+            <a:endParaRPr lang="en-US" dirty="0"/>
+          </a:p>
+        </p:txBody>
+      </p:sp>
+      <p:sp>
+        <p:nvSpPr>
+          <p:cNvPr id="62" name="Oval 61">
+            <a:extLst>
+              <a:ext uri="{FF2B5EF4-FFF2-40B4-BE49-F238E27FC236}">
+                <a16:creationId xmlns:a16="http://schemas.microsoft.com/office/drawing/2014/main" id="{7C7FAD3D-CE22-4C88-85EA-13FC95D289DD}"/>
+              </a:ext>
+              <a:ext uri="{C183D7F6-B498-43B3-948B-1728B52AA6E4}">
+                <adec:decorative xmlns:adec="http://schemas.microsoft.com/office/drawing/2017/decorative" val="1"/>
+              </a:ext>
+            </a:extLst>
+          </p:cNvPr>
+          <p:cNvSpPr>
+            <a:spLocks noGrp="1" noRot="1" noChangeAspect="1" noMove="1" noResize="1" noEditPoints="1" noAdjustHandles="1" noChangeArrowheads="1" noChangeShapeType="1" noTextEdit="1"/>
+          </p:cNvSpPr>
+          <p:nvPr>
+            <p:extLst>
+              <p:ext uri="{386F3935-93C4-4BCD-93E2-E3B085C9AB24}">
+                <p16:designElem xmlns:p16="http://schemas.microsoft.com/office/powerpoint/2015/main" val="1"/>
+              </p:ext>
+            </p:extLst>
+          </p:nvPr>
+        </p:nvSpPr>
+        <p:spPr>
+          <a:xfrm>
+            <a:off x="8922467" y="3607646"/>
+            <a:ext cx="3070455" cy="3070455"/>
+          </a:xfrm>
+          <a:prstGeom prst="ellipse">
+            <a:avLst/>
+          </a:prstGeom>
+          <a:solidFill>
+            <a:srgbClr val="FFFFFF"/>
+          </a:solidFill>
+          <a:ln>
+            <a:noFill/>
+          </a:ln>
+        </p:spPr>
+        <p:style>
+          <a:lnRef idx="2">
+            <a:schemeClr val="accent1">
+              <a:shade val="50000"/>
+            </a:schemeClr>
+          </a:lnRef>
+          <a:fillRef idx="1">
+            <a:schemeClr val="accent1"/>
+          </a:fillRef>
+          <a:effectRef idx="0">
+            <a:schemeClr val="accent1"/>
+          </a:effectRef>
+          <a:fontRef idx="minor">
+            <a:schemeClr val="lt1"/>
+          </a:fontRef>
+        </p:style>
+        <p:txBody>
+          <a:bodyPr rtlCol="0" anchor="ctr"/>
+          <a:lstStyle/>
+          <a:p>
+            <a:pPr algn="ctr"/>
+            <a:endParaRPr lang="en-US"/>
+          </a:p>
+        </p:txBody>
+      </p:sp>
+      <p:pic>
+        <p:nvPicPr>
+          <p:cNvPr id="7" name="Picture 6" descr="A yellow bar chart with black background&#10;&#10;AI-generated content may be incorrect.">
+            <a:extLst>
+              <a:ext uri="{FF2B5EF4-FFF2-40B4-BE49-F238E27FC236}">
+                <a16:creationId xmlns:a16="http://schemas.microsoft.com/office/drawing/2014/main" id="{0F76F279-31D0-658B-A032-9A5077391A22}"/>
+              </a:ext>
+            </a:extLst>
+          </p:cNvPr>
+          <p:cNvPicPr>
+            <a:picLocks noChangeAspect="1"/>
+          </p:cNvPicPr>
+          <p:nvPr/>
+        </p:nvPicPr>
+        <p:blipFill>
+          <a:blip r:embed="rId3">
+            <a:extLst>
+              <a:ext uri="{28A0092B-C50C-407E-A947-70E740481C1C}">
+                <a14:useLocalDpi xmlns:a14="http://schemas.microsoft.com/office/drawing/2010/main" val="0"/>
+              </a:ext>
+            </a:extLst>
+          </a:blip>
+          <a:srcRect t="24448" b="26176"/>
+          <a:stretch>
+            <a:fillRect/>
+          </a:stretch>
+        </p:blipFill>
+        <p:spPr>
+          <a:xfrm>
+            <a:off x="9086094" y="4465010"/>
+            <a:ext cx="2743200" cy="1354479"/>
+          </a:xfrm>
+          <a:prstGeom prst="rect">
+            <a:avLst/>
+          </a:prstGeom>
+        </p:spPr>
+      </p:pic>
+    </p:spTree>
+    <p:extLst>
+      <p:ext uri="{BB962C8B-B14F-4D97-AF65-F5344CB8AC3E}">
+        <p14:creationId xmlns:p14="http://schemas.microsoft.com/office/powerpoint/2010/main" val="637506734"/>
+      </p:ext>
+    </p:extLst>
+  </p:cSld>
+  <p:clrMapOvr>
+    <a:masterClrMapping/>
+  </p:clrMapOvr>
+</p:sld>
+</file>
+
+<file path=ppt/slides/slide11.xml><?xml version="1.0" encoding="utf-8"?>
 <p:sld xmlns:a="http://schemas.openxmlformats.org/drawingml/2006/main" xmlns:r="http://schemas.openxmlformats.org/officeDocument/2006/relationships" xmlns:p="http://schemas.openxmlformats.org/presentationml/2006/main">
   <p:cSld>
     <p:spTree>
@@ -10251,7 +11054,7 @@
 </p:sld>
 </file>
 
-<file path=ppt/slides/slide11.xml><?xml version="1.0" encoding="utf-8"?>
+<file path=ppt/slides/slide12.xml><?xml version="1.0" encoding="utf-8"?>
 <p:sld xmlns:a="http://schemas.openxmlformats.org/drawingml/2006/main" xmlns:r="http://schemas.openxmlformats.org/officeDocument/2006/relationships" xmlns:p="http://schemas.openxmlformats.org/presentationml/2006/main">
   <p:cSld>
     <p:bg>
@@ -10351,7 +11154,7 @@
 </p:sld>
 </file>
 
-<file path=ppt/slides/slide12.xml><?xml version="1.0" encoding="utf-8"?>
+<file path=ppt/slides/slide13.xml><?xml version="1.0" encoding="utf-8"?>
 <p:sld xmlns:a="http://schemas.openxmlformats.org/drawingml/2006/main" xmlns:r="http://schemas.openxmlformats.org/officeDocument/2006/relationships" xmlns:p="http://schemas.openxmlformats.org/presentationml/2006/main">
   <p:cSld>
     <p:bg>
@@ -11051,7 +11854,7 @@
 </p:sld>
 </file>
 
-<file path=ppt/slides/slide13.xml><?xml version="1.0" encoding="utf-8"?>
+<file path=ppt/slides/slide14.xml><?xml version="1.0" encoding="utf-8"?>
 <p:sld xmlns:a="http://schemas.openxmlformats.org/drawingml/2006/main" xmlns:r="http://schemas.openxmlformats.org/officeDocument/2006/relationships" xmlns:p="http://schemas.openxmlformats.org/presentationml/2006/main">
   <p:cSld>
     <p:spTree>
@@ -11296,7 +12099,7 @@
 </p:sld>
 </file>
 
-<file path=ppt/slides/slide14.xml><?xml version="1.0" encoding="utf-8"?>
+<file path=ppt/slides/slide15.xml><?xml version="1.0" encoding="utf-8"?>
 <p:sld xmlns:a="http://schemas.openxmlformats.org/drawingml/2006/main" xmlns:r="http://schemas.openxmlformats.org/officeDocument/2006/relationships" xmlns:p="http://schemas.openxmlformats.org/presentationml/2006/main">
   <p:cSld>
     <p:spTree>
@@ -11524,7 +12327,7 @@
 </p:sld>
 </file>
 
-<file path=ppt/slides/slide15.xml><?xml version="1.0" encoding="utf-8"?>
+<file path=ppt/slides/slide16.xml><?xml version="1.0" encoding="utf-8"?>
 <p:sld xmlns:a="http://schemas.openxmlformats.org/drawingml/2006/main" xmlns:r="http://schemas.openxmlformats.org/officeDocument/2006/relationships" xmlns:p="http://schemas.openxmlformats.org/presentationml/2006/main">
   <p:cSld>
     <p:spTree>
@@ -11957,7 +12760,7 @@
 </p:sld>
 </file>
 
-<file path=ppt/slides/slide16.xml><?xml version="1.0" encoding="utf-8"?>
+<file path=ppt/slides/slide17.xml><?xml version="1.0" encoding="utf-8"?>
 <p:sld xmlns:a="http://schemas.openxmlformats.org/drawingml/2006/main" xmlns:r="http://schemas.openxmlformats.org/officeDocument/2006/relationships" xmlns:p="http://schemas.openxmlformats.org/presentationml/2006/main">
   <p:cSld>
     <p:spTree>
@@ -12168,7 +12971,7 @@
 </p:sld>
 </file>
 
-<file path=ppt/slides/slide17.xml><?xml version="1.0" encoding="utf-8"?>
+<file path=ppt/slides/slide18.xml><?xml version="1.0" encoding="utf-8"?>
 <p:sld xmlns:a="http://schemas.openxmlformats.org/drawingml/2006/main" xmlns:r="http://schemas.openxmlformats.org/officeDocument/2006/relationships" xmlns:p="http://schemas.openxmlformats.org/presentationml/2006/main">
   <p:cSld>
     <p:spTree>
@@ -12616,7 +13419,7 @@
 </p:sld>
 </file>
 
-<file path=ppt/slides/slide18.xml><?xml version="1.0" encoding="utf-8"?>
+<file path=ppt/slides/slide19.xml><?xml version="1.0" encoding="utf-8"?>
 <p:sld xmlns:a="http://schemas.openxmlformats.org/drawingml/2006/main" xmlns:r="http://schemas.openxmlformats.org/officeDocument/2006/relationships" xmlns:p="http://schemas.openxmlformats.org/presentationml/2006/main">
   <p:cSld>
     <p:spTree>
@@ -13010,7 +13813,1004 @@
 </p:sld>
 </file>
 
-<file path=ppt/slides/slide19.xml><?xml version="1.0" encoding="utf-8"?>
+<file path=ppt/slides/slide2.xml><?xml version="1.0" encoding="utf-8"?>
+<p:sld xmlns:a="http://schemas.openxmlformats.org/drawingml/2006/main" xmlns:r="http://schemas.openxmlformats.org/officeDocument/2006/relationships" xmlns:p="http://schemas.openxmlformats.org/presentationml/2006/main">
+  <p:cSld>
+    <p:spTree>
+      <p:nvGrpSpPr>
+        <p:cNvPr id="1" name=""/>
+        <p:cNvGrpSpPr/>
+        <p:nvPr/>
+      </p:nvGrpSpPr>
+      <p:grpSpPr>
+        <a:xfrm>
+          <a:off x="0" y="0"/>
+          <a:ext cx="0" cy="0"/>
+          <a:chOff x="0" y="0"/>
+          <a:chExt cx="0" cy="0"/>
+        </a:xfrm>
+      </p:grpSpPr>
+      <p:sp>
+        <p:nvSpPr>
+          <p:cNvPr id="2" name="Title 1">
+            <a:extLst>
+              <a:ext uri="{FF2B5EF4-FFF2-40B4-BE49-F238E27FC236}">
+                <a16:creationId xmlns:a16="http://schemas.microsoft.com/office/drawing/2014/main" id="{F209D3C3-4F46-F7F7-C1E0-8DC8D1FF45F9}"/>
+              </a:ext>
+            </a:extLst>
+          </p:cNvPr>
+          <p:cNvSpPr>
+            <a:spLocks noGrp="1"/>
+          </p:cNvSpPr>
+          <p:nvPr>
+            <p:ph type="title"/>
+          </p:nvPr>
+        </p:nvSpPr>
+        <p:spPr/>
+        <p:txBody>
+          <a:bodyPr/>
+          <a:lstStyle/>
+          <a:p>
+            <a:r>
+              <a:rPr lang="en-US" dirty="0"/>
+              <a:t>Comparisons</a:t>
+            </a:r>
+          </a:p>
+        </p:txBody>
+      </p:sp>
+      <p:graphicFrame>
+        <p:nvGraphicFramePr>
+          <p:cNvPr id="4" name="Content Placeholder 3">
+            <a:extLst>
+              <a:ext uri="{FF2B5EF4-FFF2-40B4-BE49-F238E27FC236}">
+                <a16:creationId xmlns:a16="http://schemas.microsoft.com/office/drawing/2014/main" id="{E4F0AC32-A179-56A5-A4D1-663DEE2734AA}"/>
+              </a:ext>
+            </a:extLst>
+          </p:cNvPr>
+          <p:cNvGraphicFramePr>
+            <a:graphicFrameLocks noGrp="1"/>
+          </p:cNvGraphicFramePr>
+          <p:nvPr>
+            <p:ph idx="1"/>
+            <p:extLst>
+              <p:ext uri="{D42A27DB-BD31-4B8C-83A1-F6EECF244321}">
+                <p14:modId xmlns:p14="http://schemas.microsoft.com/office/powerpoint/2010/main" val="910770295"/>
+              </p:ext>
+            </p:extLst>
+          </p:nvPr>
+        </p:nvGraphicFramePr>
+        <p:xfrm>
+          <a:off x="1961535" y="2093330"/>
+          <a:ext cx="7831394" cy="4450080"/>
+        </p:xfrm>
+        <a:graphic>
+          <a:graphicData uri="http://schemas.openxmlformats.org/drawingml/2006/table">
+            <a:tbl>
+              <a:tblPr firstRow="1" bandRow="1">
+                <a:tableStyleId>{2D5ABB26-0587-4C30-8999-92F81FD0307C}</a:tableStyleId>
+              </a:tblPr>
+              <a:tblGrid>
+                <a:gridCol w="4748981">
+                  <a:extLst>
+                    <a:ext uri="{9D8B030D-6E8A-4147-A177-3AD203B41FA5}">
+                      <a16:colId xmlns:a16="http://schemas.microsoft.com/office/drawing/2014/main" val="677144494"/>
+                    </a:ext>
+                  </a:extLst>
+                </a:gridCol>
+                <a:gridCol w="1027471">
+                  <a:extLst>
+                    <a:ext uri="{9D8B030D-6E8A-4147-A177-3AD203B41FA5}">
+                      <a16:colId xmlns:a16="http://schemas.microsoft.com/office/drawing/2014/main" val="3353587159"/>
+                    </a:ext>
+                  </a:extLst>
+                </a:gridCol>
+                <a:gridCol w="1027471">
+                  <a:extLst>
+                    <a:ext uri="{9D8B030D-6E8A-4147-A177-3AD203B41FA5}">
+                      <a16:colId xmlns:a16="http://schemas.microsoft.com/office/drawing/2014/main" val="3111689607"/>
+                    </a:ext>
+                  </a:extLst>
+                </a:gridCol>
+                <a:gridCol w="1027471">
+                  <a:extLst>
+                    <a:ext uri="{9D8B030D-6E8A-4147-A177-3AD203B41FA5}">
+                      <a16:colId xmlns:a16="http://schemas.microsoft.com/office/drawing/2014/main" val="1944965446"/>
+                    </a:ext>
+                  </a:extLst>
+                </a:gridCol>
+              </a:tblGrid>
+              <a:tr h="370840">
+                <a:tc>
+                  <a:txBody>
+                    <a:bodyPr/>
+                    <a:lstStyle/>
+                    <a:p>
+                      <a:endParaRPr lang="en-US" dirty="0"/>
+                    </a:p>
+                  </a:txBody>
+                  <a:tcPr/>
+                </a:tc>
+                <a:tc>
+                  <a:txBody>
+                    <a:bodyPr/>
+                    <a:lstStyle/>
+                    <a:p>
+                      <a:pPr algn="ctr"/>
+                      <a:r>
+                        <a:rPr lang="en-US" dirty="0"/>
+                        <a:t>Excel</a:t>
+                      </a:r>
+                    </a:p>
+                  </a:txBody>
+                  <a:tcPr/>
+                </a:tc>
+                <a:tc>
+                  <a:txBody>
+                    <a:bodyPr/>
+                    <a:lstStyle/>
+                    <a:p>
+                      <a:pPr algn="ctr"/>
+                      <a:r>
+                        <a:rPr lang="en-US" dirty="0" err="1"/>
+                        <a:t>PowerBI</a:t>
+                      </a:r>
+                      <a:endParaRPr lang="en-US" dirty="0"/>
+                    </a:p>
+                  </a:txBody>
+                  <a:tcPr/>
+                </a:tc>
+                <a:tc>
+                  <a:txBody>
+                    <a:bodyPr/>
+                    <a:lstStyle/>
+                    <a:p>
+                      <a:pPr algn="ctr"/>
+                      <a:r>
+                        <a:rPr lang="en-US" dirty="0"/>
+                        <a:t>R</a:t>
+                      </a:r>
+                    </a:p>
+                  </a:txBody>
+                  <a:tcPr/>
+                </a:tc>
+                <a:extLst>
+                  <a:ext uri="{0D108BD9-81ED-4DB2-BD59-A6C34878D82A}">
+                    <a16:rowId xmlns:a16="http://schemas.microsoft.com/office/drawing/2014/main" val="151360279"/>
+                  </a:ext>
+                </a:extLst>
+              </a:tr>
+              <a:tr h="370840">
+                <a:tc>
+                  <a:txBody>
+                    <a:bodyPr/>
+                    <a:lstStyle/>
+                    <a:p>
+                      <a:r>
+                        <a:rPr lang="en-US" dirty="0"/>
+                        <a:t>Set up project</a:t>
+                      </a:r>
+                    </a:p>
+                  </a:txBody>
+                  <a:tcPr/>
+                </a:tc>
+                <a:tc>
+                  <a:txBody>
+                    <a:bodyPr/>
+                    <a:lstStyle/>
+                    <a:p>
+                      <a:pPr algn="ctr"/>
+                      <a:endParaRPr lang="en-US" dirty="0"/>
+                    </a:p>
+                  </a:txBody>
+                  <a:tcPr>
+                    <a:solidFill>
+                      <a:schemeClr val="tx2">
+                        <a:lumMod val="50000"/>
+                        <a:lumOff val="50000"/>
+                      </a:schemeClr>
+                    </a:solidFill>
+                  </a:tcPr>
+                </a:tc>
+                <a:tc>
+                  <a:txBody>
+                    <a:bodyPr/>
+                    <a:lstStyle/>
+                    <a:p>
+                      <a:pPr algn="ctr"/>
+                      <a:endParaRPr lang="en-US" dirty="0"/>
+                    </a:p>
+                  </a:txBody>
+                  <a:tcPr>
+                    <a:solidFill>
+                      <a:schemeClr val="tx2">
+                        <a:lumMod val="25000"/>
+                        <a:lumOff val="75000"/>
+                      </a:schemeClr>
+                    </a:solidFill>
+                  </a:tcPr>
+                </a:tc>
+                <a:tc>
+                  <a:txBody>
+                    <a:bodyPr/>
+                    <a:lstStyle/>
+                    <a:p>
+                      <a:pPr algn="ctr"/>
+                      <a:endParaRPr lang="en-US" dirty="0"/>
+                    </a:p>
+                  </a:txBody>
+                  <a:tcPr>
+                    <a:solidFill>
+                      <a:schemeClr val="tx2">
+                        <a:lumMod val="10000"/>
+                        <a:lumOff val="90000"/>
+                      </a:schemeClr>
+                    </a:solidFill>
+                  </a:tcPr>
+                </a:tc>
+                <a:extLst>
+                  <a:ext uri="{0D108BD9-81ED-4DB2-BD59-A6C34878D82A}">
+                    <a16:rowId xmlns:a16="http://schemas.microsoft.com/office/drawing/2014/main" val="1054829305"/>
+                  </a:ext>
+                </a:extLst>
+              </a:tr>
+              <a:tr h="370840">
+                <a:tc>
+                  <a:txBody>
+                    <a:bodyPr/>
+                    <a:lstStyle/>
+                    <a:p>
+                      <a:r>
+                        <a:rPr lang="en-US" dirty="0"/>
+                        <a:t>See raw data for diagnosis</a:t>
+                      </a:r>
+                    </a:p>
+                  </a:txBody>
+                  <a:tcPr/>
+                </a:tc>
+                <a:tc>
+                  <a:txBody>
+                    <a:bodyPr/>
+                    <a:lstStyle/>
+                    <a:p>
+                      <a:pPr algn="ctr"/>
+                      <a:endParaRPr lang="en-US" dirty="0"/>
+                    </a:p>
+                  </a:txBody>
+                  <a:tcPr>
+                    <a:solidFill>
+                      <a:schemeClr val="tx2">
+                        <a:lumMod val="50000"/>
+                        <a:lumOff val="50000"/>
+                      </a:schemeClr>
+                    </a:solidFill>
+                  </a:tcPr>
+                </a:tc>
+                <a:tc>
+                  <a:txBody>
+                    <a:bodyPr/>
+                    <a:lstStyle/>
+                    <a:p>
+                      <a:pPr algn="ctr"/>
+                      <a:endParaRPr lang="en-US" dirty="0"/>
+                    </a:p>
+                  </a:txBody>
+                  <a:tcPr>
+                    <a:solidFill>
+                      <a:schemeClr val="tx2">
+                        <a:lumMod val="25000"/>
+                        <a:lumOff val="75000"/>
+                      </a:schemeClr>
+                    </a:solidFill>
+                  </a:tcPr>
+                </a:tc>
+                <a:tc>
+                  <a:txBody>
+                    <a:bodyPr/>
+                    <a:lstStyle/>
+                    <a:p>
+                      <a:pPr algn="ctr"/>
+                      <a:endParaRPr lang="en-US" dirty="0"/>
+                    </a:p>
+                  </a:txBody>
+                  <a:tcPr>
+                    <a:solidFill>
+                      <a:schemeClr val="tx2">
+                        <a:lumMod val="10000"/>
+                        <a:lumOff val="90000"/>
+                      </a:schemeClr>
+                    </a:solidFill>
+                  </a:tcPr>
+                </a:tc>
+                <a:extLst>
+                  <a:ext uri="{0D108BD9-81ED-4DB2-BD59-A6C34878D82A}">
+                    <a16:rowId xmlns:a16="http://schemas.microsoft.com/office/drawing/2014/main" val="939907852"/>
+                  </a:ext>
+                </a:extLst>
+              </a:tr>
+              <a:tr h="370840">
+                <a:tc>
+                  <a:txBody>
+                    <a:bodyPr/>
+                    <a:lstStyle/>
+                    <a:p>
+                      <a:r>
+                        <a:rPr lang="en-US" dirty="0"/>
+                        <a:t>Factor variables</a:t>
+                      </a:r>
+                    </a:p>
+                  </a:txBody>
+                  <a:tcPr/>
+                </a:tc>
+                <a:tc>
+                  <a:txBody>
+                    <a:bodyPr/>
+                    <a:lstStyle/>
+                    <a:p>
+                      <a:pPr algn="ctr"/>
+                      <a:endParaRPr lang="en-US" dirty="0"/>
+                    </a:p>
+                  </a:txBody>
+                  <a:tcPr>
+                    <a:solidFill>
+                      <a:schemeClr val="tx2">
+                        <a:lumMod val="10000"/>
+                        <a:lumOff val="90000"/>
+                      </a:schemeClr>
+                    </a:solidFill>
+                  </a:tcPr>
+                </a:tc>
+                <a:tc>
+                  <a:txBody>
+                    <a:bodyPr/>
+                    <a:lstStyle/>
+                    <a:p>
+                      <a:pPr algn="ctr"/>
+                      <a:endParaRPr lang="en-US" dirty="0"/>
+                    </a:p>
+                  </a:txBody>
+                  <a:tcPr>
+                    <a:solidFill>
+                      <a:schemeClr val="tx2">
+                        <a:lumMod val="25000"/>
+                        <a:lumOff val="75000"/>
+                      </a:schemeClr>
+                    </a:solidFill>
+                  </a:tcPr>
+                </a:tc>
+                <a:tc>
+                  <a:txBody>
+                    <a:bodyPr/>
+                    <a:lstStyle/>
+                    <a:p>
+                      <a:pPr algn="ctr"/>
+                      <a:endParaRPr lang="en-US" dirty="0"/>
+                    </a:p>
+                  </a:txBody>
+                  <a:tcPr>
+                    <a:solidFill>
+                      <a:schemeClr val="tx2">
+                        <a:lumMod val="50000"/>
+                        <a:lumOff val="50000"/>
+                      </a:schemeClr>
+                    </a:solidFill>
+                  </a:tcPr>
+                </a:tc>
+                <a:extLst>
+                  <a:ext uri="{0D108BD9-81ED-4DB2-BD59-A6C34878D82A}">
+                    <a16:rowId xmlns:a16="http://schemas.microsoft.com/office/drawing/2014/main" val="3876122518"/>
+                  </a:ext>
+                </a:extLst>
+              </a:tr>
+              <a:tr h="370840">
+                <a:tc>
+                  <a:txBody>
+                    <a:bodyPr/>
+                    <a:lstStyle/>
+                    <a:p>
+                      <a:r>
+                        <a:rPr lang="en-US" dirty="0"/>
+                        <a:t>Remove empty rows</a:t>
+                      </a:r>
+                    </a:p>
+                  </a:txBody>
+                  <a:tcPr/>
+                </a:tc>
+                <a:tc>
+                  <a:txBody>
+                    <a:bodyPr/>
+                    <a:lstStyle/>
+                    <a:p>
+                      <a:pPr algn="ctr"/>
+                      <a:endParaRPr lang="en-US" dirty="0"/>
+                    </a:p>
+                  </a:txBody>
+                  <a:tcPr>
+                    <a:solidFill>
+                      <a:schemeClr val="tx2">
+                        <a:lumMod val="10000"/>
+                        <a:lumOff val="90000"/>
+                      </a:schemeClr>
+                    </a:solidFill>
+                  </a:tcPr>
+                </a:tc>
+                <a:tc>
+                  <a:txBody>
+                    <a:bodyPr/>
+                    <a:lstStyle/>
+                    <a:p>
+                      <a:pPr algn="ctr"/>
+                      <a:endParaRPr lang="en-US" dirty="0"/>
+                    </a:p>
+                  </a:txBody>
+                  <a:tcPr>
+                    <a:solidFill>
+                      <a:schemeClr val="tx2">
+                        <a:lumMod val="25000"/>
+                        <a:lumOff val="75000"/>
+                      </a:schemeClr>
+                    </a:solidFill>
+                  </a:tcPr>
+                </a:tc>
+                <a:tc>
+                  <a:txBody>
+                    <a:bodyPr/>
+                    <a:lstStyle/>
+                    <a:p>
+                      <a:pPr algn="ctr"/>
+                      <a:endParaRPr lang="en-US" dirty="0"/>
+                    </a:p>
+                  </a:txBody>
+                  <a:tcPr>
+                    <a:solidFill>
+                      <a:schemeClr val="tx2">
+                        <a:lumMod val="50000"/>
+                        <a:lumOff val="50000"/>
+                      </a:schemeClr>
+                    </a:solidFill>
+                  </a:tcPr>
+                </a:tc>
+                <a:extLst>
+                  <a:ext uri="{0D108BD9-81ED-4DB2-BD59-A6C34878D82A}">
+                    <a16:rowId xmlns:a16="http://schemas.microsoft.com/office/drawing/2014/main" val="3376663055"/>
+                  </a:ext>
+                </a:extLst>
+              </a:tr>
+              <a:tr h="370840">
+                <a:tc>
+                  <a:txBody>
+                    <a:bodyPr/>
+                    <a:lstStyle/>
+                    <a:p>
+                      <a:r>
+                        <a:rPr lang="en-US" dirty="0"/>
+                        <a:t>Filter/Select rows</a:t>
+                      </a:r>
+                    </a:p>
+                  </a:txBody>
+                  <a:tcPr/>
+                </a:tc>
+                <a:tc>
+                  <a:txBody>
+                    <a:bodyPr/>
+                    <a:lstStyle/>
+                    <a:p>
+                      <a:pPr algn="ctr"/>
+                      <a:endParaRPr lang="en-US" dirty="0"/>
+                    </a:p>
+                  </a:txBody>
+                  <a:tcPr>
+                    <a:solidFill>
+                      <a:schemeClr val="tx2">
+                        <a:lumMod val="25000"/>
+                        <a:lumOff val="75000"/>
+                      </a:schemeClr>
+                    </a:solidFill>
+                  </a:tcPr>
+                </a:tc>
+                <a:tc>
+                  <a:txBody>
+                    <a:bodyPr/>
+                    <a:lstStyle/>
+                    <a:p>
+                      <a:pPr algn="ctr"/>
+                      <a:endParaRPr lang="en-US" dirty="0"/>
+                    </a:p>
+                  </a:txBody>
+                  <a:tcPr>
+                    <a:solidFill>
+                      <a:schemeClr val="tx2">
+                        <a:lumMod val="25000"/>
+                        <a:lumOff val="75000"/>
+                      </a:schemeClr>
+                    </a:solidFill>
+                  </a:tcPr>
+                </a:tc>
+                <a:tc>
+                  <a:txBody>
+                    <a:bodyPr/>
+                    <a:lstStyle/>
+                    <a:p>
+                      <a:pPr algn="ctr"/>
+                      <a:endParaRPr lang="en-US" dirty="0"/>
+                    </a:p>
+                  </a:txBody>
+                  <a:tcPr>
+                    <a:solidFill>
+                      <a:schemeClr val="tx2">
+                        <a:lumMod val="50000"/>
+                        <a:lumOff val="50000"/>
+                      </a:schemeClr>
+                    </a:solidFill>
+                  </a:tcPr>
+                </a:tc>
+                <a:extLst>
+                  <a:ext uri="{0D108BD9-81ED-4DB2-BD59-A6C34878D82A}">
+                    <a16:rowId xmlns:a16="http://schemas.microsoft.com/office/drawing/2014/main" val="609728765"/>
+                  </a:ext>
+                </a:extLst>
+              </a:tr>
+              <a:tr h="370840">
+                <a:tc>
+                  <a:txBody>
+                    <a:bodyPr/>
+                    <a:lstStyle/>
+                    <a:p>
+                      <a:r>
+                        <a:rPr lang="en-US" dirty="0"/>
+                        <a:t>Subset columns</a:t>
+                      </a:r>
+                    </a:p>
+                  </a:txBody>
+                  <a:tcPr/>
+                </a:tc>
+                <a:tc>
+                  <a:txBody>
+                    <a:bodyPr/>
+                    <a:lstStyle/>
+                    <a:p>
+                      <a:pPr algn="ctr"/>
+                      <a:endParaRPr lang="en-US" dirty="0"/>
+                    </a:p>
+                  </a:txBody>
+                  <a:tcPr>
+                    <a:solidFill>
+                      <a:schemeClr val="tx2">
+                        <a:lumMod val="10000"/>
+                        <a:lumOff val="90000"/>
+                      </a:schemeClr>
+                    </a:solidFill>
+                  </a:tcPr>
+                </a:tc>
+                <a:tc>
+                  <a:txBody>
+                    <a:bodyPr/>
+                    <a:lstStyle/>
+                    <a:p>
+                      <a:pPr algn="ctr"/>
+                      <a:endParaRPr lang="en-US" dirty="0"/>
+                    </a:p>
+                  </a:txBody>
+                  <a:tcPr>
+                    <a:solidFill>
+                      <a:schemeClr val="tx2">
+                        <a:lumMod val="25000"/>
+                        <a:lumOff val="75000"/>
+                      </a:schemeClr>
+                    </a:solidFill>
+                  </a:tcPr>
+                </a:tc>
+                <a:tc>
+                  <a:txBody>
+                    <a:bodyPr/>
+                    <a:lstStyle/>
+                    <a:p>
+                      <a:pPr algn="ctr"/>
+                      <a:endParaRPr lang="en-US" dirty="0"/>
+                    </a:p>
+                  </a:txBody>
+                  <a:tcPr>
+                    <a:solidFill>
+                      <a:schemeClr val="tx2">
+                        <a:lumMod val="50000"/>
+                        <a:lumOff val="50000"/>
+                      </a:schemeClr>
+                    </a:solidFill>
+                  </a:tcPr>
+                </a:tc>
+                <a:extLst>
+                  <a:ext uri="{0D108BD9-81ED-4DB2-BD59-A6C34878D82A}">
+                    <a16:rowId xmlns:a16="http://schemas.microsoft.com/office/drawing/2014/main" val="2569743874"/>
+                  </a:ext>
+                </a:extLst>
+              </a:tr>
+              <a:tr h="370840">
+                <a:tc>
+                  <a:txBody>
+                    <a:bodyPr/>
+                    <a:lstStyle/>
+                    <a:p>
+                      <a:r>
+                        <a:rPr lang="en-US" dirty="0"/>
+                        <a:t>Merge data</a:t>
+                      </a:r>
+                    </a:p>
+                  </a:txBody>
+                  <a:tcPr/>
+                </a:tc>
+                <a:tc>
+                  <a:txBody>
+                    <a:bodyPr/>
+                    <a:lstStyle/>
+                    <a:p>
+                      <a:pPr algn="ctr"/>
+                      <a:endParaRPr lang="en-US" dirty="0"/>
+                    </a:p>
+                  </a:txBody>
+                  <a:tcPr>
+                    <a:solidFill>
+                      <a:schemeClr val="tx2">
+                        <a:lumMod val="10000"/>
+                        <a:lumOff val="90000"/>
+                      </a:schemeClr>
+                    </a:solidFill>
+                  </a:tcPr>
+                </a:tc>
+                <a:tc>
+                  <a:txBody>
+                    <a:bodyPr/>
+                    <a:lstStyle/>
+                    <a:p>
+                      <a:pPr algn="ctr"/>
+                      <a:endParaRPr lang="en-US" dirty="0"/>
+                    </a:p>
+                  </a:txBody>
+                  <a:tcPr>
+                    <a:solidFill>
+                      <a:schemeClr val="tx2">
+                        <a:lumMod val="25000"/>
+                        <a:lumOff val="75000"/>
+                      </a:schemeClr>
+                    </a:solidFill>
+                  </a:tcPr>
+                </a:tc>
+                <a:tc>
+                  <a:txBody>
+                    <a:bodyPr/>
+                    <a:lstStyle/>
+                    <a:p>
+                      <a:pPr algn="ctr"/>
+                      <a:endParaRPr lang="en-US" dirty="0"/>
+                    </a:p>
+                  </a:txBody>
+                  <a:tcPr>
+                    <a:solidFill>
+                      <a:schemeClr val="tx2">
+                        <a:lumMod val="50000"/>
+                        <a:lumOff val="50000"/>
+                      </a:schemeClr>
+                    </a:solidFill>
+                  </a:tcPr>
+                </a:tc>
+                <a:extLst>
+                  <a:ext uri="{0D108BD9-81ED-4DB2-BD59-A6C34878D82A}">
+                    <a16:rowId xmlns:a16="http://schemas.microsoft.com/office/drawing/2014/main" val="3872145511"/>
+                  </a:ext>
+                </a:extLst>
+              </a:tr>
+              <a:tr h="370840">
+                <a:tc>
+                  <a:txBody>
+                    <a:bodyPr/>
+                    <a:lstStyle/>
+                    <a:p>
+                      <a:r>
+                        <a:rPr lang="en-US" dirty="0"/>
+                        <a:t>Document/Replicate data cleaning process</a:t>
+                      </a:r>
+                    </a:p>
+                  </a:txBody>
+                  <a:tcPr/>
+                </a:tc>
+                <a:tc>
+                  <a:txBody>
+                    <a:bodyPr/>
+                    <a:lstStyle/>
+                    <a:p>
+                      <a:pPr algn="ctr"/>
+                      <a:endParaRPr lang="en-US" dirty="0"/>
+                    </a:p>
+                  </a:txBody>
+                  <a:tcPr>
+                    <a:solidFill>
+                      <a:schemeClr val="tx2">
+                        <a:lumMod val="10000"/>
+                        <a:lumOff val="90000"/>
+                      </a:schemeClr>
+                    </a:solidFill>
+                  </a:tcPr>
+                </a:tc>
+                <a:tc>
+                  <a:txBody>
+                    <a:bodyPr/>
+                    <a:lstStyle/>
+                    <a:p>
+                      <a:pPr algn="ctr"/>
+                      <a:endParaRPr lang="en-US" dirty="0"/>
+                    </a:p>
+                  </a:txBody>
+                  <a:tcPr>
+                    <a:solidFill>
+                      <a:schemeClr val="tx2">
+                        <a:lumMod val="25000"/>
+                        <a:lumOff val="75000"/>
+                      </a:schemeClr>
+                    </a:solidFill>
+                  </a:tcPr>
+                </a:tc>
+                <a:tc>
+                  <a:txBody>
+                    <a:bodyPr/>
+                    <a:lstStyle/>
+                    <a:p>
+                      <a:pPr algn="ctr"/>
+                      <a:endParaRPr lang="en-US" dirty="0"/>
+                    </a:p>
+                  </a:txBody>
+                  <a:tcPr>
+                    <a:solidFill>
+                      <a:schemeClr val="tx2">
+                        <a:lumMod val="50000"/>
+                        <a:lumOff val="50000"/>
+                      </a:schemeClr>
+                    </a:solidFill>
+                  </a:tcPr>
+                </a:tc>
+                <a:extLst>
+                  <a:ext uri="{0D108BD9-81ED-4DB2-BD59-A6C34878D82A}">
+                    <a16:rowId xmlns:a16="http://schemas.microsoft.com/office/drawing/2014/main" val="2410273550"/>
+                  </a:ext>
+                </a:extLst>
+              </a:tr>
+              <a:tr h="370840">
+                <a:tc>
+                  <a:txBody>
+                    <a:bodyPr/>
+                    <a:lstStyle/>
+                    <a:p>
+                      <a:r>
+                        <a:rPr lang="en-US" dirty="0"/>
+                        <a:t>Descriptive stats, Cross-tabs, Pivot tables</a:t>
+                      </a:r>
+                    </a:p>
+                  </a:txBody>
+                  <a:tcPr/>
+                </a:tc>
+                <a:tc>
+                  <a:txBody>
+                    <a:bodyPr/>
+                    <a:lstStyle/>
+                    <a:p>
+                      <a:pPr algn="ctr"/>
+                      <a:endParaRPr lang="en-US" dirty="0"/>
+                    </a:p>
+                  </a:txBody>
+                  <a:tcPr>
+                    <a:solidFill>
+                      <a:schemeClr val="tx2">
+                        <a:lumMod val="50000"/>
+                        <a:lumOff val="50000"/>
+                      </a:schemeClr>
+                    </a:solidFill>
+                  </a:tcPr>
+                </a:tc>
+                <a:tc>
+                  <a:txBody>
+                    <a:bodyPr/>
+                    <a:lstStyle/>
+                    <a:p>
+                      <a:pPr algn="ctr"/>
+                      <a:endParaRPr lang="en-US" dirty="0"/>
+                    </a:p>
+                  </a:txBody>
+                  <a:tcPr>
+                    <a:solidFill>
+                      <a:schemeClr val="tx2">
+                        <a:lumMod val="10000"/>
+                        <a:lumOff val="90000"/>
+                      </a:schemeClr>
+                    </a:solidFill>
+                  </a:tcPr>
+                </a:tc>
+                <a:tc>
+                  <a:txBody>
+                    <a:bodyPr/>
+                    <a:lstStyle/>
+                    <a:p>
+                      <a:pPr algn="ctr"/>
+                      <a:endParaRPr lang="en-US" dirty="0"/>
+                    </a:p>
+                  </a:txBody>
+                  <a:tcPr>
+                    <a:solidFill>
+                      <a:schemeClr val="tx2">
+                        <a:lumMod val="25000"/>
+                        <a:lumOff val="75000"/>
+                      </a:schemeClr>
+                    </a:solidFill>
+                  </a:tcPr>
+                </a:tc>
+                <a:extLst>
+                  <a:ext uri="{0D108BD9-81ED-4DB2-BD59-A6C34878D82A}">
+                    <a16:rowId xmlns:a16="http://schemas.microsoft.com/office/drawing/2014/main" val="2017705254"/>
+                  </a:ext>
+                </a:extLst>
+              </a:tr>
+              <a:tr h="370840">
+                <a:tc>
+                  <a:txBody>
+                    <a:bodyPr/>
+                    <a:lstStyle/>
+                    <a:p>
+                      <a:r>
+                        <a:rPr lang="en-US" dirty="0"/>
+                        <a:t>Visualize data</a:t>
+                      </a:r>
+                    </a:p>
+                  </a:txBody>
+                  <a:tcPr/>
+                </a:tc>
+                <a:tc>
+                  <a:txBody>
+                    <a:bodyPr/>
+                    <a:lstStyle/>
+                    <a:p>
+                      <a:pPr algn="ctr"/>
+                      <a:endParaRPr lang="en-US" dirty="0"/>
+                    </a:p>
+                  </a:txBody>
+                  <a:tcPr>
+                    <a:solidFill>
+                      <a:schemeClr val="tx2">
+                        <a:lumMod val="50000"/>
+                        <a:lumOff val="50000"/>
+                      </a:schemeClr>
+                    </a:solidFill>
+                  </a:tcPr>
+                </a:tc>
+                <a:tc>
+                  <a:txBody>
+                    <a:bodyPr/>
+                    <a:lstStyle/>
+                    <a:p>
+                      <a:pPr algn="ctr"/>
+                      <a:endParaRPr lang="en-US" dirty="0"/>
+                    </a:p>
+                  </a:txBody>
+                  <a:tcPr>
+                    <a:solidFill>
+                      <a:schemeClr val="tx2">
+                        <a:lumMod val="25000"/>
+                        <a:lumOff val="75000"/>
+                      </a:schemeClr>
+                    </a:solidFill>
+                  </a:tcPr>
+                </a:tc>
+                <a:tc>
+                  <a:txBody>
+                    <a:bodyPr/>
+                    <a:lstStyle/>
+                    <a:p>
+                      <a:pPr algn="ctr"/>
+                      <a:endParaRPr lang="en-US" dirty="0"/>
+                    </a:p>
+                  </a:txBody>
+                  <a:tcPr>
+                    <a:solidFill>
+                      <a:schemeClr val="tx2">
+                        <a:lumMod val="25000"/>
+                        <a:lumOff val="75000"/>
+                      </a:schemeClr>
+                    </a:solidFill>
+                  </a:tcPr>
+                </a:tc>
+                <a:extLst>
+                  <a:ext uri="{0D108BD9-81ED-4DB2-BD59-A6C34878D82A}">
+                    <a16:rowId xmlns:a16="http://schemas.microsoft.com/office/drawing/2014/main" val="3001367966"/>
+                  </a:ext>
+                </a:extLst>
+              </a:tr>
+              <a:tr h="370840">
+                <a:tc>
+                  <a:txBody>
+                    <a:bodyPr/>
+                    <a:lstStyle/>
+                    <a:p>
+                      <a:r>
+                        <a:rPr lang="en-US" dirty="0"/>
+                        <a:t>Run statistical tests</a:t>
+                      </a:r>
+                    </a:p>
+                  </a:txBody>
+                  <a:tcPr/>
+                </a:tc>
+                <a:tc>
+                  <a:txBody>
+                    <a:bodyPr/>
+                    <a:lstStyle/>
+                    <a:p>
+                      <a:pPr algn="ctr"/>
+                      <a:endParaRPr lang="en-US" dirty="0"/>
+                    </a:p>
+                  </a:txBody>
+                  <a:tcPr>
+                    <a:solidFill>
+                      <a:schemeClr val="tx2">
+                        <a:lumMod val="25000"/>
+                        <a:lumOff val="75000"/>
+                      </a:schemeClr>
+                    </a:solidFill>
+                  </a:tcPr>
+                </a:tc>
+                <a:tc>
+                  <a:txBody>
+                    <a:bodyPr/>
+                    <a:lstStyle/>
+                    <a:p>
+                      <a:pPr algn="ctr"/>
+                      <a:endParaRPr lang="en-US" dirty="0"/>
+                    </a:p>
+                  </a:txBody>
+                  <a:tcPr>
+                    <a:solidFill>
+                      <a:schemeClr val="tx2">
+                        <a:lumMod val="10000"/>
+                        <a:lumOff val="90000"/>
+                      </a:schemeClr>
+                    </a:solidFill>
+                  </a:tcPr>
+                </a:tc>
+                <a:tc>
+                  <a:txBody>
+                    <a:bodyPr/>
+                    <a:lstStyle/>
+                    <a:p>
+                      <a:pPr algn="ctr"/>
+                      <a:endParaRPr lang="en-US" dirty="0"/>
+                    </a:p>
+                  </a:txBody>
+                  <a:tcPr>
+                    <a:solidFill>
+                      <a:schemeClr val="tx2">
+                        <a:lumMod val="50000"/>
+                        <a:lumOff val="50000"/>
+                      </a:schemeClr>
+                    </a:solidFill>
+                  </a:tcPr>
+                </a:tc>
+                <a:extLst>
+                  <a:ext uri="{0D108BD9-81ED-4DB2-BD59-A6C34878D82A}">
+                    <a16:rowId xmlns:a16="http://schemas.microsoft.com/office/drawing/2014/main" val="3380477211"/>
+                  </a:ext>
+                </a:extLst>
+              </a:tr>
+            </a:tbl>
+          </a:graphicData>
+        </a:graphic>
+      </p:graphicFrame>
+    </p:spTree>
+    <p:extLst>
+      <p:ext uri="{BB962C8B-B14F-4D97-AF65-F5344CB8AC3E}">
+        <p14:creationId xmlns:p14="http://schemas.microsoft.com/office/powerpoint/2010/main" val="987300906"/>
+      </p:ext>
+    </p:extLst>
+  </p:cSld>
+  <p:clrMapOvr>
+    <a:masterClrMapping/>
+  </p:clrMapOvr>
+</p:sld>
+</file>
+
+<file path=ppt/slides/slide20.xml><?xml version="1.0" encoding="utf-8"?>
 <p:sld xmlns:a="http://schemas.openxmlformats.org/drawingml/2006/main" xmlns:r="http://schemas.openxmlformats.org/officeDocument/2006/relationships" xmlns:p="http://schemas.openxmlformats.org/presentationml/2006/main">
   <p:cSld>
     <p:spTree>
@@ -13525,101 +15325,7 @@
 </p:sld>
 </file>
 
-<file path=ppt/slides/slide2.xml><?xml version="1.0" encoding="utf-8"?>
-<p:sld xmlns:a="http://schemas.openxmlformats.org/drawingml/2006/main" xmlns:r="http://schemas.openxmlformats.org/officeDocument/2006/relationships" xmlns:p="http://schemas.openxmlformats.org/presentationml/2006/main">
-  <p:cSld>
-    <p:bg>
-      <p:bgPr>
-        <a:solidFill>
-          <a:schemeClr val="accent6">
-            <a:lumMod val="20000"/>
-            <a:lumOff val="80000"/>
-          </a:schemeClr>
-        </a:solidFill>
-        <a:effectLst/>
-      </p:bgPr>
-    </p:bg>
-    <p:spTree>
-      <p:nvGrpSpPr>
-        <p:cNvPr id="1" name=""/>
-        <p:cNvGrpSpPr/>
-        <p:nvPr/>
-      </p:nvGrpSpPr>
-      <p:grpSpPr>
-        <a:xfrm>
-          <a:off x="0" y="0"/>
-          <a:ext cx="0" cy="0"/>
-          <a:chOff x="0" y="0"/>
-          <a:chExt cx="0" cy="0"/>
-        </a:xfrm>
-      </p:grpSpPr>
-      <p:sp>
-        <p:nvSpPr>
-          <p:cNvPr id="6" name="Title 5">
-            <a:extLst>
-              <a:ext uri="{FF2B5EF4-FFF2-40B4-BE49-F238E27FC236}">
-                <a16:creationId xmlns:a16="http://schemas.microsoft.com/office/drawing/2014/main" id="{63884149-B247-1597-BB9F-F0EFE8F4A5EE}"/>
-              </a:ext>
-            </a:extLst>
-          </p:cNvPr>
-          <p:cNvSpPr>
-            <a:spLocks noGrp="1"/>
-          </p:cNvSpPr>
-          <p:nvPr>
-            <p:ph type="title"/>
-          </p:nvPr>
-        </p:nvSpPr>
-        <p:spPr/>
-        <p:txBody>
-          <a:bodyPr/>
-          <a:lstStyle/>
-          <a:p>
-            <a:r>
-              <a:rPr lang="en-US" dirty="0"/>
-              <a:t>Set up Project</a:t>
-            </a:r>
-          </a:p>
-        </p:txBody>
-      </p:sp>
-      <p:sp>
-        <p:nvSpPr>
-          <p:cNvPr id="7" name="Text Placeholder 6">
-            <a:extLst>
-              <a:ext uri="{FF2B5EF4-FFF2-40B4-BE49-F238E27FC236}">
-                <a16:creationId xmlns:a16="http://schemas.microsoft.com/office/drawing/2014/main" id="{CF15E32C-5DB4-3C4B-6369-3C5776A26709}"/>
-              </a:ext>
-            </a:extLst>
-          </p:cNvPr>
-          <p:cNvSpPr>
-            <a:spLocks noGrp="1"/>
-          </p:cNvSpPr>
-          <p:nvPr>
-            <p:ph type="body" idx="1"/>
-          </p:nvPr>
-        </p:nvSpPr>
-        <p:spPr/>
-        <p:txBody>
-          <a:bodyPr/>
-          <a:lstStyle/>
-          <a:p>
-            <a:endParaRPr lang="en-US"/>
-          </a:p>
-        </p:txBody>
-      </p:sp>
-    </p:spTree>
-    <p:extLst>
-      <p:ext uri="{BB962C8B-B14F-4D97-AF65-F5344CB8AC3E}">
-        <p14:creationId xmlns:p14="http://schemas.microsoft.com/office/powerpoint/2010/main" val="3686820540"/>
-      </p:ext>
-    </p:extLst>
-  </p:cSld>
-  <p:clrMapOvr>
-    <a:masterClrMapping/>
-  </p:clrMapOvr>
-</p:sld>
-</file>
-
-<file path=ppt/slides/slide20.xml><?xml version="1.0" encoding="utf-8"?>
+<file path=ppt/slides/slide21.xml><?xml version="1.0" encoding="utf-8"?>
 <p:sld xmlns:a="http://schemas.openxmlformats.org/drawingml/2006/main" xmlns:r="http://schemas.openxmlformats.org/officeDocument/2006/relationships" xmlns:p="http://schemas.openxmlformats.org/presentationml/2006/main">
   <p:cSld>
     <p:spTree>
@@ -14256,7 +15962,7 @@
 </p:sld>
 </file>
 
-<file path=ppt/slides/slide21.xml><?xml version="1.0" encoding="utf-8"?>
+<file path=ppt/slides/slide22.xml><?xml version="1.0" encoding="utf-8"?>
 <p:sld xmlns:a="http://schemas.openxmlformats.org/drawingml/2006/main" xmlns:r="http://schemas.openxmlformats.org/officeDocument/2006/relationships" xmlns:p="http://schemas.openxmlformats.org/presentationml/2006/main">
   <p:cSld>
     <p:spTree>
@@ -14513,7 +16219,7 @@
 </p:sld>
 </file>
 
-<file path=ppt/slides/slide22.xml><?xml version="1.0" encoding="utf-8"?>
+<file path=ppt/slides/slide23.xml><?xml version="1.0" encoding="utf-8"?>
 <p:sld xmlns:a="http://schemas.openxmlformats.org/drawingml/2006/main" xmlns:r="http://schemas.openxmlformats.org/officeDocument/2006/relationships" xmlns:p="http://schemas.openxmlformats.org/presentationml/2006/main">
   <p:cSld>
     <p:spTree>
@@ -14846,7 +16552,7 @@
 </p:sld>
 </file>
 
-<file path=ppt/slides/slide23.xml><?xml version="1.0" encoding="utf-8"?>
+<file path=ppt/slides/slide24.xml><?xml version="1.0" encoding="utf-8"?>
 <p:sld xmlns:a="http://schemas.openxmlformats.org/drawingml/2006/main" xmlns:r="http://schemas.openxmlformats.org/officeDocument/2006/relationships" xmlns:p="http://schemas.openxmlformats.org/presentationml/2006/main">
   <p:cSld>
     <p:spTree>
@@ -15105,7 +16811,7 @@
 </p:sld>
 </file>
 
-<file path=ppt/slides/slide24.xml><?xml version="1.0" encoding="utf-8"?>
+<file path=ppt/slides/slide25.xml><?xml version="1.0" encoding="utf-8"?>
 <p:sld xmlns:a="http://schemas.openxmlformats.org/drawingml/2006/main" xmlns:r="http://schemas.openxmlformats.org/officeDocument/2006/relationships" xmlns:p="http://schemas.openxmlformats.org/presentationml/2006/main">
   <p:cSld>
     <p:bg>
@@ -15803,7 +17509,165 @@
 </p:sld>
 </file>
 
+<file path=ppt/slides/slide26.xml><?xml version="1.0" encoding="utf-8"?>
+<p:sld xmlns:a="http://schemas.openxmlformats.org/drawingml/2006/main" xmlns:r="http://schemas.openxmlformats.org/officeDocument/2006/relationships" xmlns:p="http://schemas.openxmlformats.org/presentationml/2006/main">
+  <p:cSld>
+    <p:spTree>
+      <p:nvGrpSpPr>
+        <p:cNvPr id="1" name=""/>
+        <p:cNvGrpSpPr/>
+        <p:nvPr/>
+      </p:nvGrpSpPr>
+      <p:grpSpPr>
+        <a:xfrm>
+          <a:off x="0" y="0"/>
+          <a:ext cx="0" cy="0"/>
+          <a:chOff x="0" y="0"/>
+          <a:chExt cx="0" cy="0"/>
+        </a:xfrm>
+      </p:grpSpPr>
+      <p:sp>
+        <p:nvSpPr>
+          <p:cNvPr id="4" name="Title 3">
+            <a:extLst>
+              <a:ext uri="{FF2B5EF4-FFF2-40B4-BE49-F238E27FC236}">
+                <a16:creationId xmlns:a16="http://schemas.microsoft.com/office/drawing/2014/main" id="{CD7FD92D-6EFD-E577-F326-05A8E86624D0}"/>
+              </a:ext>
+            </a:extLst>
+          </p:cNvPr>
+          <p:cNvSpPr>
+            <a:spLocks noGrp="1"/>
+          </p:cNvSpPr>
+          <p:nvPr>
+            <p:ph type="title"/>
+          </p:nvPr>
+        </p:nvSpPr>
+        <p:spPr/>
+        <p:txBody>
+          <a:bodyPr/>
+          <a:lstStyle/>
+          <a:p>
+            <a:r>
+              <a:rPr lang="en-US" dirty="0">
+                <a:hlinkClick r:id="rId2"/>
+              </a:rPr>
+              <a:t>https://rpubs.com/josephine-mckelvy/1327359</a:t>
+            </a:r>
+            <a:r>
+              <a:rPr lang="en-US" dirty="0"/>
+              <a:t> </a:t>
+            </a:r>
+          </a:p>
+        </p:txBody>
+      </p:sp>
+    </p:spTree>
+    <p:extLst>
+      <p:ext uri="{BB962C8B-B14F-4D97-AF65-F5344CB8AC3E}">
+        <p14:creationId xmlns:p14="http://schemas.microsoft.com/office/powerpoint/2010/main" val="3380532860"/>
+      </p:ext>
+    </p:extLst>
+  </p:cSld>
+  <p:clrMapOvr>
+    <a:masterClrMapping/>
+  </p:clrMapOvr>
+</p:sld>
+</file>
+
 <file path=ppt/slides/slide3.xml><?xml version="1.0" encoding="utf-8"?>
+<p:sld xmlns:a="http://schemas.openxmlformats.org/drawingml/2006/main" xmlns:r="http://schemas.openxmlformats.org/officeDocument/2006/relationships" xmlns:p="http://schemas.openxmlformats.org/presentationml/2006/main">
+  <p:cSld>
+    <p:bg>
+      <p:bgPr>
+        <a:solidFill>
+          <a:schemeClr val="accent6">
+            <a:lumMod val="20000"/>
+            <a:lumOff val="80000"/>
+          </a:schemeClr>
+        </a:solidFill>
+        <a:effectLst/>
+      </p:bgPr>
+    </p:bg>
+    <p:spTree>
+      <p:nvGrpSpPr>
+        <p:cNvPr id="1" name=""/>
+        <p:cNvGrpSpPr/>
+        <p:nvPr/>
+      </p:nvGrpSpPr>
+      <p:grpSpPr>
+        <a:xfrm>
+          <a:off x="0" y="0"/>
+          <a:ext cx="0" cy="0"/>
+          <a:chOff x="0" y="0"/>
+          <a:chExt cx="0" cy="0"/>
+        </a:xfrm>
+      </p:grpSpPr>
+      <p:sp>
+        <p:nvSpPr>
+          <p:cNvPr id="6" name="Title 5">
+            <a:extLst>
+              <a:ext uri="{FF2B5EF4-FFF2-40B4-BE49-F238E27FC236}">
+                <a16:creationId xmlns:a16="http://schemas.microsoft.com/office/drawing/2014/main" id="{63884149-B247-1597-BB9F-F0EFE8F4A5EE}"/>
+              </a:ext>
+            </a:extLst>
+          </p:cNvPr>
+          <p:cNvSpPr>
+            <a:spLocks noGrp="1"/>
+          </p:cNvSpPr>
+          <p:nvPr>
+            <p:ph type="title"/>
+          </p:nvPr>
+        </p:nvSpPr>
+        <p:spPr/>
+        <p:txBody>
+          <a:bodyPr/>
+          <a:lstStyle/>
+          <a:p>
+            <a:r>
+              <a:rPr lang="en-US" dirty="0"/>
+              <a:t>Set up Project</a:t>
+            </a:r>
+          </a:p>
+        </p:txBody>
+      </p:sp>
+      <p:sp>
+        <p:nvSpPr>
+          <p:cNvPr id="7" name="Text Placeholder 6">
+            <a:extLst>
+              <a:ext uri="{FF2B5EF4-FFF2-40B4-BE49-F238E27FC236}">
+                <a16:creationId xmlns:a16="http://schemas.microsoft.com/office/drawing/2014/main" id="{CF15E32C-5DB4-3C4B-6369-3C5776A26709}"/>
+              </a:ext>
+            </a:extLst>
+          </p:cNvPr>
+          <p:cNvSpPr>
+            <a:spLocks noGrp="1"/>
+          </p:cNvSpPr>
+          <p:nvPr>
+            <p:ph type="body" idx="1"/>
+          </p:nvPr>
+        </p:nvSpPr>
+        <p:spPr/>
+        <p:txBody>
+          <a:bodyPr/>
+          <a:lstStyle/>
+          <a:p>
+            <a:endParaRPr lang="en-US"/>
+          </a:p>
+        </p:txBody>
+      </p:sp>
+    </p:spTree>
+    <p:extLst>
+      <p:ext uri="{BB962C8B-B14F-4D97-AF65-F5344CB8AC3E}">
+        <p14:creationId xmlns:p14="http://schemas.microsoft.com/office/powerpoint/2010/main" val="3686820540"/>
+      </p:ext>
+    </p:extLst>
+  </p:cSld>
+  <p:clrMapOvr>
+    <a:masterClrMapping/>
+  </p:clrMapOvr>
+</p:sld>
+</file>
+
+<file path=ppt/slides/slide4.xml><?xml version="1.0" encoding="utf-8"?>
 <p:sld xmlns:a="http://schemas.openxmlformats.org/drawingml/2006/main" xmlns:r="http://schemas.openxmlformats.org/officeDocument/2006/relationships" xmlns:p="http://schemas.openxmlformats.org/presentationml/2006/main">
   <p:cSld>
     <p:bg>
@@ -16503,7 +18367,7 @@
 </p:sld>
 </file>
 
-<file path=ppt/slides/slide4.xml><?xml version="1.0" encoding="utf-8"?>
+<file path=ppt/slides/slide5.xml><?xml version="1.0" encoding="utf-8"?>
 <p:sld xmlns:a="http://schemas.openxmlformats.org/drawingml/2006/main" xmlns:r="http://schemas.openxmlformats.org/officeDocument/2006/relationships" xmlns:p="http://schemas.openxmlformats.org/presentationml/2006/main">
   <p:cSld>
     <p:spTree>
@@ -16569,9 +18433,7 @@
               <a:avLst/>
             </a:prstGeom>
             <a:ln>
-              <a:solidFill>
-                <a:schemeClr val="tx1"/>
-              </a:solidFill>
+              <a:noFill/>
             </a:ln>
           </p:spPr>
         </p:pic>
@@ -16597,9 +18459,7 @@
             </a:prstGeom>
             <a:noFill/>
             <a:ln w="38100">
-              <a:solidFill>
-                <a:srgbClr val="FFC000"/>
-              </a:solidFill>
+              <a:noFill/>
             </a:ln>
           </p:spPr>
           <p:style>
@@ -16649,9 +18509,7 @@
             </a:prstGeom>
             <a:noFill/>
             <a:ln w="38100">
-              <a:solidFill>
-                <a:srgbClr val="FFC000"/>
-              </a:solidFill>
+              <a:noFill/>
             </a:ln>
           </p:spPr>
           <p:style>
@@ -16693,7 +18551,7 @@
 </p:sld>
 </file>
 
-<file path=ppt/slides/slide5.xml><?xml version="1.0" encoding="utf-8"?>
+<file path=ppt/slides/slide6.xml><?xml version="1.0" encoding="utf-8"?>
 <p:sld xmlns:a="http://schemas.openxmlformats.org/drawingml/2006/main" xmlns:r="http://schemas.openxmlformats.org/officeDocument/2006/relationships" xmlns:p="http://schemas.openxmlformats.org/presentationml/2006/main">
   <p:cSld>
     <p:spTree>
@@ -16935,7 +18793,7 @@
 </p:sld>
 </file>
 
-<file path=ppt/slides/slide6.xml><?xml version="1.0" encoding="utf-8"?>
+<file path=ppt/slides/slide7.xml><?xml version="1.0" encoding="utf-8"?>
 <p:sld xmlns:a="http://schemas.openxmlformats.org/drawingml/2006/main" xmlns:r="http://schemas.openxmlformats.org/officeDocument/2006/relationships" xmlns:p="http://schemas.openxmlformats.org/presentationml/2006/main">
   <p:cSld>
     <p:bg>
@@ -17633,7 +19491,7 @@
 </p:sld>
 </file>
 
-<file path=ppt/slides/slide7.xml><?xml version="1.0" encoding="utf-8"?>
+<file path=ppt/slides/slide8.xml><?xml version="1.0" encoding="utf-8"?>
 <p:sld xmlns:a="http://schemas.openxmlformats.org/drawingml/2006/main" xmlns:r="http://schemas.openxmlformats.org/officeDocument/2006/relationships" xmlns:p="http://schemas.openxmlformats.org/presentationml/2006/main">
   <p:cSld>
     <p:spTree>
@@ -18196,7 +20054,7 @@
 </p:sld>
 </file>
 
-<file path=ppt/slides/slide8.xml><?xml version="1.0" encoding="utf-8"?>
+<file path=ppt/slides/slide9.xml><?xml version="1.0" encoding="utf-8"?>
 <p:sld xmlns:a="http://schemas.openxmlformats.org/drawingml/2006/main" xmlns:r="http://schemas.openxmlformats.org/officeDocument/2006/relationships" xmlns:p="http://schemas.openxmlformats.org/presentationml/2006/main">
   <p:cSld>
     <p:spTree>
@@ -18675,700 +20533,6 @@
     <p:extLst>
       <p:ext uri="{BB962C8B-B14F-4D97-AF65-F5344CB8AC3E}">
         <p14:creationId xmlns:p14="http://schemas.microsoft.com/office/powerpoint/2010/main" val="680315991"/>
-      </p:ext>
-    </p:extLst>
-  </p:cSld>
-  <p:clrMapOvr>
-    <a:masterClrMapping/>
-  </p:clrMapOvr>
-</p:sld>
-</file>
-
-<file path=ppt/slides/slide9.xml><?xml version="1.0" encoding="utf-8"?>
-<p:sld xmlns:a="http://schemas.openxmlformats.org/drawingml/2006/main" xmlns:r="http://schemas.openxmlformats.org/officeDocument/2006/relationships" xmlns:p="http://schemas.openxmlformats.org/presentationml/2006/main">
-  <p:cSld>
-    <p:bg>
-      <p:bgPr>
-        <a:solidFill>
-          <a:schemeClr val="bg1"/>
-        </a:solidFill>
-        <a:effectLst/>
-      </p:bgPr>
-    </p:bg>
-    <p:spTree>
-      <p:nvGrpSpPr>
-        <p:cNvPr id="1" name=""/>
-        <p:cNvGrpSpPr/>
-        <p:nvPr/>
-      </p:nvGrpSpPr>
-      <p:grpSpPr>
-        <a:xfrm>
-          <a:off x="0" y="0"/>
-          <a:ext cx="0" cy="0"/>
-          <a:chOff x="0" y="0"/>
-          <a:chExt cx="0" cy="0"/>
-        </a:xfrm>
-      </p:grpSpPr>
-      <p:sp>
-        <p:nvSpPr>
-          <p:cNvPr id="50" name="Freeform: Shape 49">
-            <a:extLst>
-              <a:ext uri="{FF2B5EF4-FFF2-40B4-BE49-F238E27FC236}">
-                <a16:creationId xmlns:a16="http://schemas.microsoft.com/office/drawing/2014/main" id="{AE192E3E-68A9-4F36-936C-1C8D0B9EF132}"/>
-              </a:ext>
-              <a:ext uri="{C183D7F6-B498-43B3-948B-1728B52AA6E4}">
-                <adec:decorative xmlns:adec="http://schemas.microsoft.com/office/drawing/2017/decorative" val="1"/>
-              </a:ext>
-            </a:extLst>
-          </p:cNvPr>
-          <p:cNvSpPr>
-            <a:spLocks noGrp="1" noRot="1" noChangeAspect="1" noMove="1" noResize="1" noEditPoints="1" noAdjustHandles="1" noChangeArrowheads="1" noChangeShapeType="1" noTextEdit="1"/>
-          </p:cNvSpPr>
-          <p:nvPr>
-            <p:extLst>
-              <p:ext uri="{386F3935-93C4-4BCD-93E2-E3B085C9AB24}">
-                <p16:designElem xmlns:p16="http://schemas.microsoft.com/office/powerpoint/2015/main" val="1"/>
-              </p:ext>
-            </p:extLst>
-          </p:nvPr>
-        </p:nvSpPr>
-        <p:spPr>
-          <a:xfrm>
-            <a:off x="8803792" y="3455896"/>
-            <a:ext cx="3388208" cy="3406341"/>
-          </a:xfrm>
-          <a:custGeom>
-            <a:avLst/>
-            <a:gdLst>
-              <a:gd name="connsiteX0" fmla="*/ 3388058 w 3388208"/>
-              <a:gd name="connsiteY0" fmla="*/ 0 h 3406341"/>
-              <a:gd name="connsiteX1" fmla="*/ 3388208 w 3388208"/>
-              <a:gd name="connsiteY1" fmla="*/ 0 h 3406341"/>
-              <a:gd name="connsiteX2" fmla="*/ 3388208 w 3388208"/>
-              <a:gd name="connsiteY2" fmla="*/ 3406341 h 3406341"/>
-              <a:gd name="connsiteX3" fmla="*/ 0 w 3388208"/>
-              <a:gd name="connsiteY3" fmla="*/ 3406341 h 3406341"/>
-              <a:gd name="connsiteX4" fmla="*/ 79006 w 3388208"/>
-              <a:gd name="connsiteY4" fmla="*/ 3404386 h 3406341"/>
-              <a:gd name="connsiteX5" fmla="*/ 3383947 w 3388208"/>
-              <a:gd name="connsiteY5" fmla="*/ 164274 h 3406341"/>
-            </a:gdLst>
-            <a:ahLst/>
-            <a:cxnLst>
-              <a:cxn ang="0">
-                <a:pos x="connsiteX0" y="connsiteY0"/>
-              </a:cxn>
-              <a:cxn ang="0">
-                <a:pos x="connsiteX1" y="connsiteY1"/>
-              </a:cxn>
-              <a:cxn ang="0">
-                <a:pos x="connsiteX2" y="connsiteY2"/>
-              </a:cxn>
-              <a:cxn ang="0">
-                <a:pos x="connsiteX3" y="connsiteY3"/>
-              </a:cxn>
-              <a:cxn ang="0">
-                <a:pos x="connsiteX4" y="connsiteY4"/>
-              </a:cxn>
-              <a:cxn ang="0">
-                <a:pos x="connsiteX5" y="connsiteY5"/>
-              </a:cxn>
-            </a:cxnLst>
-            <a:rect l="l" t="t" r="r" b="b"/>
-            <a:pathLst>
-              <a:path w="3388208" h="3406341">
-                <a:moveTo>
-                  <a:pt x="3388058" y="0"/>
-                </a:moveTo>
-                <a:lnTo>
-                  <a:pt x="3388208" y="0"/>
-                </a:lnTo>
-                <a:lnTo>
-                  <a:pt x="3388208" y="3406341"/>
-                </a:lnTo>
-                <a:lnTo>
-                  <a:pt x="0" y="3406341"/>
-                </a:lnTo>
-                <a:lnTo>
-                  <a:pt x="79006" y="3404386"/>
-                </a:lnTo>
-                <a:cubicBezTo>
-                  <a:pt x="1864742" y="3315784"/>
-                  <a:pt x="3296223" y="1912901"/>
-                  <a:pt x="3383947" y="164274"/>
-                </a:cubicBezTo>
-                <a:close/>
-              </a:path>
-            </a:pathLst>
-          </a:custGeom>
-          <a:solidFill>
-            <a:schemeClr val="accent5"/>
-          </a:solidFill>
-          <a:ln>
-            <a:noFill/>
-          </a:ln>
-        </p:spPr>
-        <p:style>
-          <a:lnRef idx="2">
-            <a:schemeClr val="accent1">
-              <a:shade val="50000"/>
-            </a:schemeClr>
-          </a:lnRef>
-          <a:fillRef idx="1">
-            <a:schemeClr val="accent1"/>
-          </a:fillRef>
-          <a:effectRef idx="0">
-            <a:schemeClr val="accent1"/>
-          </a:effectRef>
-          <a:fontRef idx="minor">
-            <a:schemeClr val="lt1"/>
-          </a:fontRef>
-        </p:style>
-        <p:txBody>
-          <a:bodyPr wrap="square" rtlCol="0" anchor="ctr">
-            <a:noAutofit/>
-          </a:bodyPr>
-          <a:lstStyle/>
-          <a:p>
-            <a:pPr algn="ctr"/>
-            <a:endParaRPr lang="en-US"/>
-          </a:p>
-        </p:txBody>
-      </p:sp>
-      <p:sp useBgFill="1">
-        <p:nvSpPr>
-          <p:cNvPr id="52" name="Rectangle 51">
-            <a:extLst>
-              <a:ext uri="{FF2B5EF4-FFF2-40B4-BE49-F238E27FC236}">
-                <a16:creationId xmlns:a16="http://schemas.microsoft.com/office/drawing/2014/main" id="{AA447381-A1D4-4821-B1C9-7370B36F28B5}"/>
-              </a:ext>
-              <a:ext uri="{C183D7F6-B498-43B3-948B-1728B52AA6E4}">
-                <adec:decorative xmlns:adec="http://schemas.microsoft.com/office/drawing/2017/decorative" val="1"/>
-              </a:ext>
-            </a:extLst>
-          </p:cNvPr>
-          <p:cNvSpPr>
-            <a:spLocks noGrp="1" noRot="1" noChangeAspect="1" noMove="1" noResize="1" noEditPoints="1" noAdjustHandles="1" noChangeArrowheads="1" noChangeShapeType="1" noTextEdit="1"/>
-          </p:cNvSpPr>
-          <p:nvPr>
-            <p:extLst>
-              <p:ext uri="{386F3935-93C4-4BCD-93E2-E3B085C9AB24}">
-                <p16:designElem xmlns:p16="http://schemas.microsoft.com/office/powerpoint/2015/main" val="1"/>
-              </p:ext>
-            </p:extLst>
-          </p:nvPr>
-        </p:nvSpPr>
-        <p:spPr>
-          <a:xfrm>
-            <a:off x="0" y="0"/>
-            <a:ext cx="12192000" cy="6858000"/>
-          </a:xfrm>
-          <a:prstGeom prst="rect">
-            <a:avLst/>
-          </a:prstGeom>
-          <a:ln w="12700" cap="flat" cmpd="sng" algn="ctr">
-            <a:noFill/>
-            <a:prstDash val="solid"/>
-            <a:miter lim="800000"/>
-          </a:ln>
-          <a:effectLst/>
-          <a:extLst>
-            <a:ext uri="{91240B29-F687-4F45-9708-019B960494DF}">
-              <a14:hiddenLine xmlns:a14="http://schemas.microsoft.com/office/drawing/2010/main" w="12700" cap="flat" cmpd="sng" algn="ctr">
-                <a:solidFill>
-                  <a:schemeClr val="accent1">
-                    <a:shade val="50000"/>
-                  </a:schemeClr>
-                </a:solidFill>
-                <a:prstDash val="solid"/>
-                <a:miter lim="800000"/>
-              </a14:hiddenLine>
-            </a:ext>
-          </a:extLst>
-        </p:spPr>
-        <p:style>
-          <a:lnRef idx="2">
-            <a:schemeClr val="accent1">
-              <a:shade val="50000"/>
-            </a:schemeClr>
-          </a:lnRef>
-          <a:fillRef idx="1">
-            <a:schemeClr val="accent1"/>
-          </a:fillRef>
-          <a:effectRef idx="0">
-            <a:schemeClr val="accent1"/>
-          </a:effectRef>
-          <a:fontRef idx="minor">
-            <a:schemeClr val="lt1"/>
-          </a:fontRef>
-        </p:style>
-        <p:txBody>
-          <a:bodyPr rtlCol="0" anchor="ctr"/>
-          <a:lstStyle/>
-          <a:p>
-            <a:pPr algn="ctr"/>
-            <a:endParaRPr lang="en-US"/>
-          </a:p>
-        </p:txBody>
-      </p:sp>
-      <p:sp>
-        <p:nvSpPr>
-          <p:cNvPr id="54" name="Rectangle 53">
-            <a:extLst>
-              <a:ext uri="{FF2B5EF4-FFF2-40B4-BE49-F238E27FC236}">
-                <a16:creationId xmlns:a16="http://schemas.microsoft.com/office/drawing/2014/main" id="{B36BA507-8EBB-41BC-B10D-D9ED7F17EE89}"/>
-              </a:ext>
-              <a:ext uri="{C183D7F6-B498-43B3-948B-1728B52AA6E4}">
-                <adec:decorative xmlns:adec="http://schemas.microsoft.com/office/drawing/2017/decorative" val="1"/>
-              </a:ext>
-            </a:extLst>
-          </p:cNvPr>
-          <p:cNvSpPr>
-            <a:spLocks noGrp="1" noRot="1" noChangeAspect="1" noMove="1" noResize="1" noEditPoints="1" noAdjustHandles="1" noChangeArrowheads="1" noChangeShapeType="1" noTextEdit="1"/>
-          </p:cNvSpPr>
-          <p:nvPr>
-            <p:extLst>
-              <p:ext uri="{386F3935-93C4-4BCD-93E2-E3B085C9AB24}">
-                <p16:designElem xmlns:p16="http://schemas.microsoft.com/office/powerpoint/2015/main" val="1"/>
-              </p:ext>
-            </p:extLst>
-          </p:nvPr>
-        </p:nvSpPr>
-        <p:spPr>
-          <a:xfrm rot="10800000" flipH="1" flipV="1">
-            <a:off x="-4099" y="3429001"/>
-            <a:ext cx="3483870" cy="3428999"/>
-          </a:xfrm>
-          <a:prstGeom prst="rect">
-            <a:avLst/>
-          </a:prstGeom>
-          <a:solidFill>
-            <a:schemeClr val="accent4">
-              <a:lumMod val="40000"/>
-              <a:lumOff val="60000"/>
-            </a:schemeClr>
-          </a:solidFill>
-          <a:ln>
-            <a:noFill/>
-          </a:ln>
-        </p:spPr>
-        <p:style>
-          <a:lnRef idx="2">
-            <a:schemeClr val="accent1">
-              <a:shade val="50000"/>
-            </a:schemeClr>
-          </a:lnRef>
-          <a:fillRef idx="1">
-            <a:schemeClr val="accent1"/>
-          </a:fillRef>
-          <a:effectRef idx="0">
-            <a:schemeClr val="accent1"/>
-          </a:effectRef>
-          <a:fontRef idx="minor">
-            <a:schemeClr val="lt1"/>
-          </a:fontRef>
-        </p:style>
-        <p:txBody>
-          <a:bodyPr rtlCol="0" anchor="ctr"/>
-          <a:lstStyle/>
-          <a:p>
-            <a:pPr algn="ctr"/>
-            <a:endParaRPr lang="en-US" dirty="0"/>
-          </a:p>
-        </p:txBody>
-      </p:sp>
-      <p:sp>
-        <p:nvSpPr>
-          <p:cNvPr id="56" name="Freeform: Shape 55">
-            <a:extLst>
-              <a:ext uri="{FF2B5EF4-FFF2-40B4-BE49-F238E27FC236}">
-                <a16:creationId xmlns:a16="http://schemas.microsoft.com/office/drawing/2014/main" id="{D8A12D28-1F38-4C3F-8519-C9BF0D95735C}"/>
-              </a:ext>
-              <a:ext uri="{C183D7F6-B498-43B3-948B-1728B52AA6E4}">
-                <adec:decorative xmlns:adec="http://schemas.microsoft.com/office/drawing/2017/decorative" val="1"/>
-              </a:ext>
-            </a:extLst>
-          </p:cNvPr>
-          <p:cNvSpPr>
-            <a:spLocks noGrp="1" noRot="1" noChangeAspect="1" noMove="1" noResize="1" noEditPoints="1" noAdjustHandles="1" noChangeArrowheads="1" noChangeShapeType="1" noTextEdit="1"/>
-          </p:cNvSpPr>
-          <p:nvPr>
-            <p:extLst>
-              <p:ext uri="{386F3935-93C4-4BCD-93E2-E3B085C9AB24}">
-                <p16:designElem xmlns:p16="http://schemas.microsoft.com/office/powerpoint/2015/main" val="1"/>
-              </p:ext>
-            </p:extLst>
-          </p:nvPr>
-        </p:nvSpPr>
-        <p:spPr>
-          <a:xfrm flipH="1">
-            <a:off x="0" y="3427750"/>
-            <a:ext cx="3479772" cy="3430249"/>
-          </a:xfrm>
-          <a:custGeom>
-            <a:avLst/>
-            <a:gdLst>
-              <a:gd name="connsiteX0" fmla="*/ 0 w 2559050"/>
-              <a:gd name="connsiteY0" fmla="*/ 0 h 2559050"/>
-              <a:gd name="connsiteX1" fmla="*/ 2559050 w 2559050"/>
-              <a:gd name="connsiteY1" fmla="*/ 0 h 2559050"/>
-              <a:gd name="connsiteX2" fmla="*/ 0 w 2559050"/>
-              <a:gd name="connsiteY2" fmla="*/ 2559050 h 2559050"/>
-            </a:gdLst>
-            <a:ahLst/>
-            <a:cxnLst>
-              <a:cxn ang="0">
-                <a:pos x="connsiteX0" y="connsiteY0"/>
-              </a:cxn>
-              <a:cxn ang="0">
-                <a:pos x="connsiteX1" y="connsiteY1"/>
-              </a:cxn>
-              <a:cxn ang="0">
-                <a:pos x="connsiteX2" y="connsiteY2"/>
-              </a:cxn>
-            </a:cxnLst>
-            <a:rect l="l" t="t" r="r" b="b"/>
-            <a:pathLst>
-              <a:path w="2559050" h="2559050">
-                <a:moveTo>
-                  <a:pt x="0" y="0"/>
-                </a:moveTo>
-                <a:lnTo>
-                  <a:pt x="2559050" y="0"/>
-                </a:lnTo>
-                <a:cubicBezTo>
-                  <a:pt x="2559050" y="1413324"/>
-                  <a:pt x="1413324" y="2559050"/>
-                  <a:pt x="0" y="2559050"/>
-                </a:cubicBezTo>
-                <a:close/>
-              </a:path>
-            </a:pathLst>
-          </a:custGeom>
-          <a:solidFill>
-            <a:schemeClr val="accent5"/>
-          </a:solidFill>
-          <a:ln>
-            <a:noFill/>
-          </a:ln>
-        </p:spPr>
-        <p:style>
-          <a:lnRef idx="2">
-            <a:schemeClr val="accent1">
-              <a:shade val="50000"/>
-            </a:schemeClr>
-          </a:lnRef>
-          <a:fillRef idx="1">
-            <a:schemeClr val="accent1"/>
-          </a:fillRef>
-          <a:effectRef idx="0">
-            <a:schemeClr val="accent1"/>
-          </a:effectRef>
-          <a:fontRef idx="minor">
-            <a:schemeClr val="lt1"/>
-          </a:fontRef>
-        </p:style>
-        <p:txBody>
-          <a:bodyPr wrap="square" rtlCol="0" anchor="ctr">
-            <a:noAutofit/>
-          </a:bodyPr>
-          <a:lstStyle/>
-          <a:p>
-            <a:pPr algn="ctr"/>
-            <a:endParaRPr lang="en-US">
-              <a:solidFill>
-                <a:schemeClr val="tx1"/>
-              </a:solidFill>
-            </a:endParaRPr>
-          </a:p>
-        </p:txBody>
-      </p:sp>
-      <p:sp>
-        <p:nvSpPr>
-          <p:cNvPr id="58" name="Rectangle 57">
-            <a:extLst>
-              <a:ext uri="{FF2B5EF4-FFF2-40B4-BE49-F238E27FC236}">
-                <a16:creationId xmlns:a16="http://schemas.microsoft.com/office/drawing/2014/main" id="{F6B5EBAF-DB0B-4E76-8845-85F43B5033DD}"/>
-              </a:ext>
-              <a:ext uri="{C183D7F6-B498-43B3-948B-1728B52AA6E4}">
-                <adec:decorative xmlns:adec="http://schemas.microsoft.com/office/drawing/2017/decorative" val="1"/>
-              </a:ext>
-            </a:extLst>
-          </p:cNvPr>
-          <p:cNvSpPr>
-            <a:spLocks noGrp="1" noRot="1" noChangeAspect="1" noMove="1" noResize="1" noEditPoints="1" noAdjustHandles="1" noChangeArrowheads="1" noChangeShapeType="1" noTextEdit="1"/>
-          </p:cNvSpPr>
-          <p:nvPr>
-            <p:extLst>
-              <p:ext uri="{386F3935-93C4-4BCD-93E2-E3B085C9AB24}">
-                <p16:designElem xmlns:p16="http://schemas.microsoft.com/office/powerpoint/2015/main" val="1"/>
-              </p:ext>
-            </p:extLst>
-          </p:nvPr>
-        </p:nvSpPr>
-        <p:spPr>
-          <a:xfrm rot="10800000" flipH="1" flipV="1">
-            <a:off x="3479772" y="3429001"/>
-            <a:ext cx="8712227" cy="3428999"/>
-          </a:xfrm>
-          <a:prstGeom prst="rect">
-            <a:avLst/>
-          </a:prstGeom>
-          <a:solidFill>
-            <a:schemeClr val="accent1">
-              <a:lumMod val="60000"/>
-              <a:lumOff val="40000"/>
-            </a:schemeClr>
-          </a:solidFill>
-          <a:ln>
-            <a:noFill/>
-          </a:ln>
-        </p:spPr>
-        <p:style>
-          <a:lnRef idx="2">
-            <a:schemeClr val="accent1">
-              <a:shade val="50000"/>
-            </a:schemeClr>
-          </a:lnRef>
-          <a:fillRef idx="1">
-            <a:schemeClr val="accent1"/>
-          </a:fillRef>
-          <a:effectRef idx="0">
-            <a:schemeClr val="accent1"/>
-          </a:effectRef>
-          <a:fontRef idx="minor">
-            <a:schemeClr val="lt1"/>
-          </a:fontRef>
-        </p:style>
-        <p:txBody>
-          <a:bodyPr rtlCol="0" anchor="ctr"/>
-          <a:lstStyle/>
-          <a:p>
-            <a:pPr algn="ctr"/>
-            <a:endParaRPr lang="en-US" dirty="0"/>
-          </a:p>
-        </p:txBody>
-      </p:sp>
-      <p:sp>
-        <p:nvSpPr>
-          <p:cNvPr id="60" name="Rectangle 34">
-            <a:extLst>
-              <a:ext uri="{FF2B5EF4-FFF2-40B4-BE49-F238E27FC236}">
-                <a16:creationId xmlns:a16="http://schemas.microsoft.com/office/drawing/2014/main" id="{7C3391C8-8289-499C-B830-A3EACA618EE4}"/>
-              </a:ext>
-              <a:ext uri="{C183D7F6-B498-43B3-948B-1728B52AA6E4}">
-                <adec:decorative xmlns:adec="http://schemas.microsoft.com/office/drawing/2017/decorative" val="1"/>
-              </a:ext>
-            </a:extLst>
-          </p:cNvPr>
-          <p:cNvSpPr>
-            <a:spLocks noGrp="1" noRot="1" noChangeAspect="1" noMove="1" noResize="1" noEditPoints="1" noAdjustHandles="1" noChangeArrowheads="1" noChangeShapeType="1" noTextEdit="1"/>
-          </p:cNvSpPr>
-          <p:nvPr>
-            <p:extLst>
-              <p:ext uri="{386F3935-93C4-4BCD-93E2-E3B085C9AB24}">
-                <p16:designElem xmlns:p16="http://schemas.microsoft.com/office/powerpoint/2015/main" val="1"/>
-              </p:ext>
-            </p:extLst>
-          </p:nvPr>
-        </p:nvSpPr>
-        <p:spPr>
-          <a:xfrm rot="5400000" flipH="1" flipV="1">
-            <a:off x="3502418" y="3405102"/>
-            <a:ext cx="3429002" cy="3474296"/>
-          </a:xfrm>
-          <a:custGeom>
-            <a:avLst/>
-            <a:gdLst>
-              <a:gd name="connsiteX0" fmla="*/ 0 w 3484819"/>
-              <a:gd name="connsiteY0" fmla="*/ 0 h 3430264"/>
-              <a:gd name="connsiteX1" fmla="*/ 3484819 w 3484819"/>
-              <a:gd name="connsiteY1" fmla="*/ 0 h 3430264"/>
-              <a:gd name="connsiteX2" fmla="*/ 3484819 w 3484819"/>
-              <a:gd name="connsiteY2" fmla="*/ 3430264 h 3430264"/>
-              <a:gd name="connsiteX3" fmla="*/ 0 w 3484819"/>
-              <a:gd name="connsiteY3" fmla="*/ 3430264 h 3430264"/>
-              <a:gd name="connsiteX4" fmla="*/ 0 w 3484819"/>
-              <a:gd name="connsiteY4" fmla="*/ 0 h 3430264"/>
-              <a:gd name="connsiteX0" fmla="*/ 0 w 3484819"/>
-              <a:gd name="connsiteY0" fmla="*/ 0 h 3430264"/>
-              <a:gd name="connsiteX1" fmla="*/ 3484819 w 3484819"/>
-              <a:gd name="connsiteY1" fmla="*/ 0 h 3430264"/>
-              <a:gd name="connsiteX2" fmla="*/ 0 w 3484819"/>
-              <a:gd name="connsiteY2" fmla="*/ 3430264 h 3430264"/>
-              <a:gd name="connsiteX3" fmla="*/ 0 w 3484819"/>
-              <a:gd name="connsiteY3" fmla="*/ 0 h 3430264"/>
-            </a:gdLst>
-            <a:ahLst/>
-            <a:cxnLst>
-              <a:cxn ang="0">
-                <a:pos x="connsiteX0" y="connsiteY0"/>
-              </a:cxn>
-              <a:cxn ang="0">
-                <a:pos x="connsiteX1" y="connsiteY1"/>
-              </a:cxn>
-              <a:cxn ang="0">
-                <a:pos x="connsiteX2" y="connsiteY2"/>
-              </a:cxn>
-              <a:cxn ang="0">
-                <a:pos x="connsiteX3" y="connsiteY3"/>
-              </a:cxn>
-            </a:cxnLst>
-            <a:rect l="l" t="t" r="r" b="b"/>
-            <a:pathLst>
-              <a:path w="3484819" h="3430264">
-                <a:moveTo>
-                  <a:pt x="0" y="0"/>
-                </a:moveTo>
-                <a:lnTo>
-                  <a:pt x="3484819" y="0"/>
-                </a:lnTo>
-                <a:lnTo>
-                  <a:pt x="0" y="3430264"/>
-                </a:lnTo>
-                <a:lnTo>
-                  <a:pt x="0" y="0"/>
-                </a:lnTo>
-                <a:close/>
-              </a:path>
-            </a:pathLst>
-          </a:custGeom>
-          <a:solidFill>
-            <a:schemeClr val="accent2"/>
-          </a:solidFill>
-          <a:ln>
-            <a:noFill/>
-          </a:ln>
-        </p:spPr>
-        <p:style>
-          <a:lnRef idx="2">
-            <a:schemeClr val="accent1">
-              <a:shade val="50000"/>
-            </a:schemeClr>
-          </a:lnRef>
-          <a:fillRef idx="1">
-            <a:schemeClr val="accent1"/>
-          </a:fillRef>
-          <a:effectRef idx="0">
-            <a:schemeClr val="accent1"/>
-          </a:effectRef>
-          <a:fontRef idx="minor">
-            <a:schemeClr val="lt1"/>
-          </a:fontRef>
-        </p:style>
-        <p:txBody>
-          <a:bodyPr rtlCol="0" anchor="ctr"/>
-          <a:lstStyle/>
-          <a:p>
-            <a:pPr algn="ctr"/>
-            <a:endParaRPr lang="en-US" dirty="0"/>
-          </a:p>
-        </p:txBody>
-      </p:sp>
-      <p:sp>
-        <p:nvSpPr>
-          <p:cNvPr id="62" name="Oval 61">
-            <a:extLst>
-              <a:ext uri="{FF2B5EF4-FFF2-40B4-BE49-F238E27FC236}">
-                <a16:creationId xmlns:a16="http://schemas.microsoft.com/office/drawing/2014/main" id="{7C7FAD3D-CE22-4C88-85EA-13FC95D289DD}"/>
-              </a:ext>
-              <a:ext uri="{C183D7F6-B498-43B3-948B-1728B52AA6E4}">
-                <adec:decorative xmlns:adec="http://schemas.microsoft.com/office/drawing/2017/decorative" val="1"/>
-              </a:ext>
-            </a:extLst>
-          </p:cNvPr>
-          <p:cNvSpPr>
-            <a:spLocks noGrp="1" noRot="1" noChangeAspect="1" noMove="1" noResize="1" noEditPoints="1" noAdjustHandles="1" noChangeArrowheads="1" noChangeShapeType="1" noTextEdit="1"/>
-          </p:cNvSpPr>
-          <p:nvPr>
-            <p:extLst>
-              <p:ext uri="{386F3935-93C4-4BCD-93E2-E3B085C9AB24}">
-                <p16:designElem xmlns:p16="http://schemas.microsoft.com/office/powerpoint/2015/main" val="1"/>
-              </p:ext>
-            </p:extLst>
-          </p:nvPr>
-        </p:nvSpPr>
-        <p:spPr>
-          <a:xfrm>
-            <a:off x="8922467" y="3607646"/>
-            <a:ext cx="3070455" cy="3070455"/>
-          </a:xfrm>
-          <a:prstGeom prst="ellipse">
-            <a:avLst/>
-          </a:prstGeom>
-          <a:solidFill>
-            <a:srgbClr val="FFFFFF"/>
-          </a:solidFill>
-          <a:ln>
-            <a:noFill/>
-          </a:ln>
-        </p:spPr>
-        <p:style>
-          <a:lnRef idx="2">
-            <a:schemeClr val="accent1">
-              <a:shade val="50000"/>
-            </a:schemeClr>
-          </a:lnRef>
-          <a:fillRef idx="1">
-            <a:schemeClr val="accent1"/>
-          </a:fillRef>
-          <a:effectRef idx="0">
-            <a:schemeClr val="accent1"/>
-          </a:effectRef>
-          <a:fontRef idx="minor">
-            <a:schemeClr val="lt1"/>
-          </a:fontRef>
-        </p:style>
-        <p:txBody>
-          <a:bodyPr rtlCol="0" anchor="ctr"/>
-          <a:lstStyle/>
-          <a:p>
-            <a:pPr algn="ctr"/>
-            <a:endParaRPr lang="en-US"/>
-          </a:p>
-        </p:txBody>
-      </p:sp>
-      <p:pic>
-        <p:nvPicPr>
-          <p:cNvPr id="7" name="Picture 6" descr="A yellow bar chart with black background&#10;&#10;AI-generated content may be incorrect.">
-            <a:extLst>
-              <a:ext uri="{FF2B5EF4-FFF2-40B4-BE49-F238E27FC236}">
-                <a16:creationId xmlns:a16="http://schemas.microsoft.com/office/drawing/2014/main" id="{0F76F279-31D0-658B-A032-9A5077391A22}"/>
-              </a:ext>
-            </a:extLst>
-          </p:cNvPr>
-          <p:cNvPicPr>
-            <a:picLocks noChangeAspect="1"/>
-          </p:cNvPicPr>
-          <p:nvPr/>
-        </p:nvPicPr>
-        <p:blipFill>
-          <a:blip r:embed="rId3">
-            <a:extLst>
-              <a:ext uri="{28A0092B-C50C-407E-A947-70E740481C1C}">
-                <a14:useLocalDpi xmlns:a14="http://schemas.microsoft.com/office/drawing/2010/main" val="0"/>
-              </a:ext>
-            </a:extLst>
-          </a:blip>
-          <a:srcRect t="24448" b="26176"/>
-          <a:stretch>
-            <a:fillRect/>
-          </a:stretch>
-        </p:blipFill>
-        <p:spPr>
-          <a:xfrm>
-            <a:off x="9086094" y="4465010"/>
-            <a:ext cx="2743200" cy="1354479"/>
-          </a:xfrm>
-          <a:prstGeom prst="rect">
-            <a:avLst/>
-          </a:prstGeom>
-        </p:spPr>
-      </p:pic>
-    </p:spTree>
-    <p:extLst>
-      <p:ext uri="{BB962C8B-B14F-4D97-AF65-F5344CB8AC3E}">
-        <p14:creationId xmlns:p14="http://schemas.microsoft.com/office/powerpoint/2010/main" val="637506734"/>
       </p:ext>
     </p:extLst>
   </p:cSld>
